--- a/aPlatform/aPlatform/portfolio_README.pptx
+++ b/aPlatform/aPlatform/portfolio_README.pptx
@@ -5941,7 +5941,7 @@
           <a:p>
             <a:fld id="{9FE7A9D4-2312-4C80-955C-3A7FA2F8832A}" type="datetimeFigureOut">
               <a:rPr lang="ko-KR" altLang="en-US" smtClean="0"/>
-              <a:t>2020-11-22</a:t>
+              <a:t>2022-04-13</a:t>
             </a:fld>
             <a:endParaRPr lang="ko-KR" altLang="en-US"/>
           </a:p>
@@ -6011,13 +6011,13 @@
   <p:clrMapOvr>
     <a:masterClrMapping/>
   </p:clrMapOvr>
-  <mc:AlternateContent xmlns:mc="http://schemas.openxmlformats.org/markup-compatibility/2006">
-    <mc:Choice xmlns:p14="http://schemas.microsoft.com/office/powerpoint/2010/main" Requires="p14">
+  <mc:AlternateContent xmlns:mc="http://schemas.openxmlformats.org/markup-compatibility/2006" xmlns:p14="http://schemas.microsoft.com/office/powerpoint/2010/main">
+    <mc:Choice Requires="p14">
       <p:transition spd="med" p14:dur="700">
         <p:fade/>
       </p:transition>
     </mc:Choice>
-    <mc:Fallback>
+    <mc:Fallback xmlns="">
       <p:transition spd="med">
         <p:fade/>
       </p:transition>
@@ -6241,7 +6241,7 @@
           <a:p>
             <a:fld id="{9FE7A9D4-2312-4C80-955C-3A7FA2F8832A}" type="datetimeFigureOut">
               <a:rPr lang="ko-KR" altLang="en-US" smtClean="0"/>
-              <a:t>2020-11-22</a:t>
+              <a:t>2022-04-13</a:t>
             </a:fld>
             <a:endParaRPr lang="ko-KR" altLang="en-US"/>
           </a:p>
@@ -6311,13 +6311,13 @@
   <p:clrMapOvr>
     <a:masterClrMapping/>
   </p:clrMapOvr>
-  <mc:AlternateContent xmlns:mc="http://schemas.openxmlformats.org/markup-compatibility/2006">
-    <mc:Choice xmlns:p14="http://schemas.microsoft.com/office/powerpoint/2010/main" Requires="p14">
+  <mc:AlternateContent xmlns:mc="http://schemas.openxmlformats.org/markup-compatibility/2006" xmlns:p14="http://schemas.microsoft.com/office/powerpoint/2010/main">
+    <mc:Choice Requires="p14">
       <p:transition spd="med" p14:dur="700">
         <p:fade/>
       </p:transition>
     </mc:Choice>
-    <mc:Fallback>
+    <mc:Fallback xmlns="">
       <p:transition spd="med">
         <p:fade/>
       </p:transition>
@@ -6451,7 +6451,7 @@
           <a:p>
             <a:fld id="{9FE7A9D4-2312-4C80-955C-3A7FA2F8832A}" type="datetimeFigureOut">
               <a:rPr lang="ko-KR" altLang="en-US" smtClean="0"/>
-              <a:t>2020-11-22</a:t>
+              <a:t>2022-04-13</a:t>
             </a:fld>
             <a:endParaRPr lang="ko-KR" altLang="en-US"/>
           </a:p>
@@ -6521,13 +6521,13 @@
   <p:clrMapOvr>
     <a:masterClrMapping/>
   </p:clrMapOvr>
-  <mc:AlternateContent xmlns:mc="http://schemas.openxmlformats.org/markup-compatibility/2006">
-    <mc:Choice xmlns:p14="http://schemas.microsoft.com/office/powerpoint/2010/main" Requires="p14">
+  <mc:AlternateContent xmlns:mc="http://schemas.openxmlformats.org/markup-compatibility/2006" xmlns:p14="http://schemas.microsoft.com/office/powerpoint/2010/main">
+    <mc:Choice Requires="p14">
       <p:transition spd="med" p14:dur="700">
         <p:fade/>
       </p:transition>
     </mc:Choice>
-    <mc:Fallback>
+    <mc:Fallback xmlns="">
       <p:transition spd="med">
         <p:fade/>
       </p:transition>
@@ -6671,7 +6671,7 @@
           <a:p>
             <a:fld id="{9FE7A9D4-2312-4C80-955C-3A7FA2F8832A}" type="datetimeFigureOut">
               <a:rPr lang="ko-KR" altLang="en-US" smtClean="0"/>
-              <a:t>2020-11-22</a:t>
+              <a:t>2022-04-13</a:t>
             </a:fld>
             <a:endParaRPr lang="ko-KR" altLang="en-US"/>
           </a:p>
@@ -6741,13 +6741,13 @@
   <p:clrMapOvr>
     <a:masterClrMapping/>
   </p:clrMapOvr>
-  <mc:AlternateContent xmlns:mc="http://schemas.openxmlformats.org/markup-compatibility/2006">
-    <mc:Choice xmlns:p14="http://schemas.microsoft.com/office/powerpoint/2010/main" Requires="p14">
+  <mc:AlternateContent xmlns:mc="http://schemas.openxmlformats.org/markup-compatibility/2006" xmlns:p14="http://schemas.microsoft.com/office/powerpoint/2010/main">
+    <mc:Choice Requires="p14">
       <p:transition spd="med" p14:dur="700">
         <p:fade/>
       </p:transition>
     </mc:Choice>
-    <mc:Fallback>
+    <mc:Fallback xmlns="">
       <p:transition spd="med">
         <p:fade/>
       </p:transition>
@@ -6881,7 +6881,7 @@
           <a:p>
             <a:fld id="{9FE7A9D4-2312-4C80-955C-3A7FA2F8832A}" type="datetimeFigureOut">
               <a:rPr lang="ko-KR" altLang="en-US" smtClean="0"/>
-              <a:t>2020-11-22</a:t>
+              <a:t>2022-04-13</a:t>
             </a:fld>
             <a:endParaRPr lang="ko-KR" altLang="en-US"/>
           </a:p>
@@ -6951,13 +6951,13 @@
   <p:clrMapOvr>
     <a:masterClrMapping/>
   </p:clrMapOvr>
-  <mc:AlternateContent xmlns:mc="http://schemas.openxmlformats.org/markup-compatibility/2006">
-    <mc:Choice xmlns:p14="http://schemas.microsoft.com/office/powerpoint/2010/main" Requires="p14">
+  <mc:AlternateContent xmlns:mc="http://schemas.openxmlformats.org/markup-compatibility/2006" xmlns:p14="http://schemas.microsoft.com/office/powerpoint/2010/main">
+    <mc:Choice Requires="p14">
       <p:transition spd="med" p14:dur="700">
         <p:fade/>
       </p:transition>
     </mc:Choice>
-    <mc:Fallback>
+    <mc:Fallback xmlns="">
       <p:transition spd="med">
         <p:fade/>
       </p:transition>
@@ -7168,7 +7168,7 @@
           <a:p>
             <a:fld id="{9FE7A9D4-2312-4C80-955C-3A7FA2F8832A}" type="datetimeFigureOut">
               <a:rPr lang="ko-KR" altLang="en-US" smtClean="0"/>
-              <a:t>2020-11-22</a:t>
+              <a:t>2022-04-13</a:t>
             </a:fld>
             <a:endParaRPr lang="ko-KR" altLang="en-US"/>
           </a:p>
@@ -7238,13 +7238,13 @@
   <p:clrMapOvr>
     <a:masterClrMapping/>
   </p:clrMapOvr>
-  <mc:AlternateContent xmlns:mc="http://schemas.openxmlformats.org/markup-compatibility/2006">
-    <mc:Choice xmlns:p14="http://schemas.microsoft.com/office/powerpoint/2010/main" Requires="p14">
+  <mc:AlternateContent xmlns:mc="http://schemas.openxmlformats.org/markup-compatibility/2006" xmlns:p14="http://schemas.microsoft.com/office/powerpoint/2010/main">
+    <mc:Choice Requires="p14">
       <p:transition spd="med" p14:dur="700">
         <p:fade/>
       </p:transition>
     </mc:Choice>
-    <mc:Fallback>
+    <mc:Fallback xmlns="">
       <p:transition spd="med">
         <p:fade/>
       </p:transition>
@@ -7445,7 +7445,7 @@
           <a:p>
             <a:fld id="{9FE7A9D4-2312-4C80-955C-3A7FA2F8832A}" type="datetimeFigureOut">
               <a:rPr lang="ko-KR" altLang="en-US" smtClean="0"/>
-              <a:t>2020-11-22</a:t>
+              <a:t>2022-04-13</a:t>
             </a:fld>
             <a:endParaRPr lang="ko-KR" altLang="en-US"/>
           </a:p>
@@ -7515,13 +7515,13 @@
   <p:clrMapOvr>
     <a:masterClrMapping/>
   </p:clrMapOvr>
-  <mc:AlternateContent xmlns:mc="http://schemas.openxmlformats.org/markup-compatibility/2006">
-    <mc:Choice xmlns:p14="http://schemas.microsoft.com/office/powerpoint/2010/main" Requires="p14">
+  <mc:AlternateContent xmlns:mc="http://schemas.openxmlformats.org/markup-compatibility/2006" xmlns:p14="http://schemas.microsoft.com/office/powerpoint/2010/main">
+    <mc:Choice Requires="p14">
       <p:transition spd="med" p14:dur="700">
         <p:fade/>
       </p:transition>
     </mc:Choice>
-    <mc:Fallback>
+    <mc:Fallback xmlns="">
       <p:transition spd="med">
         <p:fade/>
       </p:transition>
@@ -7869,7 +7869,7 @@
           <a:p>
             <a:fld id="{9FE7A9D4-2312-4C80-955C-3A7FA2F8832A}" type="datetimeFigureOut">
               <a:rPr lang="ko-KR" altLang="en-US" smtClean="0"/>
-              <a:t>2020-11-22</a:t>
+              <a:t>2022-04-13</a:t>
             </a:fld>
             <a:endParaRPr lang="ko-KR" altLang="en-US"/>
           </a:p>
@@ -7939,13 +7939,13 @@
   <p:clrMapOvr>
     <a:masterClrMapping/>
   </p:clrMapOvr>
-  <mc:AlternateContent xmlns:mc="http://schemas.openxmlformats.org/markup-compatibility/2006">
-    <mc:Choice xmlns:p14="http://schemas.microsoft.com/office/powerpoint/2010/main" Requires="p14">
+  <mc:AlternateContent xmlns:mc="http://schemas.openxmlformats.org/markup-compatibility/2006" xmlns:p14="http://schemas.microsoft.com/office/powerpoint/2010/main">
+    <mc:Choice Requires="p14">
       <p:transition spd="med" p14:dur="700">
         <p:fade/>
       </p:transition>
     </mc:Choice>
-    <mc:Fallback>
+    <mc:Fallback xmlns="">
       <p:transition spd="med">
         <p:fade/>
       </p:transition>
@@ -8022,7 +8022,7 @@
           <a:p>
             <a:fld id="{9FE7A9D4-2312-4C80-955C-3A7FA2F8832A}" type="datetimeFigureOut">
               <a:rPr lang="ko-KR" altLang="en-US" smtClean="0"/>
-              <a:t>2020-11-22</a:t>
+              <a:t>2022-04-13</a:t>
             </a:fld>
             <a:endParaRPr lang="ko-KR" altLang="en-US"/>
           </a:p>
@@ -8092,13 +8092,13 @@
   <p:clrMapOvr>
     <a:masterClrMapping/>
   </p:clrMapOvr>
-  <mc:AlternateContent xmlns:mc="http://schemas.openxmlformats.org/markup-compatibility/2006">
-    <mc:Choice xmlns:p14="http://schemas.microsoft.com/office/powerpoint/2010/main" Requires="p14">
+  <mc:AlternateContent xmlns:mc="http://schemas.openxmlformats.org/markup-compatibility/2006" xmlns:p14="http://schemas.microsoft.com/office/powerpoint/2010/main">
+    <mc:Choice Requires="p14">
       <p:transition spd="med" p14:dur="700">
         <p:fade/>
       </p:transition>
     </mc:Choice>
-    <mc:Fallback>
+    <mc:Fallback xmlns="">
       <p:transition spd="med">
         <p:fade/>
       </p:transition>
@@ -8236,7 +8236,7 @@
           <a:p>
             <a:fld id="{9FE7A9D4-2312-4C80-955C-3A7FA2F8832A}" type="datetimeFigureOut">
               <a:rPr lang="ko-KR" altLang="en-US" smtClean="0"/>
-              <a:t>2020-11-22</a:t>
+              <a:t>2022-04-13</a:t>
             </a:fld>
             <a:endParaRPr lang="ko-KR" altLang="en-US"/>
           </a:p>
@@ -8306,13 +8306,13 @@
   <p:clrMapOvr>
     <a:masterClrMapping/>
   </p:clrMapOvr>
-  <mc:AlternateContent xmlns:mc="http://schemas.openxmlformats.org/markup-compatibility/2006">
-    <mc:Choice xmlns:p14="http://schemas.microsoft.com/office/powerpoint/2010/main" Requires="p14">
+  <mc:AlternateContent xmlns:mc="http://schemas.openxmlformats.org/markup-compatibility/2006" xmlns:p14="http://schemas.microsoft.com/office/powerpoint/2010/main">
+    <mc:Choice Requires="p14">
       <p:transition spd="med" p14:dur="700">
         <p:fade/>
       </p:transition>
     </mc:Choice>
-    <mc:Fallback>
+    <mc:Fallback xmlns="">
       <p:transition spd="med">
         <p:fade/>
       </p:transition>
@@ -8450,7 +8450,7 @@
           <a:p>
             <a:fld id="{9FE7A9D4-2312-4C80-955C-3A7FA2F8832A}" type="datetimeFigureOut">
               <a:rPr lang="ko-KR" altLang="en-US" smtClean="0"/>
-              <a:t>2020-11-22</a:t>
+              <a:t>2022-04-13</a:t>
             </a:fld>
             <a:endParaRPr lang="ko-KR" altLang="en-US"/>
           </a:p>
@@ -8520,13 +8520,13 @@
   <p:clrMapOvr>
     <a:masterClrMapping/>
   </p:clrMapOvr>
-  <mc:AlternateContent xmlns:mc="http://schemas.openxmlformats.org/markup-compatibility/2006">
-    <mc:Choice xmlns:p14="http://schemas.microsoft.com/office/powerpoint/2010/main" Requires="p14">
+  <mc:AlternateContent xmlns:mc="http://schemas.openxmlformats.org/markup-compatibility/2006" xmlns:p14="http://schemas.microsoft.com/office/powerpoint/2010/main">
+    <mc:Choice Requires="p14">
       <p:transition spd="med" p14:dur="700">
         <p:fade/>
       </p:transition>
     </mc:Choice>
-    <mc:Fallback>
+    <mc:Fallback xmlns="">
       <p:transition spd="med">
         <p:fade/>
       </p:transition>
@@ -8773,7 +8773,7 @@
           <a:p>
             <a:fld id="{9FE7A9D4-2312-4C80-955C-3A7FA2F8832A}" type="datetimeFigureOut">
               <a:rPr lang="ko-KR" altLang="en-US" smtClean="0"/>
-              <a:t>2020-11-22</a:t>
+              <a:t>2022-04-13</a:t>
             </a:fld>
             <a:endParaRPr lang="ko-KR" altLang="en-US"/>
           </a:p>
@@ -8843,13 +8843,13 @@
   <p:clrMapOvr>
     <a:masterClrMapping/>
   </p:clrMapOvr>
-  <mc:AlternateContent xmlns:mc="http://schemas.openxmlformats.org/markup-compatibility/2006">
-    <mc:Choice xmlns:p14="http://schemas.microsoft.com/office/powerpoint/2010/main" Requires="p14">
+  <mc:AlternateContent xmlns:mc="http://schemas.openxmlformats.org/markup-compatibility/2006" xmlns:p14="http://schemas.microsoft.com/office/powerpoint/2010/main">
+    <mc:Choice Requires="p14">
       <p:transition spd="med" p14:dur="700">
         <p:fade/>
       </p:transition>
     </mc:Choice>
-    <mc:Fallback>
+    <mc:Fallback xmlns="">
       <p:transition spd="med">
         <p:fade/>
       </p:transition>
@@ -9026,7 +9026,7 @@
           <a:p>
             <a:fld id="{9FE7A9D4-2312-4C80-955C-3A7FA2F8832A}" type="datetimeFigureOut">
               <a:rPr lang="ko-KR" altLang="en-US" smtClean="0"/>
-              <a:t>2020-11-22</a:t>
+              <a:t>2022-04-13</a:t>
             </a:fld>
             <a:endParaRPr lang="ko-KR" altLang="en-US"/>
           </a:p>
@@ -9144,13 +9144,13 @@
     <p:sldLayoutId id="2147483658" r:id="rId11"/>
     <p:sldLayoutId id="2147483659" r:id="rId12"/>
   </p:sldLayoutIdLst>
-  <mc:AlternateContent xmlns:mc="http://schemas.openxmlformats.org/markup-compatibility/2006">
-    <mc:Choice xmlns:p14="http://schemas.microsoft.com/office/powerpoint/2010/main" Requires="p14">
+  <mc:AlternateContent xmlns:mc="http://schemas.openxmlformats.org/markup-compatibility/2006" xmlns:p14="http://schemas.microsoft.com/office/powerpoint/2010/main">
+    <mc:Choice Requires="p14">
       <p:transition spd="med" p14:dur="700">
         <p:fade/>
       </p:transition>
     </mc:Choice>
-    <mc:Fallback>
+    <mc:Fallback xmlns="">
       <p:transition spd="med">
         <p:fade/>
       </p:transition>
@@ -9480,8 +9480,8 @@
         </p:nvSpPr>
         <p:spPr>
           <a:xfrm>
-            <a:off x="3712174" y="2505670"/>
-            <a:ext cx="4767652" cy="923330"/>
+            <a:off x="6003634" y="2505670"/>
+            <a:ext cx="184731" cy="923330"/>
           </a:xfrm>
           <a:prstGeom prst="rect">
             <a:avLst/>
@@ -9495,66 +9495,11 @@
           <a:lstStyle/>
           <a:p>
             <a:pPr algn="ctr"/>
-            <a:r>
-              <a:rPr lang="en-US" altLang="ko-KR" sz="5400" dirty="0">
-                <a:solidFill>
-                  <a:schemeClr val="bg1"/>
-                </a:solidFill>
-              </a:rPr>
-              <a:t>Winter Dream</a:t>
-            </a:r>
             <a:endParaRPr lang="ko-KR" altLang="en-US" sz="5400" dirty="0">
               <a:solidFill>
                 <a:schemeClr val="bg1"/>
               </a:solidFill>
             </a:endParaRPr>
-          </a:p>
-        </p:txBody>
-      </p:sp>
-      <p:sp>
-        <p:nvSpPr>
-          <p:cNvPr id="3" name="TextBox 2">
-            <a:extLst>
-              <a:ext uri="{FF2B5EF4-FFF2-40B4-BE49-F238E27FC236}">
-                <a16:creationId xmlns:a16="http://schemas.microsoft.com/office/drawing/2014/main" id="{D22DB756-317E-4F42-AF88-B6D561E946B9}"/>
-              </a:ext>
-            </a:extLst>
-          </p:cNvPr>
-          <p:cNvSpPr txBox="1"/>
-          <p:nvPr/>
-        </p:nvSpPr>
-        <p:spPr>
-          <a:xfrm>
-            <a:off x="182880" y="193040"/>
-            <a:ext cx="1832553" cy="338554"/>
-          </a:xfrm>
-          <a:prstGeom prst="rect">
-            <a:avLst/>
-          </a:prstGeom>
-          <a:noFill/>
-        </p:spPr>
-        <p:txBody>
-          <a:bodyPr wrap="none" rtlCol="0">
-            <a:spAutoFit/>
-          </a:bodyPr>
-          <a:lstStyle/>
-          <a:p>
-            <a:r>
-              <a:rPr lang="ko-KR" altLang="en-US" sz="1600" dirty="0" err="1">
-                <a:solidFill>
-                  <a:schemeClr val="bg1"/>
-                </a:solidFill>
-              </a:rPr>
-              <a:t>새별의</a:t>
-            </a:r>
-            <a:r>
-              <a:rPr lang="ko-KR" altLang="en-US" sz="1600" dirty="0">
-                <a:solidFill>
-                  <a:schemeClr val="bg1"/>
-                </a:solidFill>
-              </a:rPr>
-              <a:t> 파워포인트</a:t>
-            </a:r>
           </a:p>
         </p:txBody>
       </p:sp>
@@ -9653,13 +9598,13 @@
   <p:clrMapOvr>
     <a:masterClrMapping/>
   </p:clrMapOvr>
-  <mc:AlternateContent xmlns:mc="http://schemas.openxmlformats.org/markup-compatibility/2006">
-    <mc:Choice xmlns:p14="http://schemas.microsoft.com/office/powerpoint/2010/main" Requires="p14">
+  <mc:AlternateContent xmlns:mc="http://schemas.openxmlformats.org/markup-compatibility/2006" xmlns:p14="http://schemas.microsoft.com/office/powerpoint/2010/main">
+    <mc:Choice Requires="p14">
       <p:transition spd="med" p14:dur="700">
         <p:fade/>
       </p:transition>
     </mc:Choice>
-    <mc:Fallback>
+    <mc:Fallback xmlns="">
       <p:transition spd="med">
         <p:fade/>
       </p:transition>
@@ -11185,13 +11130,13 @@
   <p:clrMapOvr>
     <a:masterClrMapping/>
   </p:clrMapOvr>
-  <mc:AlternateContent xmlns:mc="http://schemas.openxmlformats.org/markup-compatibility/2006">
-    <mc:Choice xmlns:p14="http://schemas.microsoft.com/office/powerpoint/2010/main" Requires="p14">
+  <mc:AlternateContent xmlns:mc="http://schemas.openxmlformats.org/markup-compatibility/2006" xmlns:p14="http://schemas.microsoft.com/office/powerpoint/2010/main">
+    <mc:Choice Requires="p14">
       <p:transition spd="med" p14:dur="700">
         <p:fade/>
       </p:transition>
     </mc:Choice>
-    <mc:Fallback>
+    <mc:Fallback xmlns="">
       <p:transition spd="med">
         <p:fade/>
       </p:transition>
@@ -13362,13 +13307,13 @@
   <p:clrMapOvr>
     <a:masterClrMapping/>
   </p:clrMapOvr>
-  <mc:AlternateContent xmlns:mc="http://schemas.openxmlformats.org/markup-compatibility/2006">
-    <mc:Choice xmlns:p14="http://schemas.microsoft.com/office/powerpoint/2010/main" Requires="p14">
+  <mc:AlternateContent xmlns:mc="http://schemas.openxmlformats.org/markup-compatibility/2006" xmlns:p14="http://schemas.microsoft.com/office/powerpoint/2010/main">
+    <mc:Choice Requires="p14">
       <p:transition spd="med" p14:dur="700">
         <p:fade/>
       </p:transition>
     </mc:Choice>
-    <mc:Fallback>
+    <mc:Fallback xmlns="">
       <p:transition spd="med">
         <p:fade/>
       </p:transition>
@@ -14737,13 +14682,13 @@
   <p:clrMapOvr>
     <a:masterClrMapping/>
   </p:clrMapOvr>
-  <mc:AlternateContent xmlns:mc="http://schemas.openxmlformats.org/markup-compatibility/2006">
-    <mc:Choice xmlns:p14="http://schemas.microsoft.com/office/powerpoint/2010/main" Requires="p14">
+  <mc:AlternateContent xmlns:mc="http://schemas.openxmlformats.org/markup-compatibility/2006" xmlns:p14="http://schemas.microsoft.com/office/powerpoint/2010/main">
+    <mc:Choice Requires="p14">
       <p:transition spd="med" p14:dur="700">
         <p:fade/>
       </p:transition>
     </mc:Choice>
-    <mc:Fallback>
+    <mc:Fallback xmlns="">
       <p:transition spd="med">
         <p:fade/>
       </p:transition>
@@ -15674,13 +15619,13 @@
   <p:clrMapOvr>
     <a:masterClrMapping/>
   </p:clrMapOvr>
-  <mc:AlternateContent xmlns:mc="http://schemas.openxmlformats.org/markup-compatibility/2006">
-    <mc:Choice xmlns:p14="http://schemas.microsoft.com/office/powerpoint/2010/main" Requires="p14">
+  <mc:AlternateContent xmlns:mc="http://schemas.openxmlformats.org/markup-compatibility/2006" xmlns:p14="http://schemas.microsoft.com/office/powerpoint/2010/main">
+    <mc:Choice Requires="p14">
       <p:transition spd="med" p14:dur="700">
         <p:fade/>
       </p:transition>
     </mc:Choice>
-    <mc:Fallback>
+    <mc:Fallback xmlns="">
       <p:transition spd="med">
         <p:fade/>
       </p:transition>
@@ -16621,13 +16566,13 @@
   <p:clrMapOvr>
     <a:masterClrMapping/>
   </p:clrMapOvr>
-  <mc:AlternateContent xmlns:mc="http://schemas.openxmlformats.org/markup-compatibility/2006">
-    <mc:Choice xmlns:p14="http://schemas.microsoft.com/office/powerpoint/2010/main" Requires="p14">
+  <mc:AlternateContent xmlns:mc="http://schemas.openxmlformats.org/markup-compatibility/2006" xmlns:p14="http://schemas.microsoft.com/office/powerpoint/2010/main">
+    <mc:Choice Requires="p14">
       <p:transition spd="med" p14:dur="700">
         <p:fade/>
       </p:transition>
     </mc:Choice>
-    <mc:Fallback>
+    <mc:Fallback xmlns="">
       <p:transition spd="med">
         <p:fade/>
       </p:transition>
@@ -16792,13 +16737,13 @@
   <p:clrMapOvr>
     <a:masterClrMapping/>
   </p:clrMapOvr>
-  <mc:AlternateContent xmlns:mc="http://schemas.openxmlformats.org/markup-compatibility/2006">
-    <mc:Choice xmlns:p14="http://schemas.microsoft.com/office/powerpoint/2010/main" Requires="p14">
+  <mc:AlternateContent xmlns:mc="http://schemas.openxmlformats.org/markup-compatibility/2006" xmlns:p14="http://schemas.microsoft.com/office/powerpoint/2010/main">
+    <mc:Choice Requires="p14">
       <p:transition spd="med" p14:dur="700">
         <p:fade/>
       </p:transition>
     </mc:Choice>
-    <mc:Fallback>
+    <mc:Fallback xmlns="">
       <p:transition spd="med">
         <p:fade/>
       </p:transition>
@@ -17009,13 +16954,13 @@
   <p:clrMapOvr>
     <a:masterClrMapping/>
   </p:clrMapOvr>
-  <mc:AlternateContent xmlns:mc="http://schemas.openxmlformats.org/markup-compatibility/2006">
-    <mc:Choice xmlns:p14="http://schemas.microsoft.com/office/powerpoint/2010/main" Requires="p14">
+  <mc:AlternateContent xmlns:mc="http://schemas.openxmlformats.org/markup-compatibility/2006" xmlns:p14="http://schemas.microsoft.com/office/powerpoint/2010/main">
+    <mc:Choice Requires="p14">
       <p:transition spd="med" p14:dur="700">
         <p:fade/>
       </p:transition>
     </mc:Choice>
-    <mc:Fallback>
+    <mc:Fallback xmlns="">
       <p:transition spd="med">
         <p:fade/>
       </p:transition>
@@ -17278,8 +17223,8 @@
           </a:p>
         </p:txBody>
       </p:sp>
-      <mc:AlternateContent xmlns:mc="http://schemas.openxmlformats.org/markup-compatibility/2006">
-        <mc:Choice xmlns:cx1="http://schemas.microsoft.com/office/drawing/2015/9/8/chartex" Requires="cx1">
+      <mc:AlternateContent xmlns:mc="http://schemas.openxmlformats.org/markup-compatibility/2006" xmlns:cx1="http://schemas.microsoft.com/office/drawing/2015/9/8/chartex">
+        <mc:Choice Requires="cx1">
           <p:graphicFrame>
             <p:nvGraphicFramePr>
               <p:cNvPr id="13" name="차트 12">
@@ -17309,7 +17254,7 @@
             </a:graphic>
           </p:graphicFrame>
         </mc:Choice>
-        <mc:Fallback>
+        <mc:Fallback xmlns="">
           <p:pic>
             <p:nvPicPr>
               <p:cNvPr id="13" name="차트 12">
@@ -17577,13 +17522,13 @@
   <p:clrMapOvr>
     <a:masterClrMapping/>
   </p:clrMapOvr>
-  <mc:AlternateContent xmlns:mc="http://schemas.openxmlformats.org/markup-compatibility/2006">
-    <mc:Choice xmlns:p14="http://schemas.microsoft.com/office/powerpoint/2010/main" Requires="p14">
+  <mc:AlternateContent xmlns:mc="http://schemas.openxmlformats.org/markup-compatibility/2006" xmlns:p14="http://schemas.microsoft.com/office/powerpoint/2010/main">
+    <mc:Choice Requires="p14">
       <p:transition spd="med" p14:dur="700">
         <p:fade/>
       </p:transition>
     </mc:Choice>
-    <mc:Fallback>
+    <mc:Fallback xmlns="">
       <p:transition spd="med">
         <p:fade/>
       </p:transition>
@@ -18621,13 +18566,13 @@
   <p:clrMapOvr>
     <a:masterClrMapping/>
   </p:clrMapOvr>
-  <mc:AlternateContent xmlns:mc="http://schemas.openxmlformats.org/markup-compatibility/2006">
-    <mc:Choice xmlns:p14="http://schemas.microsoft.com/office/powerpoint/2010/main" Requires="p14">
+  <mc:AlternateContent xmlns:mc="http://schemas.openxmlformats.org/markup-compatibility/2006" xmlns:p14="http://schemas.microsoft.com/office/powerpoint/2010/main">
+    <mc:Choice Requires="p14">
       <p:transition spd="med" p14:dur="700">
         <p:fade/>
       </p:transition>
     </mc:Choice>
-    <mc:Fallback>
+    <mc:Fallback xmlns="">
       <p:transition spd="med">
         <p:fade/>
       </p:transition>
@@ -19009,13 +18954,13 @@
   <p:clrMapOvr>
     <a:masterClrMapping/>
   </p:clrMapOvr>
-  <mc:AlternateContent xmlns:mc="http://schemas.openxmlformats.org/markup-compatibility/2006">
-    <mc:Choice xmlns:p14="http://schemas.microsoft.com/office/powerpoint/2010/main" Requires="p14">
+  <mc:AlternateContent xmlns:mc="http://schemas.openxmlformats.org/markup-compatibility/2006" xmlns:p14="http://schemas.microsoft.com/office/powerpoint/2010/main">
+    <mc:Choice Requires="p14">
       <p:transition spd="med" p14:dur="700">
         <p:fade/>
       </p:transition>
     </mc:Choice>
-    <mc:Fallback>
+    <mc:Fallback xmlns="">
       <p:transition spd="med">
         <p:fade/>
       </p:transition>
@@ -19244,13 +19189,13 @@
   <p:clrMapOvr>
     <a:masterClrMapping/>
   </p:clrMapOvr>
-  <mc:AlternateContent xmlns:mc="http://schemas.openxmlformats.org/markup-compatibility/2006">
-    <mc:Choice xmlns:p14="http://schemas.microsoft.com/office/powerpoint/2010/main" Requires="p14">
+  <mc:AlternateContent xmlns:mc="http://schemas.openxmlformats.org/markup-compatibility/2006" xmlns:p14="http://schemas.microsoft.com/office/powerpoint/2010/main">
+    <mc:Choice Requires="p14">
       <p:transition spd="med" p14:dur="700">
         <p:fade/>
       </p:transition>
     </mc:Choice>
-    <mc:Fallback>
+    <mc:Fallback xmlns="">
       <p:transition spd="med">
         <p:fade/>
       </p:transition>
@@ -20031,13 +19976,13 @@
   <p:clrMapOvr>
     <a:masterClrMapping/>
   </p:clrMapOvr>
-  <mc:AlternateContent xmlns:mc="http://schemas.openxmlformats.org/markup-compatibility/2006">
-    <mc:Choice xmlns:p14="http://schemas.microsoft.com/office/powerpoint/2010/main" Requires="p14">
+  <mc:AlternateContent xmlns:mc="http://schemas.openxmlformats.org/markup-compatibility/2006" xmlns:p14="http://schemas.microsoft.com/office/powerpoint/2010/main">
+    <mc:Choice Requires="p14">
       <p:transition spd="med" p14:dur="700">
         <p:fade/>
       </p:transition>
     </mc:Choice>
-    <mc:Fallback>
+    <mc:Fallback xmlns="">
       <p:transition spd="med">
         <p:fade/>
       </p:transition>
@@ -21720,13 +21665,13 @@
   <p:clrMapOvr>
     <a:masterClrMapping/>
   </p:clrMapOvr>
-  <mc:AlternateContent xmlns:mc="http://schemas.openxmlformats.org/markup-compatibility/2006">
-    <mc:Choice xmlns:p14="http://schemas.microsoft.com/office/powerpoint/2010/main" Requires="p14">
+  <mc:AlternateContent xmlns:mc="http://schemas.openxmlformats.org/markup-compatibility/2006" xmlns:p14="http://schemas.microsoft.com/office/powerpoint/2010/main">
+    <mc:Choice Requires="p14">
       <p:transition spd="med" p14:dur="700">
         <p:fade/>
       </p:transition>
     </mc:Choice>
-    <mc:Fallback>
+    <mc:Fallback xmlns="">
       <p:transition spd="med">
         <p:fade/>
       </p:transition>
@@ -21891,13 +21836,13 @@
   <p:clrMapOvr>
     <a:masterClrMapping/>
   </p:clrMapOvr>
-  <mc:AlternateContent xmlns:mc="http://schemas.openxmlformats.org/markup-compatibility/2006">
-    <mc:Choice xmlns:p14="http://schemas.microsoft.com/office/powerpoint/2010/main" Requires="p14">
+  <mc:AlternateContent xmlns:mc="http://schemas.openxmlformats.org/markup-compatibility/2006" xmlns:p14="http://schemas.microsoft.com/office/powerpoint/2010/main">
+    <mc:Choice Requires="p14">
       <p:transition spd="med" p14:dur="700">
         <p:fade/>
       </p:transition>
     </mc:Choice>
-    <mc:Fallback>
+    <mc:Fallback xmlns="">
       <p:transition spd="med">
         <p:fade/>
       </p:transition>
@@ -22190,13 +22135,13 @@
   <p:clrMapOvr>
     <a:masterClrMapping/>
   </p:clrMapOvr>
-  <mc:AlternateContent xmlns:mc="http://schemas.openxmlformats.org/markup-compatibility/2006">
-    <mc:Choice xmlns:p14="http://schemas.microsoft.com/office/powerpoint/2010/main" Requires="p14">
+  <mc:AlternateContent xmlns:mc="http://schemas.openxmlformats.org/markup-compatibility/2006" xmlns:p14="http://schemas.microsoft.com/office/powerpoint/2010/main">
+    <mc:Choice Requires="p14">
       <p:transition spd="med" p14:dur="700">
         <p:fade/>
       </p:transition>
     </mc:Choice>
-    <mc:Fallback>
+    <mc:Fallback xmlns="">
       <p:transition spd="med">
         <p:fade/>
       </p:transition>
@@ -23586,13 +23531,13 @@
   <p:clrMapOvr>
     <a:masterClrMapping/>
   </p:clrMapOvr>
-  <mc:AlternateContent xmlns:mc="http://schemas.openxmlformats.org/markup-compatibility/2006">
-    <mc:Choice xmlns:p14="http://schemas.microsoft.com/office/powerpoint/2010/main" Requires="p14">
+  <mc:AlternateContent xmlns:mc="http://schemas.openxmlformats.org/markup-compatibility/2006" xmlns:p14="http://schemas.microsoft.com/office/powerpoint/2010/main">
+    <mc:Choice Requires="p14">
       <p:transition spd="med" p14:dur="700">
         <p:fade/>
       </p:transition>
     </mc:Choice>
-    <mc:Fallback>
+    <mc:Fallback xmlns="">
       <p:transition spd="med">
         <p:fade/>
       </p:transition>
@@ -24718,13 +24663,13 @@
   <p:clrMapOvr>
     <a:masterClrMapping/>
   </p:clrMapOvr>
-  <mc:AlternateContent xmlns:mc="http://schemas.openxmlformats.org/markup-compatibility/2006">
-    <mc:Choice xmlns:p14="http://schemas.microsoft.com/office/powerpoint/2010/main" Requires="p14">
+  <mc:AlternateContent xmlns:mc="http://schemas.openxmlformats.org/markup-compatibility/2006" xmlns:p14="http://schemas.microsoft.com/office/powerpoint/2010/main">
+    <mc:Choice Requires="p14">
       <p:transition spd="med" p14:dur="700">
         <p:fade/>
       </p:transition>
     </mc:Choice>
-    <mc:Fallback>
+    <mc:Fallback xmlns="">
       <p:transition spd="med">
         <p:fade/>
       </p:transition>
@@ -25285,13 +25230,13 @@
   <p:clrMapOvr>
     <a:masterClrMapping/>
   </p:clrMapOvr>
-  <mc:AlternateContent xmlns:mc="http://schemas.openxmlformats.org/markup-compatibility/2006">
-    <mc:Choice xmlns:p14="http://schemas.microsoft.com/office/powerpoint/2010/main" Requires="p14">
+  <mc:AlternateContent xmlns:mc="http://schemas.openxmlformats.org/markup-compatibility/2006" xmlns:p14="http://schemas.microsoft.com/office/powerpoint/2010/main">
+    <mc:Choice Requires="p14">
       <p:transition spd="med" p14:dur="700">
         <p:fade/>
       </p:transition>
     </mc:Choice>
-    <mc:Fallback>
+    <mc:Fallback xmlns="">
       <p:transition spd="med">
         <p:fade/>
       </p:transition>
@@ -25925,13 +25870,13 @@
   <p:clrMapOvr>
     <a:masterClrMapping/>
   </p:clrMapOvr>
-  <mc:AlternateContent xmlns:mc="http://schemas.openxmlformats.org/markup-compatibility/2006">
-    <mc:Choice xmlns:p14="http://schemas.microsoft.com/office/powerpoint/2010/main" Requires="p14">
+  <mc:AlternateContent xmlns:mc="http://schemas.openxmlformats.org/markup-compatibility/2006" xmlns:p14="http://schemas.microsoft.com/office/powerpoint/2010/main">
+    <mc:Choice Requires="p14">
       <p:transition spd="med" p14:dur="700">
         <p:fade/>
       </p:transition>
     </mc:Choice>
-    <mc:Fallback>
+    <mc:Fallback xmlns="">
       <p:transition spd="med">
         <p:fade/>
       </p:transition>
@@ -26320,13 +26265,13 @@
   <p:clrMapOvr>
     <a:masterClrMapping/>
   </p:clrMapOvr>
-  <mc:AlternateContent xmlns:mc="http://schemas.openxmlformats.org/markup-compatibility/2006">
-    <mc:Choice xmlns:p14="http://schemas.microsoft.com/office/powerpoint/2010/main" Requires="p14">
+  <mc:AlternateContent xmlns:mc="http://schemas.openxmlformats.org/markup-compatibility/2006" xmlns:p14="http://schemas.microsoft.com/office/powerpoint/2010/main">
+    <mc:Choice Requires="p14">
       <p:transition spd="med" p14:dur="700">
         <p:fade/>
       </p:transition>
     </mc:Choice>
-    <mc:Fallback>
+    <mc:Fallback xmlns="">
       <p:transition spd="med">
         <p:fade/>
       </p:transition>
@@ -26715,13 +26660,13 @@
   <p:clrMapOvr>
     <a:masterClrMapping/>
   </p:clrMapOvr>
-  <mc:AlternateContent xmlns:mc="http://schemas.openxmlformats.org/markup-compatibility/2006">
-    <mc:Choice xmlns:p14="http://schemas.microsoft.com/office/powerpoint/2010/main" Requires="p14">
+  <mc:AlternateContent xmlns:mc="http://schemas.openxmlformats.org/markup-compatibility/2006" xmlns:p14="http://schemas.microsoft.com/office/powerpoint/2010/main">
+    <mc:Choice Requires="p14">
       <p:transition spd="med" p14:dur="700">
         <p:fade/>
       </p:transition>
     </mc:Choice>
-    <mc:Fallback>
+    <mc:Fallback xmlns="">
       <p:transition spd="med">
         <p:fade/>
       </p:transition>
@@ -27532,13 +27477,13 @@
   <p:clrMapOvr>
     <a:masterClrMapping/>
   </p:clrMapOvr>
-  <mc:AlternateContent xmlns:mc="http://schemas.openxmlformats.org/markup-compatibility/2006">
-    <mc:Choice xmlns:p14="http://schemas.microsoft.com/office/powerpoint/2010/main" Requires="p14">
+  <mc:AlternateContent xmlns:mc="http://schemas.openxmlformats.org/markup-compatibility/2006" xmlns:p14="http://schemas.microsoft.com/office/powerpoint/2010/main">
+    <mc:Choice Requires="p14">
       <p:transition spd="med" p14:dur="700">
         <p:fade/>
       </p:transition>
     </mc:Choice>
-    <mc:Fallback>
+    <mc:Fallback xmlns="">
       <p:transition spd="med">
         <p:fade/>
       </p:transition>
@@ -27927,13 +27872,13 @@
   <p:clrMapOvr>
     <a:masterClrMapping/>
   </p:clrMapOvr>
-  <mc:AlternateContent xmlns:mc="http://schemas.openxmlformats.org/markup-compatibility/2006">
-    <mc:Choice xmlns:p14="http://schemas.microsoft.com/office/powerpoint/2010/main" Requires="p14">
+  <mc:AlternateContent xmlns:mc="http://schemas.openxmlformats.org/markup-compatibility/2006" xmlns:p14="http://schemas.microsoft.com/office/powerpoint/2010/main">
+    <mc:Choice Requires="p14">
       <p:transition spd="med" p14:dur="700">
         <p:fade/>
       </p:transition>
     </mc:Choice>
-    <mc:Fallback>
+    <mc:Fallback xmlns="">
       <p:transition spd="med">
         <p:fade/>
       </p:transition>
@@ -28322,13 +28267,13 @@
   <p:clrMapOvr>
     <a:masterClrMapping/>
   </p:clrMapOvr>
-  <mc:AlternateContent xmlns:mc="http://schemas.openxmlformats.org/markup-compatibility/2006">
-    <mc:Choice xmlns:p14="http://schemas.microsoft.com/office/powerpoint/2010/main" Requires="p14">
+  <mc:AlternateContent xmlns:mc="http://schemas.openxmlformats.org/markup-compatibility/2006" xmlns:p14="http://schemas.microsoft.com/office/powerpoint/2010/main">
+    <mc:Choice Requires="p14">
       <p:transition spd="med" p14:dur="700">
         <p:fade/>
       </p:transition>
     </mc:Choice>
-    <mc:Fallback>
+    <mc:Fallback xmlns="">
       <p:transition spd="med">
         <p:fade/>
       </p:transition>
@@ -28717,13 +28662,13 @@
   <p:clrMapOvr>
     <a:masterClrMapping/>
   </p:clrMapOvr>
-  <mc:AlternateContent xmlns:mc="http://schemas.openxmlformats.org/markup-compatibility/2006">
-    <mc:Choice xmlns:p14="http://schemas.microsoft.com/office/powerpoint/2010/main" Requires="p14">
+  <mc:AlternateContent xmlns:mc="http://schemas.openxmlformats.org/markup-compatibility/2006" xmlns:p14="http://schemas.microsoft.com/office/powerpoint/2010/main">
+    <mc:Choice Requires="p14">
       <p:transition spd="med" p14:dur="700">
         <p:fade/>
       </p:transition>
     </mc:Choice>
-    <mc:Fallback>
+    <mc:Fallback xmlns="">
       <p:transition spd="med">
         <p:fade/>
       </p:transition>
@@ -28888,13 +28833,13 @@
   <p:clrMapOvr>
     <a:masterClrMapping/>
   </p:clrMapOvr>
-  <mc:AlternateContent xmlns:mc="http://schemas.openxmlformats.org/markup-compatibility/2006">
-    <mc:Choice xmlns:p14="http://schemas.microsoft.com/office/powerpoint/2010/main" Requires="p14">
+  <mc:AlternateContent xmlns:mc="http://schemas.openxmlformats.org/markup-compatibility/2006" xmlns:p14="http://schemas.microsoft.com/office/powerpoint/2010/main">
+    <mc:Choice Requires="p14">
       <p:transition spd="med" p14:dur="700">
         <p:fade/>
       </p:transition>
     </mc:Choice>
-    <mc:Fallback>
+    <mc:Fallback xmlns="">
       <p:transition spd="med">
         <p:fade/>
       </p:transition>
@@ -29674,13 +29619,13 @@
   <p:clrMapOvr>
     <a:masterClrMapping/>
   </p:clrMapOvr>
-  <mc:AlternateContent xmlns:mc="http://schemas.openxmlformats.org/markup-compatibility/2006">
-    <mc:Choice xmlns:p14="http://schemas.microsoft.com/office/powerpoint/2010/main" Requires="p14">
+  <mc:AlternateContent xmlns:mc="http://schemas.openxmlformats.org/markup-compatibility/2006" xmlns:p14="http://schemas.microsoft.com/office/powerpoint/2010/main">
+    <mc:Choice Requires="p14">
       <p:transition spd="med" p14:dur="700">
         <p:fade/>
       </p:transition>
     </mc:Choice>
-    <mc:Fallback>
+    <mc:Fallback xmlns="">
       <p:transition spd="med">
         <p:fade/>
       </p:transition>
@@ -29853,13 +29798,13 @@
   <p:clrMapOvr>
     <a:masterClrMapping/>
   </p:clrMapOvr>
-  <mc:AlternateContent xmlns:mc="http://schemas.openxmlformats.org/markup-compatibility/2006">
-    <mc:Choice xmlns:p14="http://schemas.microsoft.com/office/powerpoint/2010/main" Requires="p14">
+  <mc:AlternateContent xmlns:mc="http://schemas.openxmlformats.org/markup-compatibility/2006" xmlns:p14="http://schemas.microsoft.com/office/powerpoint/2010/main">
+    <mc:Choice Requires="p14">
       <p:transition spd="med" p14:dur="700">
         <p:fade/>
       </p:transition>
     </mc:Choice>
-    <mc:Fallback>
+    <mc:Fallback xmlns="">
       <p:transition spd="med">
         <p:fade/>
       </p:transition>
@@ -29987,13 +29932,13 @@
   <p:clrMapOvr>
     <a:masterClrMapping/>
   </p:clrMapOvr>
-  <mc:AlternateContent xmlns:mc="http://schemas.openxmlformats.org/markup-compatibility/2006">
-    <mc:Choice xmlns:p14="http://schemas.microsoft.com/office/powerpoint/2010/main" Requires="p14">
+  <mc:AlternateContent xmlns:mc="http://schemas.openxmlformats.org/markup-compatibility/2006" xmlns:p14="http://schemas.microsoft.com/office/powerpoint/2010/main">
+    <mc:Choice Requires="p14">
       <p:transition spd="med" p14:dur="700">
         <p:fade/>
       </p:transition>
     </mc:Choice>
-    <mc:Fallback>
+    <mc:Fallback xmlns="">
       <p:transition spd="med">
         <p:fade/>
       </p:transition>
@@ -30573,13 +30518,13 @@
   <p:clrMapOvr>
     <a:masterClrMapping/>
   </p:clrMapOvr>
-  <mc:AlternateContent xmlns:mc="http://schemas.openxmlformats.org/markup-compatibility/2006">
-    <mc:Choice xmlns:p14="http://schemas.microsoft.com/office/powerpoint/2010/main" Requires="p14">
+  <mc:AlternateContent xmlns:mc="http://schemas.openxmlformats.org/markup-compatibility/2006" xmlns:p14="http://schemas.microsoft.com/office/powerpoint/2010/main">
+    <mc:Choice Requires="p14">
       <p:transition spd="med" p14:dur="700">
         <p:fade/>
       </p:transition>
     </mc:Choice>
-    <mc:Fallback>
+    <mc:Fallback xmlns="">
       <p:transition spd="med">
         <p:fade/>
       </p:transition>
@@ -30744,13 +30689,13 @@
   <p:clrMapOvr>
     <a:masterClrMapping/>
   </p:clrMapOvr>
-  <mc:AlternateContent xmlns:mc="http://schemas.openxmlformats.org/markup-compatibility/2006">
-    <mc:Choice xmlns:p14="http://schemas.microsoft.com/office/powerpoint/2010/main" Requires="p14">
+  <mc:AlternateContent xmlns:mc="http://schemas.openxmlformats.org/markup-compatibility/2006" xmlns:p14="http://schemas.microsoft.com/office/powerpoint/2010/main">
+    <mc:Choice Requires="p14">
       <p:transition spd="med" p14:dur="700">
         <p:fade/>
       </p:transition>
     </mc:Choice>
-    <mc:Fallback>
+    <mc:Fallback xmlns="">
       <p:transition spd="med">
         <p:fade/>
       </p:transition>
@@ -31570,13 +31515,13 @@
   <p:clrMapOvr>
     <a:masterClrMapping/>
   </p:clrMapOvr>
-  <mc:AlternateContent xmlns:mc="http://schemas.openxmlformats.org/markup-compatibility/2006">
-    <mc:Choice xmlns:p14="http://schemas.microsoft.com/office/powerpoint/2010/main" Requires="p14">
+  <mc:AlternateContent xmlns:mc="http://schemas.openxmlformats.org/markup-compatibility/2006" xmlns:p14="http://schemas.microsoft.com/office/powerpoint/2010/main">
+    <mc:Choice Requires="p14">
       <p:transition spd="med" p14:dur="700">
         <p:fade/>
       </p:transition>
     </mc:Choice>
-    <mc:Fallback>
+    <mc:Fallback xmlns="">
       <p:transition spd="med">
         <p:fade/>
       </p:transition>

--- a/aPlatform/aPlatform/portfolio_README.pptx
+++ b/aPlatform/aPlatform/portfolio_README.pptx
@@ -7,37 +7,41 @@
   <p:sldIdLst>
     <p:sldId id="270" r:id="rId2"/>
     <p:sldId id="271" r:id="rId3"/>
-    <p:sldId id="272" r:id="rId4"/>
-    <p:sldId id="273" r:id="rId5"/>
-    <p:sldId id="274" r:id="rId6"/>
-    <p:sldId id="275" r:id="rId7"/>
-    <p:sldId id="263" r:id="rId8"/>
-    <p:sldId id="297" r:id="rId9"/>
-    <p:sldId id="284" r:id="rId10"/>
-    <p:sldId id="278" r:id="rId11"/>
-    <p:sldId id="282" r:id="rId12"/>
-    <p:sldId id="283" r:id="rId13"/>
-    <p:sldId id="276" r:id="rId14"/>
-    <p:sldId id="281" r:id="rId15"/>
-    <p:sldId id="298" r:id="rId16"/>
-    <p:sldId id="295" r:id="rId17"/>
-    <p:sldId id="286" r:id="rId18"/>
-    <p:sldId id="287" r:id="rId19"/>
-    <p:sldId id="280" r:id="rId20"/>
-    <p:sldId id="289" r:id="rId21"/>
-    <p:sldId id="288" r:id="rId22"/>
-    <p:sldId id="299" r:id="rId23"/>
-    <p:sldId id="294" r:id="rId24"/>
-    <p:sldId id="290" r:id="rId25"/>
-    <p:sldId id="291" r:id="rId26"/>
-    <p:sldId id="292" r:id="rId27"/>
-    <p:sldId id="293" r:id="rId28"/>
-    <p:sldId id="256" r:id="rId29"/>
-    <p:sldId id="257" r:id="rId30"/>
-    <p:sldId id="260" r:id="rId31"/>
-    <p:sldId id="259" r:id="rId32"/>
-    <p:sldId id="265" r:id="rId33"/>
-    <p:sldId id="266" r:id="rId34"/>
+    <p:sldId id="275" r:id="rId4"/>
+    <p:sldId id="300" r:id="rId5"/>
+    <p:sldId id="303" r:id="rId6"/>
+    <p:sldId id="302" r:id="rId7"/>
+    <p:sldId id="301" r:id="rId8"/>
+    <p:sldId id="272" r:id="rId9"/>
+    <p:sldId id="273" r:id="rId10"/>
+    <p:sldId id="274" r:id="rId11"/>
+    <p:sldId id="263" r:id="rId12"/>
+    <p:sldId id="297" r:id="rId13"/>
+    <p:sldId id="284" r:id="rId14"/>
+    <p:sldId id="278" r:id="rId15"/>
+    <p:sldId id="282" r:id="rId16"/>
+    <p:sldId id="283" r:id="rId17"/>
+    <p:sldId id="276" r:id="rId18"/>
+    <p:sldId id="281" r:id="rId19"/>
+    <p:sldId id="298" r:id="rId20"/>
+    <p:sldId id="295" r:id="rId21"/>
+    <p:sldId id="286" r:id="rId22"/>
+    <p:sldId id="287" r:id="rId23"/>
+    <p:sldId id="280" r:id="rId24"/>
+    <p:sldId id="289" r:id="rId25"/>
+    <p:sldId id="288" r:id="rId26"/>
+    <p:sldId id="299" r:id="rId27"/>
+    <p:sldId id="294" r:id="rId28"/>
+    <p:sldId id="290" r:id="rId29"/>
+    <p:sldId id="291" r:id="rId30"/>
+    <p:sldId id="292" r:id="rId31"/>
+    <p:sldId id="293" r:id="rId32"/>
+    <p:sldId id="256" r:id="rId33"/>
+    <p:sldId id="257" r:id="rId34"/>
+    <p:sldId id="260" r:id="rId35"/>
+    <p:sldId id="259" r:id="rId36"/>
+    <p:sldId id="265" r:id="rId37"/>
+    <p:sldId id="266" r:id="rId38"/>
   </p:sldIdLst>
   <p:sldSz cx="12192000" cy="6858000"/>
   <p:notesSz cx="6858000" cy="9144000"/>
@@ -9480,8 +9484,8 @@
         </p:nvSpPr>
         <p:spPr>
           <a:xfrm>
-            <a:off x="6003634" y="2505670"/>
-            <a:ext cx="184731" cy="923330"/>
+            <a:off x="3877222" y="2505670"/>
+            <a:ext cx="4437561" cy="923330"/>
           </a:xfrm>
           <a:prstGeom prst="rect">
             <a:avLst/>
@@ -9495,6 +9499,14 @@
           <a:lstStyle/>
           <a:p>
             <a:pPr algn="ctr"/>
+            <a:r>
+              <a:rPr lang="en-US" altLang="ko-KR" sz="5400">
+                <a:solidFill>
+                  <a:schemeClr val="bg1"/>
+                </a:solidFill>
+              </a:rPr>
+              <a:t>_a_Plat_Form_</a:t>
+            </a:r>
             <a:endParaRPr lang="ko-KR" altLang="en-US" sz="5400" dirty="0">
               <a:solidFill>
                 <a:schemeClr val="bg1"/>
@@ -9562,8 +9574,8 @@
         </p:nvSpPr>
         <p:spPr>
           <a:xfrm>
-            <a:off x="4961715" y="3917911"/>
-            <a:ext cx="2268570" cy="369332"/>
+            <a:off x="4505664" y="3856365"/>
+            <a:ext cx="3180679" cy="369332"/>
           </a:xfrm>
           <a:prstGeom prst="rect">
             <a:avLst/>
@@ -9578,13 +9590,66 @@
           <a:p>
             <a:pPr algn="ctr"/>
             <a:r>
-              <a:rPr lang="ko-KR" altLang="en-US" dirty="0">
+              <a:rPr lang="en-US" altLang="ko-KR">
                 <a:solidFill>
                   <a:schemeClr val="bg1"/>
                 </a:solidFill>
               </a:rPr>
-              <a:t>소제목을 입력하세요</a:t>
-            </a:r>
+              <a:t>_</a:t>
+            </a:r>
+            <a:r>
+              <a:rPr lang="ko-KR" altLang="en-US">
+                <a:solidFill>
+                  <a:schemeClr val="bg1"/>
+                </a:solidFill>
+              </a:rPr>
+              <a:t>세상을</a:t>
+            </a:r>
+            <a:r>
+              <a:rPr lang="en-US" altLang="ko-KR">
+                <a:solidFill>
+                  <a:schemeClr val="bg1"/>
+                </a:solidFill>
+              </a:rPr>
+              <a:t>_</a:t>
+            </a:r>
+            <a:r>
+              <a:rPr lang="ko-KR" altLang="en-US">
+                <a:solidFill>
+                  <a:schemeClr val="bg1"/>
+                </a:solidFill>
+              </a:rPr>
+              <a:t>평평하게</a:t>
+            </a:r>
+            <a:r>
+              <a:rPr lang="en-US" altLang="ko-KR">
+                <a:solidFill>
+                  <a:schemeClr val="bg1"/>
+                </a:solidFill>
+              </a:rPr>
+              <a:t>_a_</a:t>
+            </a:r>
+            <a:r>
+              <a:rPr lang="ko-KR" altLang="en-US">
+                <a:solidFill>
+                  <a:schemeClr val="bg1"/>
+                </a:solidFill>
+              </a:rPr>
+              <a:t>플랫폼</a:t>
+            </a:r>
+            <a:r>
+              <a:rPr lang="en-US" altLang="ko-KR">
+                <a:solidFill>
+                  <a:schemeClr val="bg1"/>
+                </a:solidFill>
+              </a:rPr>
+              <a:t>_</a:t>
+            </a:r>
+            <a:endParaRPr lang="ko-KR" altLang="en-US" dirty="0">
+              <a:solidFill>
+                <a:schemeClr val="bg1"/>
+              </a:solidFill>
+            </a:endParaRPr>
           </a:p>
         </p:txBody>
       </p:sp>
@@ -9614,6 +9679,1768 @@
 </file>
 
 <file path=ppt/slides/slide10.xml><?xml version="1.0" encoding="utf-8"?>
+<p:sld xmlns:a="http://schemas.openxmlformats.org/drawingml/2006/main" xmlns:r="http://schemas.openxmlformats.org/officeDocument/2006/relationships" xmlns:p="http://schemas.openxmlformats.org/presentationml/2006/main">
+  <p:cSld>
+    <p:bg>
+      <p:bgPr>
+        <a:solidFill>
+          <a:schemeClr val="accent5"/>
+        </a:solidFill>
+        <a:effectLst/>
+      </p:bgPr>
+    </p:bg>
+    <p:spTree>
+      <p:nvGrpSpPr>
+        <p:cNvPr id="1" name=""/>
+        <p:cNvGrpSpPr/>
+        <p:nvPr/>
+      </p:nvGrpSpPr>
+      <p:grpSpPr>
+        <a:xfrm>
+          <a:off x="0" y="0"/>
+          <a:ext cx="0" cy="0"/>
+          <a:chOff x="0" y="0"/>
+          <a:chExt cx="0" cy="0"/>
+        </a:xfrm>
+      </p:grpSpPr>
+      <p:sp>
+        <p:nvSpPr>
+          <p:cNvPr id="2" name="직사각형 1">
+            <a:extLst>
+              <a:ext uri="{FF2B5EF4-FFF2-40B4-BE49-F238E27FC236}">
+                <a16:creationId xmlns:a16="http://schemas.microsoft.com/office/drawing/2014/main" id="{FCBB0498-13C3-48CC-9BFE-7243BE8082B0}"/>
+              </a:ext>
+            </a:extLst>
+          </p:cNvPr>
+          <p:cNvSpPr/>
+          <p:nvPr/>
+        </p:nvSpPr>
+        <p:spPr>
+          <a:xfrm>
+            <a:off x="3159760" y="2760980"/>
+            <a:ext cx="5928360" cy="1336040"/>
+          </a:xfrm>
+          <a:prstGeom prst="rect">
+            <a:avLst/>
+          </a:prstGeom>
+          <a:solidFill>
+            <a:schemeClr val="accent6"/>
+          </a:solidFill>
+          <a:ln>
+            <a:noFill/>
+          </a:ln>
+        </p:spPr>
+        <p:style>
+          <a:lnRef idx="2">
+            <a:schemeClr val="accent1">
+              <a:shade val="50000"/>
+            </a:schemeClr>
+          </a:lnRef>
+          <a:fillRef idx="1">
+            <a:schemeClr val="accent1"/>
+          </a:fillRef>
+          <a:effectRef idx="0">
+            <a:schemeClr val="accent1"/>
+          </a:effectRef>
+          <a:fontRef idx="minor">
+            <a:schemeClr val="lt1"/>
+          </a:fontRef>
+        </p:style>
+        <p:txBody>
+          <a:bodyPr rtlCol="0" anchor="ctr"/>
+          <a:lstStyle/>
+          <a:p>
+            <a:pPr algn="ctr"/>
+            <a:endParaRPr lang="ko-KR" altLang="en-US"/>
+          </a:p>
+        </p:txBody>
+      </p:sp>
+      <p:sp>
+        <p:nvSpPr>
+          <p:cNvPr id="3" name="TextBox 2">
+            <a:extLst>
+              <a:ext uri="{FF2B5EF4-FFF2-40B4-BE49-F238E27FC236}">
+                <a16:creationId xmlns:a16="http://schemas.microsoft.com/office/drawing/2014/main" id="{90C0895B-7B4E-4FB6-95D6-6192E6C6C6FE}"/>
+              </a:ext>
+            </a:extLst>
+          </p:cNvPr>
+          <p:cNvSpPr txBox="1"/>
+          <p:nvPr/>
+        </p:nvSpPr>
+        <p:spPr>
+          <a:xfrm>
+            <a:off x="4640200" y="2021840"/>
+            <a:ext cx="2967479" cy="369332"/>
+          </a:xfrm>
+          <a:prstGeom prst="rect">
+            <a:avLst/>
+          </a:prstGeom>
+          <a:noFill/>
+        </p:spPr>
+        <p:txBody>
+          <a:bodyPr wrap="none" rtlCol="0">
+            <a:spAutoFit/>
+          </a:bodyPr>
+          <a:lstStyle/>
+          <a:p>
+            <a:pPr algn="ctr"/>
+            <a:r>
+              <a:rPr lang="ko-KR" altLang="en-US" dirty="0"/>
+              <a:t>어디에 중점을 두실 건가요</a:t>
+            </a:r>
+            <a:r>
+              <a:rPr lang="en-US" altLang="ko-KR" dirty="0"/>
+              <a:t>?</a:t>
+            </a:r>
+            <a:endParaRPr lang="ko-KR" altLang="en-US" dirty="0"/>
+          </a:p>
+        </p:txBody>
+      </p:sp>
+      <p:sp>
+        <p:nvSpPr>
+          <p:cNvPr id="4" name="TextBox 3">
+            <a:extLst>
+              <a:ext uri="{FF2B5EF4-FFF2-40B4-BE49-F238E27FC236}">
+                <a16:creationId xmlns:a16="http://schemas.microsoft.com/office/drawing/2014/main" id="{1EF51587-4B82-43A7-8A06-3BA5E76F90F4}"/>
+              </a:ext>
+            </a:extLst>
+          </p:cNvPr>
+          <p:cNvSpPr txBox="1"/>
+          <p:nvPr/>
+        </p:nvSpPr>
+        <p:spPr>
+          <a:xfrm>
+            <a:off x="3887703" y="3075057"/>
+            <a:ext cx="4416594" cy="707886"/>
+          </a:xfrm>
+          <a:prstGeom prst="rect">
+            <a:avLst/>
+          </a:prstGeom>
+          <a:noFill/>
+        </p:spPr>
+        <p:txBody>
+          <a:bodyPr wrap="none" rtlCol="0">
+            <a:spAutoFit/>
+          </a:bodyPr>
+          <a:lstStyle/>
+          <a:p>
+            <a:pPr algn="ctr"/>
+            <a:r>
+              <a:rPr lang="ko-KR" altLang="en-US" sz="4000" spc="-300" dirty="0"/>
+              <a:t>키워드를 입력하세요</a:t>
+            </a:r>
+          </a:p>
+        </p:txBody>
+      </p:sp>
+    </p:spTree>
+    <p:extLst>
+      <p:ext uri="{BB962C8B-B14F-4D97-AF65-F5344CB8AC3E}">
+        <p14:creationId xmlns:p14="http://schemas.microsoft.com/office/powerpoint/2010/main" val="740605315"/>
+      </p:ext>
+    </p:extLst>
+  </p:cSld>
+  <p:clrMapOvr>
+    <a:masterClrMapping/>
+  </p:clrMapOvr>
+  <mc:AlternateContent xmlns:mc="http://schemas.openxmlformats.org/markup-compatibility/2006" xmlns:p14="http://schemas.microsoft.com/office/powerpoint/2010/main">
+    <mc:Choice Requires="p14">
+      <p:transition spd="med" p14:dur="700">
+        <p:fade/>
+      </p:transition>
+    </mc:Choice>
+    <mc:Fallback xmlns="">
+      <p:transition spd="med">
+        <p:fade/>
+      </p:transition>
+    </mc:Fallback>
+  </mc:AlternateContent>
+</p:sld>
+</file>
+
+<file path=ppt/slides/slide11.xml><?xml version="1.0" encoding="utf-8"?>
+<p:sld xmlns:a="http://schemas.openxmlformats.org/drawingml/2006/main" xmlns:r="http://schemas.openxmlformats.org/officeDocument/2006/relationships" xmlns:p="http://schemas.openxmlformats.org/presentationml/2006/main">
+  <p:cSld>
+    <p:spTree>
+      <p:nvGrpSpPr>
+        <p:cNvPr id="1" name=""/>
+        <p:cNvGrpSpPr/>
+        <p:nvPr/>
+      </p:nvGrpSpPr>
+      <p:grpSpPr>
+        <a:xfrm>
+          <a:off x="0" y="0"/>
+          <a:ext cx="0" cy="0"/>
+          <a:chOff x="0" y="0"/>
+          <a:chExt cx="0" cy="0"/>
+        </a:xfrm>
+      </p:grpSpPr>
+      <p:pic>
+        <p:nvPicPr>
+          <p:cNvPr id="3" name="그림 2" descr="실외, 물, 자연, 산이(가) 표시된 사진&#10;&#10;자동 생성된 설명">
+            <a:extLst>
+              <a:ext uri="{FF2B5EF4-FFF2-40B4-BE49-F238E27FC236}">
+                <a16:creationId xmlns:a16="http://schemas.microsoft.com/office/drawing/2014/main" id="{AF7170D3-AA47-4849-8576-B3290EFFB768}"/>
+              </a:ext>
+            </a:extLst>
+          </p:cNvPr>
+          <p:cNvPicPr>
+            <a:picLocks noChangeAspect="1"/>
+          </p:cNvPicPr>
+          <p:nvPr/>
+        </p:nvPicPr>
+        <p:blipFill rotWithShape="1">
+          <a:blip r:embed="rId2" cstate="screen">
+            <a:extLst>
+              <a:ext uri="{28A0092B-C50C-407E-A947-70E740481C1C}">
+                <a14:useLocalDpi xmlns:a14="http://schemas.microsoft.com/office/drawing/2010/main" val="0"/>
+              </a:ext>
+            </a:extLst>
+          </a:blip>
+          <a:srcRect/>
+          <a:stretch/>
+        </p:blipFill>
+        <p:spPr>
+          <a:xfrm>
+            <a:off x="0" y="0"/>
+            <a:ext cx="12192000" cy="6858000"/>
+          </a:xfrm>
+          <a:prstGeom prst="rect">
+            <a:avLst/>
+          </a:prstGeom>
+        </p:spPr>
+      </p:pic>
+      <p:sp>
+        <p:nvSpPr>
+          <p:cNvPr id="12" name="직사각형 11">
+            <a:extLst>
+              <a:ext uri="{FF2B5EF4-FFF2-40B4-BE49-F238E27FC236}">
+                <a16:creationId xmlns:a16="http://schemas.microsoft.com/office/drawing/2014/main" id="{633C7044-85DF-48C4-9801-150B8C9FD8FD}"/>
+              </a:ext>
+            </a:extLst>
+          </p:cNvPr>
+          <p:cNvSpPr/>
+          <p:nvPr/>
+        </p:nvSpPr>
+        <p:spPr>
+          <a:xfrm>
+            <a:off x="0" y="4206240"/>
+            <a:ext cx="12192000" cy="2651760"/>
+          </a:xfrm>
+          <a:prstGeom prst="rect">
+            <a:avLst/>
+          </a:prstGeom>
+          <a:solidFill>
+            <a:schemeClr val="tx2">
+              <a:lumMod val="75000"/>
+            </a:schemeClr>
+          </a:solidFill>
+          <a:ln>
+            <a:noFill/>
+          </a:ln>
+        </p:spPr>
+        <p:style>
+          <a:lnRef idx="2">
+            <a:schemeClr val="accent1">
+              <a:shade val="50000"/>
+            </a:schemeClr>
+          </a:lnRef>
+          <a:fillRef idx="1">
+            <a:schemeClr val="accent1"/>
+          </a:fillRef>
+          <a:effectRef idx="0">
+            <a:schemeClr val="accent1"/>
+          </a:effectRef>
+          <a:fontRef idx="minor">
+            <a:schemeClr val="lt1"/>
+          </a:fontRef>
+        </p:style>
+        <p:txBody>
+          <a:bodyPr rtlCol="0" anchor="ctr"/>
+          <a:lstStyle/>
+          <a:p>
+            <a:pPr algn="ctr"/>
+            <a:endParaRPr lang="ko-KR" altLang="en-US"/>
+          </a:p>
+        </p:txBody>
+      </p:sp>
+      <p:sp>
+        <p:nvSpPr>
+          <p:cNvPr id="13" name="TextBox 12">
+            <a:extLst>
+              <a:ext uri="{FF2B5EF4-FFF2-40B4-BE49-F238E27FC236}">
+                <a16:creationId xmlns:a16="http://schemas.microsoft.com/office/drawing/2014/main" id="{EEA6985C-E331-4DC3-8E74-D8FC2B1393AD}"/>
+              </a:ext>
+            </a:extLst>
+          </p:cNvPr>
+          <p:cNvSpPr txBox="1"/>
+          <p:nvPr/>
+        </p:nvSpPr>
+        <p:spPr>
+          <a:xfrm>
+            <a:off x="152400" y="4358640"/>
+            <a:ext cx="880369" cy="523220"/>
+          </a:xfrm>
+          <a:prstGeom prst="rect">
+            <a:avLst/>
+          </a:prstGeom>
+          <a:noFill/>
+        </p:spPr>
+        <p:txBody>
+          <a:bodyPr wrap="none" rtlCol="0">
+            <a:spAutoFit/>
+          </a:bodyPr>
+          <a:lstStyle/>
+          <a:p>
+            <a:r>
+              <a:rPr lang="ko-KR" altLang="en-US" sz="2800" dirty="0">
+                <a:solidFill>
+                  <a:schemeClr val="bg1"/>
+                </a:solidFill>
+              </a:rPr>
+              <a:t>목차</a:t>
+            </a:r>
+          </a:p>
+        </p:txBody>
+      </p:sp>
+      <p:grpSp>
+        <p:nvGrpSpPr>
+          <p:cNvPr id="16" name="그룹 15">
+            <a:extLst>
+              <a:ext uri="{FF2B5EF4-FFF2-40B4-BE49-F238E27FC236}">
+                <a16:creationId xmlns:a16="http://schemas.microsoft.com/office/drawing/2014/main" id="{6B4D3ACE-05D9-4E3A-937C-B66D29696D7A}"/>
+              </a:ext>
+            </a:extLst>
+          </p:cNvPr>
+          <p:cNvGrpSpPr/>
+          <p:nvPr/>
+        </p:nvGrpSpPr>
+        <p:grpSpPr>
+          <a:xfrm>
+            <a:off x="1676452" y="4758750"/>
+            <a:ext cx="4419548" cy="523220"/>
+            <a:chOff x="1320852" y="4758750"/>
+            <a:chExt cx="4419548" cy="523220"/>
+          </a:xfrm>
+        </p:grpSpPr>
+        <p:sp>
+          <p:nvSpPr>
+            <p:cNvPr id="14" name="TextBox 13">
+              <a:extLst>
+                <a:ext uri="{FF2B5EF4-FFF2-40B4-BE49-F238E27FC236}">
+                  <a16:creationId xmlns:a16="http://schemas.microsoft.com/office/drawing/2014/main" id="{16B5DC55-E3AC-4BDB-A37D-92014C2B84A9}"/>
+                </a:ext>
+              </a:extLst>
+            </p:cNvPr>
+            <p:cNvSpPr txBox="1"/>
+            <p:nvPr/>
+          </p:nvSpPr>
+          <p:spPr>
+            <a:xfrm>
+              <a:off x="1920240" y="4820900"/>
+              <a:ext cx="3820160" cy="400110"/>
+            </a:xfrm>
+            <a:prstGeom prst="rect">
+              <a:avLst/>
+            </a:prstGeom>
+            <a:noFill/>
+          </p:spPr>
+          <p:txBody>
+            <a:bodyPr wrap="square" rtlCol="0">
+              <a:spAutoFit/>
+            </a:bodyPr>
+            <a:lstStyle/>
+            <a:p>
+              <a:r>
+                <a:rPr lang="ko-KR" altLang="en-US" sz="2000" dirty="0">
+                  <a:solidFill>
+                    <a:schemeClr val="bg1"/>
+                  </a:solidFill>
+                </a:rPr>
+                <a:t>제목을 입력하세요</a:t>
+              </a:r>
+            </a:p>
+          </p:txBody>
+        </p:sp>
+        <p:sp>
+          <p:nvSpPr>
+            <p:cNvPr id="15" name="TextBox 14">
+              <a:extLst>
+                <a:ext uri="{FF2B5EF4-FFF2-40B4-BE49-F238E27FC236}">
+                  <a16:creationId xmlns:a16="http://schemas.microsoft.com/office/drawing/2014/main" id="{00C566F2-B9E3-4556-A8BB-3138BC81D189}"/>
+                </a:ext>
+              </a:extLst>
+            </p:cNvPr>
+            <p:cNvSpPr txBox="1"/>
+            <p:nvPr/>
+          </p:nvSpPr>
+          <p:spPr>
+            <a:xfrm>
+              <a:off x="1320852" y="4758750"/>
+              <a:ext cx="311304" cy="523220"/>
+            </a:xfrm>
+            <a:prstGeom prst="rect">
+              <a:avLst/>
+            </a:prstGeom>
+            <a:noFill/>
+          </p:spPr>
+          <p:txBody>
+            <a:bodyPr wrap="none" rtlCol="0">
+              <a:spAutoFit/>
+            </a:bodyPr>
+            <a:lstStyle/>
+            <a:p>
+              <a:r>
+                <a:rPr lang="en-US" altLang="ko-KR" sz="2800" dirty="0">
+                  <a:solidFill>
+                    <a:schemeClr val="bg1"/>
+                  </a:solidFill>
+                </a:rPr>
+                <a:t>1</a:t>
+              </a:r>
+              <a:endParaRPr lang="ko-KR" altLang="en-US" sz="2800" dirty="0">
+                <a:solidFill>
+                  <a:schemeClr val="bg1"/>
+                </a:solidFill>
+              </a:endParaRPr>
+            </a:p>
+          </p:txBody>
+        </p:sp>
+      </p:grpSp>
+      <p:grpSp>
+        <p:nvGrpSpPr>
+          <p:cNvPr id="17" name="그룹 16">
+            <a:extLst>
+              <a:ext uri="{FF2B5EF4-FFF2-40B4-BE49-F238E27FC236}">
+                <a16:creationId xmlns:a16="http://schemas.microsoft.com/office/drawing/2014/main" id="{88C343DA-FAB4-4FD3-B792-CD9C0BE848B1}"/>
+              </a:ext>
+            </a:extLst>
+          </p:cNvPr>
+          <p:cNvGrpSpPr/>
+          <p:nvPr/>
+        </p:nvGrpSpPr>
+        <p:grpSpPr>
+          <a:xfrm>
+            <a:off x="1676452" y="5777895"/>
+            <a:ext cx="4419548" cy="523220"/>
+            <a:chOff x="1320852" y="4758750"/>
+            <a:chExt cx="4419548" cy="523220"/>
+          </a:xfrm>
+        </p:grpSpPr>
+        <p:sp>
+          <p:nvSpPr>
+            <p:cNvPr id="18" name="TextBox 17">
+              <a:extLst>
+                <a:ext uri="{FF2B5EF4-FFF2-40B4-BE49-F238E27FC236}">
+                  <a16:creationId xmlns:a16="http://schemas.microsoft.com/office/drawing/2014/main" id="{0457320F-BC60-40C4-A266-D46F6A6DB200}"/>
+                </a:ext>
+              </a:extLst>
+            </p:cNvPr>
+            <p:cNvSpPr txBox="1"/>
+            <p:nvPr/>
+          </p:nvSpPr>
+          <p:spPr>
+            <a:xfrm>
+              <a:off x="1920240" y="4820900"/>
+              <a:ext cx="3820160" cy="400110"/>
+            </a:xfrm>
+            <a:prstGeom prst="rect">
+              <a:avLst/>
+            </a:prstGeom>
+            <a:noFill/>
+          </p:spPr>
+          <p:txBody>
+            <a:bodyPr wrap="square" rtlCol="0">
+              <a:spAutoFit/>
+            </a:bodyPr>
+            <a:lstStyle/>
+            <a:p>
+              <a:r>
+                <a:rPr lang="ko-KR" altLang="en-US" sz="2000" dirty="0">
+                  <a:solidFill>
+                    <a:schemeClr val="bg1"/>
+                  </a:solidFill>
+                </a:rPr>
+                <a:t>제목을 입력하세요</a:t>
+              </a:r>
+            </a:p>
+          </p:txBody>
+        </p:sp>
+        <p:sp>
+          <p:nvSpPr>
+            <p:cNvPr id="19" name="TextBox 18">
+              <a:extLst>
+                <a:ext uri="{FF2B5EF4-FFF2-40B4-BE49-F238E27FC236}">
+                  <a16:creationId xmlns:a16="http://schemas.microsoft.com/office/drawing/2014/main" id="{269776E1-D2A2-48A9-A0CD-C0BD287FBB29}"/>
+                </a:ext>
+              </a:extLst>
+            </p:cNvPr>
+            <p:cNvSpPr txBox="1"/>
+            <p:nvPr/>
+          </p:nvSpPr>
+          <p:spPr>
+            <a:xfrm>
+              <a:off x="1320852" y="4758750"/>
+              <a:ext cx="389850" cy="523220"/>
+            </a:xfrm>
+            <a:prstGeom prst="rect">
+              <a:avLst/>
+            </a:prstGeom>
+            <a:noFill/>
+          </p:spPr>
+          <p:txBody>
+            <a:bodyPr wrap="none" rtlCol="0">
+              <a:spAutoFit/>
+            </a:bodyPr>
+            <a:lstStyle/>
+            <a:p>
+              <a:r>
+                <a:rPr lang="en-US" altLang="ko-KR" sz="2800" dirty="0">
+                  <a:solidFill>
+                    <a:schemeClr val="bg1"/>
+                  </a:solidFill>
+                </a:rPr>
+                <a:t>2</a:t>
+              </a:r>
+              <a:endParaRPr lang="ko-KR" altLang="en-US" sz="2800" dirty="0">
+                <a:solidFill>
+                  <a:schemeClr val="bg1"/>
+                </a:solidFill>
+              </a:endParaRPr>
+            </a:p>
+          </p:txBody>
+        </p:sp>
+      </p:grpSp>
+      <p:grpSp>
+        <p:nvGrpSpPr>
+          <p:cNvPr id="20" name="그룹 19">
+            <a:extLst>
+              <a:ext uri="{FF2B5EF4-FFF2-40B4-BE49-F238E27FC236}">
+                <a16:creationId xmlns:a16="http://schemas.microsoft.com/office/drawing/2014/main" id="{FC75BF16-F303-45D9-8C4D-B454A42605F2}"/>
+              </a:ext>
+            </a:extLst>
+          </p:cNvPr>
+          <p:cNvGrpSpPr/>
+          <p:nvPr/>
+        </p:nvGrpSpPr>
+        <p:grpSpPr>
+          <a:xfrm>
+            <a:off x="6934226" y="4758750"/>
+            <a:ext cx="4419548" cy="523220"/>
+            <a:chOff x="1320852" y="4758750"/>
+            <a:chExt cx="4419548" cy="523220"/>
+          </a:xfrm>
+        </p:grpSpPr>
+        <p:sp>
+          <p:nvSpPr>
+            <p:cNvPr id="21" name="TextBox 20">
+              <a:extLst>
+                <a:ext uri="{FF2B5EF4-FFF2-40B4-BE49-F238E27FC236}">
+                  <a16:creationId xmlns:a16="http://schemas.microsoft.com/office/drawing/2014/main" id="{F8EB8A33-CE9C-4FC4-8B34-1E5E1469742C}"/>
+                </a:ext>
+              </a:extLst>
+            </p:cNvPr>
+            <p:cNvSpPr txBox="1"/>
+            <p:nvPr/>
+          </p:nvSpPr>
+          <p:spPr>
+            <a:xfrm>
+              <a:off x="1920240" y="4820900"/>
+              <a:ext cx="3820160" cy="400110"/>
+            </a:xfrm>
+            <a:prstGeom prst="rect">
+              <a:avLst/>
+            </a:prstGeom>
+            <a:noFill/>
+          </p:spPr>
+          <p:txBody>
+            <a:bodyPr wrap="square" rtlCol="0">
+              <a:spAutoFit/>
+            </a:bodyPr>
+            <a:lstStyle/>
+            <a:p>
+              <a:r>
+                <a:rPr lang="ko-KR" altLang="en-US" sz="2000" dirty="0">
+                  <a:solidFill>
+                    <a:schemeClr val="bg1"/>
+                  </a:solidFill>
+                </a:rPr>
+                <a:t>제목을 입력하세요</a:t>
+              </a:r>
+            </a:p>
+          </p:txBody>
+        </p:sp>
+        <p:sp>
+          <p:nvSpPr>
+            <p:cNvPr id="22" name="TextBox 21">
+              <a:extLst>
+                <a:ext uri="{FF2B5EF4-FFF2-40B4-BE49-F238E27FC236}">
+                  <a16:creationId xmlns:a16="http://schemas.microsoft.com/office/drawing/2014/main" id="{8545E09F-70AB-4DE7-B148-264104F9E08D}"/>
+                </a:ext>
+              </a:extLst>
+            </p:cNvPr>
+            <p:cNvSpPr txBox="1"/>
+            <p:nvPr/>
+          </p:nvSpPr>
+          <p:spPr>
+            <a:xfrm>
+              <a:off x="1320852" y="4758750"/>
+              <a:ext cx="386644" cy="523220"/>
+            </a:xfrm>
+            <a:prstGeom prst="rect">
+              <a:avLst/>
+            </a:prstGeom>
+            <a:noFill/>
+          </p:spPr>
+          <p:txBody>
+            <a:bodyPr wrap="none" rtlCol="0">
+              <a:spAutoFit/>
+            </a:bodyPr>
+            <a:lstStyle/>
+            <a:p>
+              <a:r>
+                <a:rPr lang="en-US" altLang="ko-KR" sz="2800" dirty="0">
+                  <a:solidFill>
+                    <a:schemeClr val="bg1"/>
+                  </a:solidFill>
+                </a:rPr>
+                <a:t>3</a:t>
+              </a:r>
+              <a:endParaRPr lang="ko-KR" altLang="en-US" sz="2800" dirty="0">
+                <a:solidFill>
+                  <a:schemeClr val="bg1"/>
+                </a:solidFill>
+              </a:endParaRPr>
+            </a:p>
+          </p:txBody>
+        </p:sp>
+      </p:grpSp>
+      <p:grpSp>
+        <p:nvGrpSpPr>
+          <p:cNvPr id="23" name="그룹 22">
+            <a:extLst>
+              <a:ext uri="{FF2B5EF4-FFF2-40B4-BE49-F238E27FC236}">
+                <a16:creationId xmlns:a16="http://schemas.microsoft.com/office/drawing/2014/main" id="{82B75415-ACB9-4E8B-8DC2-197ECDE67E04}"/>
+              </a:ext>
+            </a:extLst>
+          </p:cNvPr>
+          <p:cNvGrpSpPr/>
+          <p:nvPr/>
+        </p:nvGrpSpPr>
+        <p:grpSpPr>
+          <a:xfrm>
+            <a:off x="6934226" y="5777895"/>
+            <a:ext cx="4419548" cy="523220"/>
+            <a:chOff x="1320852" y="4758750"/>
+            <a:chExt cx="4419548" cy="523220"/>
+          </a:xfrm>
+        </p:grpSpPr>
+        <p:sp>
+          <p:nvSpPr>
+            <p:cNvPr id="24" name="TextBox 23">
+              <a:extLst>
+                <a:ext uri="{FF2B5EF4-FFF2-40B4-BE49-F238E27FC236}">
+                  <a16:creationId xmlns:a16="http://schemas.microsoft.com/office/drawing/2014/main" id="{B94B92E0-C0B7-44D3-B086-D79556BF057A}"/>
+                </a:ext>
+              </a:extLst>
+            </p:cNvPr>
+            <p:cNvSpPr txBox="1"/>
+            <p:nvPr/>
+          </p:nvSpPr>
+          <p:spPr>
+            <a:xfrm>
+              <a:off x="1920240" y="4820900"/>
+              <a:ext cx="3820160" cy="400110"/>
+            </a:xfrm>
+            <a:prstGeom prst="rect">
+              <a:avLst/>
+            </a:prstGeom>
+            <a:noFill/>
+          </p:spPr>
+          <p:txBody>
+            <a:bodyPr wrap="square" rtlCol="0">
+              <a:spAutoFit/>
+            </a:bodyPr>
+            <a:lstStyle/>
+            <a:p>
+              <a:r>
+                <a:rPr lang="ko-KR" altLang="en-US" sz="2000" dirty="0">
+                  <a:solidFill>
+                    <a:schemeClr val="bg1"/>
+                  </a:solidFill>
+                </a:rPr>
+                <a:t>제목을 입력하세요</a:t>
+              </a:r>
+            </a:p>
+          </p:txBody>
+        </p:sp>
+        <p:sp>
+          <p:nvSpPr>
+            <p:cNvPr id="25" name="TextBox 24">
+              <a:extLst>
+                <a:ext uri="{FF2B5EF4-FFF2-40B4-BE49-F238E27FC236}">
+                  <a16:creationId xmlns:a16="http://schemas.microsoft.com/office/drawing/2014/main" id="{A1EE13C9-13D6-45BD-A8F2-0816DAC5AAF6}"/>
+                </a:ext>
+              </a:extLst>
+            </p:cNvPr>
+            <p:cNvSpPr txBox="1"/>
+            <p:nvPr/>
+          </p:nvSpPr>
+          <p:spPr>
+            <a:xfrm>
+              <a:off x="1320852" y="4758750"/>
+              <a:ext cx="405880" cy="523220"/>
+            </a:xfrm>
+            <a:prstGeom prst="rect">
+              <a:avLst/>
+            </a:prstGeom>
+            <a:noFill/>
+          </p:spPr>
+          <p:txBody>
+            <a:bodyPr wrap="none" rtlCol="0">
+              <a:spAutoFit/>
+            </a:bodyPr>
+            <a:lstStyle/>
+            <a:p>
+              <a:r>
+                <a:rPr lang="en-US" altLang="ko-KR" sz="2800" dirty="0">
+                  <a:solidFill>
+                    <a:schemeClr val="bg1"/>
+                  </a:solidFill>
+                </a:rPr>
+                <a:t>4</a:t>
+              </a:r>
+              <a:endParaRPr lang="ko-KR" altLang="en-US" sz="2800" dirty="0">
+                <a:solidFill>
+                  <a:schemeClr val="bg1"/>
+                </a:solidFill>
+              </a:endParaRPr>
+            </a:p>
+          </p:txBody>
+        </p:sp>
+      </p:grpSp>
+    </p:spTree>
+    <p:extLst>
+      <p:ext uri="{BB962C8B-B14F-4D97-AF65-F5344CB8AC3E}">
+        <p14:creationId xmlns:p14="http://schemas.microsoft.com/office/powerpoint/2010/main" val="3400164901"/>
+      </p:ext>
+    </p:extLst>
+  </p:cSld>
+  <p:clrMapOvr>
+    <a:masterClrMapping/>
+  </p:clrMapOvr>
+  <mc:AlternateContent xmlns:mc="http://schemas.openxmlformats.org/markup-compatibility/2006" xmlns:p14="http://schemas.microsoft.com/office/powerpoint/2010/main">
+    <mc:Choice Requires="p14">
+      <p:transition spd="med" p14:dur="700">
+        <p:fade/>
+      </p:transition>
+    </mc:Choice>
+    <mc:Fallback xmlns="">
+      <p:transition spd="med">
+        <p:fade/>
+      </p:transition>
+    </mc:Fallback>
+  </mc:AlternateContent>
+</p:sld>
+</file>
+
+<file path=ppt/slides/slide12.xml><?xml version="1.0" encoding="utf-8"?>
+<p:sld xmlns:a="http://schemas.openxmlformats.org/drawingml/2006/main" xmlns:r="http://schemas.openxmlformats.org/officeDocument/2006/relationships" xmlns:p="http://schemas.openxmlformats.org/presentationml/2006/main">
+  <p:cSld>
+    <p:bg>
+      <p:bgPr>
+        <a:solidFill>
+          <a:schemeClr val="tx2">
+            <a:lumMod val="75000"/>
+          </a:schemeClr>
+        </a:solidFill>
+        <a:effectLst/>
+      </p:bgPr>
+    </p:bg>
+    <p:spTree>
+      <p:nvGrpSpPr>
+        <p:cNvPr id="1" name=""/>
+        <p:cNvGrpSpPr/>
+        <p:nvPr/>
+      </p:nvGrpSpPr>
+      <p:grpSpPr>
+        <a:xfrm>
+          <a:off x="0" y="0"/>
+          <a:ext cx="0" cy="0"/>
+          <a:chOff x="0" y="0"/>
+          <a:chExt cx="0" cy="0"/>
+        </a:xfrm>
+      </p:grpSpPr>
+      <p:sp>
+        <p:nvSpPr>
+          <p:cNvPr id="5" name="TextBox 4">
+            <a:extLst>
+              <a:ext uri="{FF2B5EF4-FFF2-40B4-BE49-F238E27FC236}">
+                <a16:creationId xmlns:a16="http://schemas.microsoft.com/office/drawing/2014/main" id="{FEF534C6-FC61-4EA2-8855-1A1004EB5117}"/>
+              </a:ext>
+            </a:extLst>
+          </p:cNvPr>
+          <p:cNvSpPr txBox="1"/>
+          <p:nvPr/>
+        </p:nvSpPr>
+        <p:spPr>
+          <a:xfrm>
+            <a:off x="588229" y="2147777"/>
+            <a:ext cx="1425390" cy="584775"/>
+          </a:xfrm>
+          <a:prstGeom prst="rect">
+            <a:avLst/>
+          </a:prstGeom>
+          <a:noFill/>
+        </p:spPr>
+        <p:txBody>
+          <a:bodyPr wrap="none" rtlCol="0">
+            <a:spAutoFit/>
+          </a:bodyPr>
+          <a:lstStyle/>
+          <a:p>
+            <a:pPr algn="ctr"/>
+            <a:r>
+              <a:rPr lang="en-US" altLang="ko-KR" sz="3200" dirty="0">
+                <a:solidFill>
+                  <a:schemeClr val="bg1"/>
+                </a:solidFill>
+              </a:rPr>
+              <a:t>Part 1, </a:t>
+            </a:r>
+            <a:endParaRPr lang="ko-KR" altLang="en-US" sz="3200" dirty="0">
+              <a:solidFill>
+                <a:schemeClr val="bg1"/>
+              </a:solidFill>
+            </a:endParaRPr>
+          </a:p>
+        </p:txBody>
+      </p:sp>
+      <p:sp>
+        <p:nvSpPr>
+          <p:cNvPr id="7" name="TextBox 6">
+            <a:extLst>
+              <a:ext uri="{FF2B5EF4-FFF2-40B4-BE49-F238E27FC236}">
+                <a16:creationId xmlns:a16="http://schemas.microsoft.com/office/drawing/2014/main" id="{F2894A62-3A98-4459-B069-8674BB246AAC}"/>
+              </a:ext>
+            </a:extLst>
+          </p:cNvPr>
+          <p:cNvSpPr txBox="1"/>
+          <p:nvPr/>
+        </p:nvSpPr>
+        <p:spPr>
+          <a:xfrm>
+            <a:off x="2633685" y="2178554"/>
+            <a:ext cx="4468863" cy="523220"/>
+          </a:xfrm>
+          <a:prstGeom prst="rect">
+            <a:avLst/>
+          </a:prstGeom>
+          <a:noFill/>
+        </p:spPr>
+        <p:txBody>
+          <a:bodyPr wrap="square" rtlCol="0">
+            <a:spAutoFit/>
+          </a:bodyPr>
+          <a:lstStyle/>
+          <a:p>
+            <a:r>
+              <a:rPr lang="ko-KR" altLang="en-US" sz="2800" dirty="0">
+                <a:solidFill>
+                  <a:schemeClr val="bg1"/>
+                </a:solidFill>
+              </a:rPr>
+              <a:t>제목을 입력하세요</a:t>
+            </a:r>
+          </a:p>
+        </p:txBody>
+      </p:sp>
+      <p:pic>
+        <p:nvPicPr>
+          <p:cNvPr id="8" name="그림 7" descr="실내, 테이블, 생활, 앉아있는이(가) 표시된 사진&#10;&#10;자동 생성된 설명">
+            <a:extLst>
+              <a:ext uri="{FF2B5EF4-FFF2-40B4-BE49-F238E27FC236}">
+                <a16:creationId xmlns:a16="http://schemas.microsoft.com/office/drawing/2014/main" id="{668FE375-8C13-46CC-9FDB-6B86C9164F9E}"/>
+              </a:ext>
+            </a:extLst>
+          </p:cNvPr>
+          <p:cNvPicPr>
+            <a:picLocks noChangeAspect="1"/>
+          </p:cNvPicPr>
+          <p:nvPr/>
+        </p:nvPicPr>
+        <p:blipFill rotWithShape="1">
+          <a:blip r:embed="rId2" cstate="screen">
+            <a:extLst>
+              <a:ext uri="{28A0092B-C50C-407E-A947-70E740481C1C}">
+                <a14:useLocalDpi xmlns:a14="http://schemas.microsoft.com/office/drawing/2010/main" val="0"/>
+              </a:ext>
+            </a:extLst>
+          </a:blip>
+          <a:srcRect/>
+          <a:stretch/>
+        </p:blipFill>
+        <p:spPr>
+          <a:xfrm>
+            <a:off x="0" y="3040912"/>
+            <a:ext cx="12192000" cy="3817088"/>
+          </a:xfrm>
+          <a:prstGeom prst="rect">
+            <a:avLst/>
+          </a:prstGeom>
+        </p:spPr>
+      </p:pic>
+    </p:spTree>
+    <p:extLst>
+      <p:ext uri="{BB962C8B-B14F-4D97-AF65-F5344CB8AC3E}">
+        <p14:creationId xmlns:p14="http://schemas.microsoft.com/office/powerpoint/2010/main" val="3407836219"/>
+      </p:ext>
+    </p:extLst>
+  </p:cSld>
+  <p:clrMapOvr>
+    <a:masterClrMapping/>
+  </p:clrMapOvr>
+  <mc:AlternateContent xmlns:mc="http://schemas.openxmlformats.org/markup-compatibility/2006" xmlns:p14="http://schemas.microsoft.com/office/powerpoint/2010/main">
+    <mc:Choice Requires="p14">
+      <p:transition spd="med" p14:dur="700">
+        <p:fade/>
+      </p:transition>
+    </mc:Choice>
+    <mc:Fallback xmlns="">
+      <p:transition spd="med">
+        <p:fade/>
+      </p:transition>
+    </mc:Fallback>
+  </mc:AlternateContent>
+</p:sld>
+</file>
+
+<file path=ppt/slides/slide13.xml><?xml version="1.0" encoding="utf-8"?>
+<p:sld xmlns:a="http://schemas.openxmlformats.org/drawingml/2006/main" xmlns:r="http://schemas.openxmlformats.org/officeDocument/2006/relationships" xmlns:p="http://schemas.openxmlformats.org/presentationml/2006/main">
+  <p:cSld>
+    <p:spTree>
+      <p:nvGrpSpPr>
+        <p:cNvPr id="1" name=""/>
+        <p:cNvGrpSpPr/>
+        <p:nvPr/>
+      </p:nvGrpSpPr>
+      <p:grpSpPr>
+        <a:xfrm>
+          <a:off x="0" y="0"/>
+          <a:ext cx="0" cy="0"/>
+          <a:chOff x="0" y="0"/>
+          <a:chExt cx="0" cy="0"/>
+        </a:xfrm>
+      </p:grpSpPr>
+      <p:cxnSp>
+        <p:nvCxnSpPr>
+          <p:cNvPr id="4" name="직선 연결선 3">
+            <a:extLst>
+              <a:ext uri="{FF2B5EF4-FFF2-40B4-BE49-F238E27FC236}">
+                <a16:creationId xmlns:a16="http://schemas.microsoft.com/office/drawing/2014/main" id="{9A8E474A-6ECB-442D-8A42-7881F4DFBB2A}"/>
+              </a:ext>
+            </a:extLst>
+          </p:cNvPr>
+          <p:cNvCxnSpPr>
+            <a:cxnSpLocks/>
+          </p:cNvCxnSpPr>
+          <p:nvPr/>
+        </p:nvCxnSpPr>
+        <p:spPr>
+          <a:xfrm>
+            <a:off x="177800" y="835707"/>
+            <a:ext cx="12014200" cy="0"/>
+          </a:xfrm>
+          <a:prstGeom prst="line">
+            <a:avLst/>
+          </a:prstGeom>
+          <a:ln>
+            <a:solidFill>
+              <a:schemeClr val="accent2"/>
+            </a:solidFill>
+          </a:ln>
+        </p:spPr>
+        <p:style>
+          <a:lnRef idx="1">
+            <a:schemeClr val="accent1"/>
+          </a:lnRef>
+          <a:fillRef idx="0">
+            <a:schemeClr val="accent1"/>
+          </a:fillRef>
+          <a:effectRef idx="0">
+            <a:schemeClr val="accent1"/>
+          </a:effectRef>
+          <a:fontRef idx="minor">
+            <a:schemeClr val="tx1"/>
+          </a:fontRef>
+        </p:style>
+      </p:cxnSp>
+      <p:sp>
+        <p:nvSpPr>
+          <p:cNvPr id="5" name="직사각형 4">
+            <a:extLst>
+              <a:ext uri="{FF2B5EF4-FFF2-40B4-BE49-F238E27FC236}">
+                <a16:creationId xmlns:a16="http://schemas.microsoft.com/office/drawing/2014/main" id="{76EF8051-9646-4552-BE57-7D95D1538BA2}"/>
+              </a:ext>
+            </a:extLst>
+          </p:cNvPr>
+          <p:cNvSpPr/>
+          <p:nvPr/>
+        </p:nvSpPr>
+        <p:spPr>
+          <a:xfrm>
+            <a:off x="0" y="0"/>
+            <a:ext cx="177800" cy="6858000"/>
+          </a:xfrm>
+          <a:prstGeom prst="rect">
+            <a:avLst/>
+          </a:prstGeom>
+          <a:solidFill>
+            <a:schemeClr val="accent1"/>
+          </a:solidFill>
+          <a:ln>
+            <a:noFill/>
+          </a:ln>
+        </p:spPr>
+        <p:style>
+          <a:lnRef idx="2">
+            <a:schemeClr val="accent1">
+              <a:shade val="50000"/>
+            </a:schemeClr>
+          </a:lnRef>
+          <a:fillRef idx="1">
+            <a:schemeClr val="accent1"/>
+          </a:fillRef>
+          <a:effectRef idx="0">
+            <a:schemeClr val="accent1"/>
+          </a:effectRef>
+          <a:fontRef idx="minor">
+            <a:schemeClr val="lt1"/>
+          </a:fontRef>
+        </p:style>
+        <p:txBody>
+          <a:bodyPr rtlCol="0" anchor="ctr"/>
+          <a:lstStyle/>
+          <a:p>
+            <a:pPr algn="ctr"/>
+            <a:endParaRPr lang="ko-KR" altLang="en-US"/>
+          </a:p>
+        </p:txBody>
+      </p:sp>
+      <p:sp>
+        <p:nvSpPr>
+          <p:cNvPr id="9" name="TextBox 8">
+            <a:extLst>
+              <a:ext uri="{FF2B5EF4-FFF2-40B4-BE49-F238E27FC236}">
+                <a16:creationId xmlns:a16="http://schemas.microsoft.com/office/drawing/2014/main" id="{7FFA9BC9-96FB-4B17-AF51-48D81692F2D7}"/>
+              </a:ext>
+            </a:extLst>
+          </p:cNvPr>
+          <p:cNvSpPr txBox="1"/>
+          <p:nvPr/>
+        </p:nvSpPr>
+        <p:spPr>
+          <a:xfrm>
+            <a:off x="329610" y="111525"/>
+            <a:ext cx="3134191" cy="584775"/>
+          </a:xfrm>
+          <a:prstGeom prst="rect">
+            <a:avLst/>
+          </a:prstGeom>
+          <a:noFill/>
+        </p:spPr>
+        <p:txBody>
+          <a:bodyPr wrap="none" rtlCol="0">
+            <a:spAutoFit/>
+          </a:bodyPr>
+          <a:lstStyle/>
+          <a:p>
+            <a:r>
+              <a:rPr lang="ko-KR" altLang="en-US" sz="3200" spc="-300" dirty="0">
+                <a:solidFill>
+                  <a:schemeClr val="tx1">
+                    <a:lumMod val="85000"/>
+                    <a:lumOff val="15000"/>
+                  </a:schemeClr>
+                </a:solidFill>
+              </a:rPr>
+              <a:t>제목을 입력하세요</a:t>
+            </a:r>
+          </a:p>
+        </p:txBody>
+      </p:sp>
+      <p:sp>
+        <p:nvSpPr>
+          <p:cNvPr id="16" name="TextBox 15">
+            <a:extLst>
+              <a:ext uri="{FF2B5EF4-FFF2-40B4-BE49-F238E27FC236}">
+                <a16:creationId xmlns:a16="http://schemas.microsoft.com/office/drawing/2014/main" id="{FD5F3A16-019F-4601-B0EF-882D4466946E}"/>
+              </a:ext>
+            </a:extLst>
+          </p:cNvPr>
+          <p:cNvSpPr txBox="1"/>
+          <p:nvPr/>
+        </p:nvSpPr>
+        <p:spPr>
+          <a:xfrm>
+            <a:off x="-98231" y="50565"/>
+            <a:ext cx="353943" cy="1849121"/>
+          </a:xfrm>
+          <a:prstGeom prst="rect">
+            <a:avLst/>
+          </a:prstGeom>
+          <a:noFill/>
+        </p:spPr>
+        <p:txBody>
+          <a:bodyPr vert="eaVert" wrap="square" rtlCol="0">
+            <a:spAutoFit/>
+          </a:bodyPr>
+          <a:lstStyle/>
+          <a:p>
+            <a:r>
+              <a:rPr lang="en-US" altLang="ko-KR" sz="1100" dirty="0">
+                <a:solidFill>
+                  <a:schemeClr val="bg1"/>
+                </a:solidFill>
+              </a:rPr>
+              <a:t>Part 1</a:t>
+            </a:r>
+            <a:endParaRPr lang="ko-KR" altLang="en-US" sz="1100" dirty="0">
+              <a:solidFill>
+                <a:schemeClr val="bg1"/>
+              </a:solidFill>
+            </a:endParaRPr>
+          </a:p>
+        </p:txBody>
+      </p:sp>
+      <p:sp>
+        <p:nvSpPr>
+          <p:cNvPr id="20" name="직사각형 19">
+            <a:extLst>
+              <a:ext uri="{FF2B5EF4-FFF2-40B4-BE49-F238E27FC236}">
+                <a16:creationId xmlns:a16="http://schemas.microsoft.com/office/drawing/2014/main" id="{4FA2D4A9-E4C9-43E1-833A-7E0DFF5D4F34}"/>
+              </a:ext>
+            </a:extLst>
+          </p:cNvPr>
+          <p:cNvSpPr/>
+          <p:nvPr/>
+        </p:nvSpPr>
+        <p:spPr>
+          <a:xfrm>
+            <a:off x="1278428" y="2047946"/>
+            <a:ext cx="1168400" cy="1044000"/>
+          </a:xfrm>
+          <a:prstGeom prst="rect">
+            <a:avLst/>
+          </a:prstGeom>
+          <a:solidFill>
+            <a:schemeClr val="accent1"/>
+          </a:solidFill>
+          <a:ln>
+            <a:noFill/>
+          </a:ln>
+        </p:spPr>
+        <p:style>
+          <a:lnRef idx="2">
+            <a:schemeClr val="accent1">
+              <a:shade val="50000"/>
+            </a:schemeClr>
+          </a:lnRef>
+          <a:fillRef idx="1">
+            <a:schemeClr val="accent1"/>
+          </a:fillRef>
+          <a:effectRef idx="0">
+            <a:schemeClr val="accent1"/>
+          </a:effectRef>
+          <a:fontRef idx="minor">
+            <a:schemeClr val="lt1"/>
+          </a:fontRef>
+        </p:style>
+        <p:txBody>
+          <a:bodyPr rtlCol="0" anchor="ctr"/>
+          <a:lstStyle/>
+          <a:p>
+            <a:pPr algn="ctr"/>
+            <a:endParaRPr lang="ko-KR" altLang="en-US"/>
+          </a:p>
+        </p:txBody>
+      </p:sp>
+      <p:sp>
+        <p:nvSpPr>
+          <p:cNvPr id="21" name="직사각형 20">
+            <a:extLst>
+              <a:ext uri="{FF2B5EF4-FFF2-40B4-BE49-F238E27FC236}">
+                <a16:creationId xmlns:a16="http://schemas.microsoft.com/office/drawing/2014/main" id="{199B28CF-3E7E-44C5-AFDD-39DB4B288DDE}"/>
+              </a:ext>
+            </a:extLst>
+          </p:cNvPr>
+          <p:cNvSpPr/>
+          <p:nvPr/>
+        </p:nvSpPr>
+        <p:spPr>
+          <a:xfrm>
+            <a:off x="2688128" y="2047946"/>
+            <a:ext cx="8242300" cy="1044000"/>
+          </a:xfrm>
+          <a:prstGeom prst="rect">
+            <a:avLst/>
+          </a:prstGeom>
+          <a:solidFill>
+            <a:schemeClr val="accent1"/>
+          </a:solidFill>
+          <a:ln>
+            <a:noFill/>
+          </a:ln>
+        </p:spPr>
+        <p:style>
+          <a:lnRef idx="2">
+            <a:schemeClr val="accent1">
+              <a:shade val="50000"/>
+            </a:schemeClr>
+          </a:lnRef>
+          <a:fillRef idx="1">
+            <a:schemeClr val="accent1"/>
+          </a:fillRef>
+          <a:effectRef idx="0">
+            <a:schemeClr val="accent1"/>
+          </a:effectRef>
+          <a:fontRef idx="minor">
+            <a:schemeClr val="lt1"/>
+          </a:fontRef>
+        </p:style>
+        <p:txBody>
+          <a:bodyPr rtlCol="0" anchor="ctr"/>
+          <a:lstStyle/>
+          <a:p>
+            <a:pPr algn="ctr"/>
+            <a:endParaRPr lang="ko-KR" altLang="en-US"/>
+          </a:p>
+        </p:txBody>
+      </p:sp>
+      <p:sp>
+        <p:nvSpPr>
+          <p:cNvPr id="22" name="TextBox 21">
+            <a:extLst>
+              <a:ext uri="{FF2B5EF4-FFF2-40B4-BE49-F238E27FC236}">
+                <a16:creationId xmlns:a16="http://schemas.microsoft.com/office/drawing/2014/main" id="{8C314329-C635-4D26-B07F-D3530E7FDACB}"/>
+              </a:ext>
+            </a:extLst>
+          </p:cNvPr>
+          <p:cNvSpPr txBox="1"/>
+          <p:nvPr/>
+        </p:nvSpPr>
+        <p:spPr>
+          <a:xfrm>
+            <a:off x="1629264" y="2234823"/>
+            <a:ext cx="394659" cy="646331"/>
+          </a:xfrm>
+          <a:prstGeom prst="rect">
+            <a:avLst/>
+          </a:prstGeom>
+          <a:noFill/>
+        </p:spPr>
+        <p:txBody>
+          <a:bodyPr wrap="none" rtlCol="0">
+            <a:spAutoFit/>
+          </a:bodyPr>
+          <a:lstStyle/>
+          <a:p>
+            <a:pPr algn="ctr"/>
+            <a:r>
+              <a:rPr lang="en-US" altLang="ko-KR" sz="3600" spc="-300" dirty="0">
+                <a:solidFill>
+                  <a:schemeClr val="bg1"/>
+                </a:solidFill>
+                <a:latin typeface="+mn-ea"/>
+              </a:rPr>
+              <a:t>1</a:t>
+            </a:r>
+            <a:endParaRPr lang="ko-KR" altLang="en-US" sz="3600" spc="-300" dirty="0">
+              <a:solidFill>
+                <a:schemeClr val="bg1"/>
+              </a:solidFill>
+              <a:latin typeface="+mn-ea"/>
+            </a:endParaRPr>
+          </a:p>
+        </p:txBody>
+      </p:sp>
+      <p:sp>
+        <p:nvSpPr>
+          <p:cNvPr id="23" name="TextBox 22">
+            <a:extLst>
+              <a:ext uri="{FF2B5EF4-FFF2-40B4-BE49-F238E27FC236}">
+                <a16:creationId xmlns:a16="http://schemas.microsoft.com/office/drawing/2014/main" id="{8F38D731-D30D-4CD5-998D-867D2C15C15F}"/>
+              </a:ext>
+            </a:extLst>
+          </p:cNvPr>
+          <p:cNvSpPr txBox="1"/>
+          <p:nvPr/>
+        </p:nvSpPr>
+        <p:spPr>
+          <a:xfrm>
+            <a:off x="2945222" y="2281114"/>
+            <a:ext cx="3078087" cy="584775"/>
+          </a:xfrm>
+          <a:prstGeom prst="rect">
+            <a:avLst/>
+          </a:prstGeom>
+          <a:noFill/>
+        </p:spPr>
+        <p:txBody>
+          <a:bodyPr wrap="none" rtlCol="0">
+            <a:spAutoFit/>
+          </a:bodyPr>
+          <a:lstStyle/>
+          <a:p>
+            <a:r>
+              <a:rPr lang="ko-KR" altLang="en-US" sz="3200" spc="-300" dirty="0">
+                <a:solidFill>
+                  <a:schemeClr val="bg1"/>
+                </a:solidFill>
+                <a:latin typeface="+mn-ea"/>
+              </a:rPr>
+              <a:t>주제를 입력하세요</a:t>
+            </a:r>
+          </a:p>
+        </p:txBody>
+      </p:sp>
+      <p:sp>
+        <p:nvSpPr>
+          <p:cNvPr id="24" name="직사각형 23">
+            <a:extLst>
+              <a:ext uri="{FF2B5EF4-FFF2-40B4-BE49-F238E27FC236}">
+                <a16:creationId xmlns:a16="http://schemas.microsoft.com/office/drawing/2014/main" id="{887E0D8A-DD27-4A53-A279-753B49A4E136}"/>
+              </a:ext>
+            </a:extLst>
+          </p:cNvPr>
+          <p:cNvSpPr/>
+          <p:nvPr/>
+        </p:nvSpPr>
+        <p:spPr>
+          <a:xfrm>
+            <a:off x="1278428" y="3367447"/>
+            <a:ext cx="1168400" cy="1044000"/>
+          </a:xfrm>
+          <a:prstGeom prst="rect">
+            <a:avLst/>
+          </a:prstGeom>
+          <a:solidFill>
+            <a:schemeClr val="accent2"/>
+          </a:solidFill>
+          <a:ln>
+            <a:noFill/>
+          </a:ln>
+        </p:spPr>
+        <p:style>
+          <a:lnRef idx="0">
+            <a:scrgbClr r="0" g="0" b="0"/>
+          </a:lnRef>
+          <a:fillRef idx="0">
+            <a:scrgbClr r="0" g="0" b="0"/>
+          </a:fillRef>
+          <a:effectRef idx="0">
+            <a:scrgbClr r="0" g="0" b="0"/>
+          </a:effectRef>
+          <a:fontRef idx="minor">
+            <a:schemeClr val="lt1"/>
+          </a:fontRef>
+        </p:style>
+        <p:txBody>
+          <a:bodyPr rtlCol="0" anchor="ctr"/>
+          <a:lstStyle/>
+          <a:p>
+            <a:pPr algn="ctr"/>
+            <a:endParaRPr lang="ko-KR" altLang="en-US"/>
+          </a:p>
+        </p:txBody>
+      </p:sp>
+      <p:sp>
+        <p:nvSpPr>
+          <p:cNvPr id="25" name="직사각형 24">
+            <a:extLst>
+              <a:ext uri="{FF2B5EF4-FFF2-40B4-BE49-F238E27FC236}">
+                <a16:creationId xmlns:a16="http://schemas.microsoft.com/office/drawing/2014/main" id="{5F192B7F-CF9B-4CE2-81F8-827E779C4742}"/>
+              </a:ext>
+            </a:extLst>
+          </p:cNvPr>
+          <p:cNvSpPr/>
+          <p:nvPr/>
+        </p:nvSpPr>
+        <p:spPr>
+          <a:xfrm>
+            <a:off x="2688128" y="3367447"/>
+            <a:ext cx="8242300" cy="1044000"/>
+          </a:xfrm>
+          <a:prstGeom prst="rect">
+            <a:avLst/>
+          </a:prstGeom>
+          <a:solidFill>
+            <a:schemeClr val="accent2"/>
+          </a:solidFill>
+          <a:ln>
+            <a:noFill/>
+          </a:ln>
+        </p:spPr>
+        <p:style>
+          <a:lnRef idx="0">
+            <a:scrgbClr r="0" g="0" b="0"/>
+          </a:lnRef>
+          <a:fillRef idx="0">
+            <a:scrgbClr r="0" g="0" b="0"/>
+          </a:fillRef>
+          <a:effectRef idx="0">
+            <a:scrgbClr r="0" g="0" b="0"/>
+          </a:effectRef>
+          <a:fontRef idx="minor">
+            <a:schemeClr val="lt1"/>
+          </a:fontRef>
+        </p:style>
+        <p:txBody>
+          <a:bodyPr rtlCol="0" anchor="ctr"/>
+          <a:lstStyle/>
+          <a:p>
+            <a:pPr algn="ctr"/>
+            <a:endParaRPr lang="ko-KR" altLang="en-US"/>
+          </a:p>
+        </p:txBody>
+      </p:sp>
+      <p:sp>
+        <p:nvSpPr>
+          <p:cNvPr id="26" name="TextBox 25">
+            <a:extLst>
+              <a:ext uri="{FF2B5EF4-FFF2-40B4-BE49-F238E27FC236}">
+                <a16:creationId xmlns:a16="http://schemas.microsoft.com/office/drawing/2014/main" id="{A1E2D36A-7646-4481-8FD3-C7DE69DFE174}"/>
+              </a:ext>
+            </a:extLst>
+          </p:cNvPr>
+          <p:cNvSpPr txBox="1"/>
+          <p:nvPr/>
+        </p:nvSpPr>
+        <p:spPr>
+          <a:xfrm>
+            <a:off x="1639898" y="3564662"/>
+            <a:ext cx="394659" cy="646331"/>
+          </a:xfrm>
+          <a:prstGeom prst="rect">
+            <a:avLst/>
+          </a:prstGeom>
+          <a:noFill/>
+          <a:ln>
+            <a:noFill/>
+          </a:ln>
+        </p:spPr>
+        <p:style>
+          <a:lnRef idx="0">
+            <a:scrgbClr r="0" g="0" b="0"/>
+          </a:lnRef>
+          <a:fillRef idx="0">
+            <a:scrgbClr r="0" g="0" b="0"/>
+          </a:fillRef>
+          <a:effectRef idx="0">
+            <a:scrgbClr r="0" g="0" b="0"/>
+          </a:effectRef>
+          <a:fontRef idx="minor">
+            <a:schemeClr val="lt1"/>
+          </a:fontRef>
+        </p:style>
+        <p:txBody>
+          <a:bodyPr wrap="none" rtlCol="0">
+            <a:spAutoFit/>
+          </a:bodyPr>
+          <a:lstStyle/>
+          <a:p>
+            <a:pPr algn="ctr"/>
+            <a:r>
+              <a:rPr lang="en-US" altLang="ko-KR" sz="3600" spc="-300" dirty="0">
+                <a:solidFill>
+                  <a:schemeClr val="bg1"/>
+                </a:solidFill>
+                <a:latin typeface="+mn-ea"/>
+              </a:rPr>
+              <a:t>2</a:t>
+            </a:r>
+            <a:endParaRPr lang="ko-KR" altLang="en-US" sz="3600" spc="-300" dirty="0">
+              <a:solidFill>
+                <a:schemeClr val="bg1"/>
+              </a:solidFill>
+              <a:latin typeface="+mn-ea"/>
+            </a:endParaRPr>
+          </a:p>
+        </p:txBody>
+      </p:sp>
+      <p:sp>
+        <p:nvSpPr>
+          <p:cNvPr id="27" name="TextBox 26">
+            <a:extLst>
+              <a:ext uri="{FF2B5EF4-FFF2-40B4-BE49-F238E27FC236}">
+                <a16:creationId xmlns:a16="http://schemas.microsoft.com/office/drawing/2014/main" id="{96E7130C-A8D2-4182-9379-C3BC60E1958A}"/>
+              </a:ext>
+            </a:extLst>
+          </p:cNvPr>
+          <p:cNvSpPr txBox="1"/>
+          <p:nvPr/>
+        </p:nvSpPr>
+        <p:spPr>
+          <a:xfrm>
+            <a:off x="2945222" y="3579352"/>
+            <a:ext cx="3078087" cy="584775"/>
+          </a:xfrm>
+          <a:prstGeom prst="rect">
+            <a:avLst/>
+          </a:prstGeom>
+          <a:noFill/>
+          <a:ln>
+            <a:noFill/>
+          </a:ln>
+        </p:spPr>
+        <p:style>
+          <a:lnRef idx="0">
+            <a:scrgbClr r="0" g="0" b="0"/>
+          </a:lnRef>
+          <a:fillRef idx="0">
+            <a:scrgbClr r="0" g="0" b="0"/>
+          </a:fillRef>
+          <a:effectRef idx="0">
+            <a:scrgbClr r="0" g="0" b="0"/>
+          </a:effectRef>
+          <a:fontRef idx="minor">
+            <a:schemeClr val="lt1"/>
+          </a:fontRef>
+        </p:style>
+        <p:txBody>
+          <a:bodyPr wrap="none" rtlCol="0">
+            <a:spAutoFit/>
+          </a:bodyPr>
+          <a:lstStyle/>
+          <a:p>
+            <a:r>
+              <a:rPr lang="ko-KR" altLang="en-US" sz="3200" spc="-300" dirty="0">
+                <a:solidFill>
+                  <a:schemeClr val="bg1"/>
+                </a:solidFill>
+                <a:latin typeface="+mn-ea"/>
+              </a:rPr>
+              <a:t>주제를 입력하세요</a:t>
+            </a:r>
+          </a:p>
+        </p:txBody>
+      </p:sp>
+      <p:sp>
+        <p:nvSpPr>
+          <p:cNvPr id="28" name="직사각형 27">
+            <a:extLst>
+              <a:ext uri="{FF2B5EF4-FFF2-40B4-BE49-F238E27FC236}">
+                <a16:creationId xmlns:a16="http://schemas.microsoft.com/office/drawing/2014/main" id="{8215329A-A686-4974-A482-CF46E001D756}"/>
+              </a:ext>
+            </a:extLst>
+          </p:cNvPr>
+          <p:cNvSpPr/>
+          <p:nvPr/>
+        </p:nvSpPr>
+        <p:spPr>
+          <a:xfrm>
+            <a:off x="1278428" y="4686948"/>
+            <a:ext cx="1168400" cy="1044000"/>
+          </a:xfrm>
+          <a:prstGeom prst="rect">
+            <a:avLst/>
+          </a:prstGeom>
+          <a:solidFill>
+            <a:schemeClr val="accent5"/>
+          </a:solidFill>
+          <a:ln>
+            <a:noFill/>
+          </a:ln>
+        </p:spPr>
+        <p:style>
+          <a:lnRef idx="2">
+            <a:schemeClr val="accent1">
+              <a:shade val="50000"/>
+            </a:schemeClr>
+          </a:lnRef>
+          <a:fillRef idx="1">
+            <a:schemeClr val="accent1"/>
+          </a:fillRef>
+          <a:effectRef idx="0">
+            <a:schemeClr val="accent1"/>
+          </a:effectRef>
+          <a:fontRef idx="minor">
+            <a:schemeClr val="lt1"/>
+          </a:fontRef>
+        </p:style>
+        <p:txBody>
+          <a:bodyPr rtlCol="0" anchor="ctr"/>
+          <a:lstStyle/>
+          <a:p>
+            <a:pPr algn="ctr"/>
+            <a:endParaRPr lang="ko-KR" altLang="en-US"/>
+          </a:p>
+        </p:txBody>
+      </p:sp>
+      <p:sp>
+        <p:nvSpPr>
+          <p:cNvPr id="29" name="직사각형 28">
+            <a:extLst>
+              <a:ext uri="{FF2B5EF4-FFF2-40B4-BE49-F238E27FC236}">
+                <a16:creationId xmlns:a16="http://schemas.microsoft.com/office/drawing/2014/main" id="{545BF32E-3D4D-416C-8E66-F898CB17E0F5}"/>
+              </a:ext>
+            </a:extLst>
+          </p:cNvPr>
+          <p:cNvSpPr/>
+          <p:nvPr/>
+        </p:nvSpPr>
+        <p:spPr>
+          <a:xfrm>
+            <a:off x="2688128" y="4686948"/>
+            <a:ext cx="8242300" cy="1044000"/>
+          </a:xfrm>
+          <a:prstGeom prst="rect">
+            <a:avLst/>
+          </a:prstGeom>
+          <a:solidFill>
+            <a:schemeClr val="accent5"/>
+          </a:solidFill>
+          <a:ln>
+            <a:noFill/>
+          </a:ln>
+        </p:spPr>
+        <p:style>
+          <a:lnRef idx="2">
+            <a:schemeClr val="accent1">
+              <a:shade val="50000"/>
+            </a:schemeClr>
+          </a:lnRef>
+          <a:fillRef idx="1">
+            <a:schemeClr val="accent1"/>
+          </a:fillRef>
+          <a:effectRef idx="0">
+            <a:schemeClr val="accent1"/>
+          </a:effectRef>
+          <a:fontRef idx="minor">
+            <a:schemeClr val="lt1"/>
+          </a:fontRef>
+        </p:style>
+        <p:txBody>
+          <a:bodyPr rtlCol="0" anchor="ctr"/>
+          <a:lstStyle/>
+          <a:p>
+            <a:pPr algn="ctr"/>
+            <a:endParaRPr lang="ko-KR" altLang="en-US"/>
+          </a:p>
+        </p:txBody>
+      </p:sp>
+      <p:sp>
+        <p:nvSpPr>
+          <p:cNvPr id="30" name="TextBox 29">
+            <a:extLst>
+              <a:ext uri="{FF2B5EF4-FFF2-40B4-BE49-F238E27FC236}">
+                <a16:creationId xmlns:a16="http://schemas.microsoft.com/office/drawing/2014/main" id="{DA8E1275-5489-405E-8689-CBBC2527C00C}"/>
+              </a:ext>
+            </a:extLst>
+          </p:cNvPr>
+          <p:cNvSpPr txBox="1"/>
+          <p:nvPr/>
+        </p:nvSpPr>
+        <p:spPr>
+          <a:xfrm>
+            <a:off x="1639898" y="4884163"/>
+            <a:ext cx="394659" cy="646331"/>
+          </a:xfrm>
+          <a:prstGeom prst="rect">
+            <a:avLst/>
+          </a:prstGeom>
+          <a:noFill/>
+        </p:spPr>
+        <p:txBody>
+          <a:bodyPr wrap="none" rtlCol="0">
+            <a:spAutoFit/>
+          </a:bodyPr>
+          <a:lstStyle/>
+          <a:p>
+            <a:pPr algn="ctr"/>
+            <a:r>
+              <a:rPr lang="en-US" altLang="ko-KR" sz="3600" spc="-300" dirty="0">
+                <a:solidFill>
+                  <a:schemeClr val="bg1"/>
+                </a:solidFill>
+                <a:latin typeface="+mn-ea"/>
+              </a:rPr>
+              <a:t>3</a:t>
+            </a:r>
+            <a:endParaRPr lang="ko-KR" altLang="en-US" sz="3600" spc="-300" dirty="0">
+              <a:solidFill>
+                <a:schemeClr val="bg1"/>
+              </a:solidFill>
+              <a:latin typeface="+mn-ea"/>
+            </a:endParaRPr>
+          </a:p>
+        </p:txBody>
+      </p:sp>
+      <p:sp>
+        <p:nvSpPr>
+          <p:cNvPr id="31" name="TextBox 30">
+            <a:extLst>
+              <a:ext uri="{FF2B5EF4-FFF2-40B4-BE49-F238E27FC236}">
+                <a16:creationId xmlns:a16="http://schemas.microsoft.com/office/drawing/2014/main" id="{27132537-D9AC-4919-8A6E-B052AD40CF34}"/>
+              </a:ext>
+            </a:extLst>
+          </p:cNvPr>
+          <p:cNvSpPr txBox="1"/>
+          <p:nvPr/>
+        </p:nvSpPr>
+        <p:spPr>
+          <a:xfrm>
+            <a:off x="2945222" y="4898853"/>
+            <a:ext cx="3078087" cy="584775"/>
+          </a:xfrm>
+          <a:prstGeom prst="rect">
+            <a:avLst/>
+          </a:prstGeom>
+          <a:noFill/>
+        </p:spPr>
+        <p:txBody>
+          <a:bodyPr wrap="none" rtlCol="0">
+            <a:spAutoFit/>
+          </a:bodyPr>
+          <a:lstStyle/>
+          <a:p>
+            <a:r>
+              <a:rPr lang="ko-KR" altLang="en-US" sz="3200" spc="-300" dirty="0">
+                <a:solidFill>
+                  <a:schemeClr val="bg1"/>
+                </a:solidFill>
+                <a:latin typeface="+mn-ea"/>
+              </a:rPr>
+              <a:t>주제를 입력하세요</a:t>
+            </a:r>
+          </a:p>
+        </p:txBody>
+      </p:sp>
+    </p:spTree>
+    <p:extLst>
+      <p:ext uri="{BB962C8B-B14F-4D97-AF65-F5344CB8AC3E}">
+        <p14:creationId xmlns:p14="http://schemas.microsoft.com/office/powerpoint/2010/main" val="2393631099"/>
+      </p:ext>
+    </p:extLst>
+  </p:cSld>
+  <p:clrMapOvr>
+    <a:masterClrMapping/>
+  </p:clrMapOvr>
+  <mc:AlternateContent xmlns:mc="http://schemas.openxmlformats.org/markup-compatibility/2006" xmlns:p14="http://schemas.microsoft.com/office/powerpoint/2010/main">
+    <mc:Choice Requires="p14">
+      <p:transition spd="med" p14:dur="700">
+        <p:fade/>
+      </p:transition>
+    </mc:Choice>
+    <mc:Fallback xmlns="">
+      <p:transition spd="med">
+        <p:fade/>
+      </p:transition>
+    </mc:Fallback>
+  </mc:AlternateContent>
+</p:sld>
+</file>
+
+<file path=ppt/slides/slide14.xml><?xml version="1.0" encoding="utf-8"?>
 <p:sld xmlns:a="http://schemas.openxmlformats.org/drawingml/2006/main" xmlns:r="http://schemas.openxmlformats.org/officeDocument/2006/relationships" xmlns:p="http://schemas.openxmlformats.org/presentationml/2006/main">
   <p:cSld>
     <p:spTree>
@@ -11145,7 +12972,7 @@
 </p:sld>
 </file>
 
-<file path=ppt/slides/slide11.xml><?xml version="1.0" encoding="utf-8"?>
+<file path=ppt/slides/slide15.xml><?xml version="1.0" encoding="utf-8"?>
 <p:sld xmlns:a="http://schemas.openxmlformats.org/drawingml/2006/main" xmlns:r="http://schemas.openxmlformats.org/officeDocument/2006/relationships" xmlns:p="http://schemas.openxmlformats.org/presentationml/2006/main">
   <p:cSld>
     <p:spTree>
@@ -13322,7 +15149,7 @@
 </p:sld>
 </file>
 
-<file path=ppt/slides/slide12.xml><?xml version="1.0" encoding="utf-8"?>
+<file path=ppt/slides/slide16.xml><?xml version="1.0" encoding="utf-8"?>
 <p:sld xmlns:a="http://schemas.openxmlformats.org/drawingml/2006/main" xmlns:r="http://schemas.openxmlformats.org/officeDocument/2006/relationships" xmlns:p="http://schemas.openxmlformats.org/presentationml/2006/main">
   <p:cSld>
     <p:spTree>
@@ -14697,7 +16524,7 @@
 </p:sld>
 </file>
 
-<file path=ppt/slides/slide13.xml><?xml version="1.0" encoding="utf-8"?>
+<file path=ppt/slides/slide17.xml><?xml version="1.0" encoding="utf-8"?>
 <p:sld xmlns:a="http://schemas.openxmlformats.org/drawingml/2006/main" xmlns:r="http://schemas.openxmlformats.org/officeDocument/2006/relationships" xmlns:p="http://schemas.openxmlformats.org/presentationml/2006/main">
   <p:cSld>
     <p:spTree>
@@ -15634,7 +17461,7 @@
 </p:sld>
 </file>
 
-<file path=ppt/slides/slide14.xml><?xml version="1.0" encoding="utf-8"?>
+<file path=ppt/slides/slide18.xml><?xml version="1.0" encoding="utf-8"?>
 <p:sld xmlns:a="http://schemas.openxmlformats.org/drawingml/2006/main" xmlns:r="http://schemas.openxmlformats.org/officeDocument/2006/relationships" xmlns:p="http://schemas.openxmlformats.org/presentationml/2006/main">
   <p:cSld>
     <p:spTree>
@@ -16581,7 +18408,7 @@
 </p:sld>
 </file>
 
-<file path=ppt/slides/slide15.xml><?xml version="1.0" encoding="utf-8"?>
+<file path=ppt/slides/slide19.xml><?xml version="1.0" encoding="utf-8"?>
 <p:sld xmlns:a="http://schemas.openxmlformats.org/drawingml/2006/main" xmlns:r="http://schemas.openxmlformats.org/officeDocument/2006/relationships" xmlns:p="http://schemas.openxmlformats.org/presentationml/2006/main">
   <p:cSld>
     <p:bg>
@@ -16752,7 +18579,159 @@
 </p:sld>
 </file>
 
-<file path=ppt/slides/slide16.xml><?xml version="1.0" encoding="utf-8"?>
+<file path=ppt/slides/slide2.xml><?xml version="1.0" encoding="utf-8"?>
+<p:sld xmlns:a="http://schemas.openxmlformats.org/drawingml/2006/main" xmlns:r="http://schemas.openxmlformats.org/officeDocument/2006/relationships" xmlns:p="http://schemas.openxmlformats.org/presentationml/2006/main">
+  <p:cSld>
+    <p:bg>
+      <p:bgPr>
+        <a:solidFill>
+          <a:schemeClr val="accent2"/>
+        </a:solidFill>
+        <a:effectLst/>
+      </p:bgPr>
+    </p:bg>
+    <p:spTree>
+      <p:nvGrpSpPr>
+        <p:cNvPr id="1" name=""/>
+        <p:cNvGrpSpPr/>
+        <p:nvPr/>
+      </p:nvGrpSpPr>
+      <p:grpSpPr>
+        <a:xfrm>
+          <a:off x="0" y="0"/>
+          <a:ext cx="0" cy="0"/>
+          <a:chOff x="0" y="0"/>
+          <a:chExt cx="0" cy="0"/>
+        </a:xfrm>
+      </p:grpSpPr>
+      <p:sp>
+        <p:nvSpPr>
+          <p:cNvPr id="4" name="TextBox 3">
+            <a:extLst>
+              <a:ext uri="{FF2B5EF4-FFF2-40B4-BE49-F238E27FC236}">
+                <a16:creationId xmlns:a16="http://schemas.microsoft.com/office/drawing/2014/main" id="{E251FDC9-B70C-4BC0-8AC7-216B5765985E}"/>
+              </a:ext>
+            </a:extLst>
+          </p:cNvPr>
+          <p:cNvSpPr txBox="1"/>
+          <p:nvPr/>
+        </p:nvSpPr>
+        <p:spPr>
+          <a:xfrm>
+            <a:off x="5460251" y="2824480"/>
+            <a:ext cx="1271503" cy="830997"/>
+          </a:xfrm>
+          <a:prstGeom prst="rect">
+            <a:avLst/>
+          </a:prstGeom>
+          <a:noFill/>
+        </p:spPr>
+        <p:txBody>
+          <a:bodyPr wrap="none" rtlCol="0">
+            <a:spAutoFit/>
+          </a:bodyPr>
+          <a:lstStyle/>
+          <a:p>
+            <a:pPr algn="ctr"/>
+            <a:r>
+              <a:rPr lang="ko-KR" altLang="en-US" sz="4800" b="1">
+                <a:solidFill>
+                  <a:schemeClr val="bg1"/>
+                </a:solidFill>
+                <a:latin typeface="210 나무굴림 B" panose="02020603020101020101" pitchFamily="18" charset="-127"/>
+                <a:ea typeface="210 나무굴림 B" panose="02020603020101020101" pitchFamily="18" charset="-127"/>
+              </a:rPr>
+              <a:t>목차</a:t>
+            </a:r>
+            <a:endParaRPr lang="ko-KR" altLang="en-US" sz="4800" b="1" dirty="0">
+              <a:solidFill>
+                <a:schemeClr val="bg1"/>
+              </a:solidFill>
+              <a:latin typeface="210 나무굴림 B" panose="02020603020101020101" pitchFamily="18" charset="-127"/>
+              <a:ea typeface="210 나무굴림 B" panose="02020603020101020101" pitchFamily="18" charset="-127"/>
+            </a:endParaRPr>
+          </a:p>
+        </p:txBody>
+      </p:sp>
+      <p:sp>
+        <p:nvSpPr>
+          <p:cNvPr id="5" name="양쪽 대괄호 4">
+            <a:extLst>
+              <a:ext uri="{FF2B5EF4-FFF2-40B4-BE49-F238E27FC236}">
+                <a16:creationId xmlns:a16="http://schemas.microsoft.com/office/drawing/2014/main" id="{7B2CAB3D-75D4-47BA-AA00-C925C76EC1D2}"/>
+              </a:ext>
+            </a:extLst>
+          </p:cNvPr>
+          <p:cNvSpPr/>
+          <p:nvPr/>
+        </p:nvSpPr>
+        <p:spPr>
+          <a:xfrm>
+            <a:off x="2153919" y="2009279"/>
+            <a:ext cx="7884160" cy="2369066"/>
+          </a:xfrm>
+          <a:prstGeom prst="bracketPair">
+            <a:avLst>
+              <a:gd name="adj" fmla="val 10867"/>
+            </a:avLst>
+          </a:prstGeom>
+          <a:ln>
+            <a:solidFill>
+              <a:schemeClr val="bg1">
+                <a:lumMod val="95000"/>
+              </a:schemeClr>
+            </a:solidFill>
+          </a:ln>
+        </p:spPr>
+        <p:style>
+          <a:lnRef idx="1">
+            <a:schemeClr val="accent1"/>
+          </a:lnRef>
+          <a:fillRef idx="0">
+            <a:schemeClr val="accent1"/>
+          </a:fillRef>
+          <a:effectRef idx="0">
+            <a:schemeClr val="accent1"/>
+          </a:effectRef>
+          <a:fontRef idx="minor">
+            <a:schemeClr val="tx1"/>
+          </a:fontRef>
+        </p:style>
+        <p:txBody>
+          <a:bodyPr rtlCol="0" anchor="ctr"/>
+          <a:lstStyle/>
+          <a:p>
+            <a:pPr algn="ctr"/>
+            <a:endParaRPr lang="ko-KR" altLang="en-US"/>
+          </a:p>
+        </p:txBody>
+      </p:sp>
+    </p:spTree>
+    <p:extLst>
+      <p:ext uri="{BB962C8B-B14F-4D97-AF65-F5344CB8AC3E}">
+        <p14:creationId xmlns:p14="http://schemas.microsoft.com/office/powerpoint/2010/main" val="3139286300"/>
+      </p:ext>
+    </p:extLst>
+  </p:cSld>
+  <p:clrMapOvr>
+    <a:masterClrMapping/>
+  </p:clrMapOvr>
+  <mc:AlternateContent xmlns:mc="http://schemas.openxmlformats.org/markup-compatibility/2006" xmlns:p14="http://schemas.microsoft.com/office/powerpoint/2010/main">
+    <mc:Choice Requires="p14">
+      <p:transition spd="med" p14:dur="700">
+        <p:fade/>
+      </p:transition>
+    </mc:Choice>
+    <mc:Fallback xmlns="">
+      <p:transition spd="med">
+        <p:fade/>
+      </p:transition>
+    </mc:Fallback>
+  </mc:AlternateContent>
+</p:sld>
+</file>
+
+<file path=ppt/slides/slide20.xml><?xml version="1.0" encoding="utf-8"?>
 <p:sld xmlns:a="http://schemas.openxmlformats.org/drawingml/2006/main" xmlns:r="http://schemas.openxmlformats.org/officeDocument/2006/relationships" xmlns:p="http://schemas.openxmlformats.org/presentationml/2006/main">
   <p:cSld>
     <p:bg>
@@ -16969,7 +18948,7 @@
 </p:sld>
 </file>
 
-<file path=ppt/slides/slide17.xml><?xml version="1.0" encoding="utf-8"?>
+<file path=ppt/slides/slide21.xml><?xml version="1.0" encoding="utf-8"?>
 <p:sld xmlns:a="http://schemas.openxmlformats.org/drawingml/2006/main" xmlns:r="http://schemas.openxmlformats.org/officeDocument/2006/relationships" xmlns:p="http://schemas.openxmlformats.org/presentationml/2006/main">
   <p:cSld>
     <p:spTree>
@@ -17537,7 +19516,7 @@
 </p:sld>
 </file>
 
-<file path=ppt/slides/slide18.xml><?xml version="1.0" encoding="utf-8"?>
+<file path=ppt/slides/slide22.xml><?xml version="1.0" encoding="utf-8"?>
 <p:sld xmlns:a="http://schemas.openxmlformats.org/drawingml/2006/main" xmlns:r="http://schemas.openxmlformats.org/officeDocument/2006/relationships" xmlns:p="http://schemas.openxmlformats.org/presentationml/2006/main">
   <p:cSld>
     <p:spTree>
@@ -18581,7 +20560,7 @@
 </p:sld>
 </file>
 
-<file path=ppt/slides/slide19.xml><?xml version="1.0" encoding="utf-8"?>
+<file path=ppt/slides/slide23.xml><?xml version="1.0" encoding="utf-8"?>
 <p:sld xmlns:a="http://schemas.openxmlformats.org/drawingml/2006/main" xmlns:r="http://schemas.openxmlformats.org/officeDocument/2006/relationships" xmlns:p="http://schemas.openxmlformats.org/presentationml/2006/main">
   <p:cSld>
     <p:spTree>
@@ -18969,242 +20948,7 @@
 </p:sld>
 </file>
 
-<file path=ppt/slides/slide2.xml><?xml version="1.0" encoding="utf-8"?>
-<p:sld xmlns:a="http://schemas.openxmlformats.org/drawingml/2006/main" xmlns:r="http://schemas.openxmlformats.org/officeDocument/2006/relationships" xmlns:p="http://schemas.openxmlformats.org/presentationml/2006/main">
-  <p:cSld>
-    <p:bg>
-      <p:bgPr>
-        <a:solidFill>
-          <a:schemeClr val="accent2"/>
-        </a:solidFill>
-        <a:effectLst/>
-      </p:bgPr>
-    </p:bg>
-    <p:spTree>
-      <p:nvGrpSpPr>
-        <p:cNvPr id="1" name=""/>
-        <p:cNvGrpSpPr/>
-        <p:nvPr/>
-      </p:nvGrpSpPr>
-      <p:grpSpPr>
-        <a:xfrm>
-          <a:off x="0" y="0"/>
-          <a:ext cx="0" cy="0"/>
-          <a:chOff x="0" y="0"/>
-          <a:chExt cx="0" cy="0"/>
-        </a:xfrm>
-      </p:grpSpPr>
-      <p:sp>
-        <p:nvSpPr>
-          <p:cNvPr id="3" name="TextBox 2">
-            <a:extLst>
-              <a:ext uri="{FF2B5EF4-FFF2-40B4-BE49-F238E27FC236}">
-                <a16:creationId xmlns:a16="http://schemas.microsoft.com/office/drawing/2014/main" id="{91C4265C-0EAD-4FFD-BF99-406D49533C1D}"/>
-              </a:ext>
-            </a:extLst>
-          </p:cNvPr>
-          <p:cNvSpPr txBox="1"/>
-          <p:nvPr/>
-        </p:nvSpPr>
-        <p:spPr>
-          <a:xfrm>
-            <a:off x="3048000" y="3244334"/>
-            <a:ext cx="6096000" cy="369332"/>
-          </a:xfrm>
-          <a:prstGeom prst="rect">
-            <a:avLst/>
-          </a:prstGeom>
-          <a:noFill/>
-        </p:spPr>
-        <p:txBody>
-          <a:bodyPr wrap="square">
-            <a:spAutoFit/>
-          </a:bodyPr>
-          <a:lstStyle/>
-          <a:p>
-            <a:pPr algn="ctr"/>
-            <a:r>
-              <a:rPr lang="en-US" altLang="ko-KR" sz="1800" dirty="0">
-                <a:solidFill>
-                  <a:schemeClr val="bg1"/>
-                </a:solidFill>
-              </a:rPr>
-              <a:t>Winter Dream</a:t>
-            </a:r>
-            <a:endParaRPr lang="ko-KR" altLang="en-US" sz="1800" dirty="0">
-              <a:solidFill>
-                <a:schemeClr val="bg1"/>
-              </a:solidFill>
-            </a:endParaRPr>
-          </a:p>
-        </p:txBody>
-      </p:sp>
-      <p:sp>
-        <p:nvSpPr>
-          <p:cNvPr id="4" name="TextBox 3">
-            <a:extLst>
-              <a:ext uri="{FF2B5EF4-FFF2-40B4-BE49-F238E27FC236}">
-                <a16:creationId xmlns:a16="http://schemas.microsoft.com/office/drawing/2014/main" id="{E251FDC9-B70C-4BC0-8AC7-216B5765985E}"/>
-              </a:ext>
-            </a:extLst>
-          </p:cNvPr>
-          <p:cNvSpPr txBox="1"/>
-          <p:nvPr/>
-        </p:nvSpPr>
-        <p:spPr>
-          <a:xfrm>
-            <a:off x="5122015" y="2824480"/>
-            <a:ext cx="1947969" cy="369332"/>
-          </a:xfrm>
-          <a:prstGeom prst="rect">
-            <a:avLst/>
-          </a:prstGeom>
-          <a:noFill/>
-        </p:spPr>
-        <p:txBody>
-          <a:bodyPr wrap="none" rtlCol="0">
-            <a:spAutoFit/>
-          </a:bodyPr>
-          <a:lstStyle/>
-          <a:p>
-            <a:pPr algn="ctr"/>
-            <a:r>
-              <a:rPr lang="ko-KR" altLang="en-US" dirty="0">
-                <a:solidFill>
-                  <a:schemeClr val="bg1"/>
-                </a:solidFill>
-              </a:rPr>
-              <a:t>성큼 다가온 겨울</a:t>
-            </a:r>
-          </a:p>
-        </p:txBody>
-      </p:sp>
-      <p:sp>
-        <p:nvSpPr>
-          <p:cNvPr id="5" name="양쪽 대괄호 4">
-            <a:extLst>
-              <a:ext uri="{FF2B5EF4-FFF2-40B4-BE49-F238E27FC236}">
-                <a16:creationId xmlns:a16="http://schemas.microsoft.com/office/drawing/2014/main" id="{7B2CAB3D-75D4-47BA-AA00-C925C76EC1D2}"/>
-              </a:ext>
-            </a:extLst>
-          </p:cNvPr>
-          <p:cNvSpPr/>
-          <p:nvPr/>
-        </p:nvSpPr>
-        <p:spPr>
-          <a:xfrm>
-            <a:off x="2153919" y="2009279"/>
-            <a:ext cx="7884160" cy="2369066"/>
-          </a:xfrm>
-          <a:prstGeom prst="bracketPair">
-            <a:avLst>
-              <a:gd name="adj" fmla="val 10867"/>
-            </a:avLst>
-          </a:prstGeom>
-          <a:ln>
-            <a:solidFill>
-              <a:schemeClr val="bg1">
-                <a:lumMod val="95000"/>
-              </a:schemeClr>
-            </a:solidFill>
-          </a:ln>
-        </p:spPr>
-        <p:style>
-          <a:lnRef idx="1">
-            <a:schemeClr val="accent1"/>
-          </a:lnRef>
-          <a:fillRef idx="0">
-            <a:schemeClr val="accent1"/>
-          </a:fillRef>
-          <a:effectRef idx="0">
-            <a:schemeClr val="accent1"/>
-          </a:effectRef>
-          <a:fontRef idx="minor">
-            <a:schemeClr val="tx1"/>
-          </a:fontRef>
-        </p:style>
-        <p:txBody>
-          <a:bodyPr rtlCol="0" anchor="ctr"/>
-          <a:lstStyle/>
-          <a:p>
-            <a:pPr algn="ctr"/>
-            <a:endParaRPr lang="ko-KR" altLang="en-US"/>
-          </a:p>
-        </p:txBody>
-      </p:sp>
-      <p:sp>
-        <p:nvSpPr>
-          <p:cNvPr id="6" name="TextBox 5">
-            <a:extLst>
-              <a:ext uri="{FF2B5EF4-FFF2-40B4-BE49-F238E27FC236}">
-                <a16:creationId xmlns:a16="http://schemas.microsoft.com/office/drawing/2014/main" id="{99A3A4B1-78DD-4F9A-807D-7BC51AFF4B1A}"/>
-              </a:ext>
-            </a:extLst>
-          </p:cNvPr>
-          <p:cNvSpPr txBox="1"/>
-          <p:nvPr/>
-        </p:nvSpPr>
-        <p:spPr>
-          <a:xfrm>
-            <a:off x="182880" y="193040"/>
-            <a:ext cx="1832553" cy="338554"/>
-          </a:xfrm>
-          <a:prstGeom prst="rect">
-            <a:avLst/>
-          </a:prstGeom>
-          <a:noFill/>
-        </p:spPr>
-        <p:txBody>
-          <a:bodyPr wrap="none" rtlCol="0">
-            <a:spAutoFit/>
-          </a:bodyPr>
-          <a:lstStyle/>
-          <a:p>
-            <a:r>
-              <a:rPr lang="ko-KR" altLang="en-US" sz="1600" dirty="0" err="1">
-                <a:solidFill>
-                  <a:schemeClr val="bg1"/>
-                </a:solidFill>
-              </a:rPr>
-              <a:t>새별의</a:t>
-            </a:r>
-            <a:r>
-              <a:rPr lang="ko-KR" altLang="en-US" sz="1600" dirty="0">
-                <a:solidFill>
-                  <a:schemeClr val="bg1"/>
-                </a:solidFill>
-              </a:rPr>
-              <a:t> 파워포인트</a:t>
-            </a:r>
-          </a:p>
-        </p:txBody>
-      </p:sp>
-    </p:spTree>
-    <p:extLst>
-      <p:ext uri="{BB962C8B-B14F-4D97-AF65-F5344CB8AC3E}">
-        <p14:creationId xmlns:p14="http://schemas.microsoft.com/office/powerpoint/2010/main" val="3139286300"/>
-      </p:ext>
-    </p:extLst>
-  </p:cSld>
-  <p:clrMapOvr>
-    <a:masterClrMapping/>
-  </p:clrMapOvr>
-  <mc:AlternateContent xmlns:mc="http://schemas.openxmlformats.org/markup-compatibility/2006" xmlns:p14="http://schemas.microsoft.com/office/powerpoint/2010/main">
-    <mc:Choice Requires="p14">
-      <p:transition spd="med" p14:dur="700">
-        <p:fade/>
-      </p:transition>
-    </mc:Choice>
-    <mc:Fallback xmlns="">
-      <p:transition spd="med">
-        <p:fade/>
-      </p:transition>
-    </mc:Fallback>
-  </mc:AlternateContent>
-</p:sld>
-</file>
-
-<file path=ppt/slides/slide20.xml><?xml version="1.0" encoding="utf-8"?>
+<file path=ppt/slides/slide24.xml><?xml version="1.0" encoding="utf-8"?>
 <p:sld xmlns:a="http://schemas.openxmlformats.org/drawingml/2006/main" xmlns:r="http://schemas.openxmlformats.org/officeDocument/2006/relationships" xmlns:p="http://schemas.openxmlformats.org/presentationml/2006/main">
   <p:cSld>
     <p:spTree>
@@ -19991,7 +21735,7 @@
 </p:sld>
 </file>
 
-<file path=ppt/slides/slide21.xml><?xml version="1.0" encoding="utf-8"?>
+<file path=ppt/slides/slide25.xml><?xml version="1.0" encoding="utf-8"?>
 <p:sld xmlns:a="http://schemas.openxmlformats.org/drawingml/2006/main" xmlns:r="http://schemas.openxmlformats.org/officeDocument/2006/relationships" xmlns:p="http://schemas.openxmlformats.org/presentationml/2006/main">
   <p:cSld>
     <p:spTree>
@@ -21680,7 +23424,7 @@
 </p:sld>
 </file>
 
-<file path=ppt/slides/slide22.xml><?xml version="1.0" encoding="utf-8"?>
+<file path=ppt/slides/slide26.xml><?xml version="1.0" encoding="utf-8"?>
 <p:sld xmlns:a="http://schemas.openxmlformats.org/drawingml/2006/main" xmlns:r="http://schemas.openxmlformats.org/officeDocument/2006/relationships" xmlns:p="http://schemas.openxmlformats.org/presentationml/2006/main">
   <p:cSld>
     <p:bg>
@@ -21851,7 +23595,7 @@
 </p:sld>
 </file>
 
-<file path=ppt/slides/slide23.xml><?xml version="1.0" encoding="utf-8"?>
+<file path=ppt/slides/slide27.xml><?xml version="1.0" encoding="utf-8"?>
 <p:sld xmlns:a="http://schemas.openxmlformats.org/drawingml/2006/main" xmlns:r="http://schemas.openxmlformats.org/officeDocument/2006/relationships" xmlns:p="http://schemas.openxmlformats.org/presentationml/2006/main">
   <p:cSld>
     <p:bg>
@@ -22150,7 +23894,7 @@
 </p:sld>
 </file>
 
-<file path=ppt/slides/slide24.xml><?xml version="1.0" encoding="utf-8"?>
+<file path=ppt/slides/slide28.xml><?xml version="1.0" encoding="utf-8"?>
 <p:sld xmlns:a="http://schemas.openxmlformats.org/drawingml/2006/main" xmlns:r="http://schemas.openxmlformats.org/officeDocument/2006/relationships" xmlns:p="http://schemas.openxmlformats.org/presentationml/2006/main">
   <p:cSld>
     <p:spTree>
@@ -23546,7 +25290,7 @@
 </p:sld>
 </file>
 
-<file path=ppt/slides/slide25.xml><?xml version="1.0" encoding="utf-8"?>
+<file path=ppt/slides/slide29.xml><?xml version="1.0" encoding="utf-8"?>
 <p:sld xmlns:a="http://schemas.openxmlformats.org/drawingml/2006/main" xmlns:r="http://schemas.openxmlformats.org/officeDocument/2006/relationships" xmlns:p="http://schemas.openxmlformats.org/presentationml/2006/main">
   <p:cSld>
     <p:spTree>
@@ -24678,7 +26422,633 @@
 </p:sld>
 </file>
 
-<file path=ppt/slides/slide26.xml><?xml version="1.0" encoding="utf-8"?>
+<file path=ppt/slides/slide3.xml><?xml version="1.0" encoding="utf-8"?>
+<p:sld xmlns:a="http://schemas.openxmlformats.org/drawingml/2006/main" xmlns:r="http://schemas.openxmlformats.org/officeDocument/2006/relationships" xmlns:p="http://schemas.openxmlformats.org/presentationml/2006/main">
+  <p:cSld>
+    <p:bg>
+      <p:bgPr>
+        <a:solidFill>
+          <a:schemeClr val="accent6"/>
+        </a:solidFill>
+        <a:effectLst/>
+      </p:bgPr>
+    </p:bg>
+    <p:spTree>
+      <p:nvGrpSpPr>
+        <p:cNvPr id="1" name=""/>
+        <p:cNvGrpSpPr/>
+        <p:nvPr/>
+      </p:nvGrpSpPr>
+      <p:grpSpPr>
+        <a:xfrm>
+          <a:off x="0" y="0"/>
+          <a:ext cx="0" cy="0"/>
+          <a:chOff x="0" y="0"/>
+          <a:chExt cx="0" cy="0"/>
+        </a:xfrm>
+      </p:grpSpPr>
+      <p:sp>
+        <p:nvSpPr>
+          <p:cNvPr id="2" name="타원 1">
+            <a:extLst>
+              <a:ext uri="{FF2B5EF4-FFF2-40B4-BE49-F238E27FC236}">
+                <a16:creationId xmlns:a16="http://schemas.microsoft.com/office/drawing/2014/main" id="{6A948DA2-02A6-4346-80F8-772FA275B595}"/>
+              </a:ext>
+            </a:extLst>
+          </p:cNvPr>
+          <p:cNvSpPr/>
+          <p:nvPr/>
+        </p:nvSpPr>
+        <p:spPr>
+          <a:xfrm>
+            <a:off x="4951780" y="1116428"/>
+            <a:ext cx="2082800" cy="2082800"/>
+          </a:xfrm>
+          <a:prstGeom prst="ellipse">
+            <a:avLst/>
+          </a:prstGeom>
+          <a:ln>
+            <a:noFill/>
+          </a:ln>
+        </p:spPr>
+        <p:style>
+          <a:lnRef idx="2">
+            <a:schemeClr val="accent1">
+              <a:shade val="50000"/>
+            </a:schemeClr>
+          </a:lnRef>
+          <a:fillRef idx="1">
+            <a:schemeClr val="accent1"/>
+          </a:fillRef>
+          <a:effectRef idx="0">
+            <a:schemeClr val="accent1"/>
+          </a:effectRef>
+          <a:fontRef idx="minor">
+            <a:schemeClr val="lt1"/>
+          </a:fontRef>
+        </p:style>
+        <p:txBody>
+          <a:bodyPr rtlCol="0" anchor="ctr"/>
+          <a:lstStyle/>
+          <a:p>
+            <a:pPr algn="ctr"/>
+            <a:r>
+              <a:rPr lang="ko-KR" altLang="en-US" sz="3600">
+                <a:latin typeface="210 나무굴림 B" panose="02020603020101020101" pitchFamily="18" charset="-127"/>
+                <a:ea typeface="210 나무굴림 B" panose="02020603020101020101" pitchFamily="18" charset="-127"/>
+              </a:rPr>
+              <a:t>목차</a:t>
+            </a:r>
+          </a:p>
+        </p:txBody>
+      </p:sp>
+      <p:sp>
+        <p:nvSpPr>
+          <p:cNvPr id="4" name="타원 3">
+            <a:extLst>
+              <a:ext uri="{FF2B5EF4-FFF2-40B4-BE49-F238E27FC236}">
+                <a16:creationId xmlns:a16="http://schemas.microsoft.com/office/drawing/2014/main" id="{C63DDDEB-A4AD-4287-9759-D0ECC75D2005}"/>
+              </a:ext>
+            </a:extLst>
+          </p:cNvPr>
+          <p:cNvSpPr/>
+          <p:nvPr/>
+        </p:nvSpPr>
+        <p:spPr>
+          <a:xfrm>
+            <a:off x="796926" y="4044462"/>
+            <a:ext cx="1424354" cy="1424354"/>
+          </a:xfrm>
+          <a:prstGeom prst="ellipse">
+            <a:avLst/>
+          </a:prstGeom>
+          <a:solidFill>
+            <a:schemeClr val="accent5">
+              <a:lumMod val="60000"/>
+              <a:lumOff val="40000"/>
+            </a:schemeClr>
+          </a:solidFill>
+          <a:ln>
+            <a:solidFill>
+              <a:schemeClr val="bg2"/>
+            </a:solidFill>
+          </a:ln>
+        </p:spPr>
+        <p:style>
+          <a:lnRef idx="2">
+            <a:schemeClr val="accent1">
+              <a:shade val="50000"/>
+            </a:schemeClr>
+          </a:lnRef>
+          <a:fillRef idx="1">
+            <a:schemeClr val="accent1"/>
+          </a:fillRef>
+          <a:effectRef idx="0">
+            <a:schemeClr val="accent1"/>
+          </a:effectRef>
+          <a:fontRef idx="minor">
+            <a:schemeClr val="lt1"/>
+          </a:fontRef>
+        </p:style>
+        <p:txBody>
+          <a:bodyPr rtlCol="0" anchor="ctr"/>
+          <a:lstStyle/>
+          <a:p>
+            <a:pPr algn="ctr"/>
+            <a:r>
+              <a:rPr lang="ko-KR" altLang="en-US" sz="2400" b="1">
+                <a:solidFill>
+                  <a:schemeClr val="accent6">
+                    <a:lumMod val="50000"/>
+                  </a:schemeClr>
+                </a:solidFill>
+                <a:latin typeface="210 나무굴림 B" panose="02020603020101020101" pitchFamily="18" charset="-127"/>
+                <a:ea typeface="210 나무굴림 B" panose="02020603020101020101" pitchFamily="18" charset="-127"/>
+              </a:rPr>
+              <a:t>소개</a:t>
+            </a:r>
+          </a:p>
+        </p:txBody>
+      </p:sp>
+      <p:sp>
+        <p:nvSpPr>
+          <p:cNvPr id="5" name="타원 4">
+            <a:extLst>
+              <a:ext uri="{FF2B5EF4-FFF2-40B4-BE49-F238E27FC236}">
+                <a16:creationId xmlns:a16="http://schemas.microsoft.com/office/drawing/2014/main" id="{6E6D75C7-80D7-42E6-88DF-2395765E75BD}"/>
+              </a:ext>
+            </a:extLst>
+          </p:cNvPr>
+          <p:cNvSpPr/>
+          <p:nvPr/>
+        </p:nvSpPr>
+        <p:spPr>
+          <a:xfrm>
+            <a:off x="8300916" y="4044462"/>
+            <a:ext cx="1424354" cy="1424354"/>
+          </a:xfrm>
+          <a:prstGeom prst="ellipse">
+            <a:avLst/>
+          </a:prstGeom>
+          <a:solidFill>
+            <a:schemeClr val="accent5">
+              <a:lumMod val="60000"/>
+              <a:lumOff val="40000"/>
+            </a:schemeClr>
+          </a:solidFill>
+          <a:ln>
+            <a:solidFill>
+              <a:schemeClr val="bg2"/>
+            </a:solidFill>
+          </a:ln>
+        </p:spPr>
+        <p:style>
+          <a:lnRef idx="2">
+            <a:schemeClr val="accent1">
+              <a:shade val="50000"/>
+            </a:schemeClr>
+          </a:lnRef>
+          <a:fillRef idx="1">
+            <a:schemeClr val="accent1"/>
+          </a:fillRef>
+          <a:effectRef idx="0">
+            <a:schemeClr val="accent1"/>
+          </a:effectRef>
+          <a:fontRef idx="minor">
+            <a:schemeClr val="lt1"/>
+          </a:fontRef>
+        </p:style>
+        <p:txBody>
+          <a:bodyPr rtlCol="0" anchor="ctr"/>
+          <a:lstStyle/>
+          <a:p>
+            <a:pPr algn="ctr"/>
+            <a:endParaRPr lang="ko-KR" altLang="en-US" sz="2400" b="1">
+              <a:solidFill>
+                <a:schemeClr val="accent6">
+                  <a:lumMod val="50000"/>
+                </a:schemeClr>
+              </a:solidFill>
+              <a:latin typeface="210 나무굴림 B" panose="02020603020101020101" pitchFamily="18" charset="-127"/>
+              <a:ea typeface="210 나무굴림 B" panose="02020603020101020101" pitchFamily="18" charset="-127"/>
+            </a:endParaRPr>
+          </a:p>
+        </p:txBody>
+      </p:sp>
+      <p:sp>
+        <p:nvSpPr>
+          <p:cNvPr id="6" name="타원 5">
+            <a:extLst>
+              <a:ext uri="{FF2B5EF4-FFF2-40B4-BE49-F238E27FC236}">
+                <a16:creationId xmlns:a16="http://schemas.microsoft.com/office/drawing/2014/main" id="{EEB84584-A676-47EF-852D-B7A4030FF56C}"/>
+              </a:ext>
+            </a:extLst>
+          </p:cNvPr>
+          <p:cNvSpPr/>
+          <p:nvPr/>
+        </p:nvSpPr>
+        <p:spPr>
+          <a:xfrm>
+            <a:off x="2874353" y="3199228"/>
+            <a:ext cx="1424354" cy="1424354"/>
+          </a:xfrm>
+          <a:prstGeom prst="ellipse">
+            <a:avLst/>
+          </a:prstGeom>
+          <a:solidFill>
+            <a:schemeClr val="accent5">
+              <a:lumMod val="60000"/>
+              <a:lumOff val="40000"/>
+            </a:schemeClr>
+          </a:solidFill>
+          <a:ln>
+            <a:solidFill>
+              <a:schemeClr val="bg2"/>
+            </a:solidFill>
+          </a:ln>
+        </p:spPr>
+        <p:style>
+          <a:lnRef idx="2">
+            <a:schemeClr val="accent1">
+              <a:shade val="50000"/>
+            </a:schemeClr>
+          </a:lnRef>
+          <a:fillRef idx="1">
+            <a:schemeClr val="accent1"/>
+          </a:fillRef>
+          <a:effectRef idx="0">
+            <a:schemeClr val="accent1"/>
+          </a:effectRef>
+          <a:fontRef idx="minor">
+            <a:schemeClr val="lt1"/>
+          </a:fontRef>
+        </p:style>
+        <p:txBody>
+          <a:bodyPr rtlCol="0" anchor="ctr"/>
+          <a:lstStyle/>
+          <a:p>
+            <a:pPr algn="ctr"/>
+            <a:endParaRPr lang="ko-KR" altLang="en-US" sz="2400" b="1">
+              <a:solidFill>
+                <a:schemeClr val="accent6">
+                  <a:lumMod val="50000"/>
+                </a:schemeClr>
+              </a:solidFill>
+              <a:latin typeface="210 나무굴림 B" panose="02020603020101020101" pitchFamily="18" charset="-127"/>
+              <a:ea typeface="210 나무굴림 B" panose="02020603020101020101" pitchFamily="18" charset="-127"/>
+            </a:endParaRPr>
+          </a:p>
+        </p:txBody>
+      </p:sp>
+      <p:sp>
+        <p:nvSpPr>
+          <p:cNvPr id="7" name="타원 6">
+            <a:extLst>
+              <a:ext uri="{FF2B5EF4-FFF2-40B4-BE49-F238E27FC236}">
+                <a16:creationId xmlns:a16="http://schemas.microsoft.com/office/drawing/2014/main" id="{0A97609D-2A8C-4F0F-9485-FCDFBCFD72F5}"/>
+              </a:ext>
+            </a:extLst>
+          </p:cNvPr>
+          <p:cNvSpPr/>
+          <p:nvPr/>
+        </p:nvSpPr>
+        <p:spPr>
+          <a:xfrm>
+            <a:off x="5845420" y="3911405"/>
+            <a:ext cx="1424354" cy="1424354"/>
+          </a:xfrm>
+          <a:prstGeom prst="ellipse">
+            <a:avLst/>
+          </a:prstGeom>
+          <a:solidFill>
+            <a:schemeClr val="accent5">
+              <a:lumMod val="60000"/>
+              <a:lumOff val="40000"/>
+            </a:schemeClr>
+          </a:solidFill>
+          <a:ln>
+            <a:solidFill>
+              <a:schemeClr val="bg2"/>
+            </a:solidFill>
+          </a:ln>
+        </p:spPr>
+        <p:style>
+          <a:lnRef idx="2">
+            <a:schemeClr val="accent1">
+              <a:shade val="50000"/>
+            </a:schemeClr>
+          </a:lnRef>
+          <a:fillRef idx="1">
+            <a:schemeClr val="accent1"/>
+          </a:fillRef>
+          <a:effectRef idx="0">
+            <a:schemeClr val="accent1"/>
+          </a:effectRef>
+          <a:fontRef idx="minor">
+            <a:schemeClr val="lt1"/>
+          </a:fontRef>
+        </p:style>
+        <p:txBody>
+          <a:bodyPr rtlCol="0" anchor="ctr"/>
+          <a:lstStyle/>
+          <a:p>
+            <a:pPr algn="ctr"/>
+            <a:endParaRPr lang="ko-KR" altLang="en-US" sz="2400" b="1">
+              <a:solidFill>
+                <a:schemeClr val="accent6">
+                  <a:lumMod val="50000"/>
+                </a:schemeClr>
+              </a:solidFill>
+              <a:latin typeface="210 나무굴림 B" panose="02020603020101020101" pitchFamily="18" charset="-127"/>
+              <a:ea typeface="210 나무굴림 B" panose="02020603020101020101" pitchFamily="18" charset="-127"/>
+            </a:endParaRPr>
+          </a:p>
+        </p:txBody>
+      </p:sp>
+      <p:sp>
+        <p:nvSpPr>
+          <p:cNvPr id="8" name="타원 7">
+            <a:extLst>
+              <a:ext uri="{FF2B5EF4-FFF2-40B4-BE49-F238E27FC236}">
+                <a16:creationId xmlns:a16="http://schemas.microsoft.com/office/drawing/2014/main" id="{7CB10C57-99FA-41DC-869E-7A45BADD50ED}"/>
+              </a:ext>
+            </a:extLst>
+          </p:cNvPr>
+          <p:cNvSpPr/>
+          <p:nvPr/>
+        </p:nvSpPr>
+        <p:spPr>
+          <a:xfrm>
+            <a:off x="10363200" y="3402624"/>
+            <a:ext cx="1424354" cy="1424354"/>
+          </a:xfrm>
+          <a:prstGeom prst="ellipse">
+            <a:avLst/>
+          </a:prstGeom>
+          <a:solidFill>
+            <a:schemeClr val="accent5">
+              <a:lumMod val="60000"/>
+              <a:lumOff val="40000"/>
+            </a:schemeClr>
+          </a:solidFill>
+          <a:ln>
+            <a:solidFill>
+              <a:schemeClr val="bg2"/>
+            </a:solidFill>
+          </a:ln>
+        </p:spPr>
+        <p:style>
+          <a:lnRef idx="2">
+            <a:schemeClr val="accent1">
+              <a:shade val="50000"/>
+            </a:schemeClr>
+          </a:lnRef>
+          <a:fillRef idx="1">
+            <a:schemeClr val="accent1"/>
+          </a:fillRef>
+          <a:effectRef idx="0">
+            <a:schemeClr val="accent1"/>
+          </a:effectRef>
+          <a:fontRef idx="minor">
+            <a:schemeClr val="lt1"/>
+          </a:fontRef>
+        </p:style>
+        <p:txBody>
+          <a:bodyPr rtlCol="0" anchor="ctr"/>
+          <a:lstStyle/>
+          <a:p>
+            <a:pPr algn="ctr"/>
+            <a:endParaRPr lang="ko-KR" altLang="en-US" sz="2400" b="1">
+              <a:solidFill>
+                <a:schemeClr val="accent6">
+                  <a:lumMod val="50000"/>
+                </a:schemeClr>
+              </a:solidFill>
+              <a:latin typeface="210 나무굴림 B" panose="02020603020101020101" pitchFamily="18" charset="-127"/>
+              <a:ea typeface="210 나무굴림 B" panose="02020603020101020101" pitchFamily="18" charset="-127"/>
+            </a:endParaRPr>
+          </a:p>
+        </p:txBody>
+      </p:sp>
+      <p:sp>
+        <p:nvSpPr>
+          <p:cNvPr id="9" name="TextBox 8">
+            <a:extLst>
+              <a:ext uri="{FF2B5EF4-FFF2-40B4-BE49-F238E27FC236}">
+                <a16:creationId xmlns:a16="http://schemas.microsoft.com/office/drawing/2014/main" id="{422A1E13-D444-44C5-B8D5-B6D54AD5923D}"/>
+              </a:ext>
+            </a:extLst>
+          </p:cNvPr>
+          <p:cNvSpPr txBox="1"/>
+          <p:nvPr/>
+        </p:nvSpPr>
+        <p:spPr>
+          <a:xfrm>
+            <a:off x="5911362" y="4392750"/>
+            <a:ext cx="1560635" cy="461665"/>
+          </a:xfrm>
+          <a:prstGeom prst="rect">
+            <a:avLst/>
+          </a:prstGeom>
+          <a:noFill/>
+        </p:spPr>
+        <p:txBody>
+          <a:bodyPr wrap="square" rtlCol="0">
+            <a:spAutoFit/>
+          </a:bodyPr>
+          <a:lstStyle/>
+          <a:p>
+            <a:r>
+              <a:rPr lang="ko-KR" altLang="en-US" sz="2400" b="1">
+                <a:solidFill>
+                  <a:schemeClr val="accent6">
+                    <a:lumMod val="50000"/>
+                  </a:schemeClr>
+                </a:solidFill>
+                <a:latin typeface="210 나무굴림 B" panose="02020603020101020101" pitchFamily="18" charset="-127"/>
+                <a:ea typeface="210 나무굴림 B" panose="02020603020101020101" pitchFamily="18" charset="-127"/>
+              </a:rPr>
+              <a:t>기능설명</a:t>
+            </a:r>
+          </a:p>
+        </p:txBody>
+      </p:sp>
+      <p:sp>
+        <p:nvSpPr>
+          <p:cNvPr id="10" name="TextBox 9">
+            <a:extLst>
+              <a:ext uri="{FF2B5EF4-FFF2-40B4-BE49-F238E27FC236}">
+                <a16:creationId xmlns:a16="http://schemas.microsoft.com/office/drawing/2014/main" id="{6935D52F-2517-483D-A550-08D13921A30E}"/>
+              </a:ext>
+            </a:extLst>
+          </p:cNvPr>
+          <p:cNvSpPr txBox="1"/>
+          <p:nvPr/>
+        </p:nvSpPr>
+        <p:spPr>
+          <a:xfrm>
+            <a:off x="8714642" y="4525807"/>
+            <a:ext cx="1560635" cy="461665"/>
+          </a:xfrm>
+          <a:prstGeom prst="rect">
+            <a:avLst/>
+          </a:prstGeom>
+          <a:noFill/>
+        </p:spPr>
+        <p:txBody>
+          <a:bodyPr wrap="square" rtlCol="0">
+            <a:spAutoFit/>
+          </a:bodyPr>
+          <a:lstStyle/>
+          <a:p>
+            <a:r>
+              <a:rPr lang="en-US" altLang="ko-KR" sz="2400" b="1">
+                <a:solidFill>
+                  <a:schemeClr val="accent6">
+                    <a:lumMod val="50000"/>
+                  </a:schemeClr>
+                </a:solidFill>
+                <a:latin typeface="210 나무굴림 B" panose="02020603020101020101" pitchFamily="18" charset="-127"/>
+                <a:ea typeface="210 나무굴림 B" panose="02020603020101020101" pitchFamily="18" charset="-127"/>
+              </a:rPr>
+              <a:t>DB</a:t>
+            </a:r>
+            <a:endParaRPr lang="ko-KR" altLang="en-US" sz="2400" b="1">
+              <a:solidFill>
+                <a:schemeClr val="accent6">
+                  <a:lumMod val="50000"/>
+                </a:schemeClr>
+              </a:solidFill>
+              <a:latin typeface="210 나무굴림 B" panose="02020603020101020101" pitchFamily="18" charset="-127"/>
+              <a:ea typeface="210 나무굴림 B" panose="02020603020101020101" pitchFamily="18" charset="-127"/>
+            </a:endParaRPr>
+          </a:p>
+        </p:txBody>
+      </p:sp>
+      <p:sp>
+        <p:nvSpPr>
+          <p:cNvPr id="11" name="TextBox 10">
+            <a:extLst>
+              <a:ext uri="{FF2B5EF4-FFF2-40B4-BE49-F238E27FC236}">
+                <a16:creationId xmlns:a16="http://schemas.microsoft.com/office/drawing/2014/main" id="{D546C707-0B44-49CB-A3B2-A4A1E2AB167E}"/>
+              </a:ext>
+            </a:extLst>
+          </p:cNvPr>
+          <p:cNvSpPr txBox="1"/>
+          <p:nvPr/>
+        </p:nvSpPr>
+        <p:spPr>
+          <a:xfrm>
+            <a:off x="10631365" y="3883969"/>
+            <a:ext cx="1560635" cy="461665"/>
+          </a:xfrm>
+          <a:prstGeom prst="rect">
+            <a:avLst/>
+          </a:prstGeom>
+          <a:noFill/>
+        </p:spPr>
+        <p:txBody>
+          <a:bodyPr wrap="square" rtlCol="0">
+            <a:spAutoFit/>
+          </a:bodyPr>
+          <a:lstStyle/>
+          <a:p>
+            <a:r>
+              <a:rPr lang="ko-KR" altLang="en-US" sz="2400" b="1">
+                <a:solidFill>
+                  <a:schemeClr val="accent6">
+                    <a:lumMod val="50000"/>
+                  </a:schemeClr>
+                </a:solidFill>
+                <a:latin typeface="210 나무굴림 B" panose="02020603020101020101" pitchFamily="18" charset="-127"/>
+                <a:ea typeface="210 나무굴림 B" panose="02020603020101020101" pitchFamily="18" charset="-127"/>
+              </a:rPr>
+              <a:t>마치며</a:t>
+            </a:r>
+          </a:p>
+        </p:txBody>
+      </p:sp>
+      <p:sp>
+        <p:nvSpPr>
+          <p:cNvPr id="12" name="TextBox 11">
+            <a:extLst>
+              <a:ext uri="{FF2B5EF4-FFF2-40B4-BE49-F238E27FC236}">
+                <a16:creationId xmlns:a16="http://schemas.microsoft.com/office/drawing/2014/main" id="{79A3BC46-6DA3-4B75-B2A1-1552684802DF}"/>
+              </a:ext>
+            </a:extLst>
+          </p:cNvPr>
+          <p:cNvSpPr txBox="1"/>
+          <p:nvPr/>
+        </p:nvSpPr>
+        <p:spPr>
+          <a:xfrm>
+            <a:off x="3090008" y="3680573"/>
+            <a:ext cx="1560635" cy="461665"/>
+          </a:xfrm>
+          <a:prstGeom prst="rect">
+            <a:avLst/>
+          </a:prstGeom>
+          <a:noFill/>
+        </p:spPr>
+        <p:txBody>
+          <a:bodyPr wrap="square" rtlCol="0">
+            <a:spAutoFit/>
+          </a:bodyPr>
+          <a:lstStyle/>
+          <a:p>
+            <a:r>
+              <a:rPr lang="en-US" altLang="ko-KR" sz="2400" b="1">
+                <a:solidFill>
+                  <a:schemeClr val="accent6">
+                    <a:lumMod val="50000"/>
+                  </a:schemeClr>
+                </a:solidFill>
+                <a:latin typeface="210 나무굴림 B" panose="02020603020101020101" pitchFamily="18" charset="-127"/>
+                <a:ea typeface="210 나무굴림 B" panose="02020603020101020101" pitchFamily="18" charset="-127"/>
+              </a:rPr>
+              <a:t>UI</a:t>
+            </a:r>
+            <a:r>
+              <a:rPr lang="ko-KR" altLang="en-US" sz="2400" b="1">
+                <a:solidFill>
+                  <a:schemeClr val="accent6">
+                    <a:lumMod val="50000"/>
+                  </a:schemeClr>
+                </a:solidFill>
+                <a:latin typeface="210 나무굴림 B" panose="02020603020101020101" pitchFamily="18" charset="-127"/>
+                <a:ea typeface="210 나무굴림 B" panose="02020603020101020101" pitchFamily="18" charset="-127"/>
+              </a:rPr>
+              <a:t>설명</a:t>
+            </a:r>
+          </a:p>
+        </p:txBody>
+      </p:sp>
+    </p:spTree>
+    <p:extLst>
+      <p:ext uri="{BB962C8B-B14F-4D97-AF65-F5344CB8AC3E}">
+        <p14:creationId xmlns:p14="http://schemas.microsoft.com/office/powerpoint/2010/main" val="427273868"/>
+      </p:ext>
+    </p:extLst>
+  </p:cSld>
+  <p:clrMapOvr>
+    <a:masterClrMapping/>
+  </p:clrMapOvr>
+  <mc:AlternateContent xmlns:mc="http://schemas.openxmlformats.org/markup-compatibility/2006" xmlns:p14="http://schemas.microsoft.com/office/powerpoint/2010/main">
+    <mc:Choice Requires="p14">
+      <p:transition spd="med" p14:dur="700">
+        <p:fade/>
+      </p:transition>
+    </mc:Choice>
+    <mc:Fallback xmlns="">
+      <p:transition spd="med">
+        <p:fade/>
+      </p:transition>
+    </mc:Fallback>
+  </mc:AlternateContent>
+</p:sld>
+</file>
+
+<file path=ppt/slides/slide30.xml><?xml version="1.0" encoding="utf-8"?>
 <p:sld xmlns:a="http://schemas.openxmlformats.org/drawingml/2006/main" xmlns:r="http://schemas.openxmlformats.org/officeDocument/2006/relationships" xmlns:p="http://schemas.openxmlformats.org/presentationml/2006/main">
   <p:cSld>
     <p:spTree>
@@ -25245,7 +27615,7 @@
 </p:sld>
 </file>
 
-<file path=ppt/slides/slide27.xml><?xml version="1.0" encoding="utf-8"?>
+<file path=ppt/slides/slide31.xml><?xml version="1.0" encoding="utf-8"?>
 <p:sld xmlns:a="http://schemas.openxmlformats.org/drawingml/2006/main" xmlns:r="http://schemas.openxmlformats.org/officeDocument/2006/relationships" xmlns:p="http://schemas.openxmlformats.org/presentationml/2006/main">
   <p:cSld>
     <p:spTree>
@@ -25885,7 +28255,7 @@
 </p:sld>
 </file>
 
-<file path=ppt/slides/slide28.xml><?xml version="1.0" encoding="utf-8"?>
+<file path=ppt/slides/slide32.xml><?xml version="1.0" encoding="utf-8"?>
 <p:sld xmlns:a="http://schemas.openxmlformats.org/drawingml/2006/main" xmlns:r="http://schemas.openxmlformats.org/officeDocument/2006/relationships" xmlns:p="http://schemas.openxmlformats.org/presentationml/2006/main">
   <p:cSld>
     <p:spTree>
@@ -26280,7 +28650,7 @@
 </p:sld>
 </file>
 
-<file path=ppt/slides/slide29.xml><?xml version="1.0" encoding="utf-8"?>
+<file path=ppt/slides/slide33.xml><?xml version="1.0" encoding="utf-8"?>
 <p:sld xmlns:a="http://schemas.openxmlformats.org/drawingml/2006/main" xmlns:r="http://schemas.openxmlformats.org/officeDocument/2006/relationships" xmlns:p="http://schemas.openxmlformats.org/presentationml/2006/main">
   <p:cSld>
     <p:spTree>
@@ -26675,7 +29045,2263 @@
 </p:sld>
 </file>
 
-<file path=ppt/slides/slide3.xml><?xml version="1.0" encoding="utf-8"?>
+<file path=ppt/slides/slide34.xml><?xml version="1.0" encoding="utf-8"?>
+<p:sld xmlns:a="http://schemas.openxmlformats.org/drawingml/2006/main" xmlns:r="http://schemas.openxmlformats.org/officeDocument/2006/relationships" xmlns:p="http://schemas.openxmlformats.org/presentationml/2006/main">
+  <p:cSld>
+    <p:spTree>
+      <p:nvGrpSpPr>
+        <p:cNvPr id="1" name=""/>
+        <p:cNvGrpSpPr/>
+        <p:nvPr/>
+      </p:nvGrpSpPr>
+      <p:grpSpPr>
+        <a:xfrm>
+          <a:off x="0" y="0"/>
+          <a:ext cx="0" cy="0"/>
+          <a:chOff x="0" y="0"/>
+          <a:chExt cx="0" cy="0"/>
+        </a:xfrm>
+      </p:grpSpPr>
+      <p:pic>
+        <p:nvPicPr>
+          <p:cNvPr id="3" name="그림 2" descr="컵, 커피, 테이블, 앉아있는이(가) 표시된 사진&#10;&#10;자동 생성된 설명">
+            <a:extLst>
+              <a:ext uri="{FF2B5EF4-FFF2-40B4-BE49-F238E27FC236}">
+                <a16:creationId xmlns:a16="http://schemas.microsoft.com/office/drawing/2014/main" id="{C9E46430-D944-4058-86A7-C6A87CB56188}"/>
+              </a:ext>
+            </a:extLst>
+          </p:cNvPr>
+          <p:cNvPicPr>
+            <a:picLocks noChangeAspect="1"/>
+          </p:cNvPicPr>
+          <p:nvPr/>
+        </p:nvPicPr>
+        <p:blipFill rotWithShape="1">
+          <a:blip r:embed="rId2" cstate="screen">
+            <a:extLst>
+              <a:ext uri="{28A0092B-C50C-407E-A947-70E740481C1C}">
+                <a14:useLocalDpi xmlns:a14="http://schemas.microsoft.com/office/drawing/2010/main" val="0"/>
+              </a:ext>
+            </a:extLst>
+          </a:blip>
+          <a:srcRect/>
+          <a:stretch/>
+        </p:blipFill>
+        <p:spPr>
+          <a:xfrm>
+            <a:off x="6096000" y="0"/>
+            <a:ext cx="6096000" cy="6858000"/>
+          </a:xfrm>
+          <a:prstGeom prst="rect">
+            <a:avLst/>
+          </a:prstGeom>
+        </p:spPr>
+      </p:pic>
+      <p:sp>
+        <p:nvSpPr>
+          <p:cNvPr id="8" name="TextBox 7">
+            <a:extLst>
+              <a:ext uri="{FF2B5EF4-FFF2-40B4-BE49-F238E27FC236}">
+                <a16:creationId xmlns:a16="http://schemas.microsoft.com/office/drawing/2014/main" id="{49AD39D1-E922-4599-9C41-2A3083FC6ED2}"/>
+              </a:ext>
+            </a:extLst>
+          </p:cNvPr>
+          <p:cNvSpPr txBox="1"/>
+          <p:nvPr/>
+        </p:nvSpPr>
+        <p:spPr>
+          <a:xfrm>
+            <a:off x="528765" y="3583489"/>
+            <a:ext cx="5270520" cy="2144754"/>
+          </a:xfrm>
+          <a:prstGeom prst="rect">
+            <a:avLst/>
+          </a:prstGeom>
+          <a:noFill/>
+        </p:spPr>
+        <p:txBody>
+          <a:bodyPr wrap="square" rtlCol="0" anchor="t">
+            <a:spAutoFit/>
+          </a:bodyPr>
+          <a:lstStyle/>
+          <a:p>
+            <a:pPr algn="just">
+              <a:lnSpc>
+                <a:spcPct val="120000"/>
+              </a:lnSpc>
+            </a:pPr>
+            <a:r>
+              <a:rPr lang="ko-KR" altLang="en-US" sz="1600" spc="-150" dirty="0">
+                <a:latin typeface="+mn-ea"/>
+              </a:rPr>
+              <a:t>그리워 멀리 하나에 이름과</a:t>
+            </a:r>
+            <a:r>
+              <a:rPr lang="en-US" altLang="ko-KR" sz="1600" spc="-150" dirty="0">
+                <a:latin typeface="+mn-ea"/>
+              </a:rPr>
+              <a:t>, </a:t>
+            </a:r>
+            <a:r>
+              <a:rPr lang="ko-KR" altLang="en-US" sz="1600" spc="-150" dirty="0">
+                <a:latin typeface="+mn-ea"/>
+              </a:rPr>
+              <a:t>무엇인지 별에도 어머니 이름자 </a:t>
+            </a:r>
+            <a:r>
+              <a:rPr lang="ko-KR" altLang="en-US" sz="1600" spc="-150" dirty="0" err="1">
+                <a:latin typeface="+mn-ea"/>
+              </a:rPr>
+              <a:t>거외다</a:t>
+            </a:r>
+            <a:r>
+              <a:rPr lang="en-US" altLang="ko-KR" sz="1600" spc="-150" dirty="0">
+                <a:latin typeface="+mn-ea"/>
+              </a:rPr>
+              <a:t>. </a:t>
+            </a:r>
+            <a:r>
+              <a:rPr lang="ko-KR" altLang="en-US" sz="1600" spc="-150" dirty="0">
+                <a:latin typeface="+mn-ea"/>
+              </a:rPr>
+              <a:t>하나에 슬퍼하는 너무나 위에 된 봅니다</a:t>
+            </a:r>
+            <a:r>
+              <a:rPr lang="en-US" altLang="ko-KR" sz="1600" spc="-150" dirty="0">
+                <a:latin typeface="+mn-ea"/>
+              </a:rPr>
+              <a:t>. </a:t>
+            </a:r>
+            <a:r>
+              <a:rPr lang="ko-KR" altLang="en-US" sz="1600" spc="-150" dirty="0">
+                <a:latin typeface="+mn-ea"/>
+              </a:rPr>
+              <a:t>없이 별에도 이름을 나는 풀이 </a:t>
+            </a:r>
+            <a:r>
+              <a:rPr lang="ko-KR" altLang="en-US" sz="1600" spc="-150" dirty="0" err="1">
+                <a:latin typeface="+mn-ea"/>
+              </a:rPr>
+              <a:t>거외다</a:t>
+            </a:r>
+            <a:r>
+              <a:rPr lang="en-US" altLang="ko-KR" sz="1600" spc="-150" dirty="0">
+                <a:latin typeface="+mn-ea"/>
+              </a:rPr>
+              <a:t>. </a:t>
+            </a:r>
+            <a:r>
+              <a:rPr lang="ko-KR" altLang="en-US" sz="1600" spc="-150" dirty="0">
+                <a:latin typeface="+mn-ea"/>
+              </a:rPr>
+              <a:t>부끄러운 시와 계절이 봅니다</a:t>
+            </a:r>
+            <a:r>
+              <a:rPr lang="en-US" altLang="ko-KR" sz="1600" spc="-150" dirty="0">
+                <a:latin typeface="+mn-ea"/>
+              </a:rPr>
+              <a:t>. </a:t>
+            </a:r>
+            <a:r>
+              <a:rPr lang="ko-KR" altLang="en-US" sz="1600" spc="-150" dirty="0">
+                <a:latin typeface="+mn-ea"/>
+              </a:rPr>
+              <a:t>나의 묻힌 속의 이웃 하나의 사랑과 </a:t>
+            </a:r>
+            <a:r>
+              <a:rPr lang="ko-KR" altLang="en-US" sz="1600" spc="-150" dirty="0" err="1">
+                <a:latin typeface="+mn-ea"/>
+              </a:rPr>
+              <a:t>거외다</a:t>
+            </a:r>
+            <a:r>
+              <a:rPr lang="en-US" altLang="ko-KR" sz="1600" spc="-150" dirty="0">
+                <a:latin typeface="+mn-ea"/>
+              </a:rPr>
+              <a:t>. </a:t>
+            </a:r>
+            <a:r>
+              <a:rPr lang="ko-KR" altLang="en-US" sz="1600" spc="-150" dirty="0">
+                <a:latin typeface="+mn-ea"/>
+              </a:rPr>
+              <a:t>하나에 위에 강아지</a:t>
+            </a:r>
+            <a:r>
+              <a:rPr lang="en-US" altLang="ko-KR" sz="1600" spc="-150" dirty="0">
+                <a:latin typeface="+mn-ea"/>
+              </a:rPr>
+              <a:t>, </a:t>
+            </a:r>
+            <a:r>
+              <a:rPr lang="ko-KR" altLang="en-US" sz="1600" spc="-150" dirty="0">
+                <a:latin typeface="+mn-ea"/>
+              </a:rPr>
+              <a:t>봅니다</a:t>
+            </a:r>
+            <a:r>
+              <a:rPr lang="en-US" altLang="ko-KR" sz="1600" spc="-150" dirty="0">
+                <a:latin typeface="+mn-ea"/>
+              </a:rPr>
+              <a:t>. </a:t>
+            </a:r>
+            <a:r>
+              <a:rPr lang="ko-KR" altLang="en-US" sz="1600" spc="-150" dirty="0">
+                <a:latin typeface="+mn-ea"/>
+              </a:rPr>
+              <a:t>새겨지는 별 불러 어머니</a:t>
+            </a:r>
+            <a:r>
+              <a:rPr lang="en-US" altLang="ko-KR" sz="1600" spc="-150" dirty="0">
+                <a:latin typeface="+mn-ea"/>
+              </a:rPr>
+              <a:t>, </a:t>
+            </a:r>
+            <a:r>
+              <a:rPr lang="ko-KR" altLang="en-US" sz="1600" spc="-150" dirty="0">
+                <a:latin typeface="+mn-ea"/>
+              </a:rPr>
+              <a:t>이제 것은 별들을 </a:t>
+            </a:r>
+            <a:r>
+              <a:rPr lang="ko-KR" altLang="en-US" sz="1600" spc="-150" dirty="0" err="1">
+                <a:latin typeface="+mn-ea"/>
+              </a:rPr>
+              <a:t>거외다</a:t>
+            </a:r>
+            <a:r>
+              <a:rPr lang="en-US" altLang="ko-KR" sz="1600" spc="-150" dirty="0">
+                <a:latin typeface="+mn-ea"/>
+              </a:rPr>
+              <a:t>. </a:t>
+            </a:r>
+            <a:r>
+              <a:rPr lang="ko-KR" altLang="en-US" sz="1600" spc="-150" dirty="0">
+                <a:latin typeface="+mn-ea"/>
+              </a:rPr>
+              <a:t>된 슬퍼하는 못 별 시인의 사랑과 있습니다</a:t>
+            </a:r>
+            <a:r>
+              <a:rPr lang="en-US" altLang="ko-KR" sz="1600" spc="-150" dirty="0">
+                <a:latin typeface="+mn-ea"/>
+              </a:rPr>
+              <a:t>. </a:t>
+            </a:r>
+            <a:r>
+              <a:rPr lang="ko-KR" altLang="en-US" sz="1600" spc="-150" dirty="0">
+                <a:latin typeface="+mn-ea"/>
+              </a:rPr>
+              <a:t>멀리 그러나 이런 겨울이 봅니다</a:t>
+            </a:r>
+            <a:r>
+              <a:rPr lang="en-US" altLang="ko-KR" sz="1600" spc="-150" dirty="0">
+                <a:latin typeface="+mn-ea"/>
+              </a:rPr>
+              <a:t>. </a:t>
+            </a:r>
+            <a:r>
+              <a:rPr lang="ko-KR" altLang="en-US" sz="1600" spc="-150" dirty="0">
+                <a:latin typeface="+mn-ea"/>
+              </a:rPr>
+              <a:t>하나에 풀이 별 </a:t>
+            </a:r>
+            <a:r>
+              <a:rPr lang="ko-KR" altLang="en-US" sz="1600" spc="-150" dirty="0" err="1">
+                <a:latin typeface="+mn-ea"/>
+              </a:rPr>
+              <a:t>라이너</a:t>
+            </a:r>
+            <a:r>
+              <a:rPr lang="ko-KR" altLang="en-US" sz="1600" spc="-150" dirty="0">
+                <a:latin typeface="+mn-ea"/>
+              </a:rPr>
+              <a:t> 쓸쓸함과 버리었습니다</a:t>
+            </a:r>
+            <a:r>
+              <a:rPr lang="en-US" altLang="ko-KR" sz="1600" spc="-150" dirty="0">
+                <a:latin typeface="+mn-ea"/>
+              </a:rPr>
+              <a:t>. </a:t>
+            </a:r>
+            <a:endParaRPr lang="ko-KR" altLang="en-US" sz="1600" spc="-150" dirty="0">
+              <a:latin typeface="+mn-ea"/>
+            </a:endParaRPr>
+          </a:p>
+        </p:txBody>
+      </p:sp>
+      <p:sp>
+        <p:nvSpPr>
+          <p:cNvPr id="9" name="TextBox 8">
+            <a:extLst>
+              <a:ext uri="{FF2B5EF4-FFF2-40B4-BE49-F238E27FC236}">
+                <a16:creationId xmlns:a16="http://schemas.microsoft.com/office/drawing/2014/main" id="{A2C8F0F1-3834-43F9-9EAF-BB8A854E7598}"/>
+              </a:ext>
+            </a:extLst>
+          </p:cNvPr>
+          <p:cNvSpPr txBox="1"/>
+          <p:nvPr/>
+        </p:nvSpPr>
+        <p:spPr>
+          <a:xfrm>
+            <a:off x="528765" y="2705686"/>
+            <a:ext cx="3493264" cy="584775"/>
+          </a:xfrm>
+          <a:prstGeom prst="rect">
+            <a:avLst/>
+          </a:prstGeom>
+          <a:noFill/>
+        </p:spPr>
+        <p:txBody>
+          <a:bodyPr wrap="none" rtlCol="0">
+            <a:spAutoFit/>
+          </a:bodyPr>
+          <a:lstStyle/>
+          <a:p>
+            <a:r>
+              <a:rPr lang="ko-KR" altLang="en-US" sz="3200" spc="-300" dirty="0">
+                <a:solidFill>
+                  <a:schemeClr val="tx1">
+                    <a:lumMod val="75000"/>
+                    <a:lumOff val="25000"/>
+                  </a:schemeClr>
+                </a:solidFill>
+                <a:latin typeface="+mj-ea"/>
+                <a:ea typeface="+mj-ea"/>
+              </a:rPr>
+              <a:t>소제목을 입력하세요</a:t>
+            </a:r>
+          </a:p>
+        </p:txBody>
+      </p:sp>
+      <p:cxnSp>
+        <p:nvCxnSpPr>
+          <p:cNvPr id="10" name="직선 연결선 9">
+            <a:extLst>
+              <a:ext uri="{FF2B5EF4-FFF2-40B4-BE49-F238E27FC236}">
+                <a16:creationId xmlns:a16="http://schemas.microsoft.com/office/drawing/2014/main" id="{B3A012AF-266B-4F98-B1BF-51E34CE46F69}"/>
+              </a:ext>
+            </a:extLst>
+          </p:cNvPr>
+          <p:cNvCxnSpPr>
+            <a:cxnSpLocks/>
+          </p:cNvCxnSpPr>
+          <p:nvPr/>
+        </p:nvCxnSpPr>
+        <p:spPr>
+          <a:xfrm>
+            <a:off x="528765" y="3421020"/>
+            <a:ext cx="5191551" cy="0"/>
+          </a:xfrm>
+          <a:prstGeom prst="line">
+            <a:avLst/>
+          </a:prstGeom>
+          <a:ln>
+            <a:solidFill>
+              <a:schemeClr val="tx1"/>
+            </a:solidFill>
+          </a:ln>
+        </p:spPr>
+        <p:style>
+          <a:lnRef idx="1">
+            <a:schemeClr val="accent1"/>
+          </a:lnRef>
+          <a:fillRef idx="0">
+            <a:schemeClr val="accent1"/>
+          </a:fillRef>
+          <a:effectRef idx="0">
+            <a:schemeClr val="accent1"/>
+          </a:effectRef>
+          <a:fontRef idx="minor">
+            <a:schemeClr val="tx1"/>
+          </a:fontRef>
+        </p:style>
+      </p:cxnSp>
+    </p:spTree>
+    <p:extLst>
+      <p:ext uri="{BB962C8B-B14F-4D97-AF65-F5344CB8AC3E}">
+        <p14:creationId xmlns:p14="http://schemas.microsoft.com/office/powerpoint/2010/main" val="1735041406"/>
+      </p:ext>
+    </p:extLst>
+  </p:cSld>
+  <p:clrMapOvr>
+    <a:masterClrMapping/>
+  </p:clrMapOvr>
+  <mc:AlternateContent xmlns:mc="http://schemas.openxmlformats.org/markup-compatibility/2006" xmlns:p14="http://schemas.microsoft.com/office/powerpoint/2010/main">
+    <mc:Choice Requires="p14">
+      <p:transition spd="med" p14:dur="700">
+        <p:fade/>
+      </p:transition>
+    </mc:Choice>
+    <mc:Fallback xmlns="">
+      <p:transition spd="med">
+        <p:fade/>
+      </p:transition>
+    </mc:Fallback>
+  </mc:AlternateContent>
+</p:sld>
+</file>
+
+<file path=ppt/slides/slide35.xml><?xml version="1.0" encoding="utf-8"?>
+<p:sld xmlns:a="http://schemas.openxmlformats.org/drawingml/2006/main" xmlns:r="http://schemas.openxmlformats.org/officeDocument/2006/relationships" xmlns:p="http://schemas.openxmlformats.org/presentationml/2006/main">
+  <p:cSld>
+    <p:spTree>
+      <p:nvGrpSpPr>
+        <p:cNvPr id="1" name=""/>
+        <p:cNvGrpSpPr/>
+        <p:nvPr/>
+      </p:nvGrpSpPr>
+      <p:grpSpPr>
+        <a:xfrm>
+          <a:off x="0" y="0"/>
+          <a:ext cx="0" cy="0"/>
+          <a:chOff x="0" y="0"/>
+          <a:chExt cx="0" cy="0"/>
+        </a:xfrm>
+      </p:grpSpPr>
+      <p:pic>
+        <p:nvPicPr>
+          <p:cNvPr id="3" name="그림 2" descr="실내, 테이블, 앉아있는, 와인이(가) 표시된 사진&#10;&#10;자동 생성된 설명">
+            <a:extLst>
+              <a:ext uri="{FF2B5EF4-FFF2-40B4-BE49-F238E27FC236}">
+                <a16:creationId xmlns:a16="http://schemas.microsoft.com/office/drawing/2014/main" id="{D518911D-6752-4A8F-B9C7-243ABA168AEF}"/>
+              </a:ext>
+            </a:extLst>
+          </p:cNvPr>
+          <p:cNvPicPr>
+            <a:picLocks noChangeAspect="1"/>
+          </p:cNvPicPr>
+          <p:nvPr/>
+        </p:nvPicPr>
+        <p:blipFill rotWithShape="1">
+          <a:blip r:embed="rId2" cstate="screen">
+            <a:extLst>
+              <a:ext uri="{28A0092B-C50C-407E-A947-70E740481C1C}">
+                <a14:useLocalDpi xmlns:a14="http://schemas.microsoft.com/office/drawing/2010/main" val="0"/>
+              </a:ext>
+            </a:extLst>
+          </a:blip>
+          <a:srcRect/>
+          <a:stretch/>
+        </p:blipFill>
+        <p:spPr>
+          <a:xfrm>
+            <a:off x="0" y="0"/>
+            <a:ext cx="6096000" cy="6858000"/>
+          </a:xfrm>
+          <a:prstGeom prst="rect">
+            <a:avLst/>
+          </a:prstGeom>
+        </p:spPr>
+      </p:pic>
+      <p:sp>
+        <p:nvSpPr>
+          <p:cNvPr id="4" name="TextBox 3">
+            <a:extLst>
+              <a:ext uri="{FF2B5EF4-FFF2-40B4-BE49-F238E27FC236}">
+                <a16:creationId xmlns:a16="http://schemas.microsoft.com/office/drawing/2014/main" id="{743C096D-564A-4430-BDD5-9A7467FF261F}"/>
+              </a:ext>
+            </a:extLst>
+          </p:cNvPr>
+          <p:cNvSpPr txBox="1"/>
+          <p:nvPr/>
+        </p:nvSpPr>
+        <p:spPr>
+          <a:xfrm>
+            <a:off x="6514895" y="3583489"/>
+            <a:ext cx="5270520" cy="2144754"/>
+          </a:xfrm>
+          <a:prstGeom prst="rect">
+            <a:avLst/>
+          </a:prstGeom>
+          <a:noFill/>
+        </p:spPr>
+        <p:txBody>
+          <a:bodyPr wrap="square" rtlCol="0" anchor="t">
+            <a:spAutoFit/>
+          </a:bodyPr>
+          <a:lstStyle/>
+          <a:p>
+            <a:pPr algn="just">
+              <a:lnSpc>
+                <a:spcPct val="120000"/>
+              </a:lnSpc>
+            </a:pPr>
+            <a:r>
+              <a:rPr lang="ko-KR" altLang="en-US" sz="1600" spc="-150" dirty="0">
+                <a:latin typeface="+mn-ea"/>
+              </a:rPr>
+              <a:t>그리워 멀리 하나에 이름과</a:t>
+            </a:r>
+            <a:r>
+              <a:rPr lang="en-US" altLang="ko-KR" sz="1600" spc="-150" dirty="0">
+                <a:latin typeface="+mn-ea"/>
+              </a:rPr>
+              <a:t>, </a:t>
+            </a:r>
+            <a:r>
+              <a:rPr lang="ko-KR" altLang="en-US" sz="1600" spc="-150" dirty="0">
+                <a:latin typeface="+mn-ea"/>
+              </a:rPr>
+              <a:t>무엇인지 별에도 어머니 이름자 </a:t>
+            </a:r>
+            <a:r>
+              <a:rPr lang="ko-KR" altLang="en-US" sz="1600" spc="-150" dirty="0" err="1">
+                <a:latin typeface="+mn-ea"/>
+              </a:rPr>
+              <a:t>거외다</a:t>
+            </a:r>
+            <a:r>
+              <a:rPr lang="en-US" altLang="ko-KR" sz="1600" spc="-150" dirty="0">
+                <a:latin typeface="+mn-ea"/>
+              </a:rPr>
+              <a:t>. </a:t>
+            </a:r>
+            <a:r>
+              <a:rPr lang="ko-KR" altLang="en-US" sz="1600" spc="-150" dirty="0">
+                <a:latin typeface="+mn-ea"/>
+              </a:rPr>
+              <a:t>하나에 슬퍼하는 너무나 위에 된 봅니다</a:t>
+            </a:r>
+            <a:r>
+              <a:rPr lang="en-US" altLang="ko-KR" sz="1600" spc="-150" dirty="0">
+                <a:latin typeface="+mn-ea"/>
+              </a:rPr>
+              <a:t>. </a:t>
+            </a:r>
+            <a:r>
+              <a:rPr lang="ko-KR" altLang="en-US" sz="1600" spc="-150" dirty="0">
+                <a:latin typeface="+mn-ea"/>
+              </a:rPr>
+              <a:t>없이 별에도 이름을 나는 풀이 </a:t>
+            </a:r>
+            <a:r>
+              <a:rPr lang="ko-KR" altLang="en-US" sz="1600" spc="-150" dirty="0" err="1">
+                <a:latin typeface="+mn-ea"/>
+              </a:rPr>
+              <a:t>거외다</a:t>
+            </a:r>
+            <a:r>
+              <a:rPr lang="en-US" altLang="ko-KR" sz="1600" spc="-150" dirty="0">
+                <a:latin typeface="+mn-ea"/>
+              </a:rPr>
+              <a:t>. </a:t>
+            </a:r>
+            <a:r>
+              <a:rPr lang="ko-KR" altLang="en-US" sz="1600" spc="-150" dirty="0">
+                <a:latin typeface="+mn-ea"/>
+              </a:rPr>
+              <a:t>부끄러운 시와 계절이 봅니다</a:t>
+            </a:r>
+            <a:r>
+              <a:rPr lang="en-US" altLang="ko-KR" sz="1600" spc="-150" dirty="0">
+                <a:latin typeface="+mn-ea"/>
+              </a:rPr>
+              <a:t>. </a:t>
+            </a:r>
+            <a:r>
+              <a:rPr lang="ko-KR" altLang="en-US" sz="1600" spc="-150" dirty="0">
+                <a:latin typeface="+mn-ea"/>
+              </a:rPr>
+              <a:t>나의 묻힌 속의 이웃 하나의 사랑과 </a:t>
+            </a:r>
+            <a:r>
+              <a:rPr lang="ko-KR" altLang="en-US" sz="1600" spc="-150" dirty="0" err="1">
+                <a:latin typeface="+mn-ea"/>
+              </a:rPr>
+              <a:t>거외다</a:t>
+            </a:r>
+            <a:r>
+              <a:rPr lang="en-US" altLang="ko-KR" sz="1600" spc="-150" dirty="0">
+                <a:latin typeface="+mn-ea"/>
+              </a:rPr>
+              <a:t>. </a:t>
+            </a:r>
+            <a:r>
+              <a:rPr lang="ko-KR" altLang="en-US" sz="1600" spc="-150" dirty="0">
+                <a:latin typeface="+mn-ea"/>
+              </a:rPr>
+              <a:t>하나에 위에 강아지</a:t>
+            </a:r>
+            <a:r>
+              <a:rPr lang="en-US" altLang="ko-KR" sz="1600" spc="-150" dirty="0">
+                <a:latin typeface="+mn-ea"/>
+              </a:rPr>
+              <a:t>, </a:t>
+            </a:r>
+            <a:r>
+              <a:rPr lang="ko-KR" altLang="en-US" sz="1600" spc="-150" dirty="0">
+                <a:latin typeface="+mn-ea"/>
+              </a:rPr>
+              <a:t>봅니다</a:t>
+            </a:r>
+            <a:r>
+              <a:rPr lang="en-US" altLang="ko-KR" sz="1600" spc="-150" dirty="0">
+                <a:latin typeface="+mn-ea"/>
+              </a:rPr>
+              <a:t>. </a:t>
+            </a:r>
+            <a:r>
+              <a:rPr lang="ko-KR" altLang="en-US" sz="1600" spc="-150" dirty="0">
+                <a:latin typeface="+mn-ea"/>
+              </a:rPr>
+              <a:t>새겨지는 별 불러 어머니</a:t>
+            </a:r>
+            <a:r>
+              <a:rPr lang="en-US" altLang="ko-KR" sz="1600" spc="-150" dirty="0">
+                <a:latin typeface="+mn-ea"/>
+              </a:rPr>
+              <a:t>, </a:t>
+            </a:r>
+            <a:r>
+              <a:rPr lang="ko-KR" altLang="en-US" sz="1600" spc="-150" dirty="0">
+                <a:latin typeface="+mn-ea"/>
+              </a:rPr>
+              <a:t>이제 것은 별들을 </a:t>
+            </a:r>
+            <a:r>
+              <a:rPr lang="ko-KR" altLang="en-US" sz="1600" spc="-150" dirty="0" err="1">
+                <a:latin typeface="+mn-ea"/>
+              </a:rPr>
+              <a:t>거외다</a:t>
+            </a:r>
+            <a:r>
+              <a:rPr lang="en-US" altLang="ko-KR" sz="1600" spc="-150" dirty="0">
+                <a:latin typeface="+mn-ea"/>
+              </a:rPr>
+              <a:t>. </a:t>
+            </a:r>
+            <a:r>
+              <a:rPr lang="ko-KR" altLang="en-US" sz="1600" spc="-150" dirty="0">
+                <a:latin typeface="+mn-ea"/>
+              </a:rPr>
+              <a:t>된 슬퍼하는 못 별 시인의 사랑과 있습니다</a:t>
+            </a:r>
+            <a:r>
+              <a:rPr lang="en-US" altLang="ko-KR" sz="1600" spc="-150" dirty="0">
+                <a:latin typeface="+mn-ea"/>
+              </a:rPr>
+              <a:t>. </a:t>
+            </a:r>
+            <a:r>
+              <a:rPr lang="ko-KR" altLang="en-US" sz="1600" spc="-150" dirty="0">
+                <a:latin typeface="+mn-ea"/>
+              </a:rPr>
+              <a:t>멀리 그러나 이런 겨울이 봅니다</a:t>
+            </a:r>
+            <a:r>
+              <a:rPr lang="en-US" altLang="ko-KR" sz="1600" spc="-150" dirty="0">
+                <a:latin typeface="+mn-ea"/>
+              </a:rPr>
+              <a:t>. </a:t>
+            </a:r>
+            <a:r>
+              <a:rPr lang="ko-KR" altLang="en-US" sz="1600" spc="-150" dirty="0">
+                <a:latin typeface="+mn-ea"/>
+              </a:rPr>
+              <a:t>하나에 풀이 별 </a:t>
+            </a:r>
+            <a:r>
+              <a:rPr lang="ko-KR" altLang="en-US" sz="1600" spc="-150" dirty="0" err="1">
+                <a:latin typeface="+mn-ea"/>
+              </a:rPr>
+              <a:t>라이너</a:t>
+            </a:r>
+            <a:r>
+              <a:rPr lang="ko-KR" altLang="en-US" sz="1600" spc="-150" dirty="0">
+                <a:latin typeface="+mn-ea"/>
+              </a:rPr>
+              <a:t> 쓸쓸함과 버리었습니다</a:t>
+            </a:r>
+            <a:r>
+              <a:rPr lang="en-US" altLang="ko-KR" sz="1600" spc="-150" dirty="0">
+                <a:latin typeface="+mn-ea"/>
+              </a:rPr>
+              <a:t>. </a:t>
+            </a:r>
+            <a:endParaRPr lang="ko-KR" altLang="en-US" sz="1600" spc="-150" dirty="0">
+              <a:latin typeface="+mn-ea"/>
+            </a:endParaRPr>
+          </a:p>
+        </p:txBody>
+      </p:sp>
+      <p:sp>
+        <p:nvSpPr>
+          <p:cNvPr id="5" name="TextBox 4">
+            <a:extLst>
+              <a:ext uri="{FF2B5EF4-FFF2-40B4-BE49-F238E27FC236}">
+                <a16:creationId xmlns:a16="http://schemas.microsoft.com/office/drawing/2014/main" id="{FD0E91BA-22DB-486F-8265-265EC65310B6}"/>
+              </a:ext>
+            </a:extLst>
+          </p:cNvPr>
+          <p:cNvSpPr txBox="1"/>
+          <p:nvPr/>
+        </p:nvSpPr>
+        <p:spPr>
+          <a:xfrm>
+            <a:off x="6514895" y="2705686"/>
+            <a:ext cx="3493264" cy="584775"/>
+          </a:xfrm>
+          <a:prstGeom prst="rect">
+            <a:avLst/>
+          </a:prstGeom>
+          <a:noFill/>
+        </p:spPr>
+        <p:txBody>
+          <a:bodyPr wrap="none" rtlCol="0">
+            <a:spAutoFit/>
+          </a:bodyPr>
+          <a:lstStyle/>
+          <a:p>
+            <a:r>
+              <a:rPr lang="ko-KR" altLang="en-US" sz="3200" spc="-300" dirty="0">
+                <a:solidFill>
+                  <a:schemeClr val="tx1">
+                    <a:lumMod val="75000"/>
+                    <a:lumOff val="25000"/>
+                  </a:schemeClr>
+                </a:solidFill>
+                <a:latin typeface="+mj-ea"/>
+                <a:ea typeface="+mj-ea"/>
+              </a:rPr>
+              <a:t>소제목을 입력하세요</a:t>
+            </a:r>
+          </a:p>
+        </p:txBody>
+      </p:sp>
+      <p:cxnSp>
+        <p:nvCxnSpPr>
+          <p:cNvPr id="6" name="직선 연결선 5">
+            <a:extLst>
+              <a:ext uri="{FF2B5EF4-FFF2-40B4-BE49-F238E27FC236}">
+                <a16:creationId xmlns:a16="http://schemas.microsoft.com/office/drawing/2014/main" id="{2323070E-2B31-45C3-B3CD-41AE694A1063}"/>
+              </a:ext>
+            </a:extLst>
+          </p:cNvPr>
+          <p:cNvCxnSpPr>
+            <a:cxnSpLocks/>
+          </p:cNvCxnSpPr>
+          <p:nvPr/>
+        </p:nvCxnSpPr>
+        <p:spPr>
+          <a:xfrm>
+            <a:off x="6514895" y="3421020"/>
+            <a:ext cx="5191551" cy="0"/>
+          </a:xfrm>
+          <a:prstGeom prst="line">
+            <a:avLst/>
+          </a:prstGeom>
+          <a:ln>
+            <a:solidFill>
+              <a:schemeClr val="tx1"/>
+            </a:solidFill>
+          </a:ln>
+        </p:spPr>
+        <p:style>
+          <a:lnRef idx="1">
+            <a:schemeClr val="accent1"/>
+          </a:lnRef>
+          <a:fillRef idx="0">
+            <a:schemeClr val="accent1"/>
+          </a:fillRef>
+          <a:effectRef idx="0">
+            <a:schemeClr val="accent1"/>
+          </a:effectRef>
+          <a:fontRef idx="minor">
+            <a:schemeClr val="tx1"/>
+          </a:fontRef>
+        </p:style>
+      </p:cxnSp>
+    </p:spTree>
+    <p:extLst>
+      <p:ext uri="{BB962C8B-B14F-4D97-AF65-F5344CB8AC3E}">
+        <p14:creationId xmlns:p14="http://schemas.microsoft.com/office/powerpoint/2010/main" val="1913110572"/>
+      </p:ext>
+    </p:extLst>
+  </p:cSld>
+  <p:clrMapOvr>
+    <a:masterClrMapping/>
+  </p:clrMapOvr>
+  <mc:AlternateContent xmlns:mc="http://schemas.openxmlformats.org/markup-compatibility/2006" xmlns:p14="http://schemas.microsoft.com/office/powerpoint/2010/main">
+    <mc:Choice Requires="p14">
+      <p:transition spd="med" p14:dur="700">
+        <p:fade/>
+      </p:transition>
+    </mc:Choice>
+    <mc:Fallback xmlns="">
+      <p:transition spd="med">
+        <p:fade/>
+      </p:transition>
+    </mc:Fallback>
+  </mc:AlternateContent>
+</p:sld>
+</file>
+
+<file path=ppt/slides/slide36.xml><?xml version="1.0" encoding="utf-8"?>
+<p:sld xmlns:a="http://schemas.openxmlformats.org/drawingml/2006/main" xmlns:r="http://schemas.openxmlformats.org/officeDocument/2006/relationships" xmlns:p="http://schemas.openxmlformats.org/presentationml/2006/main">
+  <p:cSld>
+    <p:spTree>
+      <p:nvGrpSpPr>
+        <p:cNvPr id="1" name=""/>
+        <p:cNvGrpSpPr/>
+        <p:nvPr/>
+      </p:nvGrpSpPr>
+      <p:grpSpPr>
+        <a:xfrm>
+          <a:off x="0" y="0"/>
+          <a:ext cx="0" cy="0"/>
+          <a:chOff x="0" y="0"/>
+          <a:chExt cx="0" cy="0"/>
+        </a:xfrm>
+      </p:grpSpPr>
+      <p:pic>
+        <p:nvPicPr>
+          <p:cNvPr id="3" name="그림 2" descr="실외, 기차, 트랙, 건물이(가) 표시된 사진&#10;&#10;자동 생성된 설명">
+            <a:extLst>
+              <a:ext uri="{FF2B5EF4-FFF2-40B4-BE49-F238E27FC236}">
+                <a16:creationId xmlns:a16="http://schemas.microsoft.com/office/drawing/2014/main" id="{8CD409FB-2257-453E-B6C3-2178E1776929}"/>
+              </a:ext>
+            </a:extLst>
+          </p:cNvPr>
+          <p:cNvPicPr>
+            <a:picLocks noChangeAspect="1"/>
+          </p:cNvPicPr>
+          <p:nvPr/>
+        </p:nvPicPr>
+        <p:blipFill rotWithShape="1">
+          <a:blip r:embed="rId2" cstate="screen">
+            <a:extLst>
+              <a:ext uri="{28A0092B-C50C-407E-A947-70E740481C1C}">
+                <a14:useLocalDpi xmlns:a14="http://schemas.microsoft.com/office/drawing/2010/main" val="0"/>
+              </a:ext>
+            </a:extLst>
+          </a:blip>
+          <a:srcRect/>
+          <a:stretch/>
+        </p:blipFill>
+        <p:spPr>
+          <a:xfrm>
+            <a:off x="6096000" y="0"/>
+            <a:ext cx="6096000" cy="6858000"/>
+          </a:xfrm>
+          <a:prstGeom prst="rect">
+            <a:avLst/>
+          </a:prstGeom>
+        </p:spPr>
+      </p:pic>
+      <p:sp>
+        <p:nvSpPr>
+          <p:cNvPr id="8" name="TextBox 7">
+            <a:extLst>
+              <a:ext uri="{FF2B5EF4-FFF2-40B4-BE49-F238E27FC236}">
+                <a16:creationId xmlns:a16="http://schemas.microsoft.com/office/drawing/2014/main" id="{FD0ACFEB-2299-478B-951A-006725EED731}"/>
+              </a:ext>
+            </a:extLst>
+          </p:cNvPr>
+          <p:cNvSpPr txBox="1"/>
+          <p:nvPr/>
+        </p:nvSpPr>
+        <p:spPr>
+          <a:xfrm>
+            <a:off x="528765" y="3583489"/>
+            <a:ext cx="5270520" cy="2144754"/>
+          </a:xfrm>
+          <a:prstGeom prst="rect">
+            <a:avLst/>
+          </a:prstGeom>
+          <a:noFill/>
+        </p:spPr>
+        <p:txBody>
+          <a:bodyPr wrap="square" rtlCol="0" anchor="t">
+            <a:spAutoFit/>
+          </a:bodyPr>
+          <a:lstStyle/>
+          <a:p>
+            <a:pPr algn="just">
+              <a:lnSpc>
+                <a:spcPct val="120000"/>
+              </a:lnSpc>
+            </a:pPr>
+            <a:r>
+              <a:rPr lang="ko-KR" altLang="en-US" sz="1600" spc="-150" dirty="0">
+                <a:latin typeface="+mn-ea"/>
+              </a:rPr>
+              <a:t>그리워 멀리 하나에 이름과</a:t>
+            </a:r>
+            <a:r>
+              <a:rPr lang="en-US" altLang="ko-KR" sz="1600" spc="-150" dirty="0">
+                <a:latin typeface="+mn-ea"/>
+              </a:rPr>
+              <a:t>, </a:t>
+            </a:r>
+            <a:r>
+              <a:rPr lang="ko-KR" altLang="en-US" sz="1600" spc="-150" dirty="0">
+                <a:latin typeface="+mn-ea"/>
+              </a:rPr>
+              <a:t>무엇인지 별에도 어머니 이름자 </a:t>
+            </a:r>
+            <a:r>
+              <a:rPr lang="ko-KR" altLang="en-US" sz="1600" spc="-150" dirty="0" err="1">
+                <a:latin typeface="+mn-ea"/>
+              </a:rPr>
+              <a:t>거외다</a:t>
+            </a:r>
+            <a:r>
+              <a:rPr lang="en-US" altLang="ko-KR" sz="1600" spc="-150" dirty="0">
+                <a:latin typeface="+mn-ea"/>
+              </a:rPr>
+              <a:t>. </a:t>
+            </a:r>
+            <a:r>
+              <a:rPr lang="ko-KR" altLang="en-US" sz="1600" spc="-150" dirty="0">
+                <a:latin typeface="+mn-ea"/>
+              </a:rPr>
+              <a:t>하나에 슬퍼하는 너무나 위에 된 봅니다</a:t>
+            </a:r>
+            <a:r>
+              <a:rPr lang="en-US" altLang="ko-KR" sz="1600" spc="-150" dirty="0">
+                <a:latin typeface="+mn-ea"/>
+              </a:rPr>
+              <a:t>. </a:t>
+            </a:r>
+            <a:r>
+              <a:rPr lang="ko-KR" altLang="en-US" sz="1600" spc="-150" dirty="0">
+                <a:latin typeface="+mn-ea"/>
+              </a:rPr>
+              <a:t>없이 별에도 이름을 나는 풀이 </a:t>
+            </a:r>
+            <a:r>
+              <a:rPr lang="ko-KR" altLang="en-US" sz="1600" spc="-150" dirty="0" err="1">
+                <a:latin typeface="+mn-ea"/>
+              </a:rPr>
+              <a:t>거외다</a:t>
+            </a:r>
+            <a:r>
+              <a:rPr lang="en-US" altLang="ko-KR" sz="1600" spc="-150" dirty="0">
+                <a:latin typeface="+mn-ea"/>
+              </a:rPr>
+              <a:t>. </a:t>
+            </a:r>
+            <a:r>
+              <a:rPr lang="ko-KR" altLang="en-US" sz="1600" spc="-150" dirty="0">
+                <a:latin typeface="+mn-ea"/>
+              </a:rPr>
+              <a:t>부끄러운 시와 계절이 봅니다</a:t>
+            </a:r>
+            <a:r>
+              <a:rPr lang="en-US" altLang="ko-KR" sz="1600" spc="-150" dirty="0">
+                <a:latin typeface="+mn-ea"/>
+              </a:rPr>
+              <a:t>. </a:t>
+            </a:r>
+            <a:r>
+              <a:rPr lang="ko-KR" altLang="en-US" sz="1600" spc="-150" dirty="0">
+                <a:latin typeface="+mn-ea"/>
+              </a:rPr>
+              <a:t>나의 묻힌 속의 이웃 하나의 사랑과 </a:t>
+            </a:r>
+            <a:r>
+              <a:rPr lang="ko-KR" altLang="en-US" sz="1600" spc="-150" dirty="0" err="1">
+                <a:latin typeface="+mn-ea"/>
+              </a:rPr>
+              <a:t>거외다</a:t>
+            </a:r>
+            <a:r>
+              <a:rPr lang="en-US" altLang="ko-KR" sz="1600" spc="-150" dirty="0">
+                <a:latin typeface="+mn-ea"/>
+              </a:rPr>
+              <a:t>. </a:t>
+            </a:r>
+            <a:r>
+              <a:rPr lang="ko-KR" altLang="en-US" sz="1600" spc="-150" dirty="0">
+                <a:latin typeface="+mn-ea"/>
+              </a:rPr>
+              <a:t>하나에 위에 강아지</a:t>
+            </a:r>
+            <a:r>
+              <a:rPr lang="en-US" altLang="ko-KR" sz="1600" spc="-150" dirty="0">
+                <a:latin typeface="+mn-ea"/>
+              </a:rPr>
+              <a:t>, </a:t>
+            </a:r>
+            <a:r>
+              <a:rPr lang="ko-KR" altLang="en-US" sz="1600" spc="-150" dirty="0">
+                <a:latin typeface="+mn-ea"/>
+              </a:rPr>
+              <a:t>봅니다</a:t>
+            </a:r>
+            <a:r>
+              <a:rPr lang="en-US" altLang="ko-KR" sz="1600" spc="-150" dirty="0">
+                <a:latin typeface="+mn-ea"/>
+              </a:rPr>
+              <a:t>. </a:t>
+            </a:r>
+            <a:r>
+              <a:rPr lang="ko-KR" altLang="en-US" sz="1600" spc="-150" dirty="0">
+                <a:latin typeface="+mn-ea"/>
+              </a:rPr>
+              <a:t>새겨지는 별 불러 어머니</a:t>
+            </a:r>
+            <a:r>
+              <a:rPr lang="en-US" altLang="ko-KR" sz="1600" spc="-150" dirty="0">
+                <a:latin typeface="+mn-ea"/>
+              </a:rPr>
+              <a:t>, </a:t>
+            </a:r>
+            <a:r>
+              <a:rPr lang="ko-KR" altLang="en-US" sz="1600" spc="-150" dirty="0">
+                <a:latin typeface="+mn-ea"/>
+              </a:rPr>
+              <a:t>이제 것은 별들을 </a:t>
+            </a:r>
+            <a:r>
+              <a:rPr lang="ko-KR" altLang="en-US" sz="1600" spc="-150" dirty="0" err="1">
+                <a:latin typeface="+mn-ea"/>
+              </a:rPr>
+              <a:t>거외다</a:t>
+            </a:r>
+            <a:r>
+              <a:rPr lang="en-US" altLang="ko-KR" sz="1600" spc="-150" dirty="0">
+                <a:latin typeface="+mn-ea"/>
+              </a:rPr>
+              <a:t>. </a:t>
+            </a:r>
+            <a:r>
+              <a:rPr lang="ko-KR" altLang="en-US" sz="1600" spc="-150" dirty="0">
+                <a:latin typeface="+mn-ea"/>
+              </a:rPr>
+              <a:t>된 슬퍼하는 못 별 시인의 사랑과 있습니다</a:t>
+            </a:r>
+            <a:r>
+              <a:rPr lang="en-US" altLang="ko-KR" sz="1600" spc="-150" dirty="0">
+                <a:latin typeface="+mn-ea"/>
+              </a:rPr>
+              <a:t>. </a:t>
+            </a:r>
+            <a:r>
+              <a:rPr lang="ko-KR" altLang="en-US" sz="1600" spc="-150" dirty="0">
+                <a:latin typeface="+mn-ea"/>
+              </a:rPr>
+              <a:t>멀리 그러나 이런 겨울이 봅니다</a:t>
+            </a:r>
+            <a:r>
+              <a:rPr lang="en-US" altLang="ko-KR" sz="1600" spc="-150" dirty="0">
+                <a:latin typeface="+mn-ea"/>
+              </a:rPr>
+              <a:t>. </a:t>
+            </a:r>
+            <a:r>
+              <a:rPr lang="ko-KR" altLang="en-US" sz="1600" spc="-150" dirty="0">
+                <a:latin typeface="+mn-ea"/>
+              </a:rPr>
+              <a:t>하나에 풀이 별 </a:t>
+            </a:r>
+            <a:r>
+              <a:rPr lang="ko-KR" altLang="en-US" sz="1600" spc="-150" dirty="0" err="1">
+                <a:latin typeface="+mn-ea"/>
+              </a:rPr>
+              <a:t>라이너</a:t>
+            </a:r>
+            <a:r>
+              <a:rPr lang="ko-KR" altLang="en-US" sz="1600" spc="-150" dirty="0">
+                <a:latin typeface="+mn-ea"/>
+              </a:rPr>
+              <a:t> 쓸쓸함과 버리었습니다</a:t>
+            </a:r>
+            <a:r>
+              <a:rPr lang="en-US" altLang="ko-KR" sz="1600" spc="-150" dirty="0">
+                <a:latin typeface="+mn-ea"/>
+              </a:rPr>
+              <a:t>. </a:t>
+            </a:r>
+            <a:endParaRPr lang="ko-KR" altLang="en-US" sz="1600" spc="-150" dirty="0">
+              <a:latin typeface="+mn-ea"/>
+            </a:endParaRPr>
+          </a:p>
+        </p:txBody>
+      </p:sp>
+      <p:sp>
+        <p:nvSpPr>
+          <p:cNvPr id="9" name="TextBox 8">
+            <a:extLst>
+              <a:ext uri="{FF2B5EF4-FFF2-40B4-BE49-F238E27FC236}">
+                <a16:creationId xmlns:a16="http://schemas.microsoft.com/office/drawing/2014/main" id="{5D7A2788-7369-4216-A5F4-6E3FD9AA34EC}"/>
+              </a:ext>
+            </a:extLst>
+          </p:cNvPr>
+          <p:cNvSpPr txBox="1"/>
+          <p:nvPr/>
+        </p:nvSpPr>
+        <p:spPr>
+          <a:xfrm>
+            <a:off x="528765" y="2705686"/>
+            <a:ext cx="3493264" cy="584775"/>
+          </a:xfrm>
+          <a:prstGeom prst="rect">
+            <a:avLst/>
+          </a:prstGeom>
+          <a:noFill/>
+        </p:spPr>
+        <p:txBody>
+          <a:bodyPr wrap="none" rtlCol="0">
+            <a:spAutoFit/>
+          </a:bodyPr>
+          <a:lstStyle/>
+          <a:p>
+            <a:r>
+              <a:rPr lang="ko-KR" altLang="en-US" sz="3200" spc="-300" dirty="0">
+                <a:solidFill>
+                  <a:schemeClr val="tx1">
+                    <a:lumMod val="75000"/>
+                    <a:lumOff val="25000"/>
+                  </a:schemeClr>
+                </a:solidFill>
+                <a:latin typeface="+mj-ea"/>
+                <a:ea typeface="+mj-ea"/>
+              </a:rPr>
+              <a:t>소제목을 입력하세요</a:t>
+            </a:r>
+          </a:p>
+        </p:txBody>
+      </p:sp>
+      <p:cxnSp>
+        <p:nvCxnSpPr>
+          <p:cNvPr id="10" name="직선 연결선 9">
+            <a:extLst>
+              <a:ext uri="{FF2B5EF4-FFF2-40B4-BE49-F238E27FC236}">
+                <a16:creationId xmlns:a16="http://schemas.microsoft.com/office/drawing/2014/main" id="{1AE128A5-6324-45DB-9C64-010AC12B3F02}"/>
+              </a:ext>
+            </a:extLst>
+          </p:cNvPr>
+          <p:cNvCxnSpPr>
+            <a:cxnSpLocks/>
+          </p:cNvCxnSpPr>
+          <p:nvPr/>
+        </p:nvCxnSpPr>
+        <p:spPr>
+          <a:xfrm>
+            <a:off x="528765" y="3421020"/>
+            <a:ext cx="5191551" cy="0"/>
+          </a:xfrm>
+          <a:prstGeom prst="line">
+            <a:avLst/>
+          </a:prstGeom>
+          <a:ln>
+            <a:solidFill>
+              <a:schemeClr val="tx1"/>
+            </a:solidFill>
+          </a:ln>
+        </p:spPr>
+        <p:style>
+          <a:lnRef idx="1">
+            <a:schemeClr val="accent1"/>
+          </a:lnRef>
+          <a:fillRef idx="0">
+            <a:schemeClr val="accent1"/>
+          </a:fillRef>
+          <a:effectRef idx="0">
+            <a:schemeClr val="accent1"/>
+          </a:effectRef>
+          <a:fontRef idx="minor">
+            <a:schemeClr val="tx1"/>
+          </a:fontRef>
+        </p:style>
+      </p:cxnSp>
+    </p:spTree>
+    <p:extLst>
+      <p:ext uri="{BB962C8B-B14F-4D97-AF65-F5344CB8AC3E}">
+        <p14:creationId xmlns:p14="http://schemas.microsoft.com/office/powerpoint/2010/main" val="4293141657"/>
+      </p:ext>
+    </p:extLst>
+  </p:cSld>
+  <p:clrMapOvr>
+    <a:masterClrMapping/>
+  </p:clrMapOvr>
+  <mc:AlternateContent xmlns:mc="http://schemas.openxmlformats.org/markup-compatibility/2006" xmlns:p14="http://schemas.microsoft.com/office/powerpoint/2010/main">
+    <mc:Choice Requires="p14">
+      <p:transition spd="med" p14:dur="700">
+        <p:fade/>
+      </p:transition>
+    </mc:Choice>
+    <mc:Fallback xmlns="">
+      <p:transition spd="med">
+        <p:fade/>
+      </p:transition>
+    </mc:Fallback>
+  </mc:AlternateContent>
+</p:sld>
+</file>
+
+<file path=ppt/slides/slide37.xml><?xml version="1.0" encoding="utf-8"?>
+<p:sld xmlns:a="http://schemas.openxmlformats.org/drawingml/2006/main" xmlns:r="http://schemas.openxmlformats.org/officeDocument/2006/relationships" xmlns:p="http://schemas.openxmlformats.org/presentationml/2006/main">
+  <p:cSld>
+    <p:spTree>
+      <p:nvGrpSpPr>
+        <p:cNvPr id="1" name=""/>
+        <p:cNvGrpSpPr/>
+        <p:nvPr/>
+      </p:nvGrpSpPr>
+      <p:grpSpPr>
+        <a:xfrm>
+          <a:off x="0" y="0"/>
+          <a:ext cx="0" cy="0"/>
+          <a:chOff x="0" y="0"/>
+          <a:chExt cx="0" cy="0"/>
+        </a:xfrm>
+      </p:grpSpPr>
+      <p:pic>
+        <p:nvPicPr>
+          <p:cNvPr id="3" name="그림 2" descr="실외, 자연, 물, 해변이(가) 표시된 사진&#10;&#10;자동 생성된 설명">
+            <a:extLst>
+              <a:ext uri="{FF2B5EF4-FFF2-40B4-BE49-F238E27FC236}">
+                <a16:creationId xmlns:a16="http://schemas.microsoft.com/office/drawing/2014/main" id="{EF86BDD0-98BF-4BEF-B4A9-EFA8B57805C9}"/>
+              </a:ext>
+            </a:extLst>
+          </p:cNvPr>
+          <p:cNvPicPr>
+            <a:picLocks noChangeAspect="1"/>
+          </p:cNvPicPr>
+          <p:nvPr/>
+        </p:nvPicPr>
+        <p:blipFill rotWithShape="1">
+          <a:blip r:embed="rId2" cstate="screen">
+            <a:extLst>
+              <a:ext uri="{28A0092B-C50C-407E-A947-70E740481C1C}">
+                <a14:useLocalDpi xmlns:a14="http://schemas.microsoft.com/office/drawing/2010/main" val="0"/>
+              </a:ext>
+            </a:extLst>
+          </a:blip>
+          <a:srcRect/>
+          <a:stretch/>
+        </p:blipFill>
+        <p:spPr>
+          <a:xfrm>
+            <a:off x="0" y="0"/>
+            <a:ext cx="12192000" cy="6858000"/>
+          </a:xfrm>
+          <a:prstGeom prst="rect">
+            <a:avLst/>
+          </a:prstGeom>
+        </p:spPr>
+      </p:pic>
+      <p:sp>
+        <p:nvSpPr>
+          <p:cNvPr id="4" name="직사각형 3">
+            <a:extLst>
+              <a:ext uri="{FF2B5EF4-FFF2-40B4-BE49-F238E27FC236}">
+                <a16:creationId xmlns:a16="http://schemas.microsoft.com/office/drawing/2014/main" id="{A0FB8B4C-07AF-4C6A-A019-A5544A66D523}"/>
+              </a:ext>
+            </a:extLst>
+          </p:cNvPr>
+          <p:cNvSpPr/>
+          <p:nvPr/>
+        </p:nvSpPr>
+        <p:spPr>
+          <a:xfrm>
+            <a:off x="0" y="0"/>
+            <a:ext cx="12192000" cy="3429000"/>
+          </a:xfrm>
+          <a:prstGeom prst="rect">
+            <a:avLst/>
+          </a:prstGeom>
+          <a:solidFill>
+            <a:schemeClr val="tx2">
+              <a:lumMod val="75000"/>
+            </a:schemeClr>
+          </a:solidFill>
+          <a:ln>
+            <a:noFill/>
+          </a:ln>
+        </p:spPr>
+        <p:style>
+          <a:lnRef idx="2">
+            <a:schemeClr val="accent1">
+              <a:shade val="50000"/>
+            </a:schemeClr>
+          </a:lnRef>
+          <a:fillRef idx="1">
+            <a:schemeClr val="accent1"/>
+          </a:fillRef>
+          <a:effectRef idx="0">
+            <a:schemeClr val="accent1"/>
+          </a:effectRef>
+          <a:fontRef idx="minor">
+            <a:schemeClr val="lt1"/>
+          </a:fontRef>
+        </p:style>
+        <p:txBody>
+          <a:bodyPr rtlCol="0" anchor="ctr"/>
+          <a:lstStyle/>
+          <a:p>
+            <a:pPr algn="ctr"/>
+            <a:endParaRPr lang="ko-KR" altLang="en-US"/>
+          </a:p>
+        </p:txBody>
+      </p:sp>
+      <p:sp>
+        <p:nvSpPr>
+          <p:cNvPr id="5" name="TextBox 4">
+            <a:extLst>
+              <a:ext uri="{FF2B5EF4-FFF2-40B4-BE49-F238E27FC236}">
+                <a16:creationId xmlns:a16="http://schemas.microsoft.com/office/drawing/2014/main" id="{6B679CA0-EDDD-4ACD-9947-D034F34E4F68}"/>
+              </a:ext>
+            </a:extLst>
+          </p:cNvPr>
+          <p:cNvSpPr txBox="1"/>
+          <p:nvPr/>
+        </p:nvSpPr>
+        <p:spPr>
+          <a:xfrm>
+            <a:off x="5009805" y="2222212"/>
+            <a:ext cx="2172390" cy="584775"/>
+          </a:xfrm>
+          <a:prstGeom prst="rect">
+            <a:avLst/>
+          </a:prstGeom>
+          <a:noFill/>
+        </p:spPr>
+        <p:txBody>
+          <a:bodyPr wrap="none" rtlCol="0">
+            <a:spAutoFit/>
+          </a:bodyPr>
+          <a:lstStyle/>
+          <a:p>
+            <a:pPr algn="ctr"/>
+            <a:r>
+              <a:rPr lang="ko-KR" altLang="en-US" sz="3200" dirty="0">
+                <a:solidFill>
+                  <a:schemeClr val="bg1"/>
+                </a:solidFill>
+              </a:rPr>
+              <a:t>감사합니다</a:t>
+            </a:r>
+          </a:p>
+        </p:txBody>
+      </p:sp>
+    </p:spTree>
+    <p:extLst>
+      <p:ext uri="{BB962C8B-B14F-4D97-AF65-F5344CB8AC3E}">
+        <p14:creationId xmlns:p14="http://schemas.microsoft.com/office/powerpoint/2010/main" val="3669176100"/>
+      </p:ext>
+    </p:extLst>
+  </p:cSld>
+  <p:clrMapOvr>
+    <a:masterClrMapping/>
+  </p:clrMapOvr>
+  <mc:AlternateContent xmlns:mc="http://schemas.openxmlformats.org/markup-compatibility/2006" xmlns:p14="http://schemas.microsoft.com/office/powerpoint/2010/main">
+    <mc:Choice Requires="p14">
+      <p:transition spd="med" p14:dur="700">
+        <p:fade/>
+      </p:transition>
+    </mc:Choice>
+    <mc:Fallback xmlns="">
+      <p:transition spd="med">
+        <p:fade/>
+      </p:transition>
+    </mc:Fallback>
+  </mc:AlternateContent>
+</p:sld>
+</file>
+
+<file path=ppt/slides/slide4.xml><?xml version="1.0" encoding="utf-8"?>
+<p:sld xmlns:a="http://schemas.openxmlformats.org/drawingml/2006/main" xmlns:r="http://schemas.openxmlformats.org/officeDocument/2006/relationships" xmlns:p="http://schemas.openxmlformats.org/presentationml/2006/main">
+  <p:cSld>
+    <p:bg>
+      <p:bgPr>
+        <a:solidFill>
+          <a:schemeClr val="accent2"/>
+        </a:solidFill>
+        <a:effectLst/>
+      </p:bgPr>
+    </p:bg>
+    <p:spTree>
+      <p:nvGrpSpPr>
+        <p:cNvPr id="1" name=""/>
+        <p:cNvGrpSpPr/>
+        <p:nvPr/>
+      </p:nvGrpSpPr>
+      <p:grpSpPr>
+        <a:xfrm>
+          <a:off x="0" y="0"/>
+          <a:ext cx="0" cy="0"/>
+          <a:chOff x="0" y="0"/>
+          <a:chExt cx="0" cy="0"/>
+        </a:xfrm>
+      </p:grpSpPr>
+      <p:sp>
+        <p:nvSpPr>
+          <p:cNvPr id="3" name="TextBox 2">
+            <a:extLst>
+              <a:ext uri="{FF2B5EF4-FFF2-40B4-BE49-F238E27FC236}">
+                <a16:creationId xmlns:a16="http://schemas.microsoft.com/office/drawing/2014/main" id="{91C4265C-0EAD-4FFD-BF99-406D49533C1D}"/>
+              </a:ext>
+            </a:extLst>
+          </p:cNvPr>
+          <p:cNvSpPr txBox="1"/>
+          <p:nvPr/>
+        </p:nvSpPr>
+        <p:spPr>
+          <a:xfrm>
+            <a:off x="3048000" y="3244334"/>
+            <a:ext cx="6096000" cy="369332"/>
+          </a:xfrm>
+          <a:prstGeom prst="rect">
+            <a:avLst/>
+          </a:prstGeom>
+          <a:noFill/>
+        </p:spPr>
+        <p:txBody>
+          <a:bodyPr wrap="square">
+            <a:spAutoFit/>
+          </a:bodyPr>
+          <a:lstStyle/>
+          <a:p>
+            <a:pPr algn="ctr"/>
+            <a:r>
+              <a:rPr lang="en-US" altLang="ko-KR" b="1" i="0">
+                <a:solidFill>
+                  <a:schemeClr val="bg1"/>
+                </a:solidFill>
+                <a:effectLst/>
+                <a:latin typeface="Helvetica" panose="020B0604020202020204" pitchFamily="34" charset="0"/>
+              </a:rPr>
+              <a:t>Project Introduction</a:t>
+            </a:r>
+            <a:endParaRPr lang="ko-KR" altLang="en-US" sz="1800" b="1" dirty="0">
+              <a:solidFill>
+                <a:schemeClr val="bg1"/>
+              </a:solidFill>
+            </a:endParaRPr>
+          </a:p>
+        </p:txBody>
+      </p:sp>
+      <p:sp>
+        <p:nvSpPr>
+          <p:cNvPr id="4" name="TextBox 3">
+            <a:extLst>
+              <a:ext uri="{FF2B5EF4-FFF2-40B4-BE49-F238E27FC236}">
+                <a16:creationId xmlns:a16="http://schemas.microsoft.com/office/drawing/2014/main" id="{E251FDC9-B70C-4BC0-8AC7-216B5765985E}"/>
+              </a:ext>
+            </a:extLst>
+          </p:cNvPr>
+          <p:cNvSpPr txBox="1"/>
+          <p:nvPr/>
+        </p:nvSpPr>
+        <p:spPr>
+          <a:xfrm>
+            <a:off x="4726072" y="2659559"/>
+            <a:ext cx="2739853" cy="584775"/>
+          </a:xfrm>
+          <a:prstGeom prst="rect">
+            <a:avLst/>
+          </a:prstGeom>
+          <a:noFill/>
+        </p:spPr>
+        <p:txBody>
+          <a:bodyPr wrap="none" rtlCol="0">
+            <a:spAutoFit/>
+          </a:bodyPr>
+          <a:lstStyle/>
+          <a:p>
+            <a:pPr algn="ctr"/>
+            <a:r>
+              <a:rPr lang="ko-KR" altLang="en-US" sz="3200" b="1">
+                <a:solidFill>
+                  <a:schemeClr val="bg1"/>
+                </a:solidFill>
+              </a:rPr>
+              <a:t>프로젝트 소개</a:t>
+            </a:r>
+            <a:endParaRPr lang="ko-KR" altLang="en-US" sz="3200" b="1" dirty="0">
+              <a:solidFill>
+                <a:schemeClr val="bg1"/>
+              </a:solidFill>
+            </a:endParaRPr>
+          </a:p>
+        </p:txBody>
+      </p:sp>
+      <p:sp>
+        <p:nvSpPr>
+          <p:cNvPr id="5" name="양쪽 대괄호 4">
+            <a:extLst>
+              <a:ext uri="{FF2B5EF4-FFF2-40B4-BE49-F238E27FC236}">
+                <a16:creationId xmlns:a16="http://schemas.microsoft.com/office/drawing/2014/main" id="{7B2CAB3D-75D4-47BA-AA00-C925C76EC1D2}"/>
+              </a:ext>
+            </a:extLst>
+          </p:cNvPr>
+          <p:cNvSpPr/>
+          <p:nvPr/>
+        </p:nvSpPr>
+        <p:spPr>
+          <a:xfrm>
+            <a:off x="2153919" y="2009279"/>
+            <a:ext cx="7884160" cy="2369066"/>
+          </a:xfrm>
+          <a:prstGeom prst="bracketPair">
+            <a:avLst>
+              <a:gd name="adj" fmla="val 10867"/>
+            </a:avLst>
+          </a:prstGeom>
+          <a:ln>
+            <a:solidFill>
+              <a:schemeClr val="bg1">
+                <a:lumMod val="95000"/>
+              </a:schemeClr>
+            </a:solidFill>
+          </a:ln>
+        </p:spPr>
+        <p:style>
+          <a:lnRef idx="1">
+            <a:schemeClr val="accent1"/>
+          </a:lnRef>
+          <a:fillRef idx="0">
+            <a:schemeClr val="accent1"/>
+          </a:fillRef>
+          <a:effectRef idx="0">
+            <a:schemeClr val="accent1"/>
+          </a:effectRef>
+          <a:fontRef idx="minor">
+            <a:schemeClr val="tx1"/>
+          </a:fontRef>
+        </p:style>
+        <p:txBody>
+          <a:bodyPr rtlCol="0" anchor="ctr"/>
+          <a:lstStyle/>
+          <a:p>
+            <a:pPr algn="ctr"/>
+            <a:endParaRPr lang="ko-KR" altLang="en-US"/>
+          </a:p>
+        </p:txBody>
+      </p:sp>
+    </p:spTree>
+    <p:extLst>
+      <p:ext uri="{BB962C8B-B14F-4D97-AF65-F5344CB8AC3E}">
+        <p14:creationId xmlns:p14="http://schemas.microsoft.com/office/powerpoint/2010/main" val="1380483423"/>
+      </p:ext>
+    </p:extLst>
+  </p:cSld>
+  <p:clrMapOvr>
+    <a:masterClrMapping/>
+  </p:clrMapOvr>
+  <mc:AlternateContent xmlns:mc="http://schemas.openxmlformats.org/markup-compatibility/2006">
+    <mc:Choice xmlns:p14="http://schemas.microsoft.com/office/powerpoint/2010/main" Requires="p14">
+      <p:transition spd="med" p14:dur="700">
+        <p:fade/>
+      </p:transition>
+    </mc:Choice>
+    <mc:Fallback>
+      <p:transition spd="med">
+        <p:fade/>
+      </p:transition>
+    </mc:Fallback>
+  </mc:AlternateContent>
+</p:sld>
+</file>
+
+<file path=ppt/slides/slide5.xml><?xml version="1.0" encoding="utf-8"?>
+<p:sld xmlns:a="http://schemas.openxmlformats.org/drawingml/2006/main" xmlns:r="http://schemas.openxmlformats.org/officeDocument/2006/relationships" xmlns:p="http://schemas.openxmlformats.org/presentationml/2006/main">
+  <p:cSld>
+    <p:bg>
+      <p:bgPr>
+        <a:solidFill>
+          <a:schemeClr val="accent2"/>
+        </a:solidFill>
+        <a:effectLst/>
+      </p:bgPr>
+    </p:bg>
+    <p:spTree>
+      <p:nvGrpSpPr>
+        <p:cNvPr id="1" name=""/>
+        <p:cNvGrpSpPr/>
+        <p:nvPr/>
+      </p:nvGrpSpPr>
+      <p:grpSpPr>
+        <a:xfrm>
+          <a:off x="0" y="0"/>
+          <a:ext cx="0" cy="0"/>
+          <a:chOff x="0" y="0"/>
+          <a:chExt cx="0" cy="0"/>
+        </a:xfrm>
+      </p:grpSpPr>
+      <p:sp>
+        <p:nvSpPr>
+          <p:cNvPr id="3" name="TextBox 2">
+            <a:extLst>
+              <a:ext uri="{FF2B5EF4-FFF2-40B4-BE49-F238E27FC236}">
+                <a16:creationId xmlns:a16="http://schemas.microsoft.com/office/drawing/2014/main" id="{91C4265C-0EAD-4FFD-BF99-406D49533C1D}"/>
+              </a:ext>
+            </a:extLst>
+          </p:cNvPr>
+          <p:cNvSpPr txBox="1"/>
+          <p:nvPr/>
+        </p:nvSpPr>
+        <p:spPr>
+          <a:xfrm>
+            <a:off x="3048000" y="3244334"/>
+            <a:ext cx="6096000" cy="369332"/>
+          </a:xfrm>
+          <a:prstGeom prst="rect">
+            <a:avLst/>
+          </a:prstGeom>
+          <a:noFill/>
+        </p:spPr>
+        <p:txBody>
+          <a:bodyPr wrap="square">
+            <a:spAutoFit/>
+          </a:bodyPr>
+          <a:lstStyle/>
+          <a:p>
+            <a:pPr algn="ctr"/>
+            <a:r>
+              <a:rPr lang="en-US" altLang="ko-KR" sz="1800" dirty="0">
+                <a:solidFill>
+                  <a:schemeClr val="bg1"/>
+                </a:solidFill>
+              </a:rPr>
+              <a:t>Winter Dream</a:t>
+            </a:r>
+            <a:endParaRPr lang="ko-KR" altLang="en-US" sz="1800" dirty="0">
+              <a:solidFill>
+                <a:schemeClr val="bg1"/>
+              </a:solidFill>
+            </a:endParaRPr>
+          </a:p>
+        </p:txBody>
+      </p:sp>
+      <p:sp>
+        <p:nvSpPr>
+          <p:cNvPr id="4" name="TextBox 3">
+            <a:extLst>
+              <a:ext uri="{FF2B5EF4-FFF2-40B4-BE49-F238E27FC236}">
+                <a16:creationId xmlns:a16="http://schemas.microsoft.com/office/drawing/2014/main" id="{E251FDC9-B70C-4BC0-8AC7-216B5765985E}"/>
+              </a:ext>
+            </a:extLst>
+          </p:cNvPr>
+          <p:cNvSpPr txBox="1"/>
+          <p:nvPr/>
+        </p:nvSpPr>
+        <p:spPr>
+          <a:xfrm>
+            <a:off x="5122015" y="2824480"/>
+            <a:ext cx="1947969" cy="369332"/>
+          </a:xfrm>
+          <a:prstGeom prst="rect">
+            <a:avLst/>
+          </a:prstGeom>
+          <a:noFill/>
+        </p:spPr>
+        <p:txBody>
+          <a:bodyPr wrap="none" rtlCol="0">
+            <a:spAutoFit/>
+          </a:bodyPr>
+          <a:lstStyle/>
+          <a:p>
+            <a:pPr algn="ctr"/>
+            <a:r>
+              <a:rPr lang="ko-KR" altLang="en-US" dirty="0">
+                <a:solidFill>
+                  <a:schemeClr val="bg1"/>
+                </a:solidFill>
+              </a:rPr>
+              <a:t>성큼 다가온 겨울</a:t>
+            </a:r>
+          </a:p>
+        </p:txBody>
+      </p:sp>
+      <p:sp>
+        <p:nvSpPr>
+          <p:cNvPr id="5" name="양쪽 대괄호 4">
+            <a:extLst>
+              <a:ext uri="{FF2B5EF4-FFF2-40B4-BE49-F238E27FC236}">
+                <a16:creationId xmlns:a16="http://schemas.microsoft.com/office/drawing/2014/main" id="{7B2CAB3D-75D4-47BA-AA00-C925C76EC1D2}"/>
+              </a:ext>
+            </a:extLst>
+          </p:cNvPr>
+          <p:cNvSpPr/>
+          <p:nvPr/>
+        </p:nvSpPr>
+        <p:spPr>
+          <a:xfrm>
+            <a:off x="2153919" y="2009279"/>
+            <a:ext cx="7884160" cy="2369066"/>
+          </a:xfrm>
+          <a:prstGeom prst="bracketPair">
+            <a:avLst>
+              <a:gd name="adj" fmla="val 10867"/>
+            </a:avLst>
+          </a:prstGeom>
+          <a:ln>
+            <a:solidFill>
+              <a:schemeClr val="bg1">
+                <a:lumMod val="95000"/>
+              </a:schemeClr>
+            </a:solidFill>
+          </a:ln>
+        </p:spPr>
+        <p:style>
+          <a:lnRef idx="1">
+            <a:schemeClr val="accent1"/>
+          </a:lnRef>
+          <a:fillRef idx="0">
+            <a:schemeClr val="accent1"/>
+          </a:fillRef>
+          <a:effectRef idx="0">
+            <a:schemeClr val="accent1"/>
+          </a:effectRef>
+          <a:fontRef idx="minor">
+            <a:schemeClr val="tx1"/>
+          </a:fontRef>
+        </p:style>
+        <p:txBody>
+          <a:bodyPr rtlCol="0" anchor="ctr"/>
+          <a:lstStyle/>
+          <a:p>
+            <a:pPr algn="ctr"/>
+            <a:endParaRPr lang="ko-KR" altLang="en-US"/>
+          </a:p>
+        </p:txBody>
+      </p:sp>
+      <p:sp>
+        <p:nvSpPr>
+          <p:cNvPr id="6" name="TextBox 5">
+            <a:extLst>
+              <a:ext uri="{FF2B5EF4-FFF2-40B4-BE49-F238E27FC236}">
+                <a16:creationId xmlns:a16="http://schemas.microsoft.com/office/drawing/2014/main" id="{99A3A4B1-78DD-4F9A-807D-7BC51AFF4B1A}"/>
+              </a:ext>
+            </a:extLst>
+          </p:cNvPr>
+          <p:cNvSpPr txBox="1"/>
+          <p:nvPr/>
+        </p:nvSpPr>
+        <p:spPr>
+          <a:xfrm>
+            <a:off x="182880" y="193040"/>
+            <a:ext cx="1832553" cy="338554"/>
+          </a:xfrm>
+          <a:prstGeom prst="rect">
+            <a:avLst/>
+          </a:prstGeom>
+          <a:noFill/>
+        </p:spPr>
+        <p:txBody>
+          <a:bodyPr wrap="none" rtlCol="0">
+            <a:spAutoFit/>
+          </a:bodyPr>
+          <a:lstStyle/>
+          <a:p>
+            <a:r>
+              <a:rPr lang="ko-KR" altLang="en-US" sz="1600" dirty="0" err="1">
+                <a:solidFill>
+                  <a:schemeClr val="bg1"/>
+                </a:solidFill>
+              </a:rPr>
+              <a:t>새별의</a:t>
+            </a:r>
+            <a:r>
+              <a:rPr lang="ko-KR" altLang="en-US" sz="1600" dirty="0">
+                <a:solidFill>
+                  <a:schemeClr val="bg1"/>
+                </a:solidFill>
+              </a:rPr>
+              <a:t> 파워포인트</a:t>
+            </a:r>
+          </a:p>
+        </p:txBody>
+      </p:sp>
+    </p:spTree>
+    <p:extLst>
+      <p:ext uri="{BB962C8B-B14F-4D97-AF65-F5344CB8AC3E}">
+        <p14:creationId xmlns:p14="http://schemas.microsoft.com/office/powerpoint/2010/main" val="4065372083"/>
+      </p:ext>
+    </p:extLst>
+  </p:cSld>
+  <p:clrMapOvr>
+    <a:masterClrMapping/>
+  </p:clrMapOvr>
+  <mc:AlternateContent xmlns:mc="http://schemas.openxmlformats.org/markup-compatibility/2006">
+    <mc:Choice xmlns:p14="http://schemas.microsoft.com/office/powerpoint/2010/main" Requires="p14">
+      <p:transition spd="med" p14:dur="700">
+        <p:fade/>
+      </p:transition>
+    </mc:Choice>
+    <mc:Fallback>
+      <p:transition spd="med">
+        <p:fade/>
+      </p:transition>
+    </mc:Fallback>
+  </mc:AlternateContent>
+</p:sld>
+</file>
+
+<file path=ppt/slides/slide6.xml><?xml version="1.0" encoding="utf-8"?>
+<p:sld xmlns:a="http://schemas.openxmlformats.org/drawingml/2006/main" xmlns:r="http://schemas.openxmlformats.org/officeDocument/2006/relationships" xmlns:p="http://schemas.openxmlformats.org/presentationml/2006/main">
+  <p:cSld>
+    <p:bg>
+      <p:bgPr>
+        <a:solidFill>
+          <a:schemeClr val="accent2"/>
+        </a:solidFill>
+        <a:effectLst/>
+      </p:bgPr>
+    </p:bg>
+    <p:spTree>
+      <p:nvGrpSpPr>
+        <p:cNvPr id="1" name=""/>
+        <p:cNvGrpSpPr/>
+        <p:nvPr/>
+      </p:nvGrpSpPr>
+      <p:grpSpPr>
+        <a:xfrm>
+          <a:off x="0" y="0"/>
+          <a:ext cx="0" cy="0"/>
+          <a:chOff x="0" y="0"/>
+          <a:chExt cx="0" cy="0"/>
+        </a:xfrm>
+      </p:grpSpPr>
+      <p:sp>
+        <p:nvSpPr>
+          <p:cNvPr id="3" name="TextBox 2">
+            <a:extLst>
+              <a:ext uri="{FF2B5EF4-FFF2-40B4-BE49-F238E27FC236}">
+                <a16:creationId xmlns:a16="http://schemas.microsoft.com/office/drawing/2014/main" id="{91C4265C-0EAD-4FFD-BF99-406D49533C1D}"/>
+              </a:ext>
+            </a:extLst>
+          </p:cNvPr>
+          <p:cNvSpPr txBox="1"/>
+          <p:nvPr/>
+        </p:nvSpPr>
+        <p:spPr>
+          <a:xfrm>
+            <a:off x="3048000" y="3244334"/>
+            <a:ext cx="6096000" cy="369332"/>
+          </a:xfrm>
+          <a:prstGeom prst="rect">
+            <a:avLst/>
+          </a:prstGeom>
+          <a:noFill/>
+        </p:spPr>
+        <p:txBody>
+          <a:bodyPr wrap="square">
+            <a:spAutoFit/>
+          </a:bodyPr>
+          <a:lstStyle/>
+          <a:p>
+            <a:pPr algn="ctr"/>
+            <a:r>
+              <a:rPr lang="en-US" altLang="ko-KR" sz="1800" dirty="0">
+                <a:solidFill>
+                  <a:schemeClr val="bg1"/>
+                </a:solidFill>
+              </a:rPr>
+              <a:t>Winter Dream</a:t>
+            </a:r>
+            <a:endParaRPr lang="ko-KR" altLang="en-US" sz="1800" dirty="0">
+              <a:solidFill>
+                <a:schemeClr val="bg1"/>
+              </a:solidFill>
+            </a:endParaRPr>
+          </a:p>
+        </p:txBody>
+      </p:sp>
+      <p:sp>
+        <p:nvSpPr>
+          <p:cNvPr id="4" name="TextBox 3">
+            <a:extLst>
+              <a:ext uri="{FF2B5EF4-FFF2-40B4-BE49-F238E27FC236}">
+                <a16:creationId xmlns:a16="http://schemas.microsoft.com/office/drawing/2014/main" id="{E251FDC9-B70C-4BC0-8AC7-216B5765985E}"/>
+              </a:ext>
+            </a:extLst>
+          </p:cNvPr>
+          <p:cNvSpPr txBox="1"/>
+          <p:nvPr/>
+        </p:nvSpPr>
+        <p:spPr>
+          <a:xfrm>
+            <a:off x="5122015" y="2824480"/>
+            <a:ext cx="1947969" cy="369332"/>
+          </a:xfrm>
+          <a:prstGeom prst="rect">
+            <a:avLst/>
+          </a:prstGeom>
+          <a:noFill/>
+        </p:spPr>
+        <p:txBody>
+          <a:bodyPr wrap="none" rtlCol="0">
+            <a:spAutoFit/>
+          </a:bodyPr>
+          <a:lstStyle/>
+          <a:p>
+            <a:pPr algn="ctr"/>
+            <a:r>
+              <a:rPr lang="ko-KR" altLang="en-US" dirty="0">
+                <a:solidFill>
+                  <a:schemeClr val="bg1"/>
+                </a:solidFill>
+              </a:rPr>
+              <a:t>성큼 다가온 겨울</a:t>
+            </a:r>
+          </a:p>
+        </p:txBody>
+      </p:sp>
+      <p:sp>
+        <p:nvSpPr>
+          <p:cNvPr id="5" name="양쪽 대괄호 4">
+            <a:extLst>
+              <a:ext uri="{FF2B5EF4-FFF2-40B4-BE49-F238E27FC236}">
+                <a16:creationId xmlns:a16="http://schemas.microsoft.com/office/drawing/2014/main" id="{7B2CAB3D-75D4-47BA-AA00-C925C76EC1D2}"/>
+              </a:ext>
+            </a:extLst>
+          </p:cNvPr>
+          <p:cNvSpPr/>
+          <p:nvPr/>
+        </p:nvSpPr>
+        <p:spPr>
+          <a:xfrm>
+            <a:off x="2153919" y="2009279"/>
+            <a:ext cx="7884160" cy="2369066"/>
+          </a:xfrm>
+          <a:prstGeom prst="bracketPair">
+            <a:avLst>
+              <a:gd name="adj" fmla="val 10867"/>
+            </a:avLst>
+          </a:prstGeom>
+          <a:ln>
+            <a:solidFill>
+              <a:schemeClr val="bg1">
+                <a:lumMod val="95000"/>
+              </a:schemeClr>
+            </a:solidFill>
+          </a:ln>
+        </p:spPr>
+        <p:style>
+          <a:lnRef idx="1">
+            <a:schemeClr val="accent1"/>
+          </a:lnRef>
+          <a:fillRef idx="0">
+            <a:schemeClr val="accent1"/>
+          </a:fillRef>
+          <a:effectRef idx="0">
+            <a:schemeClr val="accent1"/>
+          </a:effectRef>
+          <a:fontRef idx="minor">
+            <a:schemeClr val="tx1"/>
+          </a:fontRef>
+        </p:style>
+        <p:txBody>
+          <a:bodyPr rtlCol="0" anchor="ctr"/>
+          <a:lstStyle/>
+          <a:p>
+            <a:pPr algn="ctr"/>
+            <a:endParaRPr lang="ko-KR" altLang="en-US"/>
+          </a:p>
+        </p:txBody>
+      </p:sp>
+      <p:sp>
+        <p:nvSpPr>
+          <p:cNvPr id="6" name="TextBox 5">
+            <a:extLst>
+              <a:ext uri="{FF2B5EF4-FFF2-40B4-BE49-F238E27FC236}">
+                <a16:creationId xmlns:a16="http://schemas.microsoft.com/office/drawing/2014/main" id="{99A3A4B1-78DD-4F9A-807D-7BC51AFF4B1A}"/>
+              </a:ext>
+            </a:extLst>
+          </p:cNvPr>
+          <p:cNvSpPr txBox="1"/>
+          <p:nvPr/>
+        </p:nvSpPr>
+        <p:spPr>
+          <a:xfrm>
+            <a:off x="182880" y="193040"/>
+            <a:ext cx="1832553" cy="338554"/>
+          </a:xfrm>
+          <a:prstGeom prst="rect">
+            <a:avLst/>
+          </a:prstGeom>
+          <a:noFill/>
+        </p:spPr>
+        <p:txBody>
+          <a:bodyPr wrap="none" rtlCol="0">
+            <a:spAutoFit/>
+          </a:bodyPr>
+          <a:lstStyle/>
+          <a:p>
+            <a:r>
+              <a:rPr lang="ko-KR" altLang="en-US" sz="1600" dirty="0" err="1">
+                <a:solidFill>
+                  <a:schemeClr val="bg1"/>
+                </a:solidFill>
+              </a:rPr>
+              <a:t>새별의</a:t>
+            </a:r>
+            <a:r>
+              <a:rPr lang="ko-KR" altLang="en-US" sz="1600" dirty="0">
+                <a:solidFill>
+                  <a:schemeClr val="bg1"/>
+                </a:solidFill>
+              </a:rPr>
+              <a:t> 파워포인트</a:t>
+            </a:r>
+          </a:p>
+        </p:txBody>
+      </p:sp>
+    </p:spTree>
+    <p:extLst>
+      <p:ext uri="{BB962C8B-B14F-4D97-AF65-F5344CB8AC3E}">
+        <p14:creationId xmlns:p14="http://schemas.microsoft.com/office/powerpoint/2010/main" val="2838248862"/>
+      </p:ext>
+    </p:extLst>
+  </p:cSld>
+  <p:clrMapOvr>
+    <a:masterClrMapping/>
+  </p:clrMapOvr>
+  <mc:AlternateContent xmlns:mc="http://schemas.openxmlformats.org/markup-compatibility/2006">
+    <mc:Choice xmlns:p14="http://schemas.microsoft.com/office/powerpoint/2010/main" Requires="p14">
+      <p:transition spd="med" p14:dur="700">
+        <p:fade/>
+      </p:transition>
+    </mc:Choice>
+    <mc:Fallback>
+      <p:transition spd="med">
+        <p:fade/>
+      </p:transition>
+    </mc:Fallback>
+  </mc:AlternateContent>
+</p:sld>
+</file>
+
+<file path=ppt/slides/slide7.xml><?xml version="1.0" encoding="utf-8"?>
+<p:sld xmlns:a="http://schemas.openxmlformats.org/drawingml/2006/main" xmlns:r="http://schemas.openxmlformats.org/officeDocument/2006/relationships" xmlns:p="http://schemas.openxmlformats.org/presentationml/2006/main">
+  <p:cSld>
+    <p:bg>
+      <p:bgPr>
+        <a:solidFill>
+          <a:schemeClr val="accent2"/>
+        </a:solidFill>
+        <a:effectLst/>
+      </p:bgPr>
+    </p:bg>
+    <p:spTree>
+      <p:nvGrpSpPr>
+        <p:cNvPr id="1" name=""/>
+        <p:cNvGrpSpPr/>
+        <p:nvPr/>
+      </p:nvGrpSpPr>
+      <p:grpSpPr>
+        <a:xfrm>
+          <a:off x="0" y="0"/>
+          <a:ext cx="0" cy="0"/>
+          <a:chOff x="0" y="0"/>
+          <a:chExt cx="0" cy="0"/>
+        </a:xfrm>
+      </p:grpSpPr>
+      <p:sp>
+        <p:nvSpPr>
+          <p:cNvPr id="3" name="TextBox 2">
+            <a:extLst>
+              <a:ext uri="{FF2B5EF4-FFF2-40B4-BE49-F238E27FC236}">
+                <a16:creationId xmlns:a16="http://schemas.microsoft.com/office/drawing/2014/main" id="{91C4265C-0EAD-4FFD-BF99-406D49533C1D}"/>
+              </a:ext>
+            </a:extLst>
+          </p:cNvPr>
+          <p:cNvSpPr txBox="1"/>
+          <p:nvPr/>
+        </p:nvSpPr>
+        <p:spPr>
+          <a:xfrm>
+            <a:off x="3048000" y="3244334"/>
+            <a:ext cx="6096000" cy="369332"/>
+          </a:xfrm>
+          <a:prstGeom prst="rect">
+            <a:avLst/>
+          </a:prstGeom>
+          <a:noFill/>
+        </p:spPr>
+        <p:txBody>
+          <a:bodyPr wrap="square">
+            <a:spAutoFit/>
+          </a:bodyPr>
+          <a:lstStyle/>
+          <a:p>
+            <a:pPr algn="ctr"/>
+            <a:r>
+              <a:rPr lang="en-US" altLang="ko-KR" sz="1800" dirty="0">
+                <a:solidFill>
+                  <a:schemeClr val="bg1"/>
+                </a:solidFill>
+              </a:rPr>
+              <a:t>Winter Dream</a:t>
+            </a:r>
+            <a:endParaRPr lang="ko-KR" altLang="en-US" sz="1800" dirty="0">
+              <a:solidFill>
+                <a:schemeClr val="bg1"/>
+              </a:solidFill>
+            </a:endParaRPr>
+          </a:p>
+        </p:txBody>
+      </p:sp>
+      <p:sp>
+        <p:nvSpPr>
+          <p:cNvPr id="4" name="TextBox 3">
+            <a:extLst>
+              <a:ext uri="{FF2B5EF4-FFF2-40B4-BE49-F238E27FC236}">
+                <a16:creationId xmlns:a16="http://schemas.microsoft.com/office/drawing/2014/main" id="{E251FDC9-B70C-4BC0-8AC7-216B5765985E}"/>
+              </a:ext>
+            </a:extLst>
+          </p:cNvPr>
+          <p:cNvSpPr txBox="1"/>
+          <p:nvPr/>
+        </p:nvSpPr>
+        <p:spPr>
+          <a:xfrm>
+            <a:off x="5122015" y="2824480"/>
+            <a:ext cx="1947969" cy="369332"/>
+          </a:xfrm>
+          <a:prstGeom prst="rect">
+            <a:avLst/>
+          </a:prstGeom>
+          <a:noFill/>
+        </p:spPr>
+        <p:txBody>
+          <a:bodyPr wrap="none" rtlCol="0">
+            <a:spAutoFit/>
+          </a:bodyPr>
+          <a:lstStyle/>
+          <a:p>
+            <a:pPr algn="ctr"/>
+            <a:r>
+              <a:rPr lang="ko-KR" altLang="en-US" dirty="0">
+                <a:solidFill>
+                  <a:schemeClr val="bg1"/>
+                </a:solidFill>
+              </a:rPr>
+              <a:t>성큼 다가온 겨울</a:t>
+            </a:r>
+          </a:p>
+        </p:txBody>
+      </p:sp>
+      <p:sp>
+        <p:nvSpPr>
+          <p:cNvPr id="5" name="양쪽 대괄호 4">
+            <a:extLst>
+              <a:ext uri="{FF2B5EF4-FFF2-40B4-BE49-F238E27FC236}">
+                <a16:creationId xmlns:a16="http://schemas.microsoft.com/office/drawing/2014/main" id="{7B2CAB3D-75D4-47BA-AA00-C925C76EC1D2}"/>
+              </a:ext>
+            </a:extLst>
+          </p:cNvPr>
+          <p:cNvSpPr/>
+          <p:nvPr/>
+        </p:nvSpPr>
+        <p:spPr>
+          <a:xfrm>
+            <a:off x="2153919" y="2009279"/>
+            <a:ext cx="7884160" cy="2369066"/>
+          </a:xfrm>
+          <a:prstGeom prst="bracketPair">
+            <a:avLst>
+              <a:gd name="adj" fmla="val 10867"/>
+            </a:avLst>
+          </a:prstGeom>
+          <a:ln>
+            <a:solidFill>
+              <a:schemeClr val="bg1">
+                <a:lumMod val="95000"/>
+              </a:schemeClr>
+            </a:solidFill>
+          </a:ln>
+        </p:spPr>
+        <p:style>
+          <a:lnRef idx="1">
+            <a:schemeClr val="accent1"/>
+          </a:lnRef>
+          <a:fillRef idx="0">
+            <a:schemeClr val="accent1"/>
+          </a:fillRef>
+          <a:effectRef idx="0">
+            <a:schemeClr val="accent1"/>
+          </a:effectRef>
+          <a:fontRef idx="minor">
+            <a:schemeClr val="tx1"/>
+          </a:fontRef>
+        </p:style>
+        <p:txBody>
+          <a:bodyPr rtlCol="0" anchor="ctr"/>
+          <a:lstStyle/>
+          <a:p>
+            <a:pPr algn="ctr"/>
+            <a:endParaRPr lang="ko-KR" altLang="en-US"/>
+          </a:p>
+        </p:txBody>
+      </p:sp>
+      <p:sp>
+        <p:nvSpPr>
+          <p:cNvPr id="6" name="TextBox 5">
+            <a:extLst>
+              <a:ext uri="{FF2B5EF4-FFF2-40B4-BE49-F238E27FC236}">
+                <a16:creationId xmlns:a16="http://schemas.microsoft.com/office/drawing/2014/main" id="{99A3A4B1-78DD-4F9A-807D-7BC51AFF4B1A}"/>
+              </a:ext>
+            </a:extLst>
+          </p:cNvPr>
+          <p:cNvSpPr txBox="1"/>
+          <p:nvPr/>
+        </p:nvSpPr>
+        <p:spPr>
+          <a:xfrm>
+            <a:off x="182880" y="193040"/>
+            <a:ext cx="1832553" cy="338554"/>
+          </a:xfrm>
+          <a:prstGeom prst="rect">
+            <a:avLst/>
+          </a:prstGeom>
+          <a:noFill/>
+        </p:spPr>
+        <p:txBody>
+          <a:bodyPr wrap="none" rtlCol="0">
+            <a:spAutoFit/>
+          </a:bodyPr>
+          <a:lstStyle/>
+          <a:p>
+            <a:r>
+              <a:rPr lang="ko-KR" altLang="en-US" sz="1600" dirty="0" err="1">
+                <a:solidFill>
+                  <a:schemeClr val="bg1"/>
+                </a:solidFill>
+              </a:rPr>
+              <a:t>새별의</a:t>
+            </a:r>
+            <a:r>
+              <a:rPr lang="ko-KR" altLang="en-US" sz="1600" dirty="0">
+                <a:solidFill>
+                  <a:schemeClr val="bg1"/>
+                </a:solidFill>
+              </a:rPr>
+              <a:t> 파워포인트</a:t>
+            </a:r>
+          </a:p>
+        </p:txBody>
+      </p:sp>
+    </p:spTree>
+    <p:extLst>
+      <p:ext uri="{BB962C8B-B14F-4D97-AF65-F5344CB8AC3E}">
+        <p14:creationId xmlns:p14="http://schemas.microsoft.com/office/powerpoint/2010/main" val="1145354807"/>
+      </p:ext>
+    </p:extLst>
+  </p:cSld>
+  <p:clrMapOvr>
+    <a:masterClrMapping/>
+  </p:clrMapOvr>
+  <mc:AlternateContent xmlns:mc="http://schemas.openxmlformats.org/markup-compatibility/2006">
+    <mc:Choice xmlns:p14="http://schemas.microsoft.com/office/powerpoint/2010/main" Requires="p14">
+      <p:transition spd="med" p14:dur="700">
+        <p:fade/>
+      </p:transition>
+    </mc:Choice>
+    <mc:Fallback>
+      <p:transition spd="med">
+        <p:fade/>
+      </p:transition>
+    </mc:Fallback>
+  </mc:AlternateContent>
+</p:sld>
+</file>
+
+<file path=ppt/slides/slide8.xml><?xml version="1.0" encoding="utf-8"?>
 <p:sld xmlns:a="http://schemas.openxmlformats.org/drawingml/2006/main" xmlns:r="http://schemas.openxmlformats.org/officeDocument/2006/relationships" xmlns:p="http://schemas.openxmlformats.org/presentationml/2006/main">
   <p:cSld>
     <p:bg>
@@ -27492,1363 +32118,7 @@
 </p:sld>
 </file>
 
-<file path=ppt/slides/slide30.xml><?xml version="1.0" encoding="utf-8"?>
-<p:sld xmlns:a="http://schemas.openxmlformats.org/drawingml/2006/main" xmlns:r="http://schemas.openxmlformats.org/officeDocument/2006/relationships" xmlns:p="http://schemas.openxmlformats.org/presentationml/2006/main">
-  <p:cSld>
-    <p:spTree>
-      <p:nvGrpSpPr>
-        <p:cNvPr id="1" name=""/>
-        <p:cNvGrpSpPr/>
-        <p:nvPr/>
-      </p:nvGrpSpPr>
-      <p:grpSpPr>
-        <a:xfrm>
-          <a:off x="0" y="0"/>
-          <a:ext cx="0" cy="0"/>
-          <a:chOff x="0" y="0"/>
-          <a:chExt cx="0" cy="0"/>
-        </a:xfrm>
-      </p:grpSpPr>
-      <p:pic>
-        <p:nvPicPr>
-          <p:cNvPr id="3" name="그림 2" descr="컵, 커피, 테이블, 앉아있는이(가) 표시된 사진&#10;&#10;자동 생성된 설명">
-            <a:extLst>
-              <a:ext uri="{FF2B5EF4-FFF2-40B4-BE49-F238E27FC236}">
-                <a16:creationId xmlns:a16="http://schemas.microsoft.com/office/drawing/2014/main" id="{C9E46430-D944-4058-86A7-C6A87CB56188}"/>
-              </a:ext>
-            </a:extLst>
-          </p:cNvPr>
-          <p:cNvPicPr>
-            <a:picLocks noChangeAspect="1"/>
-          </p:cNvPicPr>
-          <p:nvPr/>
-        </p:nvPicPr>
-        <p:blipFill rotWithShape="1">
-          <a:blip r:embed="rId2" cstate="screen">
-            <a:extLst>
-              <a:ext uri="{28A0092B-C50C-407E-A947-70E740481C1C}">
-                <a14:useLocalDpi xmlns:a14="http://schemas.microsoft.com/office/drawing/2010/main" val="0"/>
-              </a:ext>
-            </a:extLst>
-          </a:blip>
-          <a:srcRect/>
-          <a:stretch/>
-        </p:blipFill>
-        <p:spPr>
-          <a:xfrm>
-            <a:off x="6096000" y="0"/>
-            <a:ext cx="6096000" cy="6858000"/>
-          </a:xfrm>
-          <a:prstGeom prst="rect">
-            <a:avLst/>
-          </a:prstGeom>
-        </p:spPr>
-      </p:pic>
-      <p:sp>
-        <p:nvSpPr>
-          <p:cNvPr id="8" name="TextBox 7">
-            <a:extLst>
-              <a:ext uri="{FF2B5EF4-FFF2-40B4-BE49-F238E27FC236}">
-                <a16:creationId xmlns:a16="http://schemas.microsoft.com/office/drawing/2014/main" id="{49AD39D1-E922-4599-9C41-2A3083FC6ED2}"/>
-              </a:ext>
-            </a:extLst>
-          </p:cNvPr>
-          <p:cNvSpPr txBox="1"/>
-          <p:nvPr/>
-        </p:nvSpPr>
-        <p:spPr>
-          <a:xfrm>
-            <a:off x="528765" y="3583489"/>
-            <a:ext cx="5270520" cy="2144754"/>
-          </a:xfrm>
-          <a:prstGeom prst="rect">
-            <a:avLst/>
-          </a:prstGeom>
-          <a:noFill/>
-        </p:spPr>
-        <p:txBody>
-          <a:bodyPr wrap="square" rtlCol="0" anchor="t">
-            <a:spAutoFit/>
-          </a:bodyPr>
-          <a:lstStyle/>
-          <a:p>
-            <a:pPr algn="just">
-              <a:lnSpc>
-                <a:spcPct val="120000"/>
-              </a:lnSpc>
-            </a:pPr>
-            <a:r>
-              <a:rPr lang="ko-KR" altLang="en-US" sz="1600" spc="-150" dirty="0">
-                <a:latin typeface="+mn-ea"/>
-              </a:rPr>
-              <a:t>그리워 멀리 하나에 이름과</a:t>
-            </a:r>
-            <a:r>
-              <a:rPr lang="en-US" altLang="ko-KR" sz="1600" spc="-150" dirty="0">
-                <a:latin typeface="+mn-ea"/>
-              </a:rPr>
-              <a:t>, </a:t>
-            </a:r>
-            <a:r>
-              <a:rPr lang="ko-KR" altLang="en-US" sz="1600" spc="-150" dirty="0">
-                <a:latin typeface="+mn-ea"/>
-              </a:rPr>
-              <a:t>무엇인지 별에도 어머니 이름자 </a:t>
-            </a:r>
-            <a:r>
-              <a:rPr lang="ko-KR" altLang="en-US" sz="1600" spc="-150" dirty="0" err="1">
-                <a:latin typeface="+mn-ea"/>
-              </a:rPr>
-              <a:t>거외다</a:t>
-            </a:r>
-            <a:r>
-              <a:rPr lang="en-US" altLang="ko-KR" sz="1600" spc="-150" dirty="0">
-                <a:latin typeface="+mn-ea"/>
-              </a:rPr>
-              <a:t>. </a:t>
-            </a:r>
-            <a:r>
-              <a:rPr lang="ko-KR" altLang="en-US" sz="1600" spc="-150" dirty="0">
-                <a:latin typeface="+mn-ea"/>
-              </a:rPr>
-              <a:t>하나에 슬퍼하는 너무나 위에 된 봅니다</a:t>
-            </a:r>
-            <a:r>
-              <a:rPr lang="en-US" altLang="ko-KR" sz="1600" spc="-150" dirty="0">
-                <a:latin typeface="+mn-ea"/>
-              </a:rPr>
-              <a:t>. </a:t>
-            </a:r>
-            <a:r>
-              <a:rPr lang="ko-KR" altLang="en-US" sz="1600" spc="-150" dirty="0">
-                <a:latin typeface="+mn-ea"/>
-              </a:rPr>
-              <a:t>없이 별에도 이름을 나는 풀이 </a:t>
-            </a:r>
-            <a:r>
-              <a:rPr lang="ko-KR" altLang="en-US" sz="1600" spc="-150" dirty="0" err="1">
-                <a:latin typeface="+mn-ea"/>
-              </a:rPr>
-              <a:t>거외다</a:t>
-            </a:r>
-            <a:r>
-              <a:rPr lang="en-US" altLang="ko-KR" sz="1600" spc="-150" dirty="0">
-                <a:latin typeface="+mn-ea"/>
-              </a:rPr>
-              <a:t>. </a:t>
-            </a:r>
-            <a:r>
-              <a:rPr lang="ko-KR" altLang="en-US" sz="1600" spc="-150" dirty="0">
-                <a:latin typeface="+mn-ea"/>
-              </a:rPr>
-              <a:t>부끄러운 시와 계절이 봅니다</a:t>
-            </a:r>
-            <a:r>
-              <a:rPr lang="en-US" altLang="ko-KR" sz="1600" spc="-150" dirty="0">
-                <a:latin typeface="+mn-ea"/>
-              </a:rPr>
-              <a:t>. </a:t>
-            </a:r>
-            <a:r>
-              <a:rPr lang="ko-KR" altLang="en-US" sz="1600" spc="-150" dirty="0">
-                <a:latin typeface="+mn-ea"/>
-              </a:rPr>
-              <a:t>나의 묻힌 속의 이웃 하나의 사랑과 </a:t>
-            </a:r>
-            <a:r>
-              <a:rPr lang="ko-KR" altLang="en-US" sz="1600" spc="-150" dirty="0" err="1">
-                <a:latin typeface="+mn-ea"/>
-              </a:rPr>
-              <a:t>거외다</a:t>
-            </a:r>
-            <a:r>
-              <a:rPr lang="en-US" altLang="ko-KR" sz="1600" spc="-150" dirty="0">
-                <a:latin typeface="+mn-ea"/>
-              </a:rPr>
-              <a:t>. </a:t>
-            </a:r>
-            <a:r>
-              <a:rPr lang="ko-KR" altLang="en-US" sz="1600" spc="-150" dirty="0">
-                <a:latin typeface="+mn-ea"/>
-              </a:rPr>
-              <a:t>하나에 위에 강아지</a:t>
-            </a:r>
-            <a:r>
-              <a:rPr lang="en-US" altLang="ko-KR" sz="1600" spc="-150" dirty="0">
-                <a:latin typeface="+mn-ea"/>
-              </a:rPr>
-              <a:t>, </a:t>
-            </a:r>
-            <a:r>
-              <a:rPr lang="ko-KR" altLang="en-US" sz="1600" spc="-150" dirty="0">
-                <a:latin typeface="+mn-ea"/>
-              </a:rPr>
-              <a:t>봅니다</a:t>
-            </a:r>
-            <a:r>
-              <a:rPr lang="en-US" altLang="ko-KR" sz="1600" spc="-150" dirty="0">
-                <a:latin typeface="+mn-ea"/>
-              </a:rPr>
-              <a:t>. </a:t>
-            </a:r>
-            <a:r>
-              <a:rPr lang="ko-KR" altLang="en-US" sz="1600" spc="-150" dirty="0">
-                <a:latin typeface="+mn-ea"/>
-              </a:rPr>
-              <a:t>새겨지는 별 불러 어머니</a:t>
-            </a:r>
-            <a:r>
-              <a:rPr lang="en-US" altLang="ko-KR" sz="1600" spc="-150" dirty="0">
-                <a:latin typeface="+mn-ea"/>
-              </a:rPr>
-              <a:t>, </a:t>
-            </a:r>
-            <a:r>
-              <a:rPr lang="ko-KR" altLang="en-US" sz="1600" spc="-150" dirty="0">
-                <a:latin typeface="+mn-ea"/>
-              </a:rPr>
-              <a:t>이제 것은 별들을 </a:t>
-            </a:r>
-            <a:r>
-              <a:rPr lang="ko-KR" altLang="en-US" sz="1600" spc="-150" dirty="0" err="1">
-                <a:latin typeface="+mn-ea"/>
-              </a:rPr>
-              <a:t>거외다</a:t>
-            </a:r>
-            <a:r>
-              <a:rPr lang="en-US" altLang="ko-KR" sz="1600" spc="-150" dirty="0">
-                <a:latin typeface="+mn-ea"/>
-              </a:rPr>
-              <a:t>. </a:t>
-            </a:r>
-            <a:r>
-              <a:rPr lang="ko-KR" altLang="en-US" sz="1600" spc="-150" dirty="0">
-                <a:latin typeface="+mn-ea"/>
-              </a:rPr>
-              <a:t>된 슬퍼하는 못 별 시인의 사랑과 있습니다</a:t>
-            </a:r>
-            <a:r>
-              <a:rPr lang="en-US" altLang="ko-KR" sz="1600" spc="-150" dirty="0">
-                <a:latin typeface="+mn-ea"/>
-              </a:rPr>
-              <a:t>. </a:t>
-            </a:r>
-            <a:r>
-              <a:rPr lang="ko-KR" altLang="en-US" sz="1600" spc="-150" dirty="0">
-                <a:latin typeface="+mn-ea"/>
-              </a:rPr>
-              <a:t>멀리 그러나 이런 겨울이 봅니다</a:t>
-            </a:r>
-            <a:r>
-              <a:rPr lang="en-US" altLang="ko-KR" sz="1600" spc="-150" dirty="0">
-                <a:latin typeface="+mn-ea"/>
-              </a:rPr>
-              <a:t>. </a:t>
-            </a:r>
-            <a:r>
-              <a:rPr lang="ko-KR" altLang="en-US" sz="1600" spc="-150" dirty="0">
-                <a:latin typeface="+mn-ea"/>
-              </a:rPr>
-              <a:t>하나에 풀이 별 </a:t>
-            </a:r>
-            <a:r>
-              <a:rPr lang="ko-KR" altLang="en-US" sz="1600" spc="-150" dirty="0" err="1">
-                <a:latin typeface="+mn-ea"/>
-              </a:rPr>
-              <a:t>라이너</a:t>
-            </a:r>
-            <a:r>
-              <a:rPr lang="ko-KR" altLang="en-US" sz="1600" spc="-150" dirty="0">
-                <a:latin typeface="+mn-ea"/>
-              </a:rPr>
-              <a:t> 쓸쓸함과 버리었습니다</a:t>
-            </a:r>
-            <a:r>
-              <a:rPr lang="en-US" altLang="ko-KR" sz="1600" spc="-150" dirty="0">
-                <a:latin typeface="+mn-ea"/>
-              </a:rPr>
-              <a:t>. </a:t>
-            </a:r>
-            <a:endParaRPr lang="ko-KR" altLang="en-US" sz="1600" spc="-150" dirty="0">
-              <a:latin typeface="+mn-ea"/>
-            </a:endParaRPr>
-          </a:p>
-        </p:txBody>
-      </p:sp>
-      <p:sp>
-        <p:nvSpPr>
-          <p:cNvPr id="9" name="TextBox 8">
-            <a:extLst>
-              <a:ext uri="{FF2B5EF4-FFF2-40B4-BE49-F238E27FC236}">
-                <a16:creationId xmlns:a16="http://schemas.microsoft.com/office/drawing/2014/main" id="{A2C8F0F1-3834-43F9-9EAF-BB8A854E7598}"/>
-              </a:ext>
-            </a:extLst>
-          </p:cNvPr>
-          <p:cNvSpPr txBox="1"/>
-          <p:nvPr/>
-        </p:nvSpPr>
-        <p:spPr>
-          <a:xfrm>
-            <a:off x="528765" y="2705686"/>
-            <a:ext cx="3493264" cy="584775"/>
-          </a:xfrm>
-          <a:prstGeom prst="rect">
-            <a:avLst/>
-          </a:prstGeom>
-          <a:noFill/>
-        </p:spPr>
-        <p:txBody>
-          <a:bodyPr wrap="none" rtlCol="0">
-            <a:spAutoFit/>
-          </a:bodyPr>
-          <a:lstStyle/>
-          <a:p>
-            <a:r>
-              <a:rPr lang="ko-KR" altLang="en-US" sz="3200" spc="-300" dirty="0">
-                <a:solidFill>
-                  <a:schemeClr val="tx1">
-                    <a:lumMod val="75000"/>
-                    <a:lumOff val="25000"/>
-                  </a:schemeClr>
-                </a:solidFill>
-                <a:latin typeface="+mj-ea"/>
-                <a:ea typeface="+mj-ea"/>
-              </a:rPr>
-              <a:t>소제목을 입력하세요</a:t>
-            </a:r>
-          </a:p>
-        </p:txBody>
-      </p:sp>
-      <p:cxnSp>
-        <p:nvCxnSpPr>
-          <p:cNvPr id="10" name="직선 연결선 9">
-            <a:extLst>
-              <a:ext uri="{FF2B5EF4-FFF2-40B4-BE49-F238E27FC236}">
-                <a16:creationId xmlns:a16="http://schemas.microsoft.com/office/drawing/2014/main" id="{B3A012AF-266B-4F98-B1BF-51E34CE46F69}"/>
-              </a:ext>
-            </a:extLst>
-          </p:cNvPr>
-          <p:cNvCxnSpPr>
-            <a:cxnSpLocks/>
-          </p:cNvCxnSpPr>
-          <p:nvPr/>
-        </p:nvCxnSpPr>
-        <p:spPr>
-          <a:xfrm>
-            <a:off x="528765" y="3421020"/>
-            <a:ext cx="5191551" cy="0"/>
-          </a:xfrm>
-          <a:prstGeom prst="line">
-            <a:avLst/>
-          </a:prstGeom>
-          <a:ln>
-            <a:solidFill>
-              <a:schemeClr val="tx1"/>
-            </a:solidFill>
-          </a:ln>
-        </p:spPr>
-        <p:style>
-          <a:lnRef idx="1">
-            <a:schemeClr val="accent1"/>
-          </a:lnRef>
-          <a:fillRef idx="0">
-            <a:schemeClr val="accent1"/>
-          </a:fillRef>
-          <a:effectRef idx="0">
-            <a:schemeClr val="accent1"/>
-          </a:effectRef>
-          <a:fontRef idx="minor">
-            <a:schemeClr val="tx1"/>
-          </a:fontRef>
-        </p:style>
-      </p:cxnSp>
-    </p:spTree>
-    <p:extLst>
-      <p:ext uri="{BB962C8B-B14F-4D97-AF65-F5344CB8AC3E}">
-        <p14:creationId xmlns:p14="http://schemas.microsoft.com/office/powerpoint/2010/main" val="1735041406"/>
-      </p:ext>
-    </p:extLst>
-  </p:cSld>
-  <p:clrMapOvr>
-    <a:masterClrMapping/>
-  </p:clrMapOvr>
-  <mc:AlternateContent xmlns:mc="http://schemas.openxmlformats.org/markup-compatibility/2006" xmlns:p14="http://schemas.microsoft.com/office/powerpoint/2010/main">
-    <mc:Choice Requires="p14">
-      <p:transition spd="med" p14:dur="700">
-        <p:fade/>
-      </p:transition>
-    </mc:Choice>
-    <mc:Fallback xmlns="">
-      <p:transition spd="med">
-        <p:fade/>
-      </p:transition>
-    </mc:Fallback>
-  </mc:AlternateContent>
-</p:sld>
-</file>
-
-<file path=ppt/slides/slide31.xml><?xml version="1.0" encoding="utf-8"?>
-<p:sld xmlns:a="http://schemas.openxmlformats.org/drawingml/2006/main" xmlns:r="http://schemas.openxmlformats.org/officeDocument/2006/relationships" xmlns:p="http://schemas.openxmlformats.org/presentationml/2006/main">
-  <p:cSld>
-    <p:spTree>
-      <p:nvGrpSpPr>
-        <p:cNvPr id="1" name=""/>
-        <p:cNvGrpSpPr/>
-        <p:nvPr/>
-      </p:nvGrpSpPr>
-      <p:grpSpPr>
-        <a:xfrm>
-          <a:off x="0" y="0"/>
-          <a:ext cx="0" cy="0"/>
-          <a:chOff x="0" y="0"/>
-          <a:chExt cx="0" cy="0"/>
-        </a:xfrm>
-      </p:grpSpPr>
-      <p:pic>
-        <p:nvPicPr>
-          <p:cNvPr id="3" name="그림 2" descr="실내, 테이블, 앉아있는, 와인이(가) 표시된 사진&#10;&#10;자동 생성된 설명">
-            <a:extLst>
-              <a:ext uri="{FF2B5EF4-FFF2-40B4-BE49-F238E27FC236}">
-                <a16:creationId xmlns:a16="http://schemas.microsoft.com/office/drawing/2014/main" id="{D518911D-6752-4A8F-B9C7-243ABA168AEF}"/>
-              </a:ext>
-            </a:extLst>
-          </p:cNvPr>
-          <p:cNvPicPr>
-            <a:picLocks noChangeAspect="1"/>
-          </p:cNvPicPr>
-          <p:nvPr/>
-        </p:nvPicPr>
-        <p:blipFill rotWithShape="1">
-          <a:blip r:embed="rId2" cstate="screen">
-            <a:extLst>
-              <a:ext uri="{28A0092B-C50C-407E-A947-70E740481C1C}">
-                <a14:useLocalDpi xmlns:a14="http://schemas.microsoft.com/office/drawing/2010/main" val="0"/>
-              </a:ext>
-            </a:extLst>
-          </a:blip>
-          <a:srcRect/>
-          <a:stretch/>
-        </p:blipFill>
-        <p:spPr>
-          <a:xfrm>
-            <a:off x="0" y="0"/>
-            <a:ext cx="6096000" cy="6858000"/>
-          </a:xfrm>
-          <a:prstGeom prst="rect">
-            <a:avLst/>
-          </a:prstGeom>
-        </p:spPr>
-      </p:pic>
-      <p:sp>
-        <p:nvSpPr>
-          <p:cNvPr id="4" name="TextBox 3">
-            <a:extLst>
-              <a:ext uri="{FF2B5EF4-FFF2-40B4-BE49-F238E27FC236}">
-                <a16:creationId xmlns:a16="http://schemas.microsoft.com/office/drawing/2014/main" id="{743C096D-564A-4430-BDD5-9A7467FF261F}"/>
-              </a:ext>
-            </a:extLst>
-          </p:cNvPr>
-          <p:cNvSpPr txBox="1"/>
-          <p:nvPr/>
-        </p:nvSpPr>
-        <p:spPr>
-          <a:xfrm>
-            <a:off x="6514895" y="3583489"/>
-            <a:ext cx="5270520" cy="2144754"/>
-          </a:xfrm>
-          <a:prstGeom prst="rect">
-            <a:avLst/>
-          </a:prstGeom>
-          <a:noFill/>
-        </p:spPr>
-        <p:txBody>
-          <a:bodyPr wrap="square" rtlCol="0" anchor="t">
-            <a:spAutoFit/>
-          </a:bodyPr>
-          <a:lstStyle/>
-          <a:p>
-            <a:pPr algn="just">
-              <a:lnSpc>
-                <a:spcPct val="120000"/>
-              </a:lnSpc>
-            </a:pPr>
-            <a:r>
-              <a:rPr lang="ko-KR" altLang="en-US" sz="1600" spc="-150" dirty="0">
-                <a:latin typeface="+mn-ea"/>
-              </a:rPr>
-              <a:t>그리워 멀리 하나에 이름과</a:t>
-            </a:r>
-            <a:r>
-              <a:rPr lang="en-US" altLang="ko-KR" sz="1600" spc="-150" dirty="0">
-                <a:latin typeface="+mn-ea"/>
-              </a:rPr>
-              <a:t>, </a:t>
-            </a:r>
-            <a:r>
-              <a:rPr lang="ko-KR" altLang="en-US" sz="1600" spc="-150" dirty="0">
-                <a:latin typeface="+mn-ea"/>
-              </a:rPr>
-              <a:t>무엇인지 별에도 어머니 이름자 </a:t>
-            </a:r>
-            <a:r>
-              <a:rPr lang="ko-KR" altLang="en-US" sz="1600" spc="-150" dirty="0" err="1">
-                <a:latin typeface="+mn-ea"/>
-              </a:rPr>
-              <a:t>거외다</a:t>
-            </a:r>
-            <a:r>
-              <a:rPr lang="en-US" altLang="ko-KR" sz="1600" spc="-150" dirty="0">
-                <a:latin typeface="+mn-ea"/>
-              </a:rPr>
-              <a:t>. </a:t>
-            </a:r>
-            <a:r>
-              <a:rPr lang="ko-KR" altLang="en-US" sz="1600" spc="-150" dirty="0">
-                <a:latin typeface="+mn-ea"/>
-              </a:rPr>
-              <a:t>하나에 슬퍼하는 너무나 위에 된 봅니다</a:t>
-            </a:r>
-            <a:r>
-              <a:rPr lang="en-US" altLang="ko-KR" sz="1600" spc="-150" dirty="0">
-                <a:latin typeface="+mn-ea"/>
-              </a:rPr>
-              <a:t>. </a:t>
-            </a:r>
-            <a:r>
-              <a:rPr lang="ko-KR" altLang="en-US" sz="1600" spc="-150" dirty="0">
-                <a:latin typeface="+mn-ea"/>
-              </a:rPr>
-              <a:t>없이 별에도 이름을 나는 풀이 </a:t>
-            </a:r>
-            <a:r>
-              <a:rPr lang="ko-KR" altLang="en-US" sz="1600" spc="-150" dirty="0" err="1">
-                <a:latin typeface="+mn-ea"/>
-              </a:rPr>
-              <a:t>거외다</a:t>
-            </a:r>
-            <a:r>
-              <a:rPr lang="en-US" altLang="ko-KR" sz="1600" spc="-150" dirty="0">
-                <a:latin typeface="+mn-ea"/>
-              </a:rPr>
-              <a:t>. </a:t>
-            </a:r>
-            <a:r>
-              <a:rPr lang="ko-KR" altLang="en-US" sz="1600" spc="-150" dirty="0">
-                <a:latin typeface="+mn-ea"/>
-              </a:rPr>
-              <a:t>부끄러운 시와 계절이 봅니다</a:t>
-            </a:r>
-            <a:r>
-              <a:rPr lang="en-US" altLang="ko-KR" sz="1600" spc="-150" dirty="0">
-                <a:latin typeface="+mn-ea"/>
-              </a:rPr>
-              <a:t>. </a:t>
-            </a:r>
-            <a:r>
-              <a:rPr lang="ko-KR" altLang="en-US" sz="1600" spc="-150" dirty="0">
-                <a:latin typeface="+mn-ea"/>
-              </a:rPr>
-              <a:t>나의 묻힌 속의 이웃 하나의 사랑과 </a:t>
-            </a:r>
-            <a:r>
-              <a:rPr lang="ko-KR" altLang="en-US" sz="1600" spc="-150" dirty="0" err="1">
-                <a:latin typeface="+mn-ea"/>
-              </a:rPr>
-              <a:t>거외다</a:t>
-            </a:r>
-            <a:r>
-              <a:rPr lang="en-US" altLang="ko-KR" sz="1600" spc="-150" dirty="0">
-                <a:latin typeface="+mn-ea"/>
-              </a:rPr>
-              <a:t>. </a:t>
-            </a:r>
-            <a:r>
-              <a:rPr lang="ko-KR" altLang="en-US" sz="1600" spc="-150" dirty="0">
-                <a:latin typeface="+mn-ea"/>
-              </a:rPr>
-              <a:t>하나에 위에 강아지</a:t>
-            </a:r>
-            <a:r>
-              <a:rPr lang="en-US" altLang="ko-KR" sz="1600" spc="-150" dirty="0">
-                <a:latin typeface="+mn-ea"/>
-              </a:rPr>
-              <a:t>, </a:t>
-            </a:r>
-            <a:r>
-              <a:rPr lang="ko-KR" altLang="en-US" sz="1600" spc="-150" dirty="0">
-                <a:latin typeface="+mn-ea"/>
-              </a:rPr>
-              <a:t>봅니다</a:t>
-            </a:r>
-            <a:r>
-              <a:rPr lang="en-US" altLang="ko-KR" sz="1600" spc="-150" dirty="0">
-                <a:latin typeface="+mn-ea"/>
-              </a:rPr>
-              <a:t>. </a:t>
-            </a:r>
-            <a:r>
-              <a:rPr lang="ko-KR" altLang="en-US" sz="1600" spc="-150" dirty="0">
-                <a:latin typeface="+mn-ea"/>
-              </a:rPr>
-              <a:t>새겨지는 별 불러 어머니</a:t>
-            </a:r>
-            <a:r>
-              <a:rPr lang="en-US" altLang="ko-KR" sz="1600" spc="-150" dirty="0">
-                <a:latin typeface="+mn-ea"/>
-              </a:rPr>
-              <a:t>, </a:t>
-            </a:r>
-            <a:r>
-              <a:rPr lang="ko-KR" altLang="en-US" sz="1600" spc="-150" dirty="0">
-                <a:latin typeface="+mn-ea"/>
-              </a:rPr>
-              <a:t>이제 것은 별들을 </a:t>
-            </a:r>
-            <a:r>
-              <a:rPr lang="ko-KR" altLang="en-US" sz="1600" spc="-150" dirty="0" err="1">
-                <a:latin typeface="+mn-ea"/>
-              </a:rPr>
-              <a:t>거외다</a:t>
-            </a:r>
-            <a:r>
-              <a:rPr lang="en-US" altLang="ko-KR" sz="1600" spc="-150" dirty="0">
-                <a:latin typeface="+mn-ea"/>
-              </a:rPr>
-              <a:t>. </a:t>
-            </a:r>
-            <a:r>
-              <a:rPr lang="ko-KR" altLang="en-US" sz="1600" spc="-150" dirty="0">
-                <a:latin typeface="+mn-ea"/>
-              </a:rPr>
-              <a:t>된 슬퍼하는 못 별 시인의 사랑과 있습니다</a:t>
-            </a:r>
-            <a:r>
-              <a:rPr lang="en-US" altLang="ko-KR" sz="1600" spc="-150" dirty="0">
-                <a:latin typeface="+mn-ea"/>
-              </a:rPr>
-              <a:t>. </a:t>
-            </a:r>
-            <a:r>
-              <a:rPr lang="ko-KR" altLang="en-US" sz="1600" spc="-150" dirty="0">
-                <a:latin typeface="+mn-ea"/>
-              </a:rPr>
-              <a:t>멀리 그러나 이런 겨울이 봅니다</a:t>
-            </a:r>
-            <a:r>
-              <a:rPr lang="en-US" altLang="ko-KR" sz="1600" spc="-150" dirty="0">
-                <a:latin typeface="+mn-ea"/>
-              </a:rPr>
-              <a:t>. </a:t>
-            </a:r>
-            <a:r>
-              <a:rPr lang="ko-KR" altLang="en-US" sz="1600" spc="-150" dirty="0">
-                <a:latin typeface="+mn-ea"/>
-              </a:rPr>
-              <a:t>하나에 풀이 별 </a:t>
-            </a:r>
-            <a:r>
-              <a:rPr lang="ko-KR" altLang="en-US" sz="1600" spc="-150" dirty="0" err="1">
-                <a:latin typeface="+mn-ea"/>
-              </a:rPr>
-              <a:t>라이너</a:t>
-            </a:r>
-            <a:r>
-              <a:rPr lang="ko-KR" altLang="en-US" sz="1600" spc="-150" dirty="0">
-                <a:latin typeface="+mn-ea"/>
-              </a:rPr>
-              <a:t> 쓸쓸함과 버리었습니다</a:t>
-            </a:r>
-            <a:r>
-              <a:rPr lang="en-US" altLang="ko-KR" sz="1600" spc="-150" dirty="0">
-                <a:latin typeface="+mn-ea"/>
-              </a:rPr>
-              <a:t>. </a:t>
-            </a:r>
-            <a:endParaRPr lang="ko-KR" altLang="en-US" sz="1600" spc="-150" dirty="0">
-              <a:latin typeface="+mn-ea"/>
-            </a:endParaRPr>
-          </a:p>
-        </p:txBody>
-      </p:sp>
-      <p:sp>
-        <p:nvSpPr>
-          <p:cNvPr id="5" name="TextBox 4">
-            <a:extLst>
-              <a:ext uri="{FF2B5EF4-FFF2-40B4-BE49-F238E27FC236}">
-                <a16:creationId xmlns:a16="http://schemas.microsoft.com/office/drawing/2014/main" id="{FD0E91BA-22DB-486F-8265-265EC65310B6}"/>
-              </a:ext>
-            </a:extLst>
-          </p:cNvPr>
-          <p:cNvSpPr txBox="1"/>
-          <p:nvPr/>
-        </p:nvSpPr>
-        <p:spPr>
-          <a:xfrm>
-            <a:off x="6514895" y="2705686"/>
-            <a:ext cx="3493264" cy="584775"/>
-          </a:xfrm>
-          <a:prstGeom prst="rect">
-            <a:avLst/>
-          </a:prstGeom>
-          <a:noFill/>
-        </p:spPr>
-        <p:txBody>
-          <a:bodyPr wrap="none" rtlCol="0">
-            <a:spAutoFit/>
-          </a:bodyPr>
-          <a:lstStyle/>
-          <a:p>
-            <a:r>
-              <a:rPr lang="ko-KR" altLang="en-US" sz="3200" spc="-300" dirty="0">
-                <a:solidFill>
-                  <a:schemeClr val="tx1">
-                    <a:lumMod val="75000"/>
-                    <a:lumOff val="25000"/>
-                  </a:schemeClr>
-                </a:solidFill>
-                <a:latin typeface="+mj-ea"/>
-                <a:ea typeface="+mj-ea"/>
-              </a:rPr>
-              <a:t>소제목을 입력하세요</a:t>
-            </a:r>
-          </a:p>
-        </p:txBody>
-      </p:sp>
-      <p:cxnSp>
-        <p:nvCxnSpPr>
-          <p:cNvPr id="6" name="직선 연결선 5">
-            <a:extLst>
-              <a:ext uri="{FF2B5EF4-FFF2-40B4-BE49-F238E27FC236}">
-                <a16:creationId xmlns:a16="http://schemas.microsoft.com/office/drawing/2014/main" id="{2323070E-2B31-45C3-B3CD-41AE694A1063}"/>
-              </a:ext>
-            </a:extLst>
-          </p:cNvPr>
-          <p:cNvCxnSpPr>
-            <a:cxnSpLocks/>
-          </p:cNvCxnSpPr>
-          <p:nvPr/>
-        </p:nvCxnSpPr>
-        <p:spPr>
-          <a:xfrm>
-            <a:off x="6514895" y="3421020"/>
-            <a:ext cx="5191551" cy="0"/>
-          </a:xfrm>
-          <a:prstGeom prst="line">
-            <a:avLst/>
-          </a:prstGeom>
-          <a:ln>
-            <a:solidFill>
-              <a:schemeClr val="tx1"/>
-            </a:solidFill>
-          </a:ln>
-        </p:spPr>
-        <p:style>
-          <a:lnRef idx="1">
-            <a:schemeClr val="accent1"/>
-          </a:lnRef>
-          <a:fillRef idx="0">
-            <a:schemeClr val="accent1"/>
-          </a:fillRef>
-          <a:effectRef idx="0">
-            <a:schemeClr val="accent1"/>
-          </a:effectRef>
-          <a:fontRef idx="minor">
-            <a:schemeClr val="tx1"/>
-          </a:fontRef>
-        </p:style>
-      </p:cxnSp>
-    </p:spTree>
-    <p:extLst>
-      <p:ext uri="{BB962C8B-B14F-4D97-AF65-F5344CB8AC3E}">
-        <p14:creationId xmlns:p14="http://schemas.microsoft.com/office/powerpoint/2010/main" val="1913110572"/>
-      </p:ext>
-    </p:extLst>
-  </p:cSld>
-  <p:clrMapOvr>
-    <a:masterClrMapping/>
-  </p:clrMapOvr>
-  <mc:AlternateContent xmlns:mc="http://schemas.openxmlformats.org/markup-compatibility/2006" xmlns:p14="http://schemas.microsoft.com/office/powerpoint/2010/main">
-    <mc:Choice Requires="p14">
-      <p:transition spd="med" p14:dur="700">
-        <p:fade/>
-      </p:transition>
-    </mc:Choice>
-    <mc:Fallback xmlns="">
-      <p:transition spd="med">
-        <p:fade/>
-      </p:transition>
-    </mc:Fallback>
-  </mc:AlternateContent>
-</p:sld>
-</file>
-
-<file path=ppt/slides/slide32.xml><?xml version="1.0" encoding="utf-8"?>
-<p:sld xmlns:a="http://schemas.openxmlformats.org/drawingml/2006/main" xmlns:r="http://schemas.openxmlformats.org/officeDocument/2006/relationships" xmlns:p="http://schemas.openxmlformats.org/presentationml/2006/main">
-  <p:cSld>
-    <p:spTree>
-      <p:nvGrpSpPr>
-        <p:cNvPr id="1" name=""/>
-        <p:cNvGrpSpPr/>
-        <p:nvPr/>
-      </p:nvGrpSpPr>
-      <p:grpSpPr>
-        <a:xfrm>
-          <a:off x="0" y="0"/>
-          <a:ext cx="0" cy="0"/>
-          <a:chOff x="0" y="0"/>
-          <a:chExt cx="0" cy="0"/>
-        </a:xfrm>
-      </p:grpSpPr>
-      <p:pic>
-        <p:nvPicPr>
-          <p:cNvPr id="3" name="그림 2" descr="실외, 기차, 트랙, 건물이(가) 표시된 사진&#10;&#10;자동 생성된 설명">
-            <a:extLst>
-              <a:ext uri="{FF2B5EF4-FFF2-40B4-BE49-F238E27FC236}">
-                <a16:creationId xmlns:a16="http://schemas.microsoft.com/office/drawing/2014/main" id="{8CD409FB-2257-453E-B6C3-2178E1776929}"/>
-              </a:ext>
-            </a:extLst>
-          </p:cNvPr>
-          <p:cNvPicPr>
-            <a:picLocks noChangeAspect="1"/>
-          </p:cNvPicPr>
-          <p:nvPr/>
-        </p:nvPicPr>
-        <p:blipFill rotWithShape="1">
-          <a:blip r:embed="rId2" cstate="screen">
-            <a:extLst>
-              <a:ext uri="{28A0092B-C50C-407E-A947-70E740481C1C}">
-                <a14:useLocalDpi xmlns:a14="http://schemas.microsoft.com/office/drawing/2010/main" val="0"/>
-              </a:ext>
-            </a:extLst>
-          </a:blip>
-          <a:srcRect/>
-          <a:stretch/>
-        </p:blipFill>
-        <p:spPr>
-          <a:xfrm>
-            <a:off x="6096000" y="0"/>
-            <a:ext cx="6096000" cy="6858000"/>
-          </a:xfrm>
-          <a:prstGeom prst="rect">
-            <a:avLst/>
-          </a:prstGeom>
-        </p:spPr>
-      </p:pic>
-      <p:sp>
-        <p:nvSpPr>
-          <p:cNvPr id="8" name="TextBox 7">
-            <a:extLst>
-              <a:ext uri="{FF2B5EF4-FFF2-40B4-BE49-F238E27FC236}">
-                <a16:creationId xmlns:a16="http://schemas.microsoft.com/office/drawing/2014/main" id="{FD0ACFEB-2299-478B-951A-006725EED731}"/>
-              </a:ext>
-            </a:extLst>
-          </p:cNvPr>
-          <p:cNvSpPr txBox="1"/>
-          <p:nvPr/>
-        </p:nvSpPr>
-        <p:spPr>
-          <a:xfrm>
-            <a:off x="528765" y="3583489"/>
-            <a:ext cx="5270520" cy="2144754"/>
-          </a:xfrm>
-          <a:prstGeom prst="rect">
-            <a:avLst/>
-          </a:prstGeom>
-          <a:noFill/>
-        </p:spPr>
-        <p:txBody>
-          <a:bodyPr wrap="square" rtlCol="0" anchor="t">
-            <a:spAutoFit/>
-          </a:bodyPr>
-          <a:lstStyle/>
-          <a:p>
-            <a:pPr algn="just">
-              <a:lnSpc>
-                <a:spcPct val="120000"/>
-              </a:lnSpc>
-            </a:pPr>
-            <a:r>
-              <a:rPr lang="ko-KR" altLang="en-US" sz="1600" spc="-150" dirty="0">
-                <a:latin typeface="+mn-ea"/>
-              </a:rPr>
-              <a:t>그리워 멀리 하나에 이름과</a:t>
-            </a:r>
-            <a:r>
-              <a:rPr lang="en-US" altLang="ko-KR" sz="1600" spc="-150" dirty="0">
-                <a:latin typeface="+mn-ea"/>
-              </a:rPr>
-              <a:t>, </a:t>
-            </a:r>
-            <a:r>
-              <a:rPr lang="ko-KR" altLang="en-US" sz="1600" spc="-150" dirty="0">
-                <a:latin typeface="+mn-ea"/>
-              </a:rPr>
-              <a:t>무엇인지 별에도 어머니 이름자 </a:t>
-            </a:r>
-            <a:r>
-              <a:rPr lang="ko-KR" altLang="en-US" sz="1600" spc="-150" dirty="0" err="1">
-                <a:latin typeface="+mn-ea"/>
-              </a:rPr>
-              <a:t>거외다</a:t>
-            </a:r>
-            <a:r>
-              <a:rPr lang="en-US" altLang="ko-KR" sz="1600" spc="-150" dirty="0">
-                <a:latin typeface="+mn-ea"/>
-              </a:rPr>
-              <a:t>. </a:t>
-            </a:r>
-            <a:r>
-              <a:rPr lang="ko-KR" altLang="en-US" sz="1600" spc="-150" dirty="0">
-                <a:latin typeface="+mn-ea"/>
-              </a:rPr>
-              <a:t>하나에 슬퍼하는 너무나 위에 된 봅니다</a:t>
-            </a:r>
-            <a:r>
-              <a:rPr lang="en-US" altLang="ko-KR" sz="1600" spc="-150" dirty="0">
-                <a:latin typeface="+mn-ea"/>
-              </a:rPr>
-              <a:t>. </a:t>
-            </a:r>
-            <a:r>
-              <a:rPr lang="ko-KR" altLang="en-US" sz="1600" spc="-150" dirty="0">
-                <a:latin typeface="+mn-ea"/>
-              </a:rPr>
-              <a:t>없이 별에도 이름을 나는 풀이 </a:t>
-            </a:r>
-            <a:r>
-              <a:rPr lang="ko-KR" altLang="en-US" sz="1600" spc="-150" dirty="0" err="1">
-                <a:latin typeface="+mn-ea"/>
-              </a:rPr>
-              <a:t>거외다</a:t>
-            </a:r>
-            <a:r>
-              <a:rPr lang="en-US" altLang="ko-KR" sz="1600" spc="-150" dirty="0">
-                <a:latin typeface="+mn-ea"/>
-              </a:rPr>
-              <a:t>. </a:t>
-            </a:r>
-            <a:r>
-              <a:rPr lang="ko-KR" altLang="en-US" sz="1600" spc="-150" dirty="0">
-                <a:latin typeface="+mn-ea"/>
-              </a:rPr>
-              <a:t>부끄러운 시와 계절이 봅니다</a:t>
-            </a:r>
-            <a:r>
-              <a:rPr lang="en-US" altLang="ko-KR" sz="1600" spc="-150" dirty="0">
-                <a:latin typeface="+mn-ea"/>
-              </a:rPr>
-              <a:t>. </a:t>
-            </a:r>
-            <a:r>
-              <a:rPr lang="ko-KR" altLang="en-US" sz="1600" spc="-150" dirty="0">
-                <a:latin typeface="+mn-ea"/>
-              </a:rPr>
-              <a:t>나의 묻힌 속의 이웃 하나의 사랑과 </a:t>
-            </a:r>
-            <a:r>
-              <a:rPr lang="ko-KR" altLang="en-US" sz="1600" spc="-150" dirty="0" err="1">
-                <a:latin typeface="+mn-ea"/>
-              </a:rPr>
-              <a:t>거외다</a:t>
-            </a:r>
-            <a:r>
-              <a:rPr lang="en-US" altLang="ko-KR" sz="1600" spc="-150" dirty="0">
-                <a:latin typeface="+mn-ea"/>
-              </a:rPr>
-              <a:t>. </a:t>
-            </a:r>
-            <a:r>
-              <a:rPr lang="ko-KR" altLang="en-US" sz="1600" spc="-150" dirty="0">
-                <a:latin typeface="+mn-ea"/>
-              </a:rPr>
-              <a:t>하나에 위에 강아지</a:t>
-            </a:r>
-            <a:r>
-              <a:rPr lang="en-US" altLang="ko-KR" sz="1600" spc="-150" dirty="0">
-                <a:latin typeface="+mn-ea"/>
-              </a:rPr>
-              <a:t>, </a:t>
-            </a:r>
-            <a:r>
-              <a:rPr lang="ko-KR" altLang="en-US" sz="1600" spc="-150" dirty="0">
-                <a:latin typeface="+mn-ea"/>
-              </a:rPr>
-              <a:t>봅니다</a:t>
-            </a:r>
-            <a:r>
-              <a:rPr lang="en-US" altLang="ko-KR" sz="1600" spc="-150" dirty="0">
-                <a:latin typeface="+mn-ea"/>
-              </a:rPr>
-              <a:t>. </a:t>
-            </a:r>
-            <a:r>
-              <a:rPr lang="ko-KR" altLang="en-US" sz="1600" spc="-150" dirty="0">
-                <a:latin typeface="+mn-ea"/>
-              </a:rPr>
-              <a:t>새겨지는 별 불러 어머니</a:t>
-            </a:r>
-            <a:r>
-              <a:rPr lang="en-US" altLang="ko-KR" sz="1600" spc="-150" dirty="0">
-                <a:latin typeface="+mn-ea"/>
-              </a:rPr>
-              <a:t>, </a:t>
-            </a:r>
-            <a:r>
-              <a:rPr lang="ko-KR" altLang="en-US" sz="1600" spc="-150" dirty="0">
-                <a:latin typeface="+mn-ea"/>
-              </a:rPr>
-              <a:t>이제 것은 별들을 </a:t>
-            </a:r>
-            <a:r>
-              <a:rPr lang="ko-KR" altLang="en-US" sz="1600" spc="-150" dirty="0" err="1">
-                <a:latin typeface="+mn-ea"/>
-              </a:rPr>
-              <a:t>거외다</a:t>
-            </a:r>
-            <a:r>
-              <a:rPr lang="en-US" altLang="ko-KR" sz="1600" spc="-150" dirty="0">
-                <a:latin typeface="+mn-ea"/>
-              </a:rPr>
-              <a:t>. </a:t>
-            </a:r>
-            <a:r>
-              <a:rPr lang="ko-KR" altLang="en-US" sz="1600" spc="-150" dirty="0">
-                <a:latin typeface="+mn-ea"/>
-              </a:rPr>
-              <a:t>된 슬퍼하는 못 별 시인의 사랑과 있습니다</a:t>
-            </a:r>
-            <a:r>
-              <a:rPr lang="en-US" altLang="ko-KR" sz="1600" spc="-150" dirty="0">
-                <a:latin typeface="+mn-ea"/>
-              </a:rPr>
-              <a:t>. </a:t>
-            </a:r>
-            <a:r>
-              <a:rPr lang="ko-KR" altLang="en-US" sz="1600" spc="-150" dirty="0">
-                <a:latin typeface="+mn-ea"/>
-              </a:rPr>
-              <a:t>멀리 그러나 이런 겨울이 봅니다</a:t>
-            </a:r>
-            <a:r>
-              <a:rPr lang="en-US" altLang="ko-KR" sz="1600" spc="-150" dirty="0">
-                <a:latin typeface="+mn-ea"/>
-              </a:rPr>
-              <a:t>. </a:t>
-            </a:r>
-            <a:r>
-              <a:rPr lang="ko-KR" altLang="en-US" sz="1600" spc="-150" dirty="0">
-                <a:latin typeface="+mn-ea"/>
-              </a:rPr>
-              <a:t>하나에 풀이 별 </a:t>
-            </a:r>
-            <a:r>
-              <a:rPr lang="ko-KR" altLang="en-US" sz="1600" spc="-150" dirty="0" err="1">
-                <a:latin typeface="+mn-ea"/>
-              </a:rPr>
-              <a:t>라이너</a:t>
-            </a:r>
-            <a:r>
-              <a:rPr lang="ko-KR" altLang="en-US" sz="1600" spc="-150" dirty="0">
-                <a:latin typeface="+mn-ea"/>
-              </a:rPr>
-              <a:t> 쓸쓸함과 버리었습니다</a:t>
-            </a:r>
-            <a:r>
-              <a:rPr lang="en-US" altLang="ko-KR" sz="1600" spc="-150" dirty="0">
-                <a:latin typeface="+mn-ea"/>
-              </a:rPr>
-              <a:t>. </a:t>
-            </a:r>
-            <a:endParaRPr lang="ko-KR" altLang="en-US" sz="1600" spc="-150" dirty="0">
-              <a:latin typeface="+mn-ea"/>
-            </a:endParaRPr>
-          </a:p>
-        </p:txBody>
-      </p:sp>
-      <p:sp>
-        <p:nvSpPr>
-          <p:cNvPr id="9" name="TextBox 8">
-            <a:extLst>
-              <a:ext uri="{FF2B5EF4-FFF2-40B4-BE49-F238E27FC236}">
-                <a16:creationId xmlns:a16="http://schemas.microsoft.com/office/drawing/2014/main" id="{5D7A2788-7369-4216-A5F4-6E3FD9AA34EC}"/>
-              </a:ext>
-            </a:extLst>
-          </p:cNvPr>
-          <p:cNvSpPr txBox="1"/>
-          <p:nvPr/>
-        </p:nvSpPr>
-        <p:spPr>
-          <a:xfrm>
-            <a:off x="528765" y="2705686"/>
-            <a:ext cx="3493264" cy="584775"/>
-          </a:xfrm>
-          <a:prstGeom prst="rect">
-            <a:avLst/>
-          </a:prstGeom>
-          <a:noFill/>
-        </p:spPr>
-        <p:txBody>
-          <a:bodyPr wrap="none" rtlCol="0">
-            <a:spAutoFit/>
-          </a:bodyPr>
-          <a:lstStyle/>
-          <a:p>
-            <a:r>
-              <a:rPr lang="ko-KR" altLang="en-US" sz="3200" spc="-300" dirty="0">
-                <a:solidFill>
-                  <a:schemeClr val="tx1">
-                    <a:lumMod val="75000"/>
-                    <a:lumOff val="25000"/>
-                  </a:schemeClr>
-                </a:solidFill>
-                <a:latin typeface="+mj-ea"/>
-                <a:ea typeface="+mj-ea"/>
-              </a:rPr>
-              <a:t>소제목을 입력하세요</a:t>
-            </a:r>
-          </a:p>
-        </p:txBody>
-      </p:sp>
-      <p:cxnSp>
-        <p:nvCxnSpPr>
-          <p:cNvPr id="10" name="직선 연결선 9">
-            <a:extLst>
-              <a:ext uri="{FF2B5EF4-FFF2-40B4-BE49-F238E27FC236}">
-                <a16:creationId xmlns:a16="http://schemas.microsoft.com/office/drawing/2014/main" id="{1AE128A5-6324-45DB-9C64-010AC12B3F02}"/>
-              </a:ext>
-            </a:extLst>
-          </p:cNvPr>
-          <p:cNvCxnSpPr>
-            <a:cxnSpLocks/>
-          </p:cNvCxnSpPr>
-          <p:nvPr/>
-        </p:nvCxnSpPr>
-        <p:spPr>
-          <a:xfrm>
-            <a:off x="528765" y="3421020"/>
-            <a:ext cx="5191551" cy="0"/>
-          </a:xfrm>
-          <a:prstGeom prst="line">
-            <a:avLst/>
-          </a:prstGeom>
-          <a:ln>
-            <a:solidFill>
-              <a:schemeClr val="tx1"/>
-            </a:solidFill>
-          </a:ln>
-        </p:spPr>
-        <p:style>
-          <a:lnRef idx="1">
-            <a:schemeClr val="accent1"/>
-          </a:lnRef>
-          <a:fillRef idx="0">
-            <a:schemeClr val="accent1"/>
-          </a:fillRef>
-          <a:effectRef idx="0">
-            <a:schemeClr val="accent1"/>
-          </a:effectRef>
-          <a:fontRef idx="minor">
-            <a:schemeClr val="tx1"/>
-          </a:fontRef>
-        </p:style>
-      </p:cxnSp>
-    </p:spTree>
-    <p:extLst>
-      <p:ext uri="{BB962C8B-B14F-4D97-AF65-F5344CB8AC3E}">
-        <p14:creationId xmlns:p14="http://schemas.microsoft.com/office/powerpoint/2010/main" val="4293141657"/>
-      </p:ext>
-    </p:extLst>
-  </p:cSld>
-  <p:clrMapOvr>
-    <a:masterClrMapping/>
-  </p:clrMapOvr>
-  <mc:AlternateContent xmlns:mc="http://schemas.openxmlformats.org/markup-compatibility/2006" xmlns:p14="http://schemas.microsoft.com/office/powerpoint/2010/main">
-    <mc:Choice Requires="p14">
-      <p:transition spd="med" p14:dur="700">
-        <p:fade/>
-      </p:transition>
-    </mc:Choice>
-    <mc:Fallback xmlns="">
-      <p:transition spd="med">
-        <p:fade/>
-      </p:transition>
-    </mc:Fallback>
-  </mc:AlternateContent>
-</p:sld>
-</file>
-
-<file path=ppt/slides/slide33.xml><?xml version="1.0" encoding="utf-8"?>
-<p:sld xmlns:a="http://schemas.openxmlformats.org/drawingml/2006/main" xmlns:r="http://schemas.openxmlformats.org/officeDocument/2006/relationships" xmlns:p="http://schemas.openxmlformats.org/presentationml/2006/main">
-  <p:cSld>
-    <p:spTree>
-      <p:nvGrpSpPr>
-        <p:cNvPr id="1" name=""/>
-        <p:cNvGrpSpPr/>
-        <p:nvPr/>
-      </p:nvGrpSpPr>
-      <p:grpSpPr>
-        <a:xfrm>
-          <a:off x="0" y="0"/>
-          <a:ext cx="0" cy="0"/>
-          <a:chOff x="0" y="0"/>
-          <a:chExt cx="0" cy="0"/>
-        </a:xfrm>
-      </p:grpSpPr>
-      <p:pic>
-        <p:nvPicPr>
-          <p:cNvPr id="3" name="그림 2" descr="실외, 자연, 물, 해변이(가) 표시된 사진&#10;&#10;자동 생성된 설명">
-            <a:extLst>
-              <a:ext uri="{FF2B5EF4-FFF2-40B4-BE49-F238E27FC236}">
-                <a16:creationId xmlns:a16="http://schemas.microsoft.com/office/drawing/2014/main" id="{EF86BDD0-98BF-4BEF-B4A9-EFA8B57805C9}"/>
-              </a:ext>
-            </a:extLst>
-          </p:cNvPr>
-          <p:cNvPicPr>
-            <a:picLocks noChangeAspect="1"/>
-          </p:cNvPicPr>
-          <p:nvPr/>
-        </p:nvPicPr>
-        <p:blipFill rotWithShape="1">
-          <a:blip r:embed="rId2" cstate="screen">
-            <a:extLst>
-              <a:ext uri="{28A0092B-C50C-407E-A947-70E740481C1C}">
-                <a14:useLocalDpi xmlns:a14="http://schemas.microsoft.com/office/drawing/2010/main" val="0"/>
-              </a:ext>
-            </a:extLst>
-          </a:blip>
-          <a:srcRect/>
-          <a:stretch/>
-        </p:blipFill>
-        <p:spPr>
-          <a:xfrm>
-            <a:off x="0" y="0"/>
-            <a:ext cx="12192000" cy="6858000"/>
-          </a:xfrm>
-          <a:prstGeom prst="rect">
-            <a:avLst/>
-          </a:prstGeom>
-        </p:spPr>
-      </p:pic>
-      <p:sp>
-        <p:nvSpPr>
-          <p:cNvPr id="4" name="직사각형 3">
-            <a:extLst>
-              <a:ext uri="{FF2B5EF4-FFF2-40B4-BE49-F238E27FC236}">
-                <a16:creationId xmlns:a16="http://schemas.microsoft.com/office/drawing/2014/main" id="{A0FB8B4C-07AF-4C6A-A019-A5544A66D523}"/>
-              </a:ext>
-            </a:extLst>
-          </p:cNvPr>
-          <p:cNvSpPr/>
-          <p:nvPr/>
-        </p:nvSpPr>
-        <p:spPr>
-          <a:xfrm>
-            <a:off x="0" y="0"/>
-            <a:ext cx="12192000" cy="3429000"/>
-          </a:xfrm>
-          <a:prstGeom prst="rect">
-            <a:avLst/>
-          </a:prstGeom>
-          <a:solidFill>
-            <a:schemeClr val="tx2">
-              <a:lumMod val="75000"/>
-            </a:schemeClr>
-          </a:solidFill>
-          <a:ln>
-            <a:noFill/>
-          </a:ln>
-        </p:spPr>
-        <p:style>
-          <a:lnRef idx="2">
-            <a:schemeClr val="accent1">
-              <a:shade val="50000"/>
-            </a:schemeClr>
-          </a:lnRef>
-          <a:fillRef idx="1">
-            <a:schemeClr val="accent1"/>
-          </a:fillRef>
-          <a:effectRef idx="0">
-            <a:schemeClr val="accent1"/>
-          </a:effectRef>
-          <a:fontRef idx="minor">
-            <a:schemeClr val="lt1"/>
-          </a:fontRef>
-        </p:style>
-        <p:txBody>
-          <a:bodyPr rtlCol="0" anchor="ctr"/>
-          <a:lstStyle/>
-          <a:p>
-            <a:pPr algn="ctr"/>
-            <a:endParaRPr lang="ko-KR" altLang="en-US"/>
-          </a:p>
-        </p:txBody>
-      </p:sp>
-      <p:sp>
-        <p:nvSpPr>
-          <p:cNvPr id="5" name="TextBox 4">
-            <a:extLst>
-              <a:ext uri="{FF2B5EF4-FFF2-40B4-BE49-F238E27FC236}">
-                <a16:creationId xmlns:a16="http://schemas.microsoft.com/office/drawing/2014/main" id="{6B679CA0-EDDD-4ACD-9947-D034F34E4F68}"/>
-              </a:ext>
-            </a:extLst>
-          </p:cNvPr>
-          <p:cNvSpPr txBox="1"/>
-          <p:nvPr/>
-        </p:nvSpPr>
-        <p:spPr>
-          <a:xfrm>
-            <a:off x="5009805" y="2222212"/>
-            <a:ext cx="2172390" cy="584775"/>
-          </a:xfrm>
-          <a:prstGeom prst="rect">
-            <a:avLst/>
-          </a:prstGeom>
-          <a:noFill/>
-        </p:spPr>
-        <p:txBody>
-          <a:bodyPr wrap="none" rtlCol="0">
-            <a:spAutoFit/>
-          </a:bodyPr>
-          <a:lstStyle/>
-          <a:p>
-            <a:pPr algn="ctr"/>
-            <a:r>
-              <a:rPr lang="ko-KR" altLang="en-US" sz="3200" dirty="0">
-                <a:solidFill>
-                  <a:schemeClr val="bg1"/>
-                </a:solidFill>
-              </a:rPr>
-              <a:t>감사합니다</a:t>
-            </a:r>
-          </a:p>
-        </p:txBody>
-      </p:sp>
-    </p:spTree>
-    <p:extLst>
-      <p:ext uri="{BB962C8B-B14F-4D97-AF65-F5344CB8AC3E}">
-        <p14:creationId xmlns:p14="http://schemas.microsoft.com/office/powerpoint/2010/main" val="3669176100"/>
-      </p:ext>
-    </p:extLst>
-  </p:cSld>
-  <p:clrMapOvr>
-    <a:masterClrMapping/>
-  </p:clrMapOvr>
-  <mc:AlternateContent xmlns:mc="http://schemas.openxmlformats.org/markup-compatibility/2006" xmlns:p14="http://schemas.microsoft.com/office/powerpoint/2010/main">
-    <mc:Choice Requires="p14">
-      <p:transition spd="med" p14:dur="700">
-        <p:fade/>
-      </p:transition>
-    </mc:Choice>
-    <mc:Fallback xmlns="">
-      <p:transition spd="med">
-        <p:fade/>
-      </p:transition>
-    </mc:Fallback>
-  </mc:AlternateContent>
-</p:sld>
-</file>
-
-<file path=ppt/slides/slide4.xml><?xml version="1.0" encoding="utf-8"?>
+<file path=ppt/slides/slide9.xml><?xml version="1.0" encoding="utf-8"?>
 <p:sld xmlns:a="http://schemas.openxmlformats.org/drawingml/2006/main" xmlns:r="http://schemas.openxmlformats.org/officeDocument/2006/relationships" xmlns:p="http://schemas.openxmlformats.org/presentationml/2006/main">
   <p:cSld>
     <p:bg>
@@ -29613,1902 +32883,6 @@
     <p:extLst>
       <p:ext uri="{BB962C8B-B14F-4D97-AF65-F5344CB8AC3E}">
         <p14:creationId xmlns:p14="http://schemas.microsoft.com/office/powerpoint/2010/main" val="71251117"/>
-      </p:ext>
-    </p:extLst>
-  </p:cSld>
-  <p:clrMapOvr>
-    <a:masterClrMapping/>
-  </p:clrMapOvr>
-  <mc:AlternateContent xmlns:mc="http://schemas.openxmlformats.org/markup-compatibility/2006" xmlns:p14="http://schemas.microsoft.com/office/powerpoint/2010/main">
-    <mc:Choice Requires="p14">
-      <p:transition spd="med" p14:dur="700">
-        <p:fade/>
-      </p:transition>
-    </mc:Choice>
-    <mc:Fallback xmlns="">
-      <p:transition spd="med">
-        <p:fade/>
-      </p:transition>
-    </mc:Fallback>
-  </mc:AlternateContent>
-</p:sld>
-</file>
-
-<file path=ppt/slides/slide5.xml><?xml version="1.0" encoding="utf-8"?>
-<p:sld xmlns:a="http://schemas.openxmlformats.org/drawingml/2006/main" xmlns:r="http://schemas.openxmlformats.org/officeDocument/2006/relationships" xmlns:p="http://schemas.openxmlformats.org/presentationml/2006/main">
-  <p:cSld>
-    <p:bg>
-      <p:bgPr>
-        <a:solidFill>
-          <a:schemeClr val="accent5"/>
-        </a:solidFill>
-        <a:effectLst/>
-      </p:bgPr>
-    </p:bg>
-    <p:spTree>
-      <p:nvGrpSpPr>
-        <p:cNvPr id="1" name=""/>
-        <p:cNvGrpSpPr/>
-        <p:nvPr/>
-      </p:nvGrpSpPr>
-      <p:grpSpPr>
-        <a:xfrm>
-          <a:off x="0" y="0"/>
-          <a:ext cx="0" cy="0"/>
-          <a:chOff x="0" y="0"/>
-          <a:chExt cx="0" cy="0"/>
-        </a:xfrm>
-      </p:grpSpPr>
-      <p:sp>
-        <p:nvSpPr>
-          <p:cNvPr id="2" name="직사각형 1">
-            <a:extLst>
-              <a:ext uri="{FF2B5EF4-FFF2-40B4-BE49-F238E27FC236}">
-                <a16:creationId xmlns:a16="http://schemas.microsoft.com/office/drawing/2014/main" id="{FCBB0498-13C3-48CC-9BFE-7243BE8082B0}"/>
-              </a:ext>
-            </a:extLst>
-          </p:cNvPr>
-          <p:cNvSpPr/>
-          <p:nvPr/>
-        </p:nvSpPr>
-        <p:spPr>
-          <a:xfrm>
-            <a:off x="3159760" y="2760980"/>
-            <a:ext cx="5928360" cy="1336040"/>
-          </a:xfrm>
-          <a:prstGeom prst="rect">
-            <a:avLst/>
-          </a:prstGeom>
-          <a:solidFill>
-            <a:schemeClr val="accent6"/>
-          </a:solidFill>
-          <a:ln>
-            <a:noFill/>
-          </a:ln>
-        </p:spPr>
-        <p:style>
-          <a:lnRef idx="2">
-            <a:schemeClr val="accent1">
-              <a:shade val="50000"/>
-            </a:schemeClr>
-          </a:lnRef>
-          <a:fillRef idx="1">
-            <a:schemeClr val="accent1"/>
-          </a:fillRef>
-          <a:effectRef idx="0">
-            <a:schemeClr val="accent1"/>
-          </a:effectRef>
-          <a:fontRef idx="minor">
-            <a:schemeClr val="lt1"/>
-          </a:fontRef>
-        </p:style>
-        <p:txBody>
-          <a:bodyPr rtlCol="0" anchor="ctr"/>
-          <a:lstStyle/>
-          <a:p>
-            <a:pPr algn="ctr"/>
-            <a:endParaRPr lang="ko-KR" altLang="en-US"/>
-          </a:p>
-        </p:txBody>
-      </p:sp>
-      <p:sp>
-        <p:nvSpPr>
-          <p:cNvPr id="3" name="TextBox 2">
-            <a:extLst>
-              <a:ext uri="{FF2B5EF4-FFF2-40B4-BE49-F238E27FC236}">
-                <a16:creationId xmlns:a16="http://schemas.microsoft.com/office/drawing/2014/main" id="{90C0895B-7B4E-4FB6-95D6-6192E6C6C6FE}"/>
-              </a:ext>
-            </a:extLst>
-          </p:cNvPr>
-          <p:cNvSpPr txBox="1"/>
-          <p:nvPr/>
-        </p:nvSpPr>
-        <p:spPr>
-          <a:xfrm>
-            <a:off x="4640200" y="2021840"/>
-            <a:ext cx="2967479" cy="369332"/>
-          </a:xfrm>
-          <a:prstGeom prst="rect">
-            <a:avLst/>
-          </a:prstGeom>
-          <a:noFill/>
-        </p:spPr>
-        <p:txBody>
-          <a:bodyPr wrap="none" rtlCol="0">
-            <a:spAutoFit/>
-          </a:bodyPr>
-          <a:lstStyle/>
-          <a:p>
-            <a:pPr algn="ctr"/>
-            <a:r>
-              <a:rPr lang="ko-KR" altLang="en-US" dirty="0"/>
-              <a:t>어디에 중점을 두실 건가요</a:t>
-            </a:r>
-            <a:r>
-              <a:rPr lang="en-US" altLang="ko-KR" dirty="0"/>
-              <a:t>?</a:t>
-            </a:r>
-            <a:endParaRPr lang="ko-KR" altLang="en-US" dirty="0"/>
-          </a:p>
-        </p:txBody>
-      </p:sp>
-      <p:sp>
-        <p:nvSpPr>
-          <p:cNvPr id="4" name="TextBox 3">
-            <a:extLst>
-              <a:ext uri="{FF2B5EF4-FFF2-40B4-BE49-F238E27FC236}">
-                <a16:creationId xmlns:a16="http://schemas.microsoft.com/office/drawing/2014/main" id="{1EF51587-4B82-43A7-8A06-3BA5E76F90F4}"/>
-              </a:ext>
-            </a:extLst>
-          </p:cNvPr>
-          <p:cNvSpPr txBox="1"/>
-          <p:nvPr/>
-        </p:nvSpPr>
-        <p:spPr>
-          <a:xfrm>
-            <a:off x="3887703" y="3075057"/>
-            <a:ext cx="4416594" cy="707886"/>
-          </a:xfrm>
-          <a:prstGeom prst="rect">
-            <a:avLst/>
-          </a:prstGeom>
-          <a:noFill/>
-        </p:spPr>
-        <p:txBody>
-          <a:bodyPr wrap="none" rtlCol="0">
-            <a:spAutoFit/>
-          </a:bodyPr>
-          <a:lstStyle/>
-          <a:p>
-            <a:pPr algn="ctr"/>
-            <a:r>
-              <a:rPr lang="ko-KR" altLang="en-US" sz="4000" spc="-300" dirty="0"/>
-              <a:t>키워드를 입력하세요</a:t>
-            </a:r>
-          </a:p>
-        </p:txBody>
-      </p:sp>
-    </p:spTree>
-    <p:extLst>
-      <p:ext uri="{BB962C8B-B14F-4D97-AF65-F5344CB8AC3E}">
-        <p14:creationId xmlns:p14="http://schemas.microsoft.com/office/powerpoint/2010/main" val="740605315"/>
-      </p:ext>
-    </p:extLst>
-  </p:cSld>
-  <p:clrMapOvr>
-    <a:masterClrMapping/>
-  </p:clrMapOvr>
-  <mc:AlternateContent xmlns:mc="http://schemas.openxmlformats.org/markup-compatibility/2006" xmlns:p14="http://schemas.microsoft.com/office/powerpoint/2010/main">
-    <mc:Choice Requires="p14">
-      <p:transition spd="med" p14:dur="700">
-        <p:fade/>
-      </p:transition>
-    </mc:Choice>
-    <mc:Fallback xmlns="">
-      <p:transition spd="med">
-        <p:fade/>
-      </p:transition>
-    </mc:Fallback>
-  </mc:AlternateContent>
-</p:sld>
-</file>
-
-<file path=ppt/slides/slide6.xml><?xml version="1.0" encoding="utf-8"?>
-<p:sld xmlns:a="http://schemas.openxmlformats.org/drawingml/2006/main" xmlns:r="http://schemas.openxmlformats.org/officeDocument/2006/relationships" xmlns:p="http://schemas.openxmlformats.org/presentationml/2006/main">
-  <p:cSld>
-    <p:bg>
-      <p:bgPr>
-        <a:solidFill>
-          <a:schemeClr val="accent6"/>
-        </a:solidFill>
-        <a:effectLst/>
-      </p:bgPr>
-    </p:bg>
-    <p:spTree>
-      <p:nvGrpSpPr>
-        <p:cNvPr id="1" name=""/>
-        <p:cNvGrpSpPr/>
-        <p:nvPr/>
-      </p:nvGrpSpPr>
-      <p:grpSpPr>
-        <a:xfrm>
-          <a:off x="0" y="0"/>
-          <a:ext cx="0" cy="0"/>
-          <a:chOff x="0" y="0"/>
-          <a:chExt cx="0" cy="0"/>
-        </a:xfrm>
-      </p:grpSpPr>
-      <p:sp>
-        <p:nvSpPr>
-          <p:cNvPr id="2" name="타원 1">
-            <a:extLst>
-              <a:ext uri="{FF2B5EF4-FFF2-40B4-BE49-F238E27FC236}">
-                <a16:creationId xmlns:a16="http://schemas.microsoft.com/office/drawing/2014/main" id="{6A948DA2-02A6-4346-80F8-772FA275B595}"/>
-              </a:ext>
-            </a:extLst>
-          </p:cNvPr>
-          <p:cNvSpPr/>
-          <p:nvPr/>
-        </p:nvSpPr>
-        <p:spPr>
-          <a:xfrm>
-            <a:off x="5054600" y="1925320"/>
-            <a:ext cx="2082800" cy="2082800"/>
-          </a:xfrm>
-          <a:prstGeom prst="ellipse">
-            <a:avLst/>
-          </a:prstGeom>
-          <a:ln>
-            <a:noFill/>
-          </a:ln>
-        </p:spPr>
-        <p:style>
-          <a:lnRef idx="2">
-            <a:schemeClr val="accent1">
-              <a:shade val="50000"/>
-            </a:schemeClr>
-          </a:lnRef>
-          <a:fillRef idx="1">
-            <a:schemeClr val="accent1"/>
-          </a:fillRef>
-          <a:effectRef idx="0">
-            <a:schemeClr val="accent1"/>
-          </a:effectRef>
-          <a:fontRef idx="minor">
-            <a:schemeClr val="lt1"/>
-          </a:fontRef>
-        </p:style>
-        <p:txBody>
-          <a:bodyPr rtlCol="0" anchor="ctr"/>
-          <a:lstStyle/>
-          <a:p>
-            <a:pPr algn="ctr"/>
-            <a:endParaRPr lang="ko-KR" altLang="en-US"/>
-          </a:p>
-        </p:txBody>
-      </p:sp>
-      <p:sp>
-        <p:nvSpPr>
-          <p:cNvPr id="3" name="TextBox 2">
-            <a:extLst>
-              <a:ext uri="{FF2B5EF4-FFF2-40B4-BE49-F238E27FC236}">
-                <a16:creationId xmlns:a16="http://schemas.microsoft.com/office/drawing/2014/main" id="{CCED6CBF-A26E-4CED-8607-B0F08F433494}"/>
-              </a:ext>
-            </a:extLst>
-          </p:cNvPr>
-          <p:cNvSpPr txBox="1"/>
-          <p:nvPr/>
-        </p:nvSpPr>
-        <p:spPr>
-          <a:xfrm>
-            <a:off x="5779246" y="4419600"/>
-            <a:ext cx="633507" cy="369332"/>
-          </a:xfrm>
-          <a:prstGeom prst="rect">
-            <a:avLst/>
-          </a:prstGeom>
-          <a:noFill/>
-        </p:spPr>
-        <p:txBody>
-          <a:bodyPr wrap="none" rtlCol="0">
-            <a:spAutoFit/>
-          </a:bodyPr>
-          <a:lstStyle/>
-          <a:p>
-            <a:r>
-              <a:rPr lang="ko-KR" altLang="en-US"/>
-              <a:t>집중</a:t>
-            </a:r>
-          </a:p>
-        </p:txBody>
-      </p:sp>
-    </p:spTree>
-    <p:extLst>
-      <p:ext uri="{BB962C8B-B14F-4D97-AF65-F5344CB8AC3E}">
-        <p14:creationId xmlns:p14="http://schemas.microsoft.com/office/powerpoint/2010/main" val="427273868"/>
-      </p:ext>
-    </p:extLst>
-  </p:cSld>
-  <p:clrMapOvr>
-    <a:masterClrMapping/>
-  </p:clrMapOvr>
-  <mc:AlternateContent xmlns:mc="http://schemas.openxmlformats.org/markup-compatibility/2006" xmlns:p14="http://schemas.microsoft.com/office/powerpoint/2010/main">
-    <mc:Choice Requires="p14">
-      <p:transition spd="med" p14:dur="700">
-        <p:fade/>
-      </p:transition>
-    </mc:Choice>
-    <mc:Fallback xmlns="">
-      <p:transition spd="med">
-        <p:fade/>
-      </p:transition>
-    </mc:Fallback>
-  </mc:AlternateContent>
-</p:sld>
-</file>
-
-<file path=ppt/slides/slide7.xml><?xml version="1.0" encoding="utf-8"?>
-<p:sld xmlns:a="http://schemas.openxmlformats.org/drawingml/2006/main" xmlns:r="http://schemas.openxmlformats.org/officeDocument/2006/relationships" xmlns:p="http://schemas.openxmlformats.org/presentationml/2006/main">
-  <p:cSld>
-    <p:spTree>
-      <p:nvGrpSpPr>
-        <p:cNvPr id="1" name=""/>
-        <p:cNvGrpSpPr/>
-        <p:nvPr/>
-      </p:nvGrpSpPr>
-      <p:grpSpPr>
-        <a:xfrm>
-          <a:off x="0" y="0"/>
-          <a:ext cx="0" cy="0"/>
-          <a:chOff x="0" y="0"/>
-          <a:chExt cx="0" cy="0"/>
-        </a:xfrm>
-      </p:grpSpPr>
-      <p:pic>
-        <p:nvPicPr>
-          <p:cNvPr id="3" name="그림 2" descr="실외, 물, 자연, 산이(가) 표시된 사진&#10;&#10;자동 생성된 설명">
-            <a:extLst>
-              <a:ext uri="{FF2B5EF4-FFF2-40B4-BE49-F238E27FC236}">
-                <a16:creationId xmlns:a16="http://schemas.microsoft.com/office/drawing/2014/main" id="{AF7170D3-AA47-4849-8576-B3290EFFB768}"/>
-              </a:ext>
-            </a:extLst>
-          </p:cNvPr>
-          <p:cNvPicPr>
-            <a:picLocks noChangeAspect="1"/>
-          </p:cNvPicPr>
-          <p:nvPr/>
-        </p:nvPicPr>
-        <p:blipFill rotWithShape="1">
-          <a:blip r:embed="rId2" cstate="screen">
-            <a:extLst>
-              <a:ext uri="{28A0092B-C50C-407E-A947-70E740481C1C}">
-                <a14:useLocalDpi xmlns:a14="http://schemas.microsoft.com/office/drawing/2010/main" val="0"/>
-              </a:ext>
-            </a:extLst>
-          </a:blip>
-          <a:srcRect/>
-          <a:stretch/>
-        </p:blipFill>
-        <p:spPr>
-          <a:xfrm>
-            <a:off x="0" y="0"/>
-            <a:ext cx="12192000" cy="6858000"/>
-          </a:xfrm>
-          <a:prstGeom prst="rect">
-            <a:avLst/>
-          </a:prstGeom>
-        </p:spPr>
-      </p:pic>
-      <p:sp>
-        <p:nvSpPr>
-          <p:cNvPr id="12" name="직사각형 11">
-            <a:extLst>
-              <a:ext uri="{FF2B5EF4-FFF2-40B4-BE49-F238E27FC236}">
-                <a16:creationId xmlns:a16="http://schemas.microsoft.com/office/drawing/2014/main" id="{633C7044-85DF-48C4-9801-150B8C9FD8FD}"/>
-              </a:ext>
-            </a:extLst>
-          </p:cNvPr>
-          <p:cNvSpPr/>
-          <p:nvPr/>
-        </p:nvSpPr>
-        <p:spPr>
-          <a:xfrm>
-            <a:off x="0" y="4206240"/>
-            <a:ext cx="12192000" cy="2651760"/>
-          </a:xfrm>
-          <a:prstGeom prst="rect">
-            <a:avLst/>
-          </a:prstGeom>
-          <a:solidFill>
-            <a:schemeClr val="tx2">
-              <a:lumMod val="75000"/>
-            </a:schemeClr>
-          </a:solidFill>
-          <a:ln>
-            <a:noFill/>
-          </a:ln>
-        </p:spPr>
-        <p:style>
-          <a:lnRef idx="2">
-            <a:schemeClr val="accent1">
-              <a:shade val="50000"/>
-            </a:schemeClr>
-          </a:lnRef>
-          <a:fillRef idx="1">
-            <a:schemeClr val="accent1"/>
-          </a:fillRef>
-          <a:effectRef idx="0">
-            <a:schemeClr val="accent1"/>
-          </a:effectRef>
-          <a:fontRef idx="minor">
-            <a:schemeClr val="lt1"/>
-          </a:fontRef>
-        </p:style>
-        <p:txBody>
-          <a:bodyPr rtlCol="0" anchor="ctr"/>
-          <a:lstStyle/>
-          <a:p>
-            <a:pPr algn="ctr"/>
-            <a:endParaRPr lang="ko-KR" altLang="en-US"/>
-          </a:p>
-        </p:txBody>
-      </p:sp>
-      <p:sp>
-        <p:nvSpPr>
-          <p:cNvPr id="13" name="TextBox 12">
-            <a:extLst>
-              <a:ext uri="{FF2B5EF4-FFF2-40B4-BE49-F238E27FC236}">
-                <a16:creationId xmlns:a16="http://schemas.microsoft.com/office/drawing/2014/main" id="{EEA6985C-E331-4DC3-8E74-D8FC2B1393AD}"/>
-              </a:ext>
-            </a:extLst>
-          </p:cNvPr>
-          <p:cNvSpPr txBox="1"/>
-          <p:nvPr/>
-        </p:nvSpPr>
-        <p:spPr>
-          <a:xfrm>
-            <a:off x="152400" y="4358640"/>
-            <a:ext cx="880369" cy="523220"/>
-          </a:xfrm>
-          <a:prstGeom prst="rect">
-            <a:avLst/>
-          </a:prstGeom>
-          <a:noFill/>
-        </p:spPr>
-        <p:txBody>
-          <a:bodyPr wrap="none" rtlCol="0">
-            <a:spAutoFit/>
-          </a:bodyPr>
-          <a:lstStyle/>
-          <a:p>
-            <a:r>
-              <a:rPr lang="ko-KR" altLang="en-US" sz="2800" dirty="0">
-                <a:solidFill>
-                  <a:schemeClr val="bg1"/>
-                </a:solidFill>
-              </a:rPr>
-              <a:t>목차</a:t>
-            </a:r>
-          </a:p>
-        </p:txBody>
-      </p:sp>
-      <p:grpSp>
-        <p:nvGrpSpPr>
-          <p:cNvPr id="16" name="그룹 15">
-            <a:extLst>
-              <a:ext uri="{FF2B5EF4-FFF2-40B4-BE49-F238E27FC236}">
-                <a16:creationId xmlns:a16="http://schemas.microsoft.com/office/drawing/2014/main" id="{6B4D3ACE-05D9-4E3A-937C-B66D29696D7A}"/>
-              </a:ext>
-            </a:extLst>
-          </p:cNvPr>
-          <p:cNvGrpSpPr/>
-          <p:nvPr/>
-        </p:nvGrpSpPr>
-        <p:grpSpPr>
-          <a:xfrm>
-            <a:off x="1676452" y="4758750"/>
-            <a:ext cx="4419548" cy="523220"/>
-            <a:chOff x="1320852" y="4758750"/>
-            <a:chExt cx="4419548" cy="523220"/>
-          </a:xfrm>
-        </p:grpSpPr>
-        <p:sp>
-          <p:nvSpPr>
-            <p:cNvPr id="14" name="TextBox 13">
-              <a:extLst>
-                <a:ext uri="{FF2B5EF4-FFF2-40B4-BE49-F238E27FC236}">
-                  <a16:creationId xmlns:a16="http://schemas.microsoft.com/office/drawing/2014/main" id="{16B5DC55-E3AC-4BDB-A37D-92014C2B84A9}"/>
-                </a:ext>
-              </a:extLst>
-            </p:cNvPr>
-            <p:cNvSpPr txBox="1"/>
-            <p:nvPr/>
-          </p:nvSpPr>
-          <p:spPr>
-            <a:xfrm>
-              <a:off x="1920240" y="4820900"/>
-              <a:ext cx="3820160" cy="400110"/>
-            </a:xfrm>
-            <a:prstGeom prst="rect">
-              <a:avLst/>
-            </a:prstGeom>
-            <a:noFill/>
-          </p:spPr>
-          <p:txBody>
-            <a:bodyPr wrap="square" rtlCol="0">
-              <a:spAutoFit/>
-            </a:bodyPr>
-            <a:lstStyle/>
-            <a:p>
-              <a:r>
-                <a:rPr lang="ko-KR" altLang="en-US" sz="2000" dirty="0">
-                  <a:solidFill>
-                    <a:schemeClr val="bg1"/>
-                  </a:solidFill>
-                </a:rPr>
-                <a:t>제목을 입력하세요</a:t>
-              </a:r>
-            </a:p>
-          </p:txBody>
-        </p:sp>
-        <p:sp>
-          <p:nvSpPr>
-            <p:cNvPr id="15" name="TextBox 14">
-              <a:extLst>
-                <a:ext uri="{FF2B5EF4-FFF2-40B4-BE49-F238E27FC236}">
-                  <a16:creationId xmlns:a16="http://schemas.microsoft.com/office/drawing/2014/main" id="{00C566F2-B9E3-4556-A8BB-3138BC81D189}"/>
-                </a:ext>
-              </a:extLst>
-            </p:cNvPr>
-            <p:cNvSpPr txBox="1"/>
-            <p:nvPr/>
-          </p:nvSpPr>
-          <p:spPr>
-            <a:xfrm>
-              <a:off x="1320852" y="4758750"/>
-              <a:ext cx="311304" cy="523220"/>
-            </a:xfrm>
-            <a:prstGeom prst="rect">
-              <a:avLst/>
-            </a:prstGeom>
-            <a:noFill/>
-          </p:spPr>
-          <p:txBody>
-            <a:bodyPr wrap="none" rtlCol="0">
-              <a:spAutoFit/>
-            </a:bodyPr>
-            <a:lstStyle/>
-            <a:p>
-              <a:r>
-                <a:rPr lang="en-US" altLang="ko-KR" sz="2800" dirty="0">
-                  <a:solidFill>
-                    <a:schemeClr val="bg1"/>
-                  </a:solidFill>
-                </a:rPr>
-                <a:t>1</a:t>
-              </a:r>
-              <a:endParaRPr lang="ko-KR" altLang="en-US" sz="2800" dirty="0">
-                <a:solidFill>
-                  <a:schemeClr val="bg1"/>
-                </a:solidFill>
-              </a:endParaRPr>
-            </a:p>
-          </p:txBody>
-        </p:sp>
-      </p:grpSp>
-      <p:grpSp>
-        <p:nvGrpSpPr>
-          <p:cNvPr id="17" name="그룹 16">
-            <a:extLst>
-              <a:ext uri="{FF2B5EF4-FFF2-40B4-BE49-F238E27FC236}">
-                <a16:creationId xmlns:a16="http://schemas.microsoft.com/office/drawing/2014/main" id="{88C343DA-FAB4-4FD3-B792-CD9C0BE848B1}"/>
-              </a:ext>
-            </a:extLst>
-          </p:cNvPr>
-          <p:cNvGrpSpPr/>
-          <p:nvPr/>
-        </p:nvGrpSpPr>
-        <p:grpSpPr>
-          <a:xfrm>
-            <a:off x="1676452" y="5777895"/>
-            <a:ext cx="4419548" cy="523220"/>
-            <a:chOff x="1320852" y="4758750"/>
-            <a:chExt cx="4419548" cy="523220"/>
-          </a:xfrm>
-        </p:grpSpPr>
-        <p:sp>
-          <p:nvSpPr>
-            <p:cNvPr id="18" name="TextBox 17">
-              <a:extLst>
-                <a:ext uri="{FF2B5EF4-FFF2-40B4-BE49-F238E27FC236}">
-                  <a16:creationId xmlns:a16="http://schemas.microsoft.com/office/drawing/2014/main" id="{0457320F-BC60-40C4-A266-D46F6A6DB200}"/>
-                </a:ext>
-              </a:extLst>
-            </p:cNvPr>
-            <p:cNvSpPr txBox="1"/>
-            <p:nvPr/>
-          </p:nvSpPr>
-          <p:spPr>
-            <a:xfrm>
-              <a:off x="1920240" y="4820900"/>
-              <a:ext cx="3820160" cy="400110"/>
-            </a:xfrm>
-            <a:prstGeom prst="rect">
-              <a:avLst/>
-            </a:prstGeom>
-            <a:noFill/>
-          </p:spPr>
-          <p:txBody>
-            <a:bodyPr wrap="square" rtlCol="0">
-              <a:spAutoFit/>
-            </a:bodyPr>
-            <a:lstStyle/>
-            <a:p>
-              <a:r>
-                <a:rPr lang="ko-KR" altLang="en-US" sz="2000" dirty="0">
-                  <a:solidFill>
-                    <a:schemeClr val="bg1"/>
-                  </a:solidFill>
-                </a:rPr>
-                <a:t>제목을 입력하세요</a:t>
-              </a:r>
-            </a:p>
-          </p:txBody>
-        </p:sp>
-        <p:sp>
-          <p:nvSpPr>
-            <p:cNvPr id="19" name="TextBox 18">
-              <a:extLst>
-                <a:ext uri="{FF2B5EF4-FFF2-40B4-BE49-F238E27FC236}">
-                  <a16:creationId xmlns:a16="http://schemas.microsoft.com/office/drawing/2014/main" id="{269776E1-D2A2-48A9-A0CD-C0BD287FBB29}"/>
-                </a:ext>
-              </a:extLst>
-            </p:cNvPr>
-            <p:cNvSpPr txBox="1"/>
-            <p:nvPr/>
-          </p:nvSpPr>
-          <p:spPr>
-            <a:xfrm>
-              <a:off x="1320852" y="4758750"/>
-              <a:ext cx="389850" cy="523220"/>
-            </a:xfrm>
-            <a:prstGeom prst="rect">
-              <a:avLst/>
-            </a:prstGeom>
-            <a:noFill/>
-          </p:spPr>
-          <p:txBody>
-            <a:bodyPr wrap="none" rtlCol="0">
-              <a:spAutoFit/>
-            </a:bodyPr>
-            <a:lstStyle/>
-            <a:p>
-              <a:r>
-                <a:rPr lang="en-US" altLang="ko-KR" sz="2800" dirty="0">
-                  <a:solidFill>
-                    <a:schemeClr val="bg1"/>
-                  </a:solidFill>
-                </a:rPr>
-                <a:t>2</a:t>
-              </a:r>
-              <a:endParaRPr lang="ko-KR" altLang="en-US" sz="2800" dirty="0">
-                <a:solidFill>
-                  <a:schemeClr val="bg1"/>
-                </a:solidFill>
-              </a:endParaRPr>
-            </a:p>
-          </p:txBody>
-        </p:sp>
-      </p:grpSp>
-      <p:grpSp>
-        <p:nvGrpSpPr>
-          <p:cNvPr id="20" name="그룹 19">
-            <a:extLst>
-              <a:ext uri="{FF2B5EF4-FFF2-40B4-BE49-F238E27FC236}">
-                <a16:creationId xmlns:a16="http://schemas.microsoft.com/office/drawing/2014/main" id="{FC75BF16-F303-45D9-8C4D-B454A42605F2}"/>
-              </a:ext>
-            </a:extLst>
-          </p:cNvPr>
-          <p:cNvGrpSpPr/>
-          <p:nvPr/>
-        </p:nvGrpSpPr>
-        <p:grpSpPr>
-          <a:xfrm>
-            <a:off x="6934226" y="4758750"/>
-            <a:ext cx="4419548" cy="523220"/>
-            <a:chOff x="1320852" y="4758750"/>
-            <a:chExt cx="4419548" cy="523220"/>
-          </a:xfrm>
-        </p:grpSpPr>
-        <p:sp>
-          <p:nvSpPr>
-            <p:cNvPr id="21" name="TextBox 20">
-              <a:extLst>
-                <a:ext uri="{FF2B5EF4-FFF2-40B4-BE49-F238E27FC236}">
-                  <a16:creationId xmlns:a16="http://schemas.microsoft.com/office/drawing/2014/main" id="{F8EB8A33-CE9C-4FC4-8B34-1E5E1469742C}"/>
-                </a:ext>
-              </a:extLst>
-            </p:cNvPr>
-            <p:cNvSpPr txBox="1"/>
-            <p:nvPr/>
-          </p:nvSpPr>
-          <p:spPr>
-            <a:xfrm>
-              <a:off x="1920240" y="4820900"/>
-              <a:ext cx="3820160" cy="400110"/>
-            </a:xfrm>
-            <a:prstGeom prst="rect">
-              <a:avLst/>
-            </a:prstGeom>
-            <a:noFill/>
-          </p:spPr>
-          <p:txBody>
-            <a:bodyPr wrap="square" rtlCol="0">
-              <a:spAutoFit/>
-            </a:bodyPr>
-            <a:lstStyle/>
-            <a:p>
-              <a:r>
-                <a:rPr lang="ko-KR" altLang="en-US" sz="2000" dirty="0">
-                  <a:solidFill>
-                    <a:schemeClr val="bg1"/>
-                  </a:solidFill>
-                </a:rPr>
-                <a:t>제목을 입력하세요</a:t>
-              </a:r>
-            </a:p>
-          </p:txBody>
-        </p:sp>
-        <p:sp>
-          <p:nvSpPr>
-            <p:cNvPr id="22" name="TextBox 21">
-              <a:extLst>
-                <a:ext uri="{FF2B5EF4-FFF2-40B4-BE49-F238E27FC236}">
-                  <a16:creationId xmlns:a16="http://schemas.microsoft.com/office/drawing/2014/main" id="{8545E09F-70AB-4DE7-B148-264104F9E08D}"/>
-                </a:ext>
-              </a:extLst>
-            </p:cNvPr>
-            <p:cNvSpPr txBox="1"/>
-            <p:nvPr/>
-          </p:nvSpPr>
-          <p:spPr>
-            <a:xfrm>
-              <a:off x="1320852" y="4758750"/>
-              <a:ext cx="386644" cy="523220"/>
-            </a:xfrm>
-            <a:prstGeom prst="rect">
-              <a:avLst/>
-            </a:prstGeom>
-            <a:noFill/>
-          </p:spPr>
-          <p:txBody>
-            <a:bodyPr wrap="none" rtlCol="0">
-              <a:spAutoFit/>
-            </a:bodyPr>
-            <a:lstStyle/>
-            <a:p>
-              <a:r>
-                <a:rPr lang="en-US" altLang="ko-KR" sz="2800" dirty="0">
-                  <a:solidFill>
-                    <a:schemeClr val="bg1"/>
-                  </a:solidFill>
-                </a:rPr>
-                <a:t>3</a:t>
-              </a:r>
-              <a:endParaRPr lang="ko-KR" altLang="en-US" sz="2800" dirty="0">
-                <a:solidFill>
-                  <a:schemeClr val="bg1"/>
-                </a:solidFill>
-              </a:endParaRPr>
-            </a:p>
-          </p:txBody>
-        </p:sp>
-      </p:grpSp>
-      <p:grpSp>
-        <p:nvGrpSpPr>
-          <p:cNvPr id="23" name="그룹 22">
-            <a:extLst>
-              <a:ext uri="{FF2B5EF4-FFF2-40B4-BE49-F238E27FC236}">
-                <a16:creationId xmlns:a16="http://schemas.microsoft.com/office/drawing/2014/main" id="{82B75415-ACB9-4E8B-8DC2-197ECDE67E04}"/>
-              </a:ext>
-            </a:extLst>
-          </p:cNvPr>
-          <p:cNvGrpSpPr/>
-          <p:nvPr/>
-        </p:nvGrpSpPr>
-        <p:grpSpPr>
-          <a:xfrm>
-            <a:off x="6934226" y="5777895"/>
-            <a:ext cx="4419548" cy="523220"/>
-            <a:chOff x="1320852" y="4758750"/>
-            <a:chExt cx="4419548" cy="523220"/>
-          </a:xfrm>
-        </p:grpSpPr>
-        <p:sp>
-          <p:nvSpPr>
-            <p:cNvPr id="24" name="TextBox 23">
-              <a:extLst>
-                <a:ext uri="{FF2B5EF4-FFF2-40B4-BE49-F238E27FC236}">
-                  <a16:creationId xmlns:a16="http://schemas.microsoft.com/office/drawing/2014/main" id="{B94B92E0-C0B7-44D3-B086-D79556BF057A}"/>
-                </a:ext>
-              </a:extLst>
-            </p:cNvPr>
-            <p:cNvSpPr txBox="1"/>
-            <p:nvPr/>
-          </p:nvSpPr>
-          <p:spPr>
-            <a:xfrm>
-              <a:off x="1920240" y="4820900"/>
-              <a:ext cx="3820160" cy="400110"/>
-            </a:xfrm>
-            <a:prstGeom prst="rect">
-              <a:avLst/>
-            </a:prstGeom>
-            <a:noFill/>
-          </p:spPr>
-          <p:txBody>
-            <a:bodyPr wrap="square" rtlCol="0">
-              <a:spAutoFit/>
-            </a:bodyPr>
-            <a:lstStyle/>
-            <a:p>
-              <a:r>
-                <a:rPr lang="ko-KR" altLang="en-US" sz="2000" dirty="0">
-                  <a:solidFill>
-                    <a:schemeClr val="bg1"/>
-                  </a:solidFill>
-                </a:rPr>
-                <a:t>제목을 입력하세요</a:t>
-              </a:r>
-            </a:p>
-          </p:txBody>
-        </p:sp>
-        <p:sp>
-          <p:nvSpPr>
-            <p:cNvPr id="25" name="TextBox 24">
-              <a:extLst>
-                <a:ext uri="{FF2B5EF4-FFF2-40B4-BE49-F238E27FC236}">
-                  <a16:creationId xmlns:a16="http://schemas.microsoft.com/office/drawing/2014/main" id="{A1EE13C9-13D6-45BD-A8F2-0816DAC5AAF6}"/>
-                </a:ext>
-              </a:extLst>
-            </p:cNvPr>
-            <p:cNvSpPr txBox="1"/>
-            <p:nvPr/>
-          </p:nvSpPr>
-          <p:spPr>
-            <a:xfrm>
-              <a:off x="1320852" y="4758750"/>
-              <a:ext cx="405880" cy="523220"/>
-            </a:xfrm>
-            <a:prstGeom prst="rect">
-              <a:avLst/>
-            </a:prstGeom>
-            <a:noFill/>
-          </p:spPr>
-          <p:txBody>
-            <a:bodyPr wrap="none" rtlCol="0">
-              <a:spAutoFit/>
-            </a:bodyPr>
-            <a:lstStyle/>
-            <a:p>
-              <a:r>
-                <a:rPr lang="en-US" altLang="ko-KR" sz="2800" dirty="0">
-                  <a:solidFill>
-                    <a:schemeClr val="bg1"/>
-                  </a:solidFill>
-                </a:rPr>
-                <a:t>4</a:t>
-              </a:r>
-              <a:endParaRPr lang="ko-KR" altLang="en-US" sz="2800" dirty="0">
-                <a:solidFill>
-                  <a:schemeClr val="bg1"/>
-                </a:solidFill>
-              </a:endParaRPr>
-            </a:p>
-          </p:txBody>
-        </p:sp>
-      </p:grpSp>
-    </p:spTree>
-    <p:extLst>
-      <p:ext uri="{BB962C8B-B14F-4D97-AF65-F5344CB8AC3E}">
-        <p14:creationId xmlns:p14="http://schemas.microsoft.com/office/powerpoint/2010/main" val="3400164901"/>
-      </p:ext>
-    </p:extLst>
-  </p:cSld>
-  <p:clrMapOvr>
-    <a:masterClrMapping/>
-  </p:clrMapOvr>
-  <mc:AlternateContent xmlns:mc="http://schemas.openxmlformats.org/markup-compatibility/2006" xmlns:p14="http://schemas.microsoft.com/office/powerpoint/2010/main">
-    <mc:Choice Requires="p14">
-      <p:transition spd="med" p14:dur="700">
-        <p:fade/>
-      </p:transition>
-    </mc:Choice>
-    <mc:Fallback xmlns="">
-      <p:transition spd="med">
-        <p:fade/>
-      </p:transition>
-    </mc:Fallback>
-  </mc:AlternateContent>
-</p:sld>
-</file>
-
-<file path=ppt/slides/slide8.xml><?xml version="1.0" encoding="utf-8"?>
-<p:sld xmlns:a="http://schemas.openxmlformats.org/drawingml/2006/main" xmlns:r="http://schemas.openxmlformats.org/officeDocument/2006/relationships" xmlns:p="http://schemas.openxmlformats.org/presentationml/2006/main">
-  <p:cSld>
-    <p:bg>
-      <p:bgPr>
-        <a:solidFill>
-          <a:schemeClr val="tx2">
-            <a:lumMod val="75000"/>
-          </a:schemeClr>
-        </a:solidFill>
-        <a:effectLst/>
-      </p:bgPr>
-    </p:bg>
-    <p:spTree>
-      <p:nvGrpSpPr>
-        <p:cNvPr id="1" name=""/>
-        <p:cNvGrpSpPr/>
-        <p:nvPr/>
-      </p:nvGrpSpPr>
-      <p:grpSpPr>
-        <a:xfrm>
-          <a:off x="0" y="0"/>
-          <a:ext cx="0" cy="0"/>
-          <a:chOff x="0" y="0"/>
-          <a:chExt cx="0" cy="0"/>
-        </a:xfrm>
-      </p:grpSpPr>
-      <p:sp>
-        <p:nvSpPr>
-          <p:cNvPr id="5" name="TextBox 4">
-            <a:extLst>
-              <a:ext uri="{FF2B5EF4-FFF2-40B4-BE49-F238E27FC236}">
-                <a16:creationId xmlns:a16="http://schemas.microsoft.com/office/drawing/2014/main" id="{FEF534C6-FC61-4EA2-8855-1A1004EB5117}"/>
-              </a:ext>
-            </a:extLst>
-          </p:cNvPr>
-          <p:cNvSpPr txBox="1"/>
-          <p:nvPr/>
-        </p:nvSpPr>
-        <p:spPr>
-          <a:xfrm>
-            <a:off x="588229" y="2147777"/>
-            <a:ext cx="1425390" cy="584775"/>
-          </a:xfrm>
-          <a:prstGeom prst="rect">
-            <a:avLst/>
-          </a:prstGeom>
-          <a:noFill/>
-        </p:spPr>
-        <p:txBody>
-          <a:bodyPr wrap="none" rtlCol="0">
-            <a:spAutoFit/>
-          </a:bodyPr>
-          <a:lstStyle/>
-          <a:p>
-            <a:pPr algn="ctr"/>
-            <a:r>
-              <a:rPr lang="en-US" altLang="ko-KR" sz="3200" dirty="0">
-                <a:solidFill>
-                  <a:schemeClr val="bg1"/>
-                </a:solidFill>
-              </a:rPr>
-              <a:t>Part 1, </a:t>
-            </a:r>
-            <a:endParaRPr lang="ko-KR" altLang="en-US" sz="3200" dirty="0">
-              <a:solidFill>
-                <a:schemeClr val="bg1"/>
-              </a:solidFill>
-            </a:endParaRPr>
-          </a:p>
-        </p:txBody>
-      </p:sp>
-      <p:sp>
-        <p:nvSpPr>
-          <p:cNvPr id="7" name="TextBox 6">
-            <a:extLst>
-              <a:ext uri="{FF2B5EF4-FFF2-40B4-BE49-F238E27FC236}">
-                <a16:creationId xmlns:a16="http://schemas.microsoft.com/office/drawing/2014/main" id="{F2894A62-3A98-4459-B069-8674BB246AAC}"/>
-              </a:ext>
-            </a:extLst>
-          </p:cNvPr>
-          <p:cNvSpPr txBox="1"/>
-          <p:nvPr/>
-        </p:nvSpPr>
-        <p:spPr>
-          <a:xfrm>
-            <a:off x="2633685" y="2178554"/>
-            <a:ext cx="4468863" cy="523220"/>
-          </a:xfrm>
-          <a:prstGeom prst="rect">
-            <a:avLst/>
-          </a:prstGeom>
-          <a:noFill/>
-        </p:spPr>
-        <p:txBody>
-          <a:bodyPr wrap="square" rtlCol="0">
-            <a:spAutoFit/>
-          </a:bodyPr>
-          <a:lstStyle/>
-          <a:p>
-            <a:r>
-              <a:rPr lang="ko-KR" altLang="en-US" sz="2800" dirty="0">
-                <a:solidFill>
-                  <a:schemeClr val="bg1"/>
-                </a:solidFill>
-              </a:rPr>
-              <a:t>제목을 입력하세요</a:t>
-            </a:r>
-          </a:p>
-        </p:txBody>
-      </p:sp>
-      <p:pic>
-        <p:nvPicPr>
-          <p:cNvPr id="8" name="그림 7" descr="실내, 테이블, 생활, 앉아있는이(가) 표시된 사진&#10;&#10;자동 생성된 설명">
-            <a:extLst>
-              <a:ext uri="{FF2B5EF4-FFF2-40B4-BE49-F238E27FC236}">
-                <a16:creationId xmlns:a16="http://schemas.microsoft.com/office/drawing/2014/main" id="{668FE375-8C13-46CC-9FDB-6B86C9164F9E}"/>
-              </a:ext>
-            </a:extLst>
-          </p:cNvPr>
-          <p:cNvPicPr>
-            <a:picLocks noChangeAspect="1"/>
-          </p:cNvPicPr>
-          <p:nvPr/>
-        </p:nvPicPr>
-        <p:blipFill rotWithShape="1">
-          <a:blip r:embed="rId2" cstate="screen">
-            <a:extLst>
-              <a:ext uri="{28A0092B-C50C-407E-A947-70E740481C1C}">
-                <a14:useLocalDpi xmlns:a14="http://schemas.microsoft.com/office/drawing/2010/main" val="0"/>
-              </a:ext>
-            </a:extLst>
-          </a:blip>
-          <a:srcRect/>
-          <a:stretch/>
-        </p:blipFill>
-        <p:spPr>
-          <a:xfrm>
-            <a:off x="0" y="3040912"/>
-            <a:ext cx="12192000" cy="3817088"/>
-          </a:xfrm>
-          <a:prstGeom prst="rect">
-            <a:avLst/>
-          </a:prstGeom>
-        </p:spPr>
-      </p:pic>
-    </p:spTree>
-    <p:extLst>
-      <p:ext uri="{BB962C8B-B14F-4D97-AF65-F5344CB8AC3E}">
-        <p14:creationId xmlns:p14="http://schemas.microsoft.com/office/powerpoint/2010/main" val="3407836219"/>
-      </p:ext>
-    </p:extLst>
-  </p:cSld>
-  <p:clrMapOvr>
-    <a:masterClrMapping/>
-  </p:clrMapOvr>
-  <mc:AlternateContent xmlns:mc="http://schemas.openxmlformats.org/markup-compatibility/2006" xmlns:p14="http://schemas.microsoft.com/office/powerpoint/2010/main">
-    <mc:Choice Requires="p14">
-      <p:transition spd="med" p14:dur="700">
-        <p:fade/>
-      </p:transition>
-    </mc:Choice>
-    <mc:Fallback xmlns="">
-      <p:transition spd="med">
-        <p:fade/>
-      </p:transition>
-    </mc:Fallback>
-  </mc:AlternateContent>
-</p:sld>
-</file>
-
-<file path=ppt/slides/slide9.xml><?xml version="1.0" encoding="utf-8"?>
-<p:sld xmlns:a="http://schemas.openxmlformats.org/drawingml/2006/main" xmlns:r="http://schemas.openxmlformats.org/officeDocument/2006/relationships" xmlns:p="http://schemas.openxmlformats.org/presentationml/2006/main">
-  <p:cSld>
-    <p:spTree>
-      <p:nvGrpSpPr>
-        <p:cNvPr id="1" name=""/>
-        <p:cNvGrpSpPr/>
-        <p:nvPr/>
-      </p:nvGrpSpPr>
-      <p:grpSpPr>
-        <a:xfrm>
-          <a:off x="0" y="0"/>
-          <a:ext cx="0" cy="0"/>
-          <a:chOff x="0" y="0"/>
-          <a:chExt cx="0" cy="0"/>
-        </a:xfrm>
-      </p:grpSpPr>
-      <p:cxnSp>
-        <p:nvCxnSpPr>
-          <p:cNvPr id="4" name="직선 연결선 3">
-            <a:extLst>
-              <a:ext uri="{FF2B5EF4-FFF2-40B4-BE49-F238E27FC236}">
-                <a16:creationId xmlns:a16="http://schemas.microsoft.com/office/drawing/2014/main" id="{9A8E474A-6ECB-442D-8A42-7881F4DFBB2A}"/>
-              </a:ext>
-            </a:extLst>
-          </p:cNvPr>
-          <p:cNvCxnSpPr>
-            <a:cxnSpLocks/>
-          </p:cNvCxnSpPr>
-          <p:nvPr/>
-        </p:nvCxnSpPr>
-        <p:spPr>
-          <a:xfrm>
-            <a:off x="177800" y="835707"/>
-            <a:ext cx="12014200" cy="0"/>
-          </a:xfrm>
-          <a:prstGeom prst="line">
-            <a:avLst/>
-          </a:prstGeom>
-          <a:ln>
-            <a:solidFill>
-              <a:schemeClr val="accent2"/>
-            </a:solidFill>
-          </a:ln>
-        </p:spPr>
-        <p:style>
-          <a:lnRef idx="1">
-            <a:schemeClr val="accent1"/>
-          </a:lnRef>
-          <a:fillRef idx="0">
-            <a:schemeClr val="accent1"/>
-          </a:fillRef>
-          <a:effectRef idx="0">
-            <a:schemeClr val="accent1"/>
-          </a:effectRef>
-          <a:fontRef idx="minor">
-            <a:schemeClr val="tx1"/>
-          </a:fontRef>
-        </p:style>
-      </p:cxnSp>
-      <p:sp>
-        <p:nvSpPr>
-          <p:cNvPr id="5" name="직사각형 4">
-            <a:extLst>
-              <a:ext uri="{FF2B5EF4-FFF2-40B4-BE49-F238E27FC236}">
-                <a16:creationId xmlns:a16="http://schemas.microsoft.com/office/drawing/2014/main" id="{76EF8051-9646-4552-BE57-7D95D1538BA2}"/>
-              </a:ext>
-            </a:extLst>
-          </p:cNvPr>
-          <p:cNvSpPr/>
-          <p:nvPr/>
-        </p:nvSpPr>
-        <p:spPr>
-          <a:xfrm>
-            <a:off x="0" y="0"/>
-            <a:ext cx="177800" cy="6858000"/>
-          </a:xfrm>
-          <a:prstGeom prst="rect">
-            <a:avLst/>
-          </a:prstGeom>
-          <a:solidFill>
-            <a:schemeClr val="accent1"/>
-          </a:solidFill>
-          <a:ln>
-            <a:noFill/>
-          </a:ln>
-        </p:spPr>
-        <p:style>
-          <a:lnRef idx="2">
-            <a:schemeClr val="accent1">
-              <a:shade val="50000"/>
-            </a:schemeClr>
-          </a:lnRef>
-          <a:fillRef idx="1">
-            <a:schemeClr val="accent1"/>
-          </a:fillRef>
-          <a:effectRef idx="0">
-            <a:schemeClr val="accent1"/>
-          </a:effectRef>
-          <a:fontRef idx="minor">
-            <a:schemeClr val="lt1"/>
-          </a:fontRef>
-        </p:style>
-        <p:txBody>
-          <a:bodyPr rtlCol="0" anchor="ctr"/>
-          <a:lstStyle/>
-          <a:p>
-            <a:pPr algn="ctr"/>
-            <a:endParaRPr lang="ko-KR" altLang="en-US"/>
-          </a:p>
-        </p:txBody>
-      </p:sp>
-      <p:sp>
-        <p:nvSpPr>
-          <p:cNvPr id="9" name="TextBox 8">
-            <a:extLst>
-              <a:ext uri="{FF2B5EF4-FFF2-40B4-BE49-F238E27FC236}">
-                <a16:creationId xmlns:a16="http://schemas.microsoft.com/office/drawing/2014/main" id="{7FFA9BC9-96FB-4B17-AF51-48D81692F2D7}"/>
-              </a:ext>
-            </a:extLst>
-          </p:cNvPr>
-          <p:cNvSpPr txBox="1"/>
-          <p:nvPr/>
-        </p:nvSpPr>
-        <p:spPr>
-          <a:xfrm>
-            <a:off x="329610" y="111525"/>
-            <a:ext cx="3134191" cy="584775"/>
-          </a:xfrm>
-          <a:prstGeom prst="rect">
-            <a:avLst/>
-          </a:prstGeom>
-          <a:noFill/>
-        </p:spPr>
-        <p:txBody>
-          <a:bodyPr wrap="none" rtlCol="0">
-            <a:spAutoFit/>
-          </a:bodyPr>
-          <a:lstStyle/>
-          <a:p>
-            <a:r>
-              <a:rPr lang="ko-KR" altLang="en-US" sz="3200" spc="-300" dirty="0">
-                <a:solidFill>
-                  <a:schemeClr val="tx1">
-                    <a:lumMod val="85000"/>
-                    <a:lumOff val="15000"/>
-                  </a:schemeClr>
-                </a:solidFill>
-              </a:rPr>
-              <a:t>제목을 입력하세요</a:t>
-            </a:r>
-          </a:p>
-        </p:txBody>
-      </p:sp>
-      <p:sp>
-        <p:nvSpPr>
-          <p:cNvPr id="16" name="TextBox 15">
-            <a:extLst>
-              <a:ext uri="{FF2B5EF4-FFF2-40B4-BE49-F238E27FC236}">
-                <a16:creationId xmlns:a16="http://schemas.microsoft.com/office/drawing/2014/main" id="{FD5F3A16-019F-4601-B0EF-882D4466946E}"/>
-              </a:ext>
-            </a:extLst>
-          </p:cNvPr>
-          <p:cNvSpPr txBox="1"/>
-          <p:nvPr/>
-        </p:nvSpPr>
-        <p:spPr>
-          <a:xfrm>
-            <a:off x="-98231" y="50565"/>
-            <a:ext cx="353943" cy="1849121"/>
-          </a:xfrm>
-          <a:prstGeom prst="rect">
-            <a:avLst/>
-          </a:prstGeom>
-          <a:noFill/>
-        </p:spPr>
-        <p:txBody>
-          <a:bodyPr vert="eaVert" wrap="square" rtlCol="0">
-            <a:spAutoFit/>
-          </a:bodyPr>
-          <a:lstStyle/>
-          <a:p>
-            <a:r>
-              <a:rPr lang="en-US" altLang="ko-KR" sz="1100" dirty="0">
-                <a:solidFill>
-                  <a:schemeClr val="bg1"/>
-                </a:solidFill>
-              </a:rPr>
-              <a:t>Part 1</a:t>
-            </a:r>
-            <a:endParaRPr lang="ko-KR" altLang="en-US" sz="1100" dirty="0">
-              <a:solidFill>
-                <a:schemeClr val="bg1"/>
-              </a:solidFill>
-            </a:endParaRPr>
-          </a:p>
-        </p:txBody>
-      </p:sp>
-      <p:sp>
-        <p:nvSpPr>
-          <p:cNvPr id="20" name="직사각형 19">
-            <a:extLst>
-              <a:ext uri="{FF2B5EF4-FFF2-40B4-BE49-F238E27FC236}">
-                <a16:creationId xmlns:a16="http://schemas.microsoft.com/office/drawing/2014/main" id="{4FA2D4A9-E4C9-43E1-833A-7E0DFF5D4F34}"/>
-              </a:ext>
-            </a:extLst>
-          </p:cNvPr>
-          <p:cNvSpPr/>
-          <p:nvPr/>
-        </p:nvSpPr>
-        <p:spPr>
-          <a:xfrm>
-            <a:off x="1278428" y="2047946"/>
-            <a:ext cx="1168400" cy="1044000"/>
-          </a:xfrm>
-          <a:prstGeom prst="rect">
-            <a:avLst/>
-          </a:prstGeom>
-          <a:solidFill>
-            <a:schemeClr val="accent1"/>
-          </a:solidFill>
-          <a:ln>
-            <a:noFill/>
-          </a:ln>
-        </p:spPr>
-        <p:style>
-          <a:lnRef idx="2">
-            <a:schemeClr val="accent1">
-              <a:shade val="50000"/>
-            </a:schemeClr>
-          </a:lnRef>
-          <a:fillRef idx="1">
-            <a:schemeClr val="accent1"/>
-          </a:fillRef>
-          <a:effectRef idx="0">
-            <a:schemeClr val="accent1"/>
-          </a:effectRef>
-          <a:fontRef idx="minor">
-            <a:schemeClr val="lt1"/>
-          </a:fontRef>
-        </p:style>
-        <p:txBody>
-          <a:bodyPr rtlCol="0" anchor="ctr"/>
-          <a:lstStyle/>
-          <a:p>
-            <a:pPr algn="ctr"/>
-            <a:endParaRPr lang="ko-KR" altLang="en-US"/>
-          </a:p>
-        </p:txBody>
-      </p:sp>
-      <p:sp>
-        <p:nvSpPr>
-          <p:cNvPr id="21" name="직사각형 20">
-            <a:extLst>
-              <a:ext uri="{FF2B5EF4-FFF2-40B4-BE49-F238E27FC236}">
-                <a16:creationId xmlns:a16="http://schemas.microsoft.com/office/drawing/2014/main" id="{199B28CF-3E7E-44C5-AFDD-39DB4B288DDE}"/>
-              </a:ext>
-            </a:extLst>
-          </p:cNvPr>
-          <p:cNvSpPr/>
-          <p:nvPr/>
-        </p:nvSpPr>
-        <p:spPr>
-          <a:xfrm>
-            <a:off x="2688128" y="2047946"/>
-            <a:ext cx="8242300" cy="1044000"/>
-          </a:xfrm>
-          <a:prstGeom prst="rect">
-            <a:avLst/>
-          </a:prstGeom>
-          <a:solidFill>
-            <a:schemeClr val="accent1"/>
-          </a:solidFill>
-          <a:ln>
-            <a:noFill/>
-          </a:ln>
-        </p:spPr>
-        <p:style>
-          <a:lnRef idx="2">
-            <a:schemeClr val="accent1">
-              <a:shade val="50000"/>
-            </a:schemeClr>
-          </a:lnRef>
-          <a:fillRef idx="1">
-            <a:schemeClr val="accent1"/>
-          </a:fillRef>
-          <a:effectRef idx="0">
-            <a:schemeClr val="accent1"/>
-          </a:effectRef>
-          <a:fontRef idx="minor">
-            <a:schemeClr val="lt1"/>
-          </a:fontRef>
-        </p:style>
-        <p:txBody>
-          <a:bodyPr rtlCol="0" anchor="ctr"/>
-          <a:lstStyle/>
-          <a:p>
-            <a:pPr algn="ctr"/>
-            <a:endParaRPr lang="ko-KR" altLang="en-US"/>
-          </a:p>
-        </p:txBody>
-      </p:sp>
-      <p:sp>
-        <p:nvSpPr>
-          <p:cNvPr id="22" name="TextBox 21">
-            <a:extLst>
-              <a:ext uri="{FF2B5EF4-FFF2-40B4-BE49-F238E27FC236}">
-                <a16:creationId xmlns:a16="http://schemas.microsoft.com/office/drawing/2014/main" id="{8C314329-C635-4D26-B07F-D3530E7FDACB}"/>
-              </a:ext>
-            </a:extLst>
-          </p:cNvPr>
-          <p:cNvSpPr txBox="1"/>
-          <p:nvPr/>
-        </p:nvSpPr>
-        <p:spPr>
-          <a:xfrm>
-            <a:off x="1629264" y="2234823"/>
-            <a:ext cx="394659" cy="646331"/>
-          </a:xfrm>
-          <a:prstGeom prst="rect">
-            <a:avLst/>
-          </a:prstGeom>
-          <a:noFill/>
-        </p:spPr>
-        <p:txBody>
-          <a:bodyPr wrap="none" rtlCol="0">
-            <a:spAutoFit/>
-          </a:bodyPr>
-          <a:lstStyle/>
-          <a:p>
-            <a:pPr algn="ctr"/>
-            <a:r>
-              <a:rPr lang="en-US" altLang="ko-KR" sz="3600" spc="-300" dirty="0">
-                <a:solidFill>
-                  <a:schemeClr val="bg1"/>
-                </a:solidFill>
-                <a:latin typeface="+mn-ea"/>
-              </a:rPr>
-              <a:t>1</a:t>
-            </a:r>
-            <a:endParaRPr lang="ko-KR" altLang="en-US" sz="3600" spc="-300" dirty="0">
-              <a:solidFill>
-                <a:schemeClr val="bg1"/>
-              </a:solidFill>
-              <a:latin typeface="+mn-ea"/>
-            </a:endParaRPr>
-          </a:p>
-        </p:txBody>
-      </p:sp>
-      <p:sp>
-        <p:nvSpPr>
-          <p:cNvPr id="23" name="TextBox 22">
-            <a:extLst>
-              <a:ext uri="{FF2B5EF4-FFF2-40B4-BE49-F238E27FC236}">
-                <a16:creationId xmlns:a16="http://schemas.microsoft.com/office/drawing/2014/main" id="{8F38D731-D30D-4CD5-998D-867D2C15C15F}"/>
-              </a:ext>
-            </a:extLst>
-          </p:cNvPr>
-          <p:cNvSpPr txBox="1"/>
-          <p:nvPr/>
-        </p:nvSpPr>
-        <p:spPr>
-          <a:xfrm>
-            <a:off x="2945222" y="2281114"/>
-            <a:ext cx="3078087" cy="584775"/>
-          </a:xfrm>
-          <a:prstGeom prst="rect">
-            <a:avLst/>
-          </a:prstGeom>
-          <a:noFill/>
-        </p:spPr>
-        <p:txBody>
-          <a:bodyPr wrap="none" rtlCol="0">
-            <a:spAutoFit/>
-          </a:bodyPr>
-          <a:lstStyle/>
-          <a:p>
-            <a:r>
-              <a:rPr lang="ko-KR" altLang="en-US" sz="3200" spc="-300" dirty="0">
-                <a:solidFill>
-                  <a:schemeClr val="bg1"/>
-                </a:solidFill>
-                <a:latin typeface="+mn-ea"/>
-              </a:rPr>
-              <a:t>주제를 입력하세요</a:t>
-            </a:r>
-          </a:p>
-        </p:txBody>
-      </p:sp>
-      <p:sp>
-        <p:nvSpPr>
-          <p:cNvPr id="24" name="직사각형 23">
-            <a:extLst>
-              <a:ext uri="{FF2B5EF4-FFF2-40B4-BE49-F238E27FC236}">
-                <a16:creationId xmlns:a16="http://schemas.microsoft.com/office/drawing/2014/main" id="{887E0D8A-DD27-4A53-A279-753B49A4E136}"/>
-              </a:ext>
-            </a:extLst>
-          </p:cNvPr>
-          <p:cNvSpPr/>
-          <p:nvPr/>
-        </p:nvSpPr>
-        <p:spPr>
-          <a:xfrm>
-            <a:off x="1278428" y="3367447"/>
-            <a:ext cx="1168400" cy="1044000"/>
-          </a:xfrm>
-          <a:prstGeom prst="rect">
-            <a:avLst/>
-          </a:prstGeom>
-          <a:solidFill>
-            <a:schemeClr val="accent2"/>
-          </a:solidFill>
-          <a:ln>
-            <a:noFill/>
-          </a:ln>
-        </p:spPr>
-        <p:style>
-          <a:lnRef idx="0">
-            <a:scrgbClr r="0" g="0" b="0"/>
-          </a:lnRef>
-          <a:fillRef idx="0">
-            <a:scrgbClr r="0" g="0" b="0"/>
-          </a:fillRef>
-          <a:effectRef idx="0">
-            <a:scrgbClr r="0" g="0" b="0"/>
-          </a:effectRef>
-          <a:fontRef idx="minor">
-            <a:schemeClr val="lt1"/>
-          </a:fontRef>
-        </p:style>
-        <p:txBody>
-          <a:bodyPr rtlCol="0" anchor="ctr"/>
-          <a:lstStyle/>
-          <a:p>
-            <a:pPr algn="ctr"/>
-            <a:endParaRPr lang="ko-KR" altLang="en-US"/>
-          </a:p>
-        </p:txBody>
-      </p:sp>
-      <p:sp>
-        <p:nvSpPr>
-          <p:cNvPr id="25" name="직사각형 24">
-            <a:extLst>
-              <a:ext uri="{FF2B5EF4-FFF2-40B4-BE49-F238E27FC236}">
-                <a16:creationId xmlns:a16="http://schemas.microsoft.com/office/drawing/2014/main" id="{5F192B7F-CF9B-4CE2-81F8-827E779C4742}"/>
-              </a:ext>
-            </a:extLst>
-          </p:cNvPr>
-          <p:cNvSpPr/>
-          <p:nvPr/>
-        </p:nvSpPr>
-        <p:spPr>
-          <a:xfrm>
-            <a:off x="2688128" y="3367447"/>
-            <a:ext cx="8242300" cy="1044000"/>
-          </a:xfrm>
-          <a:prstGeom prst="rect">
-            <a:avLst/>
-          </a:prstGeom>
-          <a:solidFill>
-            <a:schemeClr val="accent2"/>
-          </a:solidFill>
-          <a:ln>
-            <a:noFill/>
-          </a:ln>
-        </p:spPr>
-        <p:style>
-          <a:lnRef idx="0">
-            <a:scrgbClr r="0" g="0" b="0"/>
-          </a:lnRef>
-          <a:fillRef idx="0">
-            <a:scrgbClr r="0" g="0" b="0"/>
-          </a:fillRef>
-          <a:effectRef idx="0">
-            <a:scrgbClr r="0" g="0" b="0"/>
-          </a:effectRef>
-          <a:fontRef idx="minor">
-            <a:schemeClr val="lt1"/>
-          </a:fontRef>
-        </p:style>
-        <p:txBody>
-          <a:bodyPr rtlCol="0" anchor="ctr"/>
-          <a:lstStyle/>
-          <a:p>
-            <a:pPr algn="ctr"/>
-            <a:endParaRPr lang="ko-KR" altLang="en-US"/>
-          </a:p>
-        </p:txBody>
-      </p:sp>
-      <p:sp>
-        <p:nvSpPr>
-          <p:cNvPr id="26" name="TextBox 25">
-            <a:extLst>
-              <a:ext uri="{FF2B5EF4-FFF2-40B4-BE49-F238E27FC236}">
-                <a16:creationId xmlns:a16="http://schemas.microsoft.com/office/drawing/2014/main" id="{A1E2D36A-7646-4481-8FD3-C7DE69DFE174}"/>
-              </a:ext>
-            </a:extLst>
-          </p:cNvPr>
-          <p:cNvSpPr txBox="1"/>
-          <p:nvPr/>
-        </p:nvSpPr>
-        <p:spPr>
-          <a:xfrm>
-            <a:off x="1639898" y="3564662"/>
-            <a:ext cx="394659" cy="646331"/>
-          </a:xfrm>
-          <a:prstGeom prst="rect">
-            <a:avLst/>
-          </a:prstGeom>
-          <a:noFill/>
-          <a:ln>
-            <a:noFill/>
-          </a:ln>
-        </p:spPr>
-        <p:style>
-          <a:lnRef idx="0">
-            <a:scrgbClr r="0" g="0" b="0"/>
-          </a:lnRef>
-          <a:fillRef idx="0">
-            <a:scrgbClr r="0" g="0" b="0"/>
-          </a:fillRef>
-          <a:effectRef idx="0">
-            <a:scrgbClr r="0" g="0" b="0"/>
-          </a:effectRef>
-          <a:fontRef idx="minor">
-            <a:schemeClr val="lt1"/>
-          </a:fontRef>
-        </p:style>
-        <p:txBody>
-          <a:bodyPr wrap="none" rtlCol="0">
-            <a:spAutoFit/>
-          </a:bodyPr>
-          <a:lstStyle/>
-          <a:p>
-            <a:pPr algn="ctr"/>
-            <a:r>
-              <a:rPr lang="en-US" altLang="ko-KR" sz="3600" spc="-300" dirty="0">
-                <a:solidFill>
-                  <a:schemeClr val="bg1"/>
-                </a:solidFill>
-                <a:latin typeface="+mn-ea"/>
-              </a:rPr>
-              <a:t>2</a:t>
-            </a:r>
-            <a:endParaRPr lang="ko-KR" altLang="en-US" sz="3600" spc="-300" dirty="0">
-              <a:solidFill>
-                <a:schemeClr val="bg1"/>
-              </a:solidFill>
-              <a:latin typeface="+mn-ea"/>
-            </a:endParaRPr>
-          </a:p>
-        </p:txBody>
-      </p:sp>
-      <p:sp>
-        <p:nvSpPr>
-          <p:cNvPr id="27" name="TextBox 26">
-            <a:extLst>
-              <a:ext uri="{FF2B5EF4-FFF2-40B4-BE49-F238E27FC236}">
-                <a16:creationId xmlns:a16="http://schemas.microsoft.com/office/drawing/2014/main" id="{96E7130C-A8D2-4182-9379-C3BC60E1958A}"/>
-              </a:ext>
-            </a:extLst>
-          </p:cNvPr>
-          <p:cNvSpPr txBox="1"/>
-          <p:nvPr/>
-        </p:nvSpPr>
-        <p:spPr>
-          <a:xfrm>
-            <a:off x="2945222" y="3579352"/>
-            <a:ext cx="3078087" cy="584775"/>
-          </a:xfrm>
-          <a:prstGeom prst="rect">
-            <a:avLst/>
-          </a:prstGeom>
-          <a:noFill/>
-          <a:ln>
-            <a:noFill/>
-          </a:ln>
-        </p:spPr>
-        <p:style>
-          <a:lnRef idx="0">
-            <a:scrgbClr r="0" g="0" b="0"/>
-          </a:lnRef>
-          <a:fillRef idx="0">
-            <a:scrgbClr r="0" g="0" b="0"/>
-          </a:fillRef>
-          <a:effectRef idx="0">
-            <a:scrgbClr r="0" g="0" b="0"/>
-          </a:effectRef>
-          <a:fontRef idx="minor">
-            <a:schemeClr val="lt1"/>
-          </a:fontRef>
-        </p:style>
-        <p:txBody>
-          <a:bodyPr wrap="none" rtlCol="0">
-            <a:spAutoFit/>
-          </a:bodyPr>
-          <a:lstStyle/>
-          <a:p>
-            <a:r>
-              <a:rPr lang="ko-KR" altLang="en-US" sz="3200" spc="-300" dirty="0">
-                <a:solidFill>
-                  <a:schemeClr val="bg1"/>
-                </a:solidFill>
-                <a:latin typeface="+mn-ea"/>
-              </a:rPr>
-              <a:t>주제를 입력하세요</a:t>
-            </a:r>
-          </a:p>
-        </p:txBody>
-      </p:sp>
-      <p:sp>
-        <p:nvSpPr>
-          <p:cNvPr id="28" name="직사각형 27">
-            <a:extLst>
-              <a:ext uri="{FF2B5EF4-FFF2-40B4-BE49-F238E27FC236}">
-                <a16:creationId xmlns:a16="http://schemas.microsoft.com/office/drawing/2014/main" id="{8215329A-A686-4974-A482-CF46E001D756}"/>
-              </a:ext>
-            </a:extLst>
-          </p:cNvPr>
-          <p:cNvSpPr/>
-          <p:nvPr/>
-        </p:nvSpPr>
-        <p:spPr>
-          <a:xfrm>
-            <a:off x="1278428" y="4686948"/>
-            <a:ext cx="1168400" cy="1044000"/>
-          </a:xfrm>
-          <a:prstGeom prst="rect">
-            <a:avLst/>
-          </a:prstGeom>
-          <a:solidFill>
-            <a:schemeClr val="accent5"/>
-          </a:solidFill>
-          <a:ln>
-            <a:noFill/>
-          </a:ln>
-        </p:spPr>
-        <p:style>
-          <a:lnRef idx="2">
-            <a:schemeClr val="accent1">
-              <a:shade val="50000"/>
-            </a:schemeClr>
-          </a:lnRef>
-          <a:fillRef idx="1">
-            <a:schemeClr val="accent1"/>
-          </a:fillRef>
-          <a:effectRef idx="0">
-            <a:schemeClr val="accent1"/>
-          </a:effectRef>
-          <a:fontRef idx="minor">
-            <a:schemeClr val="lt1"/>
-          </a:fontRef>
-        </p:style>
-        <p:txBody>
-          <a:bodyPr rtlCol="0" anchor="ctr"/>
-          <a:lstStyle/>
-          <a:p>
-            <a:pPr algn="ctr"/>
-            <a:endParaRPr lang="ko-KR" altLang="en-US"/>
-          </a:p>
-        </p:txBody>
-      </p:sp>
-      <p:sp>
-        <p:nvSpPr>
-          <p:cNvPr id="29" name="직사각형 28">
-            <a:extLst>
-              <a:ext uri="{FF2B5EF4-FFF2-40B4-BE49-F238E27FC236}">
-                <a16:creationId xmlns:a16="http://schemas.microsoft.com/office/drawing/2014/main" id="{545BF32E-3D4D-416C-8E66-F898CB17E0F5}"/>
-              </a:ext>
-            </a:extLst>
-          </p:cNvPr>
-          <p:cNvSpPr/>
-          <p:nvPr/>
-        </p:nvSpPr>
-        <p:spPr>
-          <a:xfrm>
-            <a:off x="2688128" y="4686948"/>
-            <a:ext cx="8242300" cy="1044000"/>
-          </a:xfrm>
-          <a:prstGeom prst="rect">
-            <a:avLst/>
-          </a:prstGeom>
-          <a:solidFill>
-            <a:schemeClr val="accent5"/>
-          </a:solidFill>
-          <a:ln>
-            <a:noFill/>
-          </a:ln>
-        </p:spPr>
-        <p:style>
-          <a:lnRef idx="2">
-            <a:schemeClr val="accent1">
-              <a:shade val="50000"/>
-            </a:schemeClr>
-          </a:lnRef>
-          <a:fillRef idx="1">
-            <a:schemeClr val="accent1"/>
-          </a:fillRef>
-          <a:effectRef idx="0">
-            <a:schemeClr val="accent1"/>
-          </a:effectRef>
-          <a:fontRef idx="minor">
-            <a:schemeClr val="lt1"/>
-          </a:fontRef>
-        </p:style>
-        <p:txBody>
-          <a:bodyPr rtlCol="0" anchor="ctr"/>
-          <a:lstStyle/>
-          <a:p>
-            <a:pPr algn="ctr"/>
-            <a:endParaRPr lang="ko-KR" altLang="en-US"/>
-          </a:p>
-        </p:txBody>
-      </p:sp>
-      <p:sp>
-        <p:nvSpPr>
-          <p:cNvPr id="30" name="TextBox 29">
-            <a:extLst>
-              <a:ext uri="{FF2B5EF4-FFF2-40B4-BE49-F238E27FC236}">
-                <a16:creationId xmlns:a16="http://schemas.microsoft.com/office/drawing/2014/main" id="{DA8E1275-5489-405E-8689-CBBC2527C00C}"/>
-              </a:ext>
-            </a:extLst>
-          </p:cNvPr>
-          <p:cNvSpPr txBox="1"/>
-          <p:nvPr/>
-        </p:nvSpPr>
-        <p:spPr>
-          <a:xfrm>
-            <a:off x="1639898" y="4884163"/>
-            <a:ext cx="394659" cy="646331"/>
-          </a:xfrm>
-          <a:prstGeom prst="rect">
-            <a:avLst/>
-          </a:prstGeom>
-          <a:noFill/>
-        </p:spPr>
-        <p:txBody>
-          <a:bodyPr wrap="none" rtlCol="0">
-            <a:spAutoFit/>
-          </a:bodyPr>
-          <a:lstStyle/>
-          <a:p>
-            <a:pPr algn="ctr"/>
-            <a:r>
-              <a:rPr lang="en-US" altLang="ko-KR" sz="3600" spc="-300" dirty="0">
-                <a:solidFill>
-                  <a:schemeClr val="bg1"/>
-                </a:solidFill>
-                <a:latin typeface="+mn-ea"/>
-              </a:rPr>
-              <a:t>3</a:t>
-            </a:r>
-            <a:endParaRPr lang="ko-KR" altLang="en-US" sz="3600" spc="-300" dirty="0">
-              <a:solidFill>
-                <a:schemeClr val="bg1"/>
-              </a:solidFill>
-              <a:latin typeface="+mn-ea"/>
-            </a:endParaRPr>
-          </a:p>
-        </p:txBody>
-      </p:sp>
-      <p:sp>
-        <p:nvSpPr>
-          <p:cNvPr id="31" name="TextBox 30">
-            <a:extLst>
-              <a:ext uri="{FF2B5EF4-FFF2-40B4-BE49-F238E27FC236}">
-                <a16:creationId xmlns:a16="http://schemas.microsoft.com/office/drawing/2014/main" id="{27132537-D9AC-4919-8A6E-B052AD40CF34}"/>
-              </a:ext>
-            </a:extLst>
-          </p:cNvPr>
-          <p:cNvSpPr txBox="1"/>
-          <p:nvPr/>
-        </p:nvSpPr>
-        <p:spPr>
-          <a:xfrm>
-            <a:off x="2945222" y="4898853"/>
-            <a:ext cx="3078087" cy="584775"/>
-          </a:xfrm>
-          <a:prstGeom prst="rect">
-            <a:avLst/>
-          </a:prstGeom>
-          <a:noFill/>
-        </p:spPr>
-        <p:txBody>
-          <a:bodyPr wrap="none" rtlCol="0">
-            <a:spAutoFit/>
-          </a:bodyPr>
-          <a:lstStyle/>
-          <a:p>
-            <a:r>
-              <a:rPr lang="ko-KR" altLang="en-US" sz="3200" spc="-300" dirty="0">
-                <a:solidFill>
-                  <a:schemeClr val="bg1"/>
-                </a:solidFill>
-                <a:latin typeface="+mn-ea"/>
-              </a:rPr>
-              <a:t>주제를 입력하세요</a:t>
-            </a:r>
-          </a:p>
-        </p:txBody>
-      </p:sp>
-    </p:spTree>
-    <p:extLst>
-      <p:ext uri="{BB962C8B-B14F-4D97-AF65-F5344CB8AC3E}">
-        <p14:creationId xmlns:p14="http://schemas.microsoft.com/office/powerpoint/2010/main" val="2393631099"/>
       </p:ext>
     </p:extLst>
   </p:cSld>

--- a/aPlatform/aPlatform/portfolio_README.pptx
+++ b/aPlatform/aPlatform/portfolio_README.pptx
@@ -9,39 +9,41 @@
     <p:sldId id="271" r:id="rId3"/>
     <p:sldId id="275" r:id="rId4"/>
     <p:sldId id="300" r:id="rId5"/>
-    <p:sldId id="303" r:id="rId6"/>
-    <p:sldId id="302" r:id="rId7"/>
-    <p:sldId id="301" r:id="rId8"/>
-    <p:sldId id="272" r:id="rId9"/>
-    <p:sldId id="273" r:id="rId10"/>
-    <p:sldId id="274" r:id="rId11"/>
-    <p:sldId id="263" r:id="rId12"/>
-    <p:sldId id="297" r:id="rId13"/>
-    <p:sldId id="284" r:id="rId14"/>
-    <p:sldId id="278" r:id="rId15"/>
-    <p:sldId id="282" r:id="rId16"/>
-    <p:sldId id="283" r:id="rId17"/>
-    <p:sldId id="276" r:id="rId18"/>
-    <p:sldId id="281" r:id="rId19"/>
-    <p:sldId id="298" r:id="rId20"/>
-    <p:sldId id="295" r:id="rId21"/>
-    <p:sldId id="286" r:id="rId22"/>
-    <p:sldId id="287" r:id="rId23"/>
-    <p:sldId id="280" r:id="rId24"/>
-    <p:sldId id="289" r:id="rId25"/>
-    <p:sldId id="288" r:id="rId26"/>
-    <p:sldId id="299" r:id="rId27"/>
-    <p:sldId id="294" r:id="rId28"/>
-    <p:sldId id="290" r:id="rId29"/>
-    <p:sldId id="291" r:id="rId30"/>
-    <p:sldId id="292" r:id="rId31"/>
-    <p:sldId id="293" r:id="rId32"/>
-    <p:sldId id="256" r:id="rId33"/>
-    <p:sldId id="257" r:id="rId34"/>
-    <p:sldId id="260" r:id="rId35"/>
-    <p:sldId id="259" r:id="rId36"/>
-    <p:sldId id="265" r:id="rId37"/>
-    <p:sldId id="266" r:id="rId38"/>
+    <p:sldId id="272" r:id="rId6"/>
+    <p:sldId id="273" r:id="rId7"/>
+    <p:sldId id="303" r:id="rId8"/>
+    <p:sldId id="302" r:id="rId9"/>
+    <p:sldId id="301" r:id="rId10"/>
+    <p:sldId id="305" r:id="rId11"/>
+    <p:sldId id="304" r:id="rId12"/>
+    <p:sldId id="274" r:id="rId13"/>
+    <p:sldId id="263" r:id="rId14"/>
+    <p:sldId id="297" r:id="rId15"/>
+    <p:sldId id="284" r:id="rId16"/>
+    <p:sldId id="278" r:id="rId17"/>
+    <p:sldId id="282" r:id="rId18"/>
+    <p:sldId id="283" r:id="rId19"/>
+    <p:sldId id="276" r:id="rId20"/>
+    <p:sldId id="281" r:id="rId21"/>
+    <p:sldId id="298" r:id="rId22"/>
+    <p:sldId id="295" r:id="rId23"/>
+    <p:sldId id="286" r:id="rId24"/>
+    <p:sldId id="287" r:id="rId25"/>
+    <p:sldId id="280" r:id="rId26"/>
+    <p:sldId id="289" r:id="rId27"/>
+    <p:sldId id="288" r:id="rId28"/>
+    <p:sldId id="299" r:id="rId29"/>
+    <p:sldId id="294" r:id="rId30"/>
+    <p:sldId id="290" r:id="rId31"/>
+    <p:sldId id="291" r:id="rId32"/>
+    <p:sldId id="292" r:id="rId33"/>
+    <p:sldId id="293" r:id="rId34"/>
+    <p:sldId id="256" r:id="rId35"/>
+    <p:sldId id="257" r:id="rId36"/>
+    <p:sldId id="260" r:id="rId37"/>
+    <p:sldId id="259" r:id="rId38"/>
+    <p:sldId id="265" r:id="rId39"/>
+    <p:sldId id="266" r:id="rId40"/>
   </p:sldIdLst>
   <p:sldSz cx="12192000" cy="6858000"/>
   <p:notesSz cx="6858000" cy="9144000"/>
@@ -5945,7 +5947,7 @@
           <a:p>
             <a:fld id="{9FE7A9D4-2312-4C80-955C-3A7FA2F8832A}" type="datetimeFigureOut">
               <a:rPr lang="ko-KR" altLang="en-US" smtClean="0"/>
-              <a:t>2022-04-13</a:t>
+              <a:t>2022-04-15</a:t>
             </a:fld>
             <a:endParaRPr lang="ko-KR" altLang="en-US"/>
           </a:p>
@@ -6245,7 +6247,7 @@
           <a:p>
             <a:fld id="{9FE7A9D4-2312-4C80-955C-3A7FA2F8832A}" type="datetimeFigureOut">
               <a:rPr lang="ko-KR" altLang="en-US" smtClean="0"/>
-              <a:t>2022-04-13</a:t>
+              <a:t>2022-04-15</a:t>
             </a:fld>
             <a:endParaRPr lang="ko-KR" altLang="en-US"/>
           </a:p>
@@ -6455,7 +6457,7 @@
           <a:p>
             <a:fld id="{9FE7A9D4-2312-4C80-955C-3A7FA2F8832A}" type="datetimeFigureOut">
               <a:rPr lang="ko-KR" altLang="en-US" smtClean="0"/>
-              <a:t>2022-04-13</a:t>
+              <a:t>2022-04-15</a:t>
             </a:fld>
             <a:endParaRPr lang="ko-KR" altLang="en-US"/>
           </a:p>
@@ -6675,7 +6677,7 @@
           <a:p>
             <a:fld id="{9FE7A9D4-2312-4C80-955C-3A7FA2F8832A}" type="datetimeFigureOut">
               <a:rPr lang="ko-KR" altLang="en-US" smtClean="0"/>
-              <a:t>2022-04-13</a:t>
+              <a:t>2022-04-15</a:t>
             </a:fld>
             <a:endParaRPr lang="ko-KR" altLang="en-US"/>
           </a:p>
@@ -6885,7 +6887,7 @@
           <a:p>
             <a:fld id="{9FE7A9D4-2312-4C80-955C-3A7FA2F8832A}" type="datetimeFigureOut">
               <a:rPr lang="ko-KR" altLang="en-US" smtClean="0"/>
-              <a:t>2022-04-13</a:t>
+              <a:t>2022-04-15</a:t>
             </a:fld>
             <a:endParaRPr lang="ko-KR" altLang="en-US"/>
           </a:p>
@@ -7172,7 +7174,7 @@
           <a:p>
             <a:fld id="{9FE7A9D4-2312-4C80-955C-3A7FA2F8832A}" type="datetimeFigureOut">
               <a:rPr lang="ko-KR" altLang="en-US" smtClean="0"/>
-              <a:t>2022-04-13</a:t>
+              <a:t>2022-04-15</a:t>
             </a:fld>
             <a:endParaRPr lang="ko-KR" altLang="en-US"/>
           </a:p>
@@ -7449,7 +7451,7 @@
           <a:p>
             <a:fld id="{9FE7A9D4-2312-4C80-955C-3A7FA2F8832A}" type="datetimeFigureOut">
               <a:rPr lang="ko-KR" altLang="en-US" smtClean="0"/>
-              <a:t>2022-04-13</a:t>
+              <a:t>2022-04-15</a:t>
             </a:fld>
             <a:endParaRPr lang="ko-KR" altLang="en-US"/>
           </a:p>
@@ -7873,7 +7875,7 @@
           <a:p>
             <a:fld id="{9FE7A9D4-2312-4C80-955C-3A7FA2F8832A}" type="datetimeFigureOut">
               <a:rPr lang="ko-KR" altLang="en-US" smtClean="0"/>
-              <a:t>2022-04-13</a:t>
+              <a:t>2022-04-15</a:t>
             </a:fld>
             <a:endParaRPr lang="ko-KR" altLang="en-US"/>
           </a:p>
@@ -8026,7 +8028,7 @@
           <a:p>
             <a:fld id="{9FE7A9D4-2312-4C80-955C-3A7FA2F8832A}" type="datetimeFigureOut">
               <a:rPr lang="ko-KR" altLang="en-US" smtClean="0"/>
-              <a:t>2022-04-13</a:t>
+              <a:t>2022-04-15</a:t>
             </a:fld>
             <a:endParaRPr lang="ko-KR" altLang="en-US"/>
           </a:p>
@@ -8240,7 +8242,7 @@
           <a:p>
             <a:fld id="{9FE7A9D4-2312-4C80-955C-3A7FA2F8832A}" type="datetimeFigureOut">
               <a:rPr lang="ko-KR" altLang="en-US" smtClean="0"/>
-              <a:t>2022-04-13</a:t>
+              <a:t>2022-04-15</a:t>
             </a:fld>
             <a:endParaRPr lang="ko-KR" altLang="en-US"/>
           </a:p>
@@ -8454,7 +8456,7 @@
           <a:p>
             <a:fld id="{9FE7A9D4-2312-4C80-955C-3A7FA2F8832A}" type="datetimeFigureOut">
               <a:rPr lang="ko-KR" altLang="en-US" smtClean="0"/>
-              <a:t>2022-04-13</a:t>
+              <a:t>2022-04-15</a:t>
             </a:fld>
             <a:endParaRPr lang="ko-KR" altLang="en-US"/>
           </a:p>
@@ -8777,7 +8779,7 @@
           <a:p>
             <a:fld id="{9FE7A9D4-2312-4C80-955C-3A7FA2F8832A}" type="datetimeFigureOut">
               <a:rPr lang="ko-KR" altLang="en-US" smtClean="0"/>
-              <a:t>2022-04-13</a:t>
+              <a:t>2022-04-15</a:t>
             </a:fld>
             <a:endParaRPr lang="ko-KR" altLang="en-US"/>
           </a:p>
@@ -9030,7 +9032,7 @@
           <a:p>
             <a:fld id="{9FE7A9D4-2312-4C80-955C-3A7FA2F8832A}" type="datetimeFigureOut">
               <a:rPr lang="ko-KR" altLang="en-US" smtClean="0"/>
-              <a:t>2022-04-13</a:t>
+              <a:t>2022-04-15</a:t>
             </a:fld>
             <a:endParaRPr lang="ko-KR" altLang="en-US"/>
           </a:p>
@@ -9684,6 +9686,1609 @@
     <p:bg>
       <p:bgPr>
         <a:solidFill>
+          <a:schemeClr val="accent4"/>
+        </a:solidFill>
+        <a:effectLst/>
+      </p:bgPr>
+    </p:bg>
+    <p:spTree>
+      <p:nvGrpSpPr>
+        <p:cNvPr id="1" name=""/>
+        <p:cNvGrpSpPr/>
+        <p:nvPr/>
+      </p:nvGrpSpPr>
+      <p:grpSpPr>
+        <a:xfrm>
+          <a:off x="0" y="0"/>
+          <a:ext cx="0" cy="0"/>
+          <a:chOff x="0" y="0"/>
+          <a:chExt cx="0" cy="0"/>
+        </a:xfrm>
+      </p:grpSpPr>
+      <p:grpSp>
+        <p:nvGrpSpPr>
+          <p:cNvPr id="8" name="그룹 7">
+            <a:extLst>
+              <a:ext uri="{FF2B5EF4-FFF2-40B4-BE49-F238E27FC236}">
+                <a16:creationId xmlns:a16="http://schemas.microsoft.com/office/drawing/2014/main" id="{D4880E38-0FAA-4438-8AB2-6699E31A94C1}"/>
+              </a:ext>
+            </a:extLst>
+          </p:cNvPr>
+          <p:cNvGrpSpPr/>
+          <p:nvPr/>
+        </p:nvGrpSpPr>
+        <p:grpSpPr>
+          <a:xfrm>
+            <a:off x="599440" y="1290320"/>
+            <a:ext cx="5344160" cy="4450080"/>
+            <a:chOff x="599440" y="1290320"/>
+            <a:chExt cx="5344160" cy="4450080"/>
+          </a:xfrm>
+        </p:grpSpPr>
+        <p:sp>
+          <p:nvSpPr>
+            <p:cNvPr id="2" name="사각형: 둥근 모서리 1">
+              <a:extLst>
+                <a:ext uri="{FF2B5EF4-FFF2-40B4-BE49-F238E27FC236}">
+                  <a16:creationId xmlns:a16="http://schemas.microsoft.com/office/drawing/2014/main" id="{88DAF014-91EB-46ED-A066-52758E9E050B}"/>
+                </a:ext>
+              </a:extLst>
+            </p:cNvPr>
+            <p:cNvSpPr/>
+            <p:nvPr/>
+          </p:nvSpPr>
+          <p:spPr>
+            <a:xfrm>
+              <a:off x="599440" y="1290320"/>
+              <a:ext cx="5344160" cy="4450080"/>
+            </a:xfrm>
+            <a:prstGeom prst="roundRect">
+              <a:avLst>
+                <a:gd name="adj" fmla="val 12329"/>
+              </a:avLst>
+            </a:prstGeom>
+            <a:solidFill>
+              <a:schemeClr val="tx2">
+                <a:lumMod val="75000"/>
+              </a:schemeClr>
+            </a:solidFill>
+            <a:ln>
+              <a:noFill/>
+            </a:ln>
+          </p:spPr>
+          <p:style>
+            <a:lnRef idx="2">
+              <a:schemeClr val="accent1">
+                <a:shade val="50000"/>
+              </a:schemeClr>
+            </a:lnRef>
+            <a:fillRef idx="1">
+              <a:schemeClr val="accent1"/>
+            </a:fillRef>
+            <a:effectRef idx="0">
+              <a:schemeClr val="accent1"/>
+            </a:effectRef>
+            <a:fontRef idx="minor">
+              <a:schemeClr val="lt1"/>
+            </a:fontRef>
+          </p:style>
+          <p:txBody>
+            <a:bodyPr rtlCol="0" anchor="ctr"/>
+            <a:lstStyle/>
+            <a:p>
+              <a:pPr algn="ctr"/>
+              <a:endParaRPr lang="ko-KR" altLang="en-US" dirty="0"/>
+            </a:p>
+          </p:txBody>
+        </p:sp>
+        <p:sp>
+          <p:nvSpPr>
+            <p:cNvPr id="5" name="타원 4">
+              <a:extLst>
+                <a:ext uri="{FF2B5EF4-FFF2-40B4-BE49-F238E27FC236}">
+                  <a16:creationId xmlns:a16="http://schemas.microsoft.com/office/drawing/2014/main" id="{782D9EE4-0481-47A2-98B1-ADDBA4498D24}"/>
+                </a:ext>
+              </a:extLst>
+            </p:cNvPr>
+            <p:cNvSpPr/>
+            <p:nvPr/>
+          </p:nvSpPr>
+          <p:spPr>
+            <a:xfrm>
+              <a:off x="985520" y="1717040"/>
+              <a:ext cx="1158240" cy="1158240"/>
+            </a:xfrm>
+            <a:prstGeom prst="ellipse">
+              <a:avLst/>
+            </a:prstGeom>
+            <a:solidFill>
+              <a:schemeClr val="bg1">
+                <a:lumMod val="95000"/>
+              </a:schemeClr>
+            </a:solidFill>
+            <a:ln>
+              <a:noFill/>
+            </a:ln>
+          </p:spPr>
+          <p:style>
+            <a:lnRef idx="2">
+              <a:schemeClr val="accent1">
+                <a:shade val="50000"/>
+              </a:schemeClr>
+            </a:lnRef>
+            <a:fillRef idx="1">
+              <a:schemeClr val="accent1"/>
+            </a:fillRef>
+            <a:effectRef idx="0">
+              <a:schemeClr val="accent1"/>
+            </a:effectRef>
+            <a:fontRef idx="minor">
+              <a:schemeClr val="lt1"/>
+            </a:fontRef>
+          </p:style>
+          <p:txBody>
+            <a:bodyPr rtlCol="0" anchor="ctr"/>
+            <a:lstStyle/>
+            <a:p>
+              <a:pPr algn="ctr"/>
+              <a:endParaRPr lang="ko-KR" altLang="en-US"/>
+            </a:p>
+          </p:txBody>
+        </p:sp>
+        <p:sp>
+          <p:nvSpPr>
+            <p:cNvPr id="6" name="TextBox 5">
+              <a:extLst>
+                <a:ext uri="{FF2B5EF4-FFF2-40B4-BE49-F238E27FC236}">
+                  <a16:creationId xmlns:a16="http://schemas.microsoft.com/office/drawing/2014/main" id="{7BA593D5-501E-457D-A8CA-AB659DA69256}"/>
+                </a:ext>
+              </a:extLst>
+            </p:cNvPr>
+            <p:cNvSpPr txBox="1"/>
+            <p:nvPr/>
+          </p:nvSpPr>
+          <p:spPr>
+            <a:xfrm>
+              <a:off x="2448562" y="2034550"/>
+              <a:ext cx="2930610" cy="523220"/>
+            </a:xfrm>
+            <a:prstGeom prst="rect">
+              <a:avLst/>
+            </a:prstGeom>
+            <a:noFill/>
+          </p:spPr>
+          <p:txBody>
+            <a:bodyPr wrap="none" rtlCol="0">
+              <a:spAutoFit/>
+            </a:bodyPr>
+            <a:lstStyle/>
+            <a:p>
+              <a:r>
+                <a:rPr lang="ko-KR" altLang="en-US" sz="2800" dirty="0">
+                  <a:solidFill>
+                    <a:schemeClr val="bg1"/>
+                  </a:solidFill>
+                </a:rPr>
+                <a:t>이런 점이 좋아요</a:t>
+              </a:r>
+              <a:r>
+                <a:rPr lang="en-US" altLang="ko-KR" sz="2800" dirty="0">
+                  <a:solidFill>
+                    <a:schemeClr val="bg1"/>
+                  </a:solidFill>
+                </a:rPr>
+                <a:t>!</a:t>
+              </a:r>
+              <a:endParaRPr lang="ko-KR" altLang="en-US" sz="2800" dirty="0">
+                <a:solidFill>
+                  <a:schemeClr val="bg1"/>
+                </a:solidFill>
+              </a:endParaRPr>
+            </a:p>
+          </p:txBody>
+        </p:sp>
+        <p:sp>
+          <p:nvSpPr>
+            <p:cNvPr id="7" name="TextBox 6">
+              <a:extLst>
+                <a:ext uri="{FF2B5EF4-FFF2-40B4-BE49-F238E27FC236}">
+                  <a16:creationId xmlns:a16="http://schemas.microsoft.com/office/drawing/2014/main" id="{7F27385C-4021-4E81-9927-7001CEA3757F}"/>
+                </a:ext>
+              </a:extLst>
+            </p:cNvPr>
+            <p:cNvSpPr txBox="1"/>
+            <p:nvPr/>
+          </p:nvSpPr>
+          <p:spPr>
+            <a:xfrm>
+              <a:off x="985520" y="3114603"/>
+              <a:ext cx="4561840" cy="2068964"/>
+            </a:xfrm>
+            <a:prstGeom prst="rect">
+              <a:avLst/>
+            </a:prstGeom>
+            <a:noFill/>
+          </p:spPr>
+          <p:txBody>
+            <a:bodyPr wrap="square" rtlCol="0">
+              <a:spAutoFit/>
+            </a:bodyPr>
+            <a:lstStyle/>
+            <a:p>
+              <a:pPr algn="just">
+                <a:lnSpc>
+                  <a:spcPct val="120000"/>
+                </a:lnSpc>
+              </a:pPr>
+              <a:r>
+                <a:rPr lang="ko-KR" altLang="en-US" dirty="0">
+                  <a:solidFill>
+                    <a:schemeClr val="bg1"/>
+                  </a:solidFill>
+                </a:rPr>
+                <a:t>이름자를 어머니</a:t>
+              </a:r>
+              <a:r>
+                <a:rPr lang="en-US" altLang="ko-KR" dirty="0">
+                  <a:solidFill>
+                    <a:schemeClr val="bg1"/>
+                  </a:solidFill>
+                </a:rPr>
+                <a:t>, </a:t>
+              </a:r>
+              <a:r>
+                <a:rPr lang="ko-KR" altLang="en-US" dirty="0">
+                  <a:solidFill>
+                    <a:schemeClr val="bg1"/>
+                  </a:solidFill>
+                </a:rPr>
+                <a:t>위에 별 나의 것은 계절이 버리었습니다</a:t>
+              </a:r>
+              <a:r>
+                <a:rPr lang="en-US" altLang="ko-KR" dirty="0">
+                  <a:solidFill>
+                    <a:schemeClr val="bg1"/>
+                  </a:solidFill>
+                </a:rPr>
+                <a:t>. </a:t>
+              </a:r>
+              <a:r>
+                <a:rPr lang="ko-KR" altLang="en-US" dirty="0">
+                  <a:solidFill>
+                    <a:schemeClr val="bg1"/>
+                  </a:solidFill>
+                </a:rPr>
+                <a:t>나는 써 하나에 그리고 동경과 가을로 멀듯이</a:t>
+              </a:r>
+              <a:r>
+                <a:rPr lang="en-US" altLang="ko-KR" dirty="0">
+                  <a:solidFill>
+                    <a:schemeClr val="bg1"/>
+                  </a:solidFill>
+                </a:rPr>
+                <a:t>, </a:t>
+              </a:r>
+              <a:r>
+                <a:rPr lang="ko-KR" altLang="en-US" dirty="0">
+                  <a:solidFill>
+                    <a:schemeClr val="bg1"/>
+                  </a:solidFill>
+                </a:rPr>
+                <a:t>계십니다</a:t>
+              </a:r>
+              <a:r>
+                <a:rPr lang="en-US" altLang="ko-KR" dirty="0">
+                  <a:solidFill>
+                    <a:schemeClr val="bg1"/>
+                  </a:solidFill>
+                </a:rPr>
+                <a:t>. </a:t>
+              </a:r>
+              <a:r>
+                <a:rPr lang="ko-KR" altLang="en-US" dirty="0">
+                  <a:solidFill>
+                    <a:schemeClr val="bg1"/>
+                  </a:solidFill>
+                </a:rPr>
+                <a:t>위에 이네들은 가득 까닭입니다</a:t>
+              </a:r>
+              <a:r>
+                <a:rPr lang="en-US" altLang="ko-KR" dirty="0">
+                  <a:solidFill>
+                    <a:schemeClr val="bg1"/>
+                  </a:solidFill>
+                </a:rPr>
+                <a:t>. </a:t>
+              </a:r>
+              <a:r>
+                <a:rPr lang="ko-KR" altLang="en-US" dirty="0">
+                  <a:solidFill>
+                    <a:schemeClr val="bg1"/>
+                  </a:solidFill>
+                </a:rPr>
+                <a:t>못 피어나듯이 아름다운 부끄러운 지나가는 잠</a:t>
+              </a:r>
+              <a:r>
+                <a:rPr lang="en-US" altLang="ko-KR" dirty="0">
+                  <a:solidFill>
+                    <a:schemeClr val="bg1"/>
+                  </a:solidFill>
+                </a:rPr>
+                <a:t>, </a:t>
+              </a:r>
+              <a:r>
+                <a:rPr lang="ko-KR" altLang="en-US" dirty="0">
+                  <a:solidFill>
+                    <a:schemeClr val="bg1"/>
+                  </a:solidFill>
+                </a:rPr>
+                <a:t>봅니다</a:t>
+              </a:r>
+              <a:r>
+                <a:rPr lang="en-US" altLang="ko-KR" dirty="0">
+                  <a:solidFill>
+                    <a:schemeClr val="bg1"/>
+                  </a:solidFill>
+                </a:rPr>
+                <a:t>. </a:t>
+              </a:r>
+              <a:r>
+                <a:rPr lang="ko-KR" altLang="en-US" dirty="0">
+                  <a:solidFill>
+                    <a:schemeClr val="bg1"/>
+                  </a:solidFill>
+                </a:rPr>
+                <a:t>이름과</a:t>
+              </a:r>
+              <a:r>
+                <a:rPr lang="en-US" altLang="ko-KR" dirty="0">
+                  <a:solidFill>
+                    <a:schemeClr val="bg1"/>
+                  </a:solidFill>
+                </a:rPr>
+                <a:t>, </a:t>
+              </a:r>
+              <a:r>
+                <a:rPr lang="ko-KR" altLang="en-US" dirty="0">
+                  <a:solidFill>
+                    <a:schemeClr val="bg1"/>
+                  </a:solidFill>
+                </a:rPr>
+                <a:t>가을 별 아름다운 흙으로 별빛이 봅니다</a:t>
+              </a:r>
+              <a:r>
+                <a:rPr lang="en-US" altLang="ko-KR" dirty="0">
+                  <a:solidFill>
+                    <a:schemeClr val="bg1"/>
+                  </a:solidFill>
+                </a:rPr>
+                <a:t>.</a:t>
+              </a:r>
+              <a:endParaRPr lang="ko-KR" altLang="en-US" dirty="0">
+                <a:solidFill>
+                  <a:schemeClr val="bg1"/>
+                </a:solidFill>
+              </a:endParaRPr>
+            </a:p>
+          </p:txBody>
+        </p:sp>
+      </p:grpSp>
+      <p:grpSp>
+        <p:nvGrpSpPr>
+          <p:cNvPr id="9" name="그룹 8">
+            <a:extLst>
+              <a:ext uri="{FF2B5EF4-FFF2-40B4-BE49-F238E27FC236}">
+                <a16:creationId xmlns:a16="http://schemas.microsoft.com/office/drawing/2014/main" id="{1F5147BA-8E10-48A7-8391-10AB9347F9BF}"/>
+              </a:ext>
+            </a:extLst>
+          </p:cNvPr>
+          <p:cNvGrpSpPr/>
+          <p:nvPr/>
+        </p:nvGrpSpPr>
+        <p:grpSpPr>
+          <a:xfrm>
+            <a:off x="6248402" y="1290320"/>
+            <a:ext cx="5344160" cy="4450080"/>
+            <a:chOff x="599440" y="1290320"/>
+            <a:chExt cx="5344160" cy="4450080"/>
+          </a:xfrm>
+        </p:grpSpPr>
+        <p:sp>
+          <p:nvSpPr>
+            <p:cNvPr id="10" name="사각형: 둥근 모서리 9">
+              <a:extLst>
+                <a:ext uri="{FF2B5EF4-FFF2-40B4-BE49-F238E27FC236}">
+                  <a16:creationId xmlns:a16="http://schemas.microsoft.com/office/drawing/2014/main" id="{0A7CD9B1-B5C1-4291-B033-195801852AB9}"/>
+                </a:ext>
+              </a:extLst>
+            </p:cNvPr>
+            <p:cNvSpPr/>
+            <p:nvPr/>
+          </p:nvSpPr>
+          <p:spPr>
+            <a:xfrm>
+              <a:off x="599440" y="1290320"/>
+              <a:ext cx="5344160" cy="4450080"/>
+            </a:xfrm>
+            <a:prstGeom prst="roundRect">
+              <a:avLst>
+                <a:gd name="adj" fmla="val 12329"/>
+              </a:avLst>
+            </a:prstGeom>
+            <a:solidFill>
+              <a:schemeClr val="tx2">
+                <a:lumMod val="75000"/>
+              </a:schemeClr>
+            </a:solidFill>
+            <a:ln>
+              <a:noFill/>
+            </a:ln>
+          </p:spPr>
+          <p:style>
+            <a:lnRef idx="2">
+              <a:schemeClr val="accent1">
+                <a:shade val="50000"/>
+              </a:schemeClr>
+            </a:lnRef>
+            <a:fillRef idx="1">
+              <a:schemeClr val="accent1"/>
+            </a:fillRef>
+            <a:effectRef idx="0">
+              <a:schemeClr val="accent1"/>
+            </a:effectRef>
+            <a:fontRef idx="minor">
+              <a:schemeClr val="lt1"/>
+            </a:fontRef>
+          </p:style>
+          <p:txBody>
+            <a:bodyPr rtlCol="0" anchor="ctr"/>
+            <a:lstStyle/>
+            <a:p>
+              <a:pPr algn="ctr"/>
+              <a:endParaRPr lang="ko-KR" altLang="en-US"/>
+            </a:p>
+          </p:txBody>
+        </p:sp>
+        <p:sp>
+          <p:nvSpPr>
+            <p:cNvPr id="11" name="타원 10">
+              <a:extLst>
+                <a:ext uri="{FF2B5EF4-FFF2-40B4-BE49-F238E27FC236}">
+                  <a16:creationId xmlns:a16="http://schemas.microsoft.com/office/drawing/2014/main" id="{74D7F19B-C164-4B03-A975-BA546F814AC6}"/>
+                </a:ext>
+              </a:extLst>
+            </p:cNvPr>
+            <p:cNvSpPr/>
+            <p:nvPr/>
+          </p:nvSpPr>
+          <p:spPr>
+            <a:xfrm>
+              <a:off x="985520" y="1717040"/>
+              <a:ext cx="1158240" cy="1158240"/>
+            </a:xfrm>
+            <a:prstGeom prst="ellipse">
+              <a:avLst/>
+            </a:prstGeom>
+            <a:solidFill>
+              <a:schemeClr val="bg1">
+                <a:lumMod val="95000"/>
+              </a:schemeClr>
+            </a:solidFill>
+            <a:ln>
+              <a:noFill/>
+            </a:ln>
+          </p:spPr>
+          <p:style>
+            <a:lnRef idx="2">
+              <a:schemeClr val="accent1">
+                <a:shade val="50000"/>
+              </a:schemeClr>
+            </a:lnRef>
+            <a:fillRef idx="1">
+              <a:schemeClr val="accent1"/>
+            </a:fillRef>
+            <a:effectRef idx="0">
+              <a:schemeClr val="accent1"/>
+            </a:effectRef>
+            <a:fontRef idx="minor">
+              <a:schemeClr val="lt1"/>
+            </a:fontRef>
+          </p:style>
+          <p:txBody>
+            <a:bodyPr rtlCol="0" anchor="ctr"/>
+            <a:lstStyle/>
+            <a:p>
+              <a:pPr algn="ctr"/>
+              <a:endParaRPr lang="ko-KR" altLang="en-US"/>
+            </a:p>
+          </p:txBody>
+        </p:sp>
+        <p:sp>
+          <p:nvSpPr>
+            <p:cNvPr id="12" name="TextBox 11">
+              <a:extLst>
+                <a:ext uri="{FF2B5EF4-FFF2-40B4-BE49-F238E27FC236}">
+                  <a16:creationId xmlns:a16="http://schemas.microsoft.com/office/drawing/2014/main" id="{B036977E-A713-40D0-884E-9243F0D831BE}"/>
+                </a:ext>
+              </a:extLst>
+            </p:cNvPr>
+            <p:cNvSpPr txBox="1"/>
+            <p:nvPr/>
+          </p:nvSpPr>
+          <p:spPr>
+            <a:xfrm>
+              <a:off x="2448562" y="2034550"/>
+              <a:ext cx="2930610" cy="523220"/>
+            </a:xfrm>
+            <a:prstGeom prst="rect">
+              <a:avLst/>
+            </a:prstGeom>
+            <a:noFill/>
+          </p:spPr>
+          <p:txBody>
+            <a:bodyPr wrap="none" rtlCol="0">
+              <a:spAutoFit/>
+            </a:bodyPr>
+            <a:lstStyle/>
+            <a:p>
+              <a:r>
+                <a:rPr lang="ko-KR" altLang="en-US" sz="2800" dirty="0">
+                  <a:solidFill>
+                    <a:schemeClr val="bg1"/>
+                  </a:solidFill>
+                </a:rPr>
+                <a:t>이런 점이 좋아요</a:t>
+              </a:r>
+              <a:r>
+                <a:rPr lang="en-US" altLang="ko-KR" sz="2800" dirty="0">
+                  <a:solidFill>
+                    <a:schemeClr val="bg1"/>
+                  </a:solidFill>
+                </a:rPr>
+                <a:t>!</a:t>
+              </a:r>
+              <a:endParaRPr lang="ko-KR" altLang="en-US" sz="2800" dirty="0">
+                <a:solidFill>
+                  <a:schemeClr val="bg1"/>
+                </a:solidFill>
+              </a:endParaRPr>
+            </a:p>
+          </p:txBody>
+        </p:sp>
+        <p:sp>
+          <p:nvSpPr>
+            <p:cNvPr id="13" name="TextBox 12">
+              <a:extLst>
+                <a:ext uri="{FF2B5EF4-FFF2-40B4-BE49-F238E27FC236}">
+                  <a16:creationId xmlns:a16="http://schemas.microsoft.com/office/drawing/2014/main" id="{4D56B852-D617-4B17-9139-16036874E7FC}"/>
+                </a:ext>
+              </a:extLst>
+            </p:cNvPr>
+            <p:cNvSpPr txBox="1"/>
+            <p:nvPr/>
+          </p:nvSpPr>
+          <p:spPr>
+            <a:xfrm>
+              <a:off x="985520" y="3114603"/>
+              <a:ext cx="4561840" cy="2068964"/>
+            </a:xfrm>
+            <a:prstGeom prst="rect">
+              <a:avLst/>
+            </a:prstGeom>
+            <a:noFill/>
+          </p:spPr>
+          <p:txBody>
+            <a:bodyPr wrap="square" rtlCol="0">
+              <a:spAutoFit/>
+            </a:bodyPr>
+            <a:lstStyle/>
+            <a:p>
+              <a:pPr algn="just">
+                <a:lnSpc>
+                  <a:spcPct val="120000"/>
+                </a:lnSpc>
+              </a:pPr>
+              <a:r>
+                <a:rPr lang="ko-KR" altLang="en-US" dirty="0">
+                  <a:solidFill>
+                    <a:schemeClr val="bg1"/>
+                  </a:solidFill>
+                </a:rPr>
+                <a:t>이름자를 어머니</a:t>
+              </a:r>
+              <a:r>
+                <a:rPr lang="en-US" altLang="ko-KR" dirty="0">
+                  <a:solidFill>
+                    <a:schemeClr val="bg1"/>
+                  </a:solidFill>
+                </a:rPr>
+                <a:t>, </a:t>
+              </a:r>
+              <a:r>
+                <a:rPr lang="ko-KR" altLang="en-US" dirty="0">
+                  <a:solidFill>
+                    <a:schemeClr val="bg1"/>
+                  </a:solidFill>
+                </a:rPr>
+                <a:t>위에 별 나의 것은 계절이 버리었습니다</a:t>
+              </a:r>
+              <a:r>
+                <a:rPr lang="en-US" altLang="ko-KR" dirty="0">
+                  <a:solidFill>
+                    <a:schemeClr val="bg1"/>
+                  </a:solidFill>
+                </a:rPr>
+                <a:t>. </a:t>
+              </a:r>
+              <a:r>
+                <a:rPr lang="ko-KR" altLang="en-US" dirty="0">
+                  <a:solidFill>
+                    <a:schemeClr val="bg1"/>
+                  </a:solidFill>
+                </a:rPr>
+                <a:t>나는 써 하나에 그리고 동경과 가을로 멀듯이</a:t>
+              </a:r>
+              <a:r>
+                <a:rPr lang="en-US" altLang="ko-KR" dirty="0">
+                  <a:solidFill>
+                    <a:schemeClr val="bg1"/>
+                  </a:solidFill>
+                </a:rPr>
+                <a:t>, </a:t>
+              </a:r>
+              <a:r>
+                <a:rPr lang="ko-KR" altLang="en-US" dirty="0">
+                  <a:solidFill>
+                    <a:schemeClr val="bg1"/>
+                  </a:solidFill>
+                </a:rPr>
+                <a:t>계십니다</a:t>
+              </a:r>
+              <a:r>
+                <a:rPr lang="en-US" altLang="ko-KR" dirty="0">
+                  <a:solidFill>
+                    <a:schemeClr val="bg1"/>
+                  </a:solidFill>
+                </a:rPr>
+                <a:t>. </a:t>
+              </a:r>
+              <a:r>
+                <a:rPr lang="ko-KR" altLang="en-US" dirty="0">
+                  <a:solidFill>
+                    <a:schemeClr val="bg1"/>
+                  </a:solidFill>
+                </a:rPr>
+                <a:t>위에 이네들은 가득 까닭입니다</a:t>
+              </a:r>
+              <a:r>
+                <a:rPr lang="en-US" altLang="ko-KR" dirty="0">
+                  <a:solidFill>
+                    <a:schemeClr val="bg1"/>
+                  </a:solidFill>
+                </a:rPr>
+                <a:t>. </a:t>
+              </a:r>
+              <a:r>
+                <a:rPr lang="ko-KR" altLang="en-US" dirty="0">
+                  <a:solidFill>
+                    <a:schemeClr val="bg1"/>
+                  </a:solidFill>
+                </a:rPr>
+                <a:t>못 피어나듯이 아름다운 부끄러운 지나가는 잠</a:t>
+              </a:r>
+              <a:r>
+                <a:rPr lang="en-US" altLang="ko-KR" dirty="0">
+                  <a:solidFill>
+                    <a:schemeClr val="bg1"/>
+                  </a:solidFill>
+                </a:rPr>
+                <a:t>, </a:t>
+              </a:r>
+              <a:r>
+                <a:rPr lang="ko-KR" altLang="en-US" dirty="0">
+                  <a:solidFill>
+                    <a:schemeClr val="bg1"/>
+                  </a:solidFill>
+                </a:rPr>
+                <a:t>봅니다</a:t>
+              </a:r>
+              <a:r>
+                <a:rPr lang="en-US" altLang="ko-KR" dirty="0">
+                  <a:solidFill>
+                    <a:schemeClr val="bg1"/>
+                  </a:solidFill>
+                </a:rPr>
+                <a:t>. </a:t>
+              </a:r>
+              <a:r>
+                <a:rPr lang="ko-KR" altLang="en-US" dirty="0">
+                  <a:solidFill>
+                    <a:schemeClr val="bg1"/>
+                  </a:solidFill>
+                </a:rPr>
+                <a:t>이름과</a:t>
+              </a:r>
+              <a:r>
+                <a:rPr lang="en-US" altLang="ko-KR" dirty="0">
+                  <a:solidFill>
+                    <a:schemeClr val="bg1"/>
+                  </a:solidFill>
+                </a:rPr>
+                <a:t>, </a:t>
+              </a:r>
+              <a:r>
+                <a:rPr lang="ko-KR" altLang="en-US" dirty="0">
+                  <a:solidFill>
+                    <a:schemeClr val="bg1"/>
+                  </a:solidFill>
+                </a:rPr>
+                <a:t>가을 별 아름다운 흙으로 별빛이 봅니다</a:t>
+              </a:r>
+              <a:r>
+                <a:rPr lang="en-US" altLang="ko-KR" dirty="0">
+                  <a:solidFill>
+                    <a:schemeClr val="bg1"/>
+                  </a:solidFill>
+                </a:rPr>
+                <a:t>.</a:t>
+              </a:r>
+              <a:endParaRPr lang="ko-KR" altLang="en-US" dirty="0">
+                <a:solidFill>
+                  <a:schemeClr val="bg1"/>
+                </a:solidFill>
+              </a:endParaRPr>
+            </a:p>
+          </p:txBody>
+        </p:sp>
+      </p:grpSp>
+    </p:spTree>
+    <p:extLst>
+      <p:ext uri="{BB962C8B-B14F-4D97-AF65-F5344CB8AC3E}">
+        <p14:creationId xmlns:p14="http://schemas.microsoft.com/office/powerpoint/2010/main" val="830280407"/>
+      </p:ext>
+    </p:extLst>
+  </p:cSld>
+  <p:clrMapOvr>
+    <a:masterClrMapping/>
+  </p:clrMapOvr>
+  <mc:AlternateContent xmlns:mc="http://schemas.openxmlformats.org/markup-compatibility/2006" xmlns:p14="http://schemas.microsoft.com/office/powerpoint/2010/main">
+    <mc:Choice Requires="p14">
+      <p:transition spd="med" p14:dur="700">
+        <p:fade/>
+      </p:transition>
+    </mc:Choice>
+    <mc:Fallback xmlns="">
+      <p:transition spd="med">
+        <p:fade/>
+      </p:transition>
+    </mc:Fallback>
+  </mc:AlternateContent>
+</p:sld>
+</file>
+
+<file path=ppt/slides/slide11.xml><?xml version="1.0" encoding="utf-8"?>
+<p:sld xmlns:a="http://schemas.openxmlformats.org/drawingml/2006/main" xmlns:r="http://schemas.openxmlformats.org/officeDocument/2006/relationships" xmlns:p="http://schemas.openxmlformats.org/presentationml/2006/main">
+  <p:cSld>
+    <p:bg>
+      <p:bgPr>
+        <a:solidFill>
+          <a:schemeClr val="accent3"/>
+        </a:solidFill>
+        <a:effectLst/>
+      </p:bgPr>
+    </p:bg>
+    <p:spTree>
+      <p:nvGrpSpPr>
+        <p:cNvPr id="1" name=""/>
+        <p:cNvGrpSpPr/>
+        <p:nvPr/>
+      </p:nvGrpSpPr>
+      <p:grpSpPr>
+        <a:xfrm>
+          <a:off x="0" y="0"/>
+          <a:ext cx="0" cy="0"/>
+          <a:chOff x="0" y="0"/>
+          <a:chExt cx="0" cy="0"/>
+        </a:xfrm>
+      </p:grpSpPr>
+      <p:sp>
+        <p:nvSpPr>
+          <p:cNvPr id="2" name="TextBox 1">
+            <a:extLst>
+              <a:ext uri="{FF2B5EF4-FFF2-40B4-BE49-F238E27FC236}">
+                <a16:creationId xmlns:a16="http://schemas.microsoft.com/office/drawing/2014/main" id="{70D78051-5D25-4C28-AF49-C76C1C625A61}"/>
+              </a:ext>
+            </a:extLst>
+          </p:cNvPr>
+          <p:cNvSpPr txBox="1"/>
+          <p:nvPr/>
+        </p:nvSpPr>
+        <p:spPr>
+          <a:xfrm>
+            <a:off x="274320" y="294640"/>
+            <a:ext cx="3704860" cy="369332"/>
+          </a:xfrm>
+          <a:prstGeom prst="rect">
+            <a:avLst/>
+          </a:prstGeom>
+          <a:noFill/>
+        </p:spPr>
+        <p:txBody>
+          <a:bodyPr wrap="none" rtlCol="0">
+            <a:spAutoFit/>
+          </a:bodyPr>
+          <a:lstStyle/>
+          <a:p>
+            <a:r>
+              <a:rPr lang="en-US" altLang="ko-KR" dirty="0">
+                <a:solidFill>
+                  <a:schemeClr val="bg1"/>
+                </a:solidFill>
+              </a:rPr>
+              <a:t>#</a:t>
+            </a:r>
+            <a:r>
+              <a:rPr lang="ko-KR" altLang="en-US" dirty="0">
+                <a:solidFill>
+                  <a:schemeClr val="bg1"/>
+                </a:solidFill>
+              </a:rPr>
+              <a:t>겨울나기 </a:t>
+            </a:r>
+            <a:r>
+              <a:rPr lang="en-US" altLang="ko-KR" dirty="0">
+                <a:solidFill>
+                  <a:schemeClr val="bg1"/>
+                </a:solidFill>
+              </a:rPr>
+              <a:t>#</a:t>
+            </a:r>
+            <a:r>
+              <a:rPr lang="ko-KR" altLang="en-US" dirty="0">
+                <a:solidFill>
+                  <a:schemeClr val="bg1"/>
+                </a:solidFill>
+              </a:rPr>
+              <a:t>겨울 </a:t>
+            </a:r>
+            <a:r>
+              <a:rPr lang="en-US" altLang="ko-KR" dirty="0">
+                <a:solidFill>
+                  <a:schemeClr val="bg1"/>
+                </a:solidFill>
+              </a:rPr>
+              <a:t>#</a:t>
+            </a:r>
+            <a:r>
+              <a:rPr lang="ko-KR" altLang="en-US" dirty="0">
+                <a:solidFill>
+                  <a:schemeClr val="bg1"/>
+                </a:solidFill>
+              </a:rPr>
+              <a:t>추워 </a:t>
+            </a:r>
+            <a:r>
+              <a:rPr lang="en-US" altLang="ko-KR" dirty="0">
+                <a:solidFill>
+                  <a:schemeClr val="bg1"/>
+                </a:solidFill>
+              </a:rPr>
+              <a:t>#</a:t>
+            </a:r>
+            <a:r>
+              <a:rPr lang="ko-KR" altLang="en-US" dirty="0">
+                <a:solidFill>
+                  <a:schemeClr val="bg1"/>
+                </a:solidFill>
+              </a:rPr>
+              <a:t>겨울이다</a:t>
+            </a:r>
+          </a:p>
+        </p:txBody>
+      </p:sp>
+      <p:grpSp>
+        <p:nvGrpSpPr>
+          <p:cNvPr id="5" name="그룹 4">
+            <a:extLst>
+              <a:ext uri="{FF2B5EF4-FFF2-40B4-BE49-F238E27FC236}">
+                <a16:creationId xmlns:a16="http://schemas.microsoft.com/office/drawing/2014/main" id="{D45281FE-6E37-4513-9DE9-7765CCCBA473}"/>
+              </a:ext>
+            </a:extLst>
+          </p:cNvPr>
+          <p:cNvGrpSpPr/>
+          <p:nvPr/>
+        </p:nvGrpSpPr>
+        <p:grpSpPr>
+          <a:xfrm>
+            <a:off x="876362" y="1471692"/>
+            <a:ext cx="3102818" cy="3845560"/>
+            <a:chOff x="883920" y="1102360"/>
+            <a:chExt cx="3586480" cy="4445000"/>
+          </a:xfrm>
+          <a:effectLst>
+            <a:outerShdw blurRad="190500" dist="25400" dir="2700000" algn="tl" rotWithShape="0">
+              <a:schemeClr val="accent2">
+                <a:lumMod val="50000"/>
+                <a:alpha val="40000"/>
+              </a:schemeClr>
+            </a:outerShdw>
+          </a:effectLst>
+        </p:grpSpPr>
+        <p:sp>
+          <p:nvSpPr>
+            <p:cNvPr id="3" name="사각형: 둥근 모서리 2">
+              <a:extLst>
+                <a:ext uri="{FF2B5EF4-FFF2-40B4-BE49-F238E27FC236}">
+                  <a16:creationId xmlns:a16="http://schemas.microsoft.com/office/drawing/2014/main" id="{4D0685E6-5F72-4555-ADDC-0C88687CFAA8}"/>
+                </a:ext>
+              </a:extLst>
+            </p:cNvPr>
+            <p:cNvSpPr/>
+            <p:nvPr/>
+          </p:nvSpPr>
+          <p:spPr>
+            <a:xfrm>
+              <a:off x="883920" y="1910080"/>
+              <a:ext cx="3586480" cy="3637280"/>
+            </a:xfrm>
+            <a:prstGeom prst="roundRect">
+              <a:avLst>
+                <a:gd name="adj" fmla="val 13072"/>
+              </a:avLst>
+            </a:prstGeom>
+            <a:solidFill>
+              <a:schemeClr val="accent6"/>
+            </a:solidFill>
+            <a:ln>
+              <a:noFill/>
+            </a:ln>
+          </p:spPr>
+          <p:style>
+            <a:lnRef idx="2">
+              <a:schemeClr val="accent1">
+                <a:shade val="50000"/>
+              </a:schemeClr>
+            </a:lnRef>
+            <a:fillRef idx="1">
+              <a:schemeClr val="accent1"/>
+            </a:fillRef>
+            <a:effectRef idx="0">
+              <a:schemeClr val="accent1"/>
+            </a:effectRef>
+            <a:fontRef idx="minor">
+              <a:schemeClr val="lt1"/>
+            </a:fontRef>
+          </p:style>
+          <p:txBody>
+            <a:bodyPr rtlCol="0" anchor="ctr"/>
+            <a:lstStyle/>
+            <a:p>
+              <a:pPr algn="ctr"/>
+              <a:endParaRPr lang="ko-KR" altLang="en-US"/>
+            </a:p>
+          </p:txBody>
+        </p:sp>
+        <p:sp>
+          <p:nvSpPr>
+            <p:cNvPr id="4" name="타원 3">
+              <a:extLst>
+                <a:ext uri="{FF2B5EF4-FFF2-40B4-BE49-F238E27FC236}">
+                  <a16:creationId xmlns:a16="http://schemas.microsoft.com/office/drawing/2014/main" id="{D6C6BB7E-4130-4CFE-A4F8-632E560B6CC1}"/>
+                </a:ext>
+              </a:extLst>
+            </p:cNvPr>
+            <p:cNvSpPr/>
+            <p:nvPr/>
+          </p:nvSpPr>
+          <p:spPr>
+            <a:xfrm>
+              <a:off x="1869440" y="1102360"/>
+              <a:ext cx="1615440" cy="1615440"/>
+            </a:xfrm>
+            <a:prstGeom prst="ellipse">
+              <a:avLst/>
+            </a:prstGeom>
+            <a:solidFill>
+              <a:schemeClr val="accent2"/>
+            </a:solidFill>
+            <a:ln>
+              <a:noFill/>
+            </a:ln>
+          </p:spPr>
+          <p:style>
+            <a:lnRef idx="2">
+              <a:schemeClr val="accent1">
+                <a:shade val="50000"/>
+              </a:schemeClr>
+            </a:lnRef>
+            <a:fillRef idx="1">
+              <a:schemeClr val="accent1"/>
+            </a:fillRef>
+            <a:effectRef idx="0">
+              <a:schemeClr val="accent1"/>
+            </a:effectRef>
+            <a:fontRef idx="minor">
+              <a:schemeClr val="lt1"/>
+            </a:fontRef>
+          </p:style>
+          <p:txBody>
+            <a:bodyPr rtlCol="0" anchor="ctr"/>
+            <a:lstStyle/>
+            <a:p>
+              <a:pPr algn="ctr"/>
+              <a:endParaRPr lang="ko-KR" altLang="en-US"/>
+            </a:p>
+          </p:txBody>
+        </p:sp>
+      </p:grpSp>
+      <p:grpSp>
+        <p:nvGrpSpPr>
+          <p:cNvPr id="6" name="그룹 5">
+            <a:extLst>
+              <a:ext uri="{FF2B5EF4-FFF2-40B4-BE49-F238E27FC236}">
+                <a16:creationId xmlns:a16="http://schemas.microsoft.com/office/drawing/2014/main" id="{86912704-77D8-4A11-8CAA-FB1394FC0C44}"/>
+              </a:ext>
+            </a:extLst>
+          </p:cNvPr>
+          <p:cNvGrpSpPr/>
+          <p:nvPr/>
+        </p:nvGrpSpPr>
+        <p:grpSpPr>
+          <a:xfrm>
+            <a:off x="4544591" y="1471692"/>
+            <a:ext cx="3102818" cy="3845560"/>
+            <a:chOff x="883920" y="1102360"/>
+            <a:chExt cx="3586480" cy="4445000"/>
+          </a:xfrm>
+          <a:effectLst>
+            <a:outerShdw blurRad="190500" dist="25400" dir="2700000" algn="tl" rotWithShape="0">
+              <a:schemeClr val="accent2">
+                <a:lumMod val="50000"/>
+                <a:alpha val="40000"/>
+              </a:schemeClr>
+            </a:outerShdw>
+          </a:effectLst>
+        </p:grpSpPr>
+        <p:sp>
+          <p:nvSpPr>
+            <p:cNvPr id="7" name="사각형: 둥근 모서리 6">
+              <a:extLst>
+                <a:ext uri="{FF2B5EF4-FFF2-40B4-BE49-F238E27FC236}">
+                  <a16:creationId xmlns:a16="http://schemas.microsoft.com/office/drawing/2014/main" id="{17C13203-193C-481A-BAE3-B75D285823E5}"/>
+                </a:ext>
+              </a:extLst>
+            </p:cNvPr>
+            <p:cNvSpPr/>
+            <p:nvPr/>
+          </p:nvSpPr>
+          <p:spPr>
+            <a:xfrm>
+              <a:off x="883920" y="1910080"/>
+              <a:ext cx="3586480" cy="3637280"/>
+            </a:xfrm>
+            <a:prstGeom prst="roundRect">
+              <a:avLst>
+                <a:gd name="adj" fmla="val 13072"/>
+              </a:avLst>
+            </a:prstGeom>
+            <a:solidFill>
+              <a:schemeClr val="accent6"/>
+            </a:solidFill>
+            <a:ln>
+              <a:noFill/>
+            </a:ln>
+          </p:spPr>
+          <p:style>
+            <a:lnRef idx="2">
+              <a:schemeClr val="accent1">
+                <a:shade val="50000"/>
+              </a:schemeClr>
+            </a:lnRef>
+            <a:fillRef idx="1">
+              <a:schemeClr val="accent1"/>
+            </a:fillRef>
+            <a:effectRef idx="0">
+              <a:schemeClr val="accent1"/>
+            </a:effectRef>
+            <a:fontRef idx="minor">
+              <a:schemeClr val="lt1"/>
+            </a:fontRef>
+          </p:style>
+          <p:txBody>
+            <a:bodyPr rtlCol="0" anchor="ctr"/>
+            <a:lstStyle/>
+            <a:p>
+              <a:pPr algn="ctr"/>
+              <a:endParaRPr lang="ko-KR" altLang="en-US"/>
+            </a:p>
+          </p:txBody>
+        </p:sp>
+        <p:sp>
+          <p:nvSpPr>
+            <p:cNvPr id="8" name="타원 7">
+              <a:extLst>
+                <a:ext uri="{FF2B5EF4-FFF2-40B4-BE49-F238E27FC236}">
+                  <a16:creationId xmlns:a16="http://schemas.microsoft.com/office/drawing/2014/main" id="{48697A2A-622C-496B-968C-C32B6788DCEB}"/>
+                </a:ext>
+              </a:extLst>
+            </p:cNvPr>
+            <p:cNvSpPr/>
+            <p:nvPr/>
+          </p:nvSpPr>
+          <p:spPr>
+            <a:xfrm>
+              <a:off x="1869440" y="1102360"/>
+              <a:ext cx="1615440" cy="1615440"/>
+            </a:xfrm>
+            <a:prstGeom prst="ellipse">
+              <a:avLst/>
+            </a:prstGeom>
+            <a:solidFill>
+              <a:schemeClr val="accent2"/>
+            </a:solidFill>
+            <a:ln>
+              <a:noFill/>
+            </a:ln>
+          </p:spPr>
+          <p:style>
+            <a:lnRef idx="2">
+              <a:schemeClr val="accent1">
+                <a:shade val="50000"/>
+              </a:schemeClr>
+            </a:lnRef>
+            <a:fillRef idx="1">
+              <a:schemeClr val="accent1"/>
+            </a:fillRef>
+            <a:effectRef idx="0">
+              <a:schemeClr val="accent1"/>
+            </a:effectRef>
+            <a:fontRef idx="minor">
+              <a:schemeClr val="lt1"/>
+            </a:fontRef>
+          </p:style>
+          <p:txBody>
+            <a:bodyPr rtlCol="0" anchor="ctr"/>
+            <a:lstStyle/>
+            <a:p>
+              <a:pPr algn="ctr"/>
+              <a:endParaRPr lang="ko-KR" altLang="en-US"/>
+            </a:p>
+          </p:txBody>
+        </p:sp>
+      </p:grpSp>
+      <p:grpSp>
+        <p:nvGrpSpPr>
+          <p:cNvPr id="9" name="그룹 8">
+            <a:extLst>
+              <a:ext uri="{FF2B5EF4-FFF2-40B4-BE49-F238E27FC236}">
+                <a16:creationId xmlns:a16="http://schemas.microsoft.com/office/drawing/2014/main" id="{7332CC8F-1964-4AC6-BED2-2BEEF7E019DE}"/>
+              </a:ext>
+            </a:extLst>
+          </p:cNvPr>
+          <p:cNvGrpSpPr/>
+          <p:nvPr/>
+        </p:nvGrpSpPr>
+        <p:grpSpPr>
+          <a:xfrm>
+            <a:off x="8212820" y="1471692"/>
+            <a:ext cx="3102818" cy="3845560"/>
+            <a:chOff x="883920" y="1102360"/>
+            <a:chExt cx="3586480" cy="4445000"/>
+          </a:xfrm>
+          <a:effectLst>
+            <a:outerShdw blurRad="190500" dist="25400" dir="2700000" algn="tl" rotWithShape="0">
+              <a:schemeClr val="accent2">
+                <a:lumMod val="50000"/>
+                <a:alpha val="40000"/>
+              </a:schemeClr>
+            </a:outerShdw>
+          </a:effectLst>
+        </p:grpSpPr>
+        <p:sp>
+          <p:nvSpPr>
+            <p:cNvPr id="10" name="사각형: 둥근 모서리 9">
+              <a:extLst>
+                <a:ext uri="{FF2B5EF4-FFF2-40B4-BE49-F238E27FC236}">
+                  <a16:creationId xmlns:a16="http://schemas.microsoft.com/office/drawing/2014/main" id="{140F7089-0D5E-42BD-A32C-5E0EFB147975}"/>
+                </a:ext>
+              </a:extLst>
+            </p:cNvPr>
+            <p:cNvSpPr/>
+            <p:nvPr/>
+          </p:nvSpPr>
+          <p:spPr>
+            <a:xfrm>
+              <a:off x="883920" y="1910080"/>
+              <a:ext cx="3586480" cy="3637280"/>
+            </a:xfrm>
+            <a:prstGeom prst="roundRect">
+              <a:avLst>
+                <a:gd name="adj" fmla="val 13072"/>
+              </a:avLst>
+            </a:prstGeom>
+            <a:solidFill>
+              <a:schemeClr val="accent6"/>
+            </a:solidFill>
+            <a:ln>
+              <a:noFill/>
+            </a:ln>
+          </p:spPr>
+          <p:style>
+            <a:lnRef idx="2">
+              <a:schemeClr val="accent1">
+                <a:shade val="50000"/>
+              </a:schemeClr>
+            </a:lnRef>
+            <a:fillRef idx="1">
+              <a:schemeClr val="accent1"/>
+            </a:fillRef>
+            <a:effectRef idx="0">
+              <a:schemeClr val="accent1"/>
+            </a:effectRef>
+            <a:fontRef idx="minor">
+              <a:schemeClr val="lt1"/>
+            </a:fontRef>
+          </p:style>
+          <p:txBody>
+            <a:bodyPr rtlCol="0" anchor="ctr"/>
+            <a:lstStyle/>
+            <a:p>
+              <a:pPr algn="ctr"/>
+              <a:endParaRPr lang="ko-KR" altLang="en-US"/>
+            </a:p>
+          </p:txBody>
+        </p:sp>
+        <p:sp>
+          <p:nvSpPr>
+            <p:cNvPr id="11" name="타원 10">
+              <a:extLst>
+                <a:ext uri="{FF2B5EF4-FFF2-40B4-BE49-F238E27FC236}">
+                  <a16:creationId xmlns:a16="http://schemas.microsoft.com/office/drawing/2014/main" id="{B5A84B39-BBFE-484F-8CBA-7CD6FEFFCDC9}"/>
+                </a:ext>
+              </a:extLst>
+            </p:cNvPr>
+            <p:cNvSpPr/>
+            <p:nvPr/>
+          </p:nvSpPr>
+          <p:spPr>
+            <a:xfrm>
+              <a:off x="1869440" y="1102360"/>
+              <a:ext cx="1615440" cy="1615440"/>
+            </a:xfrm>
+            <a:prstGeom prst="ellipse">
+              <a:avLst/>
+            </a:prstGeom>
+            <a:solidFill>
+              <a:schemeClr val="accent2"/>
+            </a:solidFill>
+            <a:ln>
+              <a:noFill/>
+            </a:ln>
+          </p:spPr>
+          <p:style>
+            <a:lnRef idx="2">
+              <a:schemeClr val="accent1">
+                <a:shade val="50000"/>
+              </a:schemeClr>
+            </a:lnRef>
+            <a:fillRef idx="1">
+              <a:schemeClr val="accent1"/>
+            </a:fillRef>
+            <a:effectRef idx="0">
+              <a:schemeClr val="accent1"/>
+            </a:effectRef>
+            <a:fontRef idx="minor">
+              <a:schemeClr val="lt1"/>
+            </a:fontRef>
+          </p:style>
+          <p:txBody>
+            <a:bodyPr rtlCol="0" anchor="ctr"/>
+            <a:lstStyle/>
+            <a:p>
+              <a:pPr algn="ctr"/>
+              <a:endParaRPr lang="ko-KR" altLang="en-US"/>
+            </a:p>
+          </p:txBody>
+        </p:sp>
+      </p:grpSp>
+      <p:sp>
+        <p:nvSpPr>
+          <p:cNvPr id="12" name="TextBox 11">
+            <a:extLst>
+              <a:ext uri="{FF2B5EF4-FFF2-40B4-BE49-F238E27FC236}">
+                <a16:creationId xmlns:a16="http://schemas.microsoft.com/office/drawing/2014/main" id="{AC5BFC47-6061-42E2-9E98-02665B87FDEA}"/>
+              </a:ext>
+            </a:extLst>
+          </p:cNvPr>
+          <p:cNvSpPr txBox="1"/>
+          <p:nvPr/>
+        </p:nvSpPr>
+        <p:spPr>
+          <a:xfrm>
+            <a:off x="1134810" y="3203893"/>
+            <a:ext cx="2585922" cy="1569660"/>
+          </a:xfrm>
+          <a:prstGeom prst="rect">
+            <a:avLst/>
+          </a:prstGeom>
+          <a:noFill/>
+        </p:spPr>
+        <p:txBody>
+          <a:bodyPr wrap="square" rtlCol="0">
+            <a:spAutoFit/>
+          </a:bodyPr>
+          <a:lstStyle/>
+          <a:p>
+            <a:pPr algn="just"/>
+            <a:r>
+              <a:rPr lang="ko-KR" altLang="en-US" sz="1600" dirty="0"/>
+              <a:t>사람들의 내 </a:t>
+            </a:r>
+            <a:r>
+              <a:rPr lang="ko-KR" altLang="en-US" sz="1600" dirty="0" err="1"/>
+              <a:t>내</a:t>
+            </a:r>
+            <a:r>
+              <a:rPr lang="ko-KR" altLang="en-US" sz="1600" dirty="0"/>
+              <a:t> 봅니다</a:t>
+            </a:r>
+            <a:r>
+              <a:rPr lang="en-US" altLang="ko-KR" sz="1600" dirty="0"/>
+              <a:t>. </a:t>
+            </a:r>
+            <a:r>
+              <a:rPr lang="ko-KR" altLang="en-US" sz="1600" dirty="0"/>
+              <a:t>까닭이요</a:t>
+            </a:r>
+            <a:r>
+              <a:rPr lang="en-US" altLang="ko-KR" sz="1600" dirty="0"/>
+              <a:t>, </a:t>
+            </a:r>
+            <a:r>
+              <a:rPr lang="ko-KR" altLang="en-US" sz="1600" dirty="0"/>
+              <a:t>벌레는 나는 듯합니다</a:t>
+            </a:r>
+            <a:r>
+              <a:rPr lang="en-US" altLang="ko-KR" sz="1600" dirty="0"/>
+              <a:t>. </a:t>
+            </a:r>
+            <a:r>
+              <a:rPr lang="ko-KR" altLang="en-US" sz="1600" dirty="0"/>
+              <a:t>아무 우는 사람들의 잠</a:t>
+            </a:r>
+            <a:r>
+              <a:rPr lang="en-US" altLang="ko-KR" sz="1600" dirty="0"/>
+              <a:t>, </a:t>
+            </a:r>
+            <a:r>
+              <a:rPr lang="ko-KR" altLang="en-US" sz="1600" dirty="0"/>
+              <a:t>다 별이 이름을 까닭입니다</a:t>
+            </a:r>
+            <a:r>
+              <a:rPr lang="en-US" altLang="ko-KR" sz="1600" dirty="0"/>
+              <a:t>. </a:t>
+            </a:r>
+            <a:r>
+              <a:rPr lang="ko-KR" altLang="en-US" sz="1600" dirty="0"/>
+              <a:t>소녀들의 새겨지는 않은 하늘에는 버리었습니다</a:t>
+            </a:r>
+            <a:r>
+              <a:rPr lang="en-US" altLang="ko-KR" sz="1600" dirty="0"/>
+              <a:t>. </a:t>
+            </a:r>
+            <a:endParaRPr lang="ko-KR" altLang="en-US" sz="1600" dirty="0"/>
+          </a:p>
+        </p:txBody>
+      </p:sp>
+      <p:sp>
+        <p:nvSpPr>
+          <p:cNvPr id="13" name="TextBox 12">
+            <a:extLst>
+              <a:ext uri="{FF2B5EF4-FFF2-40B4-BE49-F238E27FC236}">
+                <a16:creationId xmlns:a16="http://schemas.microsoft.com/office/drawing/2014/main" id="{B9C6F623-5062-44CA-A8D8-56CE85CA5DAF}"/>
+              </a:ext>
+            </a:extLst>
+          </p:cNvPr>
+          <p:cNvSpPr txBox="1"/>
+          <p:nvPr/>
+        </p:nvSpPr>
+        <p:spPr>
+          <a:xfrm>
+            <a:off x="4803039" y="3203893"/>
+            <a:ext cx="2585922" cy="1569660"/>
+          </a:xfrm>
+          <a:prstGeom prst="rect">
+            <a:avLst/>
+          </a:prstGeom>
+          <a:noFill/>
+        </p:spPr>
+        <p:txBody>
+          <a:bodyPr wrap="square" rtlCol="0">
+            <a:spAutoFit/>
+          </a:bodyPr>
+          <a:lstStyle/>
+          <a:p>
+            <a:pPr algn="just"/>
+            <a:r>
+              <a:rPr lang="ko-KR" altLang="en-US" sz="1600" dirty="0"/>
+              <a:t>사람들의 내 </a:t>
+            </a:r>
+            <a:r>
+              <a:rPr lang="ko-KR" altLang="en-US" sz="1600" dirty="0" err="1"/>
+              <a:t>내</a:t>
+            </a:r>
+            <a:r>
+              <a:rPr lang="ko-KR" altLang="en-US" sz="1600" dirty="0"/>
+              <a:t> 봅니다</a:t>
+            </a:r>
+            <a:r>
+              <a:rPr lang="en-US" altLang="ko-KR" sz="1600" dirty="0"/>
+              <a:t>. </a:t>
+            </a:r>
+            <a:r>
+              <a:rPr lang="ko-KR" altLang="en-US" sz="1600" dirty="0"/>
+              <a:t>까닭이요</a:t>
+            </a:r>
+            <a:r>
+              <a:rPr lang="en-US" altLang="ko-KR" sz="1600" dirty="0"/>
+              <a:t>, </a:t>
+            </a:r>
+            <a:r>
+              <a:rPr lang="ko-KR" altLang="en-US" sz="1600" dirty="0"/>
+              <a:t>벌레는 나는 듯합니다</a:t>
+            </a:r>
+            <a:r>
+              <a:rPr lang="en-US" altLang="ko-KR" sz="1600" dirty="0"/>
+              <a:t>. </a:t>
+            </a:r>
+            <a:r>
+              <a:rPr lang="ko-KR" altLang="en-US" sz="1600" dirty="0"/>
+              <a:t>아무 우는 사람들의 잠</a:t>
+            </a:r>
+            <a:r>
+              <a:rPr lang="en-US" altLang="ko-KR" sz="1600" dirty="0"/>
+              <a:t>, </a:t>
+            </a:r>
+            <a:r>
+              <a:rPr lang="ko-KR" altLang="en-US" sz="1600" dirty="0"/>
+              <a:t>다 별이 이름을 까닭입니다</a:t>
+            </a:r>
+            <a:r>
+              <a:rPr lang="en-US" altLang="ko-KR" sz="1600" dirty="0"/>
+              <a:t>. </a:t>
+            </a:r>
+            <a:r>
+              <a:rPr lang="ko-KR" altLang="en-US" sz="1600" dirty="0"/>
+              <a:t>소녀들의 새겨지는 않은 하늘에는 버리었습니다</a:t>
+            </a:r>
+            <a:r>
+              <a:rPr lang="en-US" altLang="ko-KR" sz="1600" dirty="0"/>
+              <a:t>. </a:t>
+            </a:r>
+            <a:endParaRPr lang="ko-KR" altLang="en-US" sz="1600" dirty="0"/>
+          </a:p>
+        </p:txBody>
+      </p:sp>
+      <p:sp>
+        <p:nvSpPr>
+          <p:cNvPr id="14" name="TextBox 13">
+            <a:extLst>
+              <a:ext uri="{FF2B5EF4-FFF2-40B4-BE49-F238E27FC236}">
+                <a16:creationId xmlns:a16="http://schemas.microsoft.com/office/drawing/2014/main" id="{94832CDB-A9AF-49BF-B1CA-75054BE16F29}"/>
+              </a:ext>
+            </a:extLst>
+          </p:cNvPr>
+          <p:cNvSpPr txBox="1"/>
+          <p:nvPr/>
+        </p:nvSpPr>
+        <p:spPr>
+          <a:xfrm>
+            <a:off x="8471268" y="3203893"/>
+            <a:ext cx="2585922" cy="1569660"/>
+          </a:xfrm>
+          <a:prstGeom prst="rect">
+            <a:avLst/>
+          </a:prstGeom>
+          <a:noFill/>
+        </p:spPr>
+        <p:txBody>
+          <a:bodyPr wrap="square" rtlCol="0">
+            <a:spAutoFit/>
+          </a:bodyPr>
+          <a:lstStyle/>
+          <a:p>
+            <a:pPr algn="just"/>
+            <a:r>
+              <a:rPr lang="ko-KR" altLang="en-US" sz="1600" dirty="0"/>
+              <a:t>사람들의 내 </a:t>
+            </a:r>
+            <a:r>
+              <a:rPr lang="ko-KR" altLang="en-US" sz="1600" dirty="0" err="1"/>
+              <a:t>내</a:t>
+            </a:r>
+            <a:r>
+              <a:rPr lang="ko-KR" altLang="en-US" sz="1600" dirty="0"/>
+              <a:t> 봅니다</a:t>
+            </a:r>
+            <a:r>
+              <a:rPr lang="en-US" altLang="ko-KR" sz="1600" dirty="0"/>
+              <a:t>. </a:t>
+            </a:r>
+            <a:r>
+              <a:rPr lang="ko-KR" altLang="en-US" sz="1600" dirty="0"/>
+              <a:t>까닭이요</a:t>
+            </a:r>
+            <a:r>
+              <a:rPr lang="en-US" altLang="ko-KR" sz="1600" dirty="0"/>
+              <a:t>, </a:t>
+            </a:r>
+            <a:r>
+              <a:rPr lang="ko-KR" altLang="en-US" sz="1600" dirty="0"/>
+              <a:t>벌레는 나는 듯합니다</a:t>
+            </a:r>
+            <a:r>
+              <a:rPr lang="en-US" altLang="ko-KR" sz="1600" dirty="0"/>
+              <a:t>. </a:t>
+            </a:r>
+            <a:r>
+              <a:rPr lang="ko-KR" altLang="en-US" sz="1600" dirty="0"/>
+              <a:t>아무 우는 사람들의 잠</a:t>
+            </a:r>
+            <a:r>
+              <a:rPr lang="en-US" altLang="ko-KR" sz="1600" dirty="0"/>
+              <a:t>, </a:t>
+            </a:r>
+            <a:r>
+              <a:rPr lang="ko-KR" altLang="en-US" sz="1600" dirty="0"/>
+              <a:t>다 별이 이름을 까닭입니다</a:t>
+            </a:r>
+            <a:r>
+              <a:rPr lang="en-US" altLang="ko-KR" sz="1600" dirty="0"/>
+              <a:t>. </a:t>
+            </a:r>
+            <a:r>
+              <a:rPr lang="ko-KR" altLang="en-US" sz="1600" dirty="0"/>
+              <a:t>소녀들의 새겨지는 않은 하늘에는 버리었습니다</a:t>
+            </a:r>
+            <a:r>
+              <a:rPr lang="en-US" altLang="ko-KR" sz="1600" dirty="0"/>
+              <a:t>. </a:t>
+            </a:r>
+            <a:endParaRPr lang="ko-KR" altLang="en-US" sz="1600" dirty="0"/>
+          </a:p>
+        </p:txBody>
+      </p:sp>
+    </p:spTree>
+    <p:extLst>
+      <p:ext uri="{BB962C8B-B14F-4D97-AF65-F5344CB8AC3E}">
+        <p14:creationId xmlns:p14="http://schemas.microsoft.com/office/powerpoint/2010/main" val="840038371"/>
+      </p:ext>
+    </p:extLst>
+  </p:cSld>
+  <p:clrMapOvr>
+    <a:masterClrMapping/>
+  </p:clrMapOvr>
+  <mc:AlternateContent xmlns:mc="http://schemas.openxmlformats.org/markup-compatibility/2006" xmlns:p14="http://schemas.microsoft.com/office/powerpoint/2010/main">
+    <mc:Choice Requires="p14">
+      <p:transition spd="med" p14:dur="700">
+        <p:fade/>
+      </p:transition>
+    </mc:Choice>
+    <mc:Fallback xmlns="">
+      <p:transition spd="med">
+        <p:fade/>
+      </p:transition>
+    </mc:Fallback>
+  </mc:AlternateContent>
+</p:sld>
+</file>
+
+<file path=ppt/slides/slide12.xml><?xml version="1.0" encoding="utf-8"?>
+<p:sld xmlns:a="http://schemas.openxmlformats.org/drawingml/2006/main" xmlns:r="http://schemas.openxmlformats.org/officeDocument/2006/relationships" xmlns:p="http://schemas.openxmlformats.org/presentationml/2006/main">
+  <p:cSld>
+    <p:bg>
+      <p:bgPr>
+        <a:solidFill>
           <a:schemeClr val="accent5"/>
         </a:solidFill>
         <a:effectLst/>
@@ -9857,7 +11462,7 @@
 </p:sld>
 </file>
 
-<file path=ppt/slides/slide11.xml><?xml version="1.0" encoding="utf-8"?>
+<file path=ppt/slides/slide13.xml><?xml version="1.0" encoding="utf-8"?>
 <p:sld xmlns:a="http://schemas.openxmlformats.org/drawingml/2006/main" xmlns:r="http://schemas.openxmlformats.org/officeDocument/2006/relationships" xmlns:p="http://schemas.openxmlformats.org/presentationml/2006/main">
   <p:cSld>
     <p:spTree>
@@ -10443,7 +12048,7 @@
 </p:sld>
 </file>
 
-<file path=ppt/slides/slide12.xml><?xml version="1.0" encoding="utf-8"?>
+<file path=ppt/slides/slide14.xml><?xml version="1.0" encoding="utf-8"?>
 <p:sld xmlns:a="http://schemas.openxmlformats.org/drawingml/2006/main" xmlns:r="http://schemas.openxmlformats.org/officeDocument/2006/relationships" xmlns:p="http://schemas.openxmlformats.org/presentationml/2006/main">
   <p:cSld>
     <p:bg>
@@ -10614,7 +12219,7 @@
 </p:sld>
 </file>
 
-<file path=ppt/slides/slide13.xml><?xml version="1.0" encoding="utf-8"?>
+<file path=ppt/slides/slide15.xml><?xml version="1.0" encoding="utf-8"?>
 <p:sld xmlns:a="http://schemas.openxmlformats.org/drawingml/2006/main" xmlns:r="http://schemas.openxmlformats.org/officeDocument/2006/relationships" xmlns:p="http://schemas.openxmlformats.org/presentationml/2006/main">
   <p:cSld>
     <p:spTree>
@@ -11440,7 +13045,7 @@
 </p:sld>
 </file>
 
-<file path=ppt/slides/slide14.xml><?xml version="1.0" encoding="utf-8"?>
+<file path=ppt/slides/slide16.xml><?xml version="1.0" encoding="utf-8"?>
 <p:sld xmlns:a="http://schemas.openxmlformats.org/drawingml/2006/main" xmlns:r="http://schemas.openxmlformats.org/officeDocument/2006/relationships" xmlns:p="http://schemas.openxmlformats.org/presentationml/2006/main">
   <p:cSld>
     <p:spTree>
@@ -12972,7 +14577,7 @@
 </p:sld>
 </file>
 
-<file path=ppt/slides/slide15.xml><?xml version="1.0" encoding="utf-8"?>
+<file path=ppt/slides/slide17.xml><?xml version="1.0" encoding="utf-8"?>
 <p:sld xmlns:a="http://schemas.openxmlformats.org/drawingml/2006/main" xmlns:r="http://schemas.openxmlformats.org/officeDocument/2006/relationships" xmlns:p="http://schemas.openxmlformats.org/presentationml/2006/main">
   <p:cSld>
     <p:spTree>
@@ -15149,7 +16754,7 @@
 </p:sld>
 </file>
 
-<file path=ppt/slides/slide16.xml><?xml version="1.0" encoding="utf-8"?>
+<file path=ppt/slides/slide18.xml><?xml version="1.0" encoding="utf-8"?>
 <p:sld xmlns:a="http://schemas.openxmlformats.org/drawingml/2006/main" xmlns:r="http://schemas.openxmlformats.org/officeDocument/2006/relationships" xmlns:p="http://schemas.openxmlformats.org/presentationml/2006/main">
   <p:cSld>
     <p:spTree>
@@ -16524,7 +18129,7 @@
 </p:sld>
 </file>
 
-<file path=ppt/slides/slide17.xml><?xml version="1.0" encoding="utf-8"?>
+<file path=ppt/slides/slide19.xml><?xml version="1.0" encoding="utf-8"?>
 <p:sld xmlns:a="http://schemas.openxmlformats.org/drawingml/2006/main" xmlns:r="http://schemas.openxmlformats.org/officeDocument/2006/relationships" xmlns:p="http://schemas.openxmlformats.org/presentationml/2006/main">
   <p:cSld>
     <p:spTree>
@@ -17440,1124 +19045,6 @@
     <p:extLst>
       <p:ext uri="{BB962C8B-B14F-4D97-AF65-F5344CB8AC3E}">
         <p14:creationId xmlns:p14="http://schemas.microsoft.com/office/powerpoint/2010/main" val="3320331382"/>
-      </p:ext>
-    </p:extLst>
-  </p:cSld>
-  <p:clrMapOvr>
-    <a:masterClrMapping/>
-  </p:clrMapOvr>
-  <mc:AlternateContent xmlns:mc="http://schemas.openxmlformats.org/markup-compatibility/2006" xmlns:p14="http://schemas.microsoft.com/office/powerpoint/2010/main">
-    <mc:Choice Requires="p14">
-      <p:transition spd="med" p14:dur="700">
-        <p:fade/>
-      </p:transition>
-    </mc:Choice>
-    <mc:Fallback xmlns="">
-      <p:transition spd="med">
-        <p:fade/>
-      </p:transition>
-    </mc:Fallback>
-  </mc:AlternateContent>
-</p:sld>
-</file>
-
-<file path=ppt/slides/slide18.xml><?xml version="1.0" encoding="utf-8"?>
-<p:sld xmlns:a="http://schemas.openxmlformats.org/drawingml/2006/main" xmlns:r="http://schemas.openxmlformats.org/officeDocument/2006/relationships" xmlns:p="http://schemas.openxmlformats.org/presentationml/2006/main">
-  <p:cSld>
-    <p:spTree>
-      <p:nvGrpSpPr>
-        <p:cNvPr id="1" name=""/>
-        <p:cNvGrpSpPr/>
-        <p:nvPr/>
-      </p:nvGrpSpPr>
-      <p:grpSpPr>
-        <a:xfrm>
-          <a:off x="0" y="0"/>
-          <a:ext cx="0" cy="0"/>
-          <a:chOff x="0" y="0"/>
-          <a:chExt cx="0" cy="0"/>
-        </a:xfrm>
-      </p:grpSpPr>
-      <p:cxnSp>
-        <p:nvCxnSpPr>
-          <p:cNvPr id="4" name="직선 연결선 3">
-            <a:extLst>
-              <a:ext uri="{FF2B5EF4-FFF2-40B4-BE49-F238E27FC236}">
-                <a16:creationId xmlns:a16="http://schemas.microsoft.com/office/drawing/2014/main" id="{9A8E474A-6ECB-442D-8A42-7881F4DFBB2A}"/>
-              </a:ext>
-            </a:extLst>
-          </p:cNvPr>
-          <p:cNvCxnSpPr>
-            <a:cxnSpLocks/>
-          </p:cNvCxnSpPr>
-          <p:nvPr/>
-        </p:nvCxnSpPr>
-        <p:spPr>
-          <a:xfrm>
-            <a:off x="177800" y="835707"/>
-            <a:ext cx="12014200" cy="0"/>
-          </a:xfrm>
-          <a:prstGeom prst="line">
-            <a:avLst/>
-          </a:prstGeom>
-          <a:ln>
-            <a:solidFill>
-              <a:schemeClr val="accent2"/>
-            </a:solidFill>
-          </a:ln>
-        </p:spPr>
-        <p:style>
-          <a:lnRef idx="1">
-            <a:schemeClr val="accent1"/>
-          </a:lnRef>
-          <a:fillRef idx="0">
-            <a:schemeClr val="accent1"/>
-          </a:fillRef>
-          <a:effectRef idx="0">
-            <a:schemeClr val="accent1"/>
-          </a:effectRef>
-          <a:fontRef idx="minor">
-            <a:schemeClr val="tx1"/>
-          </a:fontRef>
-        </p:style>
-      </p:cxnSp>
-      <p:sp>
-        <p:nvSpPr>
-          <p:cNvPr id="5" name="직사각형 4">
-            <a:extLst>
-              <a:ext uri="{FF2B5EF4-FFF2-40B4-BE49-F238E27FC236}">
-                <a16:creationId xmlns:a16="http://schemas.microsoft.com/office/drawing/2014/main" id="{76EF8051-9646-4552-BE57-7D95D1538BA2}"/>
-              </a:ext>
-            </a:extLst>
-          </p:cNvPr>
-          <p:cNvSpPr/>
-          <p:nvPr/>
-        </p:nvSpPr>
-        <p:spPr>
-          <a:xfrm>
-            <a:off x="0" y="0"/>
-            <a:ext cx="177800" cy="6858000"/>
-          </a:xfrm>
-          <a:prstGeom prst="rect">
-            <a:avLst/>
-          </a:prstGeom>
-          <a:solidFill>
-            <a:schemeClr val="accent1"/>
-          </a:solidFill>
-          <a:ln>
-            <a:noFill/>
-          </a:ln>
-        </p:spPr>
-        <p:style>
-          <a:lnRef idx="2">
-            <a:schemeClr val="accent1">
-              <a:shade val="50000"/>
-            </a:schemeClr>
-          </a:lnRef>
-          <a:fillRef idx="1">
-            <a:schemeClr val="accent1"/>
-          </a:fillRef>
-          <a:effectRef idx="0">
-            <a:schemeClr val="accent1"/>
-          </a:effectRef>
-          <a:fontRef idx="minor">
-            <a:schemeClr val="lt1"/>
-          </a:fontRef>
-        </p:style>
-        <p:txBody>
-          <a:bodyPr rtlCol="0" anchor="ctr"/>
-          <a:lstStyle/>
-          <a:p>
-            <a:pPr algn="ctr"/>
-            <a:endParaRPr lang="ko-KR" altLang="en-US"/>
-          </a:p>
-        </p:txBody>
-      </p:sp>
-      <p:sp>
-        <p:nvSpPr>
-          <p:cNvPr id="9" name="TextBox 8">
-            <a:extLst>
-              <a:ext uri="{FF2B5EF4-FFF2-40B4-BE49-F238E27FC236}">
-                <a16:creationId xmlns:a16="http://schemas.microsoft.com/office/drawing/2014/main" id="{7FFA9BC9-96FB-4B17-AF51-48D81692F2D7}"/>
-              </a:ext>
-            </a:extLst>
-          </p:cNvPr>
-          <p:cNvSpPr txBox="1"/>
-          <p:nvPr/>
-        </p:nvSpPr>
-        <p:spPr>
-          <a:xfrm>
-            <a:off x="329610" y="111525"/>
-            <a:ext cx="3134191" cy="584775"/>
-          </a:xfrm>
-          <a:prstGeom prst="rect">
-            <a:avLst/>
-          </a:prstGeom>
-          <a:noFill/>
-        </p:spPr>
-        <p:txBody>
-          <a:bodyPr wrap="none" rtlCol="0">
-            <a:spAutoFit/>
-          </a:bodyPr>
-          <a:lstStyle/>
-          <a:p>
-            <a:r>
-              <a:rPr lang="ko-KR" altLang="en-US" sz="3200" spc="-300" dirty="0">
-                <a:solidFill>
-                  <a:schemeClr val="tx1">
-                    <a:lumMod val="85000"/>
-                    <a:lumOff val="15000"/>
-                  </a:schemeClr>
-                </a:solidFill>
-              </a:rPr>
-              <a:t>제목을 입력하세요</a:t>
-            </a:r>
-          </a:p>
-        </p:txBody>
-      </p:sp>
-      <p:sp>
-        <p:nvSpPr>
-          <p:cNvPr id="13" name="타원 12">
-            <a:extLst>
-              <a:ext uri="{FF2B5EF4-FFF2-40B4-BE49-F238E27FC236}">
-                <a16:creationId xmlns:a16="http://schemas.microsoft.com/office/drawing/2014/main" id="{DBFCAEA2-9A8E-4EE8-8D5F-639BCC14FE0B}"/>
-              </a:ext>
-            </a:extLst>
-          </p:cNvPr>
-          <p:cNvSpPr/>
-          <p:nvPr/>
-        </p:nvSpPr>
-        <p:spPr>
-          <a:xfrm>
-            <a:off x="5719342" y="3254418"/>
-            <a:ext cx="2767875" cy="2767875"/>
-          </a:xfrm>
-          <a:prstGeom prst="ellipse">
-            <a:avLst/>
-          </a:prstGeom>
-          <a:solidFill>
-            <a:schemeClr val="accent6">
-              <a:alpha val="80000"/>
-            </a:schemeClr>
-          </a:solidFill>
-          <a:ln>
-            <a:noFill/>
-          </a:ln>
-        </p:spPr>
-        <p:style>
-          <a:lnRef idx="2">
-            <a:schemeClr val="accent1">
-              <a:shade val="50000"/>
-            </a:schemeClr>
-          </a:lnRef>
-          <a:fillRef idx="1">
-            <a:schemeClr val="accent1"/>
-          </a:fillRef>
-          <a:effectRef idx="0">
-            <a:schemeClr val="accent1"/>
-          </a:effectRef>
-          <a:fontRef idx="minor">
-            <a:schemeClr val="lt1"/>
-          </a:fontRef>
-        </p:style>
-        <p:txBody>
-          <a:bodyPr rtlCol="0" anchor="ctr"/>
-          <a:lstStyle/>
-          <a:p>
-            <a:pPr algn="ctr"/>
-            <a:endParaRPr lang="ko-KR" altLang="en-US"/>
-          </a:p>
-        </p:txBody>
-      </p:sp>
-      <p:sp>
-        <p:nvSpPr>
-          <p:cNvPr id="12" name="타원 11">
-            <a:extLst>
-              <a:ext uri="{FF2B5EF4-FFF2-40B4-BE49-F238E27FC236}">
-                <a16:creationId xmlns:a16="http://schemas.microsoft.com/office/drawing/2014/main" id="{02395CAC-2303-49C7-8E0F-CA7D52B84169}"/>
-              </a:ext>
-            </a:extLst>
-          </p:cNvPr>
-          <p:cNvSpPr/>
-          <p:nvPr/>
-        </p:nvSpPr>
-        <p:spPr>
-          <a:xfrm>
-            <a:off x="3675736" y="3254418"/>
-            <a:ext cx="2767875" cy="2767875"/>
-          </a:xfrm>
-          <a:prstGeom prst="ellipse">
-            <a:avLst/>
-          </a:prstGeom>
-          <a:solidFill>
-            <a:schemeClr val="accent5">
-              <a:alpha val="80000"/>
-            </a:schemeClr>
-          </a:solidFill>
-          <a:ln>
-            <a:noFill/>
-          </a:ln>
-        </p:spPr>
-        <p:style>
-          <a:lnRef idx="2">
-            <a:schemeClr val="accent1">
-              <a:shade val="50000"/>
-            </a:schemeClr>
-          </a:lnRef>
-          <a:fillRef idx="1">
-            <a:schemeClr val="accent1"/>
-          </a:fillRef>
-          <a:effectRef idx="0">
-            <a:schemeClr val="accent1"/>
-          </a:effectRef>
-          <a:fontRef idx="minor">
-            <a:schemeClr val="lt1"/>
-          </a:fontRef>
-        </p:style>
-        <p:txBody>
-          <a:bodyPr rtlCol="0" anchor="ctr"/>
-          <a:lstStyle/>
-          <a:p>
-            <a:pPr algn="ctr"/>
-            <a:endParaRPr lang="ko-KR" altLang="en-US"/>
-          </a:p>
-        </p:txBody>
-      </p:sp>
-      <p:sp>
-        <p:nvSpPr>
-          <p:cNvPr id="8" name="타원 7">
-            <a:extLst>
-              <a:ext uri="{FF2B5EF4-FFF2-40B4-BE49-F238E27FC236}">
-                <a16:creationId xmlns:a16="http://schemas.microsoft.com/office/drawing/2014/main" id="{5A881F52-1A68-4644-8FB9-6E69F0C4AD6F}"/>
-              </a:ext>
-            </a:extLst>
-          </p:cNvPr>
-          <p:cNvSpPr/>
-          <p:nvPr/>
-        </p:nvSpPr>
-        <p:spPr>
-          <a:xfrm>
-            <a:off x="4697539" y="1547057"/>
-            <a:ext cx="2767875" cy="2767875"/>
-          </a:xfrm>
-          <a:prstGeom prst="ellipse">
-            <a:avLst/>
-          </a:prstGeom>
-          <a:solidFill>
-            <a:schemeClr val="accent3">
-              <a:alpha val="80000"/>
-            </a:schemeClr>
-          </a:solidFill>
-          <a:ln>
-            <a:noFill/>
-          </a:ln>
-        </p:spPr>
-        <p:style>
-          <a:lnRef idx="2">
-            <a:schemeClr val="accent1">
-              <a:shade val="50000"/>
-            </a:schemeClr>
-          </a:lnRef>
-          <a:fillRef idx="1">
-            <a:schemeClr val="accent1"/>
-          </a:fillRef>
-          <a:effectRef idx="0">
-            <a:schemeClr val="accent1"/>
-          </a:effectRef>
-          <a:fontRef idx="minor">
-            <a:schemeClr val="lt1"/>
-          </a:fontRef>
-        </p:style>
-        <p:txBody>
-          <a:bodyPr rtlCol="0" anchor="ctr"/>
-          <a:lstStyle/>
-          <a:p>
-            <a:pPr algn="ctr"/>
-            <a:endParaRPr lang="ko-KR" altLang="en-US"/>
-          </a:p>
-        </p:txBody>
-      </p:sp>
-      <p:sp>
-        <p:nvSpPr>
-          <p:cNvPr id="7" name="TextBox 6">
-            <a:extLst>
-              <a:ext uri="{FF2B5EF4-FFF2-40B4-BE49-F238E27FC236}">
-                <a16:creationId xmlns:a16="http://schemas.microsoft.com/office/drawing/2014/main" id="{9A7034D5-42A8-4241-9D66-9B53239DB210}"/>
-              </a:ext>
-            </a:extLst>
-          </p:cNvPr>
-          <p:cNvSpPr txBox="1"/>
-          <p:nvPr/>
-        </p:nvSpPr>
-        <p:spPr>
-          <a:xfrm>
-            <a:off x="3886789" y="4534162"/>
-            <a:ext cx="1832553" cy="338554"/>
-          </a:xfrm>
-          <a:prstGeom prst="rect">
-            <a:avLst/>
-          </a:prstGeom>
-          <a:noFill/>
-        </p:spPr>
-        <p:txBody>
-          <a:bodyPr wrap="none" rtlCol="0">
-            <a:spAutoFit/>
-          </a:bodyPr>
-          <a:lstStyle/>
-          <a:p>
-            <a:pPr algn="ctr"/>
-            <a:r>
-              <a:rPr lang="ko-KR" altLang="en-US" sz="1600" dirty="0"/>
-              <a:t>내용을 입력하세요</a:t>
-            </a:r>
-          </a:p>
-        </p:txBody>
-      </p:sp>
-      <p:sp>
-        <p:nvSpPr>
-          <p:cNvPr id="14" name="TextBox 13">
-            <a:extLst>
-              <a:ext uri="{FF2B5EF4-FFF2-40B4-BE49-F238E27FC236}">
-                <a16:creationId xmlns:a16="http://schemas.microsoft.com/office/drawing/2014/main" id="{4602FD0B-2018-4853-AF61-F901FE68377A}"/>
-              </a:ext>
-            </a:extLst>
-          </p:cNvPr>
-          <p:cNvSpPr txBox="1"/>
-          <p:nvPr/>
-        </p:nvSpPr>
-        <p:spPr>
-          <a:xfrm>
-            <a:off x="5164928" y="2806249"/>
-            <a:ext cx="1832553" cy="338554"/>
-          </a:xfrm>
-          <a:prstGeom prst="rect">
-            <a:avLst/>
-          </a:prstGeom>
-          <a:noFill/>
-        </p:spPr>
-        <p:txBody>
-          <a:bodyPr wrap="none" rtlCol="0">
-            <a:spAutoFit/>
-          </a:bodyPr>
-          <a:lstStyle/>
-          <a:p>
-            <a:pPr algn="ctr"/>
-            <a:r>
-              <a:rPr lang="ko-KR" altLang="en-US" sz="1600" dirty="0">
-                <a:solidFill>
-                  <a:schemeClr val="bg1"/>
-                </a:solidFill>
-              </a:rPr>
-              <a:t>내용을 입력하세요</a:t>
-            </a:r>
-          </a:p>
-        </p:txBody>
-      </p:sp>
-      <p:sp>
-        <p:nvSpPr>
-          <p:cNvPr id="15" name="TextBox 14">
-            <a:extLst>
-              <a:ext uri="{FF2B5EF4-FFF2-40B4-BE49-F238E27FC236}">
-                <a16:creationId xmlns:a16="http://schemas.microsoft.com/office/drawing/2014/main" id="{EF232887-5039-491A-9BFD-663FE8E06D99}"/>
-              </a:ext>
-            </a:extLst>
-          </p:cNvPr>
-          <p:cNvSpPr txBox="1"/>
-          <p:nvPr/>
-        </p:nvSpPr>
-        <p:spPr>
-          <a:xfrm>
-            <a:off x="6549137" y="4534162"/>
-            <a:ext cx="1832553" cy="338554"/>
-          </a:xfrm>
-          <a:prstGeom prst="rect">
-            <a:avLst/>
-          </a:prstGeom>
-          <a:noFill/>
-        </p:spPr>
-        <p:txBody>
-          <a:bodyPr wrap="none" rtlCol="0">
-            <a:spAutoFit/>
-          </a:bodyPr>
-          <a:lstStyle/>
-          <a:p>
-            <a:pPr algn="ctr"/>
-            <a:r>
-              <a:rPr lang="ko-KR" altLang="en-US" sz="1600" dirty="0"/>
-              <a:t>내용을 입력하세요</a:t>
-            </a:r>
-          </a:p>
-        </p:txBody>
-      </p:sp>
-      <p:sp>
-        <p:nvSpPr>
-          <p:cNvPr id="16" name="TextBox 15">
-            <a:extLst>
-              <a:ext uri="{FF2B5EF4-FFF2-40B4-BE49-F238E27FC236}">
-                <a16:creationId xmlns:a16="http://schemas.microsoft.com/office/drawing/2014/main" id="{FD5F3A16-019F-4601-B0EF-882D4466946E}"/>
-              </a:ext>
-            </a:extLst>
-          </p:cNvPr>
-          <p:cNvSpPr txBox="1"/>
-          <p:nvPr/>
-        </p:nvSpPr>
-        <p:spPr>
-          <a:xfrm>
-            <a:off x="-98231" y="50565"/>
-            <a:ext cx="353943" cy="1849121"/>
-          </a:xfrm>
-          <a:prstGeom prst="rect">
-            <a:avLst/>
-          </a:prstGeom>
-          <a:noFill/>
-        </p:spPr>
-        <p:txBody>
-          <a:bodyPr vert="eaVert" wrap="square" rtlCol="0">
-            <a:spAutoFit/>
-          </a:bodyPr>
-          <a:lstStyle/>
-          <a:p>
-            <a:r>
-              <a:rPr lang="en-US" altLang="ko-KR" sz="1100" dirty="0">
-                <a:solidFill>
-                  <a:schemeClr val="bg1"/>
-                </a:solidFill>
-              </a:rPr>
-              <a:t>Part 1</a:t>
-            </a:r>
-            <a:endParaRPr lang="ko-KR" altLang="en-US" sz="1100" dirty="0">
-              <a:solidFill>
-                <a:schemeClr val="bg1"/>
-              </a:solidFill>
-            </a:endParaRPr>
-          </a:p>
-        </p:txBody>
-      </p:sp>
-      <p:sp>
-        <p:nvSpPr>
-          <p:cNvPr id="17" name="TextBox 16">
-            <a:extLst>
-              <a:ext uri="{FF2B5EF4-FFF2-40B4-BE49-F238E27FC236}">
-                <a16:creationId xmlns:a16="http://schemas.microsoft.com/office/drawing/2014/main" id="{7B5EB940-669A-4CFC-992B-7ECA0318A204}"/>
-              </a:ext>
-            </a:extLst>
-          </p:cNvPr>
-          <p:cNvSpPr txBox="1"/>
-          <p:nvPr/>
-        </p:nvSpPr>
-        <p:spPr>
-          <a:xfrm>
-            <a:off x="906112" y="4534162"/>
-            <a:ext cx="2469776" cy="1169551"/>
-          </a:xfrm>
-          <a:prstGeom prst="rect">
-            <a:avLst/>
-          </a:prstGeom>
-          <a:noFill/>
-        </p:spPr>
-        <p:txBody>
-          <a:bodyPr wrap="square" rtlCol="0">
-            <a:spAutoFit/>
-          </a:bodyPr>
-          <a:lstStyle/>
-          <a:p>
-            <a:pPr algn="just"/>
-            <a:r>
-              <a:rPr lang="ko-KR" altLang="en-US" sz="1400" spc="-150" dirty="0">
-                <a:solidFill>
-                  <a:schemeClr val="tx1">
-                    <a:lumMod val="85000"/>
-                    <a:lumOff val="15000"/>
-                  </a:schemeClr>
-                </a:solidFill>
-              </a:rPr>
-              <a:t>역사를 곧 바이며</a:t>
-            </a:r>
-            <a:r>
-              <a:rPr lang="en-US" altLang="ko-KR" sz="1400" spc="-150" dirty="0">
-                <a:solidFill>
-                  <a:schemeClr val="tx1">
-                    <a:lumMod val="85000"/>
-                    <a:lumOff val="15000"/>
-                  </a:schemeClr>
-                </a:solidFill>
-              </a:rPr>
-              <a:t>, </a:t>
-            </a:r>
-            <a:r>
-              <a:rPr lang="ko-KR" altLang="en-US" sz="1400" spc="-150" dirty="0">
-                <a:solidFill>
-                  <a:schemeClr val="tx1">
-                    <a:lumMod val="85000"/>
-                    <a:lumOff val="15000"/>
-                  </a:schemeClr>
-                </a:solidFill>
-              </a:rPr>
-              <a:t>풀이 있다</a:t>
-            </a:r>
-            <a:r>
-              <a:rPr lang="en-US" altLang="ko-KR" sz="1400" spc="-150" dirty="0">
-                <a:solidFill>
-                  <a:schemeClr val="tx1">
-                    <a:lumMod val="85000"/>
-                    <a:lumOff val="15000"/>
-                  </a:schemeClr>
-                </a:solidFill>
-              </a:rPr>
-              <a:t>. </a:t>
-            </a:r>
-            <a:r>
-              <a:rPr lang="ko-KR" altLang="en-US" sz="1400" spc="-150" dirty="0">
-                <a:solidFill>
-                  <a:schemeClr val="tx1">
-                    <a:lumMod val="85000"/>
-                    <a:lumOff val="15000"/>
-                  </a:schemeClr>
-                </a:solidFill>
-              </a:rPr>
-              <a:t>발휘하기 가슴에 커다란 청춘에서만 그들의 이것이다</a:t>
-            </a:r>
-            <a:r>
-              <a:rPr lang="en-US" altLang="ko-KR" sz="1400" spc="-150" dirty="0">
-                <a:solidFill>
-                  <a:schemeClr val="tx1">
-                    <a:lumMod val="85000"/>
-                    <a:lumOff val="15000"/>
-                  </a:schemeClr>
-                </a:solidFill>
-              </a:rPr>
-              <a:t>. </a:t>
-            </a:r>
-            <a:r>
-              <a:rPr lang="ko-KR" altLang="en-US" sz="1400" spc="-150" dirty="0">
-                <a:solidFill>
-                  <a:schemeClr val="tx1">
-                    <a:lumMod val="85000"/>
-                    <a:lumOff val="15000"/>
-                  </a:schemeClr>
-                </a:solidFill>
-              </a:rPr>
-              <a:t>눈에 희망의 사랑의 가장 주며</a:t>
-            </a:r>
-            <a:r>
-              <a:rPr lang="en-US" altLang="ko-KR" sz="1400" spc="-150" dirty="0">
-                <a:solidFill>
-                  <a:schemeClr val="tx1">
-                    <a:lumMod val="85000"/>
-                    <a:lumOff val="15000"/>
-                  </a:schemeClr>
-                </a:solidFill>
-              </a:rPr>
-              <a:t>, </a:t>
-            </a:r>
-            <a:r>
-              <a:rPr lang="ko-KR" altLang="en-US" sz="1400" spc="-150" dirty="0">
-                <a:solidFill>
-                  <a:schemeClr val="tx1">
-                    <a:lumMod val="85000"/>
-                    <a:lumOff val="15000"/>
-                  </a:schemeClr>
-                </a:solidFill>
-              </a:rPr>
-              <a:t>더운지라 가슴에 황금시대다</a:t>
-            </a:r>
-            <a:r>
-              <a:rPr lang="en-US" altLang="ko-KR" sz="1400" spc="-150" dirty="0">
-                <a:solidFill>
-                  <a:schemeClr val="tx1">
-                    <a:lumMod val="85000"/>
-                    <a:lumOff val="15000"/>
-                  </a:schemeClr>
-                </a:solidFill>
-              </a:rPr>
-              <a:t>. </a:t>
-            </a:r>
-            <a:endParaRPr lang="ko-KR" altLang="en-US" sz="1400" spc="-150" dirty="0">
-              <a:solidFill>
-                <a:schemeClr val="tx1">
-                  <a:lumMod val="85000"/>
-                  <a:lumOff val="15000"/>
-                </a:schemeClr>
-              </a:solidFill>
-            </a:endParaRPr>
-          </a:p>
-        </p:txBody>
-      </p:sp>
-      <p:sp>
-        <p:nvSpPr>
-          <p:cNvPr id="18" name="TextBox 17">
-            <a:extLst>
-              <a:ext uri="{FF2B5EF4-FFF2-40B4-BE49-F238E27FC236}">
-                <a16:creationId xmlns:a16="http://schemas.microsoft.com/office/drawing/2014/main" id="{F1914613-947E-4074-AFCA-DBBCE5DD8670}"/>
-              </a:ext>
-            </a:extLst>
-          </p:cNvPr>
-          <p:cNvSpPr txBox="1"/>
-          <p:nvPr/>
-        </p:nvSpPr>
-        <p:spPr>
-          <a:xfrm>
-            <a:off x="8816112" y="4523361"/>
-            <a:ext cx="2469776" cy="1169551"/>
-          </a:xfrm>
-          <a:prstGeom prst="rect">
-            <a:avLst/>
-          </a:prstGeom>
-          <a:noFill/>
-        </p:spPr>
-        <p:txBody>
-          <a:bodyPr wrap="square" rtlCol="0">
-            <a:spAutoFit/>
-          </a:bodyPr>
-          <a:lstStyle/>
-          <a:p>
-            <a:pPr algn="just"/>
-            <a:r>
-              <a:rPr lang="ko-KR" altLang="en-US" sz="1400" spc="-150" dirty="0">
-                <a:solidFill>
-                  <a:schemeClr val="tx1">
-                    <a:lumMod val="85000"/>
-                    <a:lumOff val="15000"/>
-                  </a:schemeClr>
-                </a:solidFill>
-              </a:rPr>
-              <a:t>역사를 곧 바이며</a:t>
-            </a:r>
-            <a:r>
-              <a:rPr lang="en-US" altLang="ko-KR" sz="1400" spc="-150" dirty="0">
-                <a:solidFill>
-                  <a:schemeClr val="tx1">
-                    <a:lumMod val="85000"/>
-                    <a:lumOff val="15000"/>
-                  </a:schemeClr>
-                </a:solidFill>
-              </a:rPr>
-              <a:t>, </a:t>
-            </a:r>
-            <a:r>
-              <a:rPr lang="ko-KR" altLang="en-US" sz="1400" spc="-150" dirty="0">
-                <a:solidFill>
-                  <a:schemeClr val="tx1">
-                    <a:lumMod val="85000"/>
-                    <a:lumOff val="15000"/>
-                  </a:schemeClr>
-                </a:solidFill>
-              </a:rPr>
-              <a:t>풀이 있다</a:t>
-            </a:r>
-            <a:r>
-              <a:rPr lang="en-US" altLang="ko-KR" sz="1400" spc="-150" dirty="0">
-                <a:solidFill>
-                  <a:schemeClr val="tx1">
-                    <a:lumMod val="85000"/>
-                    <a:lumOff val="15000"/>
-                  </a:schemeClr>
-                </a:solidFill>
-              </a:rPr>
-              <a:t>. </a:t>
-            </a:r>
-            <a:r>
-              <a:rPr lang="ko-KR" altLang="en-US" sz="1400" spc="-150" dirty="0">
-                <a:solidFill>
-                  <a:schemeClr val="tx1">
-                    <a:lumMod val="85000"/>
-                    <a:lumOff val="15000"/>
-                  </a:schemeClr>
-                </a:solidFill>
-              </a:rPr>
-              <a:t>발휘하기 가슴에 커다란 청춘에서만 그들의 이것이다</a:t>
-            </a:r>
-            <a:r>
-              <a:rPr lang="en-US" altLang="ko-KR" sz="1400" spc="-150" dirty="0">
-                <a:solidFill>
-                  <a:schemeClr val="tx1">
-                    <a:lumMod val="85000"/>
-                    <a:lumOff val="15000"/>
-                  </a:schemeClr>
-                </a:solidFill>
-              </a:rPr>
-              <a:t>. </a:t>
-            </a:r>
-            <a:r>
-              <a:rPr lang="ko-KR" altLang="en-US" sz="1400" spc="-150" dirty="0">
-                <a:solidFill>
-                  <a:schemeClr val="tx1">
-                    <a:lumMod val="85000"/>
-                    <a:lumOff val="15000"/>
-                  </a:schemeClr>
-                </a:solidFill>
-              </a:rPr>
-              <a:t>눈에 희망의 사랑의 가장 주며</a:t>
-            </a:r>
-            <a:r>
-              <a:rPr lang="en-US" altLang="ko-KR" sz="1400" spc="-150" dirty="0">
-                <a:solidFill>
-                  <a:schemeClr val="tx1">
-                    <a:lumMod val="85000"/>
-                    <a:lumOff val="15000"/>
-                  </a:schemeClr>
-                </a:solidFill>
-              </a:rPr>
-              <a:t>, </a:t>
-            </a:r>
-            <a:r>
-              <a:rPr lang="ko-KR" altLang="en-US" sz="1400" spc="-150" dirty="0">
-                <a:solidFill>
-                  <a:schemeClr val="tx1">
-                    <a:lumMod val="85000"/>
-                    <a:lumOff val="15000"/>
-                  </a:schemeClr>
-                </a:solidFill>
-              </a:rPr>
-              <a:t>더운지라 가슴에 황금시대다</a:t>
-            </a:r>
-            <a:r>
-              <a:rPr lang="en-US" altLang="ko-KR" sz="1400" spc="-150" dirty="0">
-                <a:solidFill>
-                  <a:schemeClr val="tx1">
-                    <a:lumMod val="85000"/>
-                    <a:lumOff val="15000"/>
-                  </a:schemeClr>
-                </a:solidFill>
-              </a:rPr>
-              <a:t>. </a:t>
-            </a:r>
-            <a:endParaRPr lang="ko-KR" altLang="en-US" sz="1400" spc="-150" dirty="0">
-              <a:solidFill>
-                <a:schemeClr val="tx1">
-                  <a:lumMod val="85000"/>
-                  <a:lumOff val="15000"/>
-                </a:schemeClr>
-              </a:solidFill>
-            </a:endParaRPr>
-          </a:p>
-        </p:txBody>
-      </p:sp>
-      <p:sp>
-        <p:nvSpPr>
-          <p:cNvPr id="19" name="TextBox 18">
-            <a:extLst>
-              <a:ext uri="{FF2B5EF4-FFF2-40B4-BE49-F238E27FC236}">
-                <a16:creationId xmlns:a16="http://schemas.microsoft.com/office/drawing/2014/main" id="{2CE01CC9-6B77-47D5-8BAE-075FAAFDD9E4}"/>
-              </a:ext>
-            </a:extLst>
-          </p:cNvPr>
-          <p:cNvSpPr txBox="1"/>
-          <p:nvPr/>
-        </p:nvSpPr>
-        <p:spPr>
-          <a:xfrm>
-            <a:off x="7932803" y="2182393"/>
-            <a:ext cx="2469776" cy="1169551"/>
-          </a:xfrm>
-          <a:prstGeom prst="rect">
-            <a:avLst/>
-          </a:prstGeom>
-          <a:noFill/>
-        </p:spPr>
-        <p:txBody>
-          <a:bodyPr wrap="square" rtlCol="0">
-            <a:spAutoFit/>
-          </a:bodyPr>
-          <a:lstStyle/>
-          <a:p>
-            <a:pPr algn="just"/>
-            <a:r>
-              <a:rPr lang="ko-KR" altLang="en-US" sz="1400" spc="-150" dirty="0">
-                <a:solidFill>
-                  <a:schemeClr val="tx1">
-                    <a:lumMod val="85000"/>
-                    <a:lumOff val="15000"/>
-                  </a:schemeClr>
-                </a:solidFill>
-              </a:rPr>
-              <a:t>역사를 곧 바이며</a:t>
-            </a:r>
-            <a:r>
-              <a:rPr lang="en-US" altLang="ko-KR" sz="1400" spc="-150" dirty="0">
-                <a:solidFill>
-                  <a:schemeClr val="tx1">
-                    <a:lumMod val="85000"/>
-                    <a:lumOff val="15000"/>
-                  </a:schemeClr>
-                </a:solidFill>
-              </a:rPr>
-              <a:t>, </a:t>
-            </a:r>
-            <a:r>
-              <a:rPr lang="ko-KR" altLang="en-US" sz="1400" spc="-150" dirty="0">
-                <a:solidFill>
-                  <a:schemeClr val="tx1">
-                    <a:lumMod val="85000"/>
-                    <a:lumOff val="15000"/>
-                  </a:schemeClr>
-                </a:solidFill>
-              </a:rPr>
-              <a:t>풀이 있다</a:t>
-            </a:r>
-            <a:r>
-              <a:rPr lang="en-US" altLang="ko-KR" sz="1400" spc="-150" dirty="0">
-                <a:solidFill>
-                  <a:schemeClr val="tx1">
-                    <a:lumMod val="85000"/>
-                    <a:lumOff val="15000"/>
-                  </a:schemeClr>
-                </a:solidFill>
-              </a:rPr>
-              <a:t>. </a:t>
-            </a:r>
-            <a:r>
-              <a:rPr lang="ko-KR" altLang="en-US" sz="1400" spc="-150" dirty="0">
-                <a:solidFill>
-                  <a:schemeClr val="tx1">
-                    <a:lumMod val="85000"/>
-                    <a:lumOff val="15000"/>
-                  </a:schemeClr>
-                </a:solidFill>
-              </a:rPr>
-              <a:t>발휘하기 가슴에 커다란 청춘에서만 그들의 이것이다</a:t>
-            </a:r>
-            <a:r>
-              <a:rPr lang="en-US" altLang="ko-KR" sz="1400" spc="-150" dirty="0">
-                <a:solidFill>
-                  <a:schemeClr val="tx1">
-                    <a:lumMod val="85000"/>
-                    <a:lumOff val="15000"/>
-                  </a:schemeClr>
-                </a:solidFill>
-              </a:rPr>
-              <a:t>. </a:t>
-            </a:r>
-            <a:r>
-              <a:rPr lang="ko-KR" altLang="en-US" sz="1400" spc="-150" dirty="0">
-                <a:solidFill>
-                  <a:schemeClr val="tx1">
-                    <a:lumMod val="85000"/>
-                    <a:lumOff val="15000"/>
-                  </a:schemeClr>
-                </a:solidFill>
-              </a:rPr>
-              <a:t>눈에 희망의 사랑의 가장 주며</a:t>
-            </a:r>
-            <a:r>
-              <a:rPr lang="en-US" altLang="ko-KR" sz="1400" spc="-150" dirty="0">
-                <a:solidFill>
-                  <a:schemeClr val="tx1">
-                    <a:lumMod val="85000"/>
-                    <a:lumOff val="15000"/>
-                  </a:schemeClr>
-                </a:solidFill>
-              </a:rPr>
-              <a:t>, </a:t>
-            </a:r>
-            <a:r>
-              <a:rPr lang="ko-KR" altLang="en-US" sz="1400" spc="-150" dirty="0">
-                <a:solidFill>
-                  <a:schemeClr val="tx1">
-                    <a:lumMod val="85000"/>
-                    <a:lumOff val="15000"/>
-                  </a:schemeClr>
-                </a:solidFill>
-              </a:rPr>
-              <a:t>더운지라 가슴에 황금시대다</a:t>
-            </a:r>
-            <a:r>
-              <a:rPr lang="en-US" altLang="ko-KR" sz="1400" spc="-150" dirty="0">
-                <a:solidFill>
-                  <a:schemeClr val="tx1">
-                    <a:lumMod val="85000"/>
-                    <a:lumOff val="15000"/>
-                  </a:schemeClr>
-                </a:solidFill>
-              </a:rPr>
-              <a:t>. </a:t>
-            </a:r>
-            <a:endParaRPr lang="ko-KR" altLang="en-US" sz="1400" spc="-150" dirty="0">
-              <a:solidFill>
-                <a:schemeClr val="tx1">
-                  <a:lumMod val="85000"/>
-                  <a:lumOff val="15000"/>
-                </a:schemeClr>
-              </a:solidFill>
-            </a:endParaRPr>
-          </a:p>
-        </p:txBody>
-      </p:sp>
-    </p:spTree>
-    <p:extLst>
-      <p:ext uri="{BB962C8B-B14F-4D97-AF65-F5344CB8AC3E}">
-        <p14:creationId xmlns:p14="http://schemas.microsoft.com/office/powerpoint/2010/main" val="1034208025"/>
-      </p:ext>
-    </p:extLst>
-  </p:cSld>
-  <p:clrMapOvr>
-    <a:masterClrMapping/>
-  </p:clrMapOvr>
-  <mc:AlternateContent xmlns:mc="http://schemas.openxmlformats.org/markup-compatibility/2006" xmlns:p14="http://schemas.microsoft.com/office/powerpoint/2010/main">
-    <mc:Choice Requires="p14">
-      <p:transition spd="med" p14:dur="700">
-        <p:fade/>
-      </p:transition>
-    </mc:Choice>
-    <mc:Fallback xmlns="">
-      <p:transition spd="med">
-        <p:fade/>
-      </p:transition>
-    </mc:Fallback>
-  </mc:AlternateContent>
-</p:sld>
-</file>
-
-<file path=ppt/slides/slide19.xml><?xml version="1.0" encoding="utf-8"?>
-<p:sld xmlns:a="http://schemas.openxmlformats.org/drawingml/2006/main" xmlns:r="http://schemas.openxmlformats.org/officeDocument/2006/relationships" xmlns:p="http://schemas.openxmlformats.org/presentationml/2006/main">
-  <p:cSld>
-    <p:bg>
-      <p:bgPr>
-        <a:solidFill>
-          <a:schemeClr val="tx2">
-            <a:lumMod val="75000"/>
-          </a:schemeClr>
-        </a:solidFill>
-        <a:effectLst/>
-      </p:bgPr>
-    </p:bg>
-    <p:spTree>
-      <p:nvGrpSpPr>
-        <p:cNvPr id="1" name=""/>
-        <p:cNvGrpSpPr/>
-        <p:nvPr/>
-      </p:nvGrpSpPr>
-      <p:grpSpPr>
-        <a:xfrm>
-          <a:off x="0" y="0"/>
-          <a:ext cx="0" cy="0"/>
-          <a:chOff x="0" y="0"/>
-          <a:chExt cx="0" cy="0"/>
-        </a:xfrm>
-      </p:grpSpPr>
-      <p:pic>
-        <p:nvPicPr>
-          <p:cNvPr id="6" name="그림 5" descr="실외, 물, 자연, 남자이(가) 표시된 사진&#10;&#10;자동 생성된 설명">
-            <a:extLst>
-              <a:ext uri="{FF2B5EF4-FFF2-40B4-BE49-F238E27FC236}">
-                <a16:creationId xmlns:a16="http://schemas.microsoft.com/office/drawing/2014/main" id="{4D7477A6-39A8-4642-8DC6-EE96DDA7AC2D}"/>
-              </a:ext>
-            </a:extLst>
-          </p:cNvPr>
-          <p:cNvPicPr>
-            <a:picLocks noChangeAspect="1"/>
-          </p:cNvPicPr>
-          <p:nvPr/>
-        </p:nvPicPr>
-        <p:blipFill rotWithShape="1">
-          <a:blip r:embed="rId2" cstate="screen">
-            <a:extLst>
-              <a:ext uri="{28A0092B-C50C-407E-A947-70E740481C1C}">
-                <a14:useLocalDpi xmlns:a14="http://schemas.microsoft.com/office/drawing/2010/main" val="0"/>
-              </a:ext>
-            </a:extLst>
-          </a:blip>
-          <a:srcRect/>
-          <a:stretch/>
-        </p:blipFill>
-        <p:spPr>
-          <a:xfrm>
-            <a:off x="0" y="3040912"/>
-            <a:ext cx="12192000" cy="3817088"/>
-          </a:xfrm>
-          <a:prstGeom prst="rect">
-            <a:avLst/>
-          </a:prstGeom>
-        </p:spPr>
-      </p:pic>
-      <p:sp>
-        <p:nvSpPr>
-          <p:cNvPr id="5" name="TextBox 4">
-            <a:extLst>
-              <a:ext uri="{FF2B5EF4-FFF2-40B4-BE49-F238E27FC236}">
-                <a16:creationId xmlns:a16="http://schemas.microsoft.com/office/drawing/2014/main" id="{FEF534C6-FC61-4EA2-8855-1A1004EB5117}"/>
-              </a:ext>
-            </a:extLst>
-          </p:cNvPr>
-          <p:cNvSpPr txBox="1"/>
-          <p:nvPr/>
-        </p:nvSpPr>
-        <p:spPr>
-          <a:xfrm>
-            <a:off x="543345" y="2147777"/>
-            <a:ext cx="1515158" cy="584775"/>
-          </a:xfrm>
-          <a:prstGeom prst="rect">
-            <a:avLst/>
-          </a:prstGeom>
-          <a:noFill/>
-        </p:spPr>
-        <p:txBody>
-          <a:bodyPr wrap="none" rtlCol="0">
-            <a:spAutoFit/>
-          </a:bodyPr>
-          <a:lstStyle/>
-          <a:p>
-            <a:pPr algn="ctr"/>
-            <a:r>
-              <a:rPr lang="en-US" altLang="ko-KR" sz="3200" dirty="0">
-                <a:solidFill>
-                  <a:schemeClr val="bg1"/>
-                </a:solidFill>
-              </a:rPr>
-              <a:t>Part 2, </a:t>
-            </a:r>
-            <a:endParaRPr lang="ko-KR" altLang="en-US" sz="3200" dirty="0">
-              <a:solidFill>
-                <a:schemeClr val="bg1"/>
-              </a:solidFill>
-            </a:endParaRPr>
-          </a:p>
-        </p:txBody>
-      </p:sp>
-      <p:sp>
-        <p:nvSpPr>
-          <p:cNvPr id="7" name="TextBox 6">
-            <a:extLst>
-              <a:ext uri="{FF2B5EF4-FFF2-40B4-BE49-F238E27FC236}">
-                <a16:creationId xmlns:a16="http://schemas.microsoft.com/office/drawing/2014/main" id="{F2894A62-3A98-4459-B069-8674BB246AAC}"/>
-              </a:ext>
-            </a:extLst>
-          </p:cNvPr>
-          <p:cNvSpPr txBox="1"/>
-          <p:nvPr/>
-        </p:nvSpPr>
-        <p:spPr>
-          <a:xfrm>
-            <a:off x="2633685" y="2178554"/>
-            <a:ext cx="4468863" cy="523220"/>
-          </a:xfrm>
-          <a:prstGeom prst="rect">
-            <a:avLst/>
-          </a:prstGeom>
-          <a:noFill/>
-        </p:spPr>
-        <p:txBody>
-          <a:bodyPr wrap="square" rtlCol="0">
-            <a:spAutoFit/>
-          </a:bodyPr>
-          <a:lstStyle/>
-          <a:p>
-            <a:r>
-              <a:rPr lang="ko-KR" altLang="en-US" sz="2800" dirty="0">
-                <a:solidFill>
-                  <a:schemeClr val="bg1"/>
-                </a:solidFill>
-              </a:rPr>
-              <a:t>제목을 입력하세요</a:t>
-            </a:r>
-          </a:p>
-        </p:txBody>
-      </p:sp>
-    </p:spTree>
-    <p:extLst>
-      <p:ext uri="{BB962C8B-B14F-4D97-AF65-F5344CB8AC3E}">
-        <p14:creationId xmlns:p14="http://schemas.microsoft.com/office/powerpoint/2010/main" val="1503160340"/>
       </p:ext>
     </p:extLst>
   </p:cSld>
@@ -18734,6 +19221,1124 @@
 <file path=ppt/slides/slide20.xml><?xml version="1.0" encoding="utf-8"?>
 <p:sld xmlns:a="http://schemas.openxmlformats.org/drawingml/2006/main" xmlns:r="http://schemas.openxmlformats.org/officeDocument/2006/relationships" xmlns:p="http://schemas.openxmlformats.org/presentationml/2006/main">
   <p:cSld>
+    <p:spTree>
+      <p:nvGrpSpPr>
+        <p:cNvPr id="1" name=""/>
+        <p:cNvGrpSpPr/>
+        <p:nvPr/>
+      </p:nvGrpSpPr>
+      <p:grpSpPr>
+        <a:xfrm>
+          <a:off x="0" y="0"/>
+          <a:ext cx="0" cy="0"/>
+          <a:chOff x="0" y="0"/>
+          <a:chExt cx="0" cy="0"/>
+        </a:xfrm>
+      </p:grpSpPr>
+      <p:cxnSp>
+        <p:nvCxnSpPr>
+          <p:cNvPr id="4" name="직선 연결선 3">
+            <a:extLst>
+              <a:ext uri="{FF2B5EF4-FFF2-40B4-BE49-F238E27FC236}">
+                <a16:creationId xmlns:a16="http://schemas.microsoft.com/office/drawing/2014/main" id="{9A8E474A-6ECB-442D-8A42-7881F4DFBB2A}"/>
+              </a:ext>
+            </a:extLst>
+          </p:cNvPr>
+          <p:cNvCxnSpPr>
+            <a:cxnSpLocks/>
+          </p:cNvCxnSpPr>
+          <p:nvPr/>
+        </p:nvCxnSpPr>
+        <p:spPr>
+          <a:xfrm>
+            <a:off x="177800" y="835707"/>
+            <a:ext cx="12014200" cy="0"/>
+          </a:xfrm>
+          <a:prstGeom prst="line">
+            <a:avLst/>
+          </a:prstGeom>
+          <a:ln>
+            <a:solidFill>
+              <a:schemeClr val="accent2"/>
+            </a:solidFill>
+          </a:ln>
+        </p:spPr>
+        <p:style>
+          <a:lnRef idx="1">
+            <a:schemeClr val="accent1"/>
+          </a:lnRef>
+          <a:fillRef idx="0">
+            <a:schemeClr val="accent1"/>
+          </a:fillRef>
+          <a:effectRef idx="0">
+            <a:schemeClr val="accent1"/>
+          </a:effectRef>
+          <a:fontRef idx="minor">
+            <a:schemeClr val="tx1"/>
+          </a:fontRef>
+        </p:style>
+      </p:cxnSp>
+      <p:sp>
+        <p:nvSpPr>
+          <p:cNvPr id="5" name="직사각형 4">
+            <a:extLst>
+              <a:ext uri="{FF2B5EF4-FFF2-40B4-BE49-F238E27FC236}">
+                <a16:creationId xmlns:a16="http://schemas.microsoft.com/office/drawing/2014/main" id="{76EF8051-9646-4552-BE57-7D95D1538BA2}"/>
+              </a:ext>
+            </a:extLst>
+          </p:cNvPr>
+          <p:cNvSpPr/>
+          <p:nvPr/>
+        </p:nvSpPr>
+        <p:spPr>
+          <a:xfrm>
+            <a:off x="0" y="0"/>
+            <a:ext cx="177800" cy="6858000"/>
+          </a:xfrm>
+          <a:prstGeom prst="rect">
+            <a:avLst/>
+          </a:prstGeom>
+          <a:solidFill>
+            <a:schemeClr val="accent1"/>
+          </a:solidFill>
+          <a:ln>
+            <a:noFill/>
+          </a:ln>
+        </p:spPr>
+        <p:style>
+          <a:lnRef idx="2">
+            <a:schemeClr val="accent1">
+              <a:shade val="50000"/>
+            </a:schemeClr>
+          </a:lnRef>
+          <a:fillRef idx="1">
+            <a:schemeClr val="accent1"/>
+          </a:fillRef>
+          <a:effectRef idx="0">
+            <a:schemeClr val="accent1"/>
+          </a:effectRef>
+          <a:fontRef idx="minor">
+            <a:schemeClr val="lt1"/>
+          </a:fontRef>
+        </p:style>
+        <p:txBody>
+          <a:bodyPr rtlCol="0" anchor="ctr"/>
+          <a:lstStyle/>
+          <a:p>
+            <a:pPr algn="ctr"/>
+            <a:endParaRPr lang="ko-KR" altLang="en-US"/>
+          </a:p>
+        </p:txBody>
+      </p:sp>
+      <p:sp>
+        <p:nvSpPr>
+          <p:cNvPr id="9" name="TextBox 8">
+            <a:extLst>
+              <a:ext uri="{FF2B5EF4-FFF2-40B4-BE49-F238E27FC236}">
+                <a16:creationId xmlns:a16="http://schemas.microsoft.com/office/drawing/2014/main" id="{7FFA9BC9-96FB-4B17-AF51-48D81692F2D7}"/>
+              </a:ext>
+            </a:extLst>
+          </p:cNvPr>
+          <p:cNvSpPr txBox="1"/>
+          <p:nvPr/>
+        </p:nvSpPr>
+        <p:spPr>
+          <a:xfrm>
+            <a:off x="329610" y="111525"/>
+            <a:ext cx="3134191" cy="584775"/>
+          </a:xfrm>
+          <a:prstGeom prst="rect">
+            <a:avLst/>
+          </a:prstGeom>
+          <a:noFill/>
+        </p:spPr>
+        <p:txBody>
+          <a:bodyPr wrap="none" rtlCol="0">
+            <a:spAutoFit/>
+          </a:bodyPr>
+          <a:lstStyle/>
+          <a:p>
+            <a:r>
+              <a:rPr lang="ko-KR" altLang="en-US" sz="3200" spc="-300" dirty="0">
+                <a:solidFill>
+                  <a:schemeClr val="tx1">
+                    <a:lumMod val="85000"/>
+                    <a:lumOff val="15000"/>
+                  </a:schemeClr>
+                </a:solidFill>
+              </a:rPr>
+              <a:t>제목을 입력하세요</a:t>
+            </a:r>
+          </a:p>
+        </p:txBody>
+      </p:sp>
+      <p:sp>
+        <p:nvSpPr>
+          <p:cNvPr id="13" name="타원 12">
+            <a:extLst>
+              <a:ext uri="{FF2B5EF4-FFF2-40B4-BE49-F238E27FC236}">
+                <a16:creationId xmlns:a16="http://schemas.microsoft.com/office/drawing/2014/main" id="{DBFCAEA2-9A8E-4EE8-8D5F-639BCC14FE0B}"/>
+              </a:ext>
+            </a:extLst>
+          </p:cNvPr>
+          <p:cNvSpPr/>
+          <p:nvPr/>
+        </p:nvSpPr>
+        <p:spPr>
+          <a:xfrm>
+            <a:off x="5719342" y="3254418"/>
+            <a:ext cx="2767875" cy="2767875"/>
+          </a:xfrm>
+          <a:prstGeom prst="ellipse">
+            <a:avLst/>
+          </a:prstGeom>
+          <a:solidFill>
+            <a:schemeClr val="accent6">
+              <a:alpha val="80000"/>
+            </a:schemeClr>
+          </a:solidFill>
+          <a:ln>
+            <a:noFill/>
+          </a:ln>
+        </p:spPr>
+        <p:style>
+          <a:lnRef idx="2">
+            <a:schemeClr val="accent1">
+              <a:shade val="50000"/>
+            </a:schemeClr>
+          </a:lnRef>
+          <a:fillRef idx="1">
+            <a:schemeClr val="accent1"/>
+          </a:fillRef>
+          <a:effectRef idx="0">
+            <a:schemeClr val="accent1"/>
+          </a:effectRef>
+          <a:fontRef idx="minor">
+            <a:schemeClr val="lt1"/>
+          </a:fontRef>
+        </p:style>
+        <p:txBody>
+          <a:bodyPr rtlCol="0" anchor="ctr"/>
+          <a:lstStyle/>
+          <a:p>
+            <a:pPr algn="ctr"/>
+            <a:endParaRPr lang="ko-KR" altLang="en-US"/>
+          </a:p>
+        </p:txBody>
+      </p:sp>
+      <p:sp>
+        <p:nvSpPr>
+          <p:cNvPr id="12" name="타원 11">
+            <a:extLst>
+              <a:ext uri="{FF2B5EF4-FFF2-40B4-BE49-F238E27FC236}">
+                <a16:creationId xmlns:a16="http://schemas.microsoft.com/office/drawing/2014/main" id="{02395CAC-2303-49C7-8E0F-CA7D52B84169}"/>
+              </a:ext>
+            </a:extLst>
+          </p:cNvPr>
+          <p:cNvSpPr/>
+          <p:nvPr/>
+        </p:nvSpPr>
+        <p:spPr>
+          <a:xfrm>
+            <a:off x="3675736" y="3254418"/>
+            <a:ext cx="2767875" cy="2767875"/>
+          </a:xfrm>
+          <a:prstGeom prst="ellipse">
+            <a:avLst/>
+          </a:prstGeom>
+          <a:solidFill>
+            <a:schemeClr val="accent5">
+              <a:alpha val="80000"/>
+            </a:schemeClr>
+          </a:solidFill>
+          <a:ln>
+            <a:noFill/>
+          </a:ln>
+        </p:spPr>
+        <p:style>
+          <a:lnRef idx="2">
+            <a:schemeClr val="accent1">
+              <a:shade val="50000"/>
+            </a:schemeClr>
+          </a:lnRef>
+          <a:fillRef idx="1">
+            <a:schemeClr val="accent1"/>
+          </a:fillRef>
+          <a:effectRef idx="0">
+            <a:schemeClr val="accent1"/>
+          </a:effectRef>
+          <a:fontRef idx="minor">
+            <a:schemeClr val="lt1"/>
+          </a:fontRef>
+        </p:style>
+        <p:txBody>
+          <a:bodyPr rtlCol="0" anchor="ctr"/>
+          <a:lstStyle/>
+          <a:p>
+            <a:pPr algn="ctr"/>
+            <a:endParaRPr lang="ko-KR" altLang="en-US"/>
+          </a:p>
+        </p:txBody>
+      </p:sp>
+      <p:sp>
+        <p:nvSpPr>
+          <p:cNvPr id="8" name="타원 7">
+            <a:extLst>
+              <a:ext uri="{FF2B5EF4-FFF2-40B4-BE49-F238E27FC236}">
+                <a16:creationId xmlns:a16="http://schemas.microsoft.com/office/drawing/2014/main" id="{5A881F52-1A68-4644-8FB9-6E69F0C4AD6F}"/>
+              </a:ext>
+            </a:extLst>
+          </p:cNvPr>
+          <p:cNvSpPr/>
+          <p:nvPr/>
+        </p:nvSpPr>
+        <p:spPr>
+          <a:xfrm>
+            <a:off x="4697539" y="1547057"/>
+            <a:ext cx="2767875" cy="2767875"/>
+          </a:xfrm>
+          <a:prstGeom prst="ellipse">
+            <a:avLst/>
+          </a:prstGeom>
+          <a:solidFill>
+            <a:schemeClr val="accent3">
+              <a:alpha val="80000"/>
+            </a:schemeClr>
+          </a:solidFill>
+          <a:ln>
+            <a:noFill/>
+          </a:ln>
+        </p:spPr>
+        <p:style>
+          <a:lnRef idx="2">
+            <a:schemeClr val="accent1">
+              <a:shade val="50000"/>
+            </a:schemeClr>
+          </a:lnRef>
+          <a:fillRef idx="1">
+            <a:schemeClr val="accent1"/>
+          </a:fillRef>
+          <a:effectRef idx="0">
+            <a:schemeClr val="accent1"/>
+          </a:effectRef>
+          <a:fontRef idx="minor">
+            <a:schemeClr val="lt1"/>
+          </a:fontRef>
+        </p:style>
+        <p:txBody>
+          <a:bodyPr rtlCol="0" anchor="ctr"/>
+          <a:lstStyle/>
+          <a:p>
+            <a:pPr algn="ctr"/>
+            <a:endParaRPr lang="ko-KR" altLang="en-US"/>
+          </a:p>
+        </p:txBody>
+      </p:sp>
+      <p:sp>
+        <p:nvSpPr>
+          <p:cNvPr id="7" name="TextBox 6">
+            <a:extLst>
+              <a:ext uri="{FF2B5EF4-FFF2-40B4-BE49-F238E27FC236}">
+                <a16:creationId xmlns:a16="http://schemas.microsoft.com/office/drawing/2014/main" id="{9A7034D5-42A8-4241-9D66-9B53239DB210}"/>
+              </a:ext>
+            </a:extLst>
+          </p:cNvPr>
+          <p:cNvSpPr txBox="1"/>
+          <p:nvPr/>
+        </p:nvSpPr>
+        <p:spPr>
+          <a:xfrm>
+            <a:off x="3886789" y="4534162"/>
+            <a:ext cx="1832553" cy="338554"/>
+          </a:xfrm>
+          <a:prstGeom prst="rect">
+            <a:avLst/>
+          </a:prstGeom>
+          <a:noFill/>
+        </p:spPr>
+        <p:txBody>
+          <a:bodyPr wrap="none" rtlCol="0">
+            <a:spAutoFit/>
+          </a:bodyPr>
+          <a:lstStyle/>
+          <a:p>
+            <a:pPr algn="ctr"/>
+            <a:r>
+              <a:rPr lang="ko-KR" altLang="en-US" sz="1600" dirty="0"/>
+              <a:t>내용을 입력하세요</a:t>
+            </a:r>
+          </a:p>
+        </p:txBody>
+      </p:sp>
+      <p:sp>
+        <p:nvSpPr>
+          <p:cNvPr id="14" name="TextBox 13">
+            <a:extLst>
+              <a:ext uri="{FF2B5EF4-FFF2-40B4-BE49-F238E27FC236}">
+                <a16:creationId xmlns:a16="http://schemas.microsoft.com/office/drawing/2014/main" id="{4602FD0B-2018-4853-AF61-F901FE68377A}"/>
+              </a:ext>
+            </a:extLst>
+          </p:cNvPr>
+          <p:cNvSpPr txBox="1"/>
+          <p:nvPr/>
+        </p:nvSpPr>
+        <p:spPr>
+          <a:xfrm>
+            <a:off x="5164928" y="2806249"/>
+            <a:ext cx="1832553" cy="338554"/>
+          </a:xfrm>
+          <a:prstGeom prst="rect">
+            <a:avLst/>
+          </a:prstGeom>
+          <a:noFill/>
+        </p:spPr>
+        <p:txBody>
+          <a:bodyPr wrap="none" rtlCol="0">
+            <a:spAutoFit/>
+          </a:bodyPr>
+          <a:lstStyle/>
+          <a:p>
+            <a:pPr algn="ctr"/>
+            <a:r>
+              <a:rPr lang="ko-KR" altLang="en-US" sz="1600" dirty="0">
+                <a:solidFill>
+                  <a:schemeClr val="bg1"/>
+                </a:solidFill>
+              </a:rPr>
+              <a:t>내용을 입력하세요</a:t>
+            </a:r>
+          </a:p>
+        </p:txBody>
+      </p:sp>
+      <p:sp>
+        <p:nvSpPr>
+          <p:cNvPr id="15" name="TextBox 14">
+            <a:extLst>
+              <a:ext uri="{FF2B5EF4-FFF2-40B4-BE49-F238E27FC236}">
+                <a16:creationId xmlns:a16="http://schemas.microsoft.com/office/drawing/2014/main" id="{EF232887-5039-491A-9BFD-663FE8E06D99}"/>
+              </a:ext>
+            </a:extLst>
+          </p:cNvPr>
+          <p:cNvSpPr txBox="1"/>
+          <p:nvPr/>
+        </p:nvSpPr>
+        <p:spPr>
+          <a:xfrm>
+            <a:off x="6549137" y="4534162"/>
+            <a:ext cx="1832553" cy="338554"/>
+          </a:xfrm>
+          <a:prstGeom prst="rect">
+            <a:avLst/>
+          </a:prstGeom>
+          <a:noFill/>
+        </p:spPr>
+        <p:txBody>
+          <a:bodyPr wrap="none" rtlCol="0">
+            <a:spAutoFit/>
+          </a:bodyPr>
+          <a:lstStyle/>
+          <a:p>
+            <a:pPr algn="ctr"/>
+            <a:r>
+              <a:rPr lang="ko-KR" altLang="en-US" sz="1600" dirty="0"/>
+              <a:t>내용을 입력하세요</a:t>
+            </a:r>
+          </a:p>
+        </p:txBody>
+      </p:sp>
+      <p:sp>
+        <p:nvSpPr>
+          <p:cNvPr id="16" name="TextBox 15">
+            <a:extLst>
+              <a:ext uri="{FF2B5EF4-FFF2-40B4-BE49-F238E27FC236}">
+                <a16:creationId xmlns:a16="http://schemas.microsoft.com/office/drawing/2014/main" id="{FD5F3A16-019F-4601-B0EF-882D4466946E}"/>
+              </a:ext>
+            </a:extLst>
+          </p:cNvPr>
+          <p:cNvSpPr txBox="1"/>
+          <p:nvPr/>
+        </p:nvSpPr>
+        <p:spPr>
+          <a:xfrm>
+            <a:off x="-98231" y="50565"/>
+            <a:ext cx="353943" cy="1849121"/>
+          </a:xfrm>
+          <a:prstGeom prst="rect">
+            <a:avLst/>
+          </a:prstGeom>
+          <a:noFill/>
+        </p:spPr>
+        <p:txBody>
+          <a:bodyPr vert="eaVert" wrap="square" rtlCol="0">
+            <a:spAutoFit/>
+          </a:bodyPr>
+          <a:lstStyle/>
+          <a:p>
+            <a:r>
+              <a:rPr lang="en-US" altLang="ko-KR" sz="1100" dirty="0">
+                <a:solidFill>
+                  <a:schemeClr val="bg1"/>
+                </a:solidFill>
+              </a:rPr>
+              <a:t>Part 1</a:t>
+            </a:r>
+            <a:endParaRPr lang="ko-KR" altLang="en-US" sz="1100" dirty="0">
+              <a:solidFill>
+                <a:schemeClr val="bg1"/>
+              </a:solidFill>
+            </a:endParaRPr>
+          </a:p>
+        </p:txBody>
+      </p:sp>
+      <p:sp>
+        <p:nvSpPr>
+          <p:cNvPr id="17" name="TextBox 16">
+            <a:extLst>
+              <a:ext uri="{FF2B5EF4-FFF2-40B4-BE49-F238E27FC236}">
+                <a16:creationId xmlns:a16="http://schemas.microsoft.com/office/drawing/2014/main" id="{7B5EB940-669A-4CFC-992B-7ECA0318A204}"/>
+              </a:ext>
+            </a:extLst>
+          </p:cNvPr>
+          <p:cNvSpPr txBox="1"/>
+          <p:nvPr/>
+        </p:nvSpPr>
+        <p:spPr>
+          <a:xfrm>
+            <a:off x="906112" y="4534162"/>
+            <a:ext cx="2469776" cy="1169551"/>
+          </a:xfrm>
+          <a:prstGeom prst="rect">
+            <a:avLst/>
+          </a:prstGeom>
+          <a:noFill/>
+        </p:spPr>
+        <p:txBody>
+          <a:bodyPr wrap="square" rtlCol="0">
+            <a:spAutoFit/>
+          </a:bodyPr>
+          <a:lstStyle/>
+          <a:p>
+            <a:pPr algn="just"/>
+            <a:r>
+              <a:rPr lang="ko-KR" altLang="en-US" sz="1400" spc="-150" dirty="0">
+                <a:solidFill>
+                  <a:schemeClr val="tx1">
+                    <a:lumMod val="85000"/>
+                    <a:lumOff val="15000"/>
+                  </a:schemeClr>
+                </a:solidFill>
+              </a:rPr>
+              <a:t>역사를 곧 바이며</a:t>
+            </a:r>
+            <a:r>
+              <a:rPr lang="en-US" altLang="ko-KR" sz="1400" spc="-150" dirty="0">
+                <a:solidFill>
+                  <a:schemeClr val="tx1">
+                    <a:lumMod val="85000"/>
+                    <a:lumOff val="15000"/>
+                  </a:schemeClr>
+                </a:solidFill>
+              </a:rPr>
+              <a:t>, </a:t>
+            </a:r>
+            <a:r>
+              <a:rPr lang="ko-KR" altLang="en-US" sz="1400" spc="-150" dirty="0">
+                <a:solidFill>
+                  <a:schemeClr val="tx1">
+                    <a:lumMod val="85000"/>
+                    <a:lumOff val="15000"/>
+                  </a:schemeClr>
+                </a:solidFill>
+              </a:rPr>
+              <a:t>풀이 있다</a:t>
+            </a:r>
+            <a:r>
+              <a:rPr lang="en-US" altLang="ko-KR" sz="1400" spc="-150" dirty="0">
+                <a:solidFill>
+                  <a:schemeClr val="tx1">
+                    <a:lumMod val="85000"/>
+                    <a:lumOff val="15000"/>
+                  </a:schemeClr>
+                </a:solidFill>
+              </a:rPr>
+              <a:t>. </a:t>
+            </a:r>
+            <a:r>
+              <a:rPr lang="ko-KR" altLang="en-US" sz="1400" spc="-150" dirty="0">
+                <a:solidFill>
+                  <a:schemeClr val="tx1">
+                    <a:lumMod val="85000"/>
+                    <a:lumOff val="15000"/>
+                  </a:schemeClr>
+                </a:solidFill>
+              </a:rPr>
+              <a:t>발휘하기 가슴에 커다란 청춘에서만 그들의 이것이다</a:t>
+            </a:r>
+            <a:r>
+              <a:rPr lang="en-US" altLang="ko-KR" sz="1400" spc="-150" dirty="0">
+                <a:solidFill>
+                  <a:schemeClr val="tx1">
+                    <a:lumMod val="85000"/>
+                    <a:lumOff val="15000"/>
+                  </a:schemeClr>
+                </a:solidFill>
+              </a:rPr>
+              <a:t>. </a:t>
+            </a:r>
+            <a:r>
+              <a:rPr lang="ko-KR" altLang="en-US" sz="1400" spc="-150" dirty="0">
+                <a:solidFill>
+                  <a:schemeClr val="tx1">
+                    <a:lumMod val="85000"/>
+                    <a:lumOff val="15000"/>
+                  </a:schemeClr>
+                </a:solidFill>
+              </a:rPr>
+              <a:t>눈에 희망의 사랑의 가장 주며</a:t>
+            </a:r>
+            <a:r>
+              <a:rPr lang="en-US" altLang="ko-KR" sz="1400" spc="-150" dirty="0">
+                <a:solidFill>
+                  <a:schemeClr val="tx1">
+                    <a:lumMod val="85000"/>
+                    <a:lumOff val="15000"/>
+                  </a:schemeClr>
+                </a:solidFill>
+              </a:rPr>
+              <a:t>, </a:t>
+            </a:r>
+            <a:r>
+              <a:rPr lang="ko-KR" altLang="en-US" sz="1400" spc="-150" dirty="0">
+                <a:solidFill>
+                  <a:schemeClr val="tx1">
+                    <a:lumMod val="85000"/>
+                    <a:lumOff val="15000"/>
+                  </a:schemeClr>
+                </a:solidFill>
+              </a:rPr>
+              <a:t>더운지라 가슴에 황금시대다</a:t>
+            </a:r>
+            <a:r>
+              <a:rPr lang="en-US" altLang="ko-KR" sz="1400" spc="-150" dirty="0">
+                <a:solidFill>
+                  <a:schemeClr val="tx1">
+                    <a:lumMod val="85000"/>
+                    <a:lumOff val="15000"/>
+                  </a:schemeClr>
+                </a:solidFill>
+              </a:rPr>
+              <a:t>. </a:t>
+            </a:r>
+            <a:endParaRPr lang="ko-KR" altLang="en-US" sz="1400" spc="-150" dirty="0">
+              <a:solidFill>
+                <a:schemeClr val="tx1">
+                  <a:lumMod val="85000"/>
+                  <a:lumOff val="15000"/>
+                </a:schemeClr>
+              </a:solidFill>
+            </a:endParaRPr>
+          </a:p>
+        </p:txBody>
+      </p:sp>
+      <p:sp>
+        <p:nvSpPr>
+          <p:cNvPr id="18" name="TextBox 17">
+            <a:extLst>
+              <a:ext uri="{FF2B5EF4-FFF2-40B4-BE49-F238E27FC236}">
+                <a16:creationId xmlns:a16="http://schemas.microsoft.com/office/drawing/2014/main" id="{F1914613-947E-4074-AFCA-DBBCE5DD8670}"/>
+              </a:ext>
+            </a:extLst>
+          </p:cNvPr>
+          <p:cNvSpPr txBox="1"/>
+          <p:nvPr/>
+        </p:nvSpPr>
+        <p:spPr>
+          <a:xfrm>
+            <a:off x="8816112" y="4523361"/>
+            <a:ext cx="2469776" cy="1169551"/>
+          </a:xfrm>
+          <a:prstGeom prst="rect">
+            <a:avLst/>
+          </a:prstGeom>
+          <a:noFill/>
+        </p:spPr>
+        <p:txBody>
+          <a:bodyPr wrap="square" rtlCol="0">
+            <a:spAutoFit/>
+          </a:bodyPr>
+          <a:lstStyle/>
+          <a:p>
+            <a:pPr algn="just"/>
+            <a:r>
+              <a:rPr lang="ko-KR" altLang="en-US" sz="1400" spc="-150" dirty="0">
+                <a:solidFill>
+                  <a:schemeClr val="tx1">
+                    <a:lumMod val="85000"/>
+                    <a:lumOff val="15000"/>
+                  </a:schemeClr>
+                </a:solidFill>
+              </a:rPr>
+              <a:t>역사를 곧 바이며</a:t>
+            </a:r>
+            <a:r>
+              <a:rPr lang="en-US" altLang="ko-KR" sz="1400" spc="-150" dirty="0">
+                <a:solidFill>
+                  <a:schemeClr val="tx1">
+                    <a:lumMod val="85000"/>
+                    <a:lumOff val="15000"/>
+                  </a:schemeClr>
+                </a:solidFill>
+              </a:rPr>
+              <a:t>, </a:t>
+            </a:r>
+            <a:r>
+              <a:rPr lang="ko-KR" altLang="en-US" sz="1400" spc="-150" dirty="0">
+                <a:solidFill>
+                  <a:schemeClr val="tx1">
+                    <a:lumMod val="85000"/>
+                    <a:lumOff val="15000"/>
+                  </a:schemeClr>
+                </a:solidFill>
+              </a:rPr>
+              <a:t>풀이 있다</a:t>
+            </a:r>
+            <a:r>
+              <a:rPr lang="en-US" altLang="ko-KR" sz="1400" spc="-150" dirty="0">
+                <a:solidFill>
+                  <a:schemeClr val="tx1">
+                    <a:lumMod val="85000"/>
+                    <a:lumOff val="15000"/>
+                  </a:schemeClr>
+                </a:solidFill>
+              </a:rPr>
+              <a:t>. </a:t>
+            </a:r>
+            <a:r>
+              <a:rPr lang="ko-KR" altLang="en-US" sz="1400" spc="-150" dirty="0">
+                <a:solidFill>
+                  <a:schemeClr val="tx1">
+                    <a:lumMod val="85000"/>
+                    <a:lumOff val="15000"/>
+                  </a:schemeClr>
+                </a:solidFill>
+              </a:rPr>
+              <a:t>발휘하기 가슴에 커다란 청춘에서만 그들의 이것이다</a:t>
+            </a:r>
+            <a:r>
+              <a:rPr lang="en-US" altLang="ko-KR" sz="1400" spc="-150" dirty="0">
+                <a:solidFill>
+                  <a:schemeClr val="tx1">
+                    <a:lumMod val="85000"/>
+                    <a:lumOff val="15000"/>
+                  </a:schemeClr>
+                </a:solidFill>
+              </a:rPr>
+              <a:t>. </a:t>
+            </a:r>
+            <a:r>
+              <a:rPr lang="ko-KR" altLang="en-US" sz="1400" spc="-150" dirty="0">
+                <a:solidFill>
+                  <a:schemeClr val="tx1">
+                    <a:lumMod val="85000"/>
+                    <a:lumOff val="15000"/>
+                  </a:schemeClr>
+                </a:solidFill>
+              </a:rPr>
+              <a:t>눈에 희망의 사랑의 가장 주며</a:t>
+            </a:r>
+            <a:r>
+              <a:rPr lang="en-US" altLang="ko-KR" sz="1400" spc="-150" dirty="0">
+                <a:solidFill>
+                  <a:schemeClr val="tx1">
+                    <a:lumMod val="85000"/>
+                    <a:lumOff val="15000"/>
+                  </a:schemeClr>
+                </a:solidFill>
+              </a:rPr>
+              <a:t>, </a:t>
+            </a:r>
+            <a:r>
+              <a:rPr lang="ko-KR" altLang="en-US" sz="1400" spc="-150" dirty="0">
+                <a:solidFill>
+                  <a:schemeClr val="tx1">
+                    <a:lumMod val="85000"/>
+                    <a:lumOff val="15000"/>
+                  </a:schemeClr>
+                </a:solidFill>
+              </a:rPr>
+              <a:t>더운지라 가슴에 황금시대다</a:t>
+            </a:r>
+            <a:r>
+              <a:rPr lang="en-US" altLang="ko-KR" sz="1400" spc="-150" dirty="0">
+                <a:solidFill>
+                  <a:schemeClr val="tx1">
+                    <a:lumMod val="85000"/>
+                    <a:lumOff val="15000"/>
+                  </a:schemeClr>
+                </a:solidFill>
+              </a:rPr>
+              <a:t>. </a:t>
+            </a:r>
+            <a:endParaRPr lang="ko-KR" altLang="en-US" sz="1400" spc="-150" dirty="0">
+              <a:solidFill>
+                <a:schemeClr val="tx1">
+                  <a:lumMod val="85000"/>
+                  <a:lumOff val="15000"/>
+                </a:schemeClr>
+              </a:solidFill>
+            </a:endParaRPr>
+          </a:p>
+        </p:txBody>
+      </p:sp>
+      <p:sp>
+        <p:nvSpPr>
+          <p:cNvPr id="19" name="TextBox 18">
+            <a:extLst>
+              <a:ext uri="{FF2B5EF4-FFF2-40B4-BE49-F238E27FC236}">
+                <a16:creationId xmlns:a16="http://schemas.microsoft.com/office/drawing/2014/main" id="{2CE01CC9-6B77-47D5-8BAE-075FAAFDD9E4}"/>
+              </a:ext>
+            </a:extLst>
+          </p:cNvPr>
+          <p:cNvSpPr txBox="1"/>
+          <p:nvPr/>
+        </p:nvSpPr>
+        <p:spPr>
+          <a:xfrm>
+            <a:off x="7932803" y="2182393"/>
+            <a:ext cx="2469776" cy="1169551"/>
+          </a:xfrm>
+          <a:prstGeom prst="rect">
+            <a:avLst/>
+          </a:prstGeom>
+          <a:noFill/>
+        </p:spPr>
+        <p:txBody>
+          <a:bodyPr wrap="square" rtlCol="0">
+            <a:spAutoFit/>
+          </a:bodyPr>
+          <a:lstStyle/>
+          <a:p>
+            <a:pPr algn="just"/>
+            <a:r>
+              <a:rPr lang="ko-KR" altLang="en-US" sz="1400" spc="-150" dirty="0">
+                <a:solidFill>
+                  <a:schemeClr val="tx1">
+                    <a:lumMod val="85000"/>
+                    <a:lumOff val="15000"/>
+                  </a:schemeClr>
+                </a:solidFill>
+              </a:rPr>
+              <a:t>역사를 곧 바이며</a:t>
+            </a:r>
+            <a:r>
+              <a:rPr lang="en-US" altLang="ko-KR" sz="1400" spc="-150" dirty="0">
+                <a:solidFill>
+                  <a:schemeClr val="tx1">
+                    <a:lumMod val="85000"/>
+                    <a:lumOff val="15000"/>
+                  </a:schemeClr>
+                </a:solidFill>
+              </a:rPr>
+              <a:t>, </a:t>
+            </a:r>
+            <a:r>
+              <a:rPr lang="ko-KR" altLang="en-US" sz="1400" spc="-150" dirty="0">
+                <a:solidFill>
+                  <a:schemeClr val="tx1">
+                    <a:lumMod val="85000"/>
+                    <a:lumOff val="15000"/>
+                  </a:schemeClr>
+                </a:solidFill>
+              </a:rPr>
+              <a:t>풀이 있다</a:t>
+            </a:r>
+            <a:r>
+              <a:rPr lang="en-US" altLang="ko-KR" sz="1400" spc="-150" dirty="0">
+                <a:solidFill>
+                  <a:schemeClr val="tx1">
+                    <a:lumMod val="85000"/>
+                    <a:lumOff val="15000"/>
+                  </a:schemeClr>
+                </a:solidFill>
+              </a:rPr>
+              <a:t>. </a:t>
+            </a:r>
+            <a:r>
+              <a:rPr lang="ko-KR" altLang="en-US" sz="1400" spc="-150" dirty="0">
+                <a:solidFill>
+                  <a:schemeClr val="tx1">
+                    <a:lumMod val="85000"/>
+                    <a:lumOff val="15000"/>
+                  </a:schemeClr>
+                </a:solidFill>
+              </a:rPr>
+              <a:t>발휘하기 가슴에 커다란 청춘에서만 그들의 이것이다</a:t>
+            </a:r>
+            <a:r>
+              <a:rPr lang="en-US" altLang="ko-KR" sz="1400" spc="-150" dirty="0">
+                <a:solidFill>
+                  <a:schemeClr val="tx1">
+                    <a:lumMod val="85000"/>
+                    <a:lumOff val="15000"/>
+                  </a:schemeClr>
+                </a:solidFill>
+              </a:rPr>
+              <a:t>. </a:t>
+            </a:r>
+            <a:r>
+              <a:rPr lang="ko-KR" altLang="en-US" sz="1400" spc="-150" dirty="0">
+                <a:solidFill>
+                  <a:schemeClr val="tx1">
+                    <a:lumMod val="85000"/>
+                    <a:lumOff val="15000"/>
+                  </a:schemeClr>
+                </a:solidFill>
+              </a:rPr>
+              <a:t>눈에 희망의 사랑의 가장 주며</a:t>
+            </a:r>
+            <a:r>
+              <a:rPr lang="en-US" altLang="ko-KR" sz="1400" spc="-150" dirty="0">
+                <a:solidFill>
+                  <a:schemeClr val="tx1">
+                    <a:lumMod val="85000"/>
+                    <a:lumOff val="15000"/>
+                  </a:schemeClr>
+                </a:solidFill>
+              </a:rPr>
+              <a:t>, </a:t>
+            </a:r>
+            <a:r>
+              <a:rPr lang="ko-KR" altLang="en-US" sz="1400" spc="-150" dirty="0">
+                <a:solidFill>
+                  <a:schemeClr val="tx1">
+                    <a:lumMod val="85000"/>
+                    <a:lumOff val="15000"/>
+                  </a:schemeClr>
+                </a:solidFill>
+              </a:rPr>
+              <a:t>더운지라 가슴에 황금시대다</a:t>
+            </a:r>
+            <a:r>
+              <a:rPr lang="en-US" altLang="ko-KR" sz="1400" spc="-150" dirty="0">
+                <a:solidFill>
+                  <a:schemeClr val="tx1">
+                    <a:lumMod val="85000"/>
+                    <a:lumOff val="15000"/>
+                  </a:schemeClr>
+                </a:solidFill>
+              </a:rPr>
+              <a:t>. </a:t>
+            </a:r>
+            <a:endParaRPr lang="ko-KR" altLang="en-US" sz="1400" spc="-150" dirty="0">
+              <a:solidFill>
+                <a:schemeClr val="tx1">
+                  <a:lumMod val="85000"/>
+                  <a:lumOff val="15000"/>
+                </a:schemeClr>
+              </a:solidFill>
+            </a:endParaRPr>
+          </a:p>
+        </p:txBody>
+      </p:sp>
+    </p:spTree>
+    <p:extLst>
+      <p:ext uri="{BB962C8B-B14F-4D97-AF65-F5344CB8AC3E}">
+        <p14:creationId xmlns:p14="http://schemas.microsoft.com/office/powerpoint/2010/main" val="1034208025"/>
+      </p:ext>
+    </p:extLst>
+  </p:cSld>
+  <p:clrMapOvr>
+    <a:masterClrMapping/>
+  </p:clrMapOvr>
+  <mc:AlternateContent xmlns:mc="http://schemas.openxmlformats.org/markup-compatibility/2006" xmlns:p14="http://schemas.microsoft.com/office/powerpoint/2010/main">
+    <mc:Choice Requires="p14">
+      <p:transition spd="med" p14:dur="700">
+        <p:fade/>
+      </p:transition>
+    </mc:Choice>
+    <mc:Fallback xmlns="">
+      <p:transition spd="med">
+        <p:fade/>
+      </p:transition>
+    </mc:Fallback>
+  </mc:AlternateContent>
+</p:sld>
+</file>
+
+<file path=ppt/slides/slide21.xml><?xml version="1.0" encoding="utf-8"?>
+<p:sld xmlns:a="http://schemas.openxmlformats.org/drawingml/2006/main" xmlns:r="http://schemas.openxmlformats.org/officeDocument/2006/relationships" xmlns:p="http://schemas.openxmlformats.org/presentationml/2006/main">
+  <p:cSld>
+    <p:bg>
+      <p:bgPr>
+        <a:solidFill>
+          <a:schemeClr val="tx2">
+            <a:lumMod val="75000"/>
+          </a:schemeClr>
+        </a:solidFill>
+        <a:effectLst/>
+      </p:bgPr>
+    </p:bg>
+    <p:spTree>
+      <p:nvGrpSpPr>
+        <p:cNvPr id="1" name=""/>
+        <p:cNvGrpSpPr/>
+        <p:nvPr/>
+      </p:nvGrpSpPr>
+      <p:grpSpPr>
+        <a:xfrm>
+          <a:off x="0" y="0"/>
+          <a:ext cx="0" cy="0"/>
+          <a:chOff x="0" y="0"/>
+          <a:chExt cx="0" cy="0"/>
+        </a:xfrm>
+      </p:grpSpPr>
+      <p:pic>
+        <p:nvPicPr>
+          <p:cNvPr id="6" name="그림 5" descr="실외, 물, 자연, 남자이(가) 표시된 사진&#10;&#10;자동 생성된 설명">
+            <a:extLst>
+              <a:ext uri="{FF2B5EF4-FFF2-40B4-BE49-F238E27FC236}">
+                <a16:creationId xmlns:a16="http://schemas.microsoft.com/office/drawing/2014/main" id="{4D7477A6-39A8-4642-8DC6-EE96DDA7AC2D}"/>
+              </a:ext>
+            </a:extLst>
+          </p:cNvPr>
+          <p:cNvPicPr>
+            <a:picLocks noChangeAspect="1"/>
+          </p:cNvPicPr>
+          <p:nvPr/>
+        </p:nvPicPr>
+        <p:blipFill rotWithShape="1">
+          <a:blip r:embed="rId2" cstate="screen">
+            <a:extLst>
+              <a:ext uri="{28A0092B-C50C-407E-A947-70E740481C1C}">
+                <a14:useLocalDpi xmlns:a14="http://schemas.microsoft.com/office/drawing/2010/main" val="0"/>
+              </a:ext>
+            </a:extLst>
+          </a:blip>
+          <a:srcRect/>
+          <a:stretch/>
+        </p:blipFill>
+        <p:spPr>
+          <a:xfrm>
+            <a:off x="0" y="3040912"/>
+            <a:ext cx="12192000" cy="3817088"/>
+          </a:xfrm>
+          <a:prstGeom prst="rect">
+            <a:avLst/>
+          </a:prstGeom>
+        </p:spPr>
+      </p:pic>
+      <p:sp>
+        <p:nvSpPr>
+          <p:cNvPr id="5" name="TextBox 4">
+            <a:extLst>
+              <a:ext uri="{FF2B5EF4-FFF2-40B4-BE49-F238E27FC236}">
+                <a16:creationId xmlns:a16="http://schemas.microsoft.com/office/drawing/2014/main" id="{FEF534C6-FC61-4EA2-8855-1A1004EB5117}"/>
+              </a:ext>
+            </a:extLst>
+          </p:cNvPr>
+          <p:cNvSpPr txBox="1"/>
+          <p:nvPr/>
+        </p:nvSpPr>
+        <p:spPr>
+          <a:xfrm>
+            <a:off x="543345" y="2147777"/>
+            <a:ext cx="1515158" cy="584775"/>
+          </a:xfrm>
+          <a:prstGeom prst="rect">
+            <a:avLst/>
+          </a:prstGeom>
+          <a:noFill/>
+        </p:spPr>
+        <p:txBody>
+          <a:bodyPr wrap="none" rtlCol="0">
+            <a:spAutoFit/>
+          </a:bodyPr>
+          <a:lstStyle/>
+          <a:p>
+            <a:pPr algn="ctr"/>
+            <a:r>
+              <a:rPr lang="en-US" altLang="ko-KR" sz="3200" dirty="0">
+                <a:solidFill>
+                  <a:schemeClr val="bg1"/>
+                </a:solidFill>
+              </a:rPr>
+              <a:t>Part 2, </a:t>
+            </a:r>
+            <a:endParaRPr lang="ko-KR" altLang="en-US" sz="3200" dirty="0">
+              <a:solidFill>
+                <a:schemeClr val="bg1"/>
+              </a:solidFill>
+            </a:endParaRPr>
+          </a:p>
+        </p:txBody>
+      </p:sp>
+      <p:sp>
+        <p:nvSpPr>
+          <p:cNvPr id="7" name="TextBox 6">
+            <a:extLst>
+              <a:ext uri="{FF2B5EF4-FFF2-40B4-BE49-F238E27FC236}">
+                <a16:creationId xmlns:a16="http://schemas.microsoft.com/office/drawing/2014/main" id="{F2894A62-3A98-4459-B069-8674BB246AAC}"/>
+              </a:ext>
+            </a:extLst>
+          </p:cNvPr>
+          <p:cNvSpPr txBox="1"/>
+          <p:nvPr/>
+        </p:nvSpPr>
+        <p:spPr>
+          <a:xfrm>
+            <a:off x="2633685" y="2178554"/>
+            <a:ext cx="4468863" cy="523220"/>
+          </a:xfrm>
+          <a:prstGeom prst="rect">
+            <a:avLst/>
+          </a:prstGeom>
+          <a:noFill/>
+        </p:spPr>
+        <p:txBody>
+          <a:bodyPr wrap="square" rtlCol="0">
+            <a:spAutoFit/>
+          </a:bodyPr>
+          <a:lstStyle/>
+          <a:p>
+            <a:r>
+              <a:rPr lang="ko-KR" altLang="en-US" sz="2800" dirty="0">
+                <a:solidFill>
+                  <a:schemeClr val="bg1"/>
+                </a:solidFill>
+              </a:rPr>
+              <a:t>제목을 입력하세요</a:t>
+            </a:r>
+          </a:p>
+        </p:txBody>
+      </p:sp>
+    </p:spTree>
+    <p:extLst>
+      <p:ext uri="{BB962C8B-B14F-4D97-AF65-F5344CB8AC3E}">
+        <p14:creationId xmlns:p14="http://schemas.microsoft.com/office/powerpoint/2010/main" val="1503160340"/>
+      </p:ext>
+    </p:extLst>
+  </p:cSld>
+  <p:clrMapOvr>
+    <a:masterClrMapping/>
+  </p:clrMapOvr>
+  <mc:AlternateContent xmlns:mc="http://schemas.openxmlformats.org/markup-compatibility/2006" xmlns:p14="http://schemas.microsoft.com/office/powerpoint/2010/main">
+    <mc:Choice Requires="p14">
+      <p:transition spd="med" p14:dur="700">
+        <p:fade/>
+      </p:transition>
+    </mc:Choice>
+    <mc:Fallback xmlns="">
+      <p:transition spd="med">
+        <p:fade/>
+      </p:transition>
+    </mc:Fallback>
+  </mc:AlternateContent>
+</p:sld>
+</file>
+
+<file path=ppt/slides/slide22.xml><?xml version="1.0" encoding="utf-8"?>
+<p:sld xmlns:a="http://schemas.openxmlformats.org/drawingml/2006/main" xmlns:r="http://schemas.openxmlformats.org/officeDocument/2006/relationships" xmlns:p="http://schemas.openxmlformats.org/presentationml/2006/main">
+  <p:cSld>
     <p:bg>
       <p:bgPr>
         <a:solidFill>
@@ -18948,7 +20553,7 @@
 </p:sld>
 </file>
 
-<file path=ppt/slides/slide21.xml><?xml version="1.0" encoding="utf-8"?>
+<file path=ppt/slides/slide23.xml><?xml version="1.0" encoding="utf-8"?>
 <p:sld xmlns:a="http://schemas.openxmlformats.org/drawingml/2006/main" xmlns:r="http://schemas.openxmlformats.org/officeDocument/2006/relationships" xmlns:p="http://schemas.openxmlformats.org/presentationml/2006/main">
   <p:cSld>
     <p:spTree>
@@ -19516,7 +21121,7 @@
 </p:sld>
 </file>
 
-<file path=ppt/slides/slide22.xml><?xml version="1.0" encoding="utf-8"?>
+<file path=ppt/slides/slide24.xml><?xml version="1.0" encoding="utf-8"?>
 <p:sld xmlns:a="http://schemas.openxmlformats.org/drawingml/2006/main" xmlns:r="http://schemas.openxmlformats.org/officeDocument/2006/relationships" xmlns:p="http://schemas.openxmlformats.org/presentationml/2006/main">
   <p:cSld>
     <p:spTree>
@@ -20560,7 +22165,7 @@
 </p:sld>
 </file>
 
-<file path=ppt/slides/slide23.xml><?xml version="1.0" encoding="utf-8"?>
+<file path=ppt/slides/slide25.xml><?xml version="1.0" encoding="utf-8"?>
 <p:sld xmlns:a="http://schemas.openxmlformats.org/drawingml/2006/main" xmlns:r="http://schemas.openxmlformats.org/officeDocument/2006/relationships" xmlns:p="http://schemas.openxmlformats.org/presentationml/2006/main">
   <p:cSld>
     <p:spTree>
@@ -20948,7 +22553,7 @@
 </p:sld>
 </file>
 
-<file path=ppt/slides/slide24.xml><?xml version="1.0" encoding="utf-8"?>
+<file path=ppt/slides/slide26.xml><?xml version="1.0" encoding="utf-8"?>
 <p:sld xmlns:a="http://schemas.openxmlformats.org/drawingml/2006/main" xmlns:r="http://schemas.openxmlformats.org/officeDocument/2006/relationships" xmlns:p="http://schemas.openxmlformats.org/presentationml/2006/main">
   <p:cSld>
     <p:spTree>
@@ -21735,7 +23340,7 @@
 </p:sld>
 </file>
 
-<file path=ppt/slides/slide25.xml><?xml version="1.0" encoding="utf-8"?>
+<file path=ppt/slides/slide27.xml><?xml version="1.0" encoding="utf-8"?>
 <p:sld xmlns:a="http://schemas.openxmlformats.org/drawingml/2006/main" xmlns:r="http://schemas.openxmlformats.org/officeDocument/2006/relationships" xmlns:p="http://schemas.openxmlformats.org/presentationml/2006/main">
   <p:cSld>
     <p:spTree>
@@ -23424,7 +25029,7 @@
 </p:sld>
 </file>
 
-<file path=ppt/slides/slide26.xml><?xml version="1.0" encoding="utf-8"?>
+<file path=ppt/slides/slide28.xml><?xml version="1.0" encoding="utf-8"?>
 <p:sld xmlns:a="http://schemas.openxmlformats.org/drawingml/2006/main" xmlns:r="http://schemas.openxmlformats.org/officeDocument/2006/relationships" xmlns:p="http://schemas.openxmlformats.org/presentationml/2006/main">
   <p:cSld>
     <p:bg>
@@ -23595,7 +25200,7 @@
 </p:sld>
 </file>
 
-<file path=ppt/slides/slide27.xml><?xml version="1.0" encoding="utf-8"?>
+<file path=ppt/slides/slide29.xml><?xml version="1.0" encoding="utf-8"?>
 <p:sld xmlns:a="http://schemas.openxmlformats.org/drawingml/2006/main" xmlns:r="http://schemas.openxmlformats.org/officeDocument/2006/relationships" xmlns:p="http://schemas.openxmlformats.org/presentationml/2006/main">
   <p:cSld>
     <p:bg>
@@ -23894,7 +25499,883 @@
 </p:sld>
 </file>
 
-<file path=ppt/slides/slide28.xml><?xml version="1.0" encoding="utf-8"?>
+<file path=ppt/slides/slide3.xml><?xml version="1.0" encoding="utf-8"?>
+<p:sld xmlns:a="http://schemas.openxmlformats.org/drawingml/2006/main" xmlns:r="http://schemas.openxmlformats.org/officeDocument/2006/relationships" xmlns:p="http://schemas.openxmlformats.org/presentationml/2006/main">
+  <p:cSld>
+    <p:bg>
+      <p:bgPr>
+        <a:solidFill>
+          <a:schemeClr val="accent6"/>
+        </a:solidFill>
+        <a:effectLst/>
+      </p:bgPr>
+    </p:bg>
+    <p:spTree>
+      <p:nvGrpSpPr>
+        <p:cNvPr id="1" name=""/>
+        <p:cNvGrpSpPr/>
+        <p:nvPr/>
+      </p:nvGrpSpPr>
+      <p:grpSpPr>
+        <a:xfrm>
+          <a:off x="0" y="0"/>
+          <a:ext cx="0" cy="0"/>
+          <a:chOff x="0" y="0"/>
+          <a:chExt cx="0" cy="0"/>
+        </a:xfrm>
+      </p:grpSpPr>
+      <p:sp>
+        <p:nvSpPr>
+          <p:cNvPr id="2" name="타원 1">
+            <a:extLst>
+              <a:ext uri="{FF2B5EF4-FFF2-40B4-BE49-F238E27FC236}">
+                <a16:creationId xmlns:a16="http://schemas.microsoft.com/office/drawing/2014/main" id="{6A948DA2-02A6-4346-80F8-772FA275B595}"/>
+              </a:ext>
+            </a:extLst>
+          </p:cNvPr>
+          <p:cNvSpPr/>
+          <p:nvPr/>
+        </p:nvSpPr>
+        <p:spPr>
+          <a:xfrm>
+            <a:off x="4951780" y="1116428"/>
+            <a:ext cx="2082800" cy="2082800"/>
+          </a:xfrm>
+          <a:prstGeom prst="ellipse">
+            <a:avLst/>
+          </a:prstGeom>
+          <a:ln>
+            <a:noFill/>
+          </a:ln>
+        </p:spPr>
+        <p:style>
+          <a:lnRef idx="2">
+            <a:schemeClr val="accent1">
+              <a:shade val="50000"/>
+            </a:schemeClr>
+          </a:lnRef>
+          <a:fillRef idx="1">
+            <a:schemeClr val="accent1"/>
+          </a:fillRef>
+          <a:effectRef idx="0">
+            <a:schemeClr val="accent1"/>
+          </a:effectRef>
+          <a:fontRef idx="minor">
+            <a:schemeClr val="lt1"/>
+          </a:fontRef>
+        </p:style>
+        <p:txBody>
+          <a:bodyPr rtlCol="0" anchor="ctr"/>
+          <a:lstStyle/>
+          <a:p>
+            <a:pPr algn="ctr"/>
+            <a:r>
+              <a:rPr lang="ko-KR" altLang="en-US" sz="3600">
+                <a:latin typeface="210 나무굴림 B" panose="02020603020101020101" pitchFamily="18" charset="-127"/>
+                <a:ea typeface="210 나무굴림 B" panose="02020603020101020101" pitchFamily="18" charset="-127"/>
+              </a:rPr>
+              <a:t>목차</a:t>
+            </a:r>
+          </a:p>
+        </p:txBody>
+      </p:sp>
+      <p:sp>
+        <p:nvSpPr>
+          <p:cNvPr id="4" name="타원 3">
+            <a:extLst>
+              <a:ext uri="{FF2B5EF4-FFF2-40B4-BE49-F238E27FC236}">
+                <a16:creationId xmlns:a16="http://schemas.microsoft.com/office/drawing/2014/main" id="{C63DDDEB-A4AD-4287-9759-D0ECC75D2005}"/>
+              </a:ext>
+            </a:extLst>
+          </p:cNvPr>
+          <p:cNvSpPr/>
+          <p:nvPr/>
+        </p:nvSpPr>
+        <p:spPr>
+          <a:xfrm>
+            <a:off x="796926" y="4044462"/>
+            <a:ext cx="1424354" cy="1424354"/>
+          </a:xfrm>
+          <a:prstGeom prst="ellipse">
+            <a:avLst/>
+          </a:prstGeom>
+          <a:solidFill>
+            <a:schemeClr val="accent5">
+              <a:lumMod val="60000"/>
+              <a:lumOff val="40000"/>
+            </a:schemeClr>
+          </a:solidFill>
+          <a:ln>
+            <a:solidFill>
+              <a:schemeClr val="bg2"/>
+            </a:solidFill>
+          </a:ln>
+        </p:spPr>
+        <p:style>
+          <a:lnRef idx="2">
+            <a:schemeClr val="accent1">
+              <a:shade val="50000"/>
+            </a:schemeClr>
+          </a:lnRef>
+          <a:fillRef idx="1">
+            <a:schemeClr val="accent1"/>
+          </a:fillRef>
+          <a:effectRef idx="0">
+            <a:schemeClr val="accent1"/>
+          </a:effectRef>
+          <a:fontRef idx="minor">
+            <a:schemeClr val="lt1"/>
+          </a:fontRef>
+        </p:style>
+        <p:txBody>
+          <a:bodyPr rtlCol="0" anchor="ctr"/>
+          <a:lstStyle/>
+          <a:p>
+            <a:pPr algn="ctr"/>
+            <a:r>
+              <a:rPr lang="ko-KR" altLang="en-US" sz="2400" b="1">
+                <a:solidFill>
+                  <a:schemeClr val="accent6">
+                    <a:lumMod val="50000"/>
+                  </a:schemeClr>
+                </a:solidFill>
+                <a:latin typeface="210 나무굴림 B" panose="02020603020101020101" pitchFamily="18" charset="-127"/>
+                <a:ea typeface="210 나무굴림 B" panose="02020603020101020101" pitchFamily="18" charset="-127"/>
+              </a:rPr>
+              <a:t>소개</a:t>
+            </a:r>
+          </a:p>
+        </p:txBody>
+      </p:sp>
+      <p:sp>
+        <p:nvSpPr>
+          <p:cNvPr id="5" name="타원 4">
+            <a:extLst>
+              <a:ext uri="{FF2B5EF4-FFF2-40B4-BE49-F238E27FC236}">
+                <a16:creationId xmlns:a16="http://schemas.microsoft.com/office/drawing/2014/main" id="{6E6D75C7-80D7-42E6-88DF-2395765E75BD}"/>
+              </a:ext>
+            </a:extLst>
+          </p:cNvPr>
+          <p:cNvSpPr/>
+          <p:nvPr/>
+        </p:nvSpPr>
+        <p:spPr>
+          <a:xfrm>
+            <a:off x="8300916" y="4044462"/>
+            <a:ext cx="1424354" cy="1424354"/>
+          </a:xfrm>
+          <a:prstGeom prst="ellipse">
+            <a:avLst/>
+          </a:prstGeom>
+          <a:solidFill>
+            <a:schemeClr val="accent5">
+              <a:lumMod val="60000"/>
+              <a:lumOff val="40000"/>
+            </a:schemeClr>
+          </a:solidFill>
+          <a:ln>
+            <a:solidFill>
+              <a:schemeClr val="bg2"/>
+            </a:solidFill>
+          </a:ln>
+        </p:spPr>
+        <p:style>
+          <a:lnRef idx="2">
+            <a:schemeClr val="accent1">
+              <a:shade val="50000"/>
+            </a:schemeClr>
+          </a:lnRef>
+          <a:fillRef idx="1">
+            <a:schemeClr val="accent1"/>
+          </a:fillRef>
+          <a:effectRef idx="0">
+            <a:schemeClr val="accent1"/>
+          </a:effectRef>
+          <a:fontRef idx="minor">
+            <a:schemeClr val="lt1"/>
+          </a:fontRef>
+        </p:style>
+        <p:txBody>
+          <a:bodyPr rtlCol="0" anchor="ctr"/>
+          <a:lstStyle/>
+          <a:p>
+            <a:pPr algn="ctr"/>
+            <a:endParaRPr lang="ko-KR" altLang="en-US" sz="2400" b="1">
+              <a:solidFill>
+                <a:schemeClr val="accent6">
+                  <a:lumMod val="50000"/>
+                </a:schemeClr>
+              </a:solidFill>
+              <a:latin typeface="210 나무굴림 B" panose="02020603020101020101" pitchFamily="18" charset="-127"/>
+              <a:ea typeface="210 나무굴림 B" panose="02020603020101020101" pitchFamily="18" charset="-127"/>
+            </a:endParaRPr>
+          </a:p>
+        </p:txBody>
+      </p:sp>
+      <p:sp>
+        <p:nvSpPr>
+          <p:cNvPr id="6" name="타원 5">
+            <a:extLst>
+              <a:ext uri="{FF2B5EF4-FFF2-40B4-BE49-F238E27FC236}">
+                <a16:creationId xmlns:a16="http://schemas.microsoft.com/office/drawing/2014/main" id="{EEB84584-A676-47EF-852D-B7A4030FF56C}"/>
+              </a:ext>
+            </a:extLst>
+          </p:cNvPr>
+          <p:cNvSpPr/>
+          <p:nvPr/>
+        </p:nvSpPr>
+        <p:spPr>
+          <a:xfrm>
+            <a:off x="2874353" y="3199228"/>
+            <a:ext cx="1424354" cy="1424354"/>
+          </a:xfrm>
+          <a:prstGeom prst="ellipse">
+            <a:avLst/>
+          </a:prstGeom>
+          <a:solidFill>
+            <a:schemeClr val="accent5">
+              <a:lumMod val="60000"/>
+              <a:lumOff val="40000"/>
+            </a:schemeClr>
+          </a:solidFill>
+          <a:ln>
+            <a:solidFill>
+              <a:schemeClr val="bg2"/>
+            </a:solidFill>
+          </a:ln>
+        </p:spPr>
+        <p:style>
+          <a:lnRef idx="2">
+            <a:schemeClr val="accent1">
+              <a:shade val="50000"/>
+            </a:schemeClr>
+          </a:lnRef>
+          <a:fillRef idx="1">
+            <a:schemeClr val="accent1"/>
+          </a:fillRef>
+          <a:effectRef idx="0">
+            <a:schemeClr val="accent1"/>
+          </a:effectRef>
+          <a:fontRef idx="minor">
+            <a:schemeClr val="lt1"/>
+          </a:fontRef>
+        </p:style>
+        <p:txBody>
+          <a:bodyPr rtlCol="0" anchor="ctr"/>
+          <a:lstStyle/>
+          <a:p>
+            <a:pPr algn="ctr"/>
+            <a:endParaRPr lang="ko-KR" altLang="en-US" sz="2400" b="1">
+              <a:solidFill>
+                <a:schemeClr val="accent6">
+                  <a:lumMod val="50000"/>
+                </a:schemeClr>
+              </a:solidFill>
+              <a:latin typeface="210 나무굴림 B" panose="02020603020101020101" pitchFamily="18" charset="-127"/>
+              <a:ea typeface="210 나무굴림 B" panose="02020603020101020101" pitchFamily="18" charset="-127"/>
+            </a:endParaRPr>
+          </a:p>
+        </p:txBody>
+      </p:sp>
+      <p:sp>
+        <p:nvSpPr>
+          <p:cNvPr id="7" name="타원 6">
+            <a:extLst>
+              <a:ext uri="{FF2B5EF4-FFF2-40B4-BE49-F238E27FC236}">
+                <a16:creationId xmlns:a16="http://schemas.microsoft.com/office/drawing/2014/main" id="{0A97609D-2A8C-4F0F-9485-FCDFBCFD72F5}"/>
+              </a:ext>
+            </a:extLst>
+          </p:cNvPr>
+          <p:cNvSpPr/>
+          <p:nvPr/>
+        </p:nvSpPr>
+        <p:spPr>
+          <a:xfrm>
+            <a:off x="5845420" y="3911405"/>
+            <a:ext cx="1424354" cy="1424354"/>
+          </a:xfrm>
+          <a:prstGeom prst="ellipse">
+            <a:avLst/>
+          </a:prstGeom>
+          <a:solidFill>
+            <a:schemeClr val="accent5">
+              <a:lumMod val="60000"/>
+              <a:lumOff val="40000"/>
+            </a:schemeClr>
+          </a:solidFill>
+          <a:ln>
+            <a:solidFill>
+              <a:schemeClr val="bg2"/>
+            </a:solidFill>
+          </a:ln>
+        </p:spPr>
+        <p:style>
+          <a:lnRef idx="2">
+            <a:schemeClr val="accent1">
+              <a:shade val="50000"/>
+            </a:schemeClr>
+          </a:lnRef>
+          <a:fillRef idx="1">
+            <a:schemeClr val="accent1"/>
+          </a:fillRef>
+          <a:effectRef idx="0">
+            <a:schemeClr val="accent1"/>
+          </a:effectRef>
+          <a:fontRef idx="minor">
+            <a:schemeClr val="lt1"/>
+          </a:fontRef>
+        </p:style>
+        <p:txBody>
+          <a:bodyPr rtlCol="0" anchor="ctr"/>
+          <a:lstStyle/>
+          <a:p>
+            <a:pPr algn="ctr"/>
+            <a:endParaRPr lang="ko-KR" altLang="en-US" sz="2400" b="1">
+              <a:solidFill>
+                <a:schemeClr val="accent6">
+                  <a:lumMod val="50000"/>
+                </a:schemeClr>
+              </a:solidFill>
+              <a:latin typeface="210 나무굴림 B" panose="02020603020101020101" pitchFamily="18" charset="-127"/>
+              <a:ea typeface="210 나무굴림 B" panose="02020603020101020101" pitchFamily="18" charset="-127"/>
+            </a:endParaRPr>
+          </a:p>
+        </p:txBody>
+      </p:sp>
+      <p:sp>
+        <p:nvSpPr>
+          <p:cNvPr id="8" name="타원 7">
+            <a:extLst>
+              <a:ext uri="{FF2B5EF4-FFF2-40B4-BE49-F238E27FC236}">
+                <a16:creationId xmlns:a16="http://schemas.microsoft.com/office/drawing/2014/main" id="{7CB10C57-99FA-41DC-869E-7A45BADD50ED}"/>
+              </a:ext>
+            </a:extLst>
+          </p:cNvPr>
+          <p:cNvSpPr/>
+          <p:nvPr/>
+        </p:nvSpPr>
+        <p:spPr>
+          <a:xfrm>
+            <a:off x="10363200" y="3402624"/>
+            <a:ext cx="1424354" cy="1424354"/>
+          </a:xfrm>
+          <a:prstGeom prst="ellipse">
+            <a:avLst/>
+          </a:prstGeom>
+          <a:solidFill>
+            <a:schemeClr val="accent5">
+              <a:lumMod val="60000"/>
+              <a:lumOff val="40000"/>
+            </a:schemeClr>
+          </a:solidFill>
+          <a:ln>
+            <a:solidFill>
+              <a:schemeClr val="bg2"/>
+            </a:solidFill>
+          </a:ln>
+        </p:spPr>
+        <p:style>
+          <a:lnRef idx="2">
+            <a:schemeClr val="accent1">
+              <a:shade val="50000"/>
+            </a:schemeClr>
+          </a:lnRef>
+          <a:fillRef idx="1">
+            <a:schemeClr val="accent1"/>
+          </a:fillRef>
+          <a:effectRef idx="0">
+            <a:schemeClr val="accent1"/>
+          </a:effectRef>
+          <a:fontRef idx="minor">
+            <a:schemeClr val="lt1"/>
+          </a:fontRef>
+        </p:style>
+        <p:txBody>
+          <a:bodyPr rtlCol="0" anchor="ctr"/>
+          <a:lstStyle/>
+          <a:p>
+            <a:pPr algn="ctr"/>
+            <a:endParaRPr lang="ko-KR" altLang="en-US" sz="2400" b="1">
+              <a:solidFill>
+                <a:schemeClr val="accent6">
+                  <a:lumMod val="50000"/>
+                </a:schemeClr>
+              </a:solidFill>
+              <a:latin typeface="210 나무굴림 B" panose="02020603020101020101" pitchFamily="18" charset="-127"/>
+              <a:ea typeface="210 나무굴림 B" panose="02020603020101020101" pitchFamily="18" charset="-127"/>
+            </a:endParaRPr>
+          </a:p>
+        </p:txBody>
+      </p:sp>
+      <p:sp>
+        <p:nvSpPr>
+          <p:cNvPr id="9" name="TextBox 8">
+            <a:extLst>
+              <a:ext uri="{FF2B5EF4-FFF2-40B4-BE49-F238E27FC236}">
+                <a16:creationId xmlns:a16="http://schemas.microsoft.com/office/drawing/2014/main" id="{422A1E13-D444-44C5-B8D5-B6D54AD5923D}"/>
+              </a:ext>
+            </a:extLst>
+          </p:cNvPr>
+          <p:cNvSpPr txBox="1"/>
+          <p:nvPr/>
+        </p:nvSpPr>
+        <p:spPr>
+          <a:xfrm>
+            <a:off x="5911362" y="4392750"/>
+            <a:ext cx="1560635" cy="461665"/>
+          </a:xfrm>
+          <a:prstGeom prst="rect">
+            <a:avLst/>
+          </a:prstGeom>
+          <a:noFill/>
+        </p:spPr>
+        <p:txBody>
+          <a:bodyPr wrap="square" rtlCol="0">
+            <a:spAutoFit/>
+          </a:bodyPr>
+          <a:lstStyle/>
+          <a:p>
+            <a:r>
+              <a:rPr lang="ko-KR" altLang="en-US" sz="2400" b="1">
+                <a:solidFill>
+                  <a:schemeClr val="accent6">
+                    <a:lumMod val="50000"/>
+                  </a:schemeClr>
+                </a:solidFill>
+                <a:latin typeface="210 나무굴림 B" panose="02020603020101020101" pitchFamily="18" charset="-127"/>
+                <a:ea typeface="210 나무굴림 B" panose="02020603020101020101" pitchFamily="18" charset="-127"/>
+              </a:rPr>
+              <a:t>기능설명</a:t>
+            </a:r>
+          </a:p>
+        </p:txBody>
+      </p:sp>
+      <p:sp>
+        <p:nvSpPr>
+          <p:cNvPr id="10" name="TextBox 9">
+            <a:extLst>
+              <a:ext uri="{FF2B5EF4-FFF2-40B4-BE49-F238E27FC236}">
+                <a16:creationId xmlns:a16="http://schemas.microsoft.com/office/drawing/2014/main" id="{6935D52F-2517-483D-A550-08D13921A30E}"/>
+              </a:ext>
+            </a:extLst>
+          </p:cNvPr>
+          <p:cNvSpPr txBox="1"/>
+          <p:nvPr/>
+        </p:nvSpPr>
+        <p:spPr>
+          <a:xfrm>
+            <a:off x="8714642" y="4525807"/>
+            <a:ext cx="1560635" cy="461665"/>
+          </a:xfrm>
+          <a:prstGeom prst="rect">
+            <a:avLst/>
+          </a:prstGeom>
+          <a:noFill/>
+        </p:spPr>
+        <p:txBody>
+          <a:bodyPr wrap="square" rtlCol="0">
+            <a:spAutoFit/>
+          </a:bodyPr>
+          <a:lstStyle/>
+          <a:p>
+            <a:r>
+              <a:rPr lang="en-US" altLang="ko-KR" sz="2400" b="1">
+                <a:solidFill>
+                  <a:schemeClr val="accent6">
+                    <a:lumMod val="50000"/>
+                  </a:schemeClr>
+                </a:solidFill>
+                <a:latin typeface="210 나무굴림 B" panose="02020603020101020101" pitchFamily="18" charset="-127"/>
+                <a:ea typeface="210 나무굴림 B" panose="02020603020101020101" pitchFamily="18" charset="-127"/>
+              </a:rPr>
+              <a:t>DB</a:t>
+            </a:r>
+            <a:endParaRPr lang="ko-KR" altLang="en-US" sz="2400" b="1">
+              <a:solidFill>
+                <a:schemeClr val="accent6">
+                  <a:lumMod val="50000"/>
+                </a:schemeClr>
+              </a:solidFill>
+              <a:latin typeface="210 나무굴림 B" panose="02020603020101020101" pitchFamily="18" charset="-127"/>
+              <a:ea typeface="210 나무굴림 B" panose="02020603020101020101" pitchFamily="18" charset="-127"/>
+            </a:endParaRPr>
+          </a:p>
+        </p:txBody>
+      </p:sp>
+      <p:sp>
+        <p:nvSpPr>
+          <p:cNvPr id="11" name="TextBox 10">
+            <a:extLst>
+              <a:ext uri="{FF2B5EF4-FFF2-40B4-BE49-F238E27FC236}">
+                <a16:creationId xmlns:a16="http://schemas.microsoft.com/office/drawing/2014/main" id="{D546C707-0B44-49CB-A3B2-A4A1E2AB167E}"/>
+              </a:ext>
+            </a:extLst>
+          </p:cNvPr>
+          <p:cNvSpPr txBox="1"/>
+          <p:nvPr/>
+        </p:nvSpPr>
+        <p:spPr>
+          <a:xfrm>
+            <a:off x="10631365" y="3883969"/>
+            <a:ext cx="1560635" cy="461665"/>
+          </a:xfrm>
+          <a:prstGeom prst="rect">
+            <a:avLst/>
+          </a:prstGeom>
+          <a:noFill/>
+        </p:spPr>
+        <p:txBody>
+          <a:bodyPr wrap="square" rtlCol="0">
+            <a:spAutoFit/>
+          </a:bodyPr>
+          <a:lstStyle/>
+          <a:p>
+            <a:r>
+              <a:rPr lang="ko-KR" altLang="en-US" sz="2400" b="1">
+                <a:solidFill>
+                  <a:schemeClr val="accent6">
+                    <a:lumMod val="50000"/>
+                  </a:schemeClr>
+                </a:solidFill>
+                <a:latin typeface="210 나무굴림 B" panose="02020603020101020101" pitchFamily="18" charset="-127"/>
+                <a:ea typeface="210 나무굴림 B" panose="02020603020101020101" pitchFamily="18" charset="-127"/>
+              </a:rPr>
+              <a:t>마치며</a:t>
+            </a:r>
+          </a:p>
+        </p:txBody>
+      </p:sp>
+      <p:sp>
+        <p:nvSpPr>
+          <p:cNvPr id="12" name="TextBox 11">
+            <a:extLst>
+              <a:ext uri="{FF2B5EF4-FFF2-40B4-BE49-F238E27FC236}">
+                <a16:creationId xmlns:a16="http://schemas.microsoft.com/office/drawing/2014/main" id="{79A3BC46-6DA3-4B75-B2A1-1552684802DF}"/>
+              </a:ext>
+            </a:extLst>
+          </p:cNvPr>
+          <p:cNvSpPr txBox="1"/>
+          <p:nvPr/>
+        </p:nvSpPr>
+        <p:spPr>
+          <a:xfrm>
+            <a:off x="3090008" y="3680573"/>
+            <a:ext cx="1560635" cy="461665"/>
+          </a:xfrm>
+          <a:prstGeom prst="rect">
+            <a:avLst/>
+          </a:prstGeom>
+          <a:noFill/>
+        </p:spPr>
+        <p:txBody>
+          <a:bodyPr wrap="square" rtlCol="0">
+            <a:spAutoFit/>
+          </a:bodyPr>
+          <a:lstStyle/>
+          <a:p>
+            <a:r>
+              <a:rPr lang="en-US" altLang="ko-KR" sz="2400" b="1">
+                <a:solidFill>
+                  <a:schemeClr val="accent6">
+                    <a:lumMod val="50000"/>
+                  </a:schemeClr>
+                </a:solidFill>
+                <a:latin typeface="210 나무굴림 B" panose="02020603020101020101" pitchFamily="18" charset="-127"/>
+                <a:ea typeface="210 나무굴림 B" panose="02020603020101020101" pitchFamily="18" charset="-127"/>
+              </a:rPr>
+              <a:t>UI</a:t>
+            </a:r>
+            <a:r>
+              <a:rPr lang="ko-KR" altLang="en-US" sz="2400" b="1">
+                <a:solidFill>
+                  <a:schemeClr val="accent6">
+                    <a:lumMod val="50000"/>
+                  </a:schemeClr>
+                </a:solidFill>
+                <a:latin typeface="210 나무굴림 B" panose="02020603020101020101" pitchFamily="18" charset="-127"/>
+                <a:ea typeface="210 나무굴림 B" panose="02020603020101020101" pitchFamily="18" charset="-127"/>
+              </a:rPr>
+              <a:t>설명</a:t>
+            </a:r>
+          </a:p>
+        </p:txBody>
+      </p:sp>
+      <p:sp>
+        <p:nvSpPr>
+          <p:cNvPr id="3" name="타원 2">
+            <a:extLst>
+              <a:ext uri="{FF2B5EF4-FFF2-40B4-BE49-F238E27FC236}">
+                <a16:creationId xmlns:a16="http://schemas.microsoft.com/office/drawing/2014/main" id="{AB612A3B-88E6-4917-80CE-676C587CE6A0}"/>
+              </a:ext>
+            </a:extLst>
+          </p:cNvPr>
+          <p:cNvSpPr/>
+          <p:nvPr/>
+        </p:nvSpPr>
+        <p:spPr>
+          <a:xfrm>
+            <a:off x="1134208" y="3883969"/>
+            <a:ext cx="545368" cy="508781"/>
+          </a:xfrm>
+          <a:prstGeom prst="ellipse">
+            <a:avLst/>
+          </a:prstGeom>
+        </p:spPr>
+        <p:style>
+          <a:lnRef idx="2">
+            <a:schemeClr val="accent1">
+              <a:shade val="50000"/>
+            </a:schemeClr>
+          </a:lnRef>
+          <a:fillRef idx="1">
+            <a:schemeClr val="accent1"/>
+          </a:fillRef>
+          <a:effectRef idx="0">
+            <a:schemeClr val="accent1"/>
+          </a:effectRef>
+          <a:fontRef idx="minor">
+            <a:schemeClr val="lt1"/>
+          </a:fontRef>
+        </p:style>
+        <p:txBody>
+          <a:bodyPr rtlCol="0" anchor="ctr"/>
+          <a:lstStyle/>
+          <a:p>
+            <a:pPr algn="ctr"/>
+            <a:r>
+              <a:rPr lang="en-US" altLang="ko-KR"/>
+              <a:t>1</a:t>
+            </a:r>
+            <a:endParaRPr lang="ko-KR" altLang="en-US"/>
+          </a:p>
+        </p:txBody>
+      </p:sp>
+      <p:sp>
+        <p:nvSpPr>
+          <p:cNvPr id="13" name="타원 12">
+            <a:extLst>
+              <a:ext uri="{FF2B5EF4-FFF2-40B4-BE49-F238E27FC236}">
+                <a16:creationId xmlns:a16="http://schemas.microsoft.com/office/drawing/2014/main" id="{7D8C5C4D-0CBD-4E41-B522-18F2A896AB50}"/>
+              </a:ext>
+            </a:extLst>
+          </p:cNvPr>
+          <p:cNvSpPr/>
+          <p:nvPr/>
+        </p:nvSpPr>
+        <p:spPr>
+          <a:xfrm>
+            <a:off x="4072304" y="3650792"/>
+            <a:ext cx="545368" cy="508781"/>
+          </a:xfrm>
+          <a:prstGeom prst="ellipse">
+            <a:avLst/>
+          </a:prstGeom>
+        </p:spPr>
+        <p:style>
+          <a:lnRef idx="2">
+            <a:schemeClr val="accent1">
+              <a:shade val="50000"/>
+            </a:schemeClr>
+          </a:lnRef>
+          <a:fillRef idx="1">
+            <a:schemeClr val="accent1"/>
+          </a:fillRef>
+          <a:effectRef idx="0">
+            <a:schemeClr val="accent1"/>
+          </a:effectRef>
+          <a:fontRef idx="minor">
+            <a:schemeClr val="lt1"/>
+          </a:fontRef>
+        </p:style>
+        <p:txBody>
+          <a:bodyPr rtlCol="0" anchor="ctr"/>
+          <a:lstStyle/>
+          <a:p>
+            <a:pPr algn="ctr"/>
+            <a:r>
+              <a:rPr lang="en-US" altLang="ko-KR"/>
+              <a:t>2</a:t>
+            </a:r>
+            <a:endParaRPr lang="ko-KR" altLang="en-US"/>
+          </a:p>
+        </p:txBody>
+      </p:sp>
+      <p:sp>
+        <p:nvSpPr>
+          <p:cNvPr id="14" name="타원 13">
+            <a:extLst>
+              <a:ext uri="{FF2B5EF4-FFF2-40B4-BE49-F238E27FC236}">
+                <a16:creationId xmlns:a16="http://schemas.microsoft.com/office/drawing/2014/main" id="{0B90852C-CB02-4DE5-97DD-CC827EB622E1}"/>
+              </a:ext>
+            </a:extLst>
+          </p:cNvPr>
+          <p:cNvSpPr/>
+          <p:nvPr/>
+        </p:nvSpPr>
+        <p:spPr>
+          <a:xfrm>
+            <a:off x="6284913" y="5067650"/>
+            <a:ext cx="545368" cy="508781"/>
+          </a:xfrm>
+          <a:prstGeom prst="ellipse">
+            <a:avLst/>
+          </a:prstGeom>
+        </p:spPr>
+        <p:style>
+          <a:lnRef idx="2">
+            <a:schemeClr val="accent1">
+              <a:shade val="50000"/>
+            </a:schemeClr>
+          </a:lnRef>
+          <a:fillRef idx="1">
+            <a:schemeClr val="accent1"/>
+          </a:fillRef>
+          <a:effectRef idx="0">
+            <a:schemeClr val="accent1"/>
+          </a:effectRef>
+          <a:fontRef idx="minor">
+            <a:schemeClr val="lt1"/>
+          </a:fontRef>
+        </p:style>
+        <p:txBody>
+          <a:bodyPr rtlCol="0" anchor="ctr"/>
+          <a:lstStyle/>
+          <a:p>
+            <a:pPr algn="ctr"/>
+            <a:r>
+              <a:rPr lang="en-US" altLang="ko-KR"/>
+              <a:t>3</a:t>
+            </a:r>
+            <a:endParaRPr lang="ko-KR" altLang="en-US"/>
+          </a:p>
+        </p:txBody>
+      </p:sp>
+      <p:sp>
+        <p:nvSpPr>
+          <p:cNvPr id="15" name="타원 14">
+            <a:extLst>
+              <a:ext uri="{FF2B5EF4-FFF2-40B4-BE49-F238E27FC236}">
+                <a16:creationId xmlns:a16="http://schemas.microsoft.com/office/drawing/2014/main" id="{ECB4906D-25AA-4A66-8759-0628D1EEB583}"/>
+              </a:ext>
+            </a:extLst>
+          </p:cNvPr>
+          <p:cNvSpPr/>
+          <p:nvPr/>
+        </p:nvSpPr>
+        <p:spPr>
+          <a:xfrm>
+            <a:off x="8068775" y="4477519"/>
+            <a:ext cx="545368" cy="508781"/>
+          </a:xfrm>
+          <a:prstGeom prst="ellipse">
+            <a:avLst/>
+          </a:prstGeom>
+        </p:spPr>
+        <p:style>
+          <a:lnRef idx="2">
+            <a:schemeClr val="accent1">
+              <a:shade val="50000"/>
+            </a:schemeClr>
+          </a:lnRef>
+          <a:fillRef idx="1">
+            <a:schemeClr val="accent1"/>
+          </a:fillRef>
+          <a:effectRef idx="0">
+            <a:schemeClr val="accent1"/>
+          </a:effectRef>
+          <a:fontRef idx="minor">
+            <a:schemeClr val="lt1"/>
+          </a:fontRef>
+        </p:style>
+        <p:txBody>
+          <a:bodyPr rtlCol="0" anchor="ctr"/>
+          <a:lstStyle/>
+          <a:p>
+            <a:pPr algn="ctr"/>
+            <a:r>
+              <a:rPr lang="en-US" altLang="ko-KR"/>
+              <a:t>4</a:t>
+            </a:r>
+            <a:endParaRPr lang="ko-KR" altLang="en-US"/>
+          </a:p>
+        </p:txBody>
+      </p:sp>
+      <p:sp>
+        <p:nvSpPr>
+          <p:cNvPr id="16" name="타원 15">
+            <a:extLst>
+              <a:ext uri="{FF2B5EF4-FFF2-40B4-BE49-F238E27FC236}">
+                <a16:creationId xmlns:a16="http://schemas.microsoft.com/office/drawing/2014/main" id="{09D20930-C5E3-45ED-9DB1-269C878DDB31}"/>
+              </a:ext>
+            </a:extLst>
+          </p:cNvPr>
+          <p:cNvSpPr/>
+          <p:nvPr/>
+        </p:nvSpPr>
+        <p:spPr>
+          <a:xfrm>
+            <a:off x="10747254" y="3148233"/>
+            <a:ext cx="545368" cy="508781"/>
+          </a:xfrm>
+          <a:prstGeom prst="ellipse">
+            <a:avLst/>
+          </a:prstGeom>
+        </p:spPr>
+        <p:style>
+          <a:lnRef idx="2">
+            <a:schemeClr val="accent1">
+              <a:shade val="50000"/>
+            </a:schemeClr>
+          </a:lnRef>
+          <a:fillRef idx="1">
+            <a:schemeClr val="accent1"/>
+          </a:fillRef>
+          <a:effectRef idx="0">
+            <a:schemeClr val="accent1"/>
+          </a:effectRef>
+          <a:fontRef idx="minor">
+            <a:schemeClr val="lt1"/>
+          </a:fontRef>
+        </p:style>
+        <p:txBody>
+          <a:bodyPr rtlCol="0" anchor="ctr"/>
+          <a:lstStyle/>
+          <a:p>
+            <a:pPr algn="ctr"/>
+            <a:r>
+              <a:rPr lang="en-US" altLang="ko-KR"/>
+              <a:t>5</a:t>
+            </a:r>
+            <a:endParaRPr lang="ko-KR" altLang="en-US"/>
+          </a:p>
+        </p:txBody>
+      </p:sp>
+    </p:spTree>
+    <p:extLst>
+      <p:ext uri="{BB962C8B-B14F-4D97-AF65-F5344CB8AC3E}">
+        <p14:creationId xmlns:p14="http://schemas.microsoft.com/office/powerpoint/2010/main" val="427273868"/>
+      </p:ext>
+    </p:extLst>
+  </p:cSld>
+  <p:clrMapOvr>
+    <a:masterClrMapping/>
+  </p:clrMapOvr>
+  <mc:AlternateContent xmlns:mc="http://schemas.openxmlformats.org/markup-compatibility/2006" xmlns:p14="http://schemas.microsoft.com/office/powerpoint/2010/main">
+    <mc:Choice Requires="p14">
+      <p:transition spd="med" p14:dur="700">
+        <p:fade/>
+      </p:transition>
+    </mc:Choice>
+    <mc:Fallback xmlns="">
+      <p:transition spd="med">
+        <p:fade/>
+      </p:transition>
+    </mc:Fallback>
+  </mc:AlternateContent>
+</p:sld>
+</file>
+
+<file path=ppt/slides/slide30.xml><?xml version="1.0" encoding="utf-8"?>
 <p:sld xmlns:a="http://schemas.openxmlformats.org/drawingml/2006/main" xmlns:r="http://schemas.openxmlformats.org/officeDocument/2006/relationships" xmlns:p="http://schemas.openxmlformats.org/presentationml/2006/main">
   <p:cSld>
     <p:spTree>
@@ -25290,7 +27771,7 @@
 </p:sld>
 </file>
 
-<file path=ppt/slides/slide29.xml><?xml version="1.0" encoding="utf-8"?>
+<file path=ppt/slides/slide31.xml><?xml version="1.0" encoding="utf-8"?>
 <p:sld xmlns:a="http://schemas.openxmlformats.org/drawingml/2006/main" xmlns:r="http://schemas.openxmlformats.org/officeDocument/2006/relationships" xmlns:p="http://schemas.openxmlformats.org/presentationml/2006/main">
   <p:cSld>
     <p:spTree>
@@ -26422,633 +28903,7 @@
 </p:sld>
 </file>
 
-<file path=ppt/slides/slide3.xml><?xml version="1.0" encoding="utf-8"?>
-<p:sld xmlns:a="http://schemas.openxmlformats.org/drawingml/2006/main" xmlns:r="http://schemas.openxmlformats.org/officeDocument/2006/relationships" xmlns:p="http://schemas.openxmlformats.org/presentationml/2006/main">
-  <p:cSld>
-    <p:bg>
-      <p:bgPr>
-        <a:solidFill>
-          <a:schemeClr val="accent6"/>
-        </a:solidFill>
-        <a:effectLst/>
-      </p:bgPr>
-    </p:bg>
-    <p:spTree>
-      <p:nvGrpSpPr>
-        <p:cNvPr id="1" name=""/>
-        <p:cNvGrpSpPr/>
-        <p:nvPr/>
-      </p:nvGrpSpPr>
-      <p:grpSpPr>
-        <a:xfrm>
-          <a:off x="0" y="0"/>
-          <a:ext cx="0" cy="0"/>
-          <a:chOff x="0" y="0"/>
-          <a:chExt cx="0" cy="0"/>
-        </a:xfrm>
-      </p:grpSpPr>
-      <p:sp>
-        <p:nvSpPr>
-          <p:cNvPr id="2" name="타원 1">
-            <a:extLst>
-              <a:ext uri="{FF2B5EF4-FFF2-40B4-BE49-F238E27FC236}">
-                <a16:creationId xmlns:a16="http://schemas.microsoft.com/office/drawing/2014/main" id="{6A948DA2-02A6-4346-80F8-772FA275B595}"/>
-              </a:ext>
-            </a:extLst>
-          </p:cNvPr>
-          <p:cNvSpPr/>
-          <p:nvPr/>
-        </p:nvSpPr>
-        <p:spPr>
-          <a:xfrm>
-            <a:off x="4951780" y="1116428"/>
-            <a:ext cx="2082800" cy="2082800"/>
-          </a:xfrm>
-          <a:prstGeom prst="ellipse">
-            <a:avLst/>
-          </a:prstGeom>
-          <a:ln>
-            <a:noFill/>
-          </a:ln>
-        </p:spPr>
-        <p:style>
-          <a:lnRef idx="2">
-            <a:schemeClr val="accent1">
-              <a:shade val="50000"/>
-            </a:schemeClr>
-          </a:lnRef>
-          <a:fillRef idx="1">
-            <a:schemeClr val="accent1"/>
-          </a:fillRef>
-          <a:effectRef idx="0">
-            <a:schemeClr val="accent1"/>
-          </a:effectRef>
-          <a:fontRef idx="minor">
-            <a:schemeClr val="lt1"/>
-          </a:fontRef>
-        </p:style>
-        <p:txBody>
-          <a:bodyPr rtlCol="0" anchor="ctr"/>
-          <a:lstStyle/>
-          <a:p>
-            <a:pPr algn="ctr"/>
-            <a:r>
-              <a:rPr lang="ko-KR" altLang="en-US" sz="3600">
-                <a:latin typeface="210 나무굴림 B" panose="02020603020101020101" pitchFamily="18" charset="-127"/>
-                <a:ea typeface="210 나무굴림 B" panose="02020603020101020101" pitchFamily="18" charset="-127"/>
-              </a:rPr>
-              <a:t>목차</a:t>
-            </a:r>
-          </a:p>
-        </p:txBody>
-      </p:sp>
-      <p:sp>
-        <p:nvSpPr>
-          <p:cNvPr id="4" name="타원 3">
-            <a:extLst>
-              <a:ext uri="{FF2B5EF4-FFF2-40B4-BE49-F238E27FC236}">
-                <a16:creationId xmlns:a16="http://schemas.microsoft.com/office/drawing/2014/main" id="{C63DDDEB-A4AD-4287-9759-D0ECC75D2005}"/>
-              </a:ext>
-            </a:extLst>
-          </p:cNvPr>
-          <p:cNvSpPr/>
-          <p:nvPr/>
-        </p:nvSpPr>
-        <p:spPr>
-          <a:xfrm>
-            <a:off x="796926" y="4044462"/>
-            <a:ext cx="1424354" cy="1424354"/>
-          </a:xfrm>
-          <a:prstGeom prst="ellipse">
-            <a:avLst/>
-          </a:prstGeom>
-          <a:solidFill>
-            <a:schemeClr val="accent5">
-              <a:lumMod val="60000"/>
-              <a:lumOff val="40000"/>
-            </a:schemeClr>
-          </a:solidFill>
-          <a:ln>
-            <a:solidFill>
-              <a:schemeClr val="bg2"/>
-            </a:solidFill>
-          </a:ln>
-        </p:spPr>
-        <p:style>
-          <a:lnRef idx="2">
-            <a:schemeClr val="accent1">
-              <a:shade val="50000"/>
-            </a:schemeClr>
-          </a:lnRef>
-          <a:fillRef idx="1">
-            <a:schemeClr val="accent1"/>
-          </a:fillRef>
-          <a:effectRef idx="0">
-            <a:schemeClr val="accent1"/>
-          </a:effectRef>
-          <a:fontRef idx="minor">
-            <a:schemeClr val="lt1"/>
-          </a:fontRef>
-        </p:style>
-        <p:txBody>
-          <a:bodyPr rtlCol="0" anchor="ctr"/>
-          <a:lstStyle/>
-          <a:p>
-            <a:pPr algn="ctr"/>
-            <a:r>
-              <a:rPr lang="ko-KR" altLang="en-US" sz="2400" b="1">
-                <a:solidFill>
-                  <a:schemeClr val="accent6">
-                    <a:lumMod val="50000"/>
-                  </a:schemeClr>
-                </a:solidFill>
-                <a:latin typeface="210 나무굴림 B" panose="02020603020101020101" pitchFamily="18" charset="-127"/>
-                <a:ea typeface="210 나무굴림 B" panose="02020603020101020101" pitchFamily="18" charset="-127"/>
-              </a:rPr>
-              <a:t>소개</a:t>
-            </a:r>
-          </a:p>
-        </p:txBody>
-      </p:sp>
-      <p:sp>
-        <p:nvSpPr>
-          <p:cNvPr id="5" name="타원 4">
-            <a:extLst>
-              <a:ext uri="{FF2B5EF4-FFF2-40B4-BE49-F238E27FC236}">
-                <a16:creationId xmlns:a16="http://schemas.microsoft.com/office/drawing/2014/main" id="{6E6D75C7-80D7-42E6-88DF-2395765E75BD}"/>
-              </a:ext>
-            </a:extLst>
-          </p:cNvPr>
-          <p:cNvSpPr/>
-          <p:nvPr/>
-        </p:nvSpPr>
-        <p:spPr>
-          <a:xfrm>
-            <a:off x="8300916" y="4044462"/>
-            <a:ext cx="1424354" cy="1424354"/>
-          </a:xfrm>
-          <a:prstGeom prst="ellipse">
-            <a:avLst/>
-          </a:prstGeom>
-          <a:solidFill>
-            <a:schemeClr val="accent5">
-              <a:lumMod val="60000"/>
-              <a:lumOff val="40000"/>
-            </a:schemeClr>
-          </a:solidFill>
-          <a:ln>
-            <a:solidFill>
-              <a:schemeClr val="bg2"/>
-            </a:solidFill>
-          </a:ln>
-        </p:spPr>
-        <p:style>
-          <a:lnRef idx="2">
-            <a:schemeClr val="accent1">
-              <a:shade val="50000"/>
-            </a:schemeClr>
-          </a:lnRef>
-          <a:fillRef idx="1">
-            <a:schemeClr val="accent1"/>
-          </a:fillRef>
-          <a:effectRef idx="0">
-            <a:schemeClr val="accent1"/>
-          </a:effectRef>
-          <a:fontRef idx="minor">
-            <a:schemeClr val="lt1"/>
-          </a:fontRef>
-        </p:style>
-        <p:txBody>
-          <a:bodyPr rtlCol="0" anchor="ctr"/>
-          <a:lstStyle/>
-          <a:p>
-            <a:pPr algn="ctr"/>
-            <a:endParaRPr lang="ko-KR" altLang="en-US" sz="2400" b="1">
-              <a:solidFill>
-                <a:schemeClr val="accent6">
-                  <a:lumMod val="50000"/>
-                </a:schemeClr>
-              </a:solidFill>
-              <a:latin typeface="210 나무굴림 B" panose="02020603020101020101" pitchFamily="18" charset="-127"/>
-              <a:ea typeface="210 나무굴림 B" panose="02020603020101020101" pitchFamily="18" charset="-127"/>
-            </a:endParaRPr>
-          </a:p>
-        </p:txBody>
-      </p:sp>
-      <p:sp>
-        <p:nvSpPr>
-          <p:cNvPr id="6" name="타원 5">
-            <a:extLst>
-              <a:ext uri="{FF2B5EF4-FFF2-40B4-BE49-F238E27FC236}">
-                <a16:creationId xmlns:a16="http://schemas.microsoft.com/office/drawing/2014/main" id="{EEB84584-A676-47EF-852D-B7A4030FF56C}"/>
-              </a:ext>
-            </a:extLst>
-          </p:cNvPr>
-          <p:cNvSpPr/>
-          <p:nvPr/>
-        </p:nvSpPr>
-        <p:spPr>
-          <a:xfrm>
-            <a:off x="2874353" y="3199228"/>
-            <a:ext cx="1424354" cy="1424354"/>
-          </a:xfrm>
-          <a:prstGeom prst="ellipse">
-            <a:avLst/>
-          </a:prstGeom>
-          <a:solidFill>
-            <a:schemeClr val="accent5">
-              <a:lumMod val="60000"/>
-              <a:lumOff val="40000"/>
-            </a:schemeClr>
-          </a:solidFill>
-          <a:ln>
-            <a:solidFill>
-              <a:schemeClr val="bg2"/>
-            </a:solidFill>
-          </a:ln>
-        </p:spPr>
-        <p:style>
-          <a:lnRef idx="2">
-            <a:schemeClr val="accent1">
-              <a:shade val="50000"/>
-            </a:schemeClr>
-          </a:lnRef>
-          <a:fillRef idx="1">
-            <a:schemeClr val="accent1"/>
-          </a:fillRef>
-          <a:effectRef idx="0">
-            <a:schemeClr val="accent1"/>
-          </a:effectRef>
-          <a:fontRef idx="minor">
-            <a:schemeClr val="lt1"/>
-          </a:fontRef>
-        </p:style>
-        <p:txBody>
-          <a:bodyPr rtlCol="0" anchor="ctr"/>
-          <a:lstStyle/>
-          <a:p>
-            <a:pPr algn="ctr"/>
-            <a:endParaRPr lang="ko-KR" altLang="en-US" sz="2400" b="1">
-              <a:solidFill>
-                <a:schemeClr val="accent6">
-                  <a:lumMod val="50000"/>
-                </a:schemeClr>
-              </a:solidFill>
-              <a:latin typeface="210 나무굴림 B" panose="02020603020101020101" pitchFamily="18" charset="-127"/>
-              <a:ea typeface="210 나무굴림 B" panose="02020603020101020101" pitchFamily="18" charset="-127"/>
-            </a:endParaRPr>
-          </a:p>
-        </p:txBody>
-      </p:sp>
-      <p:sp>
-        <p:nvSpPr>
-          <p:cNvPr id="7" name="타원 6">
-            <a:extLst>
-              <a:ext uri="{FF2B5EF4-FFF2-40B4-BE49-F238E27FC236}">
-                <a16:creationId xmlns:a16="http://schemas.microsoft.com/office/drawing/2014/main" id="{0A97609D-2A8C-4F0F-9485-FCDFBCFD72F5}"/>
-              </a:ext>
-            </a:extLst>
-          </p:cNvPr>
-          <p:cNvSpPr/>
-          <p:nvPr/>
-        </p:nvSpPr>
-        <p:spPr>
-          <a:xfrm>
-            <a:off x="5845420" y="3911405"/>
-            <a:ext cx="1424354" cy="1424354"/>
-          </a:xfrm>
-          <a:prstGeom prst="ellipse">
-            <a:avLst/>
-          </a:prstGeom>
-          <a:solidFill>
-            <a:schemeClr val="accent5">
-              <a:lumMod val="60000"/>
-              <a:lumOff val="40000"/>
-            </a:schemeClr>
-          </a:solidFill>
-          <a:ln>
-            <a:solidFill>
-              <a:schemeClr val="bg2"/>
-            </a:solidFill>
-          </a:ln>
-        </p:spPr>
-        <p:style>
-          <a:lnRef idx="2">
-            <a:schemeClr val="accent1">
-              <a:shade val="50000"/>
-            </a:schemeClr>
-          </a:lnRef>
-          <a:fillRef idx="1">
-            <a:schemeClr val="accent1"/>
-          </a:fillRef>
-          <a:effectRef idx="0">
-            <a:schemeClr val="accent1"/>
-          </a:effectRef>
-          <a:fontRef idx="minor">
-            <a:schemeClr val="lt1"/>
-          </a:fontRef>
-        </p:style>
-        <p:txBody>
-          <a:bodyPr rtlCol="0" anchor="ctr"/>
-          <a:lstStyle/>
-          <a:p>
-            <a:pPr algn="ctr"/>
-            <a:endParaRPr lang="ko-KR" altLang="en-US" sz="2400" b="1">
-              <a:solidFill>
-                <a:schemeClr val="accent6">
-                  <a:lumMod val="50000"/>
-                </a:schemeClr>
-              </a:solidFill>
-              <a:latin typeface="210 나무굴림 B" panose="02020603020101020101" pitchFamily="18" charset="-127"/>
-              <a:ea typeface="210 나무굴림 B" panose="02020603020101020101" pitchFamily="18" charset="-127"/>
-            </a:endParaRPr>
-          </a:p>
-        </p:txBody>
-      </p:sp>
-      <p:sp>
-        <p:nvSpPr>
-          <p:cNvPr id="8" name="타원 7">
-            <a:extLst>
-              <a:ext uri="{FF2B5EF4-FFF2-40B4-BE49-F238E27FC236}">
-                <a16:creationId xmlns:a16="http://schemas.microsoft.com/office/drawing/2014/main" id="{7CB10C57-99FA-41DC-869E-7A45BADD50ED}"/>
-              </a:ext>
-            </a:extLst>
-          </p:cNvPr>
-          <p:cNvSpPr/>
-          <p:nvPr/>
-        </p:nvSpPr>
-        <p:spPr>
-          <a:xfrm>
-            <a:off x="10363200" y="3402624"/>
-            <a:ext cx="1424354" cy="1424354"/>
-          </a:xfrm>
-          <a:prstGeom prst="ellipse">
-            <a:avLst/>
-          </a:prstGeom>
-          <a:solidFill>
-            <a:schemeClr val="accent5">
-              <a:lumMod val="60000"/>
-              <a:lumOff val="40000"/>
-            </a:schemeClr>
-          </a:solidFill>
-          <a:ln>
-            <a:solidFill>
-              <a:schemeClr val="bg2"/>
-            </a:solidFill>
-          </a:ln>
-        </p:spPr>
-        <p:style>
-          <a:lnRef idx="2">
-            <a:schemeClr val="accent1">
-              <a:shade val="50000"/>
-            </a:schemeClr>
-          </a:lnRef>
-          <a:fillRef idx="1">
-            <a:schemeClr val="accent1"/>
-          </a:fillRef>
-          <a:effectRef idx="0">
-            <a:schemeClr val="accent1"/>
-          </a:effectRef>
-          <a:fontRef idx="minor">
-            <a:schemeClr val="lt1"/>
-          </a:fontRef>
-        </p:style>
-        <p:txBody>
-          <a:bodyPr rtlCol="0" anchor="ctr"/>
-          <a:lstStyle/>
-          <a:p>
-            <a:pPr algn="ctr"/>
-            <a:endParaRPr lang="ko-KR" altLang="en-US" sz="2400" b="1">
-              <a:solidFill>
-                <a:schemeClr val="accent6">
-                  <a:lumMod val="50000"/>
-                </a:schemeClr>
-              </a:solidFill>
-              <a:latin typeface="210 나무굴림 B" panose="02020603020101020101" pitchFamily="18" charset="-127"/>
-              <a:ea typeface="210 나무굴림 B" panose="02020603020101020101" pitchFamily="18" charset="-127"/>
-            </a:endParaRPr>
-          </a:p>
-        </p:txBody>
-      </p:sp>
-      <p:sp>
-        <p:nvSpPr>
-          <p:cNvPr id="9" name="TextBox 8">
-            <a:extLst>
-              <a:ext uri="{FF2B5EF4-FFF2-40B4-BE49-F238E27FC236}">
-                <a16:creationId xmlns:a16="http://schemas.microsoft.com/office/drawing/2014/main" id="{422A1E13-D444-44C5-B8D5-B6D54AD5923D}"/>
-              </a:ext>
-            </a:extLst>
-          </p:cNvPr>
-          <p:cNvSpPr txBox="1"/>
-          <p:nvPr/>
-        </p:nvSpPr>
-        <p:spPr>
-          <a:xfrm>
-            <a:off x="5911362" y="4392750"/>
-            <a:ext cx="1560635" cy="461665"/>
-          </a:xfrm>
-          <a:prstGeom prst="rect">
-            <a:avLst/>
-          </a:prstGeom>
-          <a:noFill/>
-        </p:spPr>
-        <p:txBody>
-          <a:bodyPr wrap="square" rtlCol="0">
-            <a:spAutoFit/>
-          </a:bodyPr>
-          <a:lstStyle/>
-          <a:p>
-            <a:r>
-              <a:rPr lang="ko-KR" altLang="en-US" sz="2400" b="1">
-                <a:solidFill>
-                  <a:schemeClr val="accent6">
-                    <a:lumMod val="50000"/>
-                  </a:schemeClr>
-                </a:solidFill>
-                <a:latin typeface="210 나무굴림 B" panose="02020603020101020101" pitchFamily="18" charset="-127"/>
-                <a:ea typeface="210 나무굴림 B" panose="02020603020101020101" pitchFamily="18" charset="-127"/>
-              </a:rPr>
-              <a:t>기능설명</a:t>
-            </a:r>
-          </a:p>
-        </p:txBody>
-      </p:sp>
-      <p:sp>
-        <p:nvSpPr>
-          <p:cNvPr id="10" name="TextBox 9">
-            <a:extLst>
-              <a:ext uri="{FF2B5EF4-FFF2-40B4-BE49-F238E27FC236}">
-                <a16:creationId xmlns:a16="http://schemas.microsoft.com/office/drawing/2014/main" id="{6935D52F-2517-483D-A550-08D13921A30E}"/>
-              </a:ext>
-            </a:extLst>
-          </p:cNvPr>
-          <p:cNvSpPr txBox="1"/>
-          <p:nvPr/>
-        </p:nvSpPr>
-        <p:spPr>
-          <a:xfrm>
-            <a:off x="8714642" y="4525807"/>
-            <a:ext cx="1560635" cy="461665"/>
-          </a:xfrm>
-          <a:prstGeom prst="rect">
-            <a:avLst/>
-          </a:prstGeom>
-          <a:noFill/>
-        </p:spPr>
-        <p:txBody>
-          <a:bodyPr wrap="square" rtlCol="0">
-            <a:spAutoFit/>
-          </a:bodyPr>
-          <a:lstStyle/>
-          <a:p>
-            <a:r>
-              <a:rPr lang="en-US" altLang="ko-KR" sz="2400" b="1">
-                <a:solidFill>
-                  <a:schemeClr val="accent6">
-                    <a:lumMod val="50000"/>
-                  </a:schemeClr>
-                </a:solidFill>
-                <a:latin typeface="210 나무굴림 B" panose="02020603020101020101" pitchFamily="18" charset="-127"/>
-                <a:ea typeface="210 나무굴림 B" panose="02020603020101020101" pitchFamily="18" charset="-127"/>
-              </a:rPr>
-              <a:t>DB</a:t>
-            </a:r>
-            <a:endParaRPr lang="ko-KR" altLang="en-US" sz="2400" b="1">
-              <a:solidFill>
-                <a:schemeClr val="accent6">
-                  <a:lumMod val="50000"/>
-                </a:schemeClr>
-              </a:solidFill>
-              <a:latin typeface="210 나무굴림 B" panose="02020603020101020101" pitchFamily="18" charset="-127"/>
-              <a:ea typeface="210 나무굴림 B" panose="02020603020101020101" pitchFamily="18" charset="-127"/>
-            </a:endParaRPr>
-          </a:p>
-        </p:txBody>
-      </p:sp>
-      <p:sp>
-        <p:nvSpPr>
-          <p:cNvPr id="11" name="TextBox 10">
-            <a:extLst>
-              <a:ext uri="{FF2B5EF4-FFF2-40B4-BE49-F238E27FC236}">
-                <a16:creationId xmlns:a16="http://schemas.microsoft.com/office/drawing/2014/main" id="{D546C707-0B44-49CB-A3B2-A4A1E2AB167E}"/>
-              </a:ext>
-            </a:extLst>
-          </p:cNvPr>
-          <p:cNvSpPr txBox="1"/>
-          <p:nvPr/>
-        </p:nvSpPr>
-        <p:spPr>
-          <a:xfrm>
-            <a:off x="10631365" y="3883969"/>
-            <a:ext cx="1560635" cy="461665"/>
-          </a:xfrm>
-          <a:prstGeom prst="rect">
-            <a:avLst/>
-          </a:prstGeom>
-          <a:noFill/>
-        </p:spPr>
-        <p:txBody>
-          <a:bodyPr wrap="square" rtlCol="0">
-            <a:spAutoFit/>
-          </a:bodyPr>
-          <a:lstStyle/>
-          <a:p>
-            <a:r>
-              <a:rPr lang="ko-KR" altLang="en-US" sz="2400" b="1">
-                <a:solidFill>
-                  <a:schemeClr val="accent6">
-                    <a:lumMod val="50000"/>
-                  </a:schemeClr>
-                </a:solidFill>
-                <a:latin typeface="210 나무굴림 B" panose="02020603020101020101" pitchFamily="18" charset="-127"/>
-                <a:ea typeface="210 나무굴림 B" panose="02020603020101020101" pitchFamily="18" charset="-127"/>
-              </a:rPr>
-              <a:t>마치며</a:t>
-            </a:r>
-          </a:p>
-        </p:txBody>
-      </p:sp>
-      <p:sp>
-        <p:nvSpPr>
-          <p:cNvPr id="12" name="TextBox 11">
-            <a:extLst>
-              <a:ext uri="{FF2B5EF4-FFF2-40B4-BE49-F238E27FC236}">
-                <a16:creationId xmlns:a16="http://schemas.microsoft.com/office/drawing/2014/main" id="{79A3BC46-6DA3-4B75-B2A1-1552684802DF}"/>
-              </a:ext>
-            </a:extLst>
-          </p:cNvPr>
-          <p:cNvSpPr txBox="1"/>
-          <p:nvPr/>
-        </p:nvSpPr>
-        <p:spPr>
-          <a:xfrm>
-            <a:off x="3090008" y="3680573"/>
-            <a:ext cx="1560635" cy="461665"/>
-          </a:xfrm>
-          <a:prstGeom prst="rect">
-            <a:avLst/>
-          </a:prstGeom>
-          <a:noFill/>
-        </p:spPr>
-        <p:txBody>
-          <a:bodyPr wrap="square" rtlCol="0">
-            <a:spAutoFit/>
-          </a:bodyPr>
-          <a:lstStyle/>
-          <a:p>
-            <a:r>
-              <a:rPr lang="en-US" altLang="ko-KR" sz="2400" b="1">
-                <a:solidFill>
-                  <a:schemeClr val="accent6">
-                    <a:lumMod val="50000"/>
-                  </a:schemeClr>
-                </a:solidFill>
-                <a:latin typeface="210 나무굴림 B" panose="02020603020101020101" pitchFamily="18" charset="-127"/>
-                <a:ea typeface="210 나무굴림 B" panose="02020603020101020101" pitchFamily="18" charset="-127"/>
-              </a:rPr>
-              <a:t>UI</a:t>
-            </a:r>
-            <a:r>
-              <a:rPr lang="ko-KR" altLang="en-US" sz="2400" b="1">
-                <a:solidFill>
-                  <a:schemeClr val="accent6">
-                    <a:lumMod val="50000"/>
-                  </a:schemeClr>
-                </a:solidFill>
-                <a:latin typeface="210 나무굴림 B" panose="02020603020101020101" pitchFamily="18" charset="-127"/>
-                <a:ea typeface="210 나무굴림 B" panose="02020603020101020101" pitchFamily="18" charset="-127"/>
-              </a:rPr>
-              <a:t>설명</a:t>
-            </a:r>
-          </a:p>
-        </p:txBody>
-      </p:sp>
-    </p:spTree>
-    <p:extLst>
-      <p:ext uri="{BB962C8B-B14F-4D97-AF65-F5344CB8AC3E}">
-        <p14:creationId xmlns:p14="http://schemas.microsoft.com/office/powerpoint/2010/main" val="427273868"/>
-      </p:ext>
-    </p:extLst>
-  </p:cSld>
-  <p:clrMapOvr>
-    <a:masterClrMapping/>
-  </p:clrMapOvr>
-  <mc:AlternateContent xmlns:mc="http://schemas.openxmlformats.org/markup-compatibility/2006" xmlns:p14="http://schemas.microsoft.com/office/powerpoint/2010/main">
-    <mc:Choice Requires="p14">
-      <p:transition spd="med" p14:dur="700">
-        <p:fade/>
-      </p:transition>
-    </mc:Choice>
-    <mc:Fallback xmlns="">
-      <p:transition spd="med">
-        <p:fade/>
-      </p:transition>
-    </mc:Fallback>
-  </mc:AlternateContent>
-</p:sld>
-</file>
-
-<file path=ppt/slides/slide30.xml><?xml version="1.0" encoding="utf-8"?>
+<file path=ppt/slides/slide32.xml><?xml version="1.0" encoding="utf-8"?>
 <p:sld xmlns:a="http://schemas.openxmlformats.org/drawingml/2006/main" xmlns:r="http://schemas.openxmlformats.org/officeDocument/2006/relationships" xmlns:p="http://schemas.openxmlformats.org/presentationml/2006/main">
   <p:cSld>
     <p:spTree>
@@ -27615,7 +29470,7 @@
 </p:sld>
 </file>
 
-<file path=ppt/slides/slide31.xml><?xml version="1.0" encoding="utf-8"?>
+<file path=ppt/slides/slide33.xml><?xml version="1.0" encoding="utf-8"?>
 <p:sld xmlns:a="http://schemas.openxmlformats.org/drawingml/2006/main" xmlns:r="http://schemas.openxmlformats.org/officeDocument/2006/relationships" xmlns:p="http://schemas.openxmlformats.org/presentationml/2006/main">
   <p:cSld>
     <p:spTree>
@@ -28255,7 +30110,7 @@
 </p:sld>
 </file>
 
-<file path=ppt/slides/slide32.xml><?xml version="1.0" encoding="utf-8"?>
+<file path=ppt/slides/slide34.xml><?xml version="1.0" encoding="utf-8"?>
 <p:sld xmlns:a="http://schemas.openxmlformats.org/drawingml/2006/main" xmlns:r="http://schemas.openxmlformats.org/officeDocument/2006/relationships" xmlns:p="http://schemas.openxmlformats.org/presentationml/2006/main">
   <p:cSld>
     <p:spTree>
@@ -28650,7 +30505,7 @@
 </p:sld>
 </file>
 
-<file path=ppt/slides/slide33.xml><?xml version="1.0" encoding="utf-8"?>
+<file path=ppt/slides/slide35.xml><?xml version="1.0" encoding="utf-8"?>
 <p:sld xmlns:a="http://schemas.openxmlformats.org/drawingml/2006/main" xmlns:r="http://schemas.openxmlformats.org/officeDocument/2006/relationships" xmlns:p="http://schemas.openxmlformats.org/presentationml/2006/main">
   <p:cSld>
     <p:spTree>
@@ -29045,7 +30900,7 @@
 </p:sld>
 </file>
 
-<file path=ppt/slides/slide34.xml><?xml version="1.0" encoding="utf-8"?>
+<file path=ppt/slides/slide36.xml><?xml version="1.0" encoding="utf-8"?>
 <p:sld xmlns:a="http://schemas.openxmlformats.org/drawingml/2006/main" xmlns:r="http://schemas.openxmlformats.org/officeDocument/2006/relationships" xmlns:p="http://schemas.openxmlformats.org/presentationml/2006/main">
   <p:cSld>
     <p:spTree>
@@ -29440,7 +31295,7 @@
 </p:sld>
 </file>
 
-<file path=ppt/slides/slide35.xml><?xml version="1.0" encoding="utf-8"?>
+<file path=ppt/slides/slide37.xml><?xml version="1.0" encoding="utf-8"?>
 <p:sld xmlns:a="http://schemas.openxmlformats.org/drawingml/2006/main" xmlns:r="http://schemas.openxmlformats.org/officeDocument/2006/relationships" xmlns:p="http://schemas.openxmlformats.org/presentationml/2006/main">
   <p:cSld>
     <p:spTree>
@@ -29835,7 +31690,7 @@
 </p:sld>
 </file>
 
-<file path=ppt/slides/slide36.xml><?xml version="1.0" encoding="utf-8"?>
+<file path=ppt/slides/slide38.xml><?xml version="1.0" encoding="utf-8"?>
 <p:sld xmlns:a="http://schemas.openxmlformats.org/drawingml/2006/main" xmlns:r="http://schemas.openxmlformats.org/officeDocument/2006/relationships" xmlns:p="http://schemas.openxmlformats.org/presentationml/2006/main">
   <p:cSld>
     <p:spTree>
@@ -30230,7 +32085,7 @@
 </p:sld>
 </file>
 
-<file path=ppt/slides/slide37.xml><?xml version="1.0" encoding="utf-8"?>
+<file path=ppt/slides/slide39.xml><?xml version="1.0" encoding="utf-8"?>
 <p:sld xmlns:a="http://schemas.openxmlformats.org/drawingml/2006/main" xmlns:r="http://schemas.openxmlformats.org/officeDocument/2006/relationships" xmlns:p="http://schemas.openxmlformats.org/presentationml/2006/main">
   <p:cSld>
     <p:spTree>
@@ -30581,13 +32436,13 @@
   <p:clrMapOvr>
     <a:masterClrMapping/>
   </p:clrMapOvr>
-  <mc:AlternateContent xmlns:mc="http://schemas.openxmlformats.org/markup-compatibility/2006">
-    <mc:Choice xmlns:p14="http://schemas.microsoft.com/office/powerpoint/2010/main" Requires="p14">
+  <mc:AlternateContent xmlns:mc="http://schemas.openxmlformats.org/markup-compatibility/2006" xmlns:p14="http://schemas.microsoft.com/office/powerpoint/2010/main">
+    <mc:Choice Requires="p14">
       <p:transition spd="med" p14:dur="700">
         <p:fade/>
       </p:transition>
     </mc:Choice>
-    <mc:Fallback>
+    <mc:Fallback xmlns="">
       <p:transition spd="med">
         <p:fade/>
       </p:transition>
@@ -30597,711 +32452,6 @@
 </file>
 
 <file path=ppt/slides/slide5.xml><?xml version="1.0" encoding="utf-8"?>
-<p:sld xmlns:a="http://schemas.openxmlformats.org/drawingml/2006/main" xmlns:r="http://schemas.openxmlformats.org/officeDocument/2006/relationships" xmlns:p="http://schemas.openxmlformats.org/presentationml/2006/main">
-  <p:cSld>
-    <p:bg>
-      <p:bgPr>
-        <a:solidFill>
-          <a:schemeClr val="accent2"/>
-        </a:solidFill>
-        <a:effectLst/>
-      </p:bgPr>
-    </p:bg>
-    <p:spTree>
-      <p:nvGrpSpPr>
-        <p:cNvPr id="1" name=""/>
-        <p:cNvGrpSpPr/>
-        <p:nvPr/>
-      </p:nvGrpSpPr>
-      <p:grpSpPr>
-        <a:xfrm>
-          <a:off x="0" y="0"/>
-          <a:ext cx="0" cy="0"/>
-          <a:chOff x="0" y="0"/>
-          <a:chExt cx="0" cy="0"/>
-        </a:xfrm>
-      </p:grpSpPr>
-      <p:sp>
-        <p:nvSpPr>
-          <p:cNvPr id="3" name="TextBox 2">
-            <a:extLst>
-              <a:ext uri="{FF2B5EF4-FFF2-40B4-BE49-F238E27FC236}">
-                <a16:creationId xmlns:a16="http://schemas.microsoft.com/office/drawing/2014/main" id="{91C4265C-0EAD-4FFD-BF99-406D49533C1D}"/>
-              </a:ext>
-            </a:extLst>
-          </p:cNvPr>
-          <p:cNvSpPr txBox="1"/>
-          <p:nvPr/>
-        </p:nvSpPr>
-        <p:spPr>
-          <a:xfrm>
-            <a:off x="3048000" y="3244334"/>
-            <a:ext cx="6096000" cy="369332"/>
-          </a:xfrm>
-          <a:prstGeom prst="rect">
-            <a:avLst/>
-          </a:prstGeom>
-          <a:noFill/>
-        </p:spPr>
-        <p:txBody>
-          <a:bodyPr wrap="square">
-            <a:spAutoFit/>
-          </a:bodyPr>
-          <a:lstStyle/>
-          <a:p>
-            <a:pPr algn="ctr"/>
-            <a:r>
-              <a:rPr lang="en-US" altLang="ko-KR" sz="1800" dirty="0">
-                <a:solidFill>
-                  <a:schemeClr val="bg1"/>
-                </a:solidFill>
-              </a:rPr>
-              <a:t>Winter Dream</a:t>
-            </a:r>
-            <a:endParaRPr lang="ko-KR" altLang="en-US" sz="1800" dirty="0">
-              <a:solidFill>
-                <a:schemeClr val="bg1"/>
-              </a:solidFill>
-            </a:endParaRPr>
-          </a:p>
-        </p:txBody>
-      </p:sp>
-      <p:sp>
-        <p:nvSpPr>
-          <p:cNvPr id="4" name="TextBox 3">
-            <a:extLst>
-              <a:ext uri="{FF2B5EF4-FFF2-40B4-BE49-F238E27FC236}">
-                <a16:creationId xmlns:a16="http://schemas.microsoft.com/office/drawing/2014/main" id="{E251FDC9-B70C-4BC0-8AC7-216B5765985E}"/>
-              </a:ext>
-            </a:extLst>
-          </p:cNvPr>
-          <p:cNvSpPr txBox="1"/>
-          <p:nvPr/>
-        </p:nvSpPr>
-        <p:spPr>
-          <a:xfrm>
-            <a:off x="5122015" y="2824480"/>
-            <a:ext cx="1947969" cy="369332"/>
-          </a:xfrm>
-          <a:prstGeom prst="rect">
-            <a:avLst/>
-          </a:prstGeom>
-          <a:noFill/>
-        </p:spPr>
-        <p:txBody>
-          <a:bodyPr wrap="none" rtlCol="0">
-            <a:spAutoFit/>
-          </a:bodyPr>
-          <a:lstStyle/>
-          <a:p>
-            <a:pPr algn="ctr"/>
-            <a:r>
-              <a:rPr lang="ko-KR" altLang="en-US" dirty="0">
-                <a:solidFill>
-                  <a:schemeClr val="bg1"/>
-                </a:solidFill>
-              </a:rPr>
-              <a:t>성큼 다가온 겨울</a:t>
-            </a:r>
-          </a:p>
-        </p:txBody>
-      </p:sp>
-      <p:sp>
-        <p:nvSpPr>
-          <p:cNvPr id="5" name="양쪽 대괄호 4">
-            <a:extLst>
-              <a:ext uri="{FF2B5EF4-FFF2-40B4-BE49-F238E27FC236}">
-                <a16:creationId xmlns:a16="http://schemas.microsoft.com/office/drawing/2014/main" id="{7B2CAB3D-75D4-47BA-AA00-C925C76EC1D2}"/>
-              </a:ext>
-            </a:extLst>
-          </p:cNvPr>
-          <p:cNvSpPr/>
-          <p:nvPr/>
-        </p:nvSpPr>
-        <p:spPr>
-          <a:xfrm>
-            <a:off x="2153919" y="2009279"/>
-            <a:ext cx="7884160" cy="2369066"/>
-          </a:xfrm>
-          <a:prstGeom prst="bracketPair">
-            <a:avLst>
-              <a:gd name="adj" fmla="val 10867"/>
-            </a:avLst>
-          </a:prstGeom>
-          <a:ln>
-            <a:solidFill>
-              <a:schemeClr val="bg1">
-                <a:lumMod val="95000"/>
-              </a:schemeClr>
-            </a:solidFill>
-          </a:ln>
-        </p:spPr>
-        <p:style>
-          <a:lnRef idx="1">
-            <a:schemeClr val="accent1"/>
-          </a:lnRef>
-          <a:fillRef idx="0">
-            <a:schemeClr val="accent1"/>
-          </a:fillRef>
-          <a:effectRef idx="0">
-            <a:schemeClr val="accent1"/>
-          </a:effectRef>
-          <a:fontRef idx="minor">
-            <a:schemeClr val="tx1"/>
-          </a:fontRef>
-        </p:style>
-        <p:txBody>
-          <a:bodyPr rtlCol="0" anchor="ctr"/>
-          <a:lstStyle/>
-          <a:p>
-            <a:pPr algn="ctr"/>
-            <a:endParaRPr lang="ko-KR" altLang="en-US"/>
-          </a:p>
-        </p:txBody>
-      </p:sp>
-      <p:sp>
-        <p:nvSpPr>
-          <p:cNvPr id="6" name="TextBox 5">
-            <a:extLst>
-              <a:ext uri="{FF2B5EF4-FFF2-40B4-BE49-F238E27FC236}">
-                <a16:creationId xmlns:a16="http://schemas.microsoft.com/office/drawing/2014/main" id="{99A3A4B1-78DD-4F9A-807D-7BC51AFF4B1A}"/>
-              </a:ext>
-            </a:extLst>
-          </p:cNvPr>
-          <p:cNvSpPr txBox="1"/>
-          <p:nvPr/>
-        </p:nvSpPr>
-        <p:spPr>
-          <a:xfrm>
-            <a:off x="182880" y="193040"/>
-            <a:ext cx="1832553" cy="338554"/>
-          </a:xfrm>
-          <a:prstGeom prst="rect">
-            <a:avLst/>
-          </a:prstGeom>
-          <a:noFill/>
-        </p:spPr>
-        <p:txBody>
-          <a:bodyPr wrap="none" rtlCol="0">
-            <a:spAutoFit/>
-          </a:bodyPr>
-          <a:lstStyle/>
-          <a:p>
-            <a:r>
-              <a:rPr lang="ko-KR" altLang="en-US" sz="1600" dirty="0" err="1">
-                <a:solidFill>
-                  <a:schemeClr val="bg1"/>
-                </a:solidFill>
-              </a:rPr>
-              <a:t>새별의</a:t>
-            </a:r>
-            <a:r>
-              <a:rPr lang="ko-KR" altLang="en-US" sz="1600" dirty="0">
-                <a:solidFill>
-                  <a:schemeClr val="bg1"/>
-                </a:solidFill>
-              </a:rPr>
-              <a:t> 파워포인트</a:t>
-            </a:r>
-          </a:p>
-        </p:txBody>
-      </p:sp>
-    </p:spTree>
-    <p:extLst>
-      <p:ext uri="{BB962C8B-B14F-4D97-AF65-F5344CB8AC3E}">
-        <p14:creationId xmlns:p14="http://schemas.microsoft.com/office/powerpoint/2010/main" val="4065372083"/>
-      </p:ext>
-    </p:extLst>
-  </p:cSld>
-  <p:clrMapOvr>
-    <a:masterClrMapping/>
-  </p:clrMapOvr>
-  <mc:AlternateContent xmlns:mc="http://schemas.openxmlformats.org/markup-compatibility/2006">
-    <mc:Choice xmlns:p14="http://schemas.microsoft.com/office/powerpoint/2010/main" Requires="p14">
-      <p:transition spd="med" p14:dur="700">
-        <p:fade/>
-      </p:transition>
-    </mc:Choice>
-    <mc:Fallback>
-      <p:transition spd="med">
-        <p:fade/>
-      </p:transition>
-    </mc:Fallback>
-  </mc:AlternateContent>
-</p:sld>
-</file>
-
-<file path=ppt/slides/slide6.xml><?xml version="1.0" encoding="utf-8"?>
-<p:sld xmlns:a="http://schemas.openxmlformats.org/drawingml/2006/main" xmlns:r="http://schemas.openxmlformats.org/officeDocument/2006/relationships" xmlns:p="http://schemas.openxmlformats.org/presentationml/2006/main">
-  <p:cSld>
-    <p:bg>
-      <p:bgPr>
-        <a:solidFill>
-          <a:schemeClr val="accent2"/>
-        </a:solidFill>
-        <a:effectLst/>
-      </p:bgPr>
-    </p:bg>
-    <p:spTree>
-      <p:nvGrpSpPr>
-        <p:cNvPr id="1" name=""/>
-        <p:cNvGrpSpPr/>
-        <p:nvPr/>
-      </p:nvGrpSpPr>
-      <p:grpSpPr>
-        <a:xfrm>
-          <a:off x="0" y="0"/>
-          <a:ext cx="0" cy="0"/>
-          <a:chOff x="0" y="0"/>
-          <a:chExt cx="0" cy="0"/>
-        </a:xfrm>
-      </p:grpSpPr>
-      <p:sp>
-        <p:nvSpPr>
-          <p:cNvPr id="3" name="TextBox 2">
-            <a:extLst>
-              <a:ext uri="{FF2B5EF4-FFF2-40B4-BE49-F238E27FC236}">
-                <a16:creationId xmlns:a16="http://schemas.microsoft.com/office/drawing/2014/main" id="{91C4265C-0EAD-4FFD-BF99-406D49533C1D}"/>
-              </a:ext>
-            </a:extLst>
-          </p:cNvPr>
-          <p:cNvSpPr txBox="1"/>
-          <p:nvPr/>
-        </p:nvSpPr>
-        <p:spPr>
-          <a:xfrm>
-            <a:off x="3048000" y="3244334"/>
-            <a:ext cx="6096000" cy="369332"/>
-          </a:xfrm>
-          <a:prstGeom prst="rect">
-            <a:avLst/>
-          </a:prstGeom>
-          <a:noFill/>
-        </p:spPr>
-        <p:txBody>
-          <a:bodyPr wrap="square">
-            <a:spAutoFit/>
-          </a:bodyPr>
-          <a:lstStyle/>
-          <a:p>
-            <a:pPr algn="ctr"/>
-            <a:r>
-              <a:rPr lang="en-US" altLang="ko-KR" sz="1800" dirty="0">
-                <a:solidFill>
-                  <a:schemeClr val="bg1"/>
-                </a:solidFill>
-              </a:rPr>
-              <a:t>Winter Dream</a:t>
-            </a:r>
-            <a:endParaRPr lang="ko-KR" altLang="en-US" sz="1800" dirty="0">
-              <a:solidFill>
-                <a:schemeClr val="bg1"/>
-              </a:solidFill>
-            </a:endParaRPr>
-          </a:p>
-        </p:txBody>
-      </p:sp>
-      <p:sp>
-        <p:nvSpPr>
-          <p:cNvPr id="4" name="TextBox 3">
-            <a:extLst>
-              <a:ext uri="{FF2B5EF4-FFF2-40B4-BE49-F238E27FC236}">
-                <a16:creationId xmlns:a16="http://schemas.microsoft.com/office/drawing/2014/main" id="{E251FDC9-B70C-4BC0-8AC7-216B5765985E}"/>
-              </a:ext>
-            </a:extLst>
-          </p:cNvPr>
-          <p:cNvSpPr txBox="1"/>
-          <p:nvPr/>
-        </p:nvSpPr>
-        <p:spPr>
-          <a:xfrm>
-            <a:off x="5122015" y="2824480"/>
-            <a:ext cx="1947969" cy="369332"/>
-          </a:xfrm>
-          <a:prstGeom prst="rect">
-            <a:avLst/>
-          </a:prstGeom>
-          <a:noFill/>
-        </p:spPr>
-        <p:txBody>
-          <a:bodyPr wrap="none" rtlCol="0">
-            <a:spAutoFit/>
-          </a:bodyPr>
-          <a:lstStyle/>
-          <a:p>
-            <a:pPr algn="ctr"/>
-            <a:r>
-              <a:rPr lang="ko-KR" altLang="en-US" dirty="0">
-                <a:solidFill>
-                  <a:schemeClr val="bg1"/>
-                </a:solidFill>
-              </a:rPr>
-              <a:t>성큼 다가온 겨울</a:t>
-            </a:r>
-          </a:p>
-        </p:txBody>
-      </p:sp>
-      <p:sp>
-        <p:nvSpPr>
-          <p:cNvPr id="5" name="양쪽 대괄호 4">
-            <a:extLst>
-              <a:ext uri="{FF2B5EF4-FFF2-40B4-BE49-F238E27FC236}">
-                <a16:creationId xmlns:a16="http://schemas.microsoft.com/office/drawing/2014/main" id="{7B2CAB3D-75D4-47BA-AA00-C925C76EC1D2}"/>
-              </a:ext>
-            </a:extLst>
-          </p:cNvPr>
-          <p:cNvSpPr/>
-          <p:nvPr/>
-        </p:nvSpPr>
-        <p:spPr>
-          <a:xfrm>
-            <a:off x="2153919" y="2009279"/>
-            <a:ext cx="7884160" cy="2369066"/>
-          </a:xfrm>
-          <a:prstGeom prst="bracketPair">
-            <a:avLst>
-              <a:gd name="adj" fmla="val 10867"/>
-            </a:avLst>
-          </a:prstGeom>
-          <a:ln>
-            <a:solidFill>
-              <a:schemeClr val="bg1">
-                <a:lumMod val="95000"/>
-              </a:schemeClr>
-            </a:solidFill>
-          </a:ln>
-        </p:spPr>
-        <p:style>
-          <a:lnRef idx="1">
-            <a:schemeClr val="accent1"/>
-          </a:lnRef>
-          <a:fillRef idx="0">
-            <a:schemeClr val="accent1"/>
-          </a:fillRef>
-          <a:effectRef idx="0">
-            <a:schemeClr val="accent1"/>
-          </a:effectRef>
-          <a:fontRef idx="minor">
-            <a:schemeClr val="tx1"/>
-          </a:fontRef>
-        </p:style>
-        <p:txBody>
-          <a:bodyPr rtlCol="0" anchor="ctr"/>
-          <a:lstStyle/>
-          <a:p>
-            <a:pPr algn="ctr"/>
-            <a:endParaRPr lang="ko-KR" altLang="en-US"/>
-          </a:p>
-        </p:txBody>
-      </p:sp>
-      <p:sp>
-        <p:nvSpPr>
-          <p:cNvPr id="6" name="TextBox 5">
-            <a:extLst>
-              <a:ext uri="{FF2B5EF4-FFF2-40B4-BE49-F238E27FC236}">
-                <a16:creationId xmlns:a16="http://schemas.microsoft.com/office/drawing/2014/main" id="{99A3A4B1-78DD-4F9A-807D-7BC51AFF4B1A}"/>
-              </a:ext>
-            </a:extLst>
-          </p:cNvPr>
-          <p:cNvSpPr txBox="1"/>
-          <p:nvPr/>
-        </p:nvSpPr>
-        <p:spPr>
-          <a:xfrm>
-            <a:off x="182880" y="193040"/>
-            <a:ext cx="1832553" cy="338554"/>
-          </a:xfrm>
-          <a:prstGeom prst="rect">
-            <a:avLst/>
-          </a:prstGeom>
-          <a:noFill/>
-        </p:spPr>
-        <p:txBody>
-          <a:bodyPr wrap="none" rtlCol="0">
-            <a:spAutoFit/>
-          </a:bodyPr>
-          <a:lstStyle/>
-          <a:p>
-            <a:r>
-              <a:rPr lang="ko-KR" altLang="en-US" sz="1600" dirty="0" err="1">
-                <a:solidFill>
-                  <a:schemeClr val="bg1"/>
-                </a:solidFill>
-              </a:rPr>
-              <a:t>새별의</a:t>
-            </a:r>
-            <a:r>
-              <a:rPr lang="ko-KR" altLang="en-US" sz="1600" dirty="0">
-                <a:solidFill>
-                  <a:schemeClr val="bg1"/>
-                </a:solidFill>
-              </a:rPr>
-              <a:t> 파워포인트</a:t>
-            </a:r>
-          </a:p>
-        </p:txBody>
-      </p:sp>
-    </p:spTree>
-    <p:extLst>
-      <p:ext uri="{BB962C8B-B14F-4D97-AF65-F5344CB8AC3E}">
-        <p14:creationId xmlns:p14="http://schemas.microsoft.com/office/powerpoint/2010/main" val="2838248862"/>
-      </p:ext>
-    </p:extLst>
-  </p:cSld>
-  <p:clrMapOvr>
-    <a:masterClrMapping/>
-  </p:clrMapOvr>
-  <mc:AlternateContent xmlns:mc="http://schemas.openxmlformats.org/markup-compatibility/2006">
-    <mc:Choice xmlns:p14="http://schemas.microsoft.com/office/powerpoint/2010/main" Requires="p14">
-      <p:transition spd="med" p14:dur="700">
-        <p:fade/>
-      </p:transition>
-    </mc:Choice>
-    <mc:Fallback>
-      <p:transition spd="med">
-        <p:fade/>
-      </p:transition>
-    </mc:Fallback>
-  </mc:AlternateContent>
-</p:sld>
-</file>
-
-<file path=ppt/slides/slide7.xml><?xml version="1.0" encoding="utf-8"?>
-<p:sld xmlns:a="http://schemas.openxmlformats.org/drawingml/2006/main" xmlns:r="http://schemas.openxmlformats.org/officeDocument/2006/relationships" xmlns:p="http://schemas.openxmlformats.org/presentationml/2006/main">
-  <p:cSld>
-    <p:bg>
-      <p:bgPr>
-        <a:solidFill>
-          <a:schemeClr val="accent2"/>
-        </a:solidFill>
-        <a:effectLst/>
-      </p:bgPr>
-    </p:bg>
-    <p:spTree>
-      <p:nvGrpSpPr>
-        <p:cNvPr id="1" name=""/>
-        <p:cNvGrpSpPr/>
-        <p:nvPr/>
-      </p:nvGrpSpPr>
-      <p:grpSpPr>
-        <a:xfrm>
-          <a:off x="0" y="0"/>
-          <a:ext cx="0" cy="0"/>
-          <a:chOff x="0" y="0"/>
-          <a:chExt cx="0" cy="0"/>
-        </a:xfrm>
-      </p:grpSpPr>
-      <p:sp>
-        <p:nvSpPr>
-          <p:cNvPr id="3" name="TextBox 2">
-            <a:extLst>
-              <a:ext uri="{FF2B5EF4-FFF2-40B4-BE49-F238E27FC236}">
-                <a16:creationId xmlns:a16="http://schemas.microsoft.com/office/drawing/2014/main" id="{91C4265C-0EAD-4FFD-BF99-406D49533C1D}"/>
-              </a:ext>
-            </a:extLst>
-          </p:cNvPr>
-          <p:cNvSpPr txBox="1"/>
-          <p:nvPr/>
-        </p:nvSpPr>
-        <p:spPr>
-          <a:xfrm>
-            <a:off x="3048000" y="3244334"/>
-            <a:ext cx="6096000" cy="369332"/>
-          </a:xfrm>
-          <a:prstGeom prst="rect">
-            <a:avLst/>
-          </a:prstGeom>
-          <a:noFill/>
-        </p:spPr>
-        <p:txBody>
-          <a:bodyPr wrap="square">
-            <a:spAutoFit/>
-          </a:bodyPr>
-          <a:lstStyle/>
-          <a:p>
-            <a:pPr algn="ctr"/>
-            <a:r>
-              <a:rPr lang="en-US" altLang="ko-KR" sz="1800" dirty="0">
-                <a:solidFill>
-                  <a:schemeClr val="bg1"/>
-                </a:solidFill>
-              </a:rPr>
-              <a:t>Winter Dream</a:t>
-            </a:r>
-            <a:endParaRPr lang="ko-KR" altLang="en-US" sz="1800" dirty="0">
-              <a:solidFill>
-                <a:schemeClr val="bg1"/>
-              </a:solidFill>
-            </a:endParaRPr>
-          </a:p>
-        </p:txBody>
-      </p:sp>
-      <p:sp>
-        <p:nvSpPr>
-          <p:cNvPr id="4" name="TextBox 3">
-            <a:extLst>
-              <a:ext uri="{FF2B5EF4-FFF2-40B4-BE49-F238E27FC236}">
-                <a16:creationId xmlns:a16="http://schemas.microsoft.com/office/drawing/2014/main" id="{E251FDC9-B70C-4BC0-8AC7-216B5765985E}"/>
-              </a:ext>
-            </a:extLst>
-          </p:cNvPr>
-          <p:cNvSpPr txBox="1"/>
-          <p:nvPr/>
-        </p:nvSpPr>
-        <p:spPr>
-          <a:xfrm>
-            <a:off x="5122015" y="2824480"/>
-            <a:ext cx="1947969" cy="369332"/>
-          </a:xfrm>
-          <a:prstGeom prst="rect">
-            <a:avLst/>
-          </a:prstGeom>
-          <a:noFill/>
-        </p:spPr>
-        <p:txBody>
-          <a:bodyPr wrap="none" rtlCol="0">
-            <a:spAutoFit/>
-          </a:bodyPr>
-          <a:lstStyle/>
-          <a:p>
-            <a:pPr algn="ctr"/>
-            <a:r>
-              <a:rPr lang="ko-KR" altLang="en-US" dirty="0">
-                <a:solidFill>
-                  <a:schemeClr val="bg1"/>
-                </a:solidFill>
-              </a:rPr>
-              <a:t>성큼 다가온 겨울</a:t>
-            </a:r>
-          </a:p>
-        </p:txBody>
-      </p:sp>
-      <p:sp>
-        <p:nvSpPr>
-          <p:cNvPr id="5" name="양쪽 대괄호 4">
-            <a:extLst>
-              <a:ext uri="{FF2B5EF4-FFF2-40B4-BE49-F238E27FC236}">
-                <a16:creationId xmlns:a16="http://schemas.microsoft.com/office/drawing/2014/main" id="{7B2CAB3D-75D4-47BA-AA00-C925C76EC1D2}"/>
-              </a:ext>
-            </a:extLst>
-          </p:cNvPr>
-          <p:cNvSpPr/>
-          <p:nvPr/>
-        </p:nvSpPr>
-        <p:spPr>
-          <a:xfrm>
-            <a:off x="2153919" y="2009279"/>
-            <a:ext cx="7884160" cy="2369066"/>
-          </a:xfrm>
-          <a:prstGeom prst="bracketPair">
-            <a:avLst>
-              <a:gd name="adj" fmla="val 10867"/>
-            </a:avLst>
-          </a:prstGeom>
-          <a:ln>
-            <a:solidFill>
-              <a:schemeClr val="bg1">
-                <a:lumMod val="95000"/>
-              </a:schemeClr>
-            </a:solidFill>
-          </a:ln>
-        </p:spPr>
-        <p:style>
-          <a:lnRef idx="1">
-            <a:schemeClr val="accent1"/>
-          </a:lnRef>
-          <a:fillRef idx="0">
-            <a:schemeClr val="accent1"/>
-          </a:fillRef>
-          <a:effectRef idx="0">
-            <a:schemeClr val="accent1"/>
-          </a:effectRef>
-          <a:fontRef idx="minor">
-            <a:schemeClr val="tx1"/>
-          </a:fontRef>
-        </p:style>
-        <p:txBody>
-          <a:bodyPr rtlCol="0" anchor="ctr"/>
-          <a:lstStyle/>
-          <a:p>
-            <a:pPr algn="ctr"/>
-            <a:endParaRPr lang="ko-KR" altLang="en-US"/>
-          </a:p>
-        </p:txBody>
-      </p:sp>
-      <p:sp>
-        <p:nvSpPr>
-          <p:cNvPr id="6" name="TextBox 5">
-            <a:extLst>
-              <a:ext uri="{FF2B5EF4-FFF2-40B4-BE49-F238E27FC236}">
-                <a16:creationId xmlns:a16="http://schemas.microsoft.com/office/drawing/2014/main" id="{99A3A4B1-78DD-4F9A-807D-7BC51AFF4B1A}"/>
-              </a:ext>
-            </a:extLst>
-          </p:cNvPr>
-          <p:cNvSpPr txBox="1"/>
-          <p:nvPr/>
-        </p:nvSpPr>
-        <p:spPr>
-          <a:xfrm>
-            <a:off x="182880" y="193040"/>
-            <a:ext cx="1832553" cy="338554"/>
-          </a:xfrm>
-          <a:prstGeom prst="rect">
-            <a:avLst/>
-          </a:prstGeom>
-          <a:noFill/>
-        </p:spPr>
-        <p:txBody>
-          <a:bodyPr wrap="none" rtlCol="0">
-            <a:spAutoFit/>
-          </a:bodyPr>
-          <a:lstStyle/>
-          <a:p>
-            <a:r>
-              <a:rPr lang="ko-KR" altLang="en-US" sz="1600" dirty="0" err="1">
-                <a:solidFill>
-                  <a:schemeClr val="bg1"/>
-                </a:solidFill>
-              </a:rPr>
-              <a:t>새별의</a:t>
-            </a:r>
-            <a:r>
-              <a:rPr lang="ko-KR" altLang="en-US" sz="1600" dirty="0">
-                <a:solidFill>
-                  <a:schemeClr val="bg1"/>
-                </a:solidFill>
-              </a:rPr>
-              <a:t> 파워포인트</a:t>
-            </a:r>
-          </a:p>
-        </p:txBody>
-      </p:sp>
-    </p:spTree>
-    <p:extLst>
-      <p:ext uri="{BB962C8B-B14F-4D97-AF65-F5344CB8AC3E}">
-        <p14:creationId xmlns:p14="http://schemas.microsoft.com/office/powerpoint/2010/main" val="1145354807"/>
-      </p:ext>
-    </p:extLst>
-  </p:cSld>
-  <p:clrMapOvr>
-    <a:masterClrMapping/>
-  </p:clrMapOvr>
-  <mc:AlternateContent xmlns:mc="http://schemas.openxmlformats.org/markup-compatibility/2006">
-    <mc:Choice xmlns:p14="http://schemas.microsoft.com/office/powerpoint/2010/main" Requires="p14">
-      <p:transition spd="med" p14:dur="700">
-        <p:fade/>
-      </p:transition>
-    </mc:Choice>
-    <mc:Fallback>
-      <p:transition spd="med">
-        <p:fade/>
-      </p:transition>
-    </mc:Fallback>
-  </mc:AlternateContent>
-</p:sld>
-</file>
-
-<file path=ppt/slides/slide8.xml><?xml version="1.0" encoding="utf-8"?>
 <p:sld xmlns:a="http://schemas.openxmlformats.org/drawingml/2006/main" xmlns:r="http://schemas.openxmlformats.org/officeDocument/2006/relationships" xmlns:p="http://schemas.openxmlformats.org/presentationml/2006/main">
   <p:cSld>
     <p:bg>
@@ -31341,7 +32491,7 @@
         <p:spPr>
           <a:xfrm>
             <a:off x="274320" y="294640"/>
-            <a:ext cx="3704860" cy="369332"/>
+            <a:ext cx="1276311" cy="369332"/>
           </a:xfrm>
           <a:prstGeom prst="rect">
             <a:avLst/>
@@ -31355,7 +32505,7 @@
           <a:lstStyle/>
           <a:p>
             <a:r>
-              <a:rPr lang="en-US" altLang="ko-KR" dirty="0">
+              <a:rPr lang="en-US" altLang="ko-KR">
                 <a:solidFill>
                   <a:schemeClr val="bg1"/>
                 </a:solidFill>
@@ -31363,469 +32513,75 @@
               <a:t>#</a:t>
             </a:r>
             <a:r>
-              <a:rPr lang="ko-KR" altLang="en-US" dirty="0">
+              <a:rPr lang="ko-KR" altLang="en-US">
                 <a:solidFill>
                   <a:schemeClr val="bg1"/>
                 </a:solidFill>
               </a:rPr>
-              <a:t>겨울나기 </a:t>
-            </a:r>
-            <a:r>
-              <a:rPr lang="en-US" altLang="ko-KR" dirty="0">
-                <a:solidFill>
-                  <a:schemeClr val="bg1"/>
-                </a:solidFill>
-              </a:rPr>
-              <a:t>#</a:t>
-            </a:r>
-            <a:r>
-              <a:rPr lang="ko-KR" altLang="en-US" dirty="0">
-                <a:solidFill>
-                  <a:schemeClr val="bg1"/>
-                </a:solidFill>
-              </a:rPr>
-              <a:t>겨울 </a:t>
-            </a:r>
-            <a:r>
-              <a:rPr lang="en-US" altLang="ko-KR" dirty="0">
-                <a:solidFill>
-                  <a:schemeClr val="bg1"/>
-                </a:solidFill>
-              </a:rPr>
-              <a:t>#</a:t>
-            </a:r>
-            <a:r>
-              <a:rPr lang="ko-KR" altLang="en-US" dirty="0">
-                <a:solidFill>
-                  <a:schemeClr val="bg1"/>
-                </a:solidFill>
-              </a:rPr>
-              <a:t>추워 </a:t>
-            </a:r>
-            <a:r>
-              <a:rPr lang="en-US" altLang="ko-KR" dirty="0">
-                <a:solidFill>
-                  <a:schemeClr val="bg1"/>
-                </a:solidFill>
-              </a:rPr>
-              <a:t>#</a:t>
-            </a:r>
-            <a:r>
-              <a:rPr lang="ko-KR" altLang="en-US" dirty="0">
-                <a:solidFill>
-                  <a:schemeClr val="bg1"/>
-                </a:solidFill>
-              </a:rPr>
-              <a:t>겨울이다</a:t>
-            </a:r>
+              <a:t>개발환경 </a:t>
+            </a:r>
+            <a:endParaRPr lang="ko-KR" altLang="en-US" dirty="0">
+              <a:solidFill>
+                <a:schemeClr val="bg1"/>
+              </a:solidFill>
+            </a:endParaRPr>
           </a:p>
         </p:txBody>
       </p:sp>
-      <p:grpSp>
-        <p:nvGrpSpPr>
-          <p:cNvPr id="5" name="그룹 4">
-            <a:extLst>
-              <a:ext uri="{FF2B5EF4-FFF2-40B4-BE49-F238E27FC236}">
-                <a16:creationId xmlns:a16="http://schemas.microsoft.com/office/drawing/2014/main" id="{D45281FE-6E37-4513-9DE9-7765CCCBA473}"/>
-              </a:ext>
-            </a:extLst>
-          </p:cNvPr>
-          <p:cNvGrpSpPr/>
+      <p:sp>
+        <p:nvSpPr>
+          <p:cNvPr id="3" name="사각형: 둥근 모서리 2">
+            <a:extLst>
+              <a:ext uri="{FF2B5EF4-FFF2-40B4-BE49-F238E27FC236}">
+                <a16:creationId xmlns:a16="http://schemas.microsoft.com/office/drawing/2014/main" id="{4D0685E6-5F72-4555-ADDC-0C88687CFAA8}"/>
+              </a:ext>
+            </a:extLst>
+          </p:cNvPr>
+          <p:cNvSpPr/>
           <p:nvPr/>
-        </p:nvGrpSpPr>
-        <p:grpSpPr>
+        </p:nvSpPr>
+        <p:spPr>
           <a:xfrm>
-            <a:off x="876362" y="1471692"/>
-            <a:ext cx="3102818" cy="3845560"/>
-            <a:chOff x="883920" y="1102360"/>
-            <a:chExt cx="3586480" cy="4445000"/>
-          </a:xfrm>
-          <a:effectLst>
-            <a:outerShdw blurRad="190500" dist="25400" dir="2700000" algn="tl" rotWithShape="0">
-              <a:schemeClr val="accent2">
-                <a:lumMod val="50000"/>
-                <a:alpha val="40000"/>
-              </a:schemeClr>
-            </a:outerShdw>
-          </a:effectLst>
-        </p:grpSpPr>
-        <p:sp>
-          <p:nvSpPr>
-            <p:cNvPr id="3" name="사각형: 둥근 모서리 2">
-              <a:extLst>
-                <a:ext uri="{FF2B5EF4-FFF2-40B4-BE49-F238E27FC236}">
-                  <a16:creationId xmlns:a16="http://schemas.microsoft.com/office/drawing/2014/main" id="{4D0685E6-5F72-4555-ADDC-0C88687CFAA8}"/>
-                </a:ext>
-              </a:extLst>
-            </p:cNvPr>
-            <p:cNvSpPr/>
-            <p:nvPr/>
-          </p:nvSpPr>
-          <p:spPr>
-            <a:xfrm>
-              <a:off x="883920" y="1910080"/>
-              <a:ext cx="3586480" cy="3637280"/>
-            </a:xfrm>
-            <a:prstGeom prst="roundRect">
-              <a:avLst>
-                <a:gd name="adj" fmla="val 13072"/>
-              </a:avLst>
-            </a:prstGeom>
-            <a:solidFill>
-              <a:schemeClr val="accent6"/>
-            </a:solidFill>
-            <a:ln>
-              <a:noFill/>
-            </a:ln>
-          </p:spPr>
-          <p:style>
-            <a:lnRef idx="2">
-              <a:schemeClr val="accent1">
-                <a:shade val="50000"/>
-              </a:schemeClr>
-            </a:lnRef>
-            <a:fillRef idx="1">
-              <a:schemeClr val="accent1"/>
-            </a:fillRef>
-            <a:effectRef idx="0">
-              <a:schemeClr val="accent1"/>
-            </a:effectRef>
-            <a:fontRef idx="minor">
-              <a:schemeClr val="lt1"/>
-            </a:fontRef>
-          </p:style>
-          <p:txBody>
-            <a:bodyPr rtlCol="0" anchor="ctr"/>
-            <a:lstStyle/>
-            <a:p>
-              <a:pPr algn="ctr"/>
-              <a:endParaRPr lang="ko-KR" altLang="en-US"/>
-            </a:p>
-          </p:txBody>
-        </p:sp>
-        <p:sp>
-          <p:nvSpPr>
-            <p:cNvPr id="4" name="타원 3">
-              <a:extLst>
-                <a:ext uri="{FF2B5EF4-FFF2-40B4-BE49-F238E27FC236}">
-                  <a16:creationId xmlns:a16="http://schemas.microsoft.com/office/drawing/2014/main" id="{D6C6BB7E-4130-4CFE-A4F8-632E560B6CC1}"/>
-                </a:ext>
-              </a:extLst>
-            </p:cNvPr>
-            <p:cNvSpPr/>
-            <p:nvPr/>
-          </p:nvSpPr>
-          <p:spPr>
-            <a:xfrm>
-              <a:off x="1869440" y="1102360"/>
-              <a:ext cx="1615440" cy="1615440"/>
-            </a:xfrm>
-            <a:prstGeom prst="ellipse">
-              <a:avLst/>
-            </a:prstGeom>
-            <a:solidFill>
-              <a:schemeClr val="accent2"/>
-            </a:solidFill>
-            <a:ln>
-              <a:noFill/>
-            </a:ln>
-          </p:spPr>
-          <p:style>
-            <a:lnRef idx="2">
-              <a:schemeClr val="accent1">
-                <a:shade val="50000"/>
-              </a:schemeClr>
-            </a:lnRef>
-            <a:fillRef idx="1">
-              <a:schemeClr val="accent1"/>
-            </a:fillRef>
-            <a:effectRef idx="0">
-              <a:schemeClr val="accent1"/>
-            </a:effectRef>
-            <a:fontRef idx="minor">
-              <a:schemeClr val="lt1"/>
-            </a:fontRef>
-          </p:style>
-          <p:txBody>
-            <a:bodyPr rtlCol="0" anchor="ctr"/>
-            <a:lstStyle/>
-            <a:p>
-              <a:pPr algn="ctr"/>
-              <a:endParaRPr lang="ko-KR" altLang="en-US"/>
-            </a:p>
-          </p:txBody>
-        </p:sp>
-      </p:grpSp>
-      <p:grpSp>
-        <p:nvGrpSpPr>
-          <p:cNvPr id="6" name="그룹 5">
-            <a:extLst>
-              <a:ext uri="{FF2B5EF4-FFF2-40B4-BE49-F238E27FC236}">
-                <a16:creationId xmlns:a16="http://schemas.microsoft.com/office/drawing/2014/main" id="{86912704-77D8-4A11-8CAA-FB1394FC0C44}"/>
-              </a:ext>
-            </a:extLst>
-          </p:cNvPr>
-          <p:cNvGrpSpPr/>
-          <p:nvPr/>
-        </p:nvGrpSpPr>
-        <p:grpSpPr>
-          <a:xfrm>
-            <a:off x="4544591" y="1471692"/>
-            <a:ext cx="3102818" cy="3845560"/>
-            <a:chOff x="883920" y="1102360"/>
-            <a:chExt cx="3586480" cy="4445000"/>
-          </a:xfrm>
-          <a:effectLst>
-            <a:outerShdw blurRad="190500" dist="25400" dir="2700000" algn="tl" rotWithShape="0">
-              <a:schemeClr val="accent2">
-                <a:lumMod val="50000"/>
-                <a:alpha val="40000"/>
-              </a:schemeClr>
-            </a:outerShdw>
-          </a:effectLst>
-        </p:grpSpPr>
-        <p:sp>
-          <p:nvSpPr>
-            <p:cNvPr id="7" name="사각형: 둥근 모서리 6">
-              <a:extLst>
-                <a:ext uri="{FF2B5EF4-FFF2-40B4-BE49-F238E27FC236}">
-                  <a16:creationId xmlns:a16="http://schemas.microsoft.com/office/drawing/2014/main" id="{17C13203-193C-481A-BAE3-B75D285823E5}"/>
-                </a:ext>
-              </a:extLst>
-            </p:cNvPr>
-            <p:cNvSpPr/>
-            <p:nvPr/>
-          </p:nvSpPr>
-          <p:spPr>
-            <a:xfrm>
-              <a:off x="883920" y="1910080"/>
-              <a:ext cx="3586480" cy="3637280"/>
-            </a:xfrm>
-            <a:prstGeom prst="roundRect">
-              <a:avLst>
-                <a:gd name="adj" fmla="val 13072"/>
-              </a:avLst>
-            </a:prstGeom>
-            <a:solidFill>
-              <a:schemeClr val="accent6"/>
-            </a:solidFill>
-            <a:ln>
-              <a:noFill/>
-            </a:ln>
-          </p:spPr>
-          <p:style>
-            <a:lnRef idx="2">
-              <a:schemeClr val="accent1">
-                <a:shade val="50000"/>
-              </a:schemeClr>
-            </a:lnRef>
-            <a:fillRef idx="1">
-              <a:schemeClr val="accent1"/>
-            </a:fillRef>
-            <a:effectRef idx="0">
-              <a:schemeClr val="accent1"/>
-            </a:effectRef>
-            <a:fontRef idx="minor">
-              <a:schemeClr val="lt1"/>
-            </a:fontRef>
-          </p:style>
-          <p:txBody>
-            <a:bodyPr rtlCol="0" anchor="ctr"/>
-            <a:lstStyle/>
-            <a:p>
-              <a:pPr algn="ctr"/>
-              <a:endParaRPr lang="ko-KR" altLang="en-US"/>
-            </a:p>
-          </p:txBody>
-        </p:sp>
-        <p:sp>
-          <p:nvSpPr>
-            <p:cNvPr id="8" name="타원 7">
-              <a:extLst>
-                <a:ext uri="{FF2B5EF4-FFF2-40B4-BE49-F238E27FC236}">
-                  <a16:creationId xmlns:a16="http://schemas.microsoft.com/office/drawing/2014/main" id="{48697A2A-622C-496B-968C-C32B6788DCEB}"/>
-                </a:ext>
-              </a:extLst>
-            </p:cNvPr>
-            <p:cNvSpPr/>
-            <p:nvPr/>
-          </p:nvSpPr>
-          <p:spPr>
-            <a:xfrm>
-              <a:off x="1869440" y="1102360"/>
-              <a:ext cx="1615440" cy="1615440"/>
-            </a:xfrm>
-            <a:prstGeom prst="ellipse">
-              <a:avLst/>
-            </a:prstGeom>
-            <a:solidFill>
-              <a:schemeClr val="accent2"/>
-            </a:solidFill>
-            <a:ln>
-              <a:noFill/>
-            </a:ln>
-          </p:spPr>
-          <p:style>
-            <a:lnRef idx="2">
-              <a:schemeClr val="accent1">
-                <a:shade val="50000"/>
-              </a:schemeClr>
-            </a:lnRef>
-            <a:fillRef idx="1">
-              <a:schemeClr val="accent1"/>
-            </a:fillRef>
-            <a:effectRef idx="0">
-              <a:schemeClr val="accent1"/>
-            </a:effectRef>
-            <a:fontRef idx="minor">
-              <a:schemeClr val="lt1"/>
-            </a:fontRef>
-          </p:style>
-          <p:txBody>
-            <a:bodyPr rtlCol="0" anchor="ctr"/>
-            <a:lstStyle/>
-            <a:p>
-              <a:pPr algn="ctr"/>
-              <a:endParaRPr lang="ko-KR" altLang="en-US"/>
-            </a:p>
-          </p:txBody>
-        </p:sp>
-      </p:grpSp>
-      <p:grpSp>
-        <p:nvGrpSpPr>
-          <p:cNvPr id="9" name="그룹 8">
-            <a:extLst>
-              <a:ext uri="{FF2B5EF4-FFF2-40B4-BE49-F238E27FC236}">
-                <a16:creationId xmlns:a16="http://schemas.microsoft.com/office/drawing/2014/main" id="{7332CC8F-1964-4AC6-BED2-2BEEF7E019DE}"/>
-              </a:ext>
-            </a:extLst>
-          </p:cNvPr>
-          <p:cNvGrpSpPr/>
-          <p:nvPr/>
-        </p:nvGrpSpPr>
-        <p:grpSpPr>
-          <a:xfrm>
-            <a:off x="8212820" y="1471692"/>
-            <a:ext cx="3102818" cy="3845560"/>
-            <a:chOff x="883920" y="1102360"/>
-            <a:chExt cx="3586480" cy="4445000"/>
-          </a:xfrm>
-          <a:effectLst>
-            <a:outerShdw blurRad="190500" dist="25400" dir="2700000" algn="tl" rotWithShape="0">
-              <a:schemeClr val="accent2">
-                <a:lumMod val="50000"/>
-                <a:alpha val="40000"/>
-              </a:schemeClr>
-            </a:outerShdw>
-          </a:effectLst>
-        </p:grpSpPr>
-        <p:sp>
-          <p:nvSpPr>
-            <p:cNvPr id="10" name="사각형: 둥근 모서리 9">
-              <a:extLst>
-                <a:ext uri="{FF2B5EF4-FFF2-40B4-BE49-F238E27FC236}">
-                  <a16:creationId xmlns:a16="http://schemas.microsoft.com/office/drawing/2014/main" id="{140F7089-0D5E-42BD-A32C-5E0EFB147975}"/>
-                </a:ext>
-              </a:extLst>
-            </p:cNvPr>
-            <p:cNvSpPr/>
-            <p:nvPr/>
-          </p:nvSpPr>
-          <p:spPr>
-            <a:xfrm>
-              <a:off x="883920" y="1910080"/>
-              <a:ext cx="3586480" cy="3637280"/>
-            </a:xfrm>
-            <a:prstGeom prst="roundRect">
-              <a:avLst>
-                <a:gd name="adj" fmla="val 13072"/>
-              </a:avLst>
-            </a:prstGeom>
-            <a:solidFill>
-              <a:schemeClr val="accent6"/>
-            </a:solidFill>
-            <a:ln>
-              <a:noFill/>
-            </a:ln>
-          </p:spPr>
-          <p:style>
-            <a:lnRef idx="2">
-              <a:schemeClr val="accent1">
-                <a:shade val="50000"/>
-              </a:schemeClr>
-            </a:lnRef>
-            <a:fillRef idx="1">
-              <a:schemeClr val="accent1"/>
-            </a:fillRef>
-            <a:effectRef idx="0">
-              <a:schemeClr val="accent1"/>
-            </a:effectRef>
-            <a:fontRef idx="minor">
-              <a:schemeClr val="lt1"/>
-            </a:fontRef>
-          </p:style>
-          <p:txBody>
-            <a:bodyPr rtlCol="0" anchor="ctr"/>
-            <a:lstStyle/>
-            <a:p>
-              <a:pPr algn="ctr"/>
-              <a:endParaRPr lang="ko-KR" altLang="en-US"/>
-            </a:p>
-          </p:txBody>
-        </p:sp>
-        <p:sp>
-          <p:nvSpPr>
-            <p:cNvPr id="11" name="타원 10">
-              <a:extLst>
-                <a:ext uri="{FF2B5EF4-FFF2-40B4-BE49-F238E27FC236}">
-                  <a16:creationId xmlns:a16="http://schemas.microsoft.com/office/drawing/2014/main" id="{B5A84B39-BBFE-484F-8CBA-7CD6FEFFCDC9}"/>
-                </a:ext>
-              </a:extLst>
-            </p:cNvPr>
-            <p:cNvSpPr/>
-            <p:nvPr/>
-          </p:nvSpPr>
-          <p:spPr>
-            <a:xfrm>
-              <a:off x="1869440" y="1102360"/>
-              <a:ext cx="1615440" cy="1615440"/>
-            </a:xfrm>
-            <a:prstGeom prst="ellipse">
-              <a:avLst/>
-            </a:prstGeom>
-            <a:solidFill>
-              <a:schemeClr val="accent2"/>
-            </a:solidFill>
-            <a:ln>
-              <a:noFill/>
-            </a:ln>
-          </p:spPr>
-          <p:style>
-            <a:lnRef idx="2">
-              <a:schemeClr val="accent1">
-                <a:shade val="50000"/>
-              </a:schemeClr>
-            </a:lnRef>
-            <a:fillRef idx="1">
-              <a:schemeClr val="accent1"/>
-            </a:fillRef>
-            <a:effectRef idx="0">
-              <a:schemeClr val="accent1"/>
-            </a:effectRef>
-            <a:fontRef idx="minor">
-              <a:schemeClr val="lt1"/>
-            </a:fontRef>
-          </p:style>
-          <p:txBody>
-            <a:bodyPr rtlCol="0" anchor="ctr"/>
-            <a:lstStyle/>
-            <a:p>
-              <a:pPr algn="ctr"/>
-              <a:endParaRPr lang="ko-KR" altLang="en-US"/>
-            </a:p>
-          </p:txBody>
-        </p:sp>
-      </p:grpSp>
+            <a:off x="4381022" y="1062655"/>
+            <a:ext cx="3102818" cy="994746"/>
+          </a:xfrm>
+          <a:prstGeom prst="roundRect">
+            <a:avLst>
+              <a:gd name="adj" fmla="val 13072"/>
+            </a:avLst>
+          </a:prstGeom>
+          <a:solidFill>
+            <a:schemeClr val="accent6"/>
+          </a:solidFill>
+          <a:ln>
+            <a:noFill/>
+          </a:ln>
+        </p:spPr>
+        <p:style>
+          <a:lnRef idx="2">
+            <a:schemeClr val="accent1">
+              <a:shade val="50000"/>
+            </a:schemeClr>
+          </a:lnRef>
+          <a:fillRef idx="1">
+            <a:schemeClr val="accent1"/>
+          </a:fillRef>
+          <a:effectRef idx="0">
+            <a:schemeClr val="accent1"/>
+          </a:effectRef>
+          <a:fontRef idx="minor">
+            <a:schemeClr val="lt1"/>
+          </a:fontRef>
+        </p:style>
+        <p:txBody>
+          <a:bodyPr rtlCol="0" anchor="ctr"/>
+          <a:lstStyle/>
+          <a:p>
+            <a:pPr algn="ctr"/>
+            <a:endParaRPr lang="ko-KR" altLang="en-US"/>
+          </a:p>
+        </p:txBody>
+      </p:sp>
       <p:sp>
         <p:nvSpPr>
           <p:cNvPr id="12" name="TextBox 11">
@@ -31840,8 +32596,8 @@
         </p:nvSpPr>
         <p:spPr>
           <a:xfrm>
-            <a:off x="1134810" y="3203893"/>
-            <a:ext cx="2585922" cy="1569660"/>
+            <a:off x="4639470" y="1401469"/>
+            <a:ext cx="2585922" cy="338554"/>
           </a:xfrm>
           <a:prstGeom prst="rect">
             <a:avLst/>
@@ -31856,60 +32612,12 @@
           <a:p>
             <a:pPr algn="just"/>
             <a:r>
-              <a:rPr lang="ko-KR" altLang="en-US" sz="1600" dirty="0"/>
-              <a:t>사람들의 내 </a:t>
-            </a:r>
-            <a:r>
-              <a:rPr lang="ko-KR" altLang="en-US" sz="1600" dirty="0" err="1"/>
-              <a:t>내</a:t>
-            </a:r>
-            <a:r>
-              <a:rPr lang="ko-KR" altLang="en-US" sz="1600" dirty="0"/>
-              <a:t> 봅니다</a:t>
-            </a:r>
-            <a:r>
-              <a:rPr lang="en-US" altLang="ko-KR" sz="1600" dirty="0"/>
-              <a:t>. </a:t>
-            </a:r>
-            <a:r>
-              <a:rPr lang="ko-KR" altLang="en-US" sz="1600" dirty="0"/>
-              <a:t>까닭이요</a:t>
-            </a:r>
-            <a:r>
-              <a:rPr lang="en-US" altLang="ko-KR" sz="1600" dirty="0"/>
-              <a:t>, </a:t>
-            </a:r>
-            <a:r>
-              <a:rPr lang="ko-KR" altLang="en-US" sz="1600" dirty="0"/>
-              <a:t>벌레는 나는 듯합니다</a:t>
-            </a:r>
-            <a:r>
-              <a:rPr lang="en-US" altLang="ko-KR" sz="1600" dirty="0"/>
-              <a:t>. </a:t>
-            </a:r>
-            <a:r>
-              <a:rPr lang="ko-KR" altLang="en-US" sz="1600" dirty="0"/>
-              <a:t>아무 우는 사람들의 잠</a:t>
-            </a:r>
-            <a:r>
-              <a:rPr lang="en-US" altLang="ko-KR" sz="1600" dirty="0"/>
-              <a:t>, </a:t>
-            </a:r>
-            <a:r>
-              <a:rPr lang="ko-KR" altLang="en-US" sz="1600" dirty="0"/>
-              <a:t>다 별이 이름을 까닭입니다</a:t>
-            </a:r>
-            <a:r>
-              <a:rPr lang="en-US" altLang="ko-KR" sz="1600" dirty="0"/>
-              <a:t>. </a:t>
-            </a:r>
-            <a:r>
-              <a:rPr lang="ko-KR" altLang="en-US" sz="1600" dirty="0"/>
-              <a:t>소녀들의 새겨지는 않은 하늘에는 버리었습니다</a:t>
-            </a:r>
-            <a:r>
-              <a:rPr lang="en-US" altLang="ko-KR" sz="1600" dirty="0"/>
-              <a:t>. </a:t>
+              <a:rPr lang="ko-KR" altLang="en-US" sz="1600"/>
+              <a:t>스프링 </a:t>
+            </a:r>
+            <a:r>
+              <a:rPr lang="en-US" altLang="ko-KR" sz="1600"/>
+              <a:t>5.0.7</a:t>
             </a:r>
             <a:endParaRPr lang="ko-KR" altLang="en-US" sz="1600" dirty="0"/>
           </a:p>
@@ -31917,10 +32625,64 @@
       </p:sp>
       <p:sp>
         <p:nvSpPr>
-          <p:cNvPr id="13" name="TextBox 12">
-            <a:extLst>
-              <a:ext uri="{FF2B5EF4-FFF2-40B4-BE49-F238E27FC236}">
-                <a16:creationId xmlns:a16="http://schemas.microsoft.com/office/drawing/2014/main" id="{B9C6F623-5062-44CA-A8D8-56CE85CA5DAF}"/>
+          <p:cNvPr id="15" name="사각형: 둥근 모서리 14">
+            <a:extLst>
+              <a:ext uri="{FF2B5EF4-FFF2-40B4-BE49-F238E27FC236}">
+                <a16:creationId xmlns:a16="http://schemas.microsoft.com/office/drawing/2014/main" id="{CFB89C65-5581-4FC0-BD8B-222D2B16E6F7}"/>
+              </a:ext>
+            </a:extLst>
+          </p:cNvPr>
+          <p:cNvSpPr/>
+          <p:nvPr/>
+        </p:nvSpPr>
+        <p:spPr>
+          <a:xfrm>
+            <a:off x="4381022" y="2152142"/>
+            <a:ext cx="3102818" cy="994746"/>
+          </a:xfrm>
+          <a:prstGeom prst="roundRect">
+            <a:avLst>
+              <a:gd name="adj" fmla="val 13072"/>
+            </a:avLst>
+          </a:prstGeom>
+          <a:solidFill>
+            <a:schemeClr val="accent6"/>
+          </a:solidFill>
+          <a:ln>
+            <a:noFill/>
+          </a:ln>
+        </p:spPr>
+        <p:style>
+          <a:lnRef idx="2">
+            <a:schemeClr val="accent1">
+              <a:shade val="50000"/>
+            </a:schemeClr>
+          </a:lnRef>
+          <a:fillRef idx="1">
+            <a:schemeClr val="accent1"/>
+          </a:fillRef>
+          <a:effectRef idx="0">
+            <a:schemeClr val="accent1"/>
+          </a:effectRef>
+          <a:fontRef idx="minor">
+            <a:schemeClr val="lt1"/>
+          </a:fontRef>
+        </p:style>
+        <p:txBody>
+          <a:bodyPr rtlCol="0" anchor="ctr"/>
+          <a:lstStyle/>
+          <a:p>
+            <a:pPr algn="ctr"/>
+            <a:endParaRPr lang="ko-KR" altLang="en-US"/>
+          </a:p>
+        </p:txBody>
+      </p:sp>
+      <p:sp>
+        <p:nvSpPr>
+          <p:cNvPr id="16" name="TextBox 15">
+            <a:extLst>
+              <a:ext uri="{FF2B5EF4-FFF2-40B4-BE49-F238E27FC236}">
+                <a16:creationId xmlns:a16="http://schemas.microsoft.com/office/drawing/2014/main" id="{28FD11F3-4FFB-4CAE-886C-6EB746F2A215}"/>
               </a:ext>
             </a:extLst>
           </p:cNvPr>
@@ -31929,8 +32691,8 @@
         </p:nvSpPr>
         <p:spPr>
           <a:xfrm>
-            <a:off x="4803039" y="3203893"/>
-            <a:ext cx="2585922" cy="1569660"/>
+            <a:off x="4639470" y="2490956"/>
+            <a:ext cx="2585922" cy="338554"/>
           </a:xfrm>
           <a:prstGeom prst="rect">
             <a:avLst/>
@@ -31945,60 +32707,12 @@
           <a:p>
             <a:pPr algn="just"/>
             <a:r>
-              <a:rPr lang="ko-KR" altLang="en-US" sz="1600" dirty="0"/>
-              <a:t>사람들의 내 </a:t>
-            </a:r>
-            <a:r>
-              <a:rPr lang="ko-KR" altLang="en-US" sz="1600" dirty="0" err="1"/>
-              <a:t>내</a:t>
-            </a:r>
-            <a:r>
-              <a:rPr lang="ko-KR" altLang="en-US" sz="1600" dirty="0"/>
-              <a:t> 봅니다</a:t>
-            </a:r>
-            <a:r>
-              <a:rPr lang="en-US" altLang="ko-KR" sz="1600" dirty="0"/>
-              <a:t>. </a:t>
-            </a:r>
-            <a:r>
-              <a:rPr lang="ko-KR" altLang="en-US" sz="1600" dirty="0"/>
-              <a:t>까닭이요</a:t>
-            </a:r>
-            <a:r>
-              <a:rPr lang="en-US" altLang="ko-KR" sz="1600" dirty="0"/>
-              <a:t>, </a:t>
-            </a:r>
-            <a:r>
-              <a:rPr lang="ko-KR" altLang="en-US" sz="1600" dirty="0"/>
-              <a:t>벌레는 나는 듯합니다</a:t>
-            </a:r>
-            <a:r>
-              <a:rPr lang="en-US" altLang="ko-KR" sz="1600" dirty="0"/>
-              <a:t>. </a:t>
-            </a:r>
-            <a:r>
-              <a:rPr lang="ko-KR" altLang="en-US" sz="1600" dirty="0"/>
-              <a:t>아무 우는 사람들의 잠</a:t>
-            </a:r>
-            <a:r>
-              <a:rPr lang="en-US" altLang="ko-KR" sz="1600" dirty="0"/>
-              <a:t>, </a:t>
-            </a:r>
-            <a:r>
-              <a:rPr lang="ko-KR" altLang="en-US" sz="1600" dirty="0"/>
-              <a:t>다 별이 이름을 까닭입니다</a:t>
-            </a:r>
-            <a:r>
-              <a:rPr lang="en-US" altLang="ko-KR" sz="1600" dirty="0"/>
-              <a:t>. </a:t>
-            </a:r>
-            <a:r>
-              <a:rPr lang="ko-KR" altLang="en-US" sz="1600" dirty="0"/>
-              <a:t>소녀들의 새겨지는 않은 하늘에는 버리었습니다</a:t>
-            </a:r>
-            <a:r>
-              <a:rPr lang="en-US" altLang="ko-KR" sz="1600" dirty="0"/>
-              <a:t>. </a:t>
+              <a:rPr lang="ko-KR" altLang="en-US" sz="1600"/>
+              <a:t>톰캣 </a:t>
+            </a:r>
+            <a:r>
+              <a:rPr lang="en-US" altLang="ko-KR" sz="1600"/>
+              <a:t>9.0</a:t>
             </a:r>
             <a:endParaRPr lang="ko-KR" altLang="en-US" sz="1600" dirty="0"/>
           </a:p>
@@ -32006,10 +32720,64 @@
       </p:sp>
       <p:sp>
         <p:nvSpPr>
-          <p:cNvPr id="14" name="TextBox 13">
-            <a:extLst>
-              <a:ext uri="{FF2B5EF4-FFF2-40B4-BE49-F238E27FC236}">
-                <a16:creationId xmlns:a16="http://schemas.microsoft.com/office/drawing/2014/main" id="{94832CDB-A9AF-49BF-B1CA-75054BE16F29}"/>
+          <p:cNvPr id="17" name="사각형: 둥근 모서리 16">
+            <a:extLst>
+              <a:ext uri="{FF2B5EF4-FFF2-40B4-BE49-F238E27FC236}">
+                <a16:creationId xmlns:a16="http://schemas.microsoft.com/office/drawing/2014/main" id="{695C2FB8-3016-451A-B09B-11D7CF2EDB36}"/>
+              </a:ext>
+            </a:extLst>
+          </p:cNvPr>
+          <p:cNvSpPr/>
+          <p:nvPr/>
+        </p:nvSpPr>
+        <p:spPr>
+          <a:xfrm>
+            <a:off x="4381022" y="3235569"/>
+            <a:ext cx="3102818" cy="994746"/>
+          </a:xfrm>
+          <a:prstGeom prst="roundRect">
+            <a:avLst>
+              <a:gd name="adj" fmla="val 13072"/>
+            </a:avLst>
+          </a:prstGeom>
+          <a:solidFill>
+            <a:schemeClr val="accent6"/>
+          </a:solidFill>
+          <a:ln>
+            <a:noFill/>
+          </a:ln>
+        </p:spPr>
+        <p:style>
+          <a:lnRef idx="2">
+            <a:schemeClr val="accent1">
+              <a:shade val="50000"/>
+            </a:schemeClr>
+          </a:lnRef>
+          <a:fillRef idx="1">
+            <a:schemeClr val="accent1"/>
+          </a:fillRef>
+          <a:effectRef idx="0">
+            <a:schemeClr val="accent1"/>
+          </a:effectRef>
+          <a:fontRef idx="minor">
+            <a:schemeClr val="lt1"/>
+          </a:fontRef>
+        </p:style>
+        <p:txBody>
+          <a:bodyPr rtlCol="0" anchor="ctr"/>
+          <a:lstStyle/>
+          <a:p>
+            <a:pPr algn="ctr"/>
+            <a:endParaRPr lang="ko-KR" altLang="en-US"/>
+          </a:p>
+        </p:txBody>
+      </p:sp>
+      <p:sp>
+        <p:nvSpPr>
+          <p:cNvPr id="18" name="TextBox 17">
+            <a:extLst>
+              <a:ext uri="{FF2B5EF4-FFF2-40B4-BE49-F238E27FC236}">
+                <a16:creationId xmlns:a16="http://schemas.microsoft.com/office/drawing/2014/main" id="{ED9744F1-4C02-405D-B14E-AB9999711A26}"/>
               </a:ext>
             </a:extLst>
           </p:cNvPr>
@@ -32018,8 +32786,8 @@
         </p:nvSpPr>
         <p:spPr>
           <a:xfrm>
-            <a:off x="8471268" y="3203893"/>
-            <a:ext cx="2585922" cy="1569660"/>
+            <a:off x="4639470" y="3574383"/>
+            <a:ext cx="2585922" cy="338554"/>
           </a:xfrm>
           <a:prstGeom prst="rect">
             <a:avLst/>
@@ -32034,60 +32802,744 @@
           <a:p>
             <a:pPr algn="just"/>
             <a:r>
-              <a:rPr lang="ko-KR" altLang="en-US" sz="1600" dirty="0"/>
-              <a:t>사람들의 내 </a:t>
-            </a:r>
-            <a:r>
-              <a:rPr lang="ko-KR" altLang="en-US" sz="1600" dirty="0" err="1"/>
-              <a:t>내</a:t>
-            </a:r>
-            <a:r>
-              <a:rPr lang="ko-KR" altLang="en-US" sz="1600" dirty="0"/>
-              <a:t> 봅니다</a:t>
-            </a:r>
-            <a:r>
-              <a:rPr lang="en-US" altLang="ko-KR" sz="1600" dirty="0"/>
-              <a:t>. </a:t>
-            </a:r>
-            <a:r>
-              <a:rPr lang="ko-KR" altLang="en-US" sz="1600" dirty="0"/>
-              <a:t>까닭이요</a:t>
-            </a:r>
-            <a:r>
-              <a:rPr lang="en-US" altLang="ko-KR" sz="1600" dirty="0"/>
-              <a:t>, </a:t>
-            </a:r>
-            <a:r>
-              <a:rPr lang="ko-KR" altLang="en-US" sz="1600" dirty="0"/>
-              <a:t>벌레는 나는 듯합니다</a:t>
-            </a:r>
-            <a:r>
-              <a:rPr lang="en-US" altLang="ko-KR" sz="1600" dirty="0"/>
-              <a:t>. </a:t>
-            </a:r>
-            <a:r>
-              <a:rPr lang="ko-KR" altLang="en-US" sz="1600" dirty="0"/>
-              <a:t>아무 우는 사람들의 잠</a:t>
-            </a:r>
-            <a:r>
-              <a:rPr lang="en-US" altLang="ko-KR" sz="1600" dirty="0"/>
-              <a:t>, </a:t>
-            </a:r>
-            <a:r>
-              <a:rPr lang="ko-KR" altLang="en-US" sz="1600" dirty="0"/>
-              <a:t>다 별이 이름을 까닭입니다</a:t>
-            </a:r>
-            <a:r>
-              <a:rPr lang="en-US" altLang="ko-KR" sz="1600" dirty="0"/>
-              <a:t>. </a:t>
-            </a:r>
-            <a:r>
-              <a:rPr lang="ko-KR" altLang="en-US" sz="1600" dirty="0"/>
-              <a:t>소녀들의 새겨지는 않은 하늘에는 버리었습니다</a:t>
-            </a:r>
-            <a:r>
-              <a:rPr lang="en-US" altLang="ko-KR" sz="1600" dirty="0"/>
-              <a:t>. </a:t>
+              <a:rPr lang="en-US" altLang="ko-KR" sz="1600"/>
+              <a:t>MyBatis</a:t>
+            </a:r>
+            <a:endParaRPr lang="ko-KR" altLang="en-US" sz="1600" dirty="0"/>
+          </a:p>
+        </p:txBody>
+      </p:sp>
+      <p:sp>
+        <p:nvSpPr>
+          <p:cNvPr id="19" name="사각형: 둥근 모서리 18">
+            <a:extLst>
+              <a:ext uri="{FF2B5EF4-FFF2-40B4-BE49-F238E27FC236}">
+                <a16:creationId xmlns:a16="http://schemas.microsoft.com/office/drawing/2014/main" id="{41FDA252-51DF-443D-9457-18FD2F8CC261}"/>
+              </a:ext>
+            </a:extLst>
+          </p:cNvPr>
+          <p:cNvSpPr/>
+          <p:nvPr/>
+        </p:nvSpPr>
+        <p:spPr>
+          <a:xfrm>
+            <a:off x="4381022" y="4318996"/>
+            <a:ext cx="3102818" cy="994746"/>
+          </a:xfrm>
+          <a:prstGeom prst="roundRect">
+            <a:avLst>
+              <a:gd name="adj" fmla="val 13072"/>
+            </a:avLst>
+          </a:prstGeom>
+          <a:solidFill>
+            <a:schemeClr val="accent6"/>
+          </a:solidFill>
+          <a:ln>
+            <a:noFill/>
+          </a:ln>
+        </p:spPr>
+        <p:style>
+          <a:lnRef idx="2">
+            <a:schemeClr val="accent1">
+              <a:shade val="50000"/>
+            </a:schemeClr>
+          </a:lnRef>
+          <a:fillRef idx="1">
+            <a:schemeClr val="accent1"/>
+          </a:fillRef>
+          <a:effectRef idx="0">
+            <a:schemeClr val="accent1"/>
+          </a:effectRef>
+          <a:fontRef idx="minor">
+            <a:schemeClr val="lt1"/>
+          </a:fontRef>
+        </p:style>
+        <p:txBody>
+          <a:bodyPr rtlCol="0" anchor="ctr"/>
+          <a:lstStyle/>
+          <a:p>
+            <a:pPr algn="ctr"/>
+            <a:endParaRPr lang="ko-KR" altLang="en-US"/>
+          </a:p>
+        </p:txBody>
+      </p:sp>
+      <p:sp>
+        <p:nvSpPr>
+          <p:cNvPr id="20" name="TextBox 19">
+            <a:extLst>
+              <a:ext uri="{FF2B5EF4-FFF2-40B4-BE49-F238E27FC236}">
+                <a16:creationId xmlns:a16="http://schemas.microsoft.com/office/drawing/2014/main" id="{1AC270E1-67C3-4BFD-8452-300773B879F5}"/>
+              </a:ext>
+            </a:extLst>
+          </p:cNvPr>
+          <p:cNvSpPr txBox="1"/>
+          <p:nvPr/>
+        </p:nvSpPr>
+        <p:spPr>
+          <a:xfrm>
+            <a:off x="4639470" y="4657810"/>
+            <a:ext cx="2585922" cy="338554"/>
+          </a:xfrm>
+          <a:prstGeom prst="rect">
+            <a:avLst/>
+          </a:prstGeom>
+          <a:noFill/>
+        </p:spPr>
+        <p:txBody>
+          <a:bodyPr wrap="square" rtlCol="0">
+            <a:spAutoFit/>
+          </a:bodyPr>
+          <a:lstStyle/>
+          <a:p>
+            <a:pPr algn="just"/>
+            <a:r>
+              <a:rPr lang="en-US" altLang="ko-KR" sz="1600"/>
+              <a:t>Oracle DB</a:t>
+            </a:r>
+            <a:endParaRPr lang="ko-KR" altLang="en-US" sz="1600" dirty="0"/>
+          </a:p>
+        </p:txBody>
+      </p:sp>
+      <p:sp>
+        <p:nvSpPr>
+          <p:cNvPr id="21" name="사각형: 둥근 모서리 20">
+            <a:extLst>
+              <a:ext uri="{FF2B5EF4-FFF2-40B4-BE49-F238E27FC236}">
+                <a16:creationId xmlns:a16="http://schemas.microsoft.com/office/drawing/2014/main" id="{707760E1-991A-4C12-8968-4833602BC15B}"/>
+              </a:ext>
+            </a:extLst>
+          </p:cNvPr>
+          <p:cNvSpPr/>
+          <p:nvPr/>
+        </p:nvSpPr>
+        <p:spPr>
+          <a:xfrm>
+            <a:off x="4381022" y="5402423"/>
+            <a:ext cx="3102818" cy="994746"/>
+          </a:xfrm>
+          <a:prstGeom prst="roundRect">
+            <a:avLst>
+              <a:gd name="adj" fmla="val 13072"/>
+            </a:avLst>
+          </a:prstGeom>
+          <a:solidFill>
+            <a:schemeClr val="accent6"/>
+          </a:solidFill>
+          <a:ln>
+            <a:noFill/>
+          </a:ln>
+        </p:spPr>
+        <p:style>
+          <a:lnRef idx="2">
+            <a:schemeClr val="accent1">
+              <a:shade val="50000"/>
+            </a:schemeClr>
+          </a:lnRef>
+          <a:fillRef idx="1">
+            <a:schemeClr val="accent1"/>
+          </a:fillRef>
+          <a:effectRef idx="0">
+            <a:schemeClr val="accent1"/>
+          </a:effectRef>
+          <a:fontRef idx="minor">
+            <a:schemeClr val="lt1"/>
+          </a:fontRef>
+        </p:style>
+        <p:txBody>
+          <a:bodyPr rtlCol="0" anchor="ctr"/>
+          <a:lstStyle/>
+          <a:p>
+            <a:pPr algn="ctr"/>
+            <a:endParaRPr lang="ko-KR" altLang="en-US"/>
+          </a:p>
+        </p:txBody>
+      </p:sp>
+      <p:sp>
+        <p:nvSpPr>
+          <p:cNvPr id="22" name="TextBox 21">
+            <a:extLst>
+              <a:ext uri="{FF2B5EF4-FFF2-40B4-BE49-F238E27FC236}">
+                <a16:creationId xmlns:a16="http://schemas.microsoft.com/office/drawing/2014/main" id="{DD38FF0E-033E-4103-95BC-38997F2C43AB}"/>
+              </a:ext>
+            </a:extLst>
+          </p:cNvPr>
+          <p:cNvSpPr txBox="1"/>
+          <p:nvPr/>
+        </p:nvSpPr>
+        <p:spPr>
+          <a:xfrm>
+            <a:off x="4639470" y="5741237"/>
+            <a:ext cx="2585922" cy="338554"/>
+          </a:xfrm>
+          <a:prstGeom prst="rect">
+            <a:avLst/>
+          </a:prstGeom>
+          <a:noFill/>
+        </p:spPr>
+        <p:txBody>
+          <a:bodyPr wrap="square" rtlCol="0">
+            <a:spAutoFit/>
+          </a:bodyPr>
+          <a:lstStyle/>
+          <a:p>
+            <a:pPr algn="just"/>
+            <a:r>
+              <a:rPr lang="en-US" altLang="ko-KR" sz="1600"/>
+              <a:t>Maven</a:t>
+            </a:r>
+            <a:endParaRPr lang="ko-KR" altLang="en-US" sz="1600" dirty="0"/>
+          </a:p>
+        </p:txBody>
+      </p:sp>
+      <p:sp>
+        <p:nvSpPr>
+          <p:cNvPr id="23" name="사각형: 둥근 모서리 22">
+            <a:extLst>
+              <a:ext uri="{FF2B5EF4-FFF2-40B4-BE49-F238E27FC236}">
+                <a16:creationId xmlns:a16="http://schemas.microsoft.com/office/drawing/2014/main" id="{1390558A-190D-457F-9F8B-FE5635B400FB}"/>
+              </a:ext>
+            </a:extLst>
+          </p:cNvPr>
+          <p:cNvSpPr/>
+          <p:nvPr/>
+        </p:nvSpPr>
+        <p:spPr>
+          <a:xfrm>
+            <a:off x="7742288" y="5402423"/>
+            <a:ext cx="3102818" cy="994746"/>
+          </a:xfrm>
+          <a:prstGeom prst="roundRect">
+            <a:avLst>
+              <a:gd name="adj" fmla="val 13072"/>
+            </a:avLst>
+          </a:prstGeom>
+          <a:solidFill>
+            <a:schemeClr val="accent6"/>
+          </a:solidFill>
+          <a:ln>
+            <a:noFill/>
+          </a:ln>
+        </p:spPr>
+        <p:style>
+          <a:lnRef idx="2">
+            <a:schemeClr val="accent1">
+              <a:shade val="50000"/>
+            </a:schemeClr>
+          </a:lnRef>
+          <a:fillRef idx="1">
+            <a:schemeClr val="accent1"/>
+          </a:fillRef>
+          <a:effectRef idx="0">
+            <a:schemeClr val="accent1"/>
+          </a:effectRef>
+          <a:fontRef idx="minor">
+            <a:schemeClr val="lt1"/>
+          </a:fontRef>
+        </p:style>
+        <p:txBody>
+          <a:bodyPr rtlCol="0" anchor="ctr"/>
+          <a:lstStyle/>
+          <a:p>
+            <a:pPr algn="ctr"/>
+            <a:endParaRPr lang="ko-KR" altLang="en-US"/>
+          </a:p>
+        </p:txBody>
+      </p:sp>
+      <p:sp>
+        <p:nvSpPr>
+          <p:cNvPr id="24" name="TextBox 23">
+            <a:extLst>
+              <a:ext uri="{FF2B5EF4-FFF2-40B4-BE49-F238E27FC236}">
+                <a16:creationId xmlns:a16="http://schemas.microsoft.com/office/drawing/2014/main" id="{065DA500-75FA-4671-8C02-46876103394C}"/>
+              </a:ext>
+            </a:extLst>
+          </p:cNvPr>
+          <p:cNvSpPr txBox="1"/>
+          <p:nvPr/>
+        </p:nvSpPr>
+        <p:spPr>
+          <a:xfrm>
+            <a:off x="8000736" y="5741237"/>
+            <a:ext cx="2585922" cy="338554"/>
+          </a:xfrm>
+          <a:prstGeom prst="rect">
+            <a:avLst/>
+          </a:prstGeom>
+          <a:noFill/>
+        </p:spPr>
+        <p:txBody>
+          <a:bodyPr wrap="square" rtlCol="0">
+            <a:spAutoFit/>
+          </a:bodyPr>
+          <a:lstStyle/>
+          <a:p>
+            <a:pPr algn="just"/>
+            <a:r>
+              <a:rPr lang="en-US" altLang="ko-KR" sz="1600"/>
+              <a:t>CSS</a:t>
+            </a:r>
+            <a:endParaRPr lang="ko-KR" altLang="en-US" sz="1600" dirty="0"/>
+          </a:p>
+        </p:txBody>
+      </p:sp>
+      <p:sp>
+        <p:nvSpPr>
+          <p:cNvPr id="25" name="사각형: 둥근 모서리 24">
+            <a:extLst>
+              <a:ext uri="{FF2B5EF4-FFF2-40B4-BE49-F238E27FC236}">
+                <a16:creationId xmlns:a16="http://schemas.microsoft.com/office/drawing/2014/main" id="{6AABDEF4-E488-4016-AF3E-1B6BD64288CB}"/>
+              </a:ext>
+            </a:extLst>
+          </p:cNvPr>
+          <p:cNvSpPr/>
+          <p:nvPr/>
+        </p:nvSpPr>
+        <p:spPr>
+          <a:xfrm>
+            <a:off x="7742288" y="4318996"/>
+            <a:ext cx="3102818" cy="994746"/>
+          </a:xfrm>
+          <a:prstGeom prst="roundRect">
+            <a:avLst>
+              <a:gd name="adj" fmla="val 13072"/>
+            </a:avLst>
+          </a:prstGeom>
+          <a:solidFill>
+            <a:schemeClr val="accent6"/>
+          </a:solidFill>
+          <a:ln>
+            <a:noFill/>
+          </a:ln>
+        </p:spPr>
+        <p:style>
+          <a:lnRef idx="2">
+            <a:schemeClr val="accent1">
+              <a:shade val="50000"/>
+            </a:schemeClr>
+          </a:lnRef>
+          <a:fillRef idx="1">
+            <a:schemeClr val="accent1"/>
+          </a:fillRef>
+          <a:effectRef idx="0">
+            <a:schemeClr val="accent1"/>
+          </a:effectRef>
+          <a:fontRef idx="minor">
+            <a:schemeClr val="lt1"/>
+          </a:fontRef>
+        </p:style>
+        <p:txBody>
+          <a:bodyPr rtlCol="0" anchor="ctr"/>
+          <a:lstStyle/>
+          <a:p>
+            <a:pPr algn="ctr"/>
+            <a:endParaRPr lang="ko-KR" altLang="en-US"/>
+          </a:p>
+        </p:txBody>
+      </p:sp>
+      <p:sp>
+        <p:nvSpPr>
+          <p:cNvPr id="26" name="TextBox 25">
+            <a:extLst>
+              <a:ext uri="{FF2B5EF4-FFF2-40B4-BE49-F238E27FC236}">
+                <a16:creationId xmlns:a16="http://schemas.microsoft.com/office/drawing/2014/main" id="{8C436613-3CEA-4A2C-A292-657BE185D788}"/>
+              </a:ext>
+            </a:extLst>
+          </p:cNvPr>
+          <p:cNvSpPr txBox="1"/>
+          <p:nvPr/>
+        </p:nvSpPr>
+        <p:spPr>
+          <a:xfrm>
+            <a:off x="8000736" y="4657810"/>
+            <a:ext cx="2585922" cy="338554"/>
+          </a:xfrm>
+          <a:prstGeom prst="rect">
+            <a:avLst/>
+          </a:prstGeom>
+          <a:noFill/>
+        </p:spPr>
+        <p:txBody>
+          <a:bodyPr wrap="square" rtlCol="0">
+            <a:spAutoFit/>
+          </a:bodyPr>
+          <a:lstStyle/>
+          <a:p>
+            <a:pPr algn="just"/>
+            <a:r>
+              <a:rPr lang="en-US" altLang="ko-KR" sz="1600"/>
+              <a:t>JSP</a:t>
+            </a:r>
+            <a:endParaRPr lang="ko-KR" altLang="en-US" sz="1600" dirty="0"/>
+          </a:p>
+        </p:txBody>
+      </p:sp>
+      <p:sp>
+        <p:nvSpPr>
+          <p:cNvPr id="27" name="사각형: 둥근 모서리 26">
+            <a:extLst>
+              <a:ext uri="{FF2B5EF4-FFF2-40B4-BE49-F238E27FC236}">
+                <a16:creationId xmlns:a16="http://schemas.microsoft.com/office/drawing/2014/main" id="{5515F9CC-73B7-4597-9A4E-41A67459D2C0}"/>
+              </a:ext>
+            </a:extLst>
+          </p:cNvPr>
+          <p:cNvSpPr/>
+          <p:nvPr/>
+        </p:nvSpPr>
+        <p:spPr>
+          <a:xfrm>
+            <a:off x="7742288" y="3235569"/>
+            <a:ext cx="3102818" cy="994746"/>
+          </a:xfrm>
+          <a:prstGeom prst="roundRect">
+            <a:avLst>
+              <a:gd name="adj" fmla="val 13072"/>
+            </a:avLst>
+          </a:prstGeom>
+          <a:solidFill>
+            <a:schemeClr val="accent6"/>
+          </a:solidFill>
+          <a:ln>
+            <a:noFill/>
+          </a:ln>
+        </p:spPr>
+        <p:style>
+          <a:lnRef idx="2">
+            <a:schemeClr val="accent1">
+              <a:shade val="50000"/>
+            </a:schemeClr>
+          </a:lnRef>
+          <a:fillRef idx="1">
+            <a:schemeClr val="accent1"/>
+          </a:fillRef>
+          <a:effectRef idx="0">
+            <a:schemeClr val="accent1"/>
+          </a:effectRef>
+          <a:fontRef idx="minor">
+            <a:schemeClr val="lt1"/>
+          </a:fontRef>
+        </p:style>
+        <p:txBody>
+          <a:bodyPr rtlCol="0" anchor="ctr"/>
+          <a:lstStyle/>
+          <a:p>
+            <a:pPr algn="ctr"/>
+            <a:endParaRPr lang="ko-KR" altLang="en-US"/>
+          </a:p>
+        </p:txBody>
+      </p:sp>
+      <p:sp>
+        <p:nvSpPr>
+          <p:cNvPr id="28" name="TextBox 27">
+            <a:extLst>
+              <a:ext uri="{FF2B5EF4-FFF2-40B4-BE49-F238E27FC236}">
+                <a16:creationId xmlns:a16="http://schemas.microsoft.com/office/drawing/2014/main" id="{9D942C07-DAAE-44FD-8DE3-C80D191B8AE2}"/>
+              </a:ext>
+            </a:extLst>
+          </p:cNvPr>
+          <p:cNvSpPr txBox="1"/>
+          <p:nvPr/>
+        </p:nvSpPr>
+        <p:spPr>
+          <a:xfrm>
+            <a:off x="8000736" y="3574383"/>
+            <a:ext cx="2585922" cy="338554"/>
+          </a:xfrm>
+          <a:prstGeom prst="rect">
+            <a:avLst/>
+          </a:prstGeom>
+          <a:noFill/>
+        </p:spPr>
+        <p:txBody>
+          <a:bodyPr wrap="square" rtlCol="0">
+            <a:spAutoFit/>
+          </a:bodyPr>
+          <a:lstStyle/>
+          <a:p>
+            <a:pPr algn="just"/>
+            <a:r>
+              <a:rPr lang="en-US" altLang="ko-KR" sz="1600"/>
+              <a:t>Vanilla</a:t>
+            </a:r>
+            <a:r>
+              <a:rPr lang="ko-KR" altLang="en-US" sz="1600"/>
+              <a:t> </a:t>
+            </a:r>
+            <a:r>
+              <a:rPr lang="en-US" altLang="ko-KR" sz="1600"/>
+              <a:t>JS</a:t>
+            </a:r>
+            <a:endParaRPr lang="ko-KR" altLang="en-US" sz="1600" dirty="0"/>
+          </a:p>
+        </p:txBody>
+      </p:sp>
+      <p:sp>
+        <p:nvSpPr>
+          <p:cNvPr id="29" name="사각형: 둥근 모서리 28">
+            <a:extLst>
+              <a:ext uri="{FF2B5EF4-FFF2-40B4-BE49-F238E27FC236}">
+                <a16:creationId xmlns:a16="http://schemas.microsoft.com/office/drawing/2014/main" id="{E1BE7EB9-4935-4BA1-A11C-1DF3C632C8A1}"/>
+              </a:ext>
+            </a:extLst>
+          </p:cNvPr>
+          <p:cNvSpPr/>
+          <p:nvPr/>
+        </p:nvSpPr>
+        <p:spPr>
+          <a:xfrm>
+            <a:off x="7742288" y="2152142"/>
+            <a:ext cx="3102818" cy="994746"/>
+          </a:xfrm>
+          <a:prstGeom prst="roundRect">
+            <a:avLst>
+              <a:gd name="adj" fmla="val 13072"/>
+            </a:avLst>
+          </a:prstGeom>
+          <a:solidFill>
+            <a:schemeClr val="accent6"/>
+          </a:solidFill>
+          <a:ln>
+            <a:noFill/>
+          </a:ln>
+        </p:spPr>
+        <p:style>
+          <a:lnRef idx="2">
+            <a:schemeClr val="accent1">
+              <a:shade val="50000"/>
+            </a:schemeClr>
+          </a:lnRef>
+          <a:fillRef idx="1">
+            <a:schemeClr val="accent1"/>
+          </a:fillRef>
+          <a:effectRef idx="0">
+            <a:schemeClr val="accent1"/>
+          </a:effectRef>
+          <a:fontRef idx="minor">
+            <a:schemeClr val="lt1"/>
+          </a:fontRef>
+        </p:style>
+        <p:txBody>
+          <a:bodyPr rtlCol="0" anchor="ctr"/>
+          <a:lstStyle/>
+          <a:p>
+            <a:pPr algn="ctr"/>
+            <a:endParaRPr lang="ko-KR" altLang="en-US"/>
+          </a:p>
+        </p:txBody>
+      </p:sp>
+      <p:sp>
+        <p:nvSpPr>
+          <p:cNvPr id="30" name="TextBox 29">
+            <a:extLst>
+              <a:ext uri="{FF2B5EF4-FFF2-40B4-BE49-F238E27FC236}">
+                <a16:creationId xmlns:a16="http://schemas.microsoft.com/office/drawing/2014/main" id="{90D50C1D-E70F-4461-911A-936CE2FADE9B}"/>
+              </a:ext>
+            </a:extLst>
+          </p:cNvPr>
+          <p:cNvSpPr txBox="1"/>
+          <p:nvPr/>
+        </p:nvSpPr>
+        <p:spPr>
+          <a:xfrm>
+            <a:off x="8000736" y="2490956"/>
+            <a:ext cx="2585922" cy="338554"/>
+          </a:xfrm>
+          <a:prstGeom prst="rect">
+            <a:avLst/>
+          </a:prstGeom>
+          <a:noFill/>
+        </p:spPr>
+        <p:txBody>
+          <a:bodyPr wrap="square" rtlCol="0">
+            <a:spAutoFit/>
+          </a:bodyPr>
+          <a:lstStyle/>
+          <a:p>
+            <a:pPr algn="just"/>
+            <a:r>
+              <a:rPr lang="en-US" altLang="ko-KR" sz="1600"/>
+              <a:t>JAVA 1.8</a:t>
+            </a:r>
+            <a:endParaRPr lang="ko-KR" altLang="en-US" sz="1600" dirty="0"/>
+          </a:p>
+        </p:txBody>
+      </p:sp>
+      <p:sp>
+        <p:nvSpPr>
+          <p:cNvPr id="31" name="사각형: 둥근 모서리 30">
+            <a:extLst>
+              <a:ext uri="{FF2B5EF4-FFF2-40B4-BE49-F238E27FC236}">
+                <a16:creationId xmlns:a16="http://schemas.microsoft.com/office/drawing/2014/main" id="{8DF7CE85-F6BF-4B94-A524-66BF3D492ABB}"/>
+              </a:ext>
+            </a:extLst>
+          </p:cNvPr>
+          <p:cNvSpPr/>
+          <p:nvPr/>
+        </p:nvSpPr>
+        <p:spPr>
+          <a:xfrm>
+            <a:off x="7742288" y="1062655"/>
+            <a:ext cx="3102818" cy="994746"/>
+          </a:xfrm>
+          <a:prstGeom prst="roundRect">
+            <a:avLst>
+              <a:gd name="adj" fmla="val 13072"/>
+            </a:avLst>
+          </a:prstGeom>
+          <a:solidFill>
+            <a:schemeClr val="accent6"/>
+          </a:solidFill>
+          <a:ln>
+            <a:noFill/>
+          </a:ln>
+        </p:spPr>
+        <p:style>
+          <a:lnRef idx="2">
+            <a:schemeClr val="accent1">
+              <a:shade val="50000"/>
+            </a:schemeClr>
+          </a:lnRef>
+          <a:fillRef idx="1">
+            <a:schemeClr val="accent1"/>
+          </a:fillRef>
+          <a:effectRef idx="0">
+            <a:schemeClr val="accent1"/>
+          </a:effectRef>
+          <a:fontRef idx="minor">
+            <a:schemeClr val="lt1"/>
+          </a:fontRef>
+        </p:style>
+        <p:txBody>
+          <a:bodyPr rtlCol="0" anchor="ctr"/>
+          <a:lstStyle/>
+          <a:p>
+            <a:pPr algn="ctr"/>
+            <a:endParaRPr lang="ko-KR" altLang="en-US"/>
+          </a:p>
+        </p:txBody>
+      </p:sp>
+      <p:sp>
+        <p:nvSpPr>
+          <p:cNvPr id="32" name="TextBox 31">
+            <a:extLst>
+              <a:ext uri="{FF2B5EF4-FFF2-40B4-BE49-F238E27FC236}">
+                <a16:creationId xmlns:a16="http://schemas.microsoft.com/office/drawing/2014/main" id="{53EDE282-473C-4C9A-A444-0C8831110123}"/>
+              </a:ext>
+            </a:extLst>
+          </p:cNvPr>
+          <p:cNvSpPr txBox="1"/>
+          <p:nvPr/>
+        </p:nvSpPr>
+        <p:spPr>
+          <a:xfrm>
+            <a:off x="8000736" y="1401469"/>
+            <a:ext cx="2585922" cy="338554"/>
+          </a:xfrm>
+          <a:prstGeom prst="rect">
+            <a:avLst/>
+          </a:prstGeom>
+          <a:noFill/>
+        </p:spPr>
+        <p:txBody>
+          <a:bodyPr wrap="square" rtlCol="0">
+            <a:spAutoFit/>
+          </a:bodyPr>
+          <a:lstStyle/>
+          <a:p>
+            <a:pPr algn="just"/>
+            <a:r>
+              <a:rPr lang="en-US" altLang="ko-KR" sz="1600"/>
+              <a:t>Git Hub</a:t>
+            </a:r>
+            <a:endParaRPr lang="ko-KR" altLang="en-US" sz="1600" dirty="0"/>
+          </a:p>
+        </p:txBody>
+      </p:sp>
+      <p:sp>
+        <p:nvSpPr>
+          <p:cNvPr id="34" name="사각형: 둥근 모서리 33">
+            <a:extLst>
+              <a:ext uri="{FF2B5EF4-FFF2-40B4-BE49-F238E27FC236}">
+                <a16:creationId xmlns:a16="http://schemas.microsoft.com/office/drawing/2014/main" id="{4B83FCCB-333A-4533-9FD5-82F9D040368A}"/>
+              </a:ext>
+            </a:extLst>
+          </p:cNvPr>
+          <p:cNvSpPr/>
+          <p:nvPr/>
+        </p:nvSpPr>
+        <p:spPr>
+          <a:xfrm>
+            <a:off x="1019756" y="1062655"/>
+            <a:ext cx="3102818" cy="994746"/>
+          </a:xfrm>
+          <a:prstGeom prst="roundRect">
+            <a:avLst>
+              <a:gd name="adj" fmla="val 13072"/>
+            </a:avLst>
+          </a:prstGeom>
+          <a:solidFill>
+            <a:schemeClr val="accent6"/>
+          </a:solidFill>
+          <a:ln>
+            <a:noFill/>
+          </a:ln>
+        </p:spPr>
+        <p:style>
+          <a:lnRef idx="2">
+            <a:schemeClr val="accent1">
+              <a:shade val="50000"/>
+            </a:schemeClr>
+          </a:lnRef>
+          <a:fillRef idx="1">
+            <a:schemeClr val="accent1"/>
+          </a:fillRef>
+          <a:effectRef idx="0">
+            <a:schemeClr val="accent1"/>
+          </a:effectRef>
+          <a:fontRef idx="minor">
+            <a:schemeClr val="lt1"/>
+          </a:fontRef>
+        </p:style>
+        <p:txBody>
+          <a:bodyPr rtlCol="0" anchor="ctr"/>
+          <a:lstStyle/>
+          <a:p>
+            <a:pPr algn="ctr"/>
+            <a:endParaRPr lang="ko-KR" altLang="en-US"/>
+          </a:p>
+        </p:txBody>
+      </p:sp>
+      <p:sp>
+        <p:nvSpPr>
+          <p:cNvPr id="35" name="TextBox 34">
+            <a:extLst>
+              <a:ext uri="{FF2B5EF4-FFF2-40B4-BE49-F238E27FC236}">
+                <a16:creationId xmlns:a16="http://schemas.microsoft.com/office/drawing/2014/main" id="{11BFBE7B-38FE-456A-8B5A-2AD9B39D6DA8}"/>
+              </a:ext>
+            </a:extLst>
+          </p:cNvPr>
+          <p:cNvSpPr txBox="1"/>
+          <p:nvPr/>
+        </p:nvSpPr>
+        <p:spPr>
+          <a:xfrm>
+            <a:off x="1278204" y="1401469"/>
+            <a:ext cx="2585922" cy="338554"/>
+          </a:xfrm>
+          <a:prstGeom prst="rect">
+            <a:avLst/>
+          </a:prstGeom>
+          <a:noFill/>
+        </p:spPr>
+        <p:txBody>
+          <a:bodyPr wrap="square" rtlCol="0">
+            <a:spAutoFit/>
+          </a:bodyPr>
+          <a:lstStyle/>
+          <a:p>
+            <a:pPr algn="just"/>
+            <a:r>
+              <a:rPr lang="ko-KR" altLang="en-US" sz="1600"/>
+              <a:t>이클립스</a:t>
             </a:r>
             <a:endParaRPr lang="ko-KR" altLang="en-US" sz="1600" dirty="0"/>
           </a:p>
@@ -32118,7 +33570,7 @@
 </p:sld>
 </file>
 
-<file path=ppt/slides/slide9.xml><?xml version="1.0" encoding="utf-8"?>
+<file path=ppt/slides/slide6.xml><?xml version="1.0" encoding="utf-8"?>
 <p:sld xmlns:a="http://schemas.openxmlformats.org/drawingml/2006/main" xmlns:r="http://schemas.openxmlformats.org/officeDocument/2006/relationships" xmlns:p="http://schemas.openxmlformats.org/presentationml/2006/main">
   <p:cSld>
     <p:bg>
@@ -32883,6 +34335,711 @@
     <p:extLst>
       <p:ext uri="{BB962C8B-B14F-4D97-AF65-F5344CB8AC3E}">
         <p14:creationId xmlns:p14="http://schemas.microsoft.com/office/powerpoint/2010/main" val="71251117"/>
+      </p:ext>
+    </p:extLst>
+  </p:cSld>
+  <p:clrMapOvr>
+    <a:masterClrMapping/>
+  </p:clrMapOvr>
+  <mc:AlternateContent xmlns:mc="http://schemas.openxmlformats.org/markup-compatibility/2006" xmlns:p14="http://schemas.microsoft.com/office/powerpoint/2010/main">
+    <mc:Choice Requires="p14">
+      <p:transition spd="med" p14:dur="700">
+        <p:fade/>
+      </p:transition>
+    </mc:Choice>
+    <mc:Fallback xmlns="">
+      <p:transition spd="med">
+        <p:fade/>
+      </p:transition>
+    </mc:Fallback>
+  </mc:AlternateContent>
+</p:sld>
+</file>
+
+<file path=ppt/slides/slide7.xml><?xml version="1.0" encoding="utf-8"?>
+<p:sld xmlns:a="http://schemas.openxmlformats.org/drawingml/2006/main" xmlns:r="http://schemas.openxmlformats.org/officeDocument/2006/relationships" xmlns:p="http://schemas.openxmlformats.org/presentationml/2006/main">
+  <p:cSld>
+    <p:bg>
+      <p:bgPr>
+        <a:solidFill>
+          <a:schemeClr val="accent2"/>
+        </a:solidFill>
+        <a:effectLst/>
+      </p:bgPr>
+    </p:bg>
+    <p:spTree>
+      <p:nvGrpSpPr>
+        <p:cNvPr id="1" name=""/>
+        <p:cNvGrpSpPr/>
+        <p:nvPr/>
+      </p:nvGrpSpPr>
+      <p:grpSpPr>
+        <a:xfrm>
+          <a:off x="0" y="0"/>
+          <a:ext cx="0" cy="0"/>
+          <a:chOff x="0" y="0"/>
+          <a:chExt cx="0" cy="0"/>
+        </a:xfrm>
+      </p:grpSpPr>
+      <p:sp>
+        <p:nvSpPr>
+          <p:cNvPr id="3" name="TextBox 2">
+            <a:extLst>
+              <a:ext uri="{FF2B5EF4-FFF2-40B4-BE49-F238E27FC236}">
+                <a16:creationId xmlns:a16="http://schemas.microsoft.com/office/drawing/2014/main" id="{91C4265C-0EAD-4FFD-BF99-406D49533C1D}"/>
+              </a:ext>
+            </a:extLst>
+          </p:cNvPr>
+          <p:cNvSpPr txBox="1"/>
+          <p:nvPr/>
+        </p:nvSpPr>
+        <p:spPr>
+          <a:xfrm>
+            <a:off x="3048000" y="3244334"/>
+            <a:ext cx="6096000" cy="369332"/>
+          </a:xfrm>
+          <a:prstGeom prst="rect">
+            <a:avLst/>
+          </a:prstGeom>
+          <a:noFill/>
+        </p:spPr>
+        <p:txBody>
+          <a:bodyPr wrap="square">
+            <a:spAutoFit/>
+          </a:bodyPr>
+          <a:lstStyle/>
+          <a:p>
+            <a:pPr algn="ctr"/>
+            <a:r>
+              <a:rPr lang="en-US" altLang="ko-KR" sz="1800" dirty="0">
+                <a:solidFill>
+                  <a:schemeClr val="bg1"/>
+                </a:solidFill>
+              </a:rPr>
+              <a:t>Winter Dream</a:t>
+            </a:r>
+            <a:endParaRPr lang="ko-KR" altLang="en-US" sz="1800" dirty="0">
+              <a:solidFill>
+                <a:schemeClr val="bg1"/>
+              </a:solidFill>
+            </a:endParaRPr>
+          </a:p>
+        </p:txBody>
+      </p:sp>
+      <p:sp>
+        <p:nvSpPr>
+          <p:cNvPr id="4" name="TextBox 3">
+            <a:extLst>
+              <a:ext uri="{FF2B5EF4-FFF2-40B4-BE49-F238E27FC236}">
+                <a16:creationId xmlns:a16="http://schemas.microsoft.com/office/drawing/2014/main" id="{E251FDC9-B70C-4BC0-8AC7-216B5765985E}"/>
+              </a:ext>
+            </a:extLst>
+          </p:cNvPr>
+          <p:cNvSpPr txBox="1"/>
+          <p:nvPr/>
+        </p:nvSpPr>
+        <p:spPr>
+          <a:xfrm>
+            <a:off x="5122015" y="2824480"/>
+            <a:ext cx="1947969" cy="369332"/>
+          </a:xfrm>
+          <a:prstGeom prst="rect">
+            <a:avLst/>
+          </a:prstGeom>
+          <a:noFill/>
+        </p:spPr>
+        <p:txBody>
+          <a:bodyPr wrap="none" rtlCol="0">
+            <a:spAutoFit/>
+          </a:bodyPr>
+          <a:lstStyle/>
+          <a:p>
+            <a:pPr algn="ctr"/>
+            <a:r>
+              <a:rPr lang="ko-KR" altLang="en-US" dirty="0">
+                <a:solidFill>
+                  <a:schemeClr val="bg1"/>
+                </a:solidFill>
+              </a:rPr>
+              <a:t>성큼 다가온 겨울</a:t>
+            </a:r>
+          </a:p>
+        </p:txBody>
+      </p:sp>
+      <p:sp>
+        <p:nvSpPr>
+          <p:cNvPr id="5" name="양쪽 대괄호 4">
+            <a:extLst>
+              <a:ext uri="{FF2B5EF4-FFF2-40B4-BE49-F238E27FC236}">
+                <a16:creationId xmlns:a16="http://schemas.microsoft.com/office/drawing/2014/main" id="{7B2CAB3D-75D4-47BA-AA00-C925C76EC1D2}"/>
+              </a:ext>
+            </a:extLst>
+          </p:cNvPr>
+          <p:cNvSpPr/>
+          <p:nvPr/>
+        </p:nvSpPr>
+        <p:spPr>
+          <a:xfrm>
+            <a:off x="2153919" y="2009279"/>
+            <a:ext cx="7884160" cy="2369066"/>
+          </a:xfrm>
+          <a:prstGeom prst="bracketPair">
+            <a:avLst>
+              <a:gd name="adj" fmla="val 10867"/>
+            </a:avLst>
+          </a:prstGeom>
+          <a:ln>
+            <a:solidFill>
+              <a:schemeClr val="bg1">
+                <a:lumMod val="95000"/>
+              </a:schemeClr>
+            </a:solidFill>
+          </a:ln>
+        </p:spPr>
+        <p:style>
+          <a:lnRef idx="1">
+            <a:schemeClr val="accent1"/>
+          </a:lnRef>
+          <a:fillRef idx="0">
+            <a:schemeClr val="accent1"/>
+          </a:fillRef>
+          <a:effectRef idx="0">
+            <a:schemeClr val="accent1"/>
+          </a:effectRef>
+          <a:fontRef idx="minor">
+            <a:schemeClr val="tx1"/>
+          </a:fontRef>
+        </p:style>
+        <p:txBody>
+          <a:bodyPr rtlCol="0" anchor="ctr"/>
+          <a:lstStyle/>
+          <a:p>
+            <a:pPr algn="ctr"/>
+            <a:endParaRPr lang="ko-KR" altLang="en-US"/>
+          </a:p>
+        </p:txBody>
+      </p:sp>
+      <p:sp>
+        <p:nvSpPr>
+          <p:cNvPr id="6" name="TextBox 5">
+            <a:extLst>
+              <a:ext uri="{FF2B5EF4-FFF2-40B4-BE49-F238E27FC236}">
+                <a16:creationId xmlns:a16="http://schemas.microsoft.com/office/drawing/2014/main" id="{99A3A4B1-78DD-4F9A-807D-7BC51AFF4B1A}"/>
+              </a:ext>
+            </a:extLst>
+          </p:cNvPr>
+          <p:cNvSpPr txBox="1"/>
+          <p:nvPr/>
+        </p:nvSpPr>
+        <p:spPr>
+          <a:xfrm>
+            <a:off x="182880" y="193040"/>
+            <a:ext cx="1832553" cy="338554"/>
+          </a:xfrm>
+          <a:prstGeom prst="rect">
+            <a:avLst/>
+          </a:prstGeom>
+          <a:noFill/>
+        </p:spPr>
+        <p:txBody>
+          <a:bodyPr wrap="none" rtlCol="0">
+            <a:spAutoFit/>
+          </a:bodyPr>
+          <a:lstStyle/>
+          <a:p>
+            <a:r>
+              <a:rPr lang="ko-KR" altLang="en-US" sz="1600" dirty="0" err="1">
+                <a:solidFill>
+                  <a:schemeClr val="bg1"/>
+                </a:solidFill>
+              </a:rPr>
+              <a:t>새별의</a:t>
+            </a:r>
+            <a:r>
+              <a:rPr lang="ko-KR" altLang="en-US" sz="1600" dirty="0">
+                <a:solidFill>
+                  <a:schemeClr val="bg1"/>
+                </a:solidFill>
+              </a:rPr>
+              <a:t> 파워포인트</a:t>
+            </a:r>
+          </a:p>
+        </p:txBody>
+      </p:sp>
+    </p:spTree>
+    <p:extLst>
+      <p:ext uri="{BB962C8B-B14F-4D97-AF65-F5344CB8AC3E}">
+        <p14:creationId xmlns:p14="http://schemas.microsoft.com/office/powerpoint/2010/main" val="4065372083"/>
+      </p:ext>
+    </p:extLst>
+  </p:cSld>
+  <p:clrMapOvr>
+    <a:masterClrMapping/>
+  </p:clrMapOvr>
+  <mc:AlternateContent xmlns:mc="http://schemas.openxmlformats.org/markup-compatibility/2006" xmlns:p14="http://schemas.microsoft.com/office/powerpoint/2010/main">
+    <mc:Choice Requires="p14">
+      <p:transition spd="med" p14:dur="700">
+        <p:fade/>
+      </p:transition>
+    </mc:Choice>
+    <mc:Fallback xmlns="">
+      <p:transition spd="med">
+        <p:fade/>
+      </p:transition>
+    </mc:Fallback>
+  </mc:AlternateContent>
+</p:sld>
+</file>
+
+<file path=ppt/slides/slide8.xml><?xml version="1.0" encoding="utf-8"?>
+<p:sld xmlns:a="http://schemas.openxmlformats.org/drawingml/2006/main" xmlns:r="http://schemas.openxmlformats.org/officeDocument/2006/relationships" xmlns:p="http://schemas.openxmlformats.org/presentationml/2006/main">
+  <p:cSld>
+    <p:bg>
+      <p:bgPr>
+        <a:solidFill>
+          <a:schemeClr val="accent2"/>
+        </a:solidFill>
+        <a:effectLst/>
+      </p:bgPr>
+    </p:bg>
+    <p:spTree>
+      <p:nvGrpSpPr>
+        <p:cNvPr id="1" name=""/>
+        <p:cNvGrpSpPr/>
+        <p:nvPr/>
+      </p:nvGrpSpPr>
+      <p:grpSpPr>
+        <a:xfrm>
+          <a:off x="0" y="0"/>
+          <a:ext cx="0" cy="0"/>
+          <a:chOff x="0" y="0"/>
+          <a:chExt cx="0" cy="0"/>
+        </a:xfrm>
+      </p:grpSpPr>
+      <p:sp>
+        <p:nvSpPr>
+          <p:cNvPr id="3" name="TextBox 2">
+            <a:extLst>
+              <a:ext uri="{FF2B5EF4-FFF2-40B4-BE49-F238E27FC236}">
+                <a16:creationId xmlns:a16="http://schemas.microsoft.com/office/drawing/2014/main" id="{91C4265C-0EAD-4FFD-BF99-406D49533C1D}"/>
+              </a:ext>
+            </a:extLst>
+          </p:cNvPr>
+          <p:cNvSpPr txBox="1"/>
+          <p:nvPr/>
+        </p:nvSpPr>
+        <p:spPr>
+          <a:xfrm>
+            <a:off x="3048000" y="3244334"/>
+            <a:ext cx="6096000" cy="369332"/>
+          </a:xfrm>
+          <a:prstGeom prst="rect">
+            <a:avLst/>
+          </a:prstGeom>
+          <a:noFill/>
+        </p:spPr>
+        <p:txBody>
+          <a:bodyPr wrap="square">
+            <a:spAutoFit/>
+          </a:bodyPr>
+          <a:lstStyle/>
+          <a:p>
+            <a:pPr algn="ctr"/>
+            <a:r>
+              <a:rPr lang="en-US" altLang="ko-KR" sz="1800" dirty="0">
+                <a:solidFill>
+                  <a:schemeClr val="bg1"/>
+                </a:solidFill>
+              </a:rPr>
+              <a:t>Winter Dream</a:t>
+            </a:r>
+            <a:endParaRPr lang="ko-KR" altLang="en-US" sz="1800" dirty="0">
+              <a:solidFill>
+                <a:schemeClr val="bg1"/>
+              </a:solidFill>
+            </a:endParaRPr>
+          </a:p>
+        </p:txBody>
+      </p:sp>
+      <p:sp>
+        <p:nvSpPr>
+          <p:cNvPr id="4" name="TextBox 3">
+            <a:extLst>
+              <a:ext uri="{FF2B5EF4-FFF2-40B4-BE49-F238E27FC236}">
+                <a16:creationId xmlns:a16="http://schemas.microsoft.com/office/drawing/2014/main" id="{E251FDC9-B70C-4BC0-8AC7-216B5765985E}"/>
+              </a:ext>
+            </a:extLst>
+          </p:cNvPr>
+          <p:cNvSpPr txBox="1"/>
+          <p:nvPr/>
+        </p:nvSpPr>
+        <p:spPr>
+          <a:xfrm>
+            <a:off x="5122015" y="2824480"/>
+            <a:ext cx="1947969" cy="369332"/>
+          </a:xfrm>
+          <a:prstGeom prst="rect">
+            <a:avLst/>
+          </a:prstGeom>
+          <a:noFill/>
+        </p:spPr>
+        <p:txBody>
+          <a:bodyPr wrap="none" rtlCol="0">
+            <a:spAutoFit/>
+          </a:bodyPr>
+          <a:lstStyle/>
+          <a:p>
+            <a:pPr algn="ctr"/>
+            <a:r>
+              <a:rPr lang="ko-KR" altLang="en-US" dirty="0">
+                <a:solidFill>
+                  <a:schemeClr val="bg1"/>
+                </a:solidFill>
+              </a:rPr>
+              <a:t>성큼 다가온 겨울</a:t>
+            </a:r>
+          </a:p>
+        </p:txBody>
+      </p:sp>
+      <p:sp>
+        <p:nvSpPr>
+          <p:cNvPr id="5" name="양쪽 대괄호 4">
+            <a:extLst>
+              <a:ext uri="{FF2B5EF4-FFF2-40B4-BE49-F238E27FC236}">
+                <a16:creationId xmlns:a16="http://schemas.microsoft.com/office/drawing/2014/main" id="{7B2CAB3D-75D4-47BA-AA00-C925C76EC1D2}"/>
+              </a:ext>
+            </a:extLst>
+          </p:cNvPr>
+          <p:cNvSpPr/>
+          <p:nvPr/>
+        </p:nvSpPr>
+        <p:spPr>
+          <a:xfrm>
+            <a:off x="2153919" y="2009279"/>
+            <a:ext cx="7884160" cy="2369066"/>
+          </a:xfrm>
+          <a:prstGeom prst="bracketPair">
+            <a:avLst>
+              <a:gd name="adj" fmla="val 10867"/>
+            </a:avLst>
+          </a:prstGeom>
+          <a:ln>
+            <a:solidFill>
+              <a:schemeClr val="bg1">
+                <a:lumMod val="95000"/>
+              </a:schemeClr>
+            </a:solidFill>
+          </a:ln>
+        </p:spPr>
+        <p:style>
+          <a:lnRef idx="1">
+            <a:schemeClr val="accent1"/>
+          </a:lnRef>
+          <a:fillRef idx="0">
+            <a:schemeClr val="accent1"/>
+          </a:fillRef>
+          <a:effectRef idx="0">
+            <a:schemeClr val="accent1"/>
+          </a:effectRef>
+          <a:fontRef idx="minor">
+            <a:schemeClr val="tx1"/>
+          </a:fontRef>
+        </p:style>
+        <p:txBody>
+          <a:bodyPr rtlCol="0" anchor="ctr"/>
+          <a:lstStyle/>
+          <a:p>
+            <a:pPr algn="ctr"/>
+            <a:endParaRPr lang="ko-KR" altLang="en-US"/>
+          </a:p>
+        </p:txBody>
+      </p:sp>
+      <p:sp>
+        <p:nvSpPr>
+          <p:cNvPr id="6" name="TextBox 5">
+            <a:extLst>
+              <a:ext uri="{FF2B5EF4-FFF2-40B4-BE49-F238E27FC236}">
+                <a16:creationId xmlns:a16="http://schemas.microsoft.com/office/drawing/2014/main" id="{99A3A4B1-78DD-4F9A-807D-7BC51AFF4B1A}"/>
+              </a:ext>
+            </a:extLst>
+          </p:cNvPr>
+          <p:cNvSpPr txBox="1"/>
+          <p:nvPr/>
+        </p:nvSpPr>
+        <p:spPr>
+          <a:xfrm>
+            <a:off x="182880" y="193040"/>
+            <a:ext cx="1832553" cy="338554"/>
+          </a:xfrm>
+          <a:prstGeom prst="rect">
+            <a:avLst/>
+          </a:prstGeom>
+          <a:noFill/>
+        </p:spPr>
+        <p:txBody>
+          <a:bodyPr wrap="none" rtlCol="0">
+            <a:spAutoFit/>
+          </a:bodyPr>
+          <a:lstStyle/>
+          <a:p>
+            <a:r>
+              <a:rPr lang="ko-KR" altLang="en-US" sz="1600" dirty="0" err="1">
+                <a:solidFill>
+                  <a:schemeClr val="bg1"/>
+                </a:solidFill>
+              </a:rPr>
+              <a:t>새별의</a:t>
+            </a:r>
+            <a:r>
+              <a:rPr lang="ko-KR" altLang="en-US" sz="1600" dirty="0">
+                <a:solidFill>
+                  <a:schemeClr val="bg1"/>
+                </a:solidFill>
+              </a:rPr>
+              <a:t> 파워포인트</a:t>
+            </a:r>
+          </a:p>
+        </p:txBody>
+      </p:sp>
+    </p:spTree>
+    <p:extLst>
+      <p:ext uri="{BB962C8B-B14F-4D97-AF65-F5344CB8AC3E}">
+        <p14:creationId xmlns:p14="http://schemas.microsoft.com/office/powerpoint/2010/main" val="2838248862"/>
+      </p:ext>
+    </p:extLst>
+  </p:cSld>
+  <p:clrMapOvr>
+    <a:masterClrMapping/>
+  </p:clrMapOvr>
+  <mc:AlternateContent xmlns:mc="http://schemas.openxmlformats.org/markup-compatibility/2006" xmlns:p14="http://schemas.microsoft.com/office/powerpoint/2010/main">
+    <mc:Choice Requires="p14">
+      <p:transition spd="med" p14:dur="700">
+        <p:fade/>
+      </p:transition>
+    </mc:Choice>
+    <mc:Fallback xmlns="">
+      <p:transition spd="med">
+        <p:fade/>
+      </p:transition>
+    </mc:Fallback>
+  </mc:AlternateContent>
+</p:sld>
+</file>
+
+<file path=ppt/slides/slide9.xml><?xml version="1.0" encoding="utf-8"?>
+<p:sld xmlns:a="http://schemas.openxmlformats.org/drawingml/2006/main" xmlns:r="http://schemas.openxmlformats.org/officeDocument/2006/relationships" xmlns:p="http://schemas.openxmlformats.org/presentationml/2006/main">
+  <p:cSld>
+    <p:bg>
+      <p:bgPr>
+        <a:solidFill>
+          <a:schemeClr val="accent2"/>
+        </a:solidFill>
+        <a:effectLst/>
+      </p:bgPr>
+    </p:bg>
+    <p:spTree>
+      <p:nvGrpSpPr>
+        <p:cNvPr id="1" name=""/>
+        <p:cNvGrpSpPr/>
+        <p:nvPr/>
+      </p:nvGrpSpPr>
+      <p:grpSpPr>
+        <a:xfrm>
+          <a:off x="0" y="0"/>
+          <a:ext cx="0" cy="0"/>
+          <a:chOff x="0" y="0"/>
+          <a:chExt cx="0" cy="0"/>
+        </a:xfrm>
+      </p:grpSpPr>
+      <p:sp>
+        <p:nvSpPr>
+          <p:cNvPr id="3" name="TextBox 2">
+            <a:extLst>
+              <a:ext uri="{FF2B5EF4-FFF2-40B4-BE49-F238E27FC236}">
+                <a16:creationId xmlns:a16="http://schemas.microsoft.com/office/drawing/2014/main" id="{91C4265C-0EAD-4FFD-BF99-406D49533C1D}"/>
+              </a:ext>
+            </a:extLst>
+          </p:cNvPr>
+          <p:cNvSpPr txBox="1"/>
+          <p:nvPr/>
+        </p:nvSpPr>
+        <p:spPr>
+          <a:xfrm>
+            <a:off x="3048000" y="3244334"/>
+            <a:ext cx="6096000" cy="369332"/>
+          </a:xfrm>
+          <a:prstGeom prst="rect">
+            <a:avLst/>
+          </a:prstGeom>
+          <a:noFill/>
+        </p:spPr>
+        <p:txBody>
+          <a:bodyPr wrap="square">
+            <a:spAutoFit/>
+          </a:bodyPr>
+          <a:lstStyle/>
+          <a:p>
+            <a:pPr algn="ctr"/>
+            <a:r>
+              <a:rPr lang="en-US" altLang="ko-KR" sz="1800" dirty="0">
+                <a:solidFill>
+                  <a:schemeClr val="bg1"/>
+                </a:solidFill>
+              </a:rPr>
+              <a:t>Winter Dream</a:t>
+            </a:r>
+            <a:endParaRPr lang="ko-KR" altLang="en-US" sz="1800" dirty="0">
+              <a:solidFill>
+                <a:schemeClr val="bg1"/>
+              </a:solidFill>
+            </a:endParaRPr>
+          </a:p>
+        </p:txBody>
+      </p:sp>
+      <p:sp>
+        <p:nvSpPr>
+          <p:cNvPr id="4" name="TextBox 3">
+            <a:extLst>
+              <a:ext uri="{FF2B5EF4-FFF2-40B4-BE49-F238E27FC236}">
+                <a16:creationId xmlns:a16="http://schemas.microsoft.com/office/drawing/2014/main" id="{E251FDC9-B70C-4BC0-8AC7-216B5765985E}"/>
+              </a:ext>
+            </a:extLst>
+          </p:cNvPr>
+          <p:cNvSpPr txBox="1"/>
+          <p:nvPr/>
+        </p:nvSpPr>
+        <p:spPr>
+          <a:xfrm>
+            <a:off x="5122015" y="2824480"/>
+            <a:ext cx="1947969" cy="369332"/>
+          </a:xfrm>
+          <a:prstGeom prst="rect">
+            <a:avLst/>
+          </a:prstGeom>
+          <a:noFill/>
+        </p:spPr>
+        <p:txBody>
+          <a:bodyPr wrap="none" rtlCol="0">
+            <a:spAutoFit/>
+          </a:bodyPr>
+          <a:lstStyle/>
+          <a:p>
+            <a:pPr algn="ctr"/>
+            <a:r>
+              <a:rPr lang="ko-KR" altLang="en-US" dirty="0">
+                <a:solidFill>
+                  <a:schemeClr val="bg1"/>
+                </a:solidFill>
+              </a:rPr>
+              <a:t>성큼 다가온 겨울</a:t>
+            </a:r>
+          </a:p>
+        </p:txBody>
+      </p:sp>
+      <p:sp>
+        <p:nvSpPr>
+          <p:cNvPr id="5" name="양쪽 대괄호 4">
+            <a:extLst>
+              <a:ext uri="{FF2B5EF4-FFF2-40B4-BE49-F238E27FC236}">
+                <a16:creationId xmlns:a16="http://schemas.microsoft.com/office/drawing/2014/main" id="{7B2CAB3D-75D4-47BA-AA00-C925C76EC1D2}"/>
+              </a:ext>
+            </a:extLst>
+          </p:cNvPr>
+          <p:cNvSpPr/>
+          <p:nvPr/>
+        </p:nvSpPr>
+        <p:spPr>
+          <a:xfrm>
+            <a:off x="2153919" y="2009279"/>
+            <a:ext cx="7884160" cy="2369066"/>
+          </a:xfrm>
+          <a:prstGeom prst="bracketPair">
+            <a:avLst>
+              <a:gd name="adj" fmla="val 10867"/>
+            </a:avLst>
+          </a:prstGeom>
+          <a:ln>
+            <a:solidFill>
+              <a:schemeClr val="bg1">
+                <a:lumMod val="95000"/>
+              </a:schemeClr>
+            </a:solidFill>
+          </a:ln>
+        </p:spPr>
+        <p:style>
+          <a:lnRef idx="1">
+            <a:schemeClr val="accent1"/>
+          </a:lnRef>
+          <a:fillRef idx="0">
+            <a:schemeClr val="accent1"/>
+          </a:fillRef>
+          <a:effectRef idx="0">
+            <a:schemeClr val="accent1"/>
+          </a:effectRef>
+          <a:fontRef idx="minor">
+            <a:schemeClr val="tx1"/>
+          </a:fontRef>
+        </p:style>
+        <p:txBody>
+          <a:bodyPr rtlCol="0" anchor="ctr"/>
+          <a:lstStyle/>
+          <a:p>
+            <a:pPr algn="ctr"/>
+            <a:endParaRPr lang="ko-KR" altLang="en-US"/>
+          </a:p>
+        </p:txBody>
+      </p:sp>
+      <p:sp>
+        <p:nvSpPr>
+          <p:cNvPr id="6" name="TextBox 5">
+            <a:extLst>
+              <a:ext uri="{FF2B5EF4-FFF2-40B4-BE49-F238E27FC236}">
+                <a16:creationId xmlns:a16="http://schemas.microsoft.com/office/drawing/2014/main" id="{99A3A4B1-78DD-4F9A-807D-7BC51AFF4B1A}"/>
+              </a:ext>
+            </a:extLst>
+          </p:cNvPr>
+          <p:cNvSpPr txBox="1"/>
+          <p:nvPr/>
+        </p:nvSpPr>
+        <p:spPr>
+          <a:xfrm>
+            <a:off x="182880" y="193040"/>
+            <a:ext cx="1832553" cy="338554"/>
+          </a:xfrm>
+          <a:prstGeom prst="rect">
+            <a:avLst/>
+          </a:prstGeom>
+          <a:noFill/>
+        </p:spPr>
+        <p:txBody>
+          <a:bodyPr wrap="none" rtlCol="0">
+            <a:spAutoFit/>
+          </a:bodyPr>
+          <a:lstStyle/>
+          <a:p>
+            <a:r>
+              <a:rPr lang="ko-KR" altLang="en-US" sz="1600" dirty="0" err="1">
+                <a:solidFill>
+                  <a:schemeClr val="bg1"/>
+                </a:solidFill>
+              </a:rPr>
+              <a:t>새별의</a:t>
+            </a:r>
+            <a:r>
+              <a:rPr lang="ko-KR" altLang="en-US" sz="1600" dirty="0">
+                <a:solidFill>
+                  <a:schemeClr val="bg1"/>
+                </a:solidFill>
+              </a:rPr>
+              <a:t> 파워포인트</a:t>
+            </a:r>
+          </a:p>
+        </p:txBody>
+      </p:sp>
+    </p:spTree>
+    <p:extLst>
+      <p:ext uri="{BB962C8B-B14F-4D97-AF65-F5344CB8AC3E}">
+        <p14:creationId xmlns:p14="http://schemas.microsoft.com/office/powerpoint/2010/main" val="1145354807"/>
       </p:ext>
     </p:extLst>
   </p:cSld>

--- a/aPlatform/aPlatform/portfolio_README.pptx
+++ b/aPlatform/aPlatform/portfolio_README.pptx
@@ -12,38 +12,46 @@
     <p:sldId id="272" r:id="rId6"/>
     <p:sldId id="273" r:id="rId7"/>
     <p:sldId id="303" r:id="rId8"/>
-    <p:sldId id="302" r:id="rId9"/>
-    <p:sldId id="301" r:id="rId10"/>
-    <p:sldId id="305" r:id="rId11"/>
-    <p:sldId id="304" r:id="rId12"/>
-    <p:sldId id="274" r:id="rId13"/>
-    <p:sldId id="263" r:id="rId14"/>
-    <p:sldId id="297" r:id="rId15"/>
-    <p:sldId id="284" r:id="rId16"/>
-    <p:sldId id="278" r:id="rId17"/>
-    <p:sldId id="282" r:id="rId18"/>
-    <p:sldId id="283" r:id="rId19"/>
-    <p:sldId id="276" r:id="rId20"/>
-    <p:sldId id="281" r:id="rId21"/>
-    <p:sldId id="298" r:id="rId22"/>
-    <p:sldId id="295" r:id="rId23"/>
-    <p:sldId id="286" r:id="rId24"/>
-    <p:sldId id="287" r:id="rId25"/>
-    <p:sldId id="280" r:id="rId26"/>
-    <p:sldId id="289" r:id="rId27"/>
-    <p:sldId id="288" r:id="rId28"/>
-    <p:sldId id="299" r:id="rId29"/>
-    <p:sldId id="294" r:id="rId30"/>
-    <p:sldId id="290" r:id="rId31"/>
-    <p:sldId id="291" r:id="rId32"/>
-    <p:sldId id="292" r:id="rId33"/>
-    <p:sldId id="293" r:id="rId34"/>
-    <p:sldId id="256" r:id="rId35"/>
-    <p:sldId id="257" r:id="rId36"/>
-    <p:sldId id="260" r:id="rId37"/>
-    <p:sldId id="259" r:id="rId38"/>
-    <p:sldId id="265" r:id="rId39"/>
-    <p:sldId id="266" r:id="rId40"/>
+    <p:sldId id="304" r:id="rId9"/>
+    <p:sldId id="308" r:id="rId10"/>
+    <p:sldId id="309" r:id="rId11"/>
+    <p:sldId id="310" r:id="rId12"/>
+    <p:sldId id="311" r:id="rId13"/>
+    <p:sldId id="312" r:id="rId14"/>
+    <p:sldId id="302" r:id="rId15"/>
+    <p:sldId id="313" r:id="rId16"/>
+    <p:sldId id="306" r:id="rId17"/>
+    <p:sldId id="301" r:id="rId18"/>
+    <p:sldId id="305" r:id="rId19"/>
+    <p:sldId id="307" r:id="rId20"/>
+    <p:sldId id="274" r:id="rId21"/>
+    <p:sldId id="263" r:id="rId22"/>
+    <p:sldId id="286" r:id="rId23"/>
+    <p:sldId id="297" r:id="rId24"/>
+    <p:sldId id="284" r:id="rId25"/>
+    <p:sldId id="278" r:id="rId26"/>
+    <p:sldId id="282" r:id="rId27"/>
+    <p:sldId id="283" r:id="rId28"/>
+    <p:sldId id="276" r:id="rId29"/>
+    <p:sldId id="281" r:id="rId30"/>
+    <p:sldId id="298" r:id="rId31"/>
+    <p:sldId id="295" r:id="rId32"/>
+    <p:sldId id="287" r:id="rId33"/>
+    <p:sldId id="280" r:id="rId34"/>
+    <p:sldId id="289" r:id="rId35"/>
+    <p:sldId id="288" r:id="rId36"/>
+    <p:sldId id="299" r:id="rId37"/>
+    <p:sldId id="294" r:id="rId38"/>
+    <p:sldId id="290" r:id="rId39"/>
+    <p:sldId id="291" r:id="rId40"/>
+    <p:sldId id="292" r:id="rId41"/>
+    <p:sldId id="293" r:id="rId42"/>
+    <p:sldId id="256" r:id="rId43"/>
+    <p:sldId id="257" r:id="rId44"/>
+    <p:sldId id="260" r:id="rId45"/>
+    <p:sldId id="259" r:id="rId46"/>
+    <p:sldId id="265" r:id="rId47"/>
+    <p:sldId id="266" r:id="rId48"/>
   </p:sldIdLst>
   <p:sldSz cx="12192000" cy="6858000"/>
   <p:notesSz cx="6858000" cy="9144000"/>
@@ -162,537 +170,6 @@
 </file>
 
 <file path=ppt/charts/chart1.xml><?xml version="1.0" encoding="utf-8"?>
-<c:chartSpace xmlns:c="http://schemas.openxmlformats.org/drawingml/2006/chart" xmlns:a="http://schemas.openxmlformats.org/drawingml/2006/main" xmlns:r="http://schemas.openxmlformats.org/officeDocument/2006/relationships" xmlns:c16r2="http://schemas.microsoft.com/office/drawing/2015/06/chart">
-  <c:date1904 val="0"/>
-  <c:lang val="ko-KR"/>
-  <c:roundedCorners val="0"/>
-  <mc:AlternateContent xmlns:mc="http://schemas.openxmlformats.org/markup-compatibility/2006">
-    <mc:Choice xmlns:c14="http://schemas.microsoft.com/office/drawing/2007/8/2/chart" Requires="c14">
-      <c14:style val="102"/>
-    </mc:Choice>
-    <mc:Fallback>
-      <c:style val="2"/>
-    </mc:Fallback>
-  </mc:AlternateContent>
-  <c:chart>
-    <c:title>
-      <c:overlay val="0"/>
-      <c:spPr>
-        <a:noFill/>
-        <a:ln>
-          <a:noFill/>
-        </a:ln>
-        <a:effectLst/>
-      </c:spPr>
-      <c:txPr>
-        <a:bodyPr rot="0" spcFirstLastPara="1" vertOverflow="ellipsis" vert="horz" wrap="square" anchor="ctr" anchorCtr="1"/>
-        <a:lstStyle/>
-        <a:p>
-          <a:pPr>
-            <a:defRPr sz="1862" b="0" i="0" u="none" strike="noStrike" kern="1200" spc="0" baseline="0">
-              <a:solidFill>
-                <a:schemeClr val="tx1">
-                  <a:lumMod val="65000"/>
-                  <a:lumOff val="35000"/>
-                </a:schemeClr>
-              </a:solidFill>
-              <a:latin typeface="+mn-lt"/>
-              <a:ea typeface="+mn-ea"/>
-              <a:cs typeface="+mn-cs"/>
-            </a:defRPr>
-          </a:pPr>
-          <a:endParaRPr lang="ko-KR"/>
-        </a:p>
-      </c:txPr>
-    </c:title>
-    <c:autoTitleDeleted val="0"/>
-    <c:plotArea>
-      <c:layout/>
-      <c:barChart>
-        <c:barDir val="col"/>
-        <c:grouping val="stacked"/>
-        <c:varyColors val="0"/>
-        <c:ser>
-          <c:idx val="0"/>
-          <c:order val="0"/>
-          <c:tx>
-            <c:strRef>
-              <c:f>Sheet1!$B$1</c:f>
-              <c:strCache>
-                <c:ptCount val="1"/>
-                <c:pt idx="0">
-                  <c:v>계열 1</c:v>
-                </c:pt>
-              </c:strCache>
-            </c:strRef>
-          </c:tx>
-          <c:spPr>
-            <a:solidFill>
-              <a:schemeClr val="accent2"/>
-            </a:solidFill>
-            <a:ln>
-              <a:noFill/>
-            </a:ln>
-            <a:effectLst/>
-          </c:spPr>
-          <c:invertIfNegative val="0"/>
-          <c:cat>
-            <c:strRef>
-              <c:f>Sheet1!$A$2:$A$5</c:f>
-              <c:strCache>
-                <c:ptCount val="4"/>
-                <c:pt idx="0">
-                  <c:v>항목 1</c:v>
-                </c:pt>
-                <c:pt idx="1">
-                  <c:v>항목 2</c:v>
-                </c:pt>
-                <c:pt idx="2">
-                  <c:v>항목 3</c:v>
-                </c:pt>
-                <c:pt idx="3">
-                  <c:v>항목 4</c:v>
-                </c:pt>
-              </c:strCache>
-            </c:strRef>
-          </c:cat>
-          <c:val>
-            <c:numRef>
-              <c:f>Sheet1!$B$2:$B$5</c:f>
-              <c:numCache>
-                <c:formatCode>General</c:formatCode>
-                <c:ptCount val="4"/>
-                <c:pt idx="0">
-                  <c:v>4.3</c:v>
-                </c:pt>
-                <c:pt idx="1">
-                  <c:v>2.5</c:v>
-                </c:pt>
-                <c:pt idx="2">
-                  <c:v>3.5</c:v>
-                </c:pt>
-                <c:pt idx="3">
-                  <c:v>4.5</c:v>
-                </c:pt>
-              </c:numCache>
-            </c:numRef>
-          </c:val>
-          <c:extLst>
-            <c:ext xmlns:c16="http://schemas.microsoft.com/office/drawing/2014/chart" uri="{C3380CC4-5D6E-409C-BE32-E72D297353CC}">
-              <c16:uniqueId val="{00000000-FD25-4A48-A956-B69DE8B93D71}"/>
-            </c:ext>
-          </c:extLst>
-        </c:ser>
-        <c:ser>
-          <c:idx val="1"/>
-          <c:order val="1"/>
-          <c:tx>
-            <c:strRef>
-              <c:f>Sheet1!$C$1</c:f>
-              <c:strCache>
-                <c:ptCount val="1"/>
-                <c:pt idx="0">
-                  <c:v>계열 2</c:v>
-                </c:pt>
-              </c:strCache>
-            </c:strRef>
-          </c:tx>
-          <c:spPr>
-            <a:solidFill>
-              <a:schemeClr val="accent4"/>
-            </a:solidFill>
-            <a:ln>
-              <a:noFill/>
-            </a:ln>
-            <a:effectLst/>
-          </c:spPr>
-          <c:invertIfNegative val="0"/>
-          <c:cat>
-            <c:strRef>
-              <c:f>Sheet1!$A$2:$A$5</c:f>
-              <c:strCache>
-                <c:ptCount val="4"/>
-                <c:pt idx="0">
-                  <c:v>항목 1</c:v>
-                </c:pt>
-                <c:pt idx="1">
-                  <c:v>항목 2</c:v>
-                </c:pt>
-                <c:pt idx="2">
-                  <c:v>항목 3</c:v>
-                </c:pt>
-                <c:pt idx="3">
-                  <c:v>항목 4</c:v>
-                </c:pt>
-              </c:strCache>
-            </c:strRef>
-          </c:cat>
-          <c:val>
-            <c:numRef>
-              <c:f>Sheet1!$C$2:$C$5</c:f>
-              <c:numCache>
-                <c:formatCode>General</c:formatCode>
-                <c:ptCount val="4"/>
-                <c:pt idx="0">
-                  <c:v>2.4</c:v>
-                </c:pt>
-                <c:pt idx="1">
-                  <c:v>4.4000000000000004</c:v>
-                </c:pt>
-                <c:pt idx="2">
-                  <c:v>1.8</c:v>
-                </c:pt>
-                <c:pt idx="3">
-                  <c:v>2.8</c:v>
-                </c:pt>
-              </c:numCache>
-            </c:numRef>
-          </c:val>
-          <c:extLst>
-            <c:ext xmlns:c16="http://schemas.microsoft.com/office/drawing/2014/chart" uri="{C3380CC4-5D6E-409C-BE32-E72D297353CC}">
-              <c16:uniqueId val="{00000001-FD25-4A48-A956-B69DE8B93D71}"/>
-            </c:ext>
-          </c:extLst>
-        </c:ser>
-        <c:ser>
-          <c:idx val="2"/>
-          <c:order val="2"/>
-          <c:tx>
-            <c:strRef>
-              <c:f>Sheet1!$D$1</c:f>
-              <c:strCache>
-                <c:ptCount val="1"/>
-                <c:pt idx="0">
-                  <c:v>계열 3</c:v>
-                </c:pt>
-              </c:strCache>
-            </c:strRef>
-          </c:tx>
-          <c:spPr>
-            <a:solidFill>
-              <a:schemeClr val="accent6"/>
-            </a:solidFill>
-            <a:ln>
-              <a:noFill/>
-            </a:ln>
-            <a:effectLst/>
-          </c:spPr>
-          <c:invertIfNegative val="0"/>
-          <c:cat>
-            <c:strRef>
-              <c:f>Sheet1!$A$2:$A$5</c:f>
-              <c:strCache>
-                <c:ptCount val="4"/>
-                <c:pt idx="0">
-                  <c:v>항목 1</c:v>
-                </c:pt>
-                <c:pt idx="1">
-                  <c:v>항목 2</c:v>
-                </c:pt>
-                <c:pt idx="2">
-                  <c:v>항목 3</c:v>
-                </c:pt>
-                <c:pt idx="3">
-                  <c:v>항목 4</c:v>
-                </c:pt>
-              </c:strCache>
-            </c:strRef>
-          </c:cat>
-          <c:val>
-            <c:numRef>
-              <c:f>Sheet1!$D$2:$D$5</c:f>
-              <c:numCache>
-                <c:formatCode>General</c:formatCode>
-                <c:ptCount val="4"/>
-                <c:pt idx="0">
-                  <c:v>2</c:v>
-                </c:pt>
-                <c:pt idx="1">
-                  <c:v>2</c:v>
-                </c:pt>
-                <c:pt idx="2">
-                  <c:v>3</c:v>
-                </c:pt>
-                <c:pt idx="3">
-                  <c:v>5</c:v>
-                </c:pt>
-              </c:numCache>
-            </c:numRef>
-          </c:val>
-          <c:extLst>
-            <c:ext xmlns:c16="http://schemas.microsoft.com/office/drawing/2014/chart" uri="{C3380CC4-5D6E-409C-BE32-E72D297353CC}">
-              <c16:uniqueId val="{00000002-FD25-4A48-A956-B69DE8B93D71}"/>
-            </c:ext>
-          </c:extLst>
-        </c:ser>
-        <c:dLbls>
-          <c:showLegendKey val="0"/>
-          <c:showVal val="0"/>
-          <c:showCatName val="0"/>
-          <c:showSerName val="0"/>
-          <c:showPercent val="0"/>
-          <c:showBubbleSize val="0"/>
-        </c:dLbls>
-        <c:gapWidth val="300"/>
-        <c:overlap val="100"/>
-        <c:serLines>
-          <c:spPr>
-            <a:ln w="9525" cap="flat" cmpd="sng" algn="ctr">
-              <a:solidFill>
-                <a:schemeClr val="tx1">
-                  <a:lumMod val="35000"/>
-                  <a:lumOff val="65000"/>
-                </a:schemeClr>
-              </a:solidFill>
-              <a:round/>
-            </a:ln>
-            <a:effectLst/>
-          </c:spPr>
-        </c:serLines>
-        <c:axId val="714869480"/>
-        <c:axId val="714874072"/>
-      </c:barChart>
-      <c:catAx>
-        <c:axId val="714869480"/>
-        <c:scaling>
-          <c:orientation val="minMax"/>
-        </c:scaling>
-        <c:delete val="0"/>
-        <c:axPos val="b"/>
-        <c:title>
-          <c:overlay val="0"/>
-          <c:spPr>
-            <a:noFill/>
-            <a:ln>
-              <a:noFill/>
-            </a:ln>
-            <a:effectLst/>
-          </c:spPr>
-          <c:txPr>
-            <a:bodyPr rot="0" spcFirstLastPara="1" vertOverflow="ellipsis" vert="horz" wrap="square" anchor="ctr" anchorCtr="1"/>
-            <a:lstStyle/>
-            <a:p>
-              <a:pPr>
-                <a:defRPr sz="1330" b="0" i="0" u="none" strike="noStrike" kern="1200" baseline="0">
-                  <a:solidFill>
-                    <a:schemeClr val="tx1">
-                      <a:lumMod val="65000"/>
-                      <a:lumOff val="35000"/>
-                    </a:schemeClr>
-                  </a:solidFill>
-                  <a:latin typeface="+mn-lt"/>
-                  <a:ea typeface="+mn-ea"/>
-                  <a:cs typeface="+mn-cs"/>
-                </a:defRPr>
-              </a:pPr>
-              <a:endParaRPr lang="ko-KR"/>
-            </a:p>
-          </c:txPr>
-        </c:title>
-        <c:numFmt formatCode="General" sourceLinked="1"/>
-        <c:majorTickMark val="none"/>
-        <c:minorTickMark val="none"/>
-        <c:tickLblPos val="nextTo"/>
-        <c:spPr>
-          <a:noFill/>
-          <a:ln w="9525" cap="flat" cmpd="sng" algn="ctr">
-            <a:solidFill>
-              <a:schemeClr val="tx1">
-                <a:lumMod val="15000"/>
-                <a:lumOff val="85000"/>
-              </a:schemeClr>
-            </a:solidFill>
-            <a:round/>
-          </a:ln>
-          <a:effectLst/>
-        </c:spPr>
-        <c:txPr>
-          <a:bodyPr rot="-60000000" spcFirstLastPara="1" vertOverflow="ellipsis" vert="horz" wrap="square" anchor="ctr" anchorCtr="1"/>
-          <a:lstStyle/>
-          <a:p>
-            <a:pPr>
-              <a:defRPr sz="1197" b="0" i="0" u="none" strike="noStrike" kern="1200" baseline="0">
-                <a:solidFill>
-                  <a:schemeClr val="tx1">
-                    <a:lumMod val="65000"/>
-                    <a:lumOff val="35000"/>
-                  </a:schemeClr>
-                </a:solidFill>
-                <a:latin typeface="+mn-lt"/>
-                <a:ea typeface="+mn-ea"/>
-                <a:cs typeface="+mn-cs"/>
-              </a:defRPr>
-            </a:pPr>
-            <a:endParaRPr lang="ko-KR"/>
-          </a:p>
-        </c:txPr>
-        <c:crossAx val="714874072"/>
-        <c:crosses val="autoZero"/>
-        <c:auto val="1"/>
-        <c:lblAlgn val="ctr"/>
-        <c:lblOffset val="100"/>
-        <c:noMultiLvlLbl val="0"/>
-      </c:catAx>
-      <c:valAx>
-        <c:axId val="714874072"/>
-        <c:scaling>
-          <c:orientation val="minMax"/>
-        </c:scaling>
-        <c:delete val="0"/>
-        <c:axPos val="l"/>
-        <c:majorGridlines>
-          <c:spPr>
-            <a:ln w="9525" cap="flat" cmpd="sng" algn="ctr">
-              <a:solidFill>
-                <a:schemeClr val="tx1">
-                  <a:lumMod val="15000"/>
-                  <a:lumOff val="85000"/>
-                </a:schemeClr>
-              </a:solidFill>
-              <a:round/>
-            </a:ln>
-            <a:effectLst/>
-          </c:spPr>
-        </c:majorGridlines>
-        <c:title>
-          <c:overlay val="0"/>
-          <c:spPr>
-            <a:noFill/>
-            <a:ln>
-              <a:noFill/>
-            </a:ln>
-            <a:effectLst/>
-          </c:spPr>
-          <c:txPr>
-            <a:bodyPr rot="-5400000" spcFirstLastPara="1" vertOverflow="ellipsis" vert="horz" wrap="square" anchor="ctr" anchorCtr="1"/>
-            <a:lstStyle/>
-            <a:p>
-              <a:pPr>
-                <a:defRPr sz="1330" b="0" i="0" u="none" strike="noStrike" kern="1200" baseline="0">
-                  <a:solidFill>
-                    <a:schemeClr val="tx1">
-                      <a:lumMod val="65000"/>
-                      <a:lumOff val="35000"/>
-                    </a:schemeClr>
-                  </a:solidFill>
-                  <a:latin typeface="+mn-lt"/>
-                  <a:ea typeface="+mn-ea"/>
-                  <a:cs typeface="+mn-cs"/>
-                </a:defRPr>
-              </a:pPr>
-              <a:endParaRPr lang="ko-KR"/>
-            </a:p>
-          </c:txPr>
-        </c:title>
-        <c:numFmt formatCode="General" sourceLinked="1"/>
-        <c:majorTickMark val="out"/>
-        <c:minorTickMark val="none"/>
-        <c:tickLblPos val="nextTo"/>
-        <c:spPr>
-          <a:noFill/>
-          <a:ln>
-            <a:noFill/>
-          </a:ln>
-          <a:effectLst/>
-        </c:spPr>
-        <c:txPr>
-          <a:bodyPr rot="-60000000" spcFirstLastPara="1" vertOverflow="ellipsis" vert="horz" wrap="square" anchor="ctr" anchorCtr="1"/>
-          <a:lstStyle/>
-          <a:p>
-            <a:pPr>
-              <a:defRPr sz="1197" b="0" i="0" u="none" strike="noStrike" kern="1200" baseline="0">
-                <a:solidFill>
-                  <a:schemeClr val="tx1">
-                    <a:lumMod val="65000"/>
-                    <a:lumOff val="35000"/>
-                  </a:schemeClr>
-                </a:solidFill>
-                <a:latin typeface="+mn-lt"/>
-                <a:ea typeface="+mn-ea"/>
-                <a:cs typeface="+mn-cs"/>
-              </a:defRPr>
-            </a:pPr>
-            <a:endParaRPr lang="ko-KR"/>
-          </a:p>
-        </c:txPr>
-        <c:crossAx val="714869480"/>
-        <c:crosses val="autoZero"/>
-        <c:crossBetween val="between"/>
-      </c:valAx>
-      <c:spPr>
-        <a:noFill/>
-        <a:ln>
-          <a:noFill/>
-        </a:ln>
-        <a:effectLst/>
-      </c:spPr>
-    </c:plotArea>
-    <c:legend>
-      <c:legendPos val="r"/>
-      <c:overlay val="0"/>
-      <c:spPr>
-        <a:noFill/>
-        <a:ln>
-          <a:noFill/>
-        </a:ln>
-        <a:effectLst/>
-      </c:spPr>
-      <c:txPr>
-        <a:bodyPr rot="0" spcFirstLastPara="1" vertOverflow="ellipsis" vert="horz" wrap="square" anchor="ctr" anchorCtr="1"/>
-        <a:lstStyle/>
-        <a:p>
-          <a:pPr>
-            <a:defRPr sz="1197" b="0" i="0" u="none" strike="noStrike" kern="1200" baseline="0">
-              <a:solidFill>
-                <a:schemeClr val="tx1">
-                  <a:lumMod val="65000"/>
-                  <a:lumOff val="35000"/>
-                </a:schemeClr>
-              </a:solidFill>
-              <a:latin typeface="+mn-lt"/>
-              <a:ea typeface="+mn-ea"/>
-              <a:cs typeface="+mn-cs"/>
-            </a:defRPr>
-          </a:pPr>
-          <a:endParaRPr lang="ko-KR"/>
-        </a:p>
-      </c:txPr>
-    </c:legend>
-    <c:plotVisOnly val="1"/>
-    <c:dispBlanksAs val="gap"/>
-    <c:extLst>
-      <c:ext xmlns:c16r3="http://schemas.microsoft.com/office/drawing/2017/03/chart" uri="{56B9EC1D-385E-4148-901F-78D8002777C0}">
-        <c16r3:dataDisplayOptions16>
-          <c16r3:dispNaAsBlank val="1"/>
-        </c16r3:dataDisplayOptions16>
-      </c:ext>
-    </c:extLst>
-    <c:showDLblsOverMax val="0"/>
-  </c:chart>
-  <c:spPr>
-    <a:noFill/>
-    <a:ln>
-      <a:noFill/>
-    </a:ln>
-    <a:effectLst/>
-  </c:spPr>
-  <c:txPr>
-    <a:bodyPr/>
-    <a:lstStyle/>
-    <a:p>
-      <a:pPr>
-        <a:defRPr/>
-      </a:pPr>
-      <a:endParaRPr lang="ko-KR"/>
-    </a:p>
-  </c:txPr>
-  <c:externalData r:id="rId3">
-    <c:autoUpdate val="0"/>
-  </c:externalData>
-</c:chartSpace>
-</file>
-
-<file path=ppt/charts/chart2.xml><?xml version="1.0" encoding="utf-8"?>
 <c:chartSpace xmlns:c="http://schemas.openxmlformats.org/drawingml/2006/chart" xmlns:a="http://schemas.openxmlformats.org/drawingml/2006/main" xmlns:r="http://schemas.openxmlformats.org/officeDocument/2006/relationships" xmlns:c16r2="http://schemas.microsoft.com/office/drawing/2015/06/chart">
   <c:date1904 val="0"/>
   <c:lang val="ko-KR"/>
@@ -1192,207 +669,7 @@
 </c:chartSpace>
 </file>
 
-<file path=ppt/charts/chartEx1.xml><?xml version="1.0" encoding="utf-8"?>
-<cx:chartSpace xmlns:a="http://schemas.openxmlformats.org/drawingml/2006/main" xmlns:r="http://schemas.openxmlformats.org/officeDocument/2006/relationships" xmlns:cx="http://schemas.microsoft.com/office/drawing/2014/chartex">
-  <cx:chartData>
-    <cx:externalData r:id="rId1" cx:autoUpdate="0"/>
-    <cx:data id="0">
-      <cx:strDim type="cat">
-        <cx:f dir="row">Sheet1!$A$2:$A$5</cx:f>
-        <cx:lvl ptCount="4">
-          <cx:pt idx="0">항목 1</cx:pt>
-          <cx:pt idx="1">항목 2</cx:pt>
-          <cx:pt idx="2">항목 3</cx:pt>
-          <cx:pt idx="3">항목 4</cx:pt>
-        </cx:lvl>
-      </cx:strDim>
-      <cx:numDim type="size">
-        <cx:f dir="row">Sheet1!$B$2:$B$5</cx:f>
-        <cx:lvl ptCount="4" formatCode="General">
-          <cx:pt idx="0">4.2999999999999998</cx:pt>
-          <cx:pt idx="1">2.5</cx:pt>
-          <cx:pt idx="2">3.5</cx:pt>
-          <cx:pt idx="3">4.5</cx:pt>
-        </cx:lvl>
-      </cx:numDim>
-    </cx:data>
-    <cx:data id="1">
-      <cx:strDim type="cat">
-        <cx:f dir="row">Sheet1!$A$2:$A$5</cx:f>
-        <cx:lvl ptCount="4">
-          <cx:pt idx="0">항목 1</cx:pt>
-          <cx:pt idx="1">항목 2</cx:pt>
-          <cx:pt idx="2">항목 3</cx:pt>
-          <cx:pt idx="3">항목 4</cx:pt>
-        </cx:lvl>
-      </cx:strDim>
-      <cx:numDim type="size">
-        <cx:f dir="row">Sheet1!$C$2:$C$5</cx:f>
-        <cx:lvl ptCount="4" formatCode="General">
-          <cx:pt idx="0">2.3999999999999999</cx:pt>
-          <cx:pt idx="1">4.4000000000000004</cx:pt>
-          <cx:pt idx="2">1.8</cx:pt>
-          <cx:pt idx="3">2.7999999999999998</cx:pt>
-        </cx:lvl>
-      </cx:numDim>
-    </cx:data>
-    <cx:data id="2">
-      <cx:strDim type="cat">
-        <cx:f dir="row">Sheet1!$A$2:$A$5</cx:f>
-        <cx:lvl ptCount="4">
-          <cx:pt idx="0">항목 1</cx:pt>
-          <cx:pt idx="1">항목 2</cx:pt>
-          <cx:pt idx="2">항목 3</cx:pt>
-          <cx:pt idx="3">항목 4</cx:pt>
-        </cx:lvl>
-      </cx:strDim>
-      <cx:numDim type="size">
-        <cx:f dir="row">Sheet1!$D$2:$D$5</cx:f>
-        <cx:lvl ptCount="4" formatCode="General">
-          <cx:pt idx="0">2</cx:pt>
-          <cx:pt idx="1">2</cx:pt>
-          <cx:pt idx="2">3</cx:pt>
-          <cx:pt idx="3">5</cx:pt>
-        </cx:lvl>
-      </cx:numDim>
-    </cx:data>
-  </cx:chartData>
-  <cx:chart>
-    <cx:plotArea>
-      <cx:plotAreaRegion>
-        <cx:series layoutId="sunburst" uniqueId="{8943530E-494E-4D8E-A1EC-226820695DBE}" formatIdx="0">
-          <cx:tx>
-            <cx:txData>
-              <cx:f>Sheet1!$B$1</cx:f>
-              <cx:v>계열 1</cx:v>
-            </cx:txData>
-          </cx:tx>
-          <cx:dataId val="0"/>
-        </cx:series>
-        <cx:series layoutId="sunburst" hidden="1" uniqueId="{43DB5B30-1B8D-4017-BA13-787277C8E549}" formatIdx="1">
-          <cx:tx>
-            <cx:txData>
-              <cx:f>Sheet1!$C$1</cx:f>
-              <cx:v>계열 2</cx:v>
-            </cx:txData>
-          </cx:tx>
-          <cx:dataId val="1"/>
-        </cx:series>
-        <cx:series layoutId="sunburst" hidden="1" uniqueId="{400F8934-E055-4E8F-B6DC-A89A9DCA6659}" formatIdx="2">
-          <cx:tx>
-            <cx:txData>
-              <cx:f>Sheet1!$D$1</cx:f>
-              <cx:v>계열 3</cx:v>
-            </cx:txData>
-          </cx:tx>
-          <cx:dataId val="2"/>
-        </cx:series>
-      </cx:plotAreaRegion>
-    </cx:plotArea>
-    <cx:legend pos="t" align="ctr" overlay="0">
-      <cx:txPr>
-        <a:bodyPr spcFirstLastPara="1" vertOverflow="ellipsis" horzOverflow="overflow" wrap="square" lIns="0" tIns="0" rIns="0" bIns="0" anchor="ctr" anchorCtr="1"/>
-        <a:lstStyle/>
-        <a:p>
-          <a:pPr algn="ctr" rtl="0">
-            <a:defRPr spc="-150">
-              <a:latin typeface="+mj-ea"/>
-              <a:ea typeface="+mj-ea"/>
-              <a:cs typeface="나눔스퀘어 Bold" panose="020B0600000101010101" pitchFamily="50" charset="-127"/>
-            </a:defRPr>
-          </a:pPr>
-          <a:endParaRPr lang="ko-KR" altLang="en-US" sz="1197" b="0" i="0" u="none" strike="noStrike" kern="1200" spc="-150" baseline="0">
-            <a:solidFill>
-              <a:prstClr val="black">
-                <a:lumMod val="65000"/>
-                <a:lumOff val="35000"/>
-              </a:prstClr>
-            </a:solidFill>
-            <a:latin typeface="+mj-ea"/>
-            <a:ea typeface="+mj-ea"/>
-          </a:endParaRPr>
-        </a:p>
-      </cx:txPr>
-    </cx:legend>
-  </cx:chart>
-</cx:chartSpace>
-</file>
-
 <file path=ppt/charts/colors1.xml><?xml version="1.0" encoding="utf-8"?>
-<cs:colorStyle xmlns:cs="http://schemas.microsoft.com/office/drawing/2012/chartStyle" xmlns:a="http://schemas.openxmlformats.org/drawingml/2006/main" meth="cycle" id="12">
-  <a:schemeClr val="accent2"/>
-  <a:schemeClr val="accent4"/>
-  <a:schemeClr val="accent6"/>
-  <cs:variation/>
-  <cs:variation>
-    <a:lumMod val="60000"/>
-  </cs:variation>
-  <cs:variation>
-    <a:lumMod val="80000"/>
-    <a:lumOff val="20000"/>
-  </cs:variation>
-  <cs:variation>
-    <a:lumMod val="80000"/>
-  </cs:variation>
-  <cs:variation>
-    <a:lumMod val="60000"/>
-    <a:lumOff val="40000"/>
-  </cs:variation>
-  <cs:variation>
-    <a:lumMod val="50000"/>
-  </cs:variation>
-  <cs:variation>
-    <a:lumMod val="70000"/>
-    <a:lumOff val="30000"/>
-  </cs:variation>
-  <cs:variation>
-    <a:lumMod val="70000"/>
-  </cs:variation>
-  <cs:variation>
-    <a:lumMod val="50000"/>
-    <a:lumOff val="50000"/>
-  </cs:variation>
-</cs:colorStyle>
-</file>
-
-<file path=ppt/charts/colors2.xml><?xml version="1.0" encoding="utf-8"?>
-<cs:colorStyle xmlns:cs="http://schemas.microsoft.com/office/drawing/2012/chartStyle" xmlns:a="http://schemas.openxmlformats.org/drawingml/2006/main" meth="cycle" id="12">
-  <a:schemeClr val="accent2"/>
-  <a:schemeClr val="accent4"/>
-  <a:schemeClr val="accent6"/>
-  <cs:variation/>
-  <cs:variation>
-    <a:lumMod val="60000"/>
-  </cs:variation>
-  <cs:variation>
-    <a:lumMod val="80000"/>
-    <a:lumOff val="20000"/>
-  </cs:variation>
-  <cs:variation>
-    <a:lumMod val="80000"/>
-  </cs:variation>
-  <cs:variation>
-    <a:lumMod val="60000"/>
-    <a:lumOff val="40000"/>
-  </cs:variation>
-  <cs:variation>
-    <a:lumMod val="50000"/>
-  </cs:variation>
-  <cs:variation>
-    <a:lumMod val="70000"/>
-    <a:lumOff val="30000"/>
-  </cs:variation>
-  <cs:variation>
-    <a:lumMod val="70000"/>
-  </cs:variation>
-  <cs:variation>
-    <a:lumMod val="50000"/>
-    <a:lumOff val="50000"/>
-  </cs:variation>
-</cs:colorStyle>
-</file>
-
-<file path=ppt/charts/colors3.xml><?xml version="1.0" encoding="utf-8"?>
 <cs:colorStyle xmlns:cs="http://schemas.microsoft.com/office/drawing/2012/chartStyle" xmlns:a="http://schemas.openxmlformats.org/drawingml/2006/main" meth="cycle" id="11">
   <a:schemeClr val="accent1"/>
   <a:schemeClr val="accent3"/>
@@ -1430,1012 +707,6 @@
 </file>
 
 <file path=ppt/charts/style1.xml><?xml version="1.0" encoding="utf-8"?>
-<cs:chartStyle xmlns:cs="http://schemas.microsoft.com/office/drawing/2012/chartStyle" xmlns:a="http://schemas.openxmlformats.org/drawingml/2006/main" id="201">
-  <cs:axisTitle>
-    <cs:lnRef idx="0"/>
-    <cs:fillRef idx="0"/>
-    <cs:effectRef idx="0"/>
-    <cs:fontRef idx="minor">
-      <a:schemeClr val="tx1">
-        <a:lumMod val="65000"/>
-        <a:lumOff val="35000"/>
-      </a:schemeClr>
-    </cs:fontRef>
-    <cs:defRPr sz="1330" kern="1200"/>
-  </cs:axisTitle>
-  <cs:categoryAxis>
-    <cs:lnRef idx="0"/>
-    <cs:fillRef idx="0"/>
-    <cs:effectRef idx="0"/>
-    <cs:fontRef idx="minor">
-      <a:schemeClr val="tx1">
-        <a:lumMod val="65000"/>
-        <a:lumOff val="35000"/>
-      </a:schemeClr>
-    </cs:fontRef>
-    <cs:spPr>
-      <a:ln w="9525" cap="flat" cmpd="sng" algn="ctr">
-        <a:solidFill>
-          <a:schemeClr val="tx1">
-            <a:lumMod val="15000"/>
-            <a:lumOff val="85000"/>
-          </a:schemeClr>
-        </a:solidFill>
-        <a:round/>
-      </a:ln>
-    </cs:spPr>
-    <cs:defRPr sz="1197" kern="1200"/>
-  </cs:categoryAxis>
-  <cs:chartArea mods="allowNoFillOverride allowNoLineOverride">
-    <cs:lnRef idx="0"/>
-    <cs:fillRef idx="0"/>
-    <cs:effectRef idx="0"/>
-    <cs:fontRef idx="minor">
-      <a:schemeClr val="tx1"/>
-    </cs:fontRef>
-    <cs:spPr>
-      <a:solidFill>
-        <a:schemeClr val="bg1"/>
-      </a:solidFill>
-      <a:ln w="9525" cap="flat" cmpd="sng" algn="ctr">
-        <a:solidFill>
-          <a:schemeClr val="tx1">
-            <a:lumMod val="15000"/>
-            <a:lumOff val="85000"/>
-          </a:schemeClr>
-        </a:solidFill>
-        <a:round/>
-      </a:ln>
-    </cs:spPr>
-    <cs:defRPr sz="1330" kern="1200"/>
-  </cs:chartArea>
-  <cs:dataLabel>
-    <cs:lnRef idx="0"/>
-    <cs:fillRef idx="0"/>
-    <cs:effectRef idx="0"/>
-    <cs:fontRef idx="minor">
-      <a:schemeClr val="tx1">
-        <a:lumMod val="75000"/>
-        <a:lumOff val="25000"/>
-      </a:schemeClr>
-    </cs:fontRef>
-    <cs:defRPr sz="1197" kern="1200"/>
-  </cs:dataLabel>
-  <cs:dataLabelCallout>
-    <cs:lnRef idx="0"/>
-    <cs:fillRef idx="0"/>
-    <cs:effectRef idx="0"/>
-    <cs:fontRef idx="minor">
-      <a:schemeClr val="dk1">
-        <a:lumMod val="65000"/>
-        <a:lumOff val="35000"/>
-      </a:schemeClr>
-    </cs:fontRef>
-    <cs:spPr>
-      <a:solidFill>
-        <a:schemeClr val="lt1"/>
-      </a:solidFill>
-      <a:ln>
-        <a:solidFill>
-          <a:schemeClr val="dk1">
-            <a:lumMod val="25000"/>
-            <a:lumOff val="75000"/>
-          </a:schemeClr>
-        </a:solidFill>
-      </a:ln>
-    </cs:spPr>
-    <cs:defRPr sz="1197" kern="1200"/>
-    <cs:bodyPr rot="0" spcFirstLastPara="1" vertOverflow="clip" horzOverflow="clip" vert="horz" wrap="square" lIns="36576" tIns="18288" rIns="36576" bIns="18288" anchor="ctr" anchorCtr="1">
-      <a:spAutoFit/>
-    </cs:bodyPr>
-  </cs:dataLabelCallout>
-  <cs:dataPoint>
-    <cs:lnRef idx="0"/>
-    <cs:fillRef idx="1">
-      <cs:styleClr val="auto"/>
-    </cs:fillRef>
-    <cs:effectRef idx="0"/>
-    <cs:fontRef idx="minor">
-      <a:schemeClr val="tx1"/>
-    </cs:fontRef>
-  </cs:dataPoint>
-  <cs:dataPoint3D>
-    <cs:lnRef idx="0"/>
-    <cs:fillRef idx="1">
-      <cs:styleClr val="auto"/>
-    </cs:fillRef>
-    <cs:effectRef idx="0"/>
-    <cs:fontRef idx="minor">
-      <a:schemeClr val="tx1"/>
-    </cs:fontRef>
-  </cs:dataPoint3D>
-  <cs:dataPointLine>
-    <cs:lnRef idx="0">
-      <cs:styleClr val="auto"/>
-    </cs:lnRef>
-    <cs:fillRef idx="1"/>
-    <cs:effectRef idx="0"/>
-    <cs:fontRef idx="minor">
-      <a:schemeClr val="tx1"/>
-    </cs:fontRef>
-    <cs:spPr>
-      <a:ln w="28575" cap="rnd">
-        <a:solidFill>
-          <a:schemeClr val="phClr"/>
-        </a:solidFill>
-        <a:round/>
-      </a:ln>
-    </cs:spPr>
-  </cs:dataPointLine>
-  <cs:dataPointMarker>
-    <cs:lnRef idx="0">
-      <cs:styleClr val="auto"/>
-    </cs:lnRef>
-    <cs:fillRef idx="1">
-      <cs:styleClr val="auto"/>
-    </cs:fillRef>
-    <cs:effectRef idx="0"/>
-    <cs:fontRef idx="minor">
-      <a:schemeClr val="tx1"/>
-    </cs:fontRef>
-    <cs:spPr>
-      <a:ln w="9525">
-        <a:solidFill>
-          <a:schemeClr val="phClr"/>
-        </a:solidFill>
-      </a:ln>
-    </cs:spPr>
-  </cs:dataPointMarker>
-  <cs:dataPointMarkerLayout symbol="circle" size="5"/>
-  <cs:dataPointWireframe>
-    <cs:lnRef idx="0">
-      <cs:styleClr val="auto"/>
-    </cs:lnRef>
-    <cs:fillRef idx="1"/>
-    <cs:effectRef idx="0"/>
-    <cs:fontRef idx="minor">
-      <a:schemeClr val="tx1"/>
-    </cs:fontRef>
-    <cs:spPr>
-      <a:ln w="9525" cap="rnd">
-        <a:solidFill>
-          <a:schemeClr val="phClr"/>
-        </a:solidFill>
-        <a:round/>
-      </a:ln>
-    </cs:spPr>
-  </cs:dataPointWireframe>
-  <cs:dataTable>
-    <cs:lnRef idx="0"/>
-    <cs:fillRef idx="0"/>
-    <cs:effectRef idx="0"/>
-    <cs:fontRef idx="minor">
-      <a:schemeClr val="tx1">
-        <a:lumMod val="65000"/>
-        <a:lumOff val="35000"/>
-      </a:schemeClr>
-    </cs:fontRef>
-    <cs:spPr>
-      <a:noFill/>
-      <a:ln w="9525" cap="flat" cmpd="sng" algn="ctr">
-        <a:solidFill>
-          <a:schemeClr val="tx1">
-            <a:lumMod val="15000"/>
-            <a:lumOff val="85000"/>
-          </a:schemeClr>
-        </a:solidFill>
-        <a:round/>
-      </a:ln>
-    </cs:spPr>
-    <cs:defRPr sz="1197" kern="1200"/>
-  </cs:dataTable>
-  <cs:downBar>
-    <cs:lnRef idx="0"/>
-    <cs:fillRef idx="0"/>
-    <cs:effectRef idx="0"/>
-    <cs:fontRef idx="minor">
-      <a:schemeClr val="dk1"/>
-    </cs:fontRef>
-    <cs:spPr>
-      <a:solidFill>
-        <a:schemeClr val="dk1">
-          <a:lumMod val="65000"/>
-          <a:lumOff val="35000"/>
-        </a:schemeClr>
-      </a:solidFill>
-      <a:ln w="9525">
-        <a:solidFill>
-          <a:schemeClr val="tx1">
-            <a:lumMod val="65000"/>
-            <a:lumOff val="35000"/>
-          </a:schemeClr>
-        </a:solidFill>
-      </a:ln>
-    </cs:spPr>
-  </cs:downBar>
-  <cs:dropLine>
-    <cs:lnRef idx="0"/>
-    <cs:fillRef idx="0"/>
-    <cs:effectRef idx="0"/>
-    <cs:fontRef idx="minor">
-      <a:schemeClr val="tx1"/>
-    </cs:fontRef>
-    <cs:spPr>
-      <a:ln w="9525" cap="flat" cmpd="sng" algn="ctr">
-        <a:solidFill>
-          <a:schemeClr val="tx1">
-            <a:lumMod val="35000"/>
-            <a:lumOff val="65000"/>
-          </a:schemeClr>
-        </a:solidFill>
-        <a:round/>
-      </a:ln>
-    </cs:spPr>
-  </cs:dropLine>
-  <cs:errorBar>
-    <cs:lnRef idx="0"/>
-    <cs:fillRef idx="0"/>
-    <cs:effectRef idx="0"/>
-    <cs:fontRef idx="minor">
-      <a:schemeClr val="tx1"/>
-    </cs:fontRef>
-    <cs:spPr>
-      <a:ln w="9525" cap="flat" cmpd="sng" algn="ctr">
-        <a:solidFill>
-          <a:schemeClr val="tx1">
-            <a:lumMod val="65000"/>
-            <a:lumOff val="35000"/>
-          </a:schemeClr>
-        </a:solidFill>
-        <a:round/>
-      </a:ln>
-    </cs:spPr>
-  </cs:errorBar>
-  <cs:floor>
-    <cs:lnRef idx="0"/>
-    <cs:fillRef idx="0"/>
-    <cs:effectRef idx="0"/>
-    <cs:fontRef idx="minor">
-      <a:schemeClr val="tx1"/>
-    </cs:fontRef>
-    <cs:spPr>
-      <a:noFill/>
-      <a:ln>
-        <a:noFill/>
-      </a:ln>
-    </cs:spPr>
-  </cs:floor>
-  <cs:gridlineMajor>
-    <cs:lnRef idx="0"/>
-    <cs:fillRef idx="0"/>
-    <cs:effectRef idx="0"/>
-    <cs:fontRef idx="minor">
-      <a:schemeClr val="tx1"/>
-    </cs:fontRef>
-    <cs:spPr>
-      <a:ln w="9525" cap="flat" cmpd="sng" algn="ctr">
-        <a:solidFill>
-          <a:schemeClr val="tx1">
-            <a:lumMod val="15000"/>
-            <a:lumOff val="85000"/>
-          </a:schemeClr>
-        </a:solidFill>
-        <a:round/>
-      </a:ln>
-    </cs:spPr>
-  </cs:gridlineMajor>
-  <cs:gridlineMinor>
-    <cs:lnRef idx="0"/>
-    <cs:fillRef idx="0"/>
-    <cs:effectRef idx="0"/>
-    <cs:fontRef idx="minor">
-      <a:schemeClr val="tx1"/>
-    </cs:fontRef>
-    <cs:spPr>
-      <a:ln w="9525" cap="flat" cmpd="sng" algn="ctr">
-        <a:solidFill>
-          <a:schemeClr val="tx1">
-            <a:lumMod val="5000"/>
-            <a:lumOff val="95000"/>
-          </a:schemeClr>
-        </a:solidFill>
-        <a:round/>
-      </a:ln>
-    </cs:spPr>
-  </cs:gridlineMinor>
-  <cs:hiLoLine>
-    <cs:lnRef idx="0"/>
-    <cs:fillRef idx="0"/>
-    <cs:effectRef idx="0"/>
-    <cs:fontRef idx="minor">
-      <a:schemeClr val="tx1"/>
-    </cs:fontRef>
-    <cs:spPr>
-      <a:ln w="9525" cap="flat" cmpd="sng" algn="ctr">
-        <a:solidFill>
-          <a:schemeClr val="tx1">
-            <a:lumMod val="75000"/>
-            <a:lumOff val="25000"/>
-          </a:schemeClr>
-        </a:solidFill>
-        <a:round/>
-      </a:ln>
-    </cs:spPr>
-  </cs:hiLoLine>
-  <cs:leaderLine>
-    <cs:lnRef idx="0"/>
-    <cs:fillRef idx="0"/>
-    <cs:effectRef idx="0"/>
-    <cs:fontRef idx="minor">
-      <a:schemeClr val="tx1"/>
-    </cs:fontRef>
-    <cs:spPr>
-      <a:ln w="9525" cap="flat" cmpd="sng" algn="ctr">
-        <a:solidFill>
-          <a:schemeClr val="tx1">
-            <a:lumMod val="35000"/>
-            <a:lumOff val="65000"/>
-          </a:schemeClr>
-        </a:solidFill>
-        <a:round/>
-      </a:ln>
-    </cs:spPr>
-  </cs:leaderLine>
-  <cs:legend>
-    <cs:lnRef idx="0"/>
-    <cs:fillRef idx="0"/>
-    <cs:effectRef idx="0"/>
-    <cs:fontRef idx="minor">
-      <a:schemeClr val="tx1">
-        <a:lumMod val="65000"/>
-        <a:lumOff val="35000"/>
-      </a:schemeClr>
-    </cs:fontRef>
-    <cs:defRPr sz="1197" kern="1200"/>
-  </cs:legend>
-  <cs:plotArea mods="allowNoFillOverride allowNoLineOverride">
-    <cs:lnRef idx="0"/>
-    <cs:fillRef idx="0"/>
-    <cs:effectRef idx="0"/>
-    <cs:fontRef idx="minor">
-      <a:schemeClr val="tx1"/>
-    </cs:fontRef>
-  </cs:plotArea>
-  <cs:plotArea3D mods="allowNoFillOverride allowNoLineOverride">
-    <cs:lnRef idx="0"/>
-    <cs:fillRef idx="0"/>
-    <cs:effectRef idx="0"/>
-    <cs:fontRef idx="minor">
-      <a:schemeClr val="tx1"/>
-    </cs:fontRef>
-  </cs:plotArea3D>
-  <cs:seriesAxis>
-    <cs:lnRef idx="0"/>
-    <cs:fillRef idx="0"/>
-    <cs:effectRef idx="0"/>
-    <cs:fontRef idx="minor">
-      <a:schemeClr val="tx1">
-        <a:lumMod val="65000"/>
-        <a:lumOff val="35000"/>
-      </a:schemeClr>
-    </cs:fontRef>
-    <cs:defRPr sz="1197" kern="1200"/>
-  </cs:seriesAxis>
-  <cs:seriesLine>
-    <cs:lnRef idx="0"/>
-    <cs:fillRef idx="0"/>
-    <cs:effectRef idx="0"/>
-    <cs:fontRef idx="minor">
-      <a:schemeClr val="tx1"/>
-    </cs:fontRef>
-    <cs:spPr>
-      <a:ln w="9525" cap="flat" cmpd="sng" algn="ctr">
-        <a:solidFill>
-          <a:schemeClr val="tx1">
-            <a:lumMod val="35000"/>
-            <a:lumOff val="65000"/>
-          </a:schemeClr>
-        </a:solidFill>
-        <a:round/>
-      </a:ln>
-    </cs:spPr>
-  </cs:seriesLine>
-  <cs:title>
-    <cs:lnRef idx="0"/>
-    <cs:fillRef idx="0"/>
-    <cs:effectRef idx="0"/>
-    <cs:fontRef idx="minor">
-      <a:schemeClr val="tx1">
-        <a:lumMod val="65000"/>
-        <a:lumOff val="35000"/>
-      </a:schemeClr>
-    </cs:fontRef>
-    <cs:defRPr sz="1862" b="0" kern="1200" spc="0" baseline="0"/>
-  </cs:title>
-  <cs:trendline>
-    <cs:lnRef idx="0">
-      <cs:styleClr val="auto"/>
-    </cs:lnRef>
-    <cs:fillRef idx="0"/>
-    <cs:effectRef idx="0"/>
-    <cs:fontRef idx="minor">
-      <a:schemeClr val="tx1"/>
-    </cs:fontRef>
-    <cs:spPr>
-      <a:ln w="19050" cap="rnd">
-        <a:solidFill>
-          <a:schemeClr val="phClr"/>
-        </a:solidFill>
-        <a:prstDash val="sysDot"/>
-      </a:ln>
-    </cs:spPr>
-  </cs:trendline>
-  <cs:trendlineLabel>
-    <cs:lnRef idx="0"/>
-    <cs:fillRef idx="0"/>
-    <cs:effectRef idx="0"/>
-    <cs:fontRef idx="minor">
-      <a:schemeClr val="tx1">
-        <a:lumMod val="65000"/>
-        <a:lumOff val="35000"/>
-      </a:schemeClr>
-    </cs:fontRef>
-    <cs:defRPr sz="1197" kern="1200"/>
-  </cs:trendlineLabel>
-  <cs:upBar>
-    <cs:lnRef idx="0"/>
-    <cs:fillRef idx="0"/>
-    <cs:effectRef idx="0"/>
-    <cs:fontRef idx="minor">
-      <a:schemeClr val="dk1"/>
-    </cs:fontRef>
-    <cs:spPr>
-      <a:solidFill>
-        <a:schemeClr val="lt1"/>
-      </a:solidFill>
-      <a:ln w="9525">
-        <a:solidFill>
-          <a:schemeClr val="tx1">
-            <a:lumMod val="15000"/>
-            <a:lumOff val="85000"/>
-          </a:schemeClr>
-        </a:solidFill>
-      </a:ln>
-    </cs:spPr>
-  </cs:upBar>
-  <cs:valueAxis>
-    <cs:lnRef idx="0"/>
-    <cs:fillRef idx="0"/>
-    <cs:effectRef idx="0"/>
-    <cs:fontRef idx="minor">
-      <a:schemeClr val="tx1">
-        <a:lumMod val="65000"/>
-        <a:lumOff val="35000"/>
-      </a:schemeClr>
-    </cs:fontRef>
-    <cs:defRPr sz="1197" kern="1200"/>
-  </cs:valueAxis>
-  <cs:wall>
-    <cs:lnRef idx="0"/>
-    <cs:fillRef idx="0"/>
-    <cs:effectRef idx="0"/>
-    <cs:fontRef idx="minor">
-      <a:schemeClr val="tx1"/>
-    </cs:fontRef>
-    <cs:spPr>
-      <a:noFill/>
-      <a:ln>
-        <a:noFill/>
-      </a:ln>
-    </cs:spPr>
-  </cs:wall>
-</cs:chartStyle>
-</file>
-
-<file path=ppt/charts/style2.xml><?xml version="1.0" encoding="utf-8"?>
-<cs:chartStyle xmlns:cs="http://schemas.microsoft.com/office/drawing/2012/chartStyle" xmlns:a="http://schemas.openxmlformats.org/drawingml/2006/main" id="201">
-  <cs:axisTitle>
-    <cs:lnRef idx="0"/>
-    <cs:fillRef idx="0"/>
-    <cs:effectRef idx="0"/>
-    <cs:fontRef idx="minor">
-      <a:schemeClr val="tx1">
-        <a:lumMod val="65000"/>
-        <a:lumOff val="35000"/>
-      </a:schemeClr>
-    </cs:fontRef>
-    <cs:defRPr sz="1330" kern="1200"/>
-  </cs:axisTitle>
-  <cs:categoryAxis>
-    <cs:lnRef idx="0"/>
-    <cs:fillRef idx="0"/>
-    <cs:effectRef idx="0"/>
-    <cs:fontRef idx="minor">
-      <a:schemeClr val="tx1">
-        <a:lumMod val="65000"/>
-        <a:lumOff val="35000"/>
-      </a:schemeClr>
-    </cs:fontRef>
-    <cs:spPr>
-      <a:ln w="9525" cap="flat" cmpd="sng" algn="ctr">
-        <a:solidFill>
-          <a:schemeClr val="tx1">
-            <a:lumMod val="15000"/>
-            <a:lumOff val="85000"/>
-          </a:schemeClr>
-        </a:solidFill>
-        <a:round/>
-      </a:ln>
-    </cs:spPr>
-    <cs:defRPr sz="1197" kern="1200"/>
-  </cs:categoryAxis>
-  <cs:chartArea mods="allowNoFillOverride allowNoLineOverride">
-    <cs:lnRef idx="0"/>
-    <cs:fillRef idx="0"/>
-    <cs:effectRef idx="0"/>
-    <cs:fontRef idx="minor">
-      <a:schemeClr val="tx1"/>
-    </cs:fontRef>
-    <cs:spPr>
-      <a:solidFill>
-        <a:schemeClr val="bg1"/>
-      </a:solidFill>
-      <a:ln w="9525" cap="flat" cmpd="sng" algn="ctr">
-        <a:solidFill>
-          <a:schemeClr val="tx1">
-            <a:lumMod val="15000"/>
-            <a:lumOff val="85000"/>
-          </a:schemeClr>
-        </a:solidFill>
-        <a:round/>
-      </a:ln>
-    </cs:spPr>
-    <cs:defRPr sz="1330" kern="1200"/>
-  </cs:chartArea>
-  <cs:dataLabel>
-    <cs:lnRef idx="0"/>
-    <cs:fillRef idx="0"/>
-    <cs:effectRef idx="0"/>
-    <cs:fontRef idx="minor">
-      <a:schemeClr val="tx1">
-        <a:lumMod val="75000"/>
-        <a:lumOff val="25000"/>
-      </a:schemeClr>
-    </cs:fontRef>
-    <cs:defRPr sz="1197" kern="1200"/>
-  </cs:dataLabel>
-  <cs:dataLabelCallout>
-    <cs:lnRef idx="0"/>
-    <cs:fillRef idx="0"/>
-    <cs:effectRef idx="0"/>
-    <cs:fontRef idx="minor">
-      <a:schemeClr val="dk1">
-        <a:lumMod val="65000"/>
-        <a:lumOff val="35000"/>
-      </a:schemeClr>
-    </cs:fontRef>
-    <cs:spPr>
-      <a:solidFill>
-        <a:schemeClr val="lt1"/>
-      </a:solidFill>
-      <a:ln>
-        <a:solidFill>
-          <a:schemeClr val="dk1">
-            <a:lumMod val="25000"/>
-            <a:lumOff val="75000"/>
-          </a:schemeClr>
-        </a:solidFill>
-      </a:ln>
-    </cs:spPr>
-    <cs:defRPr sz="1197" kern="1200"/>
-    <cs:bodyPr rot="0" spcFirstLastPara="1" vertOverflow="clip" horzOverflow="clip" vert="horz" wrap="square" lIns="36576" tIns="18288" rIns="36576" bIns="18288" anchor="ctr" anchorCtr="1">
-      <a:spAutoFit/>
-    </cs:bodyPr>
-  </cs:dataLabelCallout>
-  <cs:dataPoint>
-    <cs:lnRef idx="0"/>
-    <cs:fillRef idx="1">
-      <cs:styleClr val="auto"/>
-    </cs:fillRef>
-    <cs:effectRef idx="0"/>
-    <cs:fontRef idx="minor">
-      <a:schemeClr val="tx1"/>
-    </cs:fontRef>
-  </cs:dataPoint>
-  <cs:dataPoint3D>
-    <cs:lnRef idx="0"/>
-    <cs:fillRef idx="1">
-      <cs:styleClr val="auto"/>
-    </cs:fillRef>
-    <cs:effectRef idx="0"/>
-    <cs:fontRef idx="minor">
-      <a:schemeClr val="tx1"/>
-    </cs:fontRef>
-  </cs:dataPoint3D>
-  <cs:dataPointLine>
-    <cs:lnRef idx="0">
-      <cs:styleClr val="auto"/>
-    </cs:lnRef>
-    <cs:fillRef idx="1"/>
-    <cs:effectRef idx="0"/>
-    <cs:fontRef idx="minor">
-      <a:schemeClr val="tx1"/>
-    </cs:fontRef>
-    <cs:spPr>
-      <a:ln w="28575" cap="rnd">
-        <a:solidFill>
-          <a:schemeClr val="phClr"/>
-        </a:solidFill>
-        <a:round/>
-      </a:ln>
-    </cs:spPr>
-  </cs:dataPointLine>
-  <cs:dataPointMarker>
-    <cs:lnRef idx="0">
-      <cs:styleClr val="auto"/>
-    </cs:lnRef>
-    <cs:fillRef idx="1">
-      <cs:styleClr val="auto"/>
-    </cs:fillRef>
-    <cs:effectRef idx="0"/>
-    <cs:fontRef idx="minor">
-      <a:schemeClr val="tx1"/>
-    </cs:fontRef>
-    <cs:spPr>
-      <a:ln w="9525">
-        <a:solidFill>
-          <a:schemeClr val="phClr"/>
-        </a:solidFill>
-      </a:ln>
-    </cs:spPr>
-  </cs:dataPointMarker>
-  <cs:dataPointMarkerLayout symbol="circle" size="5"/>
-  <cs:dataPointWireframe>
-    <cs:lnRef idx="0">
-      <cs:styleClr val="auto"/>
-    </cs:lnRef>
-    <cs:fillRef idx="1"/>
-    <cs:effectRef idx="0"/>
-    <cs:fontRef idx="minor">
-      <a:schemeClr val="tx1"/>
-    </cs:fontRef>
-    <cs:spPr>
-      <a:ln w="9525" cap="rnd">
-        <a:solidFill>
-          <a:schemeClr val="phClr"/>
-        </a:solidFill>
-        <a:round/>
-      </a:ln>
-    </cs:spPr>
-  </cs:dataPointWireframe>
-  <cs:dataTable>
-    <cs:lnRef idx="0"/>
-    <cs:fillRef idx="0"/>
-    <cs:effectRef idx="0"/>
-    <cs:fontRef idx="minor">
-      <a:schemeClr val="tx1">
-        <a:lumMod val="65000"/>
-        <a:lumOff val="35000"/>
-      </a:schemeClr>
-    </cs:fontRef>
-    <cs:spPr>
-      <a:noFill/>
-      <a:ln w="9525" cap="flat" cmpd="sng" algn="ctr">
-        <a:solidFill>
-          <a:schemeClr val="tx1">
-            <a:lumMod val="15000"/>
-            <a:lumOff val="85000"/>
-          </a:schemeClr>
-        </a:solidFill>
-        <a:round/>
-      </a:ln>
-    </cs:spPr>
-    <cs:defRPr sz="1197" kern="1200"/>
-  </cs:dataTable>
-  <cs:downBar>
-    <cs:lnRef idx="0"/>
-    <cs:fillRef idx="0"/>
-    <cs:effectRef idx="0"/>
-    <cs:fontRef idx="minor">
-      <a:schemeClr val="dk1"/>
-    </cs:fontRef>
-    <cs:spPr>
-      <a:solidFill>
-        <a:schemeClr val="dk1">
-          <a:lumMod val="65000"/>
-          <a:lumOff val="35000"/>
-        </a:schemeClr>
-      </a:solidFill>
-      <a:ln w="9525">
-        <a:solidFill>
-          <a:schemeClr val="tx1">
-            <a:lumMod val="65000"/>
-            <a:lumOff val="35000"/>
-          </a:schemeClr>
-        </a:solidFill>
-      </a:ln>
-    </cs:spPr>
-  </cs:downBar>
-  <cs:dropLine>
-    <cs:lnRef idx="0"/>
-    <cs:fillRef idx="0"/>
-    <cs:effectRef idx="0"/>
-    <cs:fontRef idx="minor">
-      <a:schemeClr val="tx1"/>
-    </cs:fontRef>
-    <cs:spPr>
-      <a:ln w="9525" cap="flat" cmpd="sng" algn="ctr">
-        <a:solidFill>
-          <a:schemeClr val="tx1">
-            <a:lumMod val="35000"/>
-            <a:lumOff val="65000"/>
-          </a:schemeClr>
-        </a:solidFill>
-        <a:round/>
-      </a:ln>
-    </cs:spPr>
-  </cs:dropLine>
-  <cs:errorBar>
-    <cs:lnRef idx="0"/>
-    <cs:fillRef idx="0"/>
-    <cs:effectRef idx="0"/>
-    <cs:fontRef idx="minor">
-      <a:schemeClr val="tx1"/>
-    </cs:fontRef>
-    <cs:spPr>
-      <a:ln w="9525" cap="flat" cmpd="sng" algn="ctr">
-        <a:solidFill>
-          <a:schemeClr val="tx1">
-            <a:lumMod val="65000"/>
-            <a:lumOff val="35000"/>
-          </a:schemeClr>
-        </a:solidFill>
-        <a:round/>
-      </a:ln>
-    </cs:spPr>
-  </cs:errorBar>
-  <cs:floor>
-    <cs:lnRef idx="0"/>
-    <cs:fillRef idx="0"/>
-    <cs:effectRef idx="0"/>
-    <cs:fontRef idx="minor">
-      <a:schemeClr val="tx1"/>
-    </cs:fontRef>
-    <cs:spPr>
-      <a:noFill/>
-      <a:ln>
-        <a:noFill/>
-      </a:ln>
-    </cs:spPr>
-  </cs:floor>
-  <cs:gridlineMajor>
-    <cs:lnRef idx="0"/>
-    <cs:fillRef idx="0"/>
-    <cs:effectRef idx="0"/>
-    <cs:fontRef idx="minor">
-      <a:schemeClr val="tx1"/>
-    </cs:fontRef>
-    <cs:spPr>
-      <a:ln w="9525" cap="flat" cmpd="sng" algn="ctr">
-        <a:solidFill>
-          <a:schemeClr val="tx1">
-            <a:lumMod val="15000"/>
-            <a:lumOff val="85000"/>
-          </a:schemeClr>
-        </a:solidFill>
-        <a:round/>
-      </a:ln>
-    </cs:spPr>
-  </cs:gridlineMajor>
-  <cs:gridlineMinor>
-    <cs:lnRef idx="0"/>
-    <cs:fillRef idx="0"/>
-    <cs:effectRef idx="0"/>
-    <cs:fontRef idx="minor">
-      <a:schemeClr val="tx1"/>
-    </cs:fontRef>
-    <cs:spPr>
-      <a:ln w="9525" cap="flat" cmpd="sng" algn="ctr">
-        <a:solidFill>
-          <a:schemeClr val="tx1">
-            <a:lumMod val="5000"/>
-            <a:lumOff val="95000"/>
-          </a:schemeClr>
-        </a:solidFill>
-        <a:round/>
-      </a:ln>
-    </cs:spPr>
-  </cs:gridlineMinor>
-  <cs:hiLoLine>
-    <cs:lnRef idx="0"/>
-    <cs:fillRef idx="0"/>
-    <cs:effectRef idx="0"/>
-    <cs:fontRef idx="minor">
-      <a:schemeClr val="tx1"/>
-    </cs:fontRef>
-    <cs:spPr>
-      <a:ln w="9525" cap="flat" cmpd="sng" algn="ctr">
-        <a:solidFill>
-          <a:schemeClr val="tx1">
-            <a:lumMod val="75000"/>
-            <a:lumOff val="25000"/>
-          </a:schemeClr>
-        </a:solidFill>
-        <a:round/>
-      </a:ln>
-    </cs:spPr>
-  </cs:hiLoLine>
-  <cs:leaderLine>
-    <cs:lnRef idx="0"/>
-    <cs:fillRef idx="0"/>
-    <cs:effectRef idx="0"/>
-    <cs:fontRef idx="minor">
-      <a:schemeClr val="tx1"/>
-    </cs:fontRef>
-    <cs:spPr>
-      <a:ln w="9525" cap="flat" cmpd="sng" algn="ctr">
-        <a:solidFill>
-          <a:schemeClr val="tx1">
-            <a:lumMod val="35000"/>
-            <a:lumOff val="65000"/>
-          </a:schemeClr>
-        </a:solidFill>
-        <a:round/>
-      </a:ln>
-    </cs:spPr>
-  </cs:leaderLine>
-  <cs:legend>
-    <cs:lnRef idx="0"/>
-    <cs:fillRef idx="0"/>
-    <cs:effectRef idx="0"/>
-    <cs:fontRef idx="minor">
-      <a:schemeClr val="tx1">
-        <a:lumMod val="65000"/>
-        <a:lumOff val="35000"/>
-      </a:schemeClr>
-    </cs:fontRef>
-    <cs:defRPr sz="1197" kern="1200"/>
-  </cs:legend>
-  <cs:plotArea mods="allowNoFillOverride allowNoLineOverride">
-    <cs:lnRef idx="0"/>
-    <cs:fillRef idx="0"/>
-    <cs:effectRef idx="0"/>
-    <cs:fontRef idx="minor">
-      <a:schemeClr val="tx1"/>
-    </cs:fontRef>
-  </cs:plotArea>
-  <cs:plotArea3D mods="allowNoFillOverride allowNoLineOverride">
-    <cs:lnRef idx="0"/>
-    <cs:fillRef idx="0"/>
-    <cs:effectRef idx="0"/>
-    <cs:fontRef idx="minor">
-      <a:schemeClr val="tx1"/>
-    </cs:fontRef>
-  </cs:plotArea3D>
-  <cs:seriesAxis>
-    <cs:lnRef idx="0"/>
-    <cs:fillRef idx="0"/>
-    <cs:effectRef idx="0"/>
-    <cs:fontRef idx="minor">
-      <a:schemeClr val="tx1">
-        <a:lumMod val="65000"/>
-        <a:lumOff val="35000"/>
-      </a:schemeClr>
-    </cs:fontRef>
-    <cs:defRPr sz="1197" kern="1200"/>
-  </cs:seriesAxis>
-  <cs:seriesLine>
-    <cs:lnRef idx="0"/>
-    <cs:fillRef idx="0"/>
-    <cs:effectRef idx="0"/>
-    <cs:fontRef idx="minor">
-      <a:schemeClr val="tx1"/>
-    </cs:fontRef>
-    <cs:spPr>
-      <a:ln w="9525" cap="flat" cmpd="sng" algn="ctr">
-        <a:solidFill>
-          <a:schemeClr val="tx1">
-            <a:lumMod val="35000"/>
-            <a:lumOff val="65000"/>
-          </a:schemeClr>
-        </a:solidFill>
-        <a:round/>
-      </a:ln>
-    </cs:spPr>
-  </cs:seriesLine>
-  <cs:title>
-    <cs:lnRef idx="0"/>
-    <cs:fillRef idx="0"/>
-    <cs:effectRef idx="0"/>
-    <cs:fontRef idx="minor">
-      <a:schemeClr val="tx1">
-        <a:lumMod val="65000"/>
-        <a:lumOff val="35000"/>
-      </a:schemeClr>
-    </cs:fontRef>
-    <cs:defRPr sz="1862" b="0" kern="1200" spc="0" baseline="0"/>
-  </cs:title>
-  <cs:trendline>
-    <cs:lnRef idx="0">
-      <cs:styleClr val="auto"/>
-    </cs:lnRef>
-    <cs:fillRef idx="0"/>
-    <cs:effectRef idx="0"/>
-    <cs:fontRef idx="minor">
-      <a:schemeClr val="tx1"/>
-    </cs:fontRef>
-    <cs:spPr>
-      <a:ln w="19050" cap="rnd">
-        <a:solidFill>
-          <a:schemeClr val="phClr"/>
-        </a:solidFill>
-        <a:prstDash val="sysDot"/>
-      </a:ln>
-    </cs:spPr>
-  </cs:trendline>
-  <cs:trendlineLabel>
-    <cs:lnRef idx="0"/>
-    <cs:fillRef idx="0"/>
-    <cs:effectRef idx="0"/>
-    <cs:fontRef idx="minor">
-      <a:schemeClr val="tx1">
-        <a:lumMod val="65000"/>
-        <a:lumOff val="35000"/>
-      </a:schemeClr>
-    </cs:fontRef>
-    <cs:defRPr sz="1197" kern="1200"/>
-  </cs:trendlineLabel>
-  <cs:upBar>
-    <cs:lnRef idx="0"/>
-    <cs:fillRef idx="0"/>
-    <cs:effectRef idx="0"/>
-    <cs:fontRef idx="minor">
-      <a:schemeClr val="dk1"/>
-    </cs:fontRef>
-    <cs:spPr>
-      <a:solidFill>
-        <a:schemeClr val="lt1"/>
-      </a:solidFill>
-      <a:ln w="9525">
-        <a:solidFill>
-          <a:schemeClr val="tx1">
-            <a:lumMod val="15000"/>
-            <a:lumOff val="85000"/>
-          </a:schemeClr>
-        </a:solidFill>
-      </a:ln>
-    </cs:spPr>
-  </cs:upBar>
-  <cs:valueAxis>
-    <cs:lnRef idx="0"/>
-    <cs:fillRef idx="0"/>
-    <cs:effectRef idx="0"/>
-    <cs:fontRef idx="minor">
-      <a:schemeClr val="tx1">
-        <a:lumMod val="65000"/>
-        <a:lumOff val="35000"/>
-      </a:schemeClr>
-    </cs:fontRef>
-    <cs:defRPr sz="1197" kern="1200"/>
-  </cs:valueAxis>
-  <cs:wall>
-    <cs:lnRef idx="0"/>
-    <cs:fillRef idx="0"/>
-    <cs:effectRef idx="0"/>
-    <cs:fontRef idx="minor">
-      <a:schemeClr val="tx1"/>
-    </cs:fontRef>
-    <cs:spPr>
-      <a:noFill/>
-      <a:ln>
-        <a:noFill/>
-      </a:ln>
-    </cs:spPr>
-  </cs:wall>
-</cs:chartStyle>
-</file>
-
-<file path=ppt/charts/style3.xml><?xml version="1.0" encoding="utf-8"?>
 <cs:chartStyle xmlns:cs="http://schemas.microsoft.com/office/drawing/2012/chartStyle" xmlns:a="http://schemas.openxmlformats.org/drawingml/2006/main" id="201">
   <cs:axisTitle>
     <cs:lnRef idx="0"/>
@@ -5947,7 +4218,7 @@
           <a:p>
             <a:fld id="{9FE7A9D4-2312-4C80-955C-3A7FA2F8832A}" type="datetimeFigureOut">
               <a:rPr lang="ko-KR" altLang="en-US" smtClean="0"/>
-              <a:t>2022-04-15</a:t>
+              <a:t>2022-04-20</a:t>
             </a:fld>
             <a:endParaRPr lang="ko-KR" altLang="en-US"/>
           </a:p>
@@ -6247,7 +4518,7 @@
           <a:p>
             <a:fld id="{9FE7A9D4-2312-4C80-955C-3A7FA2F8832A}" type="datetimeFigureOut">
               <a:rPr lang="ko-KR" altLang="en-US" smtClean="0"/>
-              <a:t>2022-04-15</a:t>
+              <a:t>2022-04-20</a:t>
             </a:fld>
             <a:endParaRPr lang="ko-KR" altLang="en-US"/>
           </a:p>
@@ -6457,7 +4728,7 @@
           <a:p>
             <a:fld id="{9FE7A9D4-2312-4C80-955C-3A7FA2F8832A}" type="datetimeFigureOut">
               <a:rPr lang="ko-KR" altLang="en-US" smtClean="0"/>
-              <a:t>2022-04-15</a:t>
+              <a:t>2022-04-20</a:t>
             </a:fld>
             <a:endParaRPr lang="ko-KR" altLang="en-US"/>
           </a:p>
@@ -6677,7 +4948,7 @@
           <a:p>
             <a:fld id="{9FE7A9D4-2312-4C80-955C-3A7FA2F8832A}" type="datetimeFigureOut">
               <a:rPr lang="ko-KR" altLang="en-US" smtClean="0"/>
-              <a:t>2022-04-15</a:t>
+              <a:t>2022-04-20</a:t>
             </a:fld>
             <a:endParaRPr lang="ko-KR" altLang="en-US"/>
           </a:p>
@@ -6887,7 +5158,7 @@
           <a:p>
             <a:fld id="{9FE7A9D4-2312-4C80-955C-3A7FA2F8832A}" type="datetimeFigureOut">
               <a:rPr lang="ko-KR" altLang="en-US" smtClean="0"/>
-              <a:t>2022-04-15</a:t>
+              <a:t>2022-04-20</a:t>
             </a:fld>
             <a:endParaRPr lang="ko-KR" altLang="en-US"/>
           </a:p>
@@ -7174,7 +5445,7 @@
           <a:p>
             <a:fld id="{9FE7A9D4-2312-4C80-955C-3A7FA2F8832A}" type="datetimeFigureOut">
               <a:rPr lang="ko-KR" altLang="en-US" smtClean="0"/>
-              <a:t>2022-04-15</a:t>
+              <a:t>2022-04-20</a:t>
             </a:fld>
             <a:endParaRPr lang="ko-KR" altLang="en-US"/>
           </a:p>
@@ -7451,7 +5722,7 @@
           <a:p>
             <a:fld id="{9FE7A9D4-2312-4C80-955C-3A7FA2F8832A}" type="datetimeFigureOut">
               <a:rPr lang="ko-KR" altLang="en-US" smtClean="0"/>
-              <a:t>2022-04-15</a:t>
+              <a:t>2022-04-20</a:t>
             </a:fld>
             <a:endParaRPr lang="ko-KR" altLang="en-US"/>
           </a:p>
@@ -7875,7 +6146,7 @@
           <a:p>
             <a:fld id="{9FE7A9D4-2312-4C80-955C-3A7FA2F8832A}" type="datetimeFigureOut">
               <a:rPr lang="ko-KR" altLang="en-US" smtClean="0"/>
-              <a:t>2022-04-15</a:t>
+              <a:t>2022-04-20</a:t>
             </a:fld>
             <a:endParaRPr lang="ko-KR" altLang="en-US"/>
           </a:p>
@@ -8028,7 +6299,7 @@
           <a:p>
             <a:fld id="{9FE7A9D4-2312-4C80-955C-3A7FA2F8832A}" type="datetimeFigureOut">
               <a:rPr lang="ko-KR" altLang="en-US" smtClean="0"/>
-              <a:t>2022-04-15</a:t>
+              <a:t>2022-04-20</a:t>
             </a:fld>
             <a:endParaRPr lang="ko-KR" altLang="en-US"/>
           </a:p>
@@ -8242,7 +6513,7 @@
           <a:p>
             <a:fld id="{9FE7A9D4-2312-4C80-955C-3A7FA2F8832A}" type="datetimeFigureOut">
               <a:rPr lang="ko-KR" altLang="en-US" smtClean="0"/>
-              <a:t>2022-04-15</a:t>
+              <a:t>2022-04-20</a:t>
             </a:fld>
             <a:endParaRPr lang="ko-KR" altLang="en-US"/>
           </a:p>
@@ -8456,7 +6727,7 @@
           <a:p>
             <a:fld id="{9FE7A9D4-2312-4C80-955C-3A7FA2F8832A}" type="datetimeFigureOut">
               <a:rPr lang="ko-KR" altLang="en-US" smtClean="0"/>
-              <a:t>2022-04-15</a:t>
+              <a:t>2022-04-20</a:t>
             </a:fld>
             <a:endParaRPr lang="ko-KR" altLang="en-US"/>
           </a:p>
@@ -8779,7 +7050,7 @@
           <a:p>
             <a:fld id="{9FE7A9D4-2312-4C80-955C-3A7FA2F8832A}" type="datetimeFigureOut">
               <a:rPr lang="ko-KR" altLang="en-US" smtClean="0"/>
-              <a:t>2022-04-15</a:t>
+              <a:t>2022-04-20</a:t>
             </a:fld>
             <a:endParaRPr lang="ko-KR" altLang="en-US"/>
           </a:p>
@@ -9032,7 +7303,7 @@
           <a:p>
             <a:fld id="{9FE7A9D4-2312-4C80-955C-3A7FA2F8832A}" type="datetimeFigureOut">
               <a:rPr lang="ko-KR" altLang="en-US" smtClean="0"/>
-              <a:t>2022-04-15</a:t>
+              <a:t>2022-04-20</a:t>
             </a:fld>
             <a:endParaRPr lang="ko-KR" altLang="en-US"/>
           </a:p>
@@ -9683,6 +7954,1096 @@
 <file path=ppt/slides/slide10.xml><?xml version="1.0" encoding="utf-8"?>
 <p:sld xmlns:a="http://schemas.openxmlformats.org/drawingml/2006/main" xmlns:r="http://schemas.openxmlformats.org/officeDocument/2006/relationships" xmlns:p="http://schemas.openxmlformats.org/presentationml/2006/main">
   <p:cSld>
+    <p:spTree>
+      <p:nvGrpSpPr>
+        <p:cNvPr id="1" name=""/>
+        <p:cNvGrpSpPr/>
+        <p:nvPr/>
+      </p:nvGrpSpPr>
+      <p:grpSpPr>
+        <a:xfrm>
+          <a:off x="0" y="0"/>
+          <a:ext cx="0" cy="0"/>
+          <a:chOff x="0" y="0"/>
+          <a:chExt cx="0" cy="0"/>
+        </a:xfrm>
+      </p:grpSpPr>
+      <p:pic>
+        <p:nvPicPr>
+          <p:cNvPr id="3" name="그림 2">
+            <a:extLst>
+              <a:ext uri="{FF2B5EF4-FFF2-40B4-BE49-F238E27FC236}">
+                <a16:creationId xmlns:a16="http://schemas.microsoft.com/office/drawing/2014/main" id="{82D93C43-3253-4216-ACCA-3AA1DFCBC071}"/>
+              </a:ext>
+            </a:extLst>
+          </p:cNvPr>
+          <p:cNvPicPr>
+            <a:picLocks noChangeAspect="1"/>
+          </p:cNvPicPr>
+          <p:nvPr/>
+        </p:nvPicPr>
+        <p:blipFill>
+          <a:blip r:embed="rId2"/>
+          <a:stretch>
+            <a:fillRect/>
+          </a:stretch>
+        </p:blipFill>
+        <p:spPr>
+          <a:xfrm>
+            <a:off x="3590925" y="1924050"/>
+            <a:ext cx="5010150" cy="3009900"/>
+          </a:xfrm>
+          <a:prstGeom prst="rect">
+            <a:avLst/>
+          </a:prstGeom>
+        </p:spPr>
+      </p:pic>
+      <p:pic>
+        <p:nvPicPr>
+          <p:cNvPr id="5" name="그림 4">
+            <a:extLst>
+              <a:ext uri="{FF2B5EF4-FFF2-40B4-BE49-F238E27FC236}">
+                <a16:creationId xmlns:a16="http://schemas.microsoft.com/office/drawing/2014/main" id="{973344C8-BB85-4E61-A69E-705C6ACF04DB}"/>
+              </a:ext>
+            </a:extLst>
+          </p:cNvPr>
+          <p:cNvPicPr>
+            <a:picLocks noChangeAspect="1"/>
+          </p:cNvPicPr>
+          <p:nvPr/>
+        </p:nvPicPr>
+        <p:blipFill>
+          <a:blip r:embed="rId3"/>
+          <a:stretch>
+            <a:fillRect/>
+          </a:stretch>
+        </p:blipFill>
+        <p:spPr>
+          <a:xfrm>
+            <a:off x="2574802" y="3180251"/>
+            <a:ext cx="4619625" cy="3076575"/>
+          </a:xfrm>
+          <a:prstGeom prst="rect">
+            <a:avLst/>
+          </a:prstGeom>
+        </p:spPr>
+      </p:pic>
+    </p:spTree>
+    <p:extLst>
+      <p:ext uri="{BB962C8B-B14F-4D97-AF65-F5344CB8AC3E}">
+        <p14:creationId xmlns:p14="http://schemas.microsoft.com/office/powerpoint/2010/main" val="3716116996"/>
+      </p:ext>
+    </p:extLst>
+  </p:cSld>
+  <p:clrMapOvr>
+    <a:masterClrMapping/>
+  </p:clrMapOvr>
+  <mc:AlternateContent xmlns:mc="http://schemas.openxmlformats.org/markup-compatibility/2006" xmlns:p14="http://schemas.microsoft.com/office/powerpoint/2010/main">
+    <mc:Choice Requires="p14">
+      <p:transition spd="med" p14:dur="700">
+        <p:fade/>
+      </p:transition>
+    </mc:Choice>
+    <mc:Fallback xmlns="">
+      <p:transition spd="med">
+        <p:fade/>
+      </p:transition>
+    </mc:Fallback>
+  </mc:AlternateContent>
+</p:sld>
+</file>
+
+<file path=ppt/slides/slide11.xml><?xml version="1.0" encoding="utf-8"?>
+<p:sld xmlns:a="http://schemas.openxmlformats.org/drawingml/2006/main" xmlns:r="http://schemas.openxmlformats.org/officeDocument/2006/relationships" xmlns:p="http://schemas.openxmlformats.org/presentationml/2006/main">
+  <p:cSld>
+    <p:spTree>
+      <p:nvGrpSpPr>
+        <p:cNvPr id="1" name=""/>
+        <p:cNvGrpSpPr/>
+        <p:nvPr/>
+      </p:nvGrpSpPr>
+      <p:grpSpPr>
+        <a:xfrm>
+          <a:off x="0" y="0"/>
+          <a:ext cx="0" cy="0"/>
+          <a:chOff x="0" y="0"/>
+          <a:chExt cx="0" cy="0"/>
+        </a:xfrm>
+      </p:grpSpPr>
+      <p:pic>
+        <p:nvPicPr>
+          <p:cNvPr id="3" name="그림 2">
+            <a:extLst>
+              <a:ext uri="{FF2B5EF4-FFF2-40B4-BE49-F238E27FC236}">
+                <a16:creationId xmlns:a16="http://schemas.microsoft.com/office/drawing/2014/main" id="{E0DECA7D-DF4A-4427-B4BD-EA923C20E15A}"/>
+              </a:ext>
+            </a:extLst>
+          </p:cNvPr>
+          <p:cNvPicPr>
+            <a:picLocks noChangeAspect="1"/>
+          </p:cNvPicPr>
+          <p:nvPr/>
+        </p:nvPicPr>
+        <p:blipFill>
+          <a:blip r:embed="rId2"/>
+          <a:stretch>
+            <a:fillRect/>
+          </a:stretch>
+        </p:blipFill>
+        <p:spPr>
+          <a:xfrm>
+            <a:off x="2025283" y="492002"/>
+            <a:ext cx="4733925" cy="3857625"/>
+          </a:xfrm>
+          <a:prstGeom prst="rect">
+            <a:avLst/>
+          </a:prstGeom>
+        </p:spPr>
+      </p:pic>
+      <p:pic>
+        <p:nvPicPr>
+          <p:cNvPr id="5" name="그림 4">
+            <a:extLst>
+              <a:ext uri="{FF2B5EF4-FFF2-40B4-BE49-F238E27FC236}">
+                <a16:creationId xmlns:a16="http://schemas.microsoft.com/office/drawing/2014/main" id="{61EDA5A2-64C3-4041-887B-06288090AB3C}"/>
+              </a:ext>
+            </a:extLst>
+          </p:cNvPr>
+          <p:cNvPicPr>
+            <a:picLocks noChangeAspect="1"/>
+          </p:cNvPicPr>
+          <p:nvPr/>
+        </p:nvPicPr>
+        <p:blipFill>
+          <a:blip r:embed="rId3"/>
+          <a:stretch>
+            <a:fillRect/>
+          </a:stretch>
+        </p:blipFill>
+        <p:spPr>
+          <a:xfrm>
+            <a:off x="6604977" y="1805231"/>
+            <a:ext cx="4343400" cy="2809875"/>
+          </a:xfrm>
+          <a:prstGeom prst="rect">
+            <a:avLst/>
+          </a:prstGeom>
+        </p:spPr>
+      </p:pic>
+      <p:pic>
+        <p:nvPicPr>
+          <p:cNvPr id="7" name="그림 6">
+            <a:extLst>
+              <a:ext uri="{FF2B5EF4-FFF2-40B4-BE49-F238E27FC236}">
+                <a16:creationId xmlns:a16="http://schemas.microsoft.com/office/drawing/2014/main" id="{4D61FCBF-B520-4863-9857-1284C6E9C9F6}"/>
+              </a:ext>
+            </a:extLst>
+          </p:cNvPr>
+          <p:cNvPicPr>
+            <a:picLocks noChangeAspect="1"/>
+          </p:cNvPicPr>
+          <p:nvPr/>
+        </p:nvPicPr>
+        <p:blipFill>
+          <a:blip r:embed="rId4"/>
+          <a:stretch>
+            <a:fillRect/>
+          </a:stretch>
+        </p:blipFill>
+        <p:spPr>
+          <a:xfrm>
+            <a:off x="2807310" y="3001473"/>
+            <a:ext cx="4467225" cy="3762375"/>
+          </a:xfrm>
+          <a:prstGeom prst="rect">
+            <a:avLst/>
+          </a:prstGeom>
+        </p:spPr>
+      </p:pic>
+      <p:pic>
+        <p:nvPicPr>
+          <p:cNvPr id="9" name="그림 8">
+            <a:extLst>
+              <a:ext uri="{FF2B5EF4-FFF2-40B4-BE49-F238E27FC236}">
+                <a16:creationId xmlns:a16="http://schemas.microsoft.com/office/drawing/2014/main" id="{7F8B7AA8-5E28-49D1-BA83-01C0F94A45DB}"/>
+              </a:ext>
+            </a:extLst>
+          </p:cNvPr>
+          <p:cNvPicPr>
+            <a:picLocks noChangeAspect="1"/>
+          </p:cNvPicPr>
+          <p:nvPr/>
+        </p:nvPicPr>
+        <p:blipFill>
+          <a:blip r:embed="rId5"/>
+          <a:stretch>
+            <a:fillRect/>
+          </a:stretch>
+        </p:blipFill>
+        <p:spPr>
+          <a:xfrm>
+            <a:off x="2814637" y="1171575"/>
+            <a:ext cx="6562725" cy="4514850"/>
+          </a:xfrm>
+          <a:prstGeom prst="rect">
+            <a:avLst/>
+          </a:prstGeom>
+        </p:spPr>
+      </p:pic>
+    </p:spTree>
+    <p:extLst>
+      <p:ext uri="{BB962C8B-B14F-4D97-AF65-F5344CB8AC3E}">
+        <p14:creationId xmlns:p14="http://schemas.microsoft.com/office/powerpoint/2010/main" val="1341258287"/>
+      </p:ext>
+    </p:extLst>
+  </p:cSld>
+  <p:clrMapOvr>
+    <a:masterClrMapping/>
+  </p:clrMapOvr>
+  <mc:AlternateContent xmlns:mc="http://schemas.openxmlformats.org/markup-compatibility/2006" xmlns:p14="http://schemas.microsoft.com/office/powerpoint/2010/main">
+    <mc:Choice Requires="p14">
+      <p:transition spd="med" p14:dur="700">
+        <p:fade/>
+      </p:transition>
+    </mc:Choice>
+    <mc:Fallback xmlns="">
+      <p:transition spd="med">
+        <p:fade/>
+      </p:transition>
+    </mc:Fallback>
+  </mc:AlternateContent>
+</p:sld>
+</file>
+
+<file path=ppt/slides/slide12.xml><?xml version="1.0" encoding="utf-8"?>
+<p:sld xmlns:a="http://schemas.openxmlformats.org/drawingml/2006/main" xmlns:r="http://schemas.openxmlformats.org/officeDocument/2006/relationships" xmlns:p="http://schemas.openxmlformats.org/presentationml/2006/main">
+  <p:cSld>
+    <p:spTree>
+      <p:nvGrpSpPr>
+        <p:cNvPr id="1" name=""/>
+        <p:cNvGrpSpPr/>
+        <p:nvPr/>
+      </p:nvGrpSpPr>
+      <p:grpSpPr>
+        <a:xfrm>
+          <a:off x="0" y="0"/>
+          <a:ext cx="0" cy="0"/>
+          <a:chOff x="0" y="0"/>
+          <a:chExt cx="0" cy="0"/>
+        </a:xfrm>
+      </p:grpSpPr>
+      <p:pic>
+        <p:nvPicPr>
+          <p:cNvPr id="3" name="그림 2">
+            <a:extLst>
+              <a:ext uri="{FF2B5EF4-FFF2-40B4-BE49-F238E27FC236}">
+                <a16:creationId xmlns:a16="http://schemas.microsoft.com/office/drawing/2014/main" id="{585C312D-8579-4ACD-B00A-7983B2CE06F8}"/>
+              </a:ext>
+            </a:extLst>
+          </p:cNvPr>
+          <p:cNvPicPr>
+            <a:picLocks noChangeAspect="1"/>
+          </p:cNvPicPr>
+          <p:nvPr/>
+        </p:nvPicPr>
+        <p:blipFill>
+          <a:blip r:embed="rId2"/>
+          <a:stretch>
+            <a:fillRect/>
+          </a:stretch>
+        </p:blipFill>
+        <p:spPr>
+          <a:xfrm>
+            <a:off x="271462" y="134693"/>
+            <a:ext cx="6772275" cy="4181475"/>
+          </a:xfrm>
+          <a:prstGeom prst="rect">
+            <a:avLst/>
+          </a:prstGeom>
+        </p:spPr>
+      </p:pic>
+      <p:pic>
+        <p:nvPicPr>
+          <p:cNvPr id="5" name="그림 4">
+            <a:extLst>
+              <a:ext uri="{FF2B5EF4-FFF2-40B4-BE49-F238E27FC236}">
+                <a16:creationId xmlns:a16="http://schemas.microsoft.com/office/drawing/2014/main" id="{15731BA2-4460-45E2-9A8A-1F9160866AD1}"/>
+              </a:ext>
+            </a:extLst>
+          </p:cNvPr>
+          <p:cNvPicPr>
+            <a:picLocks noChangeAspect="1"/>
+          </p:cNvPicPr>
+          <p:nvPr/>
+        </p:nvPicPr>
+        <p:blipFill>
+          <a:blip r:embed="rId3"/>
+          <a:stretch>
+            <a:fillRect/>
+          </a:stretch>
+        </p:blipFill>
+        <p:spPr>
+          <a:xfrm>
+            <a:off x="4817330" y="270608"/>
+            <a:ext cx="6715125" cy="4191000"/>
+          </a:xfrm>
+          <a:prstGeom prst="rect">
+            <a:avLst/>
+          </a:prstGeom>
+        </p:spPr>
+      </p:pic>
+      <p:pic>
+        <p:nvPicPr>
+          <p:cNvPr id="7" name="그림 6">
+            <a:extLst>
+              <a:ext uri="{FF2B5EF4-FFF2-40B4-BE49-F238E27FC236}">
+                <a16:creationId xmlns:a16="http://schemas.microsoft.com/office/drawing/2014/main" id="{91845FF1-75CC-40D5-9CDF-2BED2ED6E370}"/>
+              </a:ext>
+            </a:extLst>
+          </p:cNvPr>
+          <p:cNvPicPr>
+            <a:picLocks noChangeAspect="1"/>
+          </p:cNvPicPr>
+          <p:nvPr/>
+        </p:nvPicPr>
+        <p:blipFill>
+          <a:blip r:embed="rId4"/>
+          <a:stretch>
+            <a:fillRect/>
+          </a:stretch>
+        </p:blipFill>
+        <p:spPr>
+          <a:xfrm>
+            <a:off x="855173" y="2366108"/>
+            <a:ext cx="4448175" cy="3714750"/>
+          </a:xfrm>
+          <a:prstGeom prst="rect">
+            <a:avLst/>
+          </a:prstGeom>
+        </p:spPr>
+      </p:pic>
+      <p:pic>
+        <p:nvPicPr>
+          <p:cNvPr id="9" name="그림 8">
+            <a:extLst>
+              <a:ext uri="{FF2B5EF4-FFF2-40B4-BE49-F238E27FC236}">
+                <a16:creationId xmlns:a16="http://schemas.microsoft.com/office/drawing/2014/main" id="{36A58D32-4934-4E45-AE1B-AC860EA8074C}"/>
+              </a:ext>
+            </a:extLst>
+          </p:cNvPr>
+          <p:cNvPicPr>
+            <a:picLocks noChangeAspect="1"/>
+          </p:cNvPicPr>
+          <p:nvPr/>
+        </p:nvPicPr>
+        <p:blipFill>
+          <a:blip r:embed="rId5"/>
+          <a:stretch>
+            <a:fillRect/>
+          </a:stretch>
+        </p:blipFill>
+        <p:spPr>
+          <a:xfrm>
+            <a:off x="5231056" y="2444505"/>
+            <a:ext cx="4543425" cy="3743325"/>
+          </a:xfrm>
+          <a:prstGeom prst="rect">
+            <a:avLst/>
+          </a:prstGeom>
+        </p:spPr>
+      </p:pic>
+      <p:pic>
+        <p:nvPicPr>
+          <p:cNvPr id="11" name="그림 10">
+            <a:extLst>
+              <a:ext uri="{FF2B5EF4-FFF2-40B4-BE49-F238E27FC236}">
+                <a16:creationId xmlns:a16="http://schemas.microsoft.com/office/drawing/2014/main" id="{E23EB4DE-7AF1-48BC-9623-2359FEDD394A}"/>
+              </a:ext>
+            </a:extLst>
+          </p:cNvPr>
+          <p:cNvPicPr>
+            <a:picLocks noChangeAspect="1"/>
+          </p:cNvPicPr>
+          <p:nvPr/>
+        </p:nvPicPr>
+        <p:blipFill>
+          <a:blip r:embed="rId6"/>
+          <a:stretch>
+            <a:fillRect/>
+          </a:stretch>
+        </p:blipFill>
+        <p:spPr>
+          <a:xfrm>
+            <a:off x="6837610" y="2225430"/>
+            <a:ext cx="4438650" cy="3657600"/>
+          </a:xfrm>
+          <a:prstGeom prst="rect">
+            <a:avLst/>
+          </a:prstGeom>
+        </p:spPr>
+      </p:pic>
+    </p:spTree>
+    <p:extLst>
+      <p:ext uri="{BB962C8B-B14F-4D97-AF65-F5344CB8AC3E}">
+        <p14:creationId xmlns:p14="http://schemas.microsoft.com/office/powerpoint/2010/main" val="2939789789"/>
+      </p:ext>
+    </p:extLst>
+  </p:cSld>
+  <p:clrMapOvr>
+    <a:masterClrMapping/>
+  </p:clrMapOvr>
+  <mc:AlternateContent xmlns:mc="http://schemas.openxmlformats.org/markup-compatibility/2006" xmlns:p14="http://schemas.microsoft.com/office/powerpoint/2010/main">
+    <mc:Choice Requires="p14">
+      <p:transition spd="med" p14:dur="700">
+        <p:fade/>
+      </p:transition>
+    </mc:Choice>
+    <mc:Fallback xmlns="">
+      <p:transition spd="med">
+        <p:fade/>
+      </p:transition>
+    </mc:Fallback>
+  </mc:AlternateContent>
+</p:sld>
+</file>
+
+<file path=ppt/slides/slide13.xml><?xml version="1.0" encoding="utf-8"?>
+<p:sld xmlns:a="http://schemas.openxmlformats.org/drawingml/2006/main" xmlns:r="http://schemas.openxmlformats.org/officeDocument/2006/relationships" xmlns:p="http://schemas.openxmlformats.org/presentationml/2006/main">
+  <p:cSld>
+    <p:spTree>
+      <p:nvGrpSpPr>
+        <p:cNvPr id="1" name=""/>
+        <p:cNvGrpSpPr/>
+        <p:nvPr/>
+      </p:nvGrpSpPr>
+      <p:grpSpPr>
+        <a:xfrm>
+          <a:off x="0" y="0"/>
+          <a:ext cx="0" cy="0"/>
+          <a:chOff x="0" y="0"/>
+          <a:chExt cx="0" cy="0"/>
+        </a:xfrm>
+      </p:grpSpPr>
+      <p:pic>
+        <p:nvPicPr>
+          <p:cNvPr id="3" name="그림 2">
+            <a:extLst>
+              <a:ext uri="{FF2B5EF4-FFF2-40B4-BE49-F238E27FC236}">
+                <a16:creationId xmlns:a16="http://schemas.microsoft.com/office/drawing/2014/main" id="{47B9F225-492E-4FEB-B75A-2D953A237B75}"/>
+              </a:ext>
+            </a:extLst>
+          </p:cNvPr>
+          <p:cNvPicPr>
+            <a:picLocks noChangeAspect="1"/>
+          </p:cNvPicPr>
+          <p:nvPr/>
+        </p:nvPicPr>
+        <p:blipFill>
+          <a:blip r:embed="rId2"/>
+          <a:stretch>
+            <a:fillRect/>
+          </a:stretch>
+        </p:blipFill>
+        <p:spPr>
+          <a:xfrm>
+            <a:off x="1504950" y="575896"/>
+            <a:ext cx="4591050" cy="3924300"/>
+          </a:xfrm>
+          <a:prstGeom prst="rect">
+            <a:avLst/>
+          </a:prstGeom>
+        </p:spPr>
+      </p:pic>
+    </p:spTree>
+    <p:extLst>
+      <p:ext uri="{BB962C8B-B14F-4D97-AF65-F5344CB8AC3E}">
+        <p14:creationId xmlns:p14="http://schemas.microsoft.com/office/powerpoint/2010/main" val="1372021856"/>
+      </p:ext>
+    </p:extLst>
+  </p:cSld>
+  <p:clrMapOvr>
+    <a:masterClrMapping/>
+  </p:clrMapOvr>
+  <mc:AlternateContent xmlns:mc="http://schemas.openxmlformats.org/markup-compatibility/2006" xmlns:p14="http://schemas.microsoft.com/office/powerpoint/2010/main">
+    <mc:Choice Requires="p14">
+      <p:transition spd="med" p14:dur="700">
+        <p:fade/>
+      </p:transition>
+    </mc:Choice>
+    <mc:Fallback xmlns="">
+      <p:transition spd="med">
+        <p:fade/>
+      </p:transition>
+    </mc:Fallback>
+  </mc:AlternateContent>
+</p:sld>
+</file>
+
+<file path=ppt/slides/slide14.xml><?xml version="1.0" encoding="utf-8"?>
+<p:sld xmlns:a="http://schemas.openxmlformats.org/drawingml/2006/main" xmlns:r="http://schemas.openxmlformats.org/officeDocument/2006/relationships" xmlns:p="http://schemas.openxmlformats.org/presentationml/2006/main">
+  <p:cSld>
+    <p:bg>
+      <p:bgPr>
+        <a:solidFill>
+          <a:schemeClr val="accent2"/>
+        </a:solidFill>
+        <a:effectLst/>
+      </p:bgPr>
+    </p:bg>
+    <p:spTree>
+      <p:nvGrpSpPr>
+        <p:cNvPr id="1" name=""/>
+        <p:cNvGrpSpPr/>
+        <p:nvPr/>
+      </p:nvGrpSpPr>
+      <p:grpSpPr>
+        <a:xfrm>
+          <a:off x="0" y="0"/>
+          <a:ext cx="0" cy="0"/>
+          <a:chOff x="0" y="0"/>
+          <a:chExt cx="0" cy="0"/>
+        </a:xfrm>
+      </p:grpSpPr>
+      <p:sp>
+        <p:nvSpPr>
+          <p:cNvPr id="3" name="TextBox 2">
+            <a:extLst>
+              <a:ext uri="{FF2B5EF4-FFF2-40B4-BE49-F238E27FC236}">
+                <a16:creationId xmlns:a16="http://schemas.microsoft.com/office/drawing/2014/main" id="{91C4265C-0EAD-4FFD-BF99-406D49533C1D}"/>
+              </a:ext>
+            </a:extLst>
+          </p:cNvPr>
+          <p:cNvSpPr txBox="1"/>
+          <p:nvPr/>
+        </p:nvSpPr>
+        <p:spPr>
+          <a:xfrm>
+            <a:off x="3048000" y="3244334"/>
+            <a:ext cx="6096000" cy="369332"/>
+          </a:xfrm>
+          <a:prstGeom prst="rect">
+            <a:avLst/>
+          </a:prstGeom>
+          <a:noFill/>
+        </p:spPr>
+        <p:txBody>
+          <a:bodyPr wrap="square">
+            <a:spAutoFit/>
+          </a:bodyPr>
+          <a:lstStyle/>
+          <a:p>
+            <a:pPr algn="ctr"/>
+            <a:r>
+              <a:rPr lang="en-US" altLang="ko-KR" sz="1800" dirty="0">
+                <a:solidFill>
+                  <a:schemeClr val="bg1"/>
+                </a:solidFill>
+              </a:rPr>
+              <a:t>Winter Dream</a:t>
+            </a:r>
+            <a:endParaRPr lang="ko-KR" altLang="en-US" sz="1800" dirty="0">
+              <a:solidFill>
+                <a:schemeClr val="bg1"/>
+              </a:solidFill>
+            </a:endParaRPr>
+          </a:p>
+        </p:txBody>
+      </p:sp>
+      <p:sp>
+        <p:nvSpPr>
+          <p:cNvPr id="4" name="TextBox 3">
+            <a:extLst>
+              <a:ext uri="{FF2B5EF4-FFF2-40B4-BE49-F238E27FC236}">
+                <a16:creationId xmlns:a16="http://schemas.microsoft.com/office/drawing/2014/main" id="{E251FDC9-B70C-4BC0-8AC7-216B5765985E}"/>
+              </a:ext>
+            </a:extLst>
+          </p:cNvPr>
+          <p:cNvSpPr txBox="1"/>
+          <p:nvPr/>
+        </p:nvSpPr>
+        <p:spPr>
+          <a:xfrm>
+            <a:off x="5122015" y="2824480"/>
+            <a:ext cx="1947969" cy="369332"/>
+          </a:xfrm>
+          <a:prstGeom prst="rect">
+            <a:avLst/>
+          </a:prstGeom>
+          <a:noFill/>
+        </p:spPr>
+        <p:txBody>
+          <a:bodyPr wrap="none" rtlCol="0">
+            <a:spAutoFit/>
+          </a:bodyPr>
+          <a:lstStyle/>
+          <a:p>
+            <a:pPr algn="ctr"/>
+            <a:r>
+              <a:rPr lang="ko-KR" altLang="en-US" dirty="0">
+                <a:solidFill>
+                  <a:schemeClr val="bg1"/>
+                </a:solidFill>
+              </a:rPr>
+              <a:t>성큼 다가온 겨울</a:t>
+            </a:r>
+          </a:p>
+        </p:txBody>
+      </p:sp>
+      <p:sp>
+        <p:nvSpPr>
+          <p:cNvPr id="5" name="양쪽 대괄호 4">
+            <a:extLst>
+              <a:ext uri="{FF2B5EF4-FFF2-40B4-BE49-F238E27FC236}">
+                <a16:creationId xmlns:a16="http://schemas.microsoft.com/office/drawing/2014/main" id="{7B2CAB3D-75D4-47BA-AA00-C925C76EC1D2}"/>
+              </a:ext>
+            </a:extLst>
+          </p:cNvPr>
+          <p:cNvSpPr/>
+          <p:nvPr/>
+        </p:nvSpPr>
+        <p:spPr>
+          <a:xfrm>
+            <a:off x="2153919" y="2009279"/>
+            <a:ext cx="7884160" cy="2369066"/>
+          </a:xfrm>
+          <a:prstGeom prst="bracketPair">
+            <a:avLst>
+              <a:gd name="adj" fmla="val 10867"/>
+            </a:avLst>
+          </a:prstGeom>
+          <a:ln>
+            <a:solidFill>
+              <a:schemeClr val="bg1">
+                <a:lumMod val="95000"/>
+              </a:schemeClr>
+            </a:solidFill>
+          </a:ln>
+        </p:spPr>
+        <p:style>
+          <a:lnRef idx="1">
+            <a:schemeClr val="accent1"/>
+          </a:lnRef>
+          <a:fillRef idx="0">
+            <a:schemeClr val="accent1"/>
+          </a:fillRef>
+          <a:effectRef idx="0">
+            <a:schemeClr val="accent1"/>
+          </a:effectRef>
+          <a:fontRef idx="minor">
+            <a:schemeClr val="tx1"/>
+          </a:fontRef>
+        </p:style>
+        <p:txBody>
+          <a:bodyPr rtlCol="0" anchor="ctr"/>
+          <a:lstStyle/>
+          <a:p>
+            <a:pPr algn="ctr"/>
+            <a:endParaRPr lang="ko-KR" altLang="en-US"/>
+          </a:p>
+        </p:txBody>
+      </p:sp>
+      <p:sp>
+        <p:nvSpPr>
+          <p:cNvPr id="6" name="TextBox 5">
+            <a:extLst>
+              <a:ext uri="{FF2B5EF4-FFF2-40B4-BE49-F238E27FC236}">
+                <a16:creationId xmlns:a16="http://schemas.microsoft.com/office/drawing/2014/main" id="{99A3A4B1-78DD-4F9A-807D-7BC51AFF4B1A}"/>
+              </a:ext>
+            </a:extLst>
+          </p:cNvPr>
+          <p:cNvSpPr txBox="1"/>
+          <p:nvPr/>
+        </p:nvSpPr>
+        <p:spPr>
+          <a:xfrm>
+            <a:off x="182880" y="193040"/>
+            <a:ext cx="1832553" cy="338554"/>
+          </a:xfrm>
+          <a:prstGeom prst="rect">
+            <a:avLst/>
+          </a:prstGeom>
+          <a:noFill/>
+        </p:spPr>
+        <p:txBody>
+          <a:bodyPr wrap="none" rtlCol="0">
+            <a:spAutoFit/>
+          </a:bodyPr>
+          <a:lstStyle/>
+          <a:p>
+            <a:r>
+              <a:rPr lang="ko-KR" altLang="en-US" sz="1600" dirty="0" err="1">
+                <a:solidFill>
+                  <a:schemeClr val="bg1"/>
+                </a:solidFill>
+              </a:rPr>
+              <a:t>새별의</a:t>
+            </a:r>
+            <a:r>
+              <a:rPr lang="ko-KR" altLang="en-US" sz="1600" dirty="0">
+                <a:solidFill>
+                  <a:schemeClr val="bg1"/>
+                </a:solidFill>
+              </a:rPr>
+              <a:t> 파워포인트</a:t>
+            </a:r>
+          </a:p>
+        </p:txBody>
+      </p:sp>
+    </p:spTree>
+    <p:extLst>
+      <p:ext uri="{BB962C8B-B14F-4D97-AF65-F5344CB8AC3E}">
+        <p14:creationId xmlns:p14="http://schemas.microsoft.com/office/powerpoint/2010/main" val="2838248862"/>
+      </p:ext>
+    </p:extLst>
+  </p:cSld>
+  <p:clrMapOvr>
+    <a:masterClrMapping/>
+  </p:clrMapOvr>
+  <mc:AlternateContent xmlns:mc="http://schemas.openxmlformats.org/markup-compatibility/2006" xmlns:p14="http://schemas.microsoft.com/office/powerpoint/2010/main">
+    <mc:Choice Requires="p14">
+      <p:transition spd="med" p14:dur="700">
+        <p:fade/>
+      </p:transition>
+    </mc:Choice>
+    <mc:Fallback xmlns="">
+      <p:transition spd="med">
+        <p:fade/>
+      </p:transition>
+    </mc:Fallback>
+  </mc:AlternateContent>
+</p:sld>
+</file>
+
+<file path=ppt/slides/slide15.xml><?xml version="1.0" encoding="utf-8"?>
+<p:sld xmlns:a="http://schemas.openxmlformats.org/drawingml/2006/main" xmlns:r="http://schemas.openxmlformats.org/officeDocument/2006/relationships" xmlns:p="http://schemas.openxmlformats.org/presentationml/2006/main">
+  <p:cSld>
+    <p:spTree>
+      <p:nvGrpSpPr>
+        <p:cNvPr id="1" name=""/>
+        <p:cNvGrpSpPr/>
+        <p:nvPr/>
+      </p:nvGrpSpPr>
+      <p:grpSpPr>
+        <a:xfrm>
+          <a:off x="0" y="0"/>
+          <a:ext cx="0" cy="0"/>
+          <a:chOff x="0" y="0"/>
+          <a:chExt cx="0" cy="0"/>
+        </a:xfrm>
+      </p:grpSpPr>
+    </p:spTree>
+    <p:extLst>
+      <p:ext uri="{BB962C8B-B14F-4D97-AF65-F5344CB8AC3E}">
+        <p14:creationId xmlns:p14="http://schemas.microsoft.com/office/powerpoint/2010/main" val="3163970846"/>
+      </p:ext>
+    </p:extLst>
+  </p:cSld>
+  <p:clrMapOvr>
+    <a:masterClrMapping/>
+  </p:clrMapOvr>
+  <mc:AlternateContent xmlns:mc="http://schemas.openxmlformats.org/markup-compatibility/2006" xmlns:p14="http://schemas.microsoft.com/office/powerpoint/2010/main">
+    <mc:Choice Requires="p14">
+      <p:transition spd="med" p14:dur="700">
+        <p:fade/>
+      </p:transition>
+    </mc:Choice>
+    <mc:Fallback xmlns="">
+      <p:transition spd="med">
+        <p:fade/>
+      </p:transition>
+    </mc:Fallback>
+  </mc:AlternateContent>
+</p:sld>
+</file>
+
+<file path=ppt/slides/slide16.xml><?xml version="1.0" encoding="utf-8"?>
+<p:sld xmlns:a="http://schemas.openxmlformats.org/drawingml/2006/main" xmlns:r="http://schemas.openxmlformats.org/officeDocument/2006/relationships" xmlns:p="http://schemas.openxmlformats.org/presentationml/2006/main">
+  <p:cSld>
+    <p:bg>
+      <p:bgPr>
+        <a:solidFill>
+          <a:schemeClr val="accent4"/>
+        </a:solidFill>
+        <a:effectLst/>
+      </p:bgPr>
+    </p:bg>
+    <p:spTree>
+      <p:nvGrpSpPr>
+        <p:cNvPr id="1" name=""/>
+        <p:cNvGrpSpPr/>
+        <p:nvPr/>
+      </p:nvGrpSpPr>
+      <p:grpSpPr>
+        <a:xfrm>
+          <a:off x="0" y="0"/>
+          <a:ext cx="0" cy="0"/>
+          <a:chOff x="0" y="0"/>
+          <a:chExt cx="0" cy="0"/>
+        </a:xfrm>
+      </p:grpSpPr>
+    </p:spTree>
+    <p:extLst>
+      <p:ext uri="{BB962C8B-B14F-4D97-AF65-F5344CB8AC3E}">
+        <p14:creationId xmlns:p14="http://schemas.microsoft.com/office/powerpoint/2010/main" val="554767197"/>
+      </p:ext>
+    </p:extLst>
+  </p:cSld>
+  <p:clrMapOvr>
+    <a:masterClrMapping/>
+  </p:clrMapOvr>
+  <mc:AlternateContent xmlns:mc="http://schemas.openxmlformats.org/markup-compatibility/2006">
+    <mc:Choice xmlns:p14="http://schemas.microsoft.com/office/powerpoint/2010/main" Requires="p14">
+      <p:transition spd="med" p14:dur="700">
+        <p:fade/>
+      </p:transition>
+    </mc:Choice>
+    <mc:Fallback>
+      <p:transition spd="med">
+        <p:fade/>
+      </p:transition>
+    </mc:Fallback>
+  </mc:AlternateContent>
+</p:sld>
+</file>
+
+<file path=ppt/slides/slide17.xml><?xml version="1.0" encoding="utf-8"?>
+<p:sld xmlns:a="http://schemas.openxmlformats.org/drawingml/2006/main" xmlns:r="http://schemas.openxmlformats.org/officeDocument/2006/relationships" xmlns:p="http://schemas.openxmlformats.org/presentationml/2006/main">
+  <p:cSld>
+    <p:bg>
+      <p:bgPr>
+        <a:solidFill>
+          <a:schemeClr val="accent2"/>
+        </a:solidFill>
+        <a:effectLst/>
+      </p:bgPr>
+    </p:bg>
+    <p:spTree>
+      <p:nvGrpSpPr>
+        <p:cNvPr id="1" name=""/>
+        <p:cNvGrpSpPr/>
+        <p:nvPr/>
+      </p:nvGrpSpPr>
+      <p:grpSpPr>
+        <a:xfrm>
+          <a:off x="0" y="0"/>
+          <a:ext cx="0" cy="0"/>
+          <a:chOff x="0" y="0"/>
+          <a:chExt cx="0" cy="0"/>
+        </a:xfrm>
+      </p:grpSpPr>
+      <p:sp>
+        <p:nvSpPr>
+          <p:cNvPr id="3" name="TextBox 2">
+            <a:extLst>
+              <a:ext uri="{FF2B5EF4-FFF2-40B4-BE49-F238E27FC236}">
+                <a16:creationId xmlns:a16="http://schemas.microsoft.com/office/drawing/2014/main" id="{91C4265C-0EAD-4FFD-BF99-406D49533C1D}"/>
+              </a:ext>
+            </a:extLst>
+          </p:cNvPr>
+          <p:cNvSpPr txBox="1"/>
+          <p:nvPr/>
+        </p:nvSpPr>
+        <p:spPr>
+          <a:xfrm>
+            <a:off x="3048000" y="3244334"/>
+            <a:ext cx="6096000" cy="369332"/>
+          </a:xfrm>
+          <a:prstGeom prst="rect">
+            <a:avLst/>
+          </a:prstGeom>
+          <a:noFill/>
+        </p:spPr>
+        <p:txBody>
+          <a:bodyPr wrap="square">
+            <a:spAutoFit/>
+          </a:bodyPr>
+          <a:lstStyle/>
+          <a:p>
+            <a:pPr algn="ctr"/>
+            <a:r>
+              <a:rPr lang="en-US" altLang="ko-KR" sz="1800" dirty="0">
+                <a:solidFill>
+                  <a:schemeClr val="bg1"/>
+                </a:solidFill>
+              </a:rPr>
+              <a:t>Winter Dream</a:t>
+            </a:r>
+            <a:endParaRPr lang="ko-KR" altLang="en-US" sz="1800" dirty="0">
+              <a:solidFill>
+                <a:schemeClr val="bg1"/>
+              </a:solidFill>
+            </a:endParaRPr>
+          </a:p>
+        </p:txBody>
+      </p:sp>
+      <p:sp>
+        <p:nvSpPr>
+          <p:cNvPr id="4" name="TextBox 3">
+            <a:extLst>
+              <a:ext uri="{FF2B5EF4-FFF2-40B4-BE49-F238E27FC236}">
+                <a16:creationId xmlns:a16="http://schemas.microsoft.com/office/drawing/2014/main" id="{E251FDC9-B70C-4BC0-8AC7-216B5765985E}"/>
+              </a:ext>
+            </a:extLst>
+          </p:cNvPr>
+          <p:cNvSpPr txBox="1"/>
+          <p:nvPr/>
+        </p:nvSpPr>
+        <p:spPr>
+          <a:xfrm>
+            <a:off x="5122015" y="2824480"/>
+            <a:ext cx="1947969" cy="369332"/>
+          </a:xfrm>
+          <a:prstGeom prst="rect">
+            <a:avLst/>
+          </a:prstGeom>
+          <a:noFill/>
+        </p:spPr>
+        <p:txBody>
+          <a:bodyPr wrap="none" rtlCol="0">
+            <a:spAutoFit/>
+          </a:bodyPr>
+          <a:lstStyle/>
+          <a:p>
+            <a:pPr algn="ctr"/>
+            <a:r>
+              <a:rPr lang="ko-KR" altLang="en-US" dirty="0">
+                <a:solidFill>
+                  <a:schemeClr val="bg1"/>
+                </a:solidFill>
+              </a:rPr>
+              <a:t>성큼 다가온 겨울</a:t>
+            </a:r>
+          </a:p>
+        </p:txBody>
+      </p:sp>
+      <p:sp>
+        <p:nvSpPr>
+          <p:cNvPr id="5" name="양쪽 대괄호 4">
+            <a:extLst>
+              <a:ext uri="{FF2B5EF4-FFF2-40B4-BE49-F238E27FC236}">
+                <a16:creationId xmlns:a16="http://schemas.microsoft.com/office/drawing/2014/main" id="{7B2CAB3D-75D4-47BA-AA00-C925C76EC1D2}"/>
+              </a:ext>
+            </a:extLst>
+          </p:cNvPr>
+          <p:cNvSpPr/>
+          <p:nvPr/>
+        </p:nvSpPr>
+        <p:spPr>
+          <a:xfrm>
+            <a:off x="2153919" y="2009279"/>
+            <a:ext cx="7884160" cy="2369066"/>
+          </a:xfrm>
+          <a:prstGeom prst="bracketPair">
+            <a:avLst>
+              <a:gd name="adj" fmla="val 10867"/>
+            </a:avLst>
+          </a:prstGeom>
+          <a:ln>
+            <a:solidFill>
+              <a:schemeClr val="bg1">
+                <a:lumMod val="95000"/>
+              </a:schemeClr>
+            </a:solidFill>
+          </a:ln>
+        </p:spPr>
+        <p:style>
+          <a:lnRef idx="1">
+            <a:schemeClr val="accent1"/>
+          </a:lnRef>
+          <a:fillRef idx="0">
+            <a:schemeClr val="accent1"/>
+          </a:fillRef>
+          <a:effectRef idx="0">
+            <a:schemeClr val="accent1"/>
+          </a:effectRef>
+          <a:fontRef idx="minor">
+            <a:schemeClr val="tx1"/>
+          </a:fontRef>
+        </p:style>
+        <p:txBody>
+          <a:bodyPr rtlCol="0" anchor="ctr"/>
+          <a:lstStyle/>
+          <a:p>
+            <a:pPr algn="ctr"/>
+            <a:endParaRPr lang="ko-KR" altLang="en-US"/>
+          </a:p>
+        </p:txBody>
+      </p:sp>
+      <p:sp>
+        <p:nvSpPr>
+          <p:cNvPr id="6" name="TextBox 5">
+            <a:extLst>
+              <a:ext uri="{FF2B5EF4-FFF2-40B4-BE49-F238E27FC236}">
+                <a16:creationId xmlns:a16="http://schemas.microsoft.com/office/drawing/2014/main" id="{99A3A4B1-78DD-4F9A-807D-7BC51AFF4B1A}"/>
+              </a:ext>
+            </a:extLst>
+          </p:cNvPr>
+          <p:cNvSpPr txBox="1"/>
+          <p:nvPr/>
+        </p:nvSpPr>
+        <p:spPr>
+          <a:xfrm>
+            <a:off x="182880" y="193040"/>
+            <a:ext cx="1832553" cy="338554"/>
+          </a:xfrm>
+          <a:prstGeom prst="rect">
+            <a:avLst/>
+          </a:prstGeom>
+          <a:noFill/>
+        </p:spPr>
+        <p:txBody>
+          <a:bodyPr wrap="none" rtlCol="0">
+            <a:spAutoFit/>
+          </a:bodyPr>
+          <a:lstStyle/>
+          <a:p>
+            <a:r>
+              <a:rPr lang="ko-KR" altLang="en-US" sz="1600" dirty="0" err="1">
+                <a:solidFill>
+                  <a:schemeClr val="bg1"/>
+                </a:solidFill>
+              </a:rPr>
+              <a:t>새별의</a:t>
+            </a:r>
+            <a:r>
+              <a:rPr lang="ko-KR" altLang="en-US" sz="1600" dirty="0">
+                <a:solidFill>
+                  <a:schemeClr val="bg1"/>
+                </a:solidFill>
+              </a:rPr>
+              <a:t> 파워포인트</a:t>
+            </a:r>
+          </a:p>
+        </p:txBody>
+      </p:sp>
+    </p:spTree>
+    <p:extLst>
+      <p:ext uri="{BB962C8B-B14F-4D97-AF65-F5344CB8AC3E}">
+        <p14:creationId xmlns:p14="http://schemas.microsoft.com/office/powerpoint/2010/main" val="1145354807"/>
+      </p:ext>
+    </p:extLst>
+  </p:cSld>
+  <p:clrMapOvr>
+    <a:masterClrMapping/>
+  </p:clrMapOvr>
+  <mc:AlternateContent xmlns:mc="http://schemas.openxmlformats.org/markup-compatibility/2006" xmlns:p14="http://schemas.microsoft.com/office/powerpoint/2010/main">
+    <mc:Choice Requires="p14">
+      <p:transition spd="med" p14:dur="700">
+        <p:fade/>
+      </p:transition>
+    </mc:Choice>
+    <mc:Fallback xmlns="">
+      <p:transition spd="med">
+        <p:fade/>
+      </p:transition>
+    </mc:Fallback>
+  </mc:AlternateContent>
+</p:sld>
+</file>
+
+<file path=ppt/slides/slide18.xml><?xml version="1.0" encoding="utf-8"?>
+<p:sld xmlns:a="http://schemas.openxmlformats.org/drawingml/2006/main" xmlns:r="http://schemas.openxmlformats.org/officeDocument/2006/relationships" xmlns:p="http://schemas.openxmlformats.org/presentationml/2006/main">
+  <p:cSld>
     <p:bg>
       <p:bgPr>
         <a:solidFill>
@@ -10466,7 +9827,7 @@
 </p:sld>
 </file>
 
-<file path=ppt/slides/slide11.xml><?xml version="1.0" encoding="utf-8"?>
+<file path=ppt/slides/slide19.xml><?xml version="1.0" encoding="utf-8"?>
 <p:sld xmlns:a="http://schemas.openxmlformats.org/drawingml/2006/main" xmlns:r="http://schemas.openxmlformats.org/officeDocument/2006/relationships" xmlns:p="http://schemas.openxmlformats.org/presentationml/2006/main">
   <p:cSld>
     <p:bg>
@@ -11261,7 +10622,159 @@
     </p:spTree>
     <p:extLst>
       <p:ext uri="{BB962C8B-B14F-4D97-AF65-F5344CB8AC3E}">
-        <p14:creationId xmlns:p14="http://schemas.microsoft.com/office/powerpoint/2010/main" val="840038371"/>
+        <p14:creationId xmlns:p14="http://schemas.microsoft.com/office/powerpoint/2010/main" val="2582498911"/>
+      </p:ext>
+    </p:extLst>
+  </p:cSld>
+  <p:clrMapOvr>
+    <a:masterClrMapping/>
+  </p:clrMapOvr>
+  <mc:AlternateContent xmlns:mc="http://schemas.openxmlformats.org/markup-compatibility/2006">
+    <mc:Choice xmlns:p14="http://schemas.microsoft.com/office/powerpoint/2010/main" Requires="p14">
+      <p:transition spd="med" p14:dur="700">
+        <p:fade/>
+      </p:transition>
+    </mc:Choice>
+    <mc:Fallback>
+      <p:transition spd="med">
+        <p:fade/>
+      </p:transition>
+    </mc:Fallback>
+  </mc:AlternateContent>
+</p:sld>
+</file>
+
+<file path=ppt/slides/slide2.xml><?xml version="1.0" encoding="utf-8"?>
+<p:sld xmlns:a="http://schemas.openxmlformats.org/drawingml/2006/main" xmlns:r="http://schemas.openxmlformats.org/officeDocument/2006/relationships" xmlns:p="http://schemas.openxmlformats.org/presentationml/2006/main">
+  <p:cSld>
+    <p:bg>
+      <p:bgPr>
+        <a:solidFill>
+          <a:schemeClr val="accent2"/>
+        </a:solidFill>
+        <a:effectLst/>
+      </p:bgPr>
+    </p:bg>
+    <p:spTree>
+      <p:nvGrpSpPr>
+        <p:cNvPr id="1" name=""/>
+        <p:cNvGrpSpPr/>
+        <p:nvPr/>
+      </p:nvGrpSpPr>
+      <p:grpSpPr>
+        <a:xfrm>
+          <a:off x="0" y="0"/>
+          <a:ext cx="0" cy="0"/>
+          <a:chOff x="0" y="0"/>
+          <a:chExt cx="0" cy="0"/>
+        </a:xfrm>
+      </p:grpSpPr>
+      <p:sp>
+        <p:nvSpPr>
+          <p:cNvPr id="4" name="TextBox 3">
+            <a:extLst>
+              <a:ext uri="{FF2B5EF4-FFF2-40B4-BE49-F238E27FC236}">
+                <a16:creationId xmlns:a16="http://schemas.microsoft.com/office/drawing/2014/main" id="{E251FDC9-B70C-4BC0-8AC7-216B5765985E}"/>
+              </a:ext>
+            </a:extLst>
+          </p:cNvPr>
+          <p:cNvSpPr txBox="1"/>
+          <p:nvPr/>
+        </p:nvSpPr>
+        <p:spPr>
+          <a:xfrm>
+            <a:off x="5460251" y="2824480"/>
+            <a:ext cx="1271503" cy="830997"/>
+          </a:xfrm>
+          <a:prstGeom prst="rect">
+            <a:avLst/>
+          </a:prstGeom>
+          <a:noFill/>
+        </p:spPr>
+        <p:txBody>
+          <a:bodyPr wrap="none" rtlCol="0">
+            <a:spAutoFit/>
+          </a:bodyPr>
+          <a:lstStyle/>
+          <a:p>
+            <a:pPr algn="ctr"/>
+            <a:r>
+              <a:rPr lang="ko-KR" altLang="en-US" sz="4800" b="1">
+                <a:solidFill>
+                  <a:schemeClr val="bg1"/>
+                </a:solidFill>
+                <a:latin typeface="210 나무굴림 B" panose="02020603020101020101" pitchFamily="18" charset="-127"/>
+                <a:ea typeface="210 나무굴림 B" panose="02020603020101020101" pitchFamily="18" charset="-127"/>
+              </a:rPr>
+              <a:t>목차</a:t>
+            </a:r>
+            <a:endParaRPr lang="ko-KR" altLang="en-US" sz="4800" b="1" dirty="0">
+              <a:solidFill>
+                <a:schemeClr val="bg1"/>
+              </a:solidFill>
+              <a:latin typeface="210 나무굴림 B" panose="02020603020101020101" pitchFamily="18" charset="-127"/>
+              <a:ea typeface="210 나무굴림 B" panose="02020603020101020101" pitchFamily="18" charset="-127"/>
+            </a:endParaRPr>
+          </a:p>
+        </p:txBody>
+      </p:sp>
+      <p:sp>
+        <p:nvSpPr>
+          <p:cNvPr id="5" name="양쪽 대괄호 4">
+            <a:extLst>
+              <a:ext uri="{FF2B5EF4-FFF2-40B4-BE49-F238E27FC236}">
+                <a16:creationId xmlns:a16="http://schemas.microsoft.com/office/drawing/2014/main" id="{7B2CAB3D-75D4-47BA-AA00-C925C76EC1D2}"/>
+              </a:ext>
+            </a:extLst>
+          </p:cNvPr>
+          <p:cNvSpPr/>
+          <p:nvPr/>
+        </p:nvSpPr>
+        <p:spPr>
+          <a:xfrm>
+            <a:off x="2153919" y="2009279"/>
+            <a:ext cx="7884160" cy="2369066"/>
+          </a:xfrm>
+          <a:prstGeom prst="bracketPair">
+            <a:avLst>
+              <a:gd name="adj" fmla="val 10867"/>
+            </a:avLst>
+          </a:prstGeom>
+          <a:ln>
+            <a:solidFill>
+              <a:schemeClr val="bg1">
+                <a:lumMod val="95000"/>
+              </a:schemeClr>
+            </a:solidFill>
+          </a:ln>
+        </p:spPr>
+        <p:style>
+          <a:lnRef idx="1">
+            <a:schemeClr val="accent1"/>
+          </a:lnRef>
+          <a:fillRef idx="0">
+            <a:schemeClr val="accent1"/>
+          </a:fillRef>
+          <a:effectRef idx="0">
+            <a:schemeClr val="accent1"/>
+          </a:effectRef>
+          <a:fontRef idx="minor">
+            <a:schemeClr val="tx1"/>
+          </a:fontRef>
+        </p:style>
+        <p:txBody>
+          <a:bodyPr rtlCol="0" anchor="ctr"/>
+          <a:lstStyle/>
+          <a:p>
+            <a:pPr algn="ctr"/>
+            <a:endParaRPr lang="ko-KR" altLang="en-US"/>
+          </a:p>
+        </p:txBody>
+      </p:sp>
+    </p:spTree>
+    <p:extLst>
+      <p:ext uri="{BB962C8B-B14F-4D97-AF65-F5344CB8AC3E}">
+        <p14:creationId xmlns:p14="http://schemas.microsoft.com/office/powerpoint/2010/main" val="3139286300"/>
       </p:ext>
     </p:extLst>
   </p:cSld>
@@ -11283,7 +10796,7 @@
 </p:sld>
 </file>
 
-<file path=ppt/slides/slide12.xml><?xml version="1.0" encoding="utf-8"?>
+<file path=ppt/slides/slide20.xml><?xml version="1.0" encoding="utf-8"?>
 <p:sld xmlns:a="http://schemas.openxmlformats.org/drawingml/2006/main" xmlns:r="http://schemas.openxmlformats.org/officeDocument/2006/relationships" xmlns:p="http://schemas.openxmlformats.org/presentationml/2006/main">
   <p:cSld>
     <p:bg>
@@ -11462,7 +10975,7 @@
 </p:sld>
 </file>
 
-<file path=ppt/slides/slide13.xml><?xml version="1.0" encoding="utf-8"?>
+<file path=ppt/slides/slide21.xml><?xml version="1.0" encoding="utf-8"?>
 <p:sld xmlns:a="http://schemas.openxmlformats.org/drawingml/2006/main" xmlns:r="http://schemas.openxmlformats.org/officeDocument/2006/relationships" xmlns:p="http://schemas.openxmlformats.org/presentationml/2006/main">
   <p:cSld>
     <p:spTree>
@@ -12048,7 +11561,188 @@
 </p:sld>
 </file>
 
-<file path=ppt/slides/slide14.xml><?xml version="1.0" encoding="utf-8"?>
+<file path=ppt/slides/slide22.xml><?xml version="1.0" encoding="utf-8"?>
+<p:sld xmlns:a="http://schemas.openxmlformats.org/drawingml/2006/main" xmlns:r="http://schemas.openxmlformats.org/officeDocument/2006/relationships" xmlns:p="http://schemas.openxmlformats.org/presentationml/2006/main">
+  <p:cSld>
+    <p:spTree>
+      <p:nvGrpSpPr>
+        <p:cNvPr id="1" name=""/>
+        <p:cNvGrpSpPr/>
+        <p:nvPr/>
+      </p:nvGrpSpPr>
+      <p:grpSpPr>
+        <a:xfrm>
+          <a:off x="0" y="0"/>
+          <a:ext cx="0" cy="0"/>
+          <a:chOff x="0" y="0"/>
+          <a:chExt cx="0" cy="0"/>
+        </a:xfrm>
+      </p:grpSpPr>
+      <p:cxnSp>
+        <p:nvCxnSpPr>
+          <p:cNvPr id="4" name="직선 연결선 3">
+            <a:extLst>
+              <a:ext uri="{FF2B5EF4-FFF2-40B4-BE49-F238E27FC236}">
+                <a16:creationId xmlns:a16="http://schemas.microsoft.com/office/drawing/2014/main" id="{9A8E474A-6ECB-442D-8A42-7881F4DFBB2A}"/>
+              </a:ext>
+            </a:extLst>
+          </p:cNvPr>
+          <p:cNvCxnSpPr>
+            <a:cxnSpLocks/>
+          </p:cNvCxnSpPr>
+          <p:nvPr/>
+        </p:nvCxnSpPr>
+        <p:spPr>
+          <a:xfrm>
+            <a:off x="177800" y="835707"/>
+            <a:ext cx="12014200" cy="0"/>
+          </a:xfrm>
+          <a:prstGeom prst="line">
+            <a:avLst/>
+          </a:prstGeom>
+          <a:ln>
+            <a:solidFill>
+              <a:schemeClr val="accent2"/>
+            </a:solidFill>
+          </a:ln>
+        </p:spPr>
+        <p:style>
+          <a:lnRef idx="1">
+            <a:schemeClr val="accent1"/>
+          </a:lnRef>
+          <a:fillRef idx="0">
+            <a:schemeClr val="accent1"/>
+          </a:fillRef>
+          <a:effectRef idx="0">
+            <a:schemeClr val="accent1"/>
+          </a:effectRef>
+          <a:fontRef idx="minor">
+            <a:schemeClr val="tx1"/>
+          </a:fontRef>
+        </p:style>
+      </p:cxnSp>
+      <p:sp>
+        <p:nvSpPr>
+          <p:cNvPr id="5" name="직사각형 4">
+            <a:extLst>
+              <a:ext uri="{FF2B5EF4-FFF2-40B4-BE49-F238E27FC236}">
+                <a16:creationId xmlns:a16="http://schemas.microsoft.com/office/drawing/2014/main" id="{76EF8051-9646-4552-BE57-7D95D1538BA2}"/>
+              </a:ext>
+            </a:extLst>
+          </p:cNvPr>
+          <p:cNvSpPr/>
+          <p:nvPr/>
+        </p:nvSpPr>
+        <p:spPr>
+          <a:xfrm>
+            <a:off x="0" y="0"/>
+            <a:ext cx="177800" cy="6858000"/>
+          </a:xfrm>
+          <a:prstGeom prst="rect">
+            <a:avLst/>
+          </a:prstGeom>
+          <a:solidFill>
+            <a:schemeClr val="accent1"/>
+          </a:solidFill>
+          <a:ln>
+            <a:noFill/>
+          </a:ln>
+        </p:spPr>
+        <p:style>
+          <a:lnRef idx="2">
+            <a:schemeClr val="accent1">
+              <a:shade val="50000"/>
+            </a:schemeClr>
+          </a:lnRef>
+          <a:fillRef idx="1">
+            <a:schemeClr val="accent1"/>
+          </a:fillRef>
+          <a:effectRef idx="0">
+            <a:schemeClr val="accent1"/>
+          </a:effectRef>
+          <a:fontRef idx="minor">
+            <a:schemeClr val="lt1"/>
+          </a:fontRef>
+        </p:style>
+        <p:txBody>
+          <a:bodyPr rtlCol="0" anchor="ctr"/>
+          <a:lstStyle/>
+          <a:p>
+            <a:pPr algn="ctr"/>
+            <a:endParaRPr lang="ko-KR" altLang="en-US"/>
+          </a:p>
+        </p:txBody>
+      </p:sp>
+      <p:sp>
+        <p:nvSpPr>
+          <p:cNvPr id="15" name="TextBox 14">
+            <a:extLst>
+              <a:ext uri="{FF2B5EF4-FFF2-40B4-BE49-F238E27FC236}">
+                <a16:creationId xmlns:a16="http://schemas.microsoft.com/office/drawing/2014/main" id="{8815A429-0165-46F7-A030-F0DB180F3DE0}"/>
+              </a:ext>
+            </a:extLst>
+          </p:cNvPr>
+          <p:cNvSpPr txBox="1"/>
+          <p:nvPr/>
+        </p:nvSpPr>
+        <p:spPr>
+          <a:xfrm>
+            <a:off x="-98231" y="50565"/>
+            <a:ext cx="353943" cy="1849121"/>
+          </a:xfrm>
+          <a:prstGeom prst="rect">
+            <a:avLst/>
+          </a:prstGeom>
+          <a:noFill/>
+        </p:spPr>
+        <p:txBody>
+          <a:bodyPr vert="eaVert" wrap="square" rtlCol="0">
+            <a:spAutoFit/>
+          </a:bodyPr>
+          <a:lstStyle/>
+          <a:p>
+            <a:r>
+              <a:rPr lang="en-US" altLang="ko-KR" sz="1100" dirty="0">
+                <a:solidFill>
+                  <a:schemeClr val="bg1"/>
+                </a:solidFill>
+              </a:rPr>
+              <a:t>Part 2</a:t>
+            </a:r>
+            <a:endParaRPr lang="ko-KR" altLang="en-US" sz="1100" dirty="0">
+              <a:solidFill>
+                <a:schemeClr val="bg1"/>
+              </a:solidFill>
+            </a:endParaRPr>
+          </a:p>
+        </p:txBody>
+      </p:sp>
+    </p:spTree>
+    <p:extLst>
+      <p:ext uri="{BB962C8B-B14F-4D97-AF65-F5344CB8AC3E}">
+        <p14:creationId xmlns:p14="http://schemas.microsoft.com/office/powerpoint/2010/main" val="3524356639"/>
+      </p:ext>
+    </p:extLst>
+  </p:cSld>
+  <p:clrMapOvr>
+    <a:masterClrMapping/>
+  </p:clrMapOvr>
+  <mc:AlternateContent xmlns:mc="http://schemas.openxmlformats.org/markup-compatibility/2006" xmlns:p14="http://schemas.microsoft.com/office/powerpoint/2010/main">
+    <mc:Choice Requires="p14">
+      <p:transition spd="med" p14:dur="700">
+        <p:fade/>
+      </p:transition>
+    </mc:Choice>
+    <mc:Fallback xmlns="">
+      <p:transition spd="med">
+        <p:fade/>
+      </p:transition>
+    </mc:Fallback>
+  </mc:AlternateContent>
+</p:sld>
+</file>
+
+<file path=ppt/slides/slide23.xml><?xml version="1.0" encoding="utf-8"?>
 <p:sld xmlns:a="http://schemas.openxmlformats.org/drawingml/2006/main" xmlns:r="http://schemas.openxmlformats.org/officeDocument/2006/relationships" xmlns:p="http://schemas.openxmlformats.org/presentationml/2006/main">
   <p:cSld>
     <p:bg>
@@ -12219,7 +11913,7 @@
 </p:sld>
 </file>
 
-<file path=ppt/slides/slide15.xml><?xml version="1.0" encoding="utf-8"?>
+<file path=ppt/slides/slide24.xml><?xml version="1.0" encoding="utf-8"?>
 <p:sld xmlns:a="http://schemas.openxmlformats.org/drawingml/2006/main" xmlns:r="http://schemas.openxmlformats.org/officeDocument/2006/relationships" xmlns:p="http://schemas.openxmlformats.org/presentationml/2006/main">
   <p:cSld>
     <p:spTree>
@@ -13045,7 +12739,7 @@
 </p:sld>
 </file>
 
-<file path=ppt/slides/slide16.xml><?xml version="1.0" encoding="utf-8"?>
+<file path=ppt/slides/slide25.xml><?xml version="1.0" encoding="utf-8"?>
 <p:sld xmlns:a="http://schemas.openxmlformats.org/drawingml/2006/main" xmlns:r="http://schemas.openxmlformats.org/officeDocument/2006/relationships" xmlns:p="http://schemas.openxmlformats.org/presentationml/2006/main">
   <p:cSld>
     <p:spTree>
@@ -14577,7 +14271,7 @@
 </p:sld>
 </file>
 
-<file path=ppt/slides/slide17.xml><?xml version="1.0" encoding="utf-8"?>
+<file path=ppt/slides/slide26.xml><?xml version="1.0" encoding="utf-8"?>
 <p:sld xmlns:a="http://schemas.openxmlformats.org/drawingml/2006/main" xmlns:r="http://schemas.openxmlformats.org/officeDocument/2006/relationships" xmlns:p="http://schemas.openxmlformats.org/presentationml/2006/main">
   <p:cSld>
     <p:spTree>
@@ -16754,7 +16448,7 @@
 </p:sld>
 </file>
 
-<file path=ppt/slides/slide18.xml><?xml version="1.0" encoding="utf-8"?>
+<file path=ppt/slides/slide27.xml><?xml version="1.0" encoding="utf-8"?>
 <p:sld xmlns:a="http://schemas.openxmlformats.org/drawingml/2006/main" xmlns:r="http://schemas.openxmlformats.org/officeDocument/2006/relationships" xmlns:p="http://schemas.openxmlformats.org/presentationml/2006/main">
   <p:cSld>
     <p:spTree>
@@ -18129,7 +17823,7 @@
 </p:sld>
 </file>
 
-<file path=ppt/slides/slide19.xml><?xml version="1.0" encoding="utf-8"?>
+<file path=ppt/slides/slide28.xml><?xml version="1.0" encoding="utf-8"?>
 <p:sld xmlns:a="http://schemas.openxmlformats.org/drawingml/2006/main" xmlns:r="http://schemas.openxmlformats.org/officeDocument/2006/relationships" xmlns:p="http://schemas.openxmlformats.org/presentationml/2006/main">
   <p:cSld>
     <p:spTree>
@@ -19066,159 +18760,7 @@
 </p:sld>
 </file>
 
-<file path=ppt/slides/slide2.xml><?xml version="1.0" encoding="utf-8"?>
-<p:sld xmlns:a="http://schemas.openxmlformats.org/drawingml/2006/main" xmlns:r="http://schemas.openxmlformats.org/officeDocument/2006/relationships" xmlns:p="http://schemas.openxmlformats.org/presentationml/2006/main">
-  <p:cSld>
-    <p:bg>
-      <p:bgPr>
-        <a:solidFill>
-          <a:schemeClr val="accent2"/>
-        </a:solidFill>
-        <a:effectLst/>
-      </p:bgPr>
-    </p:bg>
-    <p:spTree>
-      <p:nvGrpSpPr>
-        <p:cNvPr id="1" name=""/>
-        <p:cNvGrpSpPr/>
-        <p:nvPr/>
-      </p:nvGrpSpPr>
-      <p:grpSpPr>
-        <a:xfrm>
-          <a:off x="0" y="0"/>
-          <a:ext cx="0" cy="0"/>
-          <a:chOff x="0" y="0"/>
-          <a:chExt cx="0" cy="0"/>
-        </a:xfrm>
-      </p:grpSpPr>
-      <p:sp>
-        <p:nvSpPr>
-          <p:cNvPr id="4" name="TextBox 3">
-            <a:extLst>
-              <a:ext uri="{FF2B5EF4-FFF2-40B4-BE49-F238E27FC236}">
-                <a16:creationId xmlns:a16="http://schemas.microsoft.com/office/drawing/2014/main" id="{E251FDC9-B70C-4BC0-8AC7-216B5765985E}"/>
-              </a:ext>
-            </a:extLst>
-          </p:cNvPr>
-          <p:cNvSpPr txBox="1"/>
-          <p:nvPr/>
-        </p:nvSpPr>
-        <p:spPr>
-          <a:xfrm>
-            <a:off x="5460251" y="2824480"/>
-            <a:ext cx="1271503" cy="830997"/>
-          </a:xfrm>
-          <a:prstGeom prst="rect">
-            <a:avLst/>
-          </a:prstGeom>
-          <a:noFill/>
-        </p:spPr>
-        <p:txBody>
-          <a:bodyPr wrap="none" rtlCol="0">
-            <a:spAutoFit/>
-          </a:bodyPr>
-          <a:lstStyle/>
-          <a:p>
-            <a:pPr algn="ctr"/>
-            <a:r>
-              <a:rPr lang="ko-KR" altLang="en-US" sz="4800" b="1">
-                <a:solidFill>
-                  <a:schemeClr val="bg1"/>
-                </a:solidFill>
-                <a:latin typeface="210 나무굴림 B" panose="02020603020101020101" pitchFamily="18" charset="-127"/>
-                <a:ea typeface="210 나무굴림 B" panose="02020603020101020101" pitchFamily="18" charset="-127"/>
-              </a:rPr>
-              <a:t>목차</a:t>
-            </a:r>
-            <a:endParaRPr lang="ko-KR" altLang="en-US" sz="4800" b="1" dirty="0">
-              <a:solidFill>
-                <a:schemeClr val="bg1"/>
-              </a:solidFill>
-              <a:latin typeface="210 나무굴림 B" panose="02020603020101020101" pitchFamily="18" charset="-127"/>
-              <a:ea typeface="210 나무굴림 B" panose="02020603020101020101" pitchFamily="18" charset="-127"/>
-            </a:endParaRPr>
-          </a:p>
-        </p:txBody>
-      </p:sp>
-      <p:sp>
-        <p:nvSpPr>
-          <p:cNvPr id="5" name="양쪽 대괄호 4">
-            <a:extLst>
-              <a:ext uri="{FF2B5EF4-FFF2-40B4-BE49-F238E27FC236}">
-                <a16:creationId xmlns:a16="http://schemas.microsoft.com/office/drawing/2014/main" id="{7B2CAB3D-75D4-47BA-AA00-C925C76EC1D2}"/>
-              </a:ext>
-            </a:extLst>
-          </p:cNvPr>
-          <p:cNvSpPr/>
-          <p:nvPr/>
-        </p:nvSpPr>
-        <p:spPr>
-          <a:xfrm>
-            <a:off x="2153919" y="2009279"/>
-            <a:ext cx="7884160" cy="2369066"/>
-          </a:xfrm>
-          <a:prstGeom prst="bracketPair">
-            <a:avLst>
-              <a:gd name="adj" fmla="val 10867"/>
-            </a:avLst>
-          </a:prstGeom>
-          <a:ln>
-            <a:solidFill>
-              <a:schemeClr val="bg1">
-                <a:lumMod val="95000"/>
-              </a:schemeClr>
-            </a:solidFill>
-          </a:ln>
-        </p:spPr>
-        <p:style>
-          <a:lnRef idx="1">
-            <a:schemeClr val="accent1"/>
-          </a:lnRef>
-          <a:fillRef idx="0">
-            <a:schemeClr val="accent1"/>
-          </a:fillRef>
-          <a:effectRef idx="0">
-            <a:schemeClr val="accent1"/>
-          </a:effectRef>
-          <a:fontRef idx="minor">
-            <a:schemeClr val="tx1"/>
-          </a:fontRef>
-        </p:style>
-        <p:txBody>
-          <a:bodyPr rtlCol="0" anchor="ctr"/>
-          <a:lstStyle/>
-          <a:p>
-            <a:pPr algn="ctr"/>
-            <a:endParaRPr lang="ko-KR" altLang="en-US"/>
-          </a:p>
-        </p:txBody>
-      </p:sp>
-    </p:spTree>
-    <p:extLst>
-      <p:ext uri="{BB962C8B-B14F-4D97-AF65-F5344CB8AC3E}">
-        <p14:creationId xmlns:p14="http://schemas.microsoft.com/office/powerpoint/2010/main" val="3139286300"/>
-      </p:ext>
-    </p:extLst>
-  </p:cSld>
-  <p:clrMapOvr>
-    <a:masterClrMapping/>
-  </p:clrMapOvr>
-  <mc:AlternateContent xmlns:mc="http://schemas.openxmlformats.org/markup-compatibility/2006" xmlns:p14="http://schemas.microsoft.com/office/powerpoint/2010/main">
-    <mc:Choice Requires="p14">
-      <p:transition spd="med" p14:dur="700">
-        <p:fade/>
-      </p:transition>
-    </mc:Choice>
-    <mc:Fallback xmlns="">
-      <p:transition spd="med">
-        <p:fade/>
-      </p:transition>
-    </mc:Fallback>
-  </mc:AlternateContent>
-</p:sld>
-</file>
-
-<file path=ppt/slides/slide20.xml><?xml version="1.0" encoding="utf-8"?>
+<file path=ppt/slides/slide29.xml><?xml version="1.0" encoding="utf-8"?>
 <p:sld xmlns:a="http://schemas.openxmlformats.org/drawingml/2006/main" xmlns:r="http://schemas.openxmlformats.org/officeDocument/2006/relationships" xmlns:p="http://schemas.openxmlformats.org/presentationml/2006/main">
   <p:cSld>
     <p:spTree>
@@ -20165,7 +19707,883 @@
 </p:sld>
 </file>
 
-<file path=ppt/slides/slide21.xml><?xml version="1.0" encoding="utf-8"?>
+<file path=ppt/slides/slide3.xml><?xml version="1.0" encoding="utf-8"?>
+<p:sld xmlns:a="http://schemas.openxmlformats.org/drawingml/2006/main" xmlns:r="http://schemas.openxmlformats.org/officeDocument/2006/relationships" xmlns:p="http://schemas.openxmlformats.org/presentationml/2006/main">
+  <p:cSld>
+    <p:bg>
+      <p:bgPr>
+        <a:solidFill>
+          <a:schemeClr val="accent6"/>
+        </a:solidFill>
+        <a:effectLst/>
+      </p:bgPr>
+    </p:bg>
+    <p:spTree>
+      <p:nvGrpSpPr>
+        <p:cNvPr id="1" name=""/>
+        <p:cNvGrpSpPr/>
+        <p:nvPr/>
+      </p:nvGrpSpPr>
+      <p:grpSpPr>
+        <a:xfrm>
+          <a:off x="0" y="0"/>
+          <a:ext cx="0" cy="0"/>
+          <a:chOff x="0" y="0"/>
+          <a:chExt cx="0" cy="0"/>
+        </a:xfrm>
+      </p:grpSpPr>
+      <p:sp>
+        <p:nvSpPr>
+          <p:cNvPr id="2" name="타원 1">
+            <a:extLst>
+              <a:ext uri="{FF2B5EF4-FFF2-40B4-BE49-F238E27FC236}">
+                <a16:creationId xmlns:a16="http://schemas.microsoft.com/office/drawing/2014/main" id="{6A948DA2-02A6-4346-80F8-772FA275B595}"/>
+              </a:ext>
+            </a:extLst>
+          </p:cNvPr>
+          <p:cNvSpPr/>
+          <p:nvPr/>
+        </p:nvSpPr>
+        <p:spPr>
+          <a:xfrm>
+            <a:off x="4951780" y="1116428"/>
+            <a:ext cx="2082800" cy="2082800"/>
+          </a:xfrm>
+          <a:prstGeom prst="ellipse">
+            <a:avLst/>
+          </a:prstGeom>
+          <a:ln>
+            <a:noFill/>
+          </a:ln>
+        </p:spPr>
+        <p:style>
+          <a:lnRef idx="2">
+            <a:schemeClr val="accent1">
+              <a:shade val="50000"/>
+            </a:schemeClr>
+          </a:lnRef>
+          <a:fillRef idx="1">
+            <a:schemeClr val="accent1"/>
+          </a:fillRef>
+          <a:effectRef idx="0">
+            <a:schemeClr val="accent1"/>
+          </a:effectRef>
+          <a:fontRef idx="minor">
+            <a:schemeClr val="lt1"/>
+          </a:fontRef>
+        </p:style>
+        <p:txBody>
+          <a:bodyPr rtlCol="0" anchor="ctr"/>
+          <a:lstStyle/>
+          <a:p>
+            <a:pPr algn="ctr"/>
+            <a:r>
+              <a:rPr lang="ko-KR" altLang="en-US" sz="3600">
+                <a:latin typeface="210 나무굴림 B" panose="02020603020101020101" pitchFamily="18" charset="-127"/>
+                <a:ea typeface="210 나무굴림 B" panose="02020603020101020101" pitchFamily="18" charset="-127"/>
+              </a:rPr>
+              <a:t>목차</a:t>
+            </a:r>
+          </a:p>
+        </p:txBody>
+      </p:sp>
+      <p:sp>
+        <p:nvSpPr>
+          <p:cNvPr id="4" name="타원 3">
+            <a:extLst>
+              <a:ext uri="{FF2B5EF4-FFF2-40B4-BE49-F238E27FC236}">
+                <a16:creationId xmlns:a16="http://schemas.microsoft.com/office/drawing/2014/main" id="{C63DDDEB-A4AD-4287-9759-D0ECC75D2005}"/>
+              </a:ext>
+            </a:extLst>
+          </p:cNvPr>
+          <p:cNvSpPr/>
+          <p:nvPr/>
+        </p:nvSpPr>
+        <p:spPr>
+          <a:xfrm>
+            <a:off x="796926" y="4044462"/>
+            <a:ext cx="1424354" cy="1424354"/>
+          </a:xfrm>
+          <a:prstGeom prst="ellipse">
+            <a:avLst/>
+          </a:prstGeom>
+          <a:solidFill>
+            <a:schemeClr val="accent5">
+              <a:lumMod val="60000"/>
+              <a:lumOff val="40000"/>
+            </a:schemeClr>
+          </a:solidFill>
+          <a:ln>
+            <a:solidFill>
+              <a:schemeClr val="bg2"/>
+            </a:solidFill>
+          </a:ln>
+        </p:spPr>
+        <p:style>
+          <a:lnRef idx="2">
+            <a:schemeClr val="accent1">
+              <a:shade val="50000"/>
+            </a:schemeClr>
+          </a:lnRef>
+          <a:fillRef idx="1">
+            <a:schemeClr val="accent1"/>
+          </a:fillRef>
+          <a:effectRef idx="0">
+            <a:schemeClr val="accent1"/>
+          </a:effectRef>
+          <a:fontRef idx="minor">
+            <a:schemeClr val="lt1"/>
+          </a:fontRef>
+        </p:style>
+        <p:txBody>
+          <a:bodyPr rtlCol="0" anchor="ctr"/>
+          <a:lstStyle/>
+          <a:p>
+            <a:pPr algn="ctr"/>
+            <a:r>
+              <a:rPr lang="ko-KR" altLang="en-US" sz="2400" b="1">
+                <a:solidFill>
+                  <a:schemeClr val="accent6">
+                    <a:lumMod val="50000"/>
+                  </a:schemeClr>
+                </a:solidFill>
+                <a:latin typeface="210 나무굴림 B" panose="02020603020101020101" pitchFamily="18" charset="-127"/>
+                <a:ea typeface="210 나무굴림 B" panose="02020603020101020101" pitchFamily="18" charset="-127"/>
+              </a:rPr>
+              <a:t>소개</a:t>
+            </a:r>
+          </a:p>
+        </p:txBody>
+      </p:sp>
+      <p:sp>
+        <p:nvSpPr>
+          <p:cNvPr id="5" name="타원 4">
+            <a:extLst>
+              <a:ext uri="{FF2B5EF4-FFF2-40B4-BE49-F238E27FC236}">
+                <a16:creationId xmlns:a16="http://schemas.microsoft.com/office/drawing/2014/main" id="{6E6D75C7-80D7-42E6-88DF-2395765E75BD}"/>
+              </a:ext>
+            </a:extLst>
+          </p:cNvPr>
+          <p:cNvSpPr/>
+          <p:nvPr/>
+        </p:nvSpPr>
+        <p:spPr>
+          <a:xfrm>
+            <a:off x="8300916" y="4044462"/>
+            <a:ext cx="1424354" cy="1424354"/>
+          </a:xfrm>
+          <a:prstGeom prst="ellipse">
+            <a:avLst/>
+          </a:prstGeom>
+          <a:solidFill>
+            <a:schemeClr val="accent5">
+              <a:lumMod val="60000"/>
+              <a:lumOff val="40000"/>
+            </a:schemeClr>
+          </a:solidFill>
+          <a:ln>
+            <a:solidFill>
+              <a:schemeClr val="bg2"/>
+            </a:solidFill>
+          </a:ln>
+        </p:spPr>
+        <p:style>
+          <a:lnRef idx="2">
+            <a:schemeClr val="accent1">
+              <a:shade val="50000"/>
+            </a:schemeClr>
+          </a:lnRef>
+          <a:fillRef idx="1">
+            <a:schemeClr val="accent1"/>
+          </a:fillRef>
+          <a:effectRef idx="0">
+            <a:schemeClr val="accent1"/>
+          </a:effectRef>
+          <a:fontRef idx="minor">
+            <a:schemeClr val="lt1"/>
+          </a:fontRef>
+        </p:style>
+        <p:txBody>
+          <a:bodyPr rtlCol="0" anchor="ctr"/>
+          <a:lstStyle/>
+          <a:p>
+            <a:pPr algn="ctr"/>
+            <a:endParaRPr lang="ko-KR" altLang="en-US" sz="2400" b="1">
+              <a:solidFill>
+                <a:schemeClr val="accent6">
+                  <a:lumMod val="50000"/>
+                </a:schemeClr>
+              </a:solidFill>
+              <a:latin typeface="210 나무굴림 B" panose="02020603020101020101" pitchFamily="18" charset="-127"/>
+              <a:ea typeface="210 나무굴림 B" panose="02020603020101020101" pitchFamily="18" charset="-127"/>
+            </a:endParaRPr>
+          </a:p>
+        </p:txBody>
+      </p:sp>
+      <p:sp>
+        <p:nvSpPr>
+          <p:cNvPr id="6" name="타원 5">
+            <a:extLst>
+              <a:ext uri="{FF2B5EF4-FFF2-40B4-BE49-F238E27FC236}">
+                <a16:creationId xmlns:a16="http://schemas.microsoft.com/office/drawing/2014/main" id="{EEB84584-A676-47EF-852D-B7A4030FF56C}"/>
+              </a:ext>
+            </a:extLst>
+          </p:cNvPr>
+          <p:cNvSpPr/>
+          <p:nvPr/>
+        </p:nvSpPr>
+        <p:spPr>
+          <a:xfrm>
+            <a:off x="2874353" y="3199228"/>
+            <a:ext cx="1424354" cy="1424354"/>
+          </a:xfrm>
+          <a:prstGeom prst="ellipse">
+            <a:avLst/>
+          </a:prstGeom>
+          <a:solidFill>
+            <a:schemeClr val="accent5">
+              <a:lumMod val="60000"/>
+              <a:lumOff val="40000"/>
+            </a:schemeClr>
+          </a:solidFill>
+          <a:ln>
+            <a:solidFill>
+              <a:schemeClr val="bg2"/>
+            </a:solidFill>
+          </a:ln>
+        </p:spPr>
+        <p:style>
+          <a:lnRef idx="2">
+            <a:schemeClr val="accent1">
+              <a:shade val="50000"/>
+            </a:schemeClr>
+          </a:lnRef>
+          <a:fillRef idx="1">
+            <a:schemeClr val="accent1"/>
+          </a:fillRef>
+          <a:effectRef idx="0">
+            <a:schemeClr val="accent1"/>
+          </a:effectRef>
+          <a:fontRef idx="minor">
+            <a:schemeClr val="lt1"/>
+          </a:fontRef>
+        </p:style>
+        <p:txBody>
+          <a:bodyPr rtlCol="0" anchor="ctr"/>
+          <a:lstStyle/>
+          <a:p>
+            <a:pPr algn="ctr"/>
+            <a:endParaRPr lang="ko-KR" altLang="en-US" sz="2400" b="1">
+              <a:solidFill>
+                <a:schemeClr val="accent6">
+                  <a:lumMod val="50000"/>
+                </a:schemeClr>
+              </a:solidFill>
+              <a:latin typeface="210 나무굴림 B" panose="02020603020101020101" pitchFamily="18" charset="-127"/>
+              <a:ea typeface="210 나무굴림 B" panose="02020603020101020101" pitchFamily="18" charset="-127"/>
+            </a:endParaRPr>
+          </a:p>
+        </p:txBody>
+      </p:sp>
+      <p:sp>
+        <p:nvSpPr>
+          <p:cNvPr id="7" name="타원 6">
+            <a:extLst>
+              <a:ext uri="{FF2B5EF4-FFF2-40B4-BE49-F238E27FC236}">
+                <a16:creationId xmlns:a16="http://schemas.microsoft.com/office/drawing/2014/main" id="{0A97609D-2A8C-4F0F-9485-FCDFBCFD72F5}"/>
+              </a:ext>
+            </a:extLst>
+          </p:cNvPr>
+          <p:cNvSpPr/>
+          <p:nvPr/>
+        </p:nvSpPr>
+        <p:spPr>
+          <a:xfrm>
+            <a:off x="5845420" y="3911405"/>
+            <a:ext cx="1424354" cy="1424354"/>
+          </a:xfrm>
+          <a:prstGeom prst="ellipse">
+            <a:avLst/>
+          </a:prstGeom>
+          <a:solidFill>
+            <a:schemeClr val="accent5">
+              <a:lumMod val="60000"/>
+              <a:lumOff val="40000"/>
+            </a:schemeClr>
+          </a:solidFill>
+          <a:ln>
+            <a:solidFill>
+              <a:schemeClr val="bg2"/>
+            </a:solidFill>
+          </a:ln>
+        </p:spPr>
+        <p:style>
+          <a:lnRef idx="2">
+            <a:schemeClr val="accent1">
+              <a:shade val="50000"/>
+            </a:schemeClr>
+          </a:lnRef>
+          <a:fillRef idx="1">
+            <a:schemeClr val="accent1"/>
+          </a:fillRef>
+          <a:effectRef idx="0">
+            <a:schemeClr val="accent1"/>
+          </a:effectRef>
+          <a:fontRef idx="minor">
+            <a:schemeClr val="lt1"/>
+          </a:fontRef>
+        </p:style>
+        <p:txBody>
+          <a:bodyPr rtlCol="0" anchor="ctr"/>
+          <a:lstStyle/>
+          <a:p>
+            <a:pPr algn="ctr"/>
+            <a:endParaRPr lang="ko-KR" altLang="en-US" sz="2400" b="1">
+              <a:solidFill>
+                <a:schemeClr val="accent6">
+                  <a:lumMod val="50000"/>
+                </a:schemeClr>
+              </a:solidFill>
+              <a:latin typeface="210 나무굴림 B" panose="02020603020101020101" pitchFamily="18" charset="-127"/>
+              <a:ea typeface="210 나무굴림 B" panose="02020603020101020101" pitchFamily="18" charset="-127"/>
+            </a:endParaRPr>
+          </a:p>
+        </p:txBody>
+      </p:sp>
+      <p:sp>
+        <p:nvSpPr>
+          <p:cNvPr id="8" name="타원 7">
+            <a:extLst>
+              <a:ext uri="{FF2B5EF4-FFF2-40B4-BE49-F238E27FC236}">
+                <a16:creationId xmlns:a16="http://schemas.microsoft.com/office/drawing/2014/main" id="{7CB10C57-99FA-41DC-869E-7A45BADD50ED}"/>
+              </a:ext>
+            </a:extLst>
+          </p:cNvPr>
+          <p:cNvSpPr/>
+          <p:nvPr/>
+        </p:nvSpPr>
+        <p:spPr>
+          <a:xfrm>
+            <a:off x="10363200" y="3402624"/>
+            <a:ext cx="1424354" cy="1424354"/>
+          </a:xfrm>
+          <a:prstGeom prst="ellipse">
+            <a:avLst/>
+          </a:prstGeom>
+          <a:solidFill>
+            <a:schemeClr val="accent5">
+              <a:lumMod val="60000"/>
+              <a:lumOff val="40000"/>
+            </a:schemeClr>
+          </a:solidFill>
+          <a:ln>
+            <a:solidFill>
+              <a:schemeClr val="bg2"/>
+            </a:solidFill>
+          </a:ln>
+        </p:spPr>
+        <p:style>
+          <a:lnRef idx="2">
+            <a:schemeClr val="accent1">
+              <a:shade val="50000"/>
+            </a:schemeClr>
+          </a:lnRef>
+          <a:fillRef idx="1">
+            <a:schemeClr val="accent1"/>
+          </a:fillRef>
+          <a:effectRef idx="0">
+            <a:schemeClr val="accent1"/>
+          </a:effectRef>
+          <a:fontRef idx="minor">
+            <a:schemeClr val="lt1"/>
+          </a:fontRef>
+        </p:style>
+        <p:txBody>
+          <a:bodyPr rtlCol="0" anchor="ctr"/>
+          <a:lstStyle/>
+          <a:p>
+            <a:pPr algn="ctr"/>
+            <a:endParaRPr lang="ko-KR" altLang="en-US" sz="2400" b="1">
+              <a:solidFill>
+                <a:schemeClr val="accent6">
+                  <a:lumMod val="50000"/>
+                </a:schemeClr>
+              </a:solidFill>
+              <a:latin typeface="210 나무굴림 B" panose="02020603020101020101" pitchFamily="18" charset="-127"/>
+              <a:ea typeface="210 나무굴림 B" panose="02020603020101020101" pitchFamily="18" charset="-127"/>
+            </a:endParaRPr>
+          </a:p>
+        </p:txBody>
+      </p:sp>
+      <p:sp>
+        <p:nvSpPr>
+          <p:cNvPr id="9" name="TextBox 8">
+            <a:extLst>
+              <a:ext uri="{FF2B5EF4-FFF2-40B4-BE49-F238E27FC236}">
+                <a16:creationId xmlns:a16="http://schemas.microsoft.com/office/drawing/2014/main" id="{422A1E13-D444-44C5-B8D5-B6D54AD5923D}"/>
+              </a:ext>
+            </a:extLst>
+          </p:cNvPr>
+          <p:cNvSpPr txBox="1"/>
+          <p:nvPr/>
+        </p:nvSpPr>
+        <p:spPr>
+          <a:xfrm>
+            <a:off x="5911362" y="4392750"/>
+            <a:ext cx="1560635" cy="461665"/>
+          </a:xfrm>
+          <a:prstGeom prst="rect">
+            <a:avLst/>
+          </a:prstGeom>
+          <a:noFill/>
+        </p:spPr>
+        <p:txBody>
+          <a:bodyPr wrap="square" rtlCol="0">
+            <a:spAutoFit/>
+          </a:bodyPr>
+          <a:lstStyle/>
+          <a:p>
+            <a:r>
+              <a:rPr lang="ko-KR" altLang="en-US" sz="2400" b="1">
+                <a:solidFill>
+                  <a:schemeClr val="accent6">
+                    <a:lumMod val="50000"/>
+                  </a:schemeClr>
+                </a:solidFill>
+                <a:latin typeface="210 나무굴림 B" panose="02020603020101020101" pitchFamily="18" charset="-127"/>
+                <a:ea typeface="210 나무굴림 B" panose="02020603020101020101" pitchFamily="18" charset="-127"/>
+              </a:rPr>
+              <a:t>기능설명</a:t>
+            </a:r>
+          </a:p>
+        </p:txBody>
+      </p:sp>
+      <p:sp>
+        <p:nvSpPr>
+          <p:cNvPr id="10" name="TextBox 9">
+            <a:extLst>
+              <a:ext uri="{FF2B5EF4-FFF2-40B4-BE49-F238E27FC236}">
+                <a16:creationId xmlns:a16="http://schemas.microsoft.com/office/drawing/2014/main" id="{6935D52F-2517-483D-A550-08D13921A30E}"/>
+              </a:ext>
+            </a:extLst>
+          </p:cNvPr>
+          <p:cNvSpPr txBox="1"/>
+          <p:nvPr/>
+        </p:nvSpPr>
+        <p:spPr>
+          <a:xfrm>
+            <a:off x="8714642" y="4525807"/>
+            <a:ext cx="1560635" cy="461665"/>
+          </a:xfrm>
+          <a:prstGeom prst="rect">
+            <a:avLst/>
+          </a:prstGeom>
+          <a:noFill/>
+        </p:spPr>
+        <p:txBody>
+          <a:bodyPr wrap="square" rtlCol="0">
+            <a:spAutoFit/>
+          </a:bodyPr>
+          <a:lstStyle/>
+          <a:p>
+            <a:r>
+              <a:rPr lang="en-US" altLang="ko-KR" sz="2400" b="1">
+                <a:solidFill>
+                  <a:schemeClr val="accent6">
+                    <a:lumMod val="50000"/>
+                  </a:schemeClr>
+                </a:solidFill>
+                <a:latin typeface="210 나무굴림 B" panose="02020603020101020101" pitchFamily="18" charset="-127"/>
+                <a:ea typeface="210 나무굴림 B" panose="02020603020101020101" pitchFamily="18" charset="-127"/>
+              </a:rPr>
+              <a:t>DB</a:t>
+            </a:r>
+            <a:endParaRPr lang="ko-KR" altLang="en-US" sz="2400" b="1">
+              <a:solidFill>
+                <a:schemeClr val="accent6">
+                  <a:lumMod val="50000"/>
+                </a:schemeClr>
+              </a:solidFill>
+              <a:latin typeface="210 나무굴림 B" panose="02020603020101020101" pitchFamily="18" charset="-127"/>
+              <a:ea typeface="210 나무굴림 B" panose="02020603020101020101" pitchFamily="18" charset="-127"/>
+            </a:endParaRPr>
+          </a:p>
+        </p:txBody>
+      </p:sp>
+      <p:sp>
+        <p:nvSpPr>
+          <p:cNvPr id="11" name="TextBox 10">
+            <a:extLst>
+              <a:ext uri="{FF2B5EF4-FFF2-40B4-BE49-F238E27FC236}">
+                <a16:creationId xmlns:a16="http://schemas.microsoft.com/office/drawing/2014/main" id="{D546C707-0B44-49CB-A3B2-A4A1E2AB167E}"/>
+              </a:ext>
+            </a:extLst>
+          </p:cNvPr>
+          <p:cNvSpPr txBox="1"/>
+          <p:nvPr/>
+        </p:nvSpPr>
+        <p:spPr>
+          <a:xfrm>
+            <a:off x="10631365" y="3883969"/>
+            <a:ext cx="1560635" cy="461665"/>
+          </a:xfrm>
+          <a:prstGeom prst="rect">
+            <a:avLst/>
+          </a:prstGeom>
+          <a:noFill/>
+        </p:spPr>
+        <p:txBody>
+          <a:bodyPr wrap="square" rtlCol="0">
+            <a:spAutoFit/>
+          </a:bodyPr>
+          <a:lstStyle/>
+          <a:p>
+            <a:r>
+              <a:rPr lang="ko-KR" altLang="en-US" sz="2400" b="1">
+                <a:solidFill>
+                  <a:schemeClr val="accent6">
+                    <a:lumMod val="50000"/>
+                  </a:schemeClr>
+                </a:solidFill>
+                <a:latin typeface="210 나무굴림 B" panose="02020603020101020101" pitchFamily="18" charset="-127"/>
+                <a:ea typeface="210 나무굴림 B" panose="02020603020101020101" pitchFamily="18" charset="-127"/>
+              </a:rPr>
+              <a:t>마치며</a:t>
+            </a:r>
+          </a:p>
+        </p:txBody>
+      </p:sp>
+      <p:sp>
+        <p:nvSpPr>
+          <p:cNvPr id="12" name="TextBox 11">
+            <a:extLst>
+              <a:ext uri="{FF2B5EF4-FFF2-40B4-BE49-F238E27FC236}">
+                <a16:creationId xmlns:a16="http://schemas.microsoft.com/office/drawing/2014/main" id="{79A3BC46-6DA3-4B75-B2A1-1552684802DF}"/>
+              </a:ext>
+            </a:extLst>
+          </p:cNvPr>
+          <p:cNvSpPr txBox="1"/>
+          <p:nvPr/>
+        </p:nvSpPr>
+        <p:spPr>
+          <a:xfrm>
+            <a:off x="3090008" y="3680573"/>
+            <a:ext cx="1560635" cy="461665"/>
+          </a:xfrm>
+          <a:prstGeom prst="rect">
+            <a:avLst/>
+          </a:prstGeom>
+          <a:noFill/>
+        </p:spPr>
+        <p:txBody>
+          <a:bodyPr wrap="square" rtlCol="0">
+            <a:spAutoFit/>
+          </a:bodyPr>
+          <a:lstStyle/>
+          <a:p>
+            <a:r>
+              <a:rPr lang="en-US" altLang="ko-KR" sz="2400" b="1">
+                <a:solidFill>
+                  <a:schemeClr val="accent6">
+                    <a:lumMod val="50000"/>
+                  </a:schemeClr>
+                </a:solidFill>
+                <a:latin typeface="210 나무굴림 B" panose="02020603020101020101" pitchFamily="18" charset="-127"/>
+                <a:ea typeface="210 나무굴림 B" panose="02020603020101020101" pitchFamily="18" charset="-127"/>
+              </a:rPr>
+              <a:t>UI</a:t>
+            </a:r>
+            <a:r>
+              <a:rPr lang="ko-KR" altLang="en-US" sz="2400" b="1">
+                <a:solidFill>
+                  <a:schemeClr val="accent6">
+                    <a:lumMod val="50000"/>
+                  </a:schemeClr>
+                </a:solidFill>
+                <a:latin typeface="210 나무굴림 B" panose="02020603020101020101" pitchFamily="18" charset="-127"/>
+                <a:ea typeface="210 나무굴림 B" panose="02020603020101020101" pitchFamily="18" charset="-127"/>
+              </a:rPr>
+              <a:t>설명</a:t>
+            </a:r>
+          </a:p>
+        </p:txBody>
+      </p:sp>
+      <p:sp>
+        <p:nvSpPr>
+          <p:cNvPr id="3" name="타원 2">
+            <a:extLst>
+              <a:ext uri="{FF2B5EF4-FFF2-40B4-BE49-F238E27FC236}">
+                <a16:creationId xmlns:a16="http://schemas.microsoft.com/office/drawing/2014/main" id="{AB612A3B-88E6-4917-80CE-676C587CE6A0}"/>
+              </a:ext>
+            </a:extLst>
+          </p:cNvPr>
+          <p:cNvSpPr/>
+          <p:nvPr/>
+        </p:nvSpPr>
+        <p:spPr>
+          <a:xfrm>
+            <a:off x="1134208" y="3883969"/>
+            <a:ext cx="545368" cy="508781"/>
+          </a:xfrm>
+          <a:prstGeom prst="ellipse">
+            <a:avLst/>
+          </a:prstGeom>
+        </p:spPr>
+        <p:style>
+          <a:lnRef idx="2">
+            <a:schemeClr val="accent1">
+              <a:shade val="50000"/>
+            </a:schemeClr>
+          </a:lnRef>
+          <a:fillRef idx="1">
+            <a:schemeClr val="accent1"/>
+          </a:fillRef>
+          <a:effectRef idx="0">
+            <a:schemeClr val="accent1"/>
+          </a:effectRef>
+          <a:fontRef idx="minor">
+            <a:schemeClr val="lt1"/>
+          </a:fontRef>
+        </p:style>
+        <p:txBody>
+          <a:bodyPr rtlCol="0" anchor="ctr"/>
+          <a:lstStyle/>
+          <a:p>
+            <a:pPr algn="ctr"/>
+            <a:r>
+              <a:rPr lang="en-US" altLang="ko-KR"/>
+              <a:t>1</a:t>
+            </a:r>
+            <a:endParaRPr lang="ko-KR" altLang="en-US"/>
+          </a:p>
+        </p:txBody>
+      </p:sp>
+      <p:sp>
+        <p:nvSpPr>
+          <p:cNvPr id="13" name="타원 12">
+            <a:extLst>
+              <a:ext uri="{FF2B5EF4-FFF2-40B4-BE49-F238E27FC236}">
+                <a16:creationId xmlns:a16="http://schemas.microsoft.com/office/drawing/2014/main" id="{7D8C5C4D-0CBD-4E41-B522-18F2A896AB50}"/>
+              </a:ext>
+            </a:extLst>
+          </p:cNvPr>
+          <p:cNvSpPr/>
+          <p:nvPr/>
+        </p:nvSpPr>
+        <p:spPr>
+          <a:xfrm>
+            <a:off x="4072304" y="3650792"/>
+            <a:ext cx="545368" cy="508781"/>
+          </a:xfrm>
+          <a:prstGeom prst="ellipse">
+            <a:avLst/>
+          </a:prstGeom>
+        </p:spPr>
+        <p:style>
+          <a:lnRef idx="2">
+            <a:schemeClr val="accent1">
+              <a:shade val="50000"/>
+            </a:schemeClr>
+          </a:lnRef>
+          <a:fillRef idx="1">
+            <a:schemeClr val="accent1"/>
+          </a:fillRef>
+          <a:effectRef idx="0">
+            <a:schemeClr val="accent1"/>
+          </a:effectRef>
+          <a:fontRef idx="minor">
+            <a:schemeClr val="lt1"/>
+          </a:fontRef>
+        </p:style>
+        <p:txBody>
+          <a:bodyPr rtlCol="0" anchor="ctr"/>
+          <a:lstStyle/>
+          <a:p>
+            <a:pPr algn="ctr"/>
+            <a:r>
+              <a:rPr lang="en-US" altLang="ko-KR"/>
+              <a:t>2</a:t>
+            </a:r>
+            <a:endParaRPr lang="ko-KR" altLang="en-US"/>
+          </a:p>
+        </p:txBody>
+      </p:sp>
+      <p:sp>
+        <p:nvSpPr>
+          <p:cNvPr id="14" name="타원 13">
+            <a:extLst>
+              <a:ext uri="{FF2B5EF4-FFF2-40B4-BE49-F238E27FC236}">
+                <a16:creationId xmlns:a16="http://schemas.microsoft.com/office/drawing/2014/main" id="{0B90852C-CB02-4DE5-97DD-CC827EB622E1}"/>
+              </a:ext>
+            </a:extLst>
+          </p:cNvPr>
+          <p:cNvSpPr/>
+          <p:nvPr/>
+        </p:nvSpPr>
+        <p:spPr>
+          <a:xfrm>
+            <a:off x="6284913" y="5067650"/>
+            <a:ext cx="545368" cy="508781"/>
+          </a:xfrm>
+          <a:prstGeom prst="ellipse">
+            <a:avLst/>
+          </a:prstGeom>
+        </p:spPr>
+        <p:style>
+          <a:lnRef idx="2">
+            <a:schemeClr val="accent1">
+              <a:shade val="50000"/>
+            </a:schemeClr>
+          </a:lnRef>
+          <a:fillRef idx="1">
+            <a:schemeClr val="accent1"/>
+          </a:fillRef>
+          <a:effectRef idx="0">
+            <a:schemeClr val="accent1"/>
+          </a:effectRef>
+          <a:fontRef idx="minor">
+            <a:schemeClr val="lt1"/>
+          </a:fontRef>
+        </p:style>
+        <p:txBody>
+          <a:bodyPr rtlCol="0" anchor="ctr"/>
+          <a:lstStyle/>
+          <a:p>
+            <a:pPr algn="ctr"/>
+            <a:r>
+              <a:rPr lang="en-US" altLang="ko-KR"/>
+              <a:t>3</a:t>
+            </a:r>
+            <a:endParaRPr lang="ko-KR" altLang="en-US"/>
+          </a:p>
+        </p:txBody>
+      </p:sp>
+      <p:sp>
+        <p:nvSpPr>
+          <p:cNvPr id="15" name="타원 14">
+            <a:extLst>
+              <a:ext uri="{FF2B5EF4-FFF2-40B4-BE49-F238E27FC236}">
+                <a16:creationId xmlns:a16="http://schemas.microsoft.com/office/drawing/2014/main" id="{ECB4906D-25AA-4A66-8759-0628D1EEB583}"/>
+              </a:ext>
+            </a:extLst>
+          </p:cNvPr>
+          <p:cNvSpPr/>
+          <p:nvPr/>
+        </p:nvSpPr>
+        <p:spPr>
+          <a:xfrm>
+            <a:off x="8068775" y="4477519"/>
+            <a:ext cx="545368" cy="508781"/>
+          </a:xfrm>
+          <a:prstGeom prst="ellipse">
+            <a:avLst/>
+          </a:prstGeom>
+        </p:spPr>
+        <p:style>
+          <a:lnRef idx="2">
+            <a:schemeClr val="accent1">
+              <a:shade val="50000"/>
+            </a:schemeClr>
+          </a:lnRef>
+          <a:fillRef idx="1">
+            <a:schemeClr val="accent1"/>
+          </a:fillRef>
+          <a:effectRef idx="0">
+            <a:schemeClr val="accent1"/>
+          </a:effectRef>
+          <a:fontRef idx="minor">
+            <a:schemeClr val="lt1"/>
+          </a:fontRef>
+        </p:style>
+        <p:txBody>
+          <a:bodyPr rtlCol="0" anchor="ctr"/>
+          <a:lstStyle/>
+          <a:p>
+            <a:pPr algn="ctr"/>
+            <a:r>
+              <a:rPr lang="en-US" altLang="ko-KR"/>
+              <a:t>4</a:t>
+            </a:r>
+            <a:endParaRPr lang="ko-KR" altLang="en-US"/>
+          </a:p>
+        </p:txBody>
+      </p:sp>
+      <p:sp>
+        <p:nvSpPr>
+          <p:cNvPr id="16" name="타원 15">
+            <a:extLst>
+              <a:ext uri="{FF2B5EF4-FFF2-40B4-BE49-F238E27FC236}">
+                <a16:creationId xmlns:a16="http://schemas.microsoft.com/office/drawing/2014/main" id="{09D20930-C5E3-45ED-9DB1-269C878DDB31}"/>
+              </a:ext>
+            </a:extLst>
+          </p:cNvPr>
+          <p:cNvSpPr/>
+          <p:nvPr/>
+        </p:nvSpPr>
+        <p:spPr>
+          <a:xfrm>
+            <a:off x="10747254" y="3148233"/>
+            <a:ext cx="545368" cy="508781"/>
+          </a:xfrm>
+          <a:prstGeom prst="ellipse">
+            <a:avLst/>
+          </a:prstGeom>
+        </p:spPr>
+        <p:style>
+          <a:lnRef idx="2">
+            <a:schemeClr val="accent1">
+              <a:shade val="50000"/>
+            </a:schemeClr>
+          </a:lnRef>
+          <a:fillRef idx="1">
+            <a:schemeClr val="accent1"/>
+          </a:fillRef>
+          <a:effectRef idx="0">
+            <a:schemeClr val="accent1"/>
+          </a:effectRef>
+          <a:fontRef idx="minor">
+            <a:schemeClr val="lt1"/>
+          </a:fontRef>
+        </p:style>
+        <p:txBody>
+          <a:bodyPr rtlCol="0" anchor="ctr"/>
+          <a:lstStyle/>
+          <a:p>
+            <a:pPr algn="ctr"/>
+            <a:r>
+              <a:rPr lang="en-US" altLang="ko-KR"/>
+              <a:t>5</a:t>
+            </a:r>
+            <a:endParaRPr lang="ko-KR" altLang="en-US"/>
+          </a:p>
+        </p:txBody>
+      </p:sp>
+    </p:spTree>
+    <p:extLst>
+      <p:ext uri="{BB962C8B-B14F-4D97-AF65-F5344CB8AC3E}">
+        <p14:creationId xmlns:p14="http://schemas.microsoft.com/office/powerpoint/2010/main" val="427273868"/>
+      </p:ext>
+    </p:extLst>
+  </p:cSld>
+  <p:clrMapOvr>
+    <a:masterClrMapping/>
+  </p:clrMapOvr>
+  <mc:AlternateContent xmlns:mc="http://schemas.openxmlformats.org/markup-compatibility/2006" xmlns:p14="http://schemas.microsoft.com/office/powerpoint/2010/main">
+    <mc:Choice Requires="p14">
+      <p:transition spd="med" p14:dur="700">
+        <p:fade/>
+      </p:transition>
+    </mc:Choice>
+    <mc:Fallback xmlns="">
+      <p:transition spd="med">
+        <p:fade/>
+      </p:transition>
+    </mc:Fallback>
+  </mc:AlternateContent>
+</p:sld>
+</file>
+
+<file path=ppt/slides/slide30.xml><?xml version="1.0" encoding="utf-8"?>
 <p:sld xmlns:a="http://schemas.openxmlformats.org/drawingml/2006/main" xmlns:r="http://schemas.openxmlformats.org/officeDocument/2006/relationships" xmlns:p="http://schemas.openxmlformats.org/presentationml/2006/main">
   <p:cSld>
     <p:bg>
@@ -20336,7 +20754,7 @@
 </p:sld>
 </file>
 
-<file path=ppt/slides/slide22.xml><?xml version="1.0" encoding="utf-8"?>
+<file path=ppt/slides/slide31.xml><?xml version="1.0" encoding="utf-8"?>
 <p:sld xmlns:a="http://schemas.openxmlformats.org/drawingml/2006/main" xmlns:r="http://schemas.openxmlformats.org/officeDocument/2006/relationships" xmlns:p="http://schemas.openxmlformats.org/presentationml/2006/main">
   <p:cSld>
     <p:bg>
@@ -20553,575 +20971,7 @@
 </p:sld>
 </file>
 
-<file path=ppt/slides/slide23.xml><?xml version="1.0" encoding="utf-8"?>
-<p:sld xmlns:a="http://schemas.openxmlformats.org/drawingml/2006/main" xmlns:r="http://schemas.openxmlformats.org/officeDocument/2006/relationships" xmlns:p="http://schemas.openxmlformats.org/presentationml/2006/main">
-  <p:cSld>
-    <p:spTree>
-      <p:nvGrpSpPr>
-        <p:cNvPr id="1" name=""/>
-        <p:cNvGrpSpPr/>
-        <p:nvPr/>
-      </p:nvGrpSpPr>
-      <p:grpSpPr>
-        <a:xfrm>
-          <a:off x="0" y="0"/>
-          <a:ext cx="0" cy="0"/>
-          <a:chOff x="0" y="0"/>
-          <a:chExt cx="0" cy="0"/>
-        </a:xfrm>
-      </p:grpSpPr>
-      <p:cxnSp>
-        <p:nvCxnSpPr>
-          <p:cNvPr id="4" name="직선 연결선 3">
-            <a:extLst>
-              <a:ext uri="{FF2B5EF4-FFF2-40B4-BE49-F238E27FC236}">
-                <a16:creationId xmlns:a16="http://schemas.microsoft.com/office/drawing/2014/main" id="{9A8E474A-6ECB-442D-8A42-7881F4DFBB2A}"/>
-              </a:ext>
-            </a:extLst>
-          </p:cNvPr>
-          <p:cNvCxnSpPr>
-            <a:cxnSpLocks/>
-          </p:cNvCxnSpPr>
-          <p:nvPr/>
-        </p:nvCxnSpPr>
-        <p:spPr>
-          <a:xfrm>
-            <a:off x="177800" y="835707"/>
-            <a:ext cx="12014200" cy="0"/>
-          </a:xfrm>
-          <a:prstGeom prst="line">
-            <a:avLst/>
-          </a:prstGeom>
-          <a:ln>
-            <a:solidFill>
-              <a:schemeClr val="accent2"/>
-            </a:solidFill>
-          </a:ln>
-        </p:spPr>
-        <p:style>
-          <a:lnRef idx="1">
-            <a:schemeClr val="accent1"/>
-          </a:lnRef>
-          <a:fillRef idx="0">
-            <a:schemeClr val="accent1"/>
-          </a:fillRef>
-          <a:effectRef idx="0">
-            <a:schemeClr val="accent1"/>
-          </a:effectRef>
-          <a:fontRef idx="minor">
-            <a:schemeClr val="tx1"/>
-          </a:fontRef>
-        </p:style>
-      </p:cxnSp>
-      <p:sp>
-        <p:nvSpPr>
-          <p:cNvPr id="5" name="직사각형 4">
-            <a:extLst>
-              <a:ext uri="{FF2B5EF4-FFF2-40B4-BE49-F238E27FC236}">
-                <a16:creationId xmlns:a16="http://schemas.microsoft.com/office/drawing/2014/main" id="{76EF8051-9646-4552-BE57-7D95D1538BA2}"/>
-              </a:ext>
-            </a:extLst>
-          </p:cNvPr>
-          <p:cNvSpPr/>
-          <p:nvPr/>
-        </p:nvSpPr>
-        <p:spPr>
-          <a:xfrm>
-            <a:off x="0" y="0"/>
-            <a:ext cx="177800" cy="6858000"/>
-          </a:xfrm>
-          <a:prstGeom prst="rect">
-            <a:avLst/>
-          </a:prstGeom>
-          <a:solidFill>
-            <a:schemeClr val="accent1"/>
-          </a:solidFill>
-          <a:ln>
-            <a:noFill/>
-          </a:ln>
-        </p:spPr>
-        <p:style>
-          <a:lnRef idx="2">
-            <a:schemeClr val="accent1">
-              <a:shade val="50000"/>
-            </a:schemeClr>
-          </a:lnRef>
-          <a:fillRef idx="1">
-            <a:schemeClr val="accent1"/>
-          </a:fillRef>
-          <a:effectRef idx="0">
-            <a:schemeClr val="accent1"/>
-          </a:effectRef>
-          <a:fontRef idx="minor">
-            <a:schemeClr val="lt1"/>
-          </a:fontRef>
-        </p:style>
-        <p:txBody>
-          <a:bodyPr rtlCol="0" anchor="ctr"/>
-          <a:lstStyle/>
-          <a:p>
-            <a:pPr algn="ctr"/>
-            <a:endParaRPr lang="ko-KR" altLang="en-US"/>
-          </a:p>
-        </p:txBody>
-      </p:sp>
-      <p:sp>
-        <p:nvSpPr>
-          <p:cNvPr id="9" name="TextBox 8">
-            <a:extLst>
-              <a:ext uri="{FF2B5EF4-FFF2-40B4-BE49-F238E27FC236}">
-                <a16:creationId xmlns:a16="http://schemas.microsoft.com/office/drawing/2014/main" id="{7FFA9BC9-96FB-4B17-AF51-48D81692F2D7}"/>
-              </a:ext>
-            </a:extLst>
-          </p:cNvPr>
-          <p:cNvSpPr txBox="1"/>
-          <p:nvPr/>
-        </p:nvSpPr>
-        <p:spPr>
-          <a:xfrm>
-            <a:off x="329610" y="111525"/>
-            <a:ext cx="3134191" cy="584775"/>
-          </a:xfrm>
-          <a:prstGeom prst="rect">
-            <a:avLst/>
-          </a:prstGeom>
-          <a:noFill/>
-        </p:spPr>
-        <p:txBody>
-          <a:bodyPr wrap="none" rtlCol="0">
-            <a:spAutoFit/>
-          </a:bodyPr>
-          <a:lstStyle/>
-          <a:p>
-            <a:r>
-              <a:rPr lang="ko-KR" altLang="en-US" sz="3200" spc="-300" dirty="0">
-                <a:solidFill>
-                  <a:schemeClr val="tx1">
-                    <a:lumMod val="85000"/>
-                    <a:lumOff val="15000"/>
-                  </a:schemeClr>
-                </a:solidFill>
-              </a:rPr>
-              <a:t>제목을 입력하세요</a:t>
-            </a:r>
-          </a:p>
-        </p:txBody>
-      </p:sp>
-      <p:sp>
-        <p:nvSpPr>
-          <p:cNvPr id="15" name="TextBox 14">
-            <a:extLst>
-              <a:ext uri="{FF2B5EF4-FFF2-40B4-BE49-F238E27FC236}">
-                <a16:creationId xmlns:a16="http://schemas.microsoft.com/office/drawing/2014/main" id="{8815A429-0165-46F7-A030-F0DB180F3DE0}"/>
-              </a:ext>
-            </a:extLst>
-          </p:cNvPr>
-          <p:cNvSpPr txBox="1"/>
-          <p:nvPr/>
-        </p:nvSpPr>
-        <p:spPr>
-          <a:xfrm>
-            <a:off x="-98231" y="50565"/>
-            <a:ext cx="353943" cy="1849121"/>
-          </a:xfrm>
-          <a:prstGeom prst="rect">
-            <a:avLst/>
-          </a:prstGeom>
-          <a:noFill/>
-        </p:spPr>
-        <p:txBody>
-          <a:bodyPr vert="eaVert" wrap="square" rtlCol="0">
-            <a:spAutoFit/>
-          </a:bodyPr>
-          <a:lstStyle/>
-          <a:p>
-            <a:r>
-              <a:rPr lang="en-US" altLang="ko-KR" sz="1100" dirty="0">
-                <a:solidFill>
-                  <a:schemeClr val="bg1"/>
-                </a:solidFill>
-              </a:rPr>
-              <a:t>Part 2</a:t>
-            </a:r>
-            <a:endParaRPr lang="ko-KR" altLang="en-US" sz="1100" dirty="0">
-              <a:solidFill>
-                <a:schemeClr val="bg1"/>
-              </a:solidFill>
-            </a:endParaRPr>
-          </a:p>
-        </p:txBody>
-      </p:sp>
-      <p:sp>
-        <p:nvSpPr>
-          <p:cNvPr id="12" name="직사각형 11">
-            <a:extLst>
-              <a:ext uri="{FF2B5EF4-FFF2-40B4-BE49-F238E27FC236}">
-                <a16:creationId xmlns:a16="http://schemas.microsoft.com/office/drawing/2014/main" id="{79EB6863-04FA-4DDD-BF13-11791DEF6D32}"/>
-              </a:ext>
-            </a:extLst>
-          </p:cNvPr>
-          <p:cNvSpPr/>
-          <p:nvPr/>
-        </p:nvSpPr>
-        <p:spPr>
-          <a:xfrm>
-            <a:off x="481567" y="1322861"/>
-            <a:ext cx="5413594" cy="4911323"/>
-          </a:xfrm>
-          <a:prstGeom prst="rect">
-            <a:avLst/>
-          </a:prstGeom>
-          <a:solidFill>
-            <a:schemeClr val="bg1"/>
-          </a:solidFill>
-          <a:ln>
-            <a:solidFill>
-              <a:schemeClr val="bg1">
-                <a:lumMod val="75000"/>
-              </a:schemeClr>
-            </a:solidFill>
-          </a:ln>
-        </p:spPr>
-        <p:style>
-          <a:lnRef idx="2">
-            <a:schemeClr val="accent1">
-              <a:shade val="50000"/>
-            </a:schemeClr>
-          </a:lnRef>
-          <a:fillRef idx="1">
-            <a:schemeClr val="accent1"/>
-          </a:fillRef>
-          <a:effectRef idx="0">
-            <a:schemeClr val="accent1"/>
-          </a:effectRef>
-          <a:fontRef idx="minor">
-            <a:schemeClr val="lt1"/>
-          </a:fontRef>
-        </p:style>
-        <p:txBody>
-          <a:bodyPr rtlCol="0" anchor="ctr"/>
-          <a:lstStyle/>
-          <a:p>
-            <a:pPr algn="ctr"/>
-            <a:endParaRPr lang="ko-KR" altLang="en-US" dirty="0"/>
-          </a:p>
-        </p:txBody>
-      </p:sp>
-      <mc:AlternateContent xmlns:mc="http://schemas.openxmlformats.org/markup-compatibility/2006" xmlns:cx1="http://schemas.microsoft.com/office/drawing/2015/9/8/chartex">
-        <mc:Choice Requires="cx1">
-          <p:graphicFrame>
-            <p:nvGraphicFramePr>
-              <p:cNvPr id="13" name="차트 12">
-                <a:extLst>
-                  <a:ext uri="{FF2B5EF4-FFF2-40B4-BE49-F238E27FC236}">
-                    <a16:creationId xmlns:a16="http://schemas.microsoft.com/office/drawing/2014/main" id="{58A72C35-FAB5-4FB1-8035-B6D6940148B5}"/>
-                  </a:ext>
-                </a:extLst>
-              </p:cNvPr>
-              <p:cNvGraphicFramePr/>
-              <p:nvPr>
-                <p:extLst>
-                  <p:ext uri="{D42A27DB-BD31-4B8C-83A1-F6EECF244321}">
-                    <p14:modId xmlns:p14="http://schemas.microsoft.com/office/powerpoint/2010/main" val="2533127818"/>
-                  </p:ext>
-                </p:extLst>
-              </p:nvPr>
-            </p:nvGraphicFramePr>
-            <p:xfrm>
-              <a:off x="715696" y="2397939"/>
-              <a:ext cx="4856673" cy="3555190"/>
-            </p:xfrm>
-            <a:graphic>
-              <a:graphicData uri="http://schemas.microsoft.com/office/drawing/2014/chartex">
-                <cx:chart xmlns:cx="http://schemas.microsoft.com/office/drawing/2014/chartex" xmlns:r="http://schemas.openxmlformats.org/officeDocument/2006/relationships" r:id="rId2"/>
-              </a:graphicData>
-            </a:graphic>
-          </p:graphicFrame>
-        </mc:Choice>
-        <mc:Fallback xmlns="">
-          <p:pic>
-            <p:nvPicPr>
-              <p:cNvPr id="13" name="차트 12">
-                <a:extLst>
-                  <a:ext uri="{FF2B5EF4-FFF2-40B4-BE49-F238E27FC236}">
-                    <a16:creationId xmlns:a16="http://schemas.microsoft.com/office/drawing/2014/main" id="{58A72C35-FAB5-4FB1-8035-B6D6940148B5}"/>
-                  </a:ext>
-                </a:extLst>
-              </p:cNvPr>
-              <p:cNvPicPr>
-                <a:picLocks noGrp="1" noRot="1" noChangeAspect="1" noMove="1" noResize="1" noEditPoints="1" noAdjustHandles="1" noChangeArrowheads="1" noChangeShapeType="1"/>
-              </p:cNvPicPr>
-              <p:nvPr/>
-            </p:nvPicPr>
-            <p:blipFill>
-              <a:blip r:embed="rId3"/>
-              <a:stretch>
-                <a:fillRect/>
-              </a:stretch>
-            </p:blipFill>
-            <p:spPr>
-              <a:xfrm>
-                <a:off x="715696" y="2397939"/>
-                <a:ext cx="4856673" cy="3555190"/>
-              </a:xfrm>
-              <a:prstGeom prst="rect">
-                <a:avLst/>
-              </a:prstGeom>
-            </p:spPr>
-          </p:pic>
-        </mc:Fallback>
-      </mc:AlternateContent>
-      <p:sp>
-        <p:nvSpPr>
-          <p:cNvPr id="14" name="직사각형 13">
-            <a:extLst>
-              <a:ext uri="{FF2B5EF4-FFF2-40B4-BE49-F238E27FC236}">
-                <a16:creationId xmlns:a16="http://schemas.microsoft.com/office/drawing/2014/main" id="{F2E04AF7-795C-49B1-A037-A828DA800640}"/>
-              </a:ext>
-            </a:extLst>
-          </p:cNvPr>
-          <p:cNvSpPr/>
-          <p:nvPr/>
-        </p:nvSpPr>
-        <p:spPr>
-          <a:xfrm>
-            <a:off x="6314157" y="1322861"/>
-            <a:ext cx="5396276" cy="4911321"/>
-          </a:xfrm>
-          <a:prstGeom prst="rect">
-            <a:avLst/>
-          </a:prstGeom>
-          <a:solidFill>
-            <a:schemeClr val="bg1"/>
-          </a:solidFill>
-          <a:ln>
-            <a:solidFill>
-              <a:schemeClr val="bg1">
-                <a:lumMod val="75000"/>
-              </a:schemeClr>
-            </a:solidFill>
-          </a:ln>
-        </p:spPr>
-        <p:style>
-          <a:lnRef idx="2">
-            <a:schemeClr val="accent1">
-              <a:shade val="50000"/>
-            </a:schemeClr>
-          </a:lnRef>
-          <a:fillRef idx="1">
-            <a:schemeClr val="accent1"/>
-          </a:fillRef>
-          <a:effectRef idx="0">
-            <a:schemeClr val="accent1"/>
-          </a:effectRef>
-          <a:fontRef idx="minor">
-            <a:schemeClr val="lt1"/>
-          </a:fontRef>
-        </p:style>
-        <p:txBody>
-          <a:bodyPr rtlCol="0" anchor="ctr"/>
-          <a:lstStyle/>
-          <a:p>
-            <a:pPr algn="ctr"/>
-            <a:endParaRPr lang="ko-KR" altLang="en-US"/>
-          </a:p>
-        </p:txBody>
-      </p:sp>
-      <p:graphicFrame>
-        <p:nvGraphicFramePr>
-          <p:cNvPr id="16" name="차트 15">
-            <a:extLst>
-              <a:ext uri="{FF2B5EF4-FFF2-40B4-BE49-F238E27FC236}">
-                <a16:creationId xmlns:a16="http://schemas.microsoft.com/office/drawing/2014/main" id="{C905B5A1-4FBC-4D45-AD95-79B966BFB5B4}"/>
-              </a:ext>
-            </a:extLst>
-          </p:cNvPr>
-          <p:cNvGraphicFramePr/>
-          <p:nvPr>
-            <p:extLst>
-              <p:ext uri="{D42A27DB-BD31-4B8C-83A1-F6EECF244321}">
-                <p14:modId xmlns:p14="http://schemas.microsoft.com/office/powerpoint/2010/main" val="3884885911"/>
-              </p:ext>
-            </p:extLst>
-          </p:nvPr>
-        </p:nvGraphicFramePr>
-        <p:xfrm>
-          <a:off x="6560802" y="1622639"/>
-          <a:ext cx="4922021" cy="4330490"/>
-        </p:xfrm>
-        <a:graphic>
-          <a:graphicData uri="http://schemas.openxmlformats.org/drawingml/2006/chart">
-            <c:chart xmlns:c="http://schemas.openxmlformats.org/drawingml/2006/chart" xmlns:r="http://schemas.openxmlformats.org/officeDocument/2006/relationships" r:id="rId4"/>
-          </a:graphicData>
-        </a:graphic>
-      </p:graphicFrame>
-      <p:sp>
-        <p:nvSpPr>
-          <p:cNvPr id="17" name="직사각형 16">
-            <a:extLst>
-              <a:ext uri="{FF2B5EF4-FFF2-40B4-BE49-F238E27FC236}">
-                <a16:creationId xmlns:a16="http://schemas.microsoft.com/office/drawing/2014/main" id="{A67FDA3D-4D44-452E-8B47-47684735F35D}"/>
-              </a:ext>
-            </a:extLst>
-          </p:cNvPr>
-          <p:cNvSpPr/>
-          <p:nvPr/>
-        </p:nvSpPr>
-        <p:spPr>
-          <a:xfrm>
-            <a:off x="709177" y="1535340"/>
-            <a:ext cx="4980423" cy="684490"/>
-          </a:xfrm>
-          <a:prstGeom prst="rect">
-            <a:avLst/>
-          </a:prstGeom>
-          <a:solidFill>
-            <a:schemeClr val="bg1">
-              <a:lumMod val="95000"/>
-            </a:schemeClr>
-          </a:solidFill>
-          <a:ln>
-            <a:noFill/>
-          </a:ln>
-        </p:spPr>
-        <p:style>
-          <a:lnRef idx="2">
-            <a:schemeClr val="accent1">
-              <a:shade val="50000"/>
-            </a:schemeClr>
-          </a:lnRef>
-          <a:fillRef idx="1">
-            <a:schemeClr val="accent1"/>
-          </a:fillRef>
-          <a:effectRef idx="0">
-            <a:schemeClr val="accent1"/>
-          </a:effectRef>
-          <a:fontRef idx="minor">
-            <a:schemeClr val="lt1"/>
-          </a:fontRef>
-        </p:style>
-        <p:txBody>
-          <a:bodyPr rtlCol="0" anchor="ctr"/>
-          <a:lstStyle/>
-          <a:p>
-            <a:pPr algn="ctr"/>
-            <a:endParaRPr lang="ko-KR" altLang="en-US" spc="-300">
-              <a:latin typeface="+mj-ea"/>
-              <a:ea typeface="+mj-ea"/>
-            </a:endParaRPr>
-          </a:p>
-        </p:txBody>
-      </p:sp>
-      <p:sp>
-        <p:nvSpPr>
-          <p:cNvPr id="18" name="TextBox 17">
-            <a:extLst>
-              <a:ext uri="{FF2B5EF4-FFF2-40B4-BE49-F238E27FC236}">
-                <a16:creationId xmlns:a16="http://schemas.microsoft.com/office/drawing/2014/main" id="{FB3133F7-C37B-4CBE-8AB2-86EC1A81B046}"/>
-              </a:ext>
-            </a:extLst>
-          </p:cNvPr>
-          <p:cNvSpPr txBox="1"/>
-          <p:nvPr/>
-        </p:nvSpPr>
-        <p:spPr>
-          <a:xfrm>
-            <a:off x="1404615" y="1615975"/>
-            <a:ext cx="3478837" cy="523220"/>
-          </a:xfrm>
-          <a:prstGeom prst="rect">
-            <a:avLst/>
-          </a:prstGeom>
-          <a:noFill/>
-        </p:spPr>
-        <p:txBody>
-          <a:bodyPr wrap="none" rtlCol="0">
-            <a:spAutoFit/>
-          </a:bodyPr>
-          <a:lstStyle/>
-          <a:p>
-            <a:pPr algn="ctr"/>
-            <a:r>
-              <a:rPr lang="en-US" altLang="ko-KR" sz="2800" spc="-300" dirty="0">
-                <a:solidFill>
-                  <a:schemeClr val="tx1">
-                    <a:lumMod val="75000"/>
-                    <a:lumOff val="25000"/>
-                  </a:schemeClr>
-                </a:solidFill>
-                <a:latin typeface="+mj-ea"/>
-                <a:ea typeface="+mj-ea"/>
-              </a:rPr>
-              <a:t>XXXX</a:t>
-            </a:r>
-            <a:r>
-              <a:rPr lang="ko-KR" altLang="en-US" sz="2800" spc="-300" dirty="0">
-                <a:solidFill>
-                  <a:schemeClr val="tx1">
-                    <a:lumMod val="75000"/>
-                    <a:lumOff val="25000"/>
-                  </a:schemeClr>
-                </a:solidFill>
-                <a:latin typeface="+mj-ea"/>
-                <a:ea typeface="+mj-ea"/>
-              </a:rPr>
-              <a:t>년도 제</a:t>
-            </a:r>
-            <a:r>
-              <a:rPr lang="en-US" altLang="ko-KR" sz="2800" spc="-300" dirty="0">
-                <a:solidFill>
-                  <a:schemeClr val="tx1">
-                    <a:lumMod val="75000"/>
-                    <a:lumOff val="25000"/>
-                  </a:schemeClr>
-                </a:solidFill>
-                <a:latin typeface="+mj-ea"/>
-                <a:ea typeface="+mj-ea"/>
-              </a:rPr>
-              <a:t>3</a:t>
-            </a:r>
-            <a:r>
-              <a:rPr lang="ko-KR" altLang="en-US" sz="2800" spc="-300" dirty="0">
-                <a:solidFill>
-                  <a:schemeClr val="tx1">
-                    <a:lumMod val="75000"/>
-                    <a:lumOff val="25000"/>
-                  </a:schemeClr>
-                </a:solidFill>
-                <a:latin typeface="+mj-ea"/>
-                <a:ea typeface="+mj-ea"/>
-              </a:rPr>
-              <a:t>분기 실적</a:t>
-            </a:r>
-          </a:p>
-        </p:txBody>
-      </p:sp>
-    </p:spTree>
-    <p:extLst>
-      <p:ext uri="{BB962C8B-B14F-4D97-AF65-F5344CB8AC3E}">
-        <p14:creationId xmlns:p14="http://schemas.microsoft.com/office/powerpoint/2010/main" val="3524356639"/>
-      </p:ext>
-    </p:extLst>
-  </p:cSld>
-  <p:clrMapOvr>
-    <a:masterClrMapping/>
-  </p:clrMapOvr>
-  <mc:AlternateContent xmlns:mc="http://schemas.openxmlformats.org/markup-compatibility/2006" xmlns:p14="http://schemas.microsoft.com/office/powerpoint/2010/main">
-    <mc:Choice Requires="p14">
-      <p:transition spd="med" p14:dur="700">
-        <p:fade/>
-      </p:transition>
-    </mc:Choice>
-    <mc:Fallback xmlns="">
-      <p:transition spd="med">
-        <p:fade/>
-      </p:transition>
-    </mc:Fallback>
-  </mc:AlternateContent>
-</p:sld>
-</file>
-
-<file path=ppt/slides/slide24.xml><?xml version="1.0" encoding="utf-8"?>
+<file path=ppt/slides/slide32.xml><?xml version="1.0" encoding="utf-8"?>
 <p:sld xmlns:a="http://schemas.openxmlformats.org/drawingml/2006/main" xmlns:r="http://schemas.openxmlformats.org/officeDocument/2006/relationships" xmlns:p="http://schemas.openxmlformats.org/presentationml/2006/main">
   <p:cSld>
     <p:spTree>
@@ -22165,7 +22015,7 @@
 </p:sld>
 </file>
 
-<file path=ppt/slides/slide25.xml><?xml version="1.0" encoding="utf-8"?>
+<file path=ppt/slides/slide33.xml><?xml version="1.0" encoding="utf-8"?>
 <p:sld xmlns:a="http://schemas.openxmlformats.org/drawingml/2006/main" xmlns:r="http://schemas.openxmlformats.org/officeDocument/2006/relationships" xmlns:p="http://schemas.openxmlformats.org/presentationml/2006/main">
   <p:cSld>
     <p:spTree>
@@ -22553,7 +22403,7 @@
 </p:sld>
 </file>
 
-<file path=ppt/slides/slide26.xml><?xml version="1.0" encoding="utf-8"?>
+<file path=ppt/slides/slide34.xml><?xml version="1.0" encoding="utf-8"?>
 <p:sld xmlns:a="http://schemas.openxmlformats.org/drawingml/2006/main" xmlns:r="http://schemas.openxmlformats.org/officeDocument/2006/relationships" xmlns:p="http://schemas.openxmlformats.org/presentationml/2006/main">
   <p:cSld>
     <p:spTree>
@@ -23340,7 +23190,7 @@
 </p:sld>
 </file>
 
-<file path=ppt/slides/slide27.xml><?xml version="1.0" encoding="utf-8"?>
+<file path=ppt/slides/slide35.xml><?xml version="1.0" encoding="utf-8"?>
 <p:sld xmlns:a="http://schemas.openxmlformats.org/drawingml/2006/main" xmlns:r="http://schemas.openxmlformats.org/officeDocument/2006/relationships" xmlns:p="http://schemas.openxmlformats.org/presentationml/2006/main">
   <p:cSld>
     <p:spTree>
@@ -25029,7 +24879,7 @@
 </p:sld>
 </file>
 
-<file path=ppt/slides/slide28.xml><?xml version="1.0" encoding="utf-8"?>
+<file path=ppt/slides/slide36.xml><?xml version="1.0" encoding="utf-8"?>
 <p:sld xmlns:a="http://schemas.openxmlformats.org/drawingml/2006/main" xmlns:r="http://schemas.openxmlformats.org/officeDocument/2006/relationships" xmlns:p="http://schemas.openxmlformats.org/presentationml/2006/main">
   <p:cSld>
     <p:bg>
@@ -25200,7 +25050,7 @@
 </p:sld>
 </file>
 
-<file path=ppt/slides/slide29.xml><?xml version="1.0" encoding="utf-8"?>
+<file path=ppt/slides/slide37.xml><?xml version="1.0" encoding="utf-8"?>
 <p:sld xmlns:a="http://schemas.openxmlformats.org/drawingml/2006/main" xmlns:r="http://schemas.openxmlformats.org/officeDocument/2006/relationships" xmlns:p="http://schemas.openxmlformats.org/presentationml/2006/main">
   <p:cSld>
     <p:bg>
@@ -25499,883 +25349,7 @@
 </p:sld>
 </file>
 
-<file path=ppt/slides/slide3.xml><?xml version="1.0" encoding="utf-8"?>
-<p:sld xmlns:a="http://schemas.openxmlformats.org/drawingml/2006/main" xmlns:r="http://schemas.openxmlformats.org/officeDocument/2006/relationships" xmlns:p="http://schemas.openxmlformats.org/presentationml/2006/main">
-  <p:cSld>
-    <p:bg>
-      <p:bgPr>
-        <a:solidFill>
-          <a:schemeClr val="accent6"/>
-        </a:solidFill>
-        <a:effectLst/>
-      </p:bgPr>
-    </p:bg>
-    <p:spTree>
-      <p:nvGrpSpPr>
-        <p:cNvPr id="1" name=""/>
-        <p:cNvGrpSpPr/>
-        <p:nvPr/>
-      </p:nvGrpSpPr>
-      <p:grpSpPr>
-        <a:xfrm>
-          <a:off x="0" y="0"/>
-          <a:ext cx="0" cy="0"/>
-          <a:chOff x="0" y="0"/>
-          <a:chExt cx="0" cy="0"/>
-        </a:xfrm>
-      </p:grpSpPr>
-      <p:sp>
-        <p:nvSpPr>
-          <p:cNvPr id="2" name="타원 1">
-            <a:extLst>
-              <a:ext uri="{FF2B5EF4-FFF2-40B4-BE49-F238E27FC236}">
-                <a16:creationId xmlns:a16="http://schemas.microsoft.com/office/drawing/2014/main" id="{6A948DA2-02A6-4346-80F8-772FA275B595}"/>
-              </a:ext>
-            </a:extLst>
-          </p:cNvPr>
-          <p:cNvSpPr/>
-          <p:nvPr/>
-        </p:nvSpPr>
-        <p:spPr>
-          <a:xfrm>
-            <a:off x="4951780" y="1116428"/>
-            <a:ext cx="2082800" cy="2082800"/>
-          </a:xfrm>
-          <a:prstGeom prst="ellipse">
-            <a:avLst/>
-          </a:prstGeom>
-          <a:ln>
-            <a:noFill/>
-          </a:ln>
-        </p:spPr>
-        <p:style>
-          <a:lnRef idx="2">
-            <a:schemeClr val="accent1">
-              <a:shade val="50000"/>
-            </a:schemeClr>
-          </a:lnRef>
-          <a:fillRef idx="1">
-            <a:schemeClr val="accent1"/>
-          </a:fillRef>
-          <a:effectRef idx="0">
-            <a:schemeClr val="accent1"/>
-          </a:effectRef>
-          <a:fontRef idx="minor">
-            <a:schemeClr val="lt1"/>
-          </a:fontRef>
-        </p:style>
-        <p:txBody>
-          <a:bodyPr rtlCol="0" anchor="ctr"/>
-          <a:lstStyle/>
-          <a:p>
-            <a:pPr algn="ctr"/>
-            <a:r>
-              <a:rPr lang="ko-KR" altLang="en-US" sz="3600">
-                <a:latin typeface="210 나무굴림 B" panose="02020603020101020101" pitchFamily="18" charset="-127"/>
-                <a:ea typeface="210 나무굴림 B" panose="02020603020101020101" pitchFamily="18" charset="-127"/>
-              </a:rPr>
-              <a:t>목차</a:t>
-            </a:r>
-          </a:p>
-        </p:txBody>
-      </p:sp>
-      <p:sp>
-        <p:nvSpPr>
-          <p:cNvPr id="4" name="타원 3">
-            <a:extLst>
-              <a:ext uri="{FF2B5EF4-FFF2-40B4-BE49-F238E27FC236}">
-                <a16:creationId xmlns:a16="http://schemas.microsoft.com/office/drawing/2014/main" id="{C63DDDEB-A4AD-4287-9759-D0ECC75D2005}"/>
-              </a:ext>
-            </a:extLst>
-          </p:cNvPr>
-          <p:cNvSpPr/>
-          <p:nvPr/>
-        </p:nvSpPr>
-        <p:spPr>
-          <a:xfrm>
-            <a:off x="796926" y="4044462"/>
-            <a:ext cx="1424354" cy="1424354"/>
-          </a:xfrm>
-          <a:prstGeom prst="ellipse">
-            <a:avLst/>
-          </a:prstGeom>
-          <a:solidFill>
-            <a:schemeClr val="accent5">
-              <a:lumMod val="60000"/>
-              <a:lumOff val="40000"/>
-            </a:schemeClr>
-          </a:solidFill>
-          <a:ln>
-            <a:solidFill>
-              <a:schemeClr val="bg2"/>
-            </a:solidFill>
-          </a:ln>
-        </p:spPr>
-        <p:style>
-          <a:lnRef idx="2">
-            <a:schemeClr val="accent1">
-              <a:shade val="50000"/>
-            </a:schemeClr>
-          </a:lnRef>
-          <a:fillRef idx="1">
-            <a:schemeClr val="accent1"/>
-          </a:fillRef>
-          <a:effectRef idx="0">
-            <a:schemeClr val="accent1"/>
-          </a:effectRef>
-          <a:fontRef idx="minor">
-            <a:schemeClr val="lt1"/>
-          </a:fontRef>
-        </p:style>
-        <p:txBody>
-          <a:bodyPr rtlCol="0" anchor="ctr"/>
-          <a:lstStyle/>
-          <a:p>
-            <a:pPr algn="ctr"/>
-            <a:r>
-              <a:rPr lang="ko-KR" altLang="en-US" sz="2400" b="1">
-                <a:solidFill>
-                  <a:schemeClr val="accent6">
-                    <a:lumMod val="50000"/>
-                  </a:schemeClr>
-                </a:solidFill>
-                <a:latin typeface="210 나무굴림 B" panose="02020603020101020101" pitchFamily="18" charset="-127"/>
-                <a:ea typeface="210 나무굴림 B" panose="02020603020101020101" pitchFamily="18" charset="-127"/>
-              </a:rPr>
-              <a:t>소개</a:t>
-            </a:r>
-          </a:p>
-        </p:txBody>
-      </p:sp>
-      <p:sp>
-        <p:nvSpPr>
-          <p:cNvPr id="5" name="타원 4">
-            <a:extLst>
-              <a:ext uri="{FF2B5EF4-FFF2-40B4-BE49-F238E27FC236}">
-                <a16:creationId xmlns:a16="http://schemas.microsoft.com/office/drawing/2014/main" id="{6E6D75C7-80D7-42E6-88DF-2395765E75BD}"/>
-              </a:ext>
-            </a:extLst>
-          </p:cNvPr>
-          <p:cNvSpPr/>
-          <p:nvPr/>
-        </p:nvSpPr>
-        <p:spPr>
-          <a:xfrm>
-            <a:off x="8300916" y="4044462"/>
-            <a:ext cx="1424354" cy="1424354"/>
-          </a:xfrm>
-          <a:prstGeom prst="ellipse">
-            <a:avLst/>
-          </a:prstGeom>
-          <a:solidFill>
-            <a:schemeClr val="accent5">
-              <a:lumMod val="60000"/>
-              <a:lumOff val="40000"/>
-            </a:schemeClr>
-          </a:solidFill>
-          <a:ln>
-            <a:solidFill>
-              <a:schemeClr val="bg2"/>
-            </a:solidFill>
-          </a:ln>
-        </p:spPr>
-        <p:style>
-          <a:lnRef idx="2">
-            <a:schemeClr val="accent1">
-              <a:shade val="50000"/>
-            </a:schemeClr>
-          </a:lnRef>
-          <a:fillRef idx="1">
-            <a:schemeClr val="accent1"/>
-          </a:fillRef>
-          <a:effectRef idx="0">
-            <a:schemeClr val="accent1"/>
-          </a:effectRef>
-          <a:fontRef idx="minor">
-            <a:schemeClr val="lt1"/>
-          </a:fontRef>
-        </p:style>
-        <p:txBody>
-          <a:bodyPr rtlCol="0" anchor="ctr"/>
-          <a:lstStyle/>
-          <a:p>
-            <a:pPr algn="ctr"/>
-            <a:endParaRPr lang="ko-KR" altLang="en-US" sz="2400" b="1">
-              <a:solidFill>
-                <a:schemeClr val="accent6">
-                  <a:lumMod val="50000"/>
-                </a:schemeClr>
-              </a:solidFill>
-              <a:latin typeface="210 나무굴림 B" panose="02020603020101020101" pitchFamily="18" charset="-127"/>
-              <a:ea typeface="210 나무굴림 B" panose="02020603020101020101" pitchFamily="18" charset="-127"/>
-            </a:endParaRPr>
-          </a:p>
-        </p:txBody>
-      </p:sp>
-      <p:sp>
-        <p:nvSpPr>
-          <p:cNvPr id="6" name="타원 5">
-            <a:extLst>
-              <a:ext uri="{FF2B5EF4-FFF2-40B4-BE49-F238E27FC236}">
-                <a16:creationId xmlns:a16="http://schemas.microsoft.com/office/drawing/2014/main" id="{EEB84584-A676-47EF-852D-B7A4030FF56C}"/>
-              </a:ext>
-            </a:extLst>
-          </p:cNvPr>
-          <p:cNvSpPr/>
-          <p:nvPr/>
-        </p:nvSpPr>
-        <p:spPr>
-          <a:xfrm>
-            <a:off x="2874353" y="3199228"/>
-            <a:ext cx="1424354" cy="1424354"/>
-          </a:xfrm>
-          <a:prstGeom prst="ellipse">
-            <a:avLst/>
-          </a:prstGeom>
-          <a:solidFill>
-            <a:schemeClr val="accent5">
-              <a:lumMod val="60000"/>
-              <a:lumOff val="40000"/>
-            </a:schemeClr>
-          </a:solidFill>
-          <a:ln>
-            <a:solidFill>
-              <a:schemeClr val="bg2"/>
-            </a:solidFill>
-          </a:ln>
-        </p:spPr>
-        <p:style>
-          <a:lnRef idx="2">
-            <a:schemeClr val="accent1">
-              <a:shade val="50000"/>
-            </a:schemeClr>
-          </a:lnRef>
-          <a:fillRef idx="1">
-            <a:schemeClr val="accent1"/>
-          </a:fillRef>
-          <a:effectRef idx="0">
-            <a:schemeClr val="accent1"/>
-          </a:effectRef>
-          <a:fontRef idx="minor">
-            <a:schemeClr val="lt1"/>
-          </a:fontRef>
-        </p:style>
-        <p:txBody>
-          <a:bodyPr rtlCol="0" anchor="ctr"/>
-          <a:lstStyle/>
-          <a:p>
-            <a:pPr algn="ctr"/>
-            <a:endParaRPr lang="ko-KR" altLang="en-US" sz="2400" b="1">
-              <a:solidFill>
-                <a:schemeClr val="accent6">
-                  <a:lumMod val="50000"/>
-                </a:schemeClr>
-              </a:solidFill>
-              <a:latin typeface="210 나무굴림 B" panose="02020603020101020101" pitchFamily="18" charset="-127"/>
-              <a:ea typeface="210 나무굴림 B" panose="02020603020101020101" pitchFamily="18" charset="-127"/>
-            </a:endParaRPr>
-          </a:p>
-        </p:txBody>
-      </p:sp>
-      <p:sp>
-        <p:nvSpPr>
-          <p:cNvPr id="7" name="타원 6">
-            <a:extLst>
-              <a:ext uri="{FF2B5EF4-FFF2-40B4-BE49-F238E27FC236}">
-                <a16:creationId xmlns:a16="http://schemas.microsoft.com/office/drawing/2014/main" id="{0A97609D-2A8C-4F0F-9485-FCDFBCFD72F5}"/>
-              </a:ext>
-            </a:extLst>
-          </p:cNvPr>
-          <p:cNvSpPr/>
-          <p:nvPr/>
-        </p:nvSpPr>
-        <p:spPr>
-          <a:xfrm>
-            <a:off x="5845420" y="3911405"/>
-            <a:ext cx="1424354" cy="1424354"/>
-          </a:xfrm>
-          <a:prstGeom prst="ellipse">
-            <a:avLst/>
-          </a:prstGeom>
-          <a:solidFill>
-            <a:schemeClr val="accent5">
-              <a:lumMod val="60000"/>
-              <a:lumOff val="40000"/>
-            </a:schemeClr>
-          </a:solidFill>
-          <a:ln>
-            <a:solidFill>
-              <a:schemeClr val="bg2"/>
-            </a:solidFill>
-          </a:ln>
-        </p:spPr>
-        <p:style>
-          <a:lnRef idx="2">
-            <a:schemeClr val="accent1">
-              <a:shade val="50000"/>
-            </a:schemeClr>
-          </a:lnRef>
-          <a:fillRef idx="1">
-            <a:schemeClr val="accent1"/>
-          </a:fillRef>
-          <a:effectRef idx="0">
-            <a:schemeClr val="accent1"/>
-          </a:effectRef>
-          <a:fontRef idx="minor">
-            <a:schemeClr val="lt1"/>
-          </a:fontRef>
-        </p:style>
-        <p:txBody>
-          <a:bodyPr rtlCol="0" anchor="ctr"/>
-          <a:lstStyle/>
-          <a:p>
-            <a:pPr algn="ctr"/>
-            <a:endParaRPr lang="ko-KR" altLang="en-US" sz="2400" b="1">
-              <a:solidFill>
-                <a:schemeClr val="accent6">
-                  <a:lumMod val="50000"/>
-                </a:schemeClr>
-              </a:solidFill>
-              <a:latin typeface="210 나무굴림 B" panose="02020603020101020101" pitchFamily="18" charset="-127"/>
-              <a:ea typeface="210 나무굴림 B" panose="02020603020101020101" pitchFamily="18" charset="-127"/>
-            </a:endParaRPr>
-          </a:p>
-        </p:txBody>
-      </p:sp>
-      <p:sp>
-        <p:nvSpPr>
-          <p:cNvPr id="8" name="타원 7">
-            <a:extLst>
-              <a:ext uri="{FF2B5EF4-FFF2-40B4-BE49-F238E27FC236}">
-                <a16:creationId xmlns:a16="http://schemas.microsoft.com/office/drawing/2014/main" id="{7CB10C57-99FA-41DC-869E-7A45BADD50ED}"/>
-              </a:ext>
-            </a:extLst>
-          </p:cNvPr>
-          <p:cNvSpPr/>
-          <p:nvPr/>
-        </p:nvSpPr>
-        <p:spPr>
-          <a:xfrm>
-            <a:off x="10363200" y="3402624"/>
-            <a:ext cx="1424354" cy="1424354"/>
-          </a:xfrm>
-          <a:prstGeom prst="ellipse">
-            <a:avLst/>
-          </a:prstGeom>
-          <a:solidFill>
-            <a:schemeClr val="accent5">
-              <a:lumMod val="60000"/>
-              <a:lumOff val="40000"/>
-            </a:schemeClr>
-          </a:solidFill>
-          <a:ln>
-            <a:solidFill>
-              <a:schemeClr val="bg2"/>
-            </a:solidFill>
-          </a:ln>
-        </p:spPr>
-        <p:style>
-          <a:lnRef idx="2">
-            <a:schemeClr val="accent1">
-              <a:shade val="50000"/>
-            </a:schemeClr>
-          </a:lnRef>
-          <a:fillRef idx="1">
-            <a:schemeClr val="accent1"/>
-          </a:fillRef>
-          <a:effectRef idx="0">
-            <a:schemeClr val="accent1"/>
-          </a:effectRef>
-          <a:fontRef idx="minor">
-            <a:schemeClr val="lt1"/>
-          </a:fontRef>
-        </p:style>
-        <p:txBody>
-          <a:bodyPr rtlCol="0" anchor="ctr"/>
-          <a:lstStyle/>
-          <a:p>
-            <a:pPr algn="ctr"/>
-            <a:endParaRPr lang="ko-KR" altLang="en-US" sz="2400" b="1">
-              <a:solidFill>
-                <a:schemeClr val="accent6">
-                  <a:lumMod val="50000"/>
-                </a:schemeClr>
-              </a:solidFill>
-              <a:latin typeface="210 나무굴림 B" panose="02020603020101020101" pitchFamily="18" charset="-127"/>
-              <a:ea typeface="210 나무굴림 B" panose="02020603020101020101" pitchFamily="18" charset="-127"/>
-            </a:endParaRPr>
-          </a:p>
-        </p:txBody>
-      </p:sp>
-      <p:sp>
-        <p:nvSpPr>
-          <p:cNvPr id="9" name="TextBox 8">
-            <a:extLst>
-              <a:ext uri="{FF2B5EF4-FFF2-40B4-BE49-F238E27FC236}">
-                <a16:creationId xmlns:a16="http://schemas.microsoft.com/office/drawing/2014/main" id="{422A1E13-D444-44C5-B8D5-B6D54AD5923D}"/>
-              </a:ext>
-            </a:extLst>
-          </p:cNvPr>
-          <p:cNvSpPr txBox="1"/>
-          <p:nvPr/>
-        </p:nvSpPr>
-        <p:spPr>
-          <a:xfrm>
-            <a:off x="5911362" y="4392750"/>
-            <a:ext cx="1560635" cy="461665"/>
-          </a:xfrm>
-          <a:prstGeom prst="rect">
-            <a:avLst/>
-          </a:prstGeom>
-          <a:noFill/>
-        </p:spPr>
-        <p:txBody>
-          <a:bodyPr wrap="square" rtlCol="0">
-            <a:spAutoFit/>
-          </a:bodyPr>
-          <a:lstStyle/>
-          <a:p>
-            <a:r>
-              <a:rPr lang="ko-KR" altLang="en-US" sz="2400" b="1">
-                <a:solidFill>
-                  <a:schemeClr val="accent6">
-                    <a:lumMod val="50000"/>
-                  </a:schemeClr>
-                </a:solidFill>
-                <a:latin typeface="210 나무굴림 B" panose="02020603020101020101" pitchFamily="18" charset="-127"/>
-                <a:ea typeface="210 나무굴림 B" panose="02020603020101020101" pitchFamily="18" charset="-127"/>
-              </a:rPr>
-              <a:t>기능설명</a:t>
-            </a:r>
-          </a:p>
-        </p:txBody>
-      </p:sp>
-      <p:sp>
-        <p:nvSpPr>
-          <p:cNvPr id="10" name="TextBox 9">
-            <a:extLst>
-              <a:ext uri="{FF2B5EF4-FFF2-40B4-BE49-F238E27FC236}">
-                <a16:creationId xmlns:a16="http://schemas.microsoft.com/office/drawing/2014/main" id="{6935D52F-2517-483D-A550-08D13921A30E}"/>
-              </a:ext>
-            </a:extLst>
-          </p:cNvPr>
-          <p:cNvSpPr txBox="1"/>
-          <p:nvPr/>
-        </p:nvSpPr>
-        <p:spPr>
-          <a:xfrm>
-            <a:off x="8714642" y="4525807"/>
-            <a:ext cx="1560635" cy="461665"/>
-          </a:xfrm>
-          <a:prstGeom prst="rect">
-            <a:avLst/>
-          </a:prstGeom>
-          <a:noFill/>
-        </p:spPr>
-        <p:txBody>
-          <a:bodyPr wrap="square" rtlCol="0">
-            <a:spAutoFit/>
-          </a:bodyPr>
-          <a:lstStyle/>
-          <a:p>
-            <a:r>
-              <a:rPr lang="en-US" altLang="ko-KR" sz="2400" b="1">
-                <a:solidFill>
-                  <a:schemeClr val="accent6">
-                    <a:lumMod val="50000"/>
-                  </a:schemeClr>
-                </a:solidFill>
-                <a:latin typeface="210 나무굴림 B" panose="02020603020101020101" pitchFamily="18" charset="-127"/>
-                <a:ea typeface="210 나무굴림 B" panose="02020603020101020101" pitchFamily="18" charset="-127"/>
-              </a:rPr>
-              <a:t>DB</a:t>
-            </a:r>
-            <a:endParaRPr lang="ko-KR" altLang="en-US" sz="2400" b="1">
-              <a:solidFill>
-                <a:schemeClr val="accent6">
-                  <a:lumMod val="50000"/>
-                </a:schemeClr>
-              </a:solidFill>
-              <a:latin typeface="210 나무굴림 B" panose="02020603020101020101" pitchFamily="18" charset="-127"/>
-              <a:ea typeface="210 나무굴림 B" panose="02020603020101020101" pitchFamily="18" charset="-127"/>
-            </a:endParaRPr>
-          </a:p>
-        </p:txBody>
-      </p:sp>
-      <p:sp>
-        <p:nvSpPr>
-          <p:cNvPr id="11" name="TextBox 10">
-            <a:extLst>
-              <a:ext uri="{FF2B5EF4-FFF2-40B4-BE49-F238E27FC236}">
-                <a16:creationId xmlns:a16="http://schemas.microsoft.com/office/drawing/2014/main" id="{D546C707-0B44-49CB-A3B2-A4A1E2AB167E}"/>
-              </a:ext>
-            </a:extLst>
-          </p:cNvPr>
-          <p:cNvSpPr txBox="1"/>
-          <p:nvPr/>
-        </p:nvSpPr>
-        <p:spPr>
-          <a:xfrm>
-            <a:off x="10631365" y="3883969"/>
-            <a:ext cx="1560635" cy="461665"/>
-          </a:xfrm>
-          <a:prstGeom prst="rect">
-            <a:avLst/>
-          </a:prstGeom>
-          <a:noFill/>
-        </p:spPr>
-        <p:txBody>
-          <a:bodyPr wrap="square" rtlCol="0">
-            <a:spAutoFit/>
-          </a:bodyPr>
-          <a:lstStyle/>
-          <a:p>
-            <a:r>
-              <a:rPr lang="ko-KR" altLang="en-US" sz="2400" b="1">
-                <a:solidFill>
-                  <a:schemeClr val="accent6">
-                    <a:lumMod val="50000"/>
-                  </a:schemeClr>
-                </a:solidFill>
-                <a:latin typeface="210 나무굴림 B" panose="02020603020101020101" pitchFamily="18" charset="-127"/>
-                <a:ea typeface="210 나무굴림 B" panose="02020603020101020101" pitchFamily="18" charset="-127"/>
-              </a:rPr>
-              <a:t>마치며</a:t>
-            </a:r>
-          </a:p>
-        </p:txBody>
-      </p:sp>
-      <p:sp>
-        <p:nvSpPr>
-          <p:cNvPr id="12" name="TextBox 11">
-            <a:extLst>
-              <a:ext uri="{FF2B5EF4-FFF2-40B4-BE49-F238E27FC236}">
-                <a16:creationId xmlns:a16="http://schemas.microsoft.com/office/drawing/2014/main" id="{79A3BC46-6DA3-4B75-B2A1-1552684802DF}"/>
-              </a:ext>
-            </a:extLst>
-          </p:cNvPr>
-          <p:cNvSpPr txBox="1"/>
-          <p:nvPr/>
-        </p:nvSpPr>
-        <p:spPr>
-          <a:xfrm>
-            <a:off x="3090008" y="3680573"/>
-            <a:ext cx="1560635" cy="461665"/>
-          </a:xfrm>
-          <a:prstGeom prst="rect">
-            <a:avLst/>
-          </a:prstGeom>
-          <a:noFill/>
-        </p:spPr>
-        <p:txBody>
-          <a:bodyPr wrap="square" rtlCol="0">
-            <a:spAutoFit/>
-          </a:bodyPr>
-          <a:lstStyle/>
-          <a:p>
-            <a:r>
-              <a:rPr lang="en-US" altLang="ko-KR" sz="2400" b="1">
-                <a:solidFill>
-                  <a:schemeClr val="accent6">
-                    <a:lumMod val="50000"/>
-                  </a:schemeClr>
-                </a:solidFill>
-                <a:latin typeface="210 나무굴림 B" panose="02020603020101020101" pitchFamily="18" charset="-127"/>
-                <a:ea typeface="210 나무굴림 B" panose="02020603020101020101" pitchFamily="18" charset="-127"/>
-              </a:rPr>
-              <a:t>UI</a:t>
-            </a:r>
-            <a:r>
-              <a:rPr lang="ko-KR" altLang="en-US" sz="2400" b="1">
-                <a:solidFill>
-                  <a:schemeClr val="accent6">
-                    <a:lumMod val="50000"/>
-                  </a:schemeClr>
-                </a:solidFill>
-                <a:latin typeface="210 나무굴림 B" panose="02020603020101020101" pitchFamily="18" charset="-127"/>
-                <a:ea typeface="210 나무굴림 B" panose="02020603020101020101" pitchFamily="18" charset="-127"/>
-              </a:rPr>
-              <a:t>설명</a:t>
-            </a:r>
-          </a:p>
-        </p:txBody>
-      </p:sp>
-      <p:sp>
-        <p:nvSpPr>
-          <p:cNvPr id="3" name="타원 2">
-            <a:extLst>
-              <a:ext uri="{FF2B5EF4-FFF2-40B4-BE49-F238E27FC236}">
-                <a16:creationId xmlns:a16="http://schemas.microsoft.com/office/drawing/2014/main" id="{AB612A3B-88E6-4917-80CE-676C587CE6A0}"/>
-              </a:ext>
-            </a:extLst>
-          </p:cNvPr>
-          <p:cNvSpPr/>
-          <p:nvPr/>
-        </p:nvSpPr>
-        <p:spPr>
-          <a:xfrm>
-            <a:off x="1134208" y="3883969"/>
-            <a:ext cx="545368" cy="508781"/>
-          </a:xfrm>
-          <a:prstGeom prst="ellipse">
-            <a:avLst/>
-          </a:prstGeom>
-        </p:spPr>
-        <p:style>
-          <a:lnRef idx="2">
-            <a:schemeClr val="accent1">
-              <a:shade val="50000"/>
-            </a:schemeClr>
-          </a:lnRef>
-          <a:fillRef idx="1">
-            <a:schemeClr val="accent1"/>
-          </a:fillRef>
-          <a:effectRef idx="0">
-            <a:schemeClr val="accent1"/>
-          </a:effectRef>
-          <a:fontRef idx="minor">
-            <a:schemeClr val="lt1"/>
-          </a:fontRef>
-        </p:style>
-        <p:txBody>
-          <a:bodyPr rtlCol="0" anchor="ctr"/>
-          <a:lstStyle/>
-          <a:p>
-            <a:pPr algn="ctr"/>
-            <a:r>
-              <a:rPr lang="en-US" altLang="ko-KR"/>
-              <a:t>1</a:t>
-            </a:r>
-            <a:endParaRPr lang="ko-KR" altLang="en-US"/>
-          </a:p>
-        </p:txBody>
-      </p:sp>
-      <p:sp>
-        <p:nvSpPr>
-          <p:cNvPr id="13" name="타원 12">
-            <a:extLst>
-              <a:ext uri="{FF2B5EF4-FFF2-40B4-BE49-F238E27FC236}">
-                <a16:creationId xmlns:a16="http://schemas.microsoft.com/office/drawing/2014/main" id="{7D8C5C4D-0CBD-4E41-B522-18F2A896AB50}"/>
-              </a:ext>
-            </a:extLst>
-          </p:cNvPr>
-          <p:cNvSpPr/>
-          <p:nvPr/>
-        </p:nvSpPr>
-        <p:spPr>
-          <a:xfrm>
-            <a:off x="4072304" y="3650792"/>
-            <a:ext cx="545368" cy="508781"/>
-          </a:xfrm>
-          <a:prstGeom prst="ellipse">
-            <a:avLst/>
-          </a:prstGeom>
-        </p:spPr>
-        <p:style>
-          <a:lnRef idx="2">
-            <a:schemeClr val="accent1">
-              <a:shade val="50000"/>
-            </a:schemeClr>
-          </a:lnRef>
-          <a:fillRef idx="1">
-            <a:schemeClr val="accent1"/>
-          </a:fillRef>
-          <a:effectRef idx="0">
-            <a:schemeClr val="accent1"/>
-          </a:effectRef>
-          <a:fontRef idx="minor">
-            <a:schemeClr val="lt1"/>
-          </a:fontRef>
-        </p:style>
-        <p:txBody>
-          <a:bodyPr rtlCol="0" anchor="ctr"/>
-          <a:lstStyle/>
-          <a:p>
-            <a:pPr algn="ctr"/>
-            <a:r>
-              <a:rPr lang="en-US" altLang="ko-KR"/>
-              <a:t>2</a:t>
-            </a:r>
-            <a:endParaRPr lang="ko-KR" altLang="en-US"/>
-          </a:p>
-        </p:txBody>
-      </p:sp>
-      <p:sp>
-        <p:nvSpPr>
-          <p:cNvPr id="14" name="타원 13">
-            <a:extLst>
-              <a:ext uri="{FF2B5EF4-FFF2-40B4-BE49-F238E27FC236}">
-                <a16:creationId xmlns:a16="http://schemas.microsoft.com/office/drawing/2014/main" id="{0B90852C-CB02-4DE5-97DD-CC827EB622E1}"/>
-              </a:ext>
-            </a:extLst>
-          </p:cNvPr>
-          <p:cNvSpPr/>
-          <p:nvPr/>
-        </p:nvSpPr>
-        <p:spPr>
-          <a:xfrm>
-            <a:off x="6284913" y="5067650"/>
-            <a:ext cx="545368" cy="508781"/>
-          </a:xfrm>
-          <a:prstGeom prst="ellipse">
-            <a:avLst/>
-          </a:prstGeom>
-        </p:spPr>
-        <p:style>
-          <a:lnRef idx="2">
-            <a:schemeClr val="accent1">
-              <a:shade val="50000"/>
-            </a:schemeClr>
-          </a:lnRef>
-          <a:fillRef idx="1">
-            <a:schemeClr val="accent1"/>
-          </a:fillRef>
-          <a:effectRef idx="0">
-            <a:schemeClr val="accent1"/>
-          </a:effectRef>
-          <a:fontRef idx="minor">
-            <a:schemeClr val="lt1"/>
-          </a:fontRef>
-        </p:style>
-        <p:txBody>
-          <a:bodyPr rtlCol="0" anchor="ctr"/>
-          <a:lstStyle/>
-          <a:p>
-            <a:pPr algn="ctr"/>
-            <a:r>
-              <a:rPr lang="en-US" altLang="ko-KR"/>
-              <a:t>3</a:t>
-            </a:r>
-            <a:endParaRPr lang="ko-KR" altLang="en-US"/>
-          </a:p>
-        </p:txBody>
-      </p:sp>
-      <p:sp>
-        <p:nvSpPr>
-          <p:cNvPr id="15" name="타원 14">
-            <a:extLst>
-              <a:ext uri="{FF2B5EF4-FFF2-40B4-BE49-F238E27FC236}">
-                <a16:creationId xmlns:a16="http://schemas.microsoft.com/office/drawing/2014/main" id="{ECB4906D-25AA-4A66-8759-0628D1EEB583}"/>
-              </a:ext>
-            </a:extLst>
-          </p:cNvPr>
-          <p:cNvSpPr/>
-          <p:nvPr/>
-        </p:nvSpPr>
-        <p:spPr>
-          <a:xfrm>
-            <a:off x="8068775" y="4477519"/>
-            <a:ext cx="545368" cy="508781"/>
-          </a:xfrm>
-          <a:prstGeom prst="ellipse">
-            <a:avLst/>
-          </a:prstGeom>
-        </p:spPr>
-        <p:style>
-          <a:lnRef idx="2">
-            <a:schemeClr val="accent1">
-              <a:shade val="50000"/>
-            </a:schemeClr>
-          </a:lnRef>
-          <a:fillRef idx="1">
-            <a:schemeClr val="accent1"/>
-          </a:fillRef>
-          <a:effectRef idx="0">
-            <a:schemeClr val="accent1"/>
-          </a:effectRef>
-          <a:fontRef idx="minor">
-            <a:schemeClr val="lt1"/>
-          </a:fontRef>
-        </p:style>
-        <p:txBody>
-          <a:bodyPr rtlCol="0" anchor="ctr"/>
-          <a:lstStyle/>
-          <a:p>
-            <a:pPr algn="ctr"/>
-            <a:r>
-              <a:rPr lang="en-US" altLang="ko-KR"/>
-              <a:t>4</a:t>
-            </a:r>
-            <a:endParaRPr lang="ko-KR" altLang="en-US"/>
-          </a:p>
-        </p:txBody>
-      </p:sp>
-      <p:sp>
-        <p:nvSpPr>
-          <p:cNvPr id="16" name="타원 15">
-            <a:extLst>
-              <a:ext uri="{FF2B5EF4-FFF2-40B4-BE49-F238E27FC236}">
-                <a16:creationId xmlns:a16="http://schemas.microsoft.com/office/drawing/2014/main" id="{09D20930-C5E3-45ED-9DB1-269C878DDB31}"/>
-              </a:ext>
-            </a:extLst>
-          </p:cNvPr>
-          <p:cNvSpPr/>
-          <p:nvPr/>
-        </p:nvSpPr>
-        <p:spPr>
-          <a:xfrm>
-            <a:off x="10747254" y="3148233"/>
-            <a:ext cx="545368" cy="508781"/>
-          </a:xfrm>
-          <a:prstGeom prst="ellipse">
-            <a:avLst/>
-          </a:prstGeom>
-        </p:spPr>
-        <p:style>
-          <a:lnRef idx="2">
-            <a:schemeClr val="accent1">
-              <a:shade val="50000"/>
-            </a:schemeClr>
-          </a:lnRef>
-          <a:fillRef idx="1">
-            <a:schemeClr val="accent1"/>
-          </a:fillRef>
-          <a:effectRef idx="0">
-            <a:schemeClr val="accent1"/>
-          </a:effectRef>
-          <a:fontRef idx="minor">
-            <a:schemeClr val="lt1"/>
-          </a:fontRef>
-        </p:style>
-        <p:txBody>
-          <a:bodyPr rtlCol="0" anchor="ctr"/>
-          <a:lstStyle/>
-          <a:p>
-            <a:pPr algn="ctr"/>
-            <a:r>
-              <a:rPr lang="en-US" altLang="ko-KR"/>
-              <a:t>5</a:t>
-            </a:r>
-            <a:endParaRPr lang="ko-KR" altLang="en-US"/>
-          </a:p>
-        </p:txBody>
-      </p:sp>
-    </p:spTree>
-    <p:extLst>
-      <p:ext uri="{BB962C8B-B14F-4D97-AF65-F5344CB8AC3E}">
-        <p14:creationId xmlns:p14="http://schemas.microsoft.com/office/powerpoint/2010/main" val="427273868"/>
-      </p:ext>
-    </p:extLst>
-  </p:cSld>
-  <p:clrMapOvr>
-    <a:masterClrMapping/>
-  </p:clrMapOvr>
-  <mc:AlternateContent xmlns:mc="http://schemas.openxmlformats.org/markup-compatibility/2006" xmlns:p14="http://schemas.microsoft.com/office/powerpoint/2010/main">
-    <mc:Choice Requires="p14">
-      <p:transition spd="med" p14:dur="700">
-        <p:fade/>
-      </p:transition>
-    </mc:Choice>
-    <mc:Fallback xmlns="">
-      <p:transition spd="med">
-        <p:fade/>
-      </p:transition>
-    </mc:Fallback>
-  </mc:AlternateContent>
-</p:sld>
-</file>
-
-<file path=ppt/slides/slide30.xml><?xml version="1.0" encoding="utf-8"?>
+<file path=ppt/slides/slide38.xml><?xml version="1.0" encoding="utf-8"?>
 <p:sld xmlns:a="http://schemas.openxmlformats.org/drawingml/2006/main" xmlns:r="http://schemas.openxmlformats.org/officeDocument/2006/relationships" xmlns:p="http://schemas.openxmlformats.org/presentationml/2006/main">
   <p:cSld>
     <p:spTree>
@@ -27771,7 +26745,7 @@
 </p:sld>
 </file>
 
-<file path=ppt/slides/slide31.xml><?xml version="1.0" encoding="utf-8"?>
+<file path=ppt/slides/slide39.xml><?xml version="1.0" encoding="utf-8"?>
 <p:sld xmlns:a="http://schemas.openxmlformats.org/drawingml/2006/main" xmlns:r="http://schemas.openxmlformats.org/officeDocument/2006/relationships" xmlns:p="http://schemas.openxmlformats.org/presentationml/2006/main">
   <p:cSld>
     <p:spTree>
@@ -28903,7 +27877,202 @@
 </p:sld>
 </file>
 
-<file path=ppt/slides/slide32.xml><?xml version="1.0" encoding="utf-8"?>
+<file path=ppt/slides/slide4.xml><?xml version="1.0" encoding="utf-8"?>
+<p:sld xmlns:a="http://schemas.openxmlformats.org/drawingml/2006/main" xmlns:r="http://schemas.openxmlformats.org/officeDocument/2006/relationships" xmlns:p="http://schemas.openxmlformats.org/presentationml/2006/main">
+  <p:cSld>
+    <p:bg>
+      <p:bgPr>
+        <a:solidFill>
+          <a:schemeClr val="accent2"/>
+        </a:solidFill>
+        <a:effectLst/>
+      </p:bgPr>
+    </p:bg>
+    <p:spTree>
+      <p:nvGrpSpPr>
+        <p:cNvPr id="1" name=""/>
+        <p:cNvGrpSpPr/>
+        <p:nvPr/>
+      </p:nvGrpSpPr>
+      <p:grpSpPr>
+        <a:xfrm>
+          <a:off x="0" y="0"/>
+          <a:ext cx="0" cy="0"/>
+          <a:chOff x="0" y="0"/>
+          <a:chExt cx="0" cy="0"/>
+        </a:xfrm>
+      </p:grpSpPr>
+      <p:sp>
+        <p:nvSpPr>
+          <p:cNvPr id="3" name="TextBox 2">
+            <a:extLst>
+              <a:ext uri="{FF2B5EF4-FFF2-40B4-BE49-F238E27FC236}">
+                <a16:creationId xmlns:a16="http://schemas.microsoft.com/office/drawing/2014/main" id="{91C4265C-0EAD-4FFD-BF99-406D49533C1D}"/>
+              </a:ext>
+            </a:extLst>
+          </p:cNvPr>
+          <p:cNvSpPr txBox="1"/>
+          <p:nvPr/>
+        </p:nvSpPr>
+        <p:spPr>
+          <a:xfrm>
+            <a:off x="3048000" y="3244334"/>
+            <a:ext cx="6096000" cy="369332"/>
+          </a:xfrm>
+          <a:prstGeom prst="rect">
+            <a:avLst/>
+          </a:prstGeom>
+          <a:noFill/>
+        </p:spPr>
+        <p:txBody>
+          <a:bodyPr wrap="square">
+            <a:spAutoFit/>
+          </a:bodyPr>
+          <a:lstStyle/>
+          <a:p>
+            <a:pPr algn="ctr"/>
+            <a:r>
+              <a:rPr lang="en-US" altLang="ko-KR" b="1" i="0">
+                <a:solidFill>
+                  <a:schemeClr val="bg1"/>
+                </a:solidFill>
+                <a:effectLst/>
+                <a:latin typeface="Helvetica" panose="020B0604020202020204" pitchFamily="34" charset="0"/>
+              </a:rPr>
+              <a:t>Project Introduction</a:t>
+            </a:r>
+            <a:endParaRPr lang="ko-KR" altLang="en-US" sz="1800" b="1" dirty="0">
+              <a:solidFill>
+                <a:schemeClr val="bg1"/>
+              </a:solidFill>
+            </a:endParaRPr>
+          </a:p>
+        </p:txBody>
+      </p:sp>
+      <p:sp>
+        <p:nvSpPr>
+          <p:cNvPr id="4" name="TextBox 3">
+            <a:extLst>
+              <a:ext uri="{FF2B5EF4-FFF2-40B4-BE49-F238E27FC236}">
+                <a16:creationId xmlns:a16="http://schemas.microsoft.com/office/drawing/2014/main" id="{E251FDC9-B70C-4BC0-8AC7-216B5765985E}"/>
+              </a:ext>
+            </a:extLst>
+          </p:cNvPr>
+          <p:cNvSpPr txBox="1"/>
+          <p:nvPr/>
+        </p:nvSpPr>
+        <p:spPr>
+          <a:xfrm>
+            <a:off x="4726072" y="2659559"/>
+            <a:ext cx="2739853" cy="584775"/>
+          </a:xfrm>
+          <a:prstGeom prst="rect">
+            <a:avLst/>
+          </a:prstGeom>
+          <a:noFill/>
+        </p:spPr>
+        <p:txBody>
+          <a:bodyPr wrap="none" rtlCol="0">
+            <a:spAutoFit/>
+          </a:bodyPr>
+          <a:lstStyle/>
+          <a:p>
+            <a:pPr algn="ctr"/>
+            <a:r>
+              <a:rPr lang="ko-KR" altLang="en-US" sz="3200" b="1">
+                <a:solidFill>
+                  <a:schemeClr val="bg1"/>
+                </a:solidFill>
+              </a:rPr>
+              <a:t>프로젝트 소개</a:t>
+            </a:r>
+            <a:endParaRPr lang="ko-KR" altLang="en-US" sz="3200" b="1" dirty="0">
+              <a:solidFill>
+                <a:schemeClr val="bg1"/>
+              </a:solidFill>
+            </a:endParaRPr>
+          </a:p>
+        </p:txBody>
+      </p:sp>
+      <p:sp>
+        <p:nvSpPr>
+          <p:cNvPr id="5" name="양쪽 대괄호 4">
+            <a:extLst>
+              <a:ext uri="{FF2B5EF4-FFF2-40B4-BE49-F238E27FC236}">
+                <a16:creationId xmlns:a16="http://schemas.microsoft.com/office/drawing/2014/main" id="{7B2CAB3D-75D4-47BA-AA00-C925C76EC1D2}"/>
+              </a:ext>
+            </a:extLst>
+          </p:cNvPr>
+          <p:cNvSpPr/>
+          <p:nvPr/>
+        </p:nvSpPr>
+        <p:spPr>
+          <a:xfrm>
+            <a:off x="2153919" y="2009279"/>
+            <a:ext cx="7884160" cy="2369066"/>
+          </a:xfrm>
+          <a:prstGeom prst="bracketPair">
+            <a:avLst>
+              <a:gd name="adj" fmla="val 10867"/>
+            </a:avLst>
+          </a:prstGeom>
+          <a:ln>
+            <a:solidFill>
+              <a:schemeClr val="bg1">
+                <a:lumMod val="95000"/>
+              </a:schemeClr>
+            </a:solidFill>
+          </a:ln>
+        </p:spPr>
+        <p:style>
+          <a:lnRef idx="1">
+            <a:schemeClr val="accent1"/>
+          </a:lnRef>
+          <a:fillRef idx="0">
+            <a:schemeClr val="accent1"/>
+          </a:fillRef>
+          <a:effectRef idx="0">
+            <a:schemeClr val="accent1"/>
+          </a:effectRef>
+          <a:fontRef idx="minor">
+            <a:schemeClr val="tx1"/>
+          </a:fontRef>
+        </p:style>
+        <p:txBody>
+          <a:bodyPr rtlCol="0" anchor="ctr"/>
+          <a:lstStyle/>
+          <a:p>
+            <a:pPr algn="ctr"/>
+            <a:endParaRPr lang="ko-KR" altLang="en-US"/>
+          </a:p>
+        </p:txBody>
+      </p:sp>
+    </p:spTree>
+    <p:extLst>
+      <p:ext uri="{BB962C8B-B14F-4D97-AF65-F5344CB8AC3E}">
+        <p14:creationId xmlns:p14="http://schemas.microsoft.com/office/powerpoint/2010/main" val="1380483423"/>
+      </p:ext>
+    </p:extLst>
+  </p:cSld>
+  <p:clrMapOvr>
+    <a:masterClrMapping/>
+  </p:clrMapOvr>
+  <mc:AlternateContent xmlns:mc="http://schemas.openxmlformats.org/markup-compatibility/2006" xmlns:p14="http://schemas.microsoft.com/office/powerpoint/2010/main">
+    <mc:Choice Requires="p14">
+      <p:transition spd="med" p14:dur="700">
+        <p:fade/>
+      </p:transition>
+    </mc:Choice>
+    <mc:Fallback xmlns="">
+      <p:transition spd="med">
+        <p:fade/>
+      </p:transition>
+    </mc:Fallback>
+  </mc:AlternateContent>
+</p:sld>
+</file>
+
+<file path=ppt/slides/slide40.xml><?xml version="1.0" encoding="utf-8"?>
 <p:sld xmlns:a="http://schemas.openxmlformats.org/drawingml/2006/main" xmlns:r="http://schemas.openxmlformats.org/officeDocument/2006/relationships" xmlns:p="http://schemas.openxmlformats.org/presentationml/2006/main">
   <p:cSld>
     <p:spTree>
@@ -29470,7 +28639,7 @@
 </p:sld>
 </file>
 
-<file path=ppt/slides/slide33.xml><?xml version="1.0" encoding="utf-8"?>
+<file path=ppt/slides/slide41.xml><?xml version="1.0" encoding="utf-8"?>
 <p:sld xmlns:a="http://schemas.openxmlformats.org/drawingml/2006/main" xmlns:r="http://schemas.openxmlformats.org/officeDocument/2006/relationships" xmlns:p="http://schemas.openxmlformats.org/presentationml/2006/main">
   <p:cSld>
     <p:spTree>
@@ -30110,7 +29279,7 @@
 </p:sld>
 </file>
 
-<file path=ppt/slides/slide34.xml><?xml version="1.0" encoding="utf-8"?>
+<file path=ppt/slides/slide42.xml><?xml version="1.0" encoding="utf-8"?>
 <p:sld xmlns:a="http://schemas.openxmlformats.org/drawingml/2006/main" xmlns:r="http://schemas.openxmlformats.org/officeDocument/2006/relationships" xmlns:p="http://schemas.openxmlformats.org/presentationml/2006/main">
   <p:cSld>
     <p:spTree>
@@ -30505,7 +29674,7 @@
 </p:sld>
 </file>
 
-<file path=ppt/slides/slide35.xml><?xml version="1.0" encoding="utf-8"?>
+<file path=ppt/slides/slide43.xml><?xml version="1.0" encoding="utf-8"?>
 <p:sld xmlns:a="http://schemas.openxmlformats.org/drawingml/2006/main" xmlns:r="http://schemas.openxmlformats.org/officeDocument/2006/relationships" xmlns:p="http://schemas.openxmlformats.org/presentationml/2006/main">
   <p:cSld>
     <p:spTree>
@@ -30900,7 +30069,7 @@
 </p:sld>
 </file>
 
-<file path=ppt/slides/slide36.xml><?xml version="1.0" encoding="utf-8"?>
+<file path=ppt/slides/slide44.xml><?xml version="1.0" encoding="utf-8"?>
 <p:sld xmlns:a="http://schemas.openxmlformats.org/drawingml/2006/main" xmlns:r="http://schemas.openxmlformats.org/officeDocument/2006/relationships" xmlns:p="http://schemas.openxmlformats.org/presentationml/2006/main">
   <p:cSld>
     <p:spTree>
@@ -31295,7 +30464,7 @@
 </p:sld>
 </file>
 
-<file path=ppt/slides/slide37.xml><?xml version="1.0" encoding="utf-8"?>
+<file path=ppt/slides/slide45.xml><?xml version="1.0" encoding="utf-8"?>
 <p:sld xmlns:a="http://schemas.openxmlformats.org/drawingml/2006/main" xmlns:r="http://schemas.openxmlformats.org/officeDocument/2006/relationships" xmlns:p="http://schemas.openxmlformats.org/presentationml/2006/main">
   <p:cSld>
     <p:spTree>
@@ -31690,7 +30859,7 @@
 </p:sld>
 </file>
 
-<file path=ppt/slides/slide38.xml><?xml version="1.0" encoding="utf-8"?>
+<file path=ppt/slides/slide46.xml><?xml version="1.0" encoding="utf-8"?>
 <p:sld xmlns:a="http://schemas.openxmlformats.org/drawingml/2006/main" xmlns:r="http://schemas.openxmlformats.org/officeDocument/2006/relationships" xmlns:p="http://schemas.openxmlformats.org/presentationml/2006/main">
   <p:cSld>
     <p:spTree>
@@ -32085,7 +31254,7 @@
 </p:sld>
 </file>
 
-<file path=ppt/slides/slide39.xml><?xml version="1.0" encoding="utf-8"?>
+<file path=ppt/slides/slide47.xml><?xml version="1.0" encoding="utf-8"?>
 <p:sld xmlns:a="http://schemas.openxmlformats.org/drawingml/2006/main" xmlns:r="http://schemas.openxmlformats.org/officeDocument/2006/relationships" xmlns:p="http://schemas.openxmlformats.org/presentationml/2006/main">
   <p:cSld>
     <p:spTree>
@@ -32235,201 +31404,6 @@
     <p:extLst>
       <p:ext uri="{BB962C8B-B14F-4D97-AF65-F5344CB8AC3E}">
         <p14:creationId xmlns:p14="http://schemas.microsoft.com/office/powerpoint/2010/main" val="3669176100"/>
-      </p:ext>
-    </p:extLst>
-  </p:cSld>
-  <p:clrMapOvr>
-    <a:masterClrMapping/>
-  </p:clrMapOvr>
-  <mc:AlternateContent xmlns:mc="http://schemas.openxmlformats.org/markup-compatibility/2006" xmlns:p14="http://schemas.microsoft.com/office/powerpoint/2010/main">
-    <mc:Choice Requires="p14">
-      <p:transition spd="med" p14:dur="700">
-        <p:fade/>
-      </p:transition>
-    </mc:Choice>
-    <mc:Fallback xmlns="">
-      <p:transition spd="med">
-        <p:fade/>
-      </p:transition>
-    </mc:Fallback>
-  </mc:AlternateContent>
-</p:sld>
-</file>
-
-<file path=ppt/slides/slide4.xml><?xml version="1.0" encoding="utf-8"?>
-<p:sld xmlns:a="http://schemas.openxmlformats.org/drawingml/2006/main" xmlns:r="http://schemas.openxmlformats.org/officeDocument/2006/relationships" xmlns:p="http://schemas.openxmlformats.org/presentationml/2006/main">
-  <p:cSld>
-    <p:bg>
-      <p:bgPr>
-        <a:solidFill>
-          <a:schemeClr val="accent2"/>
-        </a:solidFill>
-        <a:effectLst/>
-      </p:bgPr>
-    </p:bg>
-    <p:spTree>
-      <p:nvGrpSpPr>
-        <p:cNvPr id="1" name=""/>
-        <p:cNvGrpSpPr/>
-        <p:nvPr/>
-      </p:nvGrpSpPr>
-      <p:grpSpPr>
-        <a:xfrm>
-          <a:off x="0" y="0"/>
-          <a:ext cx="0" cy="0"/>
-          <a:chOff x="0" y="0"/>
-          <a:chExt cx="0" cy="0"/>
-        </a:xfrm>
-      </p:grpSpPr>
-      <p:sp>
-        <p:nvSpPr>
-          <p:cNvPr id="3" name="TextBox 2">
-            <a:extLst>
-              <a:ext uri="{FF2B5EF4-FFF2-40B4-BE49-F238E27FC236}">
-                <a16:creationId xmlns:a16="http://schemas.microsoft.com/office/drawing/2014/main" id="{91C4265C-0EAD-4FFD-BF99-406D49533C1D}"/>
-              </a:ext>
-            </a:extLst>
-          </p:cNvPr>
-          <p:cNvSpPr txBox="1"/>
-          <p:nvPr/>
-        </p:nvSpPr>
-        <p:spPr>
-          <a:xfrm>
-            <a:off x="3048000" y="3244334"/>
-            <a:ext cx="6096000" cy="369332"/>
-          </a:xfrm>
-          <a:prstGeom prst="rect">
-            <a:avLst/>
-          </a:prstGeom>
-          <a:noFill/>
-        </p:spPr>
-        <p:txBody>
-          <a:bodyPr wrap="square">
-            <a:spAutoFit/>
-          </a:bodyPr>
-          <a:lstStyle/>
-          <a:p>
-            <a:pPr algn="ctr"/>
-            <a:r>
-              <a:rPr lang="en-US" altLang="ko-KR" b="1" i="0">
-                <a:solidFill>
-                  <a:schemeClr val="bg1"/>
-                </a:solidFill>
-                <a:effectLst/>
-                <a:latin typeface="Helvetica" panose="020B0604020202020204" pitchFamily="34" charset="0"/>
-              </a:rPr>
-              <a:t>Project Introduction</a:t>
-            </a:r>
-            <a:endParaRPr lang="ko-KR" altLang="en-US" sz="1800" b="1" dirty="0">
-              <a:solidFill>
-                <a:schemeClr val="bg1"/>
-              </a:solidFill>
-            </a:endParaRPr>
-          </a:p>
-        </p:txBody>
-      </p:sp>
-      <p:sp>
-        <p:nvSpPr>
-          <p:cNvPr id="4" name="TextBox 3">
-            <a:extLst>
-              <a:ext uri="{FF2B5EF4-FFF2-40B4-BE49-F238E27FC236}">
-                <a16:creationId xmlns:a16="http://schemas.microsoft.com/office/drawing/2014/main" id="{E251FDC9-B70C-4BC0-8AC7-216B5765985E}"/>
-              </a:ext>
-            </a:extLst>
-          </p:cNvPr>
-          <p:cNvSpPr txBox="1"/>
-          <p:nvPr/>
-        </p:nvSpPr>
-        <p:spPr>
-          <a:xfrm>
-            <a:off x="4726072" y="2659559"/>
-            <a:ext cx="2739853" cy="584775"/>
-          </a:xfrm>
-          <a:prstGeom prst="rect">
-            <a:avLst/>
-          </a:prstGeom>
-          <a:noFill/>
-        </p:spPr>
-        <p:txBody>
-          <a:bodyPr wrap="none" rtlCol="0">
-            <a:spAutoFit/>
-          </a:bodyPr>
-          <a:lstStyle/>
-          <a:p>
-            <a:pPr algn="ctr"/>
-            <a:r>
-              <a:rPr lang="ko-KR" altLang="en-US" sz="3200" b="1">
-                <a:solidFill>
-                  <a:schemeClr val="bg1"/>
-                </a:solidFill>
-              </a:rPr>
-              <a:t>프로젝트 소개</a:t>
-            </a:r>
-            <a:endParaRPr lang="ko-KR" altLang="en-US" sz="3200" b="1" dirty="0">
-              <a:solidFill>
-                <a:schemeClr val="bg1"/>
-              </a:solidFill>
-            </a:endParaRPr>
-          </a:p>
-        </p:txBody>
-      </p:sp>
-      <p:sp>
-        <p:nvSpPr>
-          <p:cNvPr id="5" name="양쪽 대괄호 4">
-            <a:extLst>
-              <a:ext uri="{FF2B5EF4-FFF2-40B4-BE49-F238E27FC236}">
-                <a16:creationId xmlns:a16="http://schemas.microsoft.com/office/drawing/2014/main" id="{7B2CAB3D-75D4-47BA-AA00-C925C76EC1D2}"/>
-              </a:ext>
-            </a:extLst>
-          </p:cNvPr>
-          <p:cNvSpPr/>
-          <p:nvPr/>
-        </p:nvSpPr>
-        <p:spPr>
-          <a:xfrm>
-            <a:off x="2153919" y="2009279"/>
-            <a:ext cx="7884160" cy="2369066"/>
-          </a:xfrm>
-          <a:prstGeom prst="bracketPair">
-            <a:avLst>
-              <a:gd name="adj" fmla="val 10867"/>
-            </a:avLst>
-          </a:prstGeom>
-          <a:ln>
-            <a:solidFill>
-              <a:schemeClr val="bg1">
-                <a:lumMod val="95000"/>
-              </a:schemeClr>
-            </a:solidFill>
-          </a:ln>
-        </p:spPr>
-        <p:style>
-          <a:lnRef idx="1">
-            <a:schemeClr val="accent1"/>
-          </a:lnRef>
-          <a:fillRef idx="0">
-            <a:schemeClr val="accent1"/>
-          </a:fillRef>
-          <a:effectRef idx="0">
-            <a:schemeClr val="accent1"/>
-          </a:effectRef>
-          <a:fontRef idx="minor">
-            <a:schemeClr val="tx1"/>
-          </a:fontRef>
-        </p:style>
-        <p:txBody>
-          <a:bodyPr rtlCol="0" anchor="ctr"/>
-          <a:lstStyle/>
-          <a:p>
-            <a:pPr algn="ctr"/>
-            <a:endParaRPr lang="ko-KR" altLang="en-US"/>
-          </a:p>
-        </p:txBody>
-      </p:sp>
-    </p:spTree>
-    <p:extLst>
-      <p:ext uri="{BB962C8B-B14F-4D97-AF65-F5344CB8AC3E}">
-        <p14:creationId xmlns:p14="http://schemas.microsoft.com/office/powerpoint/2010/main" val="1380483423"/>
       </p:ext>
     </p:extLst>
   </p:cSld>
@@ -33740,7 +32714,7 @@
           <p:spPr>
             <a:xfrm>
               <a:off x="2448562" y="2034550"/>
-              <a:ext cx="2930610" cy="523220"/>
+              <a:ext cx="1620957" cy="523220"/>
             </a:xfrm>
             <a:prstGeom prst="rect">
               <a:avLst/>
@@ -33754,20 +32728,12 @@
             <a:lstStyle/>
             <a:p>
               <a:r>
-                <a:rPr lang="ko-KR" altLang="en-US" sz="2800" dirty="0">
+                <a:rPr lang="ko-KR" altLang="en-US" sz="2800">
                   <a:solidFill>
                     <a:schemeClr val="bg1"/>
                   </a:solidFill>
                 </a:rPr>
-                <a:t>이런 점이 좋아요</a:t>
-              </a:r>
-              <a:r>
-                <a:rPr lang="en-US" altLang="ko-KR" sz="2800" dirty="0">
-                  <a:solidFill>
-                    <a:schemeClr val="bg1"/>
-                  </a:solidFill>
-                </a:rPr>
-                <a:t>!</a:t>
+                <a:t>회원가입</a:t>
               </a:r>
               <a:endParaRPr lang="ko-KR" altLang="en-US" sz="2800" dirty="0">
                 <a:solidFill>
@@ -33792,7 +32758,7 @@
           <p:spPr>
             <a:xfrm>
               <a:off x="985520" y="3114603"/>
-              <a:ext cx="4561840" cy="2068964"/>
+              <a:ext cx="4561840" cy="1067343"/>
             </a:xfrm>
             <a:prstGeom prst="rect">
               <a:avLst/>
@@ -33805,155 +32771,81 @@
             </a:bodyPr>
             <a:lstStyle/>
             <a:p>
-              <a:pPr algn="just">
+              <a:pPr marL="285750" indent="-285750" algn="just">
                 <a:lnSpc>
                   <a:spcPct val="120000"/>
                 </a:lnSpc>
+                <a:buFont typeface="Arial" panose="020B0604020202020204" pitchFamily="34" charset="0"/>
+                <a:buChar char="•"/>
               </a:pPr>
               <a:r>
-                <a:rPr lang="ko-KR" altLang="en-US" dirty="0">
+                <a:rPr lang="ko-KR" altLang="en-US">
                   <a:solidFill>
                     <a:schemeClr val="bg1"/>
                   </a:solidFill>
                 </a:rPr>
-                <a:t>이름자를 어머니</a:t>
+                <a:t>각 단계를 </a:t>
               </a:r>
               <a:r>
-                <a:rPr lang="en-US" altLang="ko-KR" dirty="0">
+                <a:rPr lang="en-US" altLang="ko-KR">
                   <a:solidFill>
                     <a:schemeClr val="bg1"/>
                   </a:solidFill>
                 </a:rPr>
-                <a:t>, </a:t>
+                <a:t>HTML </a:t>
               </a:r>
               <a:r>
-                <a:rPr lang="ko-KR" altLang="en-US" dirty="0">
+                <a:rPr lang="ko-KR" altLang="en-US">
                   <a:solidFill>
                     <a:schemeClr val="bg1"/>
                   </a:solidFill>
                 </a:rPr>
-                <a:t>위에 별 나의 것은 계절이 버리었습니다</a:t>
+                <a:t>값에 저장</a:t>
               </a:r>
+              <a:endParaRPr lang="en-US" altLang="ko-KR">
+                <a:solidFill>
+                  <a:schemeClr val="bg1"/>
+                </a:solidFill>
+              </a:endParaRPr>
+            </a:p>
+            <a:p>
+              <a:pPr marL="285750" indent="-285750" algn="just">
+                <a:lnSpc>
+                  <a:spcPct val="120000"/>
+                </a:lnSpc>
+                <a:buFont typeface="Arial" panose="020B0604020202020204" pitchFamily="34" charset="0"/>
+                <a:buChar char="•"/>
+              </a:pPr>
               <a:r>
-                <a:rPr lang="en-US" altLang="ko-KR" dirty="0">
+                <a:rPr lang="en-US" altLang="ko-KR">
                   <a:solidFill>
                     <a:schemeClr val="bg1"/>
                   </a:solidFill>
                 </a:rPr>
-                <a:t>. </a:t>
+                <a:t>SMPT</a:t>
               </a:r>
               <a:r>
-                <a:rPr lang="ko-KR" altLang="en-US" dirty="0">
+                <a:rPr lang="ko-KR" altLang="en-US">
                   <a:solidFill>
                     <a:schemeClr val="bg1"/>
                   </a:solidFill>
                 </a:rPr>
-                <a:t>나는 써 하나에 그리고 동경과 가을로 멀듯이</a:t>
+                <a:t>를 이용하여 인증메일을 발송</a:t>
               </a:r>
-              <a:r>
-                <a:rPr lang="en-US" altLang="ko-KR" dirty="0">
-                  <a:solidFill>
-                    <a:schemeClr val="bg1"/>
-                  </a:solidFill>
-                </a:rPr>
-                <a:t>, </a:t>
-              </a:r>
-              <a:r>
-                <a:rPr lang="ko-KR" altLang="en-US" dirty="0">
-                  <a:solidFill>
-                    <a:schemeClr val="bg1"/>
-                  </a:solidFill>
-                </a:rPr>
-                <a:t>계십니다</a:t>
-              </a:r>
-              <a:r>
-                <a:rPr lang="en-US" altLang="ko-KR" dirty="0">
-                  <a:solidFill>
-                    <a:schemeClr val="bg1"/>
-                  </a:solidFill>
-                </a:rPr>
-                <a:t>. </a:t>
-              </a:r>
-              <a:r>
-                <a:rPr lang="ko-KR" altLang="en-US" dirty="0">
-                  <a:solidFill>
-                    <a:schemeClr val="bg1"/>
-                  </a:solidFill>
-                </a:rPr>
-                <a:t>위에 이네들은 가득 까닭입니다</a:t>
-              </a:r>
-              <a:r>
-                <a:rPr lang="en-US" altLang="ko-KR" dirty="0">
-                  <a:solidFill>
-                    <a:schemeClr val="bg1"/>
-                  </a:solidFill>
-                </a:rPr>
-                <a:t>. </a:t>
-              </a:r>
-              <a:r>
-                <a:rPr lang="ko-KR" altLang="en-US" dirty="0">
-                  <a:solidFill>
-                    <a:schemeClr val="bg1"/>
-                  </a:solidFill>
-                </a:rPr>
-                <a:t>못 피어나듯이 아름다운 부끄러운 지나가는 잠</a:t>
-              </a:r>
-              <a:r>
-                <a:rPr lang="en-US" altLang="ko-KR" dirty="0">
-                  <a:solidFill>
-                    <a:schemeClr val="bg1"/>
-                  </a:solidFill>
-                </a:rPr>
-                <a:t>, </a:t>
-              </a:r>
-              <a:r>
-                <a:rPr lang="ko-KR" altLang="en-US" dirty="0">
-                  <a:solidFill>
-                    <a:schemeClr val="bg1"/>
-                  </a:solidFill>
-                </a:rPr>
-                <a:t>봅니다</a:t>
-              </a:r>
-              <a:r>
-                <a:rPr lang="en-US" altLang="ko-KR" dirty="0">
-                  <a:solidFill>
-                    <a:schemeClr val="bg1"/>
-                  </a:solidFill>
-                </a:rPr>
-                <a:t>. </a:t>
-              </a:r>
-              <a:r>
-                <a:rPr lang="ko-KR" altLang="en-US" dirty="0">
-                  <a:solidFill>
-                    <a:schemeClr val="bg1"/>
-                  </a:solidFill>
-                </a:rPr>
-                <a:t>이름과</a:t>
-              </a:r>
-              <a:r>
-                <a:rPr lang="en-US" altLang="ko-KR" dirty="0">
-                  <a:solidFill>
-                    <a:schemeClr val="bg1"/>
-                  </a:solidFill>
-                </a:rPr>
-                <a:t>, </a:t>
-              </a:r>
-              <a:r>
-                <a:rPr lang="ko-KR" altLang="en-US" dirty="0">
-                  <a:solidFill>
-                    <a:schemeClr val="bg1"/>
-                  </a:solidFill>
-                </a:rPr>
-                <a:t>가을 별 아름다운 흙으로 별빛이 봅니다</a:t>
-              </a:r>
-              <a:r>
-                <a:rPr lang="en-US" altLang="ko-KR" dirty="0">
-                  <a:solidFill>
-                    <a:schemeClr val="bg1"/>
-                  </a:solidFill>
-                </a:rPr>
-                <a:t>.</a:t>
-              </a:r>
+              <a:endParaRPr lang="en-US" altLang="ko-KR">
+                <a:solidFill>
+                  <a:schemeClr val="bg1"/>
+                </a:solidFill>
+              </a:endParaRPr>
+            </a:p>
+            <a:p>
+              <a:pPr marL="285750" indent="-285750" algn="just">
+                <a:lnSpc>
+                  <a:spcPct val="120000"/>
+                </a:lnSpc>
+                <a:buFont typeface="Arial" panose="020B0604020202020204" pitchFamily="34" charset="0"/>
+                <a:buChar char="•"/>
+              </a:pPr>
               <a:endParaRPr lang="ko-KR" altLang="en-US" dirty="0">
                 <a:solidFill>
                   <a:schemeClr val="bg1"/>
@@ -34597,7 +33489,7 @@
     <p:bg>
       <p:bgPr>
         <a:solidFill>
-          <a:schemeClr val="accent2"/>
+          <a:schemeClr val="accent3"/>
         </a:solidFill>
         <a:effectLst/>
       </p:bgPr>
@@ -34616,195 +33508,40 @@
           <a:chExt cx="0" cy="0"/>
         </a:xfrm>
       </p:grpSpPr>
-      <p:sp>
-        <p:nvSpPr>
-          <p:cNvPr id="3" name="TextBox 2">
-            <a:extLst>
-              <a:ext uri="{FF2B5EF4-FFF2-40B4-BE49-F238E27FC236}">
-                <a16:creationId xmlns:a16="http://schemas.microsoft.com/office/drawing/2014/main" id="{91C4265C-0EAD-4FFD-BF99-406D49533C1D}"/>
-              </a:ext>
-            </a:extLst>
-          </p:cNvPr>
-          <p:cNvSpPr txBox="1"/>
-          <p:nvPr/>
-        </p:nvSpPr>
-        <p:spPr>
-          <a:xfrm>
-            <a:off x="3048000" y="3244334"/>
-            <a:ext cx="6096000" cy="369332"/>
+      <p:pic>
+        <p:nvPicPr>
+          <p:cNvPr id="16" name="그림 15">
+            <a:extLst>
+              <a:ext uri="{FF2B5EF4-FFF2-40B4-BE49-F238E27FC236}">
+                <a16:creationId xmlns:a16="http://schemas.microsoft.com/office/drawing/2014/main" id="{5F28DD82-A1AD-4B7F-A933-11DF81EF799F}"/>
+              </a:ext>
+            </a:extLst>
+          </p:cNvPr>
+          <p:cNvPicPr>
+            <a:picLocks noChangeAspect="1"/>
+          </p:cNvPicPr>
+          <p:nvPr/>
+        </p:nvPicPr>
+        <p:blipFill>
+          <a:blip r:embed="rId2"/>
+          <a:stretch>
+            <a:fillRect/>
+          </a:stretch>
+        </p:blipFill>
+        <p:spPr>
+          <a:xfrm>
+            <a:off x="1241813" y="969107"/>
+            <a:ext cx="9708374" cy="5371799"/>
           </a:xfrm>
           <a:prstGeom prst="rect">
             <a:avLst/>
           </a:prstGeom>
-          <a:noFill/>
-        </p:spPr>
-        <p:txBody>
-          <a:bodyPr wrap="square">
-            <a:spAutoFit/>
-          </a:bodyPr>
-          <a:lstStyle/>
-          <a:p>
-            <a:pPr algn="ctr"/>
-            <a:r>
-              <a:rPr lang="en-US" altLang="ko-KR" sz="1800" dirty="0">
-                <a:solidFill>
-                  <a:schemeClr val="bg1"/>
-                </a:solidFill>
-              </a:rPr>
-              <a:t>Winter Dream</a:t>
-            </a:r>
-            <a:endParaRPr lang="ko-KR" altLang="en-US" sz="1800" dirty="0">
-              <a:solidFill>
-                <a:schemeClr val="bg1"/>
-              </a:solidFill>
-            </a:endParaRPr>
-          </a:p>
-        </p:txBody>
-      </p:sp>
-      <p:sp>
-        <p:nvSpPr>
-          <p:cNvPr id="4" name="TextBox 3">
-            <a:extLst>
-              <a:ext uri="{FF2B5EF4-FFF2-40B4-BE49-F238E27FC236}">
-                <a16:creationId xmlns:a16="http://schemas.microsoft.com/office/drawing/2014/main" id="{E251FDC9-B70C-4BC0-8AC7-216B5765985E}"/>
-              </a:ext>
-            </a:extLst>
-          </p:cNvPr>
-          <p:cNvSpPr txBox="1"/>
-          <p:nvPr/>
-        </p:nvSpPr>
-        <p:spPr>
-          <a:xfrm>
-            <a:off x="5122015" y="2824480"/>
-            <a:ext cx="1947969" cy="369332"/>
-          </a:xfrm>
-          <a:prstGeom prst="rect">
-            <a:avLst/>
-          </a:prstGeom>
-          <a:noFill/>
-        </p:spPr>
-        <p:txBody>
-          <a:bodyPr wrap="none" rtlCol="0">
-            <a:spAutoFit/>
-          </a:bodyPr>
-          <a:lstStyle/>
-          <a:p>
-            <a:pPr algn="ctr"/>
-            <a:r>
-              <a:rPr lang="ko-KR" altLang="en-US" dirty="0">
-                <a:solidFill>
-                  <a:schemeClr val="bg1"/>
-                </a:solidFill>
-              </a:rPr>
-              <a:t>성큼 다가온 겨울</a:t>
-            </a:r>
-          </a:p>
-        </p:txBody>
-      </p:sp>
-      <p:sp>
-        <p:nvSpPr>
-          <p:cNvPr id="5" name="양쪽 대괄호 4">
-            <a:extLst>
-              <a:ext uri="{FF2B5EF4-FFF2-40B4-BE49-F238E27FC236}">
-                <a16:creationId xmlns:a16="http://schemas.microsoft.com/office/drawing/2014/main" id="{7B2CAB3D-75D4-47BA-AA00-C925C76EC1D2}"/>
-              </a:ext>
-            </a:extLst>
-          </p:cNvPr>
-          <p:cNvSpPr/>
-          <p:nvPr/>
-        </p:nvSpPr>
-        <p:spPr>
-          <a:xfrm>
-            <a:off x="2153919" y="2009279"/>
-            <a:ext cx="7884160" cy="2369066"/>
-          </a:xfrm>
-          <a:prstGeom prst="bracketPair">
-            <a:avLst>
-              <a:gd name="adj" fmla="val 10867"/>
-            </a:avLst>
-          </a:prstGeom>
-          <a:ln>
-            <a:solidFill>
-              <a:schemeClr val="bg1">
-                <a:lumMod val="95000"/>
-              </a:schemeClr>
-            </a:solidFill>
-          </a:ln>
-        </p:spPr>
-        <p:style>
-          <a:lnRef idx="1">
-            <a:schemeClr val="accent1"/>
-          </a:lnRef>
-          <a:fillRef idx="0">
-            <a:schemeClr val="accent1"/>
-          </a:fillRef>
-          <a:effectRef idx="0">
-            <a:schemeClr val="accent1"/>
-          </a:effectRef>
-          <a:fontRef idx="minor">
-            <a:schemeClr val="tx1"/>
-          </a:fontRef>
-        </p:style>
-        <p:txBody>
-          <a:bodyPr rtlCol="0" anchor="ctr"/>
-          <a:lstStyle/>
-          <a:p>
-            <a:pPr algn="ctr"/>
-            <a:endParaRPr lang="ko-KR" altLang="en-US"/>
-          </a:p>
-        </p:txBody>
-      </p:sp>
-      <p:sp>
-        <p:nvSpPr>
-          <p:cNvPr id="6" name="TextBox 5">
-            <a:extLst>
-              <a:ext uri="{FF2B5EF4-FFF2-40B4-BE49-F238E27FC236}">
-                <a16:creationId xmlns:a16="http://schemas.microsoft.com/office/drawing/2014/main" id="{99A3A4B1-78DD-4F9A-807D-7BC51AFF4B1A}"/>
-              </a:ext>
-            </a:extLst>
-          </p:cNvPr>
-          <p:cNvSpPr txBox="1"/>
-          <p:nvPr/>
-        </p:nvSpPr>
-        <p:spPr>
-          <a:xfrm>
-            <a:off x="182880" y="193040"/>
-            <a:ext cx="1832553" cy="338554"/>
-          </a:xfrm>
-          <a:prstGeom prst="rect">
-            <a:avLst/>
-          </a:prstGeom>
-          <a:noFill/>
-        </p:spPr>
-        <p:txBody>
-          <a:bodyPr wrap="none" rtlCol="0">
-            <a:spAutoFit/>
-          </a:bodyPr>
-          <a:lstStyle/>
-          <a:p>
-            <a:r>
-              <a:rPr lang="ko-KR" altLang="en-US" sz="1600" dirty="0" err="1">
-                <a:solidFill>
-                  <a:schemeClr val="bg1"/>
-                </a:solidFill>
-              </a:rPr>
-              <a:t>새별의</a:t>
-            </a:r>
-            <a:r>
-              <a:rPr lang="ko-KR" altLang="en-US" sz="1600" dirty="0">
-                <a:solidFill>
-                  <a:schemeClr val="bg1"/>
-                </a:solidFill>
-              </a:rPr>
-              <a:t> 파워포인트</a:t>
-            </a:r>
-          </a:p>
-        </p:txBody>
-      </p:sp>
+        </p:spPr>
+      </p:pic>
     </p:spTree>
     <p:extLst>
       <p:ext uri="{BB962C8B-B14F-4D97-AF65-F5344CB8AC3E}">
-        <p14:creationId xmlns:p14="http://schemas.microsoft.com/office/powerpoint/2010/main" val="2838248862"/>
+        <p14:creationId xmlns:p14="http://schemas.microsoft.com/office/powerpoint/2010/main" val="840038371"/>
       </p:ext>
     </p:extLst>
   </p:cSld>
@@ -34829,14 +33566,6 @@
 <file path=ppt/slides/slide9.xml><?xml version="1.0" encoding="utf-8"?>
 <p:sld xmlns:a="http://schemas.openxmlformats.org/drawingml/2006/main" xmlns:r="http://schemas.openxmlformats.org/officeDocument/2006/relationships" xmlns:p="http://schemas.openxmlformats.org/presentationml/2006/main">
   <p:cSld>
-    <p:bg>
-      <p:bgPr>
-        <a:solidFill>
-          <a:schemeClr val="accent2"/>
-        </a:solidFill>
-        <a:effectLst/>
-      </p:bgPr>
-    </p:bg>
     <p:spTree>
       <p:nvGrpSpPr>
         <p:cNvPr id="1" name=""/>
@@ -34851,195 +33580,70 @@
           <a:chExt cx="0" cy="0"/>
         </a:xfrm>
       </p:grpSpPr>
-      <p:sp>
-        <p:nvSpPr>
-          <p:cNvPr id="3" name="TextBox 2">
-            <a:extLst>
-              <a:ext uri="{FF2B5EF4-FFF2-40B4-BE49-F238E27FC236}">
-                <a16:creationId xmlns:a16="http://schemas.microsoft.com/office/drawing/2014/main" id="{91C4265C-0EAD-4FFD-BF99-406D49533C1D}"/>
-              </a:ext>
-            </a:extLst>
-          </p:cNvPr>
-          <p:cNvSpPr txBox="1"/>
-          <p:nvPr/>
-        </p:nvSpPr>
-        <p:spPr>
-          <a:xfrm>
-            <a:off x="3048000" y="3244334"/>
-            <a:ext cx="6096000" cy="369332"/>
+      <p:pic>
+        <p:nvPicPr>
+          <p:cNvPr id="3" name="그림 2">
+            <a:extLst>
+              <a:ext uri="{FF2B5EF4-FFF2-40B4-BE49-F238E27FC236}">
+                <a16:creationId xmlns:a16="http://schemas.microsoft.com/office/drawing/2014/main" id="{FD67175B-5C06-4AFC-AFB9-5FC17CB44FAD}"/>
+              </a:ext>
+            </a:extLst>
+          </p:cNvPr>
+          <p:cNvPicPr>
+            <a:picLocks noChangeAspect="1"/>
+          </p:cNvPicPr>
+          <p:nvPr/>
+        </p:nvPicPr>
+        <p:blipFill>
+          <a:blip r:embed="rId2"/>
+          <a:stretch>
+            <a:fillRect/>
+          </a:stretch>
+        </p:blipFill>
+        <p:spPr>
+          <a:xfrm>
+            <a:off x="2119961" y="0"/>
+            <a:ext cx="7952078" cy="6858000"/>
           </a:xfrm>
           <a:prstGeom prst="rect">
             <a:avLst/>
           </a:prstGeom>
-          <a:noFill/>
-        </p:spPr>
-        <p:txBody>
-          <a:bodyPr wrap="square">
-            <a:spAutoFit/>
-          </a:bodyPr>
-          <a:lstStyle/>
-          <a:p>
-            <a:pPr algn="ctr"/>
-            <a:r>
-              <a:rPr lang="en-US" altLang="ko-KR" sz="1800" dirty="0">
-                <a:solidFill>
-                  <a:schemeClr val="bg1"/>
-                </a:solidFill>
-              </a:rPr>
-              <a:t>Winter Dream</a:t>
-            </a:r>
-            <a:endParaRPr lang="ko-KR" altLang="en-US" sz="1800" dirty="0">
-              <a:solidFill>
-                <a:schemeClr val="bg1"/>
-              </a:solidFill>
-            </a:endParaRPr>
-          </a:p>
-        </p:txBody>
-      </p:sp>
-      <p:sp>
-        <p:nvSpPr>
-          <p:cNvPr id="4" name="TextBox 3">
-            <a:extLst>
-              <a:ext uri="{FF2B5EF4-FFF2-40B4-BE49-F238E27FC236}">
-                <a16:creationId xmlns:a16="http://schemas.microsoft.com/office/drawing/2014/main" id="{E251FDC9-B70C-4BC0-8AC7-216B5765985E}"/>
-              </a:ext>
-            </a:extLst>
-          </p:cNvPr>
-          <p:cNvSpPr txBox="1"/>
-          <p:nvPr/>
-        </p:nvSpPr>
-        <p:spPr>
-          <a:xfrm>
-            <a:off x="5122015" y="2824480"/>
-            <a:ext cx="1947969" cy="369332"/>
+        </p:spPr>
+      </p:pic>
+      <p:pic>
+        <p:nvPicPr>
+          <p:cNvPr id="5" name="그림 4">
+            <a:extLst>
+              <a:ext uri="{FF2B5EF4-FFF2-40B4-BE49-F238E27FC236}">
+                <a16:creationId xmlns:a16="http://schemas.microsoft.com/office/drawing/2014/main" id="{9A09737E-8E14-4C69-B9BE-D78CC0F546C0}"/>
+              </a:ext>
+            </a:extLst>
+          </p:cNvPr>
+          <p:cNvPicPr>
+            <a:picLocks noChangeAspect="1"/>
+          </p:cNvPicPr>
+          <p:nvPr/>
+        </p:nvPicPr>
+        <p:blipFill>
+          <a:blip r:embed="rId3"/>
+          <a:stretch>
+            <a:fillRect/>
+          </a:stretch>
+        </p:blipFill>
+        <p:spPr>
+          <a:xfrm>
+            <a:off x="3867150" y="1933575"/>
+            <a:ext cx="4457700" cy="2990850"/>
           </a:xfrm>
           <a:prstGeom prst="rect">
             <a:avLst/>
           </a:prstGeom>
-          <a:noFill/>
-        </p:spPr>
-        <p:txBody>
-          <a:bodyPr wrap="none" rtlCol="0">
-            <a:spAutoFit/>
-          </a:bodyPr>
-          <a:lstStyle/>
-          <a:p>
-            <a:pPr algn="ctr"/>
-            <a:r>
-              <a:rPr lang="ko-KR" altLang="en-US" dirty="0">
-                <a:solidFill>
-                  <a:schemeClr val="bg1"/>
-                </a:solidFill>
-              </a:rPr>
-              <a:t>성큼 다가온 겨울</a:t>
-            </a:r>
-          </a:p>
-        </p:txBody>
-      </p:sp>
-      <p:sp>
-        <p:nvSpPr>
-          <p:cNvPr id="5" name="양쪽 대괄호 4">
-            <a:extLst>
-              <a:ext uri="{FF2B5EF4-FFF2-40B4-BE49-F238E27FC236}">
-                <a16:creationId xmlns:a16="http://schemas.microsoft.com/office/drawing/2014/main" id="{7B2CAB3D-75D4-47BA-AA00-C925C76EC1D2}"/>
-              </a:ext>
-            </a:extLst>
-          </p:cNvPr>
-          <p:cNvSpPr/>
-          <p:nvPr/>
-        </p:nvSpPr>
-        <p:spPr>
-          <a:xfrm>
-            <a:off x="2153919" y="2009279"/>
-            <a:ext cx="7884160" cy="2369066"/>
-          </a:xfrm>
-          <a:prstGeom prst="bracketPair">
-            <a:avLst>
-              <a:gd name="adj" fmla="val 10867"/>
-            </a:avLst>
-          </a:prstGeom>
-          <a:ln>
-            <a:solidFill>
-              <a:schemeClr val="bg1">
-                <a:lumMod val="95000"/>
-              </a:schemeClr>
-            </a:solidFill>
-          </a:ln>
-        </p:spPr>
-        <p:style>
-          <a:lnRef idx="1">
-            <a:schemeClr val="accent1"/>
-          </a:lnRef>
-          <a:fillRef idx="0">
-            <a:schemeClr val="accent1"/>
-          </a:fillRef>
-          <a:effectRef idx="0">
-            <a:schemeClr val="accent1"/>
-          </a:effectRef>
-          <a:fontRef idx="minor">
-            <a:schemeClr val="tx1"/>
-          </a:fontRef>
-        </p:style>
-        <p:txBody>
-          <a:bodyPr rtlCol="0" anchor="ctr"/>
-          <a:lstStyle/>
-          <a:p>
-            <a:pPr algn="ctr"/>
-            <a:endParaRPr lang="ko-KR" altLang="en-US"/>
-          </a:p>
-        </p:txBody>
-      </p:sp>
-      <p:sp>
-        <p:nvSpPr>
-          <p:cNvPr id="6" name="TextBox 5">
-            <a:extLst>
-              <a:ext uri="{FF2B5EF4-FFF2-40B4-BE49-F238E27FC236}">
-                <a16:creationId xmlns:a16="http://schemas.microsoft.com/office/drawing/2014/main" id="{99A3A4B1-78DD-4F9A-807D-7BC51AFF4B1A}"/>
-              </a:ext>
-            </a:extLst>
-          </p:cNvPr>
-          <p:cNvSpPr txBox="1"/>
-          <p:nvPr/>
-        </p:nvSpPr>
-        <p:spPr>
-          <a:xfrm>
-            <a:off x="182880" y="193040"/>
-            <a:ext cx="1832553" cy="338554"/>
-          </a:xfrm>
-          <a:prstGeom prst="rect">
-            <a:avLst/>
-          </a:prstGeom>
-          <a:noFill/>
-        </p:spPr>
-        <p:txBody>
-          <a:bodyPr wrap="none" rtlCol="0">
-            <a:spAutoFit/>
-          </a:bodyPr>
-          <a:lstStyle/>
-          <a:p>
-            <a:r>
-              <a:rPr lang="ko-KR" altLang="en-US" sz="1600" dirty="0" err="1">
-                <a:solidFill>
-                  <a:schemeClr val="bg1"/>
-                </a:solidFill>
-              </a:rPr>
-              <a:t>새별의</a:t>
-            </a:r>
-            <a:r>
-              <a:rPr lang="ko-KR" altLang="en-US" sz="1600" dirty="0">
-                <a:solidFill>
-                  <a:schemeClr val="bg1"/>
-                </a:solidFill>
-              </a:rPr>
-              <a:t> 파워포인트</a:t>
-            </a:r>
-          </a:p>
-        </p:txBody>
-      </p:sp>
+        </p:spPr>
+      </p:pic>
     </p:spTree>
     <p:extLst>
       <p:ext uri="{BB962C8B-B14F-4D97-AF65-F5344CB8AC3E}">
-        <p14:creationId xmlns:p14="http://schemas.microsoft.com/office/powerpoint/2010/main" val="1145354807"/>
+        <p14:creationId xmlns:p14="http://schemas.microsoft.com/office/powerpoint/2010/main" val="1031364516"/>
       </p:ext>
     </p:extLst>
   </p:cSld>

--- a/aPlatform/aPlatform/portfolio_README.pptx
+++ b/aPlatform/aPlatform/portfolio_README.pptx
@@ -4219,7 +4219,7 @@
           <a:p>
             <a:fld id="{9FE7A9D4-2312-4C80-955C-3A7FA2F8832A}" type="datetimeFigureOut">
               <a:rPr lang="ko-KR" altLang="en-US" smtClean="0"/>
-              <a:t>2022-05-04</a:t>
+              <a:t>2022-06-24</a:t>
             </a:fld>
             <a:endParaRPr lang="ko-KR" altLang="en-US"/>
           </a:p>
@@ -4519,7 +4519,7 @@
           <a:p>
             <a:fld id="{9FE7A9D4-2312-4C80-955C-3A7FA2F8832A}" type="datetimeFigureOut">
               <a:rPr lang="ko-KR" altLang="en-US" smtClean="0"/>
-              <a:t>2022-05-04</a:t>
+              <a:t>2022-06-24</a:t>
             </a:fld>
             <a:endParaRPr lang="ko-KR" altLang="en-US"/>
           </a:p>
@@ -4729,7 +4729,7 @@
           <a:p>
             <a:fld id="{9FE7A9D4-2312-4C80-955C-3A7FA2F8832A}" type="datetimeFigureOut">
               <a:rPr lang="ko-KR" altLang="en-US" smtClean="0"/>
-              <a:t>2022-05-04</a:t>
+              <a:t>2022-06-24</a:t>
             </a:fld>
             <a:endParaRPr lang="ko-KR" altLang="en-US"/>
           </a:p>
@@ -4949,7 +4949,7 @@
           <a:p>
             <a:fld id="{9FE7A9D4-2312-4C80-955C-3A7FA2F8832A}" type="datetimeFigureOut">
               <a:rPr lang="ko-KR" altLang="en-US" smtClean="0"/>
-              <a:t>2022-05-04</a:t>
+              <a:t>2022-06-24</a:t>
             </a:fld>
             <a:endParaRPr lang="ko-KR" altLang="en-US"/>
           </a:p>
@@ -5159,7 +5159,7 @@
           <a:p>
             <a:fld id="{9FE7A9D4-2312-4C80-955C-3A7FA2F8832A}" type="datetimeFigureOut">
               <a:rPr lang="ko-KR" altLang="en-US" smtClean="0"/>
-              <a:t>2022-05-04</a:t>
+              <a:t>2022-06-24</a:t>
             </a:fld>
             <a:endParaRPr lang="ko-KR" altLang="en-US"/>
           </a:p>
@@ -5446,7 +5446,7 @@
           <a:p>
             <a:fld id="{9FE7A9D4-2312-4C80-955C-3A7FA2F8832A}" type="datetimeFigureOut">
               <a:rPr lang="ko-KR" altLang="en-US" smtClean="0"/>
-              <a:t>2022-05-04</a:t>
+              <a:t>2022-06-24</a:t>
             </a:fld>
             <a:endParaRPr lang="ko-KR" altLang="en-US"/>
           </a:p>
@@ -5723,7 +5723,7 @@
           <a:p>
             <a:fld id="{9FE7A9D4-2312-4C80-955C-3A7FA2F8832A}" type="datetimeFigureOut">
               <a:rPr lang="ko-KR" altLang="en-US" smtClean="0"/>
-              <a:t>2022-05-04</a:t>
+              <a:t>2022-06-24</a:t>
             </a:fld>
             <a:endParaRPr lang="ko-KR" altLang="en-US"/>
           </a:p>
@@ -6147,7 +6147,7 @@
           <a:p>
             <a:fld id="{9FE7A9D4-2312-4C80-955C-3A7FA2F8832A}" type="datetimeFigureOut">
               <a:rPr lang="ko-KR" altLang="en-US" smtClean="0"/>
-              <a:t>2022-05-04</a:t>
+              <a:t>2022-06-24</a:t>
             </a:fld>
             <a:endParaRPr lang="ko-KR" altLang="en-US"/>
           </a:p>
@@ -6300,7 +6300,7 @@
           <a:p>
             <a:fld id="{9FE7A9D4-2312-4C80-955C-3A7FA2F8832A}" type="datetimeFigureOut">
               <a:rPr lang="ko-KR" altLang="en-US" smtClean="0"/>
-              <a:t>2022-05-04</a:t>
+              <a:t>2022-06-24</a:t>
             </a:fld>
             <a:endParaRPr lang="ko-KR" altLang="en-US"/>
           </a:p>
@@ -6514,7 +6514,7 @@
           <a:p>
             <a:fld id="{9FE7A9D4-2312-4C80-955C-3A7FA2F8832A}" type="datetimeFigureOut">
               <a:rPr lang="ko-KR" altLang="en-US" smtClean="0"/>
-              <a:t>2022-05-04</a:t>
+              <a:t>2022-06-24</a:t>
             </a:fld>
             <a:endParaRPr lang="ko-KR" altLang="en-US"/>
           </a:p>
@@ -6728,7 +6728,7 @@
           <a:p>
             <a:fld id="{9FE7A9D4-2312-4C80-955C-3A7FA2F8832A}" type="datetimeFigureOut">
               <a:rPr lang="ko-KR" altLang="en-US" smtClean="0"/>
-              <a:t>2022-05-04</a:t>
+              <a:t>2022-06-24</a:t>
             </a:fld>
             <a:endParaRPr lang="ko-KR" altLang="en-US"/>
           </a:p>
@@ -7051,7 +7051,7 @@
           <a:p>
             <a:fld id="{9FE7A9D4-2312-4C80-955C-3A7FA2F8832A}" type="datetimeFigureOut">
               <a:rPr lang="ko-KR" altLang="en-US" smtClean="0"/>
-              <a:t>2022-05-04</a:t>
+              <a:t>2022-06-24</a:t>
             </a:fld>
             <a:endParaRPr lang="ko-KR" altLang="en-US"/>
           </a:p>
@@ -7304,7 +7304,7 @@
           <a:p>
             <a:fld id="{9FE7A9D4-2312-4C80-955C-3A7FA2F8832A}" type="datetimeFigureOut">
               <a:rPr lang="ko-KR" altLang="en-US" smtClean="0"/>
-              <a:t>2022-05-04</a:t>
+              <a:t>2022-06-24</a:t>
             </a:fld>
             <a:endParaRPr lang="ko-KR" altLang="en-US"/>
           </a:p>
@@ -8093,7 +8093,7 @@
         </p:blipFill>
         <p:spPr>
           <a:xfrm>
-            <a:off x="3590925" y="1924050"/>
+            <a:off x="1000125" y="601174"/>
             <a:ext cx="5010150" cy="3009900"/>
           </a:xfrm>
           <a:prstGeom prst="rect">
@@ -8123,7 +8123,7 @@
         </p:blipFill>
         <p:spPr>
           <a:xfrm>
-            <a:off x="2574802" y="3180251"/>
+            <a:off x="6010275" y="567836"/>
             <a:ext cx="4619625" cy="3076575"/>
           </a:xfrm>
           <a:prstGeom prst="rect">
@@ -8285,7 +8285,7 @@
         </p:blipFill>
         <p:spPr>
           <a:xfrm>
-            <a:off x="2814637" y="1171575"/>
+            <a:off x="2890837" y="1428750"/>
             <a:ext cx="6562725" cy="4514850"/>
           </a:xfrm>
           <a:prstGeom prst="rect">
@@ -8637,12 +8637,12 @@
           <a:p>
             <a:pPr algn="ctr"/>
             <a:r>
-              <a:rPr lang="en-US" altLang="ko-KR" sz="1800" dirty="0">
+              <a:rPr lang="en-US" altLang="ko-KR" sz="1800">
                 <a:solidFill>
                   <a:schemeClr val="bg1"/>
                 </a:solidFill>
               </a:rPr>
-              <a:t>Winter Dream</a:t>
+              <a:t>_a_Finance</a:t>
             </a:r>
             <a:endParaRPr lang="ko-KR" altLang="en-US" sz="1800" dirty="0">
               <a:solidFill>
@@ -8666,8 +8666,8 @@
         </p:nvSpPr>
         <p:spPr>
           <a:xfrm>
-            <a:off x="5122015" y="2824480"/>
-            <a:ext cx="1947969" cy="369332"/>
+            <a:off x="5542001" y="2824480"/>
+            <a:ext cx="1107996" cy="369332"/>
           </a:xfrm>
           <a:prstGeom prst="rect">
             <a:avLst/>
@@ -8682,13 +8682,18 @@
           <a:p>
             <a:pPr algn="ctr"/>
             <a:r>
-              <a:rPr lang="ko-KR" altLang="en-US" dirty="0">
+              <a:rPr lang="ko-KR" altLang="en-US">
                 <a:solidFill>
                   <a:schemeClr val="bg1"/>
                 </a:solidFill>
               </a:rPr>
-              <a:t>성큼 다가온 겨울</a:t>
-            </a:r>
+              <a:t>주식정보</a:t>
+            </a:r>
+            <a:endParaRPr lang="en-US" altLang="ko-KR">
+              <a:solidFill>
+                <a:schemeClr val="bg1"/>
+              </a:solidFill>
+            </a:endParaRPr>
           </a:p>
         </p:txBody>
       </p:sp>
@@ -8742,53 +8747,6 @@
           <a:p>
             <a:pPr algn="ctr"/>
             <a:endParaRPr lang="ko-KR" altLang="en-US"/>
-          </a:p>
-        </p:txBody>
-      </p:sp>
-      <p:sp>
-        <p:nvSpPr>
-          <p:cNvPr id="6" name="TextBox 5">
-            <a:extLst>
-              <a:ext uri="{FF2B5EF4-FFF2-40B4-BE49-F238E27FC236}">
-                <a16:creationId xmlns:a16="http://schemas.microsoft.com/office/drawing/2014/main" id="{99A3A4B1-78DD-4F9A-807D-7BC51AFF4B1A}"/>
-              </a:ext>
-            </a:extLst>
-          </p:cNvPr>
-          <p:cNvSpPr txBox="1"/>
-          <p:nvPr/>
-        </p:nvSpPr>
-        <p:spPr>
-          <a:xfrm>
-            <a:off x="182880" y="193040"/>
-            <a:ext cx="1832553" cy="338554"/>
-          </a:xfrm>
-          <a:prstGeom prst="rect">
-            <a:avLst/>
-          </a:prstGeom>
-          <a:noFill/>
-        </p:spPr>
-        <p:txBody>
-          <a:bodyPr wrap="none" rtlCol="0">
-            <a:spAutoFit/>
-          </a:bodyPr>
-          <a:lstStyle/>
-          <a:p>
-            <a:r>
-              <a:rPr lang="ko-KR" altLang="en-US" sz="1600" dirty="0" err="1">
-                <a:solidFill>
-                  <a:schemeClr val="bg1"/>
-                </a:solidFill>
-              </a:rPr>
-              <a:t>새별의</a:t>
-            </a:r>
-            <a:r>
-              <a:rPr lang="ko-KR" altLang="en-US" sz="1600" dirty="0">
-                <a:solidFill>
-                  <a:schemeClr val="bg1"/>
-                </a:solidFill>
-              </a:rPr>
-              <a:t> 파워포인트</a:t>
-            </a:r>
           </a:p>
         </p:txBody>
       </p:sp>
@@ -33103,7 +33061,7 @@
           <p:spPr>
             <a:xfrm>
               <a:off x="2448562" y="2034550"/>
-              <a:ext cx="2930610" cy="523220"/>
+              <a:ext cx="1620957" cy="523220"/>
             </a:xfrm>
             <a:prstGeom prst="rect">
               <a:avLst/>
@@ -33117,20 +33075,12 @@
             <a:lstStyle/>
             <a:p>
               <a:r>
-                <a:rPr lang="ko-KR" altLang="en-US" sz="2800" dirty="0">
+                <a:rPr lang="ko-KR" altLang="en-US" sz="2800">
                   <a:solidFill>
                     <a:schemeClr val="bg1"/>
                   </a:solidFill>
                 </a:rPr>
-                <a:t>이런 점이 좋아요</a:t>
-              </a:r>
-              <a:r>
-                <a:rPr lang="en-US" altLang="ko-KR" sz="2800" dirty="0">
-                  <a:solidFill>
-                    <a:schemeClr val="bg1"/>
-                  </a:solidFill>
-                </a:rPr>
-                <a:t>!</a:t>
+                <a:t>주식정보</a:t>
               </a:r>
               <a:endParaRPr lang="ko-KR" altLang="en-US" sz="2800" dirty="0">
                 <a:solidFill>
@@ -33155,7 +33105,7 @@
           <p:spPr>
             <a:xfrm>
               <a:off x="985520" y="3114603"/>
-              <a:ext cx="4561840" cy="2068964"/>
+              <a:ext cx="4561840" cy="402546"/>
             </a:xfrm>
             <a:prstGeom prst="rect">
               <a:avLst/>
@@ -33173,150 +33123,6 @@
                   <a:spcPct val="120000"/>
                 </a:lnSpc>
               </a:pPr>
-              <a:r>
-                <a:rPr lang="ko-KR" altLang="en-US" dirty="0">
-                  <a:solidFill>
-                    <a:schemeClr val="bg1"/>
-                  </a:solidFill>
-                </a:rPr>
-                <a:t>이름자를 어머니</a:t>
-              </a:r>
-              <a:r>
-                <a:rPr lang="en-US" altLang="ko-KR" dirty="0">
-                  <a:solidFill>
-                    <a:schemeClr val="bg1"/>
-                  </a:solidFill>
-                </a:rPr>
-                <a:t>, </a:t>
-              </a:r>
-              <a:r>
-                <a:rPr lang="ko-KR" altLang="en-US" dirty="0">
-                  <a:solidFill>
-                    <a:schemeClr val="bg1"/>
-                  </a:solidFill>
-                </a:rPr>
-                <a:t>위에 별 나의 것은 계절이 버리었습니다</a:t>
-              </a:r>
-              <a:r>
-                <a:rPr lang="en-US" altLang="ko-KR" dirty="0">
-                  <a:solidFill>
-                    <a:schemeClr val="bg1"/>
-                  </a:solidFill>
-                </a:rPr>
-                <a:t>. </a:t>
-              </a:r>
-              <a:r>
-                <a:rPr lang="ko-KR" altLang="en-US" dirty="0">
-                  <a:solidFill>
-                    <a:schemeClr val="bg1"/>
-                  </a:solidFill>
-                </a:rPr>
-                <a:t>나는 써 하나에 그리고 동경과 가을로 멀듯이</a:t>
-              </a:r>
-              <a:r>
-                <a:rPr lang="en-US" altLang="ko-KR" dirty="0">
-                  <a:solidFill>
-                    <a:schemeClr val="bg1"/>
-                  </a:solidFill>
-                </a:rPr>
-                <a:t>, </a:t>
-              </a:r>
-              <a:r>
-                <a:rPr lang="ko-KR" altLang="en-US" dirty="0">
-                  <a:solidFill>
-                    <a:schemeClr val="bg1"/>
-                  </a:solidFill>
-                </a:rPr>
-                <a:t>계십니다</a:t>
-              </a:r>
-              <a:r>
-                <a:rPr lang="en-US" altLang="ko-KR" dirty="0">
-                  <a:solidFill>
-                    <a:schemeClr val="bg1"/>
-                  </a:solidFill>
-                </a:rPr>
-                <a:t>. </a:t>
-              </a:r>
-              <a:r>
-                <a:rPr lang="ko-KR" altLang="en-US" dirty="0">
-                  <a:solidFill>
-                    <a:schemeClr val="bg1"/>
-                  </a:solidFill>
-                </a:rPr>
-                <a:t>위에 이네들은 가득 까닭입니다</a:t>
-              </a:r>
-              <a:r>
-                <a:rPr lang="en-US" altLang="ko-KR" dirty="0">
-                  <a:solidFill>
-                    <a:schemeClr val="bg1"/>
-                  </a:solidFill>
-                </a:rPr>
-                <a:t>. </a:t>
-              </a:r>
-              <a:r>
-                <a:rPr lang="ko-KR" altLang="en-US" dirty="0">
-                  <a:solidFill>
-                    <a:schemeClr val="bg1"/>
-                  </a:solidFill>
-                </a:rPr>
-                <a:t>못 피어나듯이 아름다운 부끄러운 지나가는 잠</a:t>
-              </a:r>
-              <a:r>
-                <a:rPr lang="en-US" altLang="ko-KR" dirty="0">
-                  <a:solidFill>
-                    <a:schemeClr val="bg1"/>
-                  </a:solidFill>
-                </a:rPr>
-                <a:t>, </a:t>
-              </a:r>
-              <a:r>
-                <a:rPr lang="ko-KR" altLang="en-US" dirty="0">
-                  <a:solidFill>
-                    <a:schemeClr val="bg1"/>
-                  </a:solidFill>
-                </a:rPr>
-                <a:t>봅니다</a:t>
-              </a:r>
-              <a:r>
-                <a:rPr lang="en-US" altLang="ko-KR" dirty="0">
-                  <a:solidFill>
-                    <a:schemeClr val="bg1"/>
-                  </a:solidFill>
-                </a:rPr>
-                <a:t>. </a:t>
-              </a:r>
-              <a:r>
-                <a:rPr lang="ko-KR" altLang="en-US" dirty="0">
-                  <a:solidFill>
-                    <a:schemeClr val="bg1"/>
-                  </a:solidFill>
-                </a:rPr>
-                <a:t>이름과</a:t>
-              </a:r>
-              <a:r>
-                <a:rPr lang="en-US" altLang="ko-KR" dirty="0">
-                  <a:solidFill>
-                    <a:schemeClr val="bg1"/>
-                  </a:solidFill>
-                </a:rPr>
-                <a:t>, </a:t>
-              </a:r>
-              <a:r>
-                <a:rPr lang="ko-KR" altLang="en-US" dirty="0">
-                  <a:solidFill>
-                    <a:schemeClr val="bg1"/>
-                  </a:solidFill>
-                </a:rPr>
-                <a:t>가을 별 아름다운 흙으로 별빛이 봅니다</a:t>
-              </a:r>
-              <a:r>
-                <a:rPr lang="en-US" altLang="ko-KR" dirty="0">
-                  <a:solidFill>
-                    <a:schemeClr val="bg1"/>
-                  </a:solidFill>
-                </a:rPr>
-                <a:t>.</a:t>
-              </a:r>
               <a:endParaRPr lang="ko-KR" altLang="en-US" dirty="0">
                 <a:solidFill>
                   <a:schemeClr val="bg1"/>
@@ -33326,6 +33132,145 @@
           </p:txBody>
         </p:sp>
       </p:grpSp>
+      <p:sp>
+        <p:nvSpPr>
+          <p:cNvPr id="14" name="TextBox 13">
+            <a:extLst>
+              <a:ext uri="{FF2B5EF4-FFF2-40B4-BE49-F238E27FC236}">
+                <a16:creationId xmlns:a16="http://schemas.microsoft.com/office/drawing/2014/main" id="{A971F022-A8A7-A67A-EA5E-57C2DF2A59B9}"/>
+              </a:ext>
+            </a:extLst>
+          </p:cNvPr>
+          <p:cNvSpPr txBox="1"/>
+          <p:nvPr/>
+        </p:nvSpPr>
+        <p:spPr>
+          <a:xfrm>
+            <a:off x="6627082" y="3114603"/>
+            <a:ext cx="4561840" cy="2064540"/>
+          </a:xfrm>
+          <a:prstGeom prst="rect">
+            <a:avLst/>
+          </a:prstGeom>
+          <a:noFill/>
+        </p:spPr>
+        <p:txBody>
+          <a:bodyPr wrap="square" rtlCol="0">
+            <a:spAutoFit/>
+          </a:bodyPr>
+          <a:lstStyle/>
+          <a:p>
+            <a:pPr marL="285750" indent="-285750" algn="just">
+              <a:lnSpc>
+                <a:spcPct val="120000"/>
+              </a:lnSpc>
+              <a:buFont typeface="Arial" panose="020B0604020202020204" pitchFamily="34" charset="0"/>
+              <a:buChar char="•"/>
+            </a:pPr>
+            <a:r>
+              <a:rPr lang="ko-KR" altLang="en-US">
+                <a:solidFill>
+                  <a:schemeClr val="bg1"/>
+                </a:solidFill>
+              </a:rPr>
+              <a:t>적재적소의 정보들을 출력</a:t>
+            </a:r>
+            <a:endParaRPr lang="en-US" altLang="ko-KR">
+              <a:solidFill>
+                <a:schemeClr val="bg1"/>
+              </a:solidFill>
+            </a:endParaRPr>
+          </a:p>
+          <a:p>
+            <a:pPr marL="285750" indent="-285750" algn="just">
+              <a:lnSpc>
+                <a:spcPct val="120000"/>
+              </a:lnSpc>
+              <a:buFont typeface="Arial" panose="020B0604020202020204" pitchFamily="34" charset="0"/>
+              <a:buChar char="•"/>
+            </a:pPr>
+            <a:r>
+              <a:rPr lang="ko-KR" altLang="en-US">
+                <a:solidFill>
+                  <a:schemeClr val="bg1"/>
+                </a:solidFill>
+              </a:rPr>
+              <a:t>현재 시가총액 순위 출력</a:t>
+            </a:r>
+            <a:endParaRPr lang="en-US" altLang="ko-KR">
+              <a:solidFill>
+                <a:schemeClr val="bg1"/>
+              </a:solidFill>
+            </a:endParaRPr>
+          </a:p>
+          <a:p>
+            <a:pPr marL="285750" indent="-285750" algn="just">
+              <a:lnSpc>
+                <a:spcPct val="120000"/>
+              </a:lnSpc>
+              <a:buFont typeface="Arial" panose="020B0604020202020204" pitchFamily="34" charset="0"/>
+              <a:buChar char="•"/>
+            </a:pPr>
+            <a:r>
+              <a:rPr lang="ko-KR" altLang="en-US">
+                <a:solidFill>
+                  <a:schemeClr val="bg1"/>
+                </a:solidFill>
+              </a:rPr>
+              <a:t>페이지 운영자의 경우 엑셀로 주식현황 최신화 가능</a:t>
+            </a:r>
+            <a:endParaRPr lang="en-US" altLang="ko-KR">
+              <a:solidFill>
+                <a:schemeClr val="bg1"/>
+              </a:solidFill>
+            </a:endParaRPr>
+          </a:p>
+          <a:p>
+            <a:pPr marL="285750" indent="-285750" algn="just">
+              <a:lnSpc>
+                <a:spcPct val="120000"/>
+              </a:lnSpc>
+              <a:buFont typeface="Arial" panose="020B0604020202020204" pitchFamily="34" charset="0"/>
+              <a:buChar char="•"/>
+            </a:pPr>
+            <a:r>
+              <a:rPr lang="ko-KR" altLang="en-US">
+                <a:solidFill>
+                  <a:schemeClr val="bg1"/>
+                </a:solidFill>
+              </a:rPr>
+              <a:t>관심종목기능 </a:t>
+            </a:r>
+            <a:endParaRPr lang="en-US" altLang="ko-KR">
+              <a:solidFill>
+                <a:schemeClr val="bg1"/>
+              </a:solidFill>
+            </a:endParaRPr>
+          </a:p>
+          <a:p>
+            <a:pPr marL="285750" indent="-285750" algn="just">
+              <a:lnSpc>
+                <a:spcPct val="120000"/>
+              </a:lnSpc>
+              <a:buFont typeface="Arial" panose="020B0604020202020204" pitchFamily="34" charset="0"/>
+              <a:buChar char="•"/>
+            </a:pPr>
+            <a:r>
+              <a:rPr lang="ko-KR" altLang="en-US">
+                <a:solidFill>
+                  <a:schemeClr val="bg1"/>
+                </a:solidFill>
+              </a:rPr>
+              <a:t>종목검색으로 세부정보 습득 가능</a:t>
+            </a:r>
+            <a:endParaRPr lang="ko-KR" altLang="en-US" dirty="0">
+              <a:solidFill>
+                <a:schemeClr val="bg1"/>
+              </a:solidFill>
+            </a:endParaRPr>
+          </a:p>
+        </p:txBody>
+      </p:sp>
     </p:spTree>
     <p:extLst>
       <p:ext uri="{BB962C8B-B14F-4D97-AF65-F5344CB8AC3E}">
@@ -33896,13 +33841,13 @@
   <p:clrMapOvr>
     <a:masterClrMapping/>
   </p:clrMapOvr>
-  <mc:AlternateContent xmlns:mc="http://schemas.openxmlformats.org/markup-compatibility/2006">
-    <mc:Choice xmlns:p14="http://schemas.microsoft.com/office/powerpoint/2010/main" Requires="p14">
+  <mc:AlternateContent xmlns:mc="http://schemas.openxmlformats.org/markup-compatibility/2006" xmlns:p14="http://schemas.microsoft.com/office/powerpoint/2010/main">
+    <mc:Choice Requires="p14">
       <p:transition spd="med" p14:dur="700">
         <p:fade/>
       </p:transition>
     </mc:Choice>
-    <mc:Fallback>
+    <mc:Fallback xmlns="">
       <p:transition spd="med">
         <p:fade/>
       </p:transition>
